--- a/slides/3_StreamingAnalytics.pptx
+++ b/slides/3_StreamingAnalytics.pptx
@@ -219,7 +219,7 @@
           <a:p>
             <a:fld id="{2F3ABF1A-8818-4472-8518-E71DC7B5D2F7}" type="datetimeFigureOut">
               <a:rPr lang="en-US" smtClean="0"/>
-              <a:t>6/24/2021</a:t>
+              <a:t>6/25/2021</a:t>
             </a:fld>
             <a:endParaRPr lang="en-US"/>
           </a:p>
@@ -633,7 +633,7 @@
           <a:p>
             <a:fld id="{6E4A31BF-7266-4BEB-918B-ADC21C630A6F}" type="datetimeFigureOut">
               <a:rPr lang="en-US" smtClean="0"/>
-              <a:t>6/24/2021</a:t>
+              <a:t>6/25/2021</a:t>
             </a:fld>
             <a:endParaRPr lang="en-US"/>
           </a:p>
@@ -831,7 +831,7 @@
           <a:p>
             <a:fld id="{6E4A31BF-7266-4BEB-918B-ADC21C630A6F}" type="datetimeFigureOut">
               <a:rPr lang="en-US" smtClean="0"/>
-              <a:t>6/24/2021</a:t>
+              <a:t>6/25/2021</a:t>
             </a:fld>
             <a:endParaRPr lang="en-US"/>
           </a:p>
@@ -1039,7 +1039,7 @@
           <a:p>
             <a:fld id="{6E4A31BF-7266-4BEB-918B-ADC21C630A6F}" type="datetimeFigureOut">
               <a:rPr lang="en-US" smtClean="0"/>
-              <a:t>6/24/2021</a:t>
+              <a:t>6/25/2021</a:t>
             </a:fld>
             <a:endParaRPr lang="en-US"/>
           </a:p>
@@ -1237,7 +1237,7 @@
           <a:p>
             <a:fld id="{6E4A31BF-7266-4BEB-918B-ADC21C630A6F}" type="datetimeFigureOut">
               <a:rPr lang="en-US" smtClean="0"/>
-              <a:t>6/24/2021</a:t>
+              <a:t>6/25/2021</a:t>
             </a:fld>
             <a:endParaRPr lang="en-US"/>
           </a:p>
@@ -1512,7 +1512,7 @@
           <a:p>
             <a:fld id="{6E4A31BF-7266-4BEB-918B-ADC21C630A6F}" type="datetimeFigureOut">
               <a:rPr lang="en-US" smtClean="0"/>
-              <a:t>6/24/2021</a:t>
+              <a:t>6/25/2021</a:t>
             </a:fld>
             <a:endParaRPr lang="en-US"/>
           </a:p>
@@ -1777,7 +1777,7 @@
           <a:p>
             <a:fld id="{6E4A31BF-7266-4BEB-918B-ADC21C630A6F}" type="datetimeFigureOut">
               <a:rPr lang="en-US" smtClean="0"/>
-              <a:t>6/24/2021</a:t>
+              <a:t>6/25/2021</a:t>
             </a:fld>
             <a:endParaRPr lang="en-US"/>
           </a:p>
@@ -2189,7 +2189,7 @@
           <a:p>
             <a:fld id="{6E4A31BF-7266-4BEB-918B-ADC21C630A6F}" type="datetimeFigureOut">
               <a:rPr lang="en-US" smtClean="0"/>
-              <a:t>6/24/2021</a:t>
+              <a:t>6/25/2021</a:t>
             </a:fld>
             <a:endParaRPr lang="en-US"/>
           </a:p>
@@ -2330,7 +2330,7 @@
           <a:p>
             <a:fld id="{6E4A31BF-7266-4BEB-918B-ADC21C630A6F}" type="datetimeFigureOut">
               <a:rPr lang="en-US" smtClean="0"/>
-              <a:t>6/24/2021</a:t>
+              <a:t>6/25/2021</a:t>
             </a:fld>
             <a:endParaRPr lang="en-US"/>
           </a:p>
@@ -2443,7 +2443,7 @@
           <a:p>
             <a:fld id="{6E4A31BF-7266-4BEB-918B-ADC21C630A6F}" type="datetimeFigureOut">
               <a:rPr lang="en-US" smtClean="0"/>
-              <a:t>6/24/2021</a:t>
+              <a:t>6/25/2021</a:t>
             </a:fld>
             <a:endParaRPr lang="en-US"/>
           </a:p>
@@ -2754,7 +2754,7 @@
           <a:p>
             <a:fld id="{6E4A31BF-7266-4BEB-918B-ADC21C630A6F}" type="datetimeFigureOut">
               <a:rPr lang="en-US" smtClean="0"/>
-              <a:t>6/24/2021</a:t>
+              <a:t>6/25/2021</a:t>
             </a:fld>
             <a:endParaRPr lang="en-US"/>
           </a:p>
@@ -3042,7 +3042,7 @@
           <a:p>
             <a:fld id="{6E4A31BF-7266-4BEB-918B-ADC21C630A6F}" type="datetimeFigureOut">
               <a:rPr lang="en-US" smtClean="0"/>
-              <a:t>6/24/2021</a:t>
+              <a:t>6/25/2021</a:t>
             </a:fld>
             <a:endParaRPr lang="en-US"/>
           </a:p>
@@ -3283,7 +3283,7 @@
           <a:p>
             <a:fld id="{6E4A31BF-7266-4BEB-918B-ADC21C630A6F}" type="datetimeFigureOut">
               <a:rPr lang="en-US" smtClean="0"/>
-              <a:t>6/24/2021</a:t>
+              <a:t>6/25/2021</a:t>
             </a:fld>
             <a:endParaRPr lang="en-US"/>
           </a:p>
@@ -7191,7 +7191,7 @@
             <a:pPr algn="ctr"/>
             <a:r>
               <a:rPr lang="en-US" sz="2400" dirty="0"/>
-              <a:t>Time step = 4</a:t>
+              <a:t>Stride = 4</a:t>
             </a:r>
           </a:p>
         </p:txBody>
@@ -7597,7 +7597,7 @@
             </a:pPr>
             <a:r>
               <a:rPr lang="en-US" dirty="0"/>
-              <a:t>Move window by a time step</a:t>
+              <a:t>Move window by a Stride</a:t>
             </a:r>
           </a:p>
           <a:p>
@@ -7606,8 +7606,13 @@
             </a:pPr>
             <a:r>
               <a:rPr lang="en-US" dirty="0"/>
-              <a:t>Repeat above steps  </a:t>
-            </a:r>
+              <a:t>Repeat steps </a:t>
+            </a:r>
+            <a:r>
+              <a:rPr lang="en-US"/>
+              <a:t>1-3 indefinitely </a:t>
+            </a:r>
+            <a:endParaRPr lang="en-US" dirty="0"/>
           </a:p>
           <a:p>
             <a:pPr lvl="1"/>
@@ -16546,14 +16551,11 @@
           </a:lstStyle>
           <a:p>
             <a:r>
-              <a:rPr lang="en-US">
+              <a:rPr lang="en-US" dirty="0">
                 <a:latin typeface="+mn-lt"/>
               </a:rPr>
-              <a:t>Categorical Data </a:t>
-            </a:r>
-            <a:endParaRPr lang="en-US" dirty="0">
-              <a:latin typeface="+mn-lt"/>
-            </a:endParaRPr>
+              <a:t>Finding Unique Values in a Stream</a:t>
+            </a:r>
           </a:p>
         </p:txBody>
       </p:sp>

--- a/slides/3_StreamingAnalytics.pptx
+++ b/slides/3_StreamingAnalytics.pptx
@@ -5,7 +5,7 @@
     <p:sldMasterId id="2147483648" r:id="rId1"/>
   </p:sldMasterIdLst>
   <p:notesMasterIdLst>
-    <p:notesMasterId r:id="rId44"/>
+    <p:notesMasterId r:id="rId43"/>
   </p:notesMasterIdLst>
   <p:sldIdLst>
     <p:sldId id="256" r:id="rId2"/>
@@ -27,29 +27,28 @@
     <p:sldId id="268" r:id="rId18"/>
     <p:sldId id="272" r:id="rId19"/>
     <p:sldId id="271" r:id="rId20"/>
-    <p:sldId id="273" r:id="rId21"/>
-    <p:sldId id="274" r:id="rId22"/>
-    <p:sldId id="275" r:id="rId23"/>
-    <p:sldId id="276" r:id="rId24"/>
-    <p:sldId id="285" r:id="rId25"/>
-    <p:sldId id="286" r:id="rId26"/>
-    <p:sldId id="284" r:id="rId27"/>
-    <p:sldId id="277" r:id="rId28"/>
-    <p:sldId id="279" r:id="rId29"/>
-    <p:sldId id="280" r:id="rId30"/>
-    <p:sldId id="281" r:id="rId31"/>
-    <p:sldId id="282" r:id="rId32"/>
-    <p:sldId id="283" r:id="rId33"/>
-    <p:sldId id="291" r:id="rId34"/>
-    <p:sldId id="264" r:id="rId35"/>
-    <p:sldId id="287" r:id="rId36"/>
-    <p:sldId id="288" r:id="rId37"/>
-    <p:sldId id="289" r:id="rId38"/>
-    <p:sldId id="290" r:id="rId39"/>
-    <p:sldId id="292" r:id="rId40"/>
-    <p:sldId id="373" r:id="rId41"/>
-    <p:sldId id="374" r:id="rId42"/>
-    <p:sldId id="376" r:id="rId43"/>
+    <p:sldId id="274" r:id="rId21"/>
+    <p:sldId id="275" r:id="rId22"/>
+    <p:sldId id="276" r:id="rId23"/>
+    <p:sldId id="285" r:id="rId24"/>
+    <p:sldId id="286" r:id="rId25"/>
+    <p:sldId id="284" r:id="rId26"/>
+    <p:sldId id="277" r:id="rId27"/>
+    <p:sldId id="279" r:id="rId28"/>
+    <p:sldId id="280" r:id="rId29"/>
+    <p:sldId id="281" r:id="rId30"/>
+    <p:sldId id="282" r:id="rId31"/>
+    <p:sldId id="283" r:id="rId32"/>
+    <p:sldId id="291" r:id="rId33"/>
+    <p:sldId id="264" r:id="rId34"/>
+    <p:sldId id="287" r:id="rId35"/>
+    <p:sldId id="288" r:id="rId36"/>
+    <p:sldId id="289" r:id="rId37"/>
+    <p:sldId id="290" r:id="rId38"/>
+    <p:sldId id="292" r:id="rId39"/>
+    <p:sldId id="373" r:id="rId40"/>
+    <p:sldId id="374" r:id="rId41"/>
+    <p:sldId id="376" r:id="rId42"/>
   </p:sldIdLst>
   <p:sldSz cx="12192000" cy="6858000"/>
   <p:notesSz cx="6858000" cy="9144000"/>
@@ -238,7 +237,7 @@
           <a:p>
             <a:fld id="{2F3ABF1A-8818-4472-8518-E71DC7B5D2F7}" type="datetimeFigureOut">
               <a:rPr lang="en-US" smtClean="0"/>
-              <a:t>6/29/2021</a:t>
+              <a:t>6/24/2022</a:t>
             </a:fld>
             <a:endParaRPr lang="en-US"/>
           </a:p>
@@ -652,7 +651,7 @@
           <a:p>
             <a:fld id="{6E4A31BF-7266-4BEB-918B-ADC21C630A6F}" type="datetimeFigureOut">
               <a:rPr lang="en-US" smtClean="0"/>
-              <a:t>6/29/2021</a:t>
+              <a:t>6/24/2022</a:t>
             </a:fld>
             <a:endParaRPr lang="en-US"/>
           </a:p>
@@ -850,7 +849,7 @@
           <a:p>
             <a:fld id="{6E4A31BF-7266-4BEB-918B-ADC21C630A6F}" type="datetimeFigureOut">
               <a:rPr lang="en-US" smtClean="0"/>
-              <a:t>6/29/2021</a:t>
+              <a:t>6/24/2022</a:t>
             </a:fld>
             <a:endParaRPr lang="en-US"/>
           </a:p>
@@ -1058,7 +1057,7 @@
           <a:p>
             <a:fld id="{6E4A31BF-7266-4BEB-918B-ADC21C630A6F}" type="datetimeFigureOut">
               <a:rPr lang="en-US" smtClean="0"/>
-              <a:t>6/29/2021</a:t>
+              <a:t>6/24/2022</a:t>
             </a:fld>
             <a:endParaRPr lang="en-US"/>
           </a:p>
@@ -1256,7 +1255,7 @@
           <a:p>
             <a:fld id="{6E4A31BF-7266-4BEB-918B-ADC21C630A6F}" type="datetimeFigureOut">
               <a:rPr lang="en-US" smtClean="0"/>
-              <a:t>6/29/2021</a:t>
+              <a:t>6/24/2022</a:t>
             </a:fld>
             <a:endParaRPr lang="en-US"/>
           </a:p>
@@ -1531,7 +1530,7 @@
           <a:p>
             <a:fld id="{6E4A31BF-7266-4BEB-918B-ADC21C630A6F}" type="datetimeFigureOut">
               <a:rPr lang="en-US" smtClean="0"/>
-              <a:t>6/29/2021</a:t>
+              <a:t>6/24/2022</a:t>
             </a:fld>
             <a:endParaRPr lang="en-US"/>
           </a:p>
@@ -1796,7 +1795,7 @@
           <a:p>
             <a:fld id="{6E4A31BF-7266-4BEB-918B-ADC21C630A6F}" type="datetimeFigureOut">
               <a:rPr lang="en-US" smtClean="0"/>
-              <a:t>6/29/2021</a:t>
+              <a:t>6/24/2022</a:t>
             </a:fld>
             <a:endParaRPr lang="en-US"/>
           </a:p>
@@ -2208,7 +2207,7 @@
           <a:p>
             <a:fld id="{6E4A31BF-7266-4BEB-918B-ADC21C630A6F}" type="datetimeFigureOut">
               <a:rPr lang="en-US" smtClean="0"/>
-              <a:t>6/29/2021</a:t>
+              <a:t>6/24/2022</a:t>
             </a:fld>
             <a:endParaRPr lang="en-US"/>
           </a:p>
@@ -2349,7 +2348,7 @@
           <a:p>
             <a:fld id="{6E4A31BF-7266-4BEB-918B-ADC21C630A6F}" type="datetimeFigureOut">
               <a:rPr lang="en-US" smtClean="0"/>
-              <a:t>6/29/2021</a:t>
+              <a:t>6/24/2022</a:t>
             </a:fld>
             <a:endParaRPr lang="en-US"/>
           </a:p>
@@ -2462,7 +2461,7 @@
           <a:p>
             <a:fld id="{6E4A31BF-7266-4BEB-918B-ADC21C630A6F}" type="datetimeFigureOut">
               <a:rPr lang="en-US" smtClean="0"/>
-              <a:t>6/29/2021</a:t>
+              <a:t>6/24/2022</a:t>
             </a:fld>
             <a:endParaRPr lang="en-US"/>
           </a:p>
@@ -2773,7 +2772,7 @@
           <a:p>
             <a:fld id="{6E4A31BF-7266-4BEB-918B-ADC21C630A6F}" type="datetimeFigureOut">
               <a:rPr lang="en-US" smtClean="0"/>
-              <a:t>6/29/2021</a:t>
+              <a:t>6/24/2022</a:t>
             </a:fld>
             <a:endParaRPr lang="en-US"/>
           </a:p>
@@ -3061,7 +3060,7 @@
           <a:p>
             <a:fld id="{6E4A31BF-7266-4BEB-918B-ADC21C630A6F}" type="datetimeFigureOut">
               <a:rPr lang="en-US" smtClean="0"/>
-              <a:t>6/29/2021</a:t>
+              <a:t>6/24/2022</a:t>
             </a:fld>
             <a:endParaRPr lang="en-US"/>
           </a:p>
@@ -3302,7 +3301,7 @@
           <a:p>
             <a:fld id="{6E4A31BF-7266-4BEB-918B-ADC21C630A6F}" type="datetimeFigureOut">
               <a:rPr lang="en-US" smtClean="0"/>
-              <a:t>6/29/2021</a:t>
+              <a:t>6/24/2022</a:t>
             </a:fld>
             <a:endParaRPr lang="en-US"/>
           </a:p>
@@ -4116,7 +4115,7 @@
                                         <p:tgtEl>
                                           <p:spTgt spid="3">
                                             <p:txEl>
-                                              <p:pRg st="0" end="0"/>
+                                              <p:pRg st="1" end="1"/>
                                             </p:txEl>
                                           </p:spTgt>
                                         </p:tgtEl>
@@ -4165,7 +4164,7 @@
                                         <p:tgtEl>
                                           <p:spTgt spid="3">
                                             <p:txEl>
-                                              <p:pRg st="1" end="1"/>
+                                              <p:pRg st="2" end="2"/>
                                             </p:txEl>
                                           </p:spTgt>
                                         </p:tgtEl>
@@ -4214,7 +4213,7 @@
                                         <p:tgtEl>
                                           <p:spTgt spid="3">
                                             <p:txEl>
-                                              <p:pRg st="2" end="2"/>
+                                              <p:pRg st="3" end="3"/>
                                             </p:txEl>
                                           </p:spTgt>
                                         </p:tgtEl>
@@ -4256,55 +4255,6 @@
                                     <p:set>
                                       <p:cBhvr>
                                         <p:cTn id="18" dur="1" fill="hold">
-                                          <p:stCondLst>
-                                            <p:cond delay="0"/>
-                                          </p:stCondLst>
-                                        </p:cTn>
-                                        <p:tgtEl>
-                                          <p:spTgt spid="3">
-                                            <p:txEl>
-                                              <p:pRg st="3" end="3"/>
-                                            </p:txEl>
-                                          </p:spTgt>
-                                        </p:tgtEl>
-                                        <p:attrNameLst>
-                                          <p:attrName>style.visibility</p:attrName>
-                                        </p:attrNameLst>
-                                      </p:cBhvr>
-                                      <p:to>
-                                        <p:strVal val="visible"/>
-                                      </p:to>
-                                    </p:set>
-                                  </p:childTnLst>
-                                </p:cTn>
-                              </p:par>
-                            </p:childTnLst>
-                          </p:cTn>
-                        </p:par>
-                      </p:childTnLst>
-                    </p:cTn>
-                  </p:par>
-                  <p:par>
-                    <p:cTn id="19" fill="hold">
-                      <p:stCondLst>
-                        <p:cond delay="indefinite"/>
-                      </p:stCondLst>
-                      <p:childTnLst>
-                        <p:par>
-                          <p:cTn id="20" fill="hold">
-                            <p:stCondLst>
-                              <p:cond delay="0"/>
-                            </p:stCondLst>
-                            <p:childTnLst>
-                              <p:par>
-                                <p:cTn id="21" presetID="1" presetClass="entr" presetSubtype="0" fill="hold" nodeType="clickEffect">
-                                  <p:stCondLst>
-                                    <p:cond delay="0"/>
-                                  </p:stCondLst>
-                                  <p:childTnLst>
-                                    <p:set>
-                                      <p:cBhvr>
-                                        <p:cTn id="22" dur="1" fill="hold">
                                           <p:stCondLst>
                                             <p:cond delay="0"/>
                                           </p:stCondLst>
@@ -4578,7 +4528,7 @@
                                         <p:tgtEl>
                                           <p:spTgt spid="3">
                                             <p:txEl>
-                                              <p:pRg st="0" end="0"/>
+                                              <p:pRg st="1" end="1"/>
                                             </p:txEl>
                                           </p:spTgt>
                                         </p:tgtEl>
@@ -4627,7 +4577,7 @@
                                         <p:tgtEl>
                                           <p:spTgt spid="3">
                                             <p:txEl>
-                                              <p:pRg st="1" end="1"/>
+                                              <p:pRg st="2" end="2"/>
                                             </p:txEl>
                                           </p:spTgt>
                                         </p:tgtEl>
@@ -4676,7 +4626,7 @@
                                         <p:tgtEl>
                                           <p:spTgt spid="3">
                                             <p:txEl>
-                                              <p:pRg st="2" end="2"/>
+                                              <p:pRg st="3" end="3"/>
                                             </p:txEl>
                                           </p:spTgt>
                                         </p:tgtEl>
@@ -4725,7 +4675,7 @@
                                         <p:tgtEl>
                                           <p:spTgt spid="3">
                                             <p:txEl>
-                                              <p:pRg st="3" end="3"/>
+                                              <p:pRg st="4" end="4"/>
                                             </p:txEl>
                                           </p:spTgt>
                                         </p:tgtEl>
@@ -4774,7 +4724,7 @@
                                         <p:tgtEl>
                                           <p:spTgt spid="3">
                                             <p:txEl>
-                                              <p:pRg st="4" end="4"/>
+                                              <p:pRg st="5" end="5"/>
                                             </p:txEl>
                                           </p:spTgt>
                                         </p:tgtEl>
@@ -4823,7 +4773,7 @@
                                         <p:tgtEl>
                                           <p:spTgt spid="3">
                                             <p:txEl>
-                                              <p:pRg st="5" end="5"/>
+                                              <p:pRg st="6" end="6"/>
                                             </p:txEl>
                                           </p:spTgt>
                                         </p:tgtEl>
@@ -4872,7 +4822,7 @@
                                         <p:tgtEl>
                                           <p:spTgt spid="3">
                                             <p:txEl>
-                                              <p:pRg st="6" end="6"/>
+                                              <p:pRg st="7" end="7"/>
                                             </p:txEl>
                                           </p:spTgt>
                                         </p:tgtEl>
@@ -4921,7 +4871,7 @@
                                         <p:tgtEl>
                                           <p:spTgt spid="3">
                                             <p:txEl>
-                                              <p:pRg st="7" end="7"/>
+                                              <p:pRg st="8" end="8"/>
                                             </p:txEl>
                                           </p:spTgt>
                                         </p:tgtEl>
@@ -4963,55 +4913,6 @@
                                     <p:set>
                                       <p:cBhvr>
                                         <p:cTn id="38" dur="1" fill="hold">
-                                          <p:stCondLst>
-                                            <p:cond delay="0"/>
-                                          </p:stCondLst>
-                                        </p:cTn>
-                                        <p:tgtEl>
-                                          <p:spTgt spid="3">
-                                            <p:txEl>
-                                              <p:pRg st="8" end="8"/>
-                                            </p:txEl>
-                                          </p:spTgt>
-                                        </p:tgtEl>
-                                        <p:attrNameLst>
-                                          <p:attrName>style.visibility</p:attrName>
-                                        </p:attrNameLst>
-                                      </p:cBhvr>
-                                      <p:to>
-                                        <p:strVal val="visible"/>
-                                      </p:to>
-                                    </p:set>
-                                  </p:childTnLst>
-                                </p:cTn>
-                              </p:par>
-                            </p:childTnLst>
-                          </p:cTn>
-                        </p:par>
-                      </p:childTnLst>
-                    </p:cTn>
-                  </p:par>
-                  <p:par>
-                    <p:cTn id="39" fill="hold">
-                      <p:stCondLst>
-                        <p:cond delay="indefinite"/>
-                      </p:stCondLst>
-                      <p:childTnLst>
-                        <p:par>
-                          <p:cTn id="40" fill="hold">
-                            <p:stCondLst>
-                              <p:cond delay="0"/>
-                            </p:stCondLst>
-                            <p:childTnLst>
-                              <p:par>
-                                <p:cTn id="41" presetID="1" presetClass="entr" presetSubtype="0" fill="hold" nodeType="clickEffect">
-                                  <p:stCondLst>
-                                    <p:cond delay="0"/>
-                                  </p:stCondLst>
-                                  <p:childTnLst>
-                                    <p:set>
-                                      <p:cBhvr>
-                                        <p:cTn id="42" dur="1" fill="hold">
                                           <p:stCondLst>
                                             <p:cond delay="0"/>
                                           </p:stCondLst>
@@ -5285,7 +5186,7 @@
                                         <p:tgtEl>
                                           <p:spTgt spid="3">
                                             <p:txEl>
-                                              <p:pRg st="0" end="0"/>
+                                              <p:pRg st="1" end="1"/>
                                             </p:txEl>
                                           </p:spTgt>
                                         </p:tgtEl>
@@ -5334,7 +5235,7 @@
                                         <p:tgtEl>
                                           <p:spTgt spid="3">
                                             <p:txEl>
-                                              <p:pRg st="1" end="1"/>
+                                              <p:pRg st="2" end="2"/>
                                             </p:txEl>
                                           </p:spTgt>
                                         </p:tgtEl>
@@ -5383,7 +5284,7 @@
                                         <p:tgtEl>
                                           <p:spTgt spid="3">
                                             <p:txEl>
-                                              <p:pRg st="2" end="2"/>
+                                              <p:pRg st="3" end="3"/>
                                             </p:txEl>
                                           </p:spTgt>
                                         </p:tgtEl>
@@ -5432,7 +5333,7 @@
                                         <p:tgtEl>
                                           <p:spTgt spid="3">
                                             <p:txEl>
-                                              <p:pRg st="3" end="3"/>
+                                              <p:pRg st="4" end="4"/>
                                             </p:txEl>
                                           </p:spTgt>
                                         </p:tgtEl>
@@ -5481,7 +5382,7 @@
                                         <p:tgtEl>
                                           <p:spTgt spid="3">
                                             <p:txEl>
-                                              <p:pRg st="4" end="4"/>
+                                              <p:pRg st="5" end="5"/>
                                             </p:txEl>
                                           </p:spTgt>
                                         </p:tgtEl>
@@ -5530,7 +5431,7 @@
                                         <p:tgtEl>
                                           <p:spTgt spid="3">
                                             <p:txEl>
-                                              <p:pRg st="5" end="5"/>
+                                              <p:pRg st="6" end="6"/>
                                             </p:txEl>
                                           </p:spTgt>
                                         </p:tgtEl>
@@ -5579,7 +5480,7 @@
                                         <p:tgtEl>
                                           <p:spTgt spid="3">
                                             <p:txEl>
-                                              <p:pRg st="6" end="6"/>
+                                              <p:pRg st="7" end="7"/>
                                             </p:txEl>
                                           </p:spTgt>
                                         </p:tgtEl>
@@ -5628,7 +5529,7 @@
                                         <p:tgtEl>
                                           <p:spTgt spid="3">
                                             <p:txEl>
-                                              <p:pRg st="7" end="7"/>
+                                              <p:pRg st="8" end="8"/>
                                             </p:txEl>
                                           </p:spTgt>
                                         </p:tgtEl>
@@ -5670,55 +5571,6 @@
                                     <p:set>
                                       <p:cBhvr>
                                         <p:cTn id="38" dur="1" fill="hold">
-                                          <p:stCondLst>
-                                            <p:cond delay="0"/>
-                                          </p:stCondLst>
-                                        </p:cTn>
-                                        <p:tgtEl>
-                                          <p:spTgt spid="3">
-                                            <p:txEl>
-                                              <p:pRg st="8" end="8"/>
-                                            </p:txEl>
-                                          </p:spTgt>
-                                        </p:tgtEl>
-                                        <p:attrNameLst>
-                                          <p:attrName>style.visibility</p:attrName>
-                                        </p:attrNameLst>
-                                      </p:cBhvr>
-                                      <p:to>
-                                        <p:strVal val="visible"/>
-                                      </p:to>
-                                    </p:set>
-                                  </p:childTnLst>
-                                </p:cTn>
-                              </p:par>
-                            </p:childTnLst>
-                          </p:cTn>
-                        </p:par>
-                      </p:childTnLst>
-                    </p:cTn>
-                  </p:par>
-                  <p:par>
-                    <p:cTn id="39" fill="hold">
-                      <p:stCondLst>
-                        <p:cond delay="indefinite"/>
-                      </p:stCondLst>
-                      <p:childTnLst>
-                        <p:par>
-                          <p:cTn id="40" fill="hold">
-                            <p:stCondLst>
-                              <p:cond delay="0"/>
-                            </p:stCondLst>
-                            <p:childTnLst>
-                              <p:par>
-                                <p:cTn id="41" presetID="1" presetClass="entr" presetSubtype="0" fill="hold" nodeType="clickEffect">
-                                  <p:stCondLst>
-                                    <p:cond delay="0"/>
-                                  </p:stCondLst>
-                                  <p:childTnLst>
-                                    <p:set>
-                                      <p:cBhvr>
-                                        <p:cTn id="42" dur="1" fill="hold">
                                           <p:stCondLst>
                                             <p:cond delay="0"/>
                                           </p:stCondLst>
@@ -6642,7 +6494,7 @@
                                         <p:tgtEl>
                                           <p:spTgt spid="3">
                                             <p:txEl>
-                                              <p:pRg st="0" end="0"/>
+                                              <p:pRg st="1" end="1"/>
                                             </p:txEl>
                                           </p:spTgt>
                                         </p:tgtEl>
@@ -6691,7 +6543,7 @@
                                         <p:tgtEl>
                                           <p:spTgt spid="3">
                                             <p:txEl>
-                                              <p:pRg st="1" end="1"/>
+                                              <p:pRg st="2" end="2"/>
                                             </p:txEl>
                                           </p:spTgt>
                                         </p:tgtEl>
@@ -6740,7 +6592,7 @@
                                         <p:tgtEl>
                                           <p:spTgt spid="3">
                                             <p:txEl>
-                                              <p:pRg st="2" end="2"/>
+                                              <p:pRg st="3" end="3"/>
                                             </p:txEl>
                                           </p:spTgt>
                                         </p:tgtEl>
@@ -6789,7 +6641,7 @@
                                         <p:tgtEl>
                                           <p:spTgt spid="3">
                                             <p:txEl>
-                                              <p:pRg st="3" end="3"/>
+                                              <p:pRg st="4" end="4"/>
                                             </p:txEl>
                                           </p:spTgt>
                                         </p:tgtEl>
@@ -6838,7 +6690,7 @@
                                         <p:tgtEl>
                                           <p:spTgt spid="3">
                                             <p:txEl>
-                                              <p:pRg st="4" end="4"/>
+                                              <p:pRg st="5" end="5"/>
                                             </p:txEl>
                                           </p:spTgt>
                                         </p:tgtEl>
@@ -6887,7 +6739,7 @@
                                         <p:tgtEl>
                                           <p:spTgt spid="3">
                                             <p:txEl>
-                                              <p:pRg st="5" end="5"/>
+                                              <p:pRg st="6" end="6"/>
                                             </p:txEl>
                                           </p:spTgt>
                                         </p:tgtEl>
@@ -6936,7 +6788,7 @@
                                         <p:tgtEl>
                                           <p:spTgt spid="3">
                                             <p:txEl>
-                                              <p:pRg st="6" end="6"/>
+                                              <p:pRg st="7" end="7"/>
                                             </p:txEl>
                                           </p:spTgt>
                                         </p:tgtEl>
@@ -6978,55 +6830,6 @@
                                     <p:set>
                                       <p:cBhvr>
                                         <p:cTn id="34" dur="1" fill="hold">
-                                          <p:stCondLst>
-                                            <p:cond delay="0"/>
-                                          </p:stCondLst>
-                                        </p:cTn>
-                                        <p:tgtEl>
-                                          <p:spTgt spid="3">
-                                            <p:txEl>
-                                              <p:pRg st="7" end="7"/>
-                                            </p:txEl>
-                                          </p:spTgt>
-                                        </p:tgtEl>
-                                        <p:attrNameLst>
-                                          <p:attrName>style.visibility</p:attrName>
-                                        </p:attrNameLst>
-                                      </p:cBhvr>
-                                      <p:to>
-                                        <p:strVal val="visible"/>
-                                      </p:to>
-                                    </p:set>
-                                  </p:childTnLst>
-                                </p:cTn>
-                              </p:par>
-                            </p:childTnLst>
-                          </p:cTn>
-                        </p:par>
-                      </p:childTnLst>
-                    </p:cTn>
-                  </p:par>
-                  <p:par>
-                    <p:cTn id="35" fill="hold">
-                      <p:stCondLst>
-                        <p:cond delay="indefinite"/>
-                      </p:stCondLst>
-                      <p:childTnLst>
-                        <p:par>
-                          <p:cTn id="36" fill="hold">
-                            <p:stCondLst>
-                              <p:cond delay="0"/>
-                            </p:stCondLst>
-                            <p:childTnLst>
-                              <p:par>
-                                <p:cTn id="37" presetID="1" presetClass="entr" presetSubtype="0" fill="hold" nodeType="clickEffect">
-                                  <p:stCondLst>
-                                    <p:cond delay="0"/>
-                                  </p:stCondLst>
-                                  <p:childTnLst>
-                                    <p:set>
-                                      <p:cBhvr>
-                                        <p:cTn id="38" dur="1" fill="hold">
                                           <p:stCondLst>
                                             <p:cond delay="0"/>
                                           </p:stCondLst>
@@ -9596,7 +9399,7 @@
                                         <p:tgtEl>
                                           <p:spTgt spid="3">
                                             <p:txEl>
-                                              <p:pRg st="0" end="0"/>
+                                              <p:pRg st="1" end="1"/>
                                             </p:txEl>
                                           </p:spTgt>
                                         </p:tgtEl>
@@ -9645,7 +9448,7 @@
                                         <p:tgtEl>
                                           <p:spTgt spid="3">
                                             <p:txEl>
-                                              <p:pRg st="1" end="1"/>
+                                              <p:pRg st="2" end="2"/>
                                             </p:txEl>
                                           </p:spTgt>
                                         </p:tgtEl>
@@ -9694,7 +9497,7 @@
                                         <p:tgtEl>
                                           <p:spTgt spid="3">
                                             <p:txEl>
-                                              <p:pRg st="2" end="2"/>
+                                              <p:pRg st="3" end="3"/>
                                             </p:txEl>
                                           </p:spTgt>
                                         </p:tgtEl>
@@ -9743,7 +9546,7 @@
                                         <p:tgtEl>
                                           <p:spTgt spid="3">
                                             <p:txEl>
-                                              <p:pRg st="3" end="3"/>
+                                              <p:pRg st="4" end="4"/>
                                             </p:txEl>
                                           </p:spTgt>
                                         </p:tgtEl>
@@ -9792,7 +9595,7 @@
                                         <p:tgtEl>
                                           <p:spTgt spid="3">
                                             <p:txEl>
-                                              <p:pRg st="4" end="4"/>
+                                              <p:pRg st="5" end="5"/>
                                             </p:txEl>
                                           </p:spTgt>
                                         </p:tgtEl>
@@ -9834,55 +9637,6 @@
                                     <p:set>
                                       <p:cBhvr>
                                         <p:cTn id="26" dur="1" fill="hold">
-                                          <p:stCondLst>
-                                            <p:cond delay="0"/>
-                                          </p:stCondLst>
-                                        </p:cTn>
-                                        <p:tgtEl>
-                                          <p:spTgt spid="3">
-                                            <p:txEl>
-                                              <p:pRg st="5" end="5"/>
-                                            </p:txEl>
-                                          </p:spTgt>
-                                        </p:tgtEl>
-                                        <p:attrNameLst>
-                                          <p:attrName>style.visibility</p:attrName>
-                                        </p:attrNameLst>
-                                      </p:cBhvr>
-                                      <p:to>
-                                        <p:strVal val="visible"/>
-                                      </p:to>
-                                    </p:set>
-                                  </p:childTnLst>
-                                </p:cTn>
-                              </p:par>
-                            </p:childTnLst>
-                          </p:cTn>
-                        </p:par>
-                      </p:childTnLst>
-                    </p:cTn>
-                  </p:par>
-                  <p:par>
-                    <p:cTn id="27" fill="hold">
-                      <p:stCondLst>
-                        <p:cond delay="indefinite"/>
-                      </p:stCondLst>
-                      <p:childTnLst>
-                        <p:par>
-                          <p:cTn id="28" fill="hold">
-                            <p:stCondLst>
-                              <p:cond delay="0"/>
-                            </p:stCondLst>
-                            <p:childTnLst>
-                              <p:par>
-                                <p:cTn id="29" presetID="1" presetClass="entr" presetSubtype="0" fill="hold" nodeType="clickEffect">
-                                  <p:stCondLst>
-                                    <p:cond delay="0"/>
-                                  </p:stCondLst>
-                                  <p:childTnLst>
-                                    <p:set>
-                                      <p:cBhvr>
-                                        <p:cTn id="30" dur="1" fill="hold">
                                           <p:stCondLst>
                                             <p:cond delay="0"/>
                                           </p:stCondLst>
@@ -11587,7 +11341,7 @@
                                         <p:tgtEl>
                                           <p:spTgt spid="3">
                                             <p:txEl>
-                                              <p:pRg st="0" end="0"/>
+                                              <p:pRg st="1" end="1"/>
                                             </p:txEl>
                                           </p:spTgt>
                                         </p:tgtEl>
@@ -11636,7 +11390,7 @@
                                         <p:tgtEl>
                                           <p:spTgt spid="3">
                                             <p:txEl>
-                                              <p:pRg st="1" end="1"/>
+                                              <p:pRg st="2" end="2"/>
                                             </p:txEl>
                                           </p:spTgt>
                                         </p:tgtEl>
@@ -11685,7 +11439,7 @@
                                         <p:tgtEl>
                                           <p:spTgt spid="3">
                                             <p:txEl>
-                                              <p:pRg st="2" end="2"/>
+                                              <p:pRg st="3" end="3"/>
                                             </p:txEl>
                                           </p:spTgt>
                                         </p:tgtEl>
@@ -11734,7 +11488,7 @@
                                         <p:tgtEl>
                                           <p:spTgt spid="3">
                                             <p:txEl>
-                                              <p:pRg st="3" end="3"/>
+                                              <p:pRg st="4" end="4"/>
                                             </p:txEl>
                                           </p:spTgt>
                                         </p:tgtEl>
@@ -11783,7 +11537,7 @@
                                         <p:tgtEl>
                                           <p:spTgt spid="3">
                                             <p:txEl>
-                                              <p:pRg st="4" end="4"/>
+                                              <p:pRg st="5" end="5"/>
                                             </p:txEl>
                                           </p:spTgt>
                                         </p:tgtEl>
@@ -11832,7 +11586,7 @@
                                         <p:tgtEl>
                                           <p:spTgt spid="3">
                                             <p:txEl>
-                                              <p:pRg st="5" end="5"/>
+                                              <p:pRg st="6" end="6"/>
                                             </p:txEl>
                                           </p:spTgt>
                                         </p:tgtEl>
@@ -11881,7 +11635,7 @@
                                         <p:tgtEl>
                                           <p:spTgt spid="3">
                                             <p:txEl>
-                                              <p:pRg st="6" end="6"/>
+                                              <p:pRg st="7" end="7"/>
                                             </p:txEl>
                                           </p:spTgt>
                                         </p:tgtEl>
@@ -11923,55 +11677,6 @@
                                     <p:set>
                                       <p:cBhvr>
                                         <p:cTn id="34" dur="1" fill="hold">
-                                          <p:stCondLst>
-                                            <p:cond delay="0"/>
-                                          </p:stCondLst>
-                                        </p:cTn>
-                                        <p:tgtEl>
-                                          <p:spTgt spid="3">
-                                            <p:txEl>
-                                              <p:pRg st="7" end="7"/>
-                                            </p:txEl>
-                                          </p:spTgt>
-                                        </p:tgtEl>
-                                        <p:attrNameLst>
-                                          <p:attrName>style.visibility</p:attrName>
-                                        </p:attrNameLst>
-                                      </p:cBhvr>
-                                      <p:to>
-                                        <p:strVal val="visible"/>
-                                      </p:to>
-                                    </p:set>
-                                  </p:childTnLst>
-                                </p:cTn>
-                              </p:par>
-                            </p:childTnLst>
-                          </p:cTn>
-                        </p:par>
-                      </p:childTnLst>
-                    </p:cTn>
-                  </p:par>
-                  <p:par>
-                    <p:cTn id="35" fill="hold">
-                      <p:stCondLst>
-                        <p:cond delay="indefinite"/>
-                      </p:stCondLst>
-                      <p:childTnLst>
-                        <p:par>
-                          <p:cTn id="36" fill="hold">
-                            <p:stCondLst>
-                              <p:cond delay="0"/>
-                            </p:stCondLst>
-                            <p:childTnLst>
-                              <p:par>
-                                <p:cTn id="37" presetID="1" presetClass="entr" presetSubtype="0" fill="hold" nodeType="clickEffect">
-                                  <p:stCondLst>
-                                    <p:cond delay="0"/>
-                                  </p:stCondLst>
-                                  <p:childTnLst>
-                                    <p:set>
-                                      <p:cBhvr>
-                                        <p:cTn id="38" dur="1" fill="hold">
                                           <p:stCondLst>
                                             <p:cond delay="0"/>
                                           </p:stCondLst>
@@ -12073,7 +11778,7 @@
             </a:pPr>
             <a:r>
               <a:rPr lang="en-US" sz="3200" dirty="0"/>
-              <a:t>Are analytics always computed in batch   </a:t>
+              <a:t>Are analytics always computed in batch?   </a:t>
             </a:r>
             <a:endParaRPr lang="en-US" sz="3200" b="1" dirty="0"/>
           </a:p>
@@ -12097,13 +11802,8 @@
             <a:pPr lvl="1"/>
             <a:r>
               <a:rPr lang="en-US" dirty="0"/>
-              <a:t>Sensor data – </a:t>
-            </a:r>
-            <a:r>
-              <a:rPr lang="en-US"/>
-              <a:t>many applications    </a:t>
-            </a:r>
-            <a:endParaRPr lang="en-US" dirty="0"/>
+              <a:t>Sensor data – many applications    </a:t>
+            </a:r>
           </a:p>
           <a:p>
             <a:pPr lvl="1"/>
@@ -12117,6 +11817,13 @@
             <a:r>
               <a:rPr lang="en-US" dirty="0"/>
               <a:t>E-commerce purchases  </a:t>
+            </a:r>
+          </a:p>
+          <a:p>
+            <a:pPr lvl="1"/>
+            <a:r>
+              <a:rPr lang="en-US" dirty="0"/>
+              <a:t>Emails, social media posts, etc.</a:t>
             </a:r>
           </a:p>
           <a:p>
@@ -12243,7 +11950,7 @@
                                         <p:tgtEl>
                                           <p:spTgt spid="3">
                                             <p:txEl>
-                                              <p:pRg st="0" end="0"/>
+                                              <p:pRg st="1" end="1"/>
                                             </p:txEl>
                                           </p:spTgt>
                                         </p:tgtEl>
@@ -12292,7 +11999,7 @@
                                         <p:tgtEl>
                                           <p:spTgt spid="3">
                                             <p:txEl>
-                                              <p:pRg st="1" end="1"/>
+                                              <p:pRg st="2" end="2"/>
                                             </p:txEl>
                                           </p:spTgt>
                                         </p:tgtEl>
@@ -12341,7 +12048,7 @@
                                         <p:tgtEl>
                                           <p:spTgt spid="3">
                                             <p:txEl>
-                                              <p:pRg st="2" end="2"/>
+                                              <p:pRg st="3" end="3"/>
                                             </p:txEl>
                                           </p:spTgt>
                                         </p:tgtEl>
@@ -12390,7 +12097,7 @@
                                         <p:tgtEl>
                                           <p:spTgt spid="3">
                                             <p:txEl>
-                                              <p:pRg st="3" end="3"/>
+                                              <p:pRg st="4" end="4"/>
                                             </p:txEl>
                                           </p:spTgt>
                                         </p:tgtEl>
@@ -12439,7 +12146,7 @@
                                         <p:tgtEl>
                                           <p:spTgt spid="3">
                                             <p:txEl>
-                                              <p:pRg st="4" end="4"/>
+                                              <p:pRg st="5" end="5"/>
                                             </p:txEl>
                                           </p:spTgt>
                                         </p:tgtEl>
@@ -12488,7 +12195,7 @@
                                         <p:tgtEl>
                                           <p:spTgt spid="3">
                                             <p:txEl>
-                                              <p:pRg st="5" end="5"/>
+                                              <p:pRg st="6" end="6"/>
                                             </p:txEl>
                                           </p:spTgt>
                                         </p:tgtEl>
@@ -12537,7 +12244,7 @@
                                         <p:tgtEl>
                                           <p:spTgt spid="3">
                                             <p:txEl>
-                                              <p:pRg st="6" end="6"/>
+                                              <p:pRg st="7" end="7"/>
                                             </p:txEl>
                                           </p:spTgt>
                                         </p:tgtEl>
@@ -12586,7 +12293,7 @@
                                         <p:tgtEl>
                                           <p:spTgt spid="3">
                                             <p:txEl>
-                                              <p:pRg st="7" end="7"/>
+                                              <p:pRg st="8" end="8"/>
                                             </p:txEl>
                                           </p:spTgt>
                                         </p:tgtEl>
@@ -12635,7 +12342,7 @@
                                         <p:tgtEl>
                                           <p:spTgt spid="3">
                                             <p:txEl>
-                                              <p:pRg st="8" end="8"/>
+                                              <p:pRg st="9" end="9"/>
                                             </p:txEl>
                                           </p:spTgt>
                                         </p:tgtEl>
@@ -12698,1265 +12405,8 @@
           <a:chExt cx="0" cy="0"/>
         </a:xfrm>
       </p:grpSpPr>
-      <mc:AlternateContent xmlns:mc="http://schemas.openxmlformats.org/markup-compatibility/2006">
-        <mc:Choice xmlns:a14="http://schemas.microsoft.com/office/drawing/2010/main" Requires="a14">
-          <p:sp>
-            <p:nvSpPr>
-              <p:cNvPr id="3" name="Content Placeholder 2">
-                <a:extLst>
-                  <a:ext uri="{FF2B5EF4-FFF2-40B4-BE49-F238E27FC236}">
-                    <a16:creationId xmlns:a16="http://schemas.microsoft.com/office/drawing/2014/main" id="{258E6AF3-7615-4BD1-878E-A94C93E98F90}"/>
-                  </a:ext>
-                </a:extLst>
-              </p:cNvPr>
-              <p:cNvSpPr>
-                <a:spLocks noGrp="1"/>
-              </p:cNvSpPr>
-              <p:nvPr>
-                <p:ph idx="1"/>
-              </p:nvPr>
-            </p:nvSpPr>
-            <p:spPr>
-              <a:xfrm>
-                <a:off x="784412" y="1100381"/>
-                <a:ext cx="10515600" cy="5558724"/>
-              </a:xfrm>
-            </p:spPr>
-            <p:txBody>
-              <a:bodyPr>
-                <a:normAutofit/>
-              </a:bodyPr>
-              <a:lstStyle/>
-              <a:p>
-                <a:pPr marL="0" indent="0">
-                  <a:buNone/>
-                </a:pPr>
-                <a:r>
-                  <a:rPr lang="en-US" dirty="0"/>
-                  <a:t>Formulation of first order exponential smoother  </a:t>
-                </a:r>
-              </a:p>
-              <a:p>
-                <a:r>
-                  <a:rPr lang="en-US" dirty="0"/>
-                  <a:t>Start with the initial conditions – initial observation </a:t>
-                </a:r>
-                <a14:m>
-                  <m:oMath xmlns:m="http://schemas.openxmlformats.org/officeDocument/2006/math">
-                    <m:sSub>
-                      <m:sSubPr>
-                        <m:ctrlPr>
-                          <a:rPr lang="en-US" i="1" smtClean="0">
-                            <a:latin typeface="Cambria Math" panose="02040503050406030204" pitchFamily="18" charset="0"/>
-                          </a:rPr>
-                        </m:ctrlPr>
-                      </m:sSubPr>
-                      <m:e>
-                        <m:r>
-                          <a:rPr lang="en-US" b="0" i="1" smtClean="0">
-                            <a:latin typeface="Cambria Math" panose="02040503050406030204" pitchFamily="18" charset="0"/>
-                          </a:rPr>
-                          <m:t>𝑥</m:t>
-                        </m:r>
-                      </m:e>
-                      <m:sub>
-                        <m:r>
-                          <a:rPr lang="en-US" b="0" i="1" smtClean="0">
-                            <a:latin typeface="Cambria Math" panose="02040503050406030204" pitchFamily="18" charset="0"/>
-                          </a:rPr>
-                          <m:t>0</m:t>
-                        </m:r>
-                      </m:sub>
-                    </m:sSub>
-                  </m:oMath>
-                </a14:m>
-                <a:r>
-                  <a:rPr lang="en-US" dirty="0"/>
-                  <a:t> and initial smoothed output </a:t>
-                </a:r>
-                <a14:m>
-                  <m:oMath xmlns:m="http://schemas.openxmlformats.org/officeDocument/2006/math">
-                    <m:sSub>
-                      <m:sSubPr>
-                        <m:ctrlPr>
-                          <a:rPr lang="en-US" i="1" smtClean="0">
-                            <a:latin typeface="Cambria Math" panose="02040503050406030204" pitchFamily="18" charset="0"/>
-                          </a:rPr>
-                        </m:ctrlPr>
-                      </m:sSubPr>
-                      <m:e>
-                        <m:r>
-                          <a:rPr lang="en-US" b="0" i="1" smtClean="0">
-                            <a:latin typeface="Cambria Math" panose="02040503050406030204" pitchFamily="18" charset="0"/>
-                          </a:rPr>
-                          <m:t>𝑠</m:t>
-                        </m:r>
-                      </m:e>
-                      <m:sub>
-                        <m:r>
-                          <a:rPr lang="en-US" b="0" i="1" smtClean="0">
-                            <a:latin typeface="Cambria Math" panose="02040503050406030204" pitchFamily="18" charset="0"/>
-                          </a:rPr>
-                          <m:t>0</m:t>
-                        </m:r>
-                      </m:sub>
-                    </m:sSub>
-                  </m:oMath>
-                </a14:m>
-                <a:r>
-                  <a:rPr lang="en-US" dirty="0"/>
-                  <a:t>: </a:t>
-                </a:r>
-              </a:p>
-              <a:p>
-                <a:pPr marL="0" indent="0">
-                  <a:buNone/>
-                </a:pPr>
-                <a14:m>
-                  <m:oMathPara xmlns:m="http://schemas.openxmlformats.org/officeDocument/2006/math">
-                    <m:oMathParaPr>
-                      <m:jc m:val="centerGroup"/>
-                    </m:oMathParaPr>
-                    <m:oMath xmlns:m="http://schemas.openxmlformats.org/officeDocument/2006/math">
-                      <m:sSub>
-                        <m:sSubPr>
-                          <m:ctrlPr>
-                            <a:rPr lang="en-US" i="1" smtClean="0">
-                              <a:latin typeface="Cambria Math" panose="02040503050406030204" pitchFamily="18" charset="0"/>
-                            </a:rPr>
-                          </m:ctrlPr>
-                        </m:sSubPr>
-                        <m:e>
-                          <m:r>
-                            <a:rPr lang="en-US" b="0" i="1" smtClean="0">
-                              <a:latin typeface="Cambria Math" panose="02040503050406030204" pitchFamily="18" charset="0"/>
-                            </a:rPr>
-                            <m:t>𝑠</m:t>
-                          </m:r>
-                        </m:e>
-                        <m:sub>
-                          <m:r>
-                            <a:rPr lang="en-US" b="0" i="1" smtClean="0">
-                              <a:latin typeface="Cambria Math" panose="02040503050406030204" pitchFamily="18" charset="0"/>
-                            </a:rPr>
-                            <m:t>0</m:t>
-                          </m:r>
-                        </m:sub>
-                      </m:sSub>
-                      <m:r>
-                        <a:rPr lang="en-US" b="0" i="1" smtClean="0">
-                          <a:latin typeface="Cambria Math" panose="02040503050406030204" pitchFamily="18" charset="0"/>
-                        </a:rPr>
-                        <m:t>=</m:t>
-                      </m:r>
-                      <m:sSub>
-                        <m:sSubPr>
-                          <m:ctrlPr>
-                            <a:rPr lang="en-US" b="0" i="1" smtClean="0">
-                              <a:latin typeface="Cambria Math" panose="02040503050406030204" pitchFamily="18" charset="0"/>
-                            </a:rPr>
-                          </m:ctrlPr>
-                        </m:sSubPr>
-                        <m:e>
-                          <m:r>
-                            <a:rPr lang="en-US" b="0" i="1" smtClean="0">
-                              <a:latin typeface="Cambria Math" panose="02040503050406030204" pitchFamily="18" charset="0"/>
-                            </a:rPr>
-                            <m:t>𝑥</m:t>
-                          </m:r>
-                        </m:e>
-                        <m:sub>
-                          <m:r>
-                            <a:rPr lang="en-US" b="0" i="1" smtClean="0">
-                              <a:latin typeface="Cambria Math" panose="02040503050406030204" pitchFamily="18" charset="0"/>
-                            </a:rPr>
-                            <m:t>0</m:t>
-                          </m:r>
-                        </m:sub>
-                      </m:sSub>
-                    </m:oMath>
-                  </m:oMathPara>
-                </a14:m>
-                <a:endParaRPr lang="en-US" dirty="0"/>
-              </a:p>
-              <a:p>
-                <a:r>
-                  <a:rPr lang="en-US" dirty="0"/>
-                  <a:t>Formulate the update at time </a:t>
-                </a:r>
-                <a14:m>
-                  <m:oMath xmlns:m="http://schemas.openxmlformats.org/officeDocument/2006/math">
-                    <m:r>
-                      <a:rPr lang="en-US" b="0" i="1" smtClean="0">
-                        <a:latin typeface="Cambria Math" panose="02040503050406030204" pitchFamily="18" charset="0"/>
-                      </a:rPr>
-                      <m:t>𝑡</m:t>
-                    </m:r>
-                    <m:r>
-                      <a:rPr lang="en-US" b="0" i="1" smtClean="0">
-                        <a:latin typeface="Cambria Math" panose="02040503050406030204" pitchFamily="18" charset="0"/>
-                      </a:rPr>
-                      <m:t>&gt;0</m:t>
-                    </m:r>
-                  </m:oMath>
-                </a14:m>
-                <a:r>
-                  <a:rPr lang="en-US" dirty="0"/>
-                  <a:t> with new observation </a:t>
-                </a:r>
-                <a14:m>
-                  <m:oMath xmlns:m="http://schemas.openxmlformats.org/officeDocument/2006/math">
-                    <m:sSub>
-                      <m:sSubPr>
-                        <m:ctrlPr>
-                          <a:rPr lang="en-US" i="1" smtClean="0">
-                            <a:latin typeface="Cambria Math" panose="02040503050406030204" pitchFamily="18" charset="0"/>
-                          </a:rPr>
-                        </m:ctrlPr>
-                      </m:sSubPr>
-                      <m:e>
-                        <m:r>
-                          <a:rPr lang="en-US" b="0" i="1" smtClean="0">
-                            <a:latin typeface="Cambria Math" panose="02040503050406030204" pitchFamily="18" charset="0"/>
-                          </a:rPr>
-                          <m:t>𝑥</m:t>
-                        </m:r>
-                      </m:e>
-                      <m:sub>
-                        <m:r>
-                          <a:rPr lang="en-US" b="0" i="1" smtClean="0">
-                            <a:latin typeface="Cambria Math" panose="02040503050406030204" pitchFamily="18" charset="0"/>
-                          </a:rPr>
-                          <m:t>𝑡</m:t>
-                        </m:r>
-                      </m:sub>
-                    </m:sSub>
-                  </m:oMath>
-                </a14:m>
-                <a:r>
-                  <a:rPr lang="en-US" dirty="0"/>
-                  <a:t>: </a:t>
-                </a:r>
-              </a:p>
-              <a:p>
-                <a:pPr marL="0" indent="0">
-                  <a:buNone/>
-                </a:pPr>
-                <a14:m>
-                  <m:oMathPara xmlns:m="http://schemas.openxmlformats.org/officeDocument/2006/math">
-                    <m:oMathParaPr>
-                      <m:jc m:val="centerGroup"/>
-                    </m:oMathParaPr>
-                    <m:oMath xmlns:m="http://schemas.openxmlformats.org/officeDocument/2006/math">
-                      <m:sSub>
-                        <m:sSubPr>
-                          <m:ctrlPr>
-                            <a:rPr lang="en-US" i="1" smtClean="0">
-                              <a:latin typeface="Cambria Math" panose="02040503050406030204" pitchFamily="18" charset="0"/>
-                            </a:rPr>
-                          </m:ctrlPr>
-                        </m:sSubPr>
-                        <m:e>
-                          <m:r>
-                            <a:rPr lang="en-US" b="0" i="1" smtClean="0">
-                              <a:latin typeface="Cambria Math" panose="02040503050406030204" pitchFamily="18" charset="0"/>
-                            </a:rPr>
-                            <m:t>𝑠</m:t>
-                          </m:r>
-                        </m:e>
-                        <m:sub>
-                          <m:r>
-                            <a:rPr lang="en-US" b="0" i="1" smtClean="0">
-                              <a:latin typeface="Cambria Math" panose="02040503050406030204" pitchFamily="18" charset="0"/>
-                            </a:rPr>
-                            <m:t>𝑡</m:t>
-                          </m:r>
-                        </m:sub>
-                      </m:sSub>
-                      <m:r>
-                        <a:rPr lang="en-US" b="0" i="1" smtClean="0">
-                          <a:latin typeface="Cambria Math" panose="02040503050406030204" pitchFamily="18" charset="0"/>
-                        </a:rPr>
-                        <m:t>=</m:t>
-                      </m:r>
-                      <m:r>
-                        <a:rPr lang="en-US" b="0" i="1" smtClean="0">
-                          <a:latin typeface="Cambria Math" panose="02040503050406030204" pitchFamily="18" charset="0"/>
-                          <a:ea typeface="Cambria Math" panose="02040503050406030204" pitchFamily="18" charset="0"/>
-                        </a:rPr>
-                        <m:t>𝛼</m:t>
-                      </m:r>
-                      <m:sSub>
-                        <m:sSubPr>
-                          <m:ctrlPr>
-                            <a:rPr lang="en-US" b="0" i="1" smtClean="0">
-                              <a:latin typeface="Cambria Math" panose="02040503050406030204" pitchFamily="18" charset="0"/>
-                              <a:ea typeface="Cambria Math" panose="02040503050406030204" pitchFamily="18" charset="0"/>
-                            </a:rPr>
-                          </m:ctrlPr>
-                        </m:sSubPr>
-                        <m:e>
-                          <m:r>
-                            <a:rPr lang="en-US" b="0" i="1" smtClean="0">
-                              <a:latin typeface="Cambria Math" panose="02040503050406030204" pitchFamily="18" charset="0"/>
-                              <a:ea typeface="Cambria Math" panose="02040503050406030204" pitchFamily="18" charset="0"/>
-                            </a:rPr>
-                            <m:t>𝑥</m:t>
-                          </m:r>
-                        </m:e>
-                        <m:sub>
-                          <m:r>
-                            <a:rPr lang="en-US" b="0" i="1" smtClean="0">
-                              <a:latin typeface="Cambria Math" panose="02040503050406030204" pitchFamily="18" charset="0"/>
-                              <a:ea typeface="Cambria Math" panose="02040503050406030204" pitchFamily="18" charset="0"/>
-                            </a:rPr>
-                            <m:t>𝑡</m:t>
-                          </m:r>
-                        </m:sub>
-                      </m:sSub>
-                      <m:r>
-                        <a:rPr lang="en-US" b="0" i="1" smtClean="0">
-                          <a:latin typeface="Cambria Math" panose="02040503050406030204" pitchFamily="18" charset="0"/>
-                          <a:ea typeface="Cambria Math" panose="02040503050406030204" pitchFamily="18" charset="0"/>
-                        </a:rPr>
-                        <m:t>+</m:t>
-                      </m:r>
-                      <m:d>
-                        <m:dPr>
-                          <m:ctrlPr>
-                            <a:rPr lang="en-US" b="0" i="1" smtClean="0">
-                              <a:latin typeface="Cambria Math" panose="02040503050406030204" pitchFamily="18" charset="0"/>
-                              <a:ea typeface="Cambria Math" panose="02040503050406030204" pitchFamily="18" charset="0"/>
-                            </a:rPr>
-                          </m:ctrlPr>
-                        </m:dPr>
-                        <m:e>
-                          <m:r>
-                            <a:rPr lang="en-US" b="0" i="1" smtClean="0">
-                              <a:latin typeface="Cambria Math" panose="02040503050406030204" pitchFamily="18" charset="0"/>
-                              <a:ea typeface="Cambria Math" panose="02040503050406030204" pitchFamily="18" charset="0"/>
-                            </a:rPr>
-                            <m:t>1−</m:t>
-                          </m:r>
-                          <m:r>
-                            <a:rPr lang="en-US" b="0" i="1" smtClean="0">
-                              <a:latin typeface="Cambria Math" panose="02040503050406030204" pitchFamily="18" charset="0"/>
-                              <a:ea typeface="Cambria Math" panose="02040503050406030204" pitchFamily="18" charset="0"/>
-                            </a:rPr>
-                            <m:t>𝛼</m:t>
-                          </m:r>
-                        </m:e>
-                      </m:d>
-                      <m:sSub>
-                        <m:sSubPr>
-                          <m:ctrlPr>
-                            <a:rPr lang="en-US" b="0" i="1" smtClean="0">
-                              <a:latin typeface="Cambria Math" panose="02040503050406030204" pitchFamily="18" charset="0"/>
-                              <a:ea typeface="Cambria Math" panose="02040503050406030204" pitchFamily="18" charset="0"/>
-                            </a:rPr>
-                          </m:ctrlPr>
-                        </m:sSubPr>
-                        <m:e>
-                          <m:r>
-                            <a:rPr lang="en-US" b="0" i="1" smtClean="0">
-                              <a:latin typeface="Cambria Math" panose="02040503050406030204" pitchFamily="18" charset="0"/>
-                              <a:ea typeface="Cambria Math" panose="02040503050406030204" pitchFamily="18" charset="0"/>
-                            </a:rPr>
-                            <m:t>𝑠</m:t>
-                          </m:r>
-                        </m:e>
-                        <m:sub>
-                          <m:r>
-                            <a:rPr lang="en-US" b="0" i="1" smtClean="0">
-                              <a:latin typeface="Cambria Math" panose="02040503050406030204" pitchFamily="18" charset="0"/>
-                              <a:ea typeface="Cambria Math" panose="02040503050406030204" pitchFamily="18" charset="0"/>
-                            </a:rPr>
-                            <m:t>𝑡</m:t>
-                          </m:r>
-                          <m:r>
-                            <a:rPr lang="en-US" b="0" i="1" smtClean="0">
-                              <a:latin typeface="Cambria Math" panose="02040503050406030204" pitchFamily="18" charset="0"/>
-                              <a:ea typeface="Cambria Math" panose="02040503050406030204" pitchFamily="18" charset="0"/>
-                            </a:rPr>
-                            <m:t>−1</m:t>
-                          </m:r>
-                        </m:sub>
-                      </m:sSub>
-                    </m:oMath>
-                  </m:oMathPara>
-                </a14:m>
-                <a:endParaRPr lang="en-US" dirty="0"/>
-              </a:p>
-              <a:p>
-                <a:pPr marL="0" indent="0">
-                  <a:buNone/>
-                </a:pPr>
-                <a14:m>
-                  <m:oMathPara xmlns:m="http://schemas.openxmlformats.org/officeDocument/2006/math">
-                    <m:oMathParaPr>
-                      <m:jc m:val="centerGroup"/>
-                    </m:oMathParaPr>
-                    <m:oMath xmlns:m="http://schemas.openxmlformats.org/officeDocument/2006/math">
-                      <m:r>
-                        <a:rPr lang="en-US" b="0" i="1" smtClean="0">
-                          <a:latin typeface="Cambria Math" panose="02040503050406030204" pitchFamily="18" charset="0"/>
-                        </a:rPr>
-                        <m:t>= </m:t>
-                      </m:r>
-                      <m:sSub>
-                        <m:sSubPr>
-                          <m:ctrlPr>
-                            <a:rPr lang="en-US" b="0" i="1" smtClean="0">
-                              <a:latin typeface="Cambria Math" panose="02040503050406030204" pitchFamily="18" charset="0"/>
-                            </a:rPr>
-                          </m:ctrlPr>
-                        </m:sSubPr>
-                        <m:e>
-                          <m:r>
-                            <a:rPr lang="en-US" b="0" i="1" smtClean="0">
-                              <a:latin typeface="Cambria Math" panose="02040503050406030204" pitchFamily="18" charset="0"/>
-                            </a:rPr>
-                            <m:t>𝑠</m:t>
-                          </m:r>
-                        </m:e>
-                        <m:sub>
-                          <m:r>
-                            <a:rPr lang="en-US" b="0" i="1" smtClean="0">
-                              <a:latin typeface="Cambria Math" panose="02040503050406030204" pitchFamily="18" charset="0"/>
-                            </a:rPr>
-                            <m:t>𝑡</m:t>
-                          </m:r>
-                          <m:r>
-                            <a:rPr lang="en-US" b="0" i="1" smtClean="0">
-                              <a:latin typeface="Cambria Math" panose="02040503050406030204" pitchFamily="18" charset="0"/>
-                            </a:rPr>
-                            <m:t>−1</m:t>
-                          </m:r>
-                        </m:sub>
-                      </m:sSub>
-                      <m:r>
-                        <a:rPr lang="en-US" b="0" i="1" smtClean="0">
-                          <a:latin typeface="Cambria Math" panose="02040503050406030204" pitchFamily="18" charset="0"/>
-                        </a:rPr>
-                        <m:t>+</m:t>
-                      </m:r>
-                      <m:r>
-                        <a:rPr lang="en-US" b="0" i="1" smtClean="0">
-                          <a:latin typeface="Cambria Math" panose="02040503050406030204" pitchFamily="18" charset="0"/>
-                          <a:ea typeface="Cambria Math" panose="02040503050406030204" pitchFamily="18" charset="0"/>
-                        </a:rPr>
-                        <m:t>𝛼</m:t>
-                      </m:r>
-                      <m:d>
-                        <m:dPr>
-                          <m:ctrlPr>
-                            <a:rPr lang="en-US" b="0" i="1" smtClean="0">
-                              <a:latin typeface="Cambria Math" panose="02040503050406030204" pitchFamily="18" charset="0"/>
-                              <a:ea typeface="Cambria Math" panose="02040503050406030204" pitchFamily="18" charset="0"/>
-                            </a:rPr>
-                          </m:ctrlPr>
-                        </m:dPr>
-                        <m:e>
-                          <m:sSub>
-                            <m:sSubPr>
-                              <m:ctrlPr>
-                                <a:rPr lang="en-US" b="0" i="1" smtClean="0">
-                                  <a:latin typeface="Cambria Math" panose="02040503050406030204" pitchFamily="18" charset="0"/>
-                                  <a:ea typeface="Cambria Math" panose="02040503050406030204" pitchFamily="18" charset="0"/>
-                                </a:rPr>
-                              </m:ctrlPr>
-                            </m:sSubPr>
-                            <m:e>
-                              <m:r>
-                                <a:rPr lang="en-US" b="0" i="1" smtClean="0">
-                                  <a:latin typeface="Cambria Math" panose="02040503050406030204" pitchFamily="18" charset="0"/>
-                                  <a:ea typeface="Cambria Math" panose="02040503050406030204" pitchFamily="18" charset="0"/>
-                                </a:rPr>
-                                <m:t>𝑥</m:t>
-                              </m:r>
-                            </m:e>
-                            <m:sub>
-                              <m:r>
-                                <a:rPr lang="en-US" b="0" i="1" smtClean="0">
-                                  <a:latin typeface="Cambria Math" panose="02040503050406030204" pitchFamily="18" charset="0"/>
-                                  <a:ea typeface="Cambria Math" panose="02040503050406030204" pitchFamily="18" charset="0"/>
-                                </a:rPr>
-                                <m:t>𝑡</m:t>
-                              </m:r>
-                            </m:sub>
-                          </m:sSub>
-                          <m:r>
-                            <a:rPr lang="en-US" b="0" i="1" smtClean="0">
-                              <a:latin typeface="Cambria Math" panose="02040503050406030204" pitchFamily="18" charset="0"/>
-                              <a:ea typeface="Cambria Math" panose="02040503050406030204" pitchFamily="18" charset="0"/>
-                            </a:rPr>
-                            <m:t>−</m:t>
-                          </m:r>
-                          <m:sSub>
-                            <m:sSubPr>
-                              <m:ctrlPr>
-                                <a:rPr lang="en-US" b="0" i="1" smtClean="0">
-                                  <a:latin typeface="Cambria Math" panose="02040503050406030204" pitchFamily="18" charset="0"/>
-                                  <a:ea typeface="Cambria Math" panose="02040503050406030204" pitchFamily="18" charset="0"/>
-                                </a:rPr>
-                              </m:ctrlPr>
-                            </m:sSubPr>
-                            <m:e>
-                              <m:r>
-                                <a:rPr lang="en-US" b="0" i="1" smtClean="0">
-                                  <a:latin typeface="Cambria Math" panose="02040503050406030204" pitchFamily="18" charset="0"/>
-                                  <a:ea typeface="Cambria Math" panose="02040503050406030204" pitchFamily="18" charset="0"/>
-                                </a:rPr>
-                                <m:t>𝑠</m:t>
-                              </m:r>
-                            </m:e>
-                            <m:sub>
-                              <m:r>
-                                <a:rPr lang="en-US" b="0" i="1" smtClean="0">
-                                  <a:latin typeface="Cambria Math" panose="02040503050406030204" pitchFamily="18" charset="0"/>
-                                  <a:ea typeface="Cambria Math" panose="02040503050406030204" pitchFamily="18" charset="0"/>
-                                </a:rPr>
-                                <m:t>𝑡</m:t>
-                              </m:r>
-                              <m:r>
-                                <a:rPr lang="en-US" b="0" i="1" smtClean="0">
-                                  <a:latin typeface="Cambria Math" panose="02040503050406030204" pitchFamily="18" charset="0"/>
-                                  <a:ea typeface="Cambria Math" panose="02040503050406030204" pitchFamily="18" charset="0"/>
-                                </a:rPr>
-                                <m:t>−1</m:t>
-                              </m:r>
-                            </m:sub>
-                          </m:sSub>
-                        </m:e>
-                      </m:d>
-                    </m:oMath>
-                  </m:oMathPara>
-                </a14:m>
-                <a:endParaRPr lang="en-US" dirty="0"/>
-              </a:p>
-              <a:p>
-                <a:r>
-                  <a:rPr lang="en-US" dirty="0"/>
-                  <a:t>Applying some elementary calculus we can formulate the above in terms of decay constant </a:t>
-                </a:r>
-                <a14:m>
-                  <m:oMath xmlns:m="http://schemas.openxmlformats.org/officeDocument/2006/math">
-                    <m:r>
-                      <a:rPr lang="en-US" i="1" smtClean="0">
-                        <a:latin typeface="Cambria Math" panose="02040503050406030204" pitchFamily="18" charset="0"/>
-                        <a:ea typeface="Cambria Math" panose="02040503050406030204" pitchFamily="18" charset="0"/>
-                      </a:rPr>
-                      <m:t>𝜏</m:t>
-                    </m:r>
-                  </m:oMath>
-                </a14:m>
-                <a:r>
-                  <a:rPr lang="en-US" dirty="0"/>
-                  <a:t> for a sampling period </a:t>
-                </a:r>
-                <a14:m>
-                  <m:oMath xmlns:m="http://schemas.openxmlformats.org/officeDocument/2006/math">
-                    <m:r>
-                      <m:rPr>
-                        <m:sty m:val="p"/>
-                      </m:rPr>
-                      <a:rPr lang="el-GR" i="1" smtClean="0">
-                        <a:latin typeface="Cambria Math" panose="02040503050406030204" pitchFamily="18" charset="0"/>
-                        <a:ea typeface="Cambria Math" panose="02040503050406030204" pitchFamily="18" charset="0"/>
-                      </a:rPr>
-                      <m:t>Δ</m:t>
-                    </m:r>
-                    <m:r>
-                      <a:rPr lang="en-US" b="0" i="1" smtClean="0">
-                        <a:latin typeface="Cambria Math" panose="02040503050406030204" pitchFamily="18" charset="0"/>
-                        <a:ea typeface="Cambria Math" panose="02040503050406030204" pitchFamily="18" charset="0"/>
-                      </a:rPr>
-                      <m:t>𝑇</m:t>
-                    </m:r>
-                  </m:oMath>
-                </a14:m>
-                <a:r>
-                  <a:rPr lang="en-US" dirty="0"/>
-                  <a:t>:  </a:t>
-                </a:r>
-              </a:p>
-              <a:p>
-                <a:pPr marL="0" indent="0">
-                  <a:buNone/>
-                </a:pPr>
-                <a:r>
-                  <a:rPr lang="en-US" dirty="0">
-                    <a:ea typeface="Cambria Math" panose="02040503050406030204" pitchFamily="18" charset="0"/>
-                  </a:rPr>
-                  <a:t>				</a:t>
-                </a:r>
-                <a14:m>
-                  <m:oMath xmlns:m="http://schemas.openxmlformats.org/officeDocument/2006/math">
-                    <m:r>
-                      <a:rPr lang="en-US" i="1" smtClean="0">
-                        <a:latin typeface="Cambria Math" panose="02040503050406030204" pitchFamily="18" charset="0"/>
-                        <a:ea typeface="Cambria Math" panose="02040503050406030204" pitchFamily="18" charset="0"/>
-                      </a:rPr>
-                      <m:t>𝛼</m:t>
-                    </m:r>
-                    <m:r>
-                      <a:rPr lang="en-US" b="0" i="1" smtClean="0">
-                        <a:latin typeface="Cambria Math" panose="02040503050406030204" pitchFamily="18" charset="0"/>
-                        <a:ea typeface="Cambria Math" panose="02040503050406030204" pitchFamily="18" charset="0"/>
-                      </a:rPr>
-                      <m:t>=</m:t>
-                    </m:r>
-                  </m:oMath>
-                </a14:m>
-                <a:r>
-                  <a:rPr lang="en-US" dirty="0"/>
-                  <a:t>1</a:t>
-                </a:r>
-                <a14:m>
-                  <m:oMath xmlns:m="http://schemas.openxmlformats.org/officeDocument/2006/math">
-                    <m:r>
-                      <a:rPr lang="en-US" b="0" i="1" dirty="0" smtClean="0">
-                        <a:latin typeface="Cambria Math" panose="02040503050406030204" pitchFamily="18" charset="0"/>
-                      </a:rPr>
-                      <m:t>−</m:t>
-                    </m:r>
-                    <m:sSup>
-                      <m:sSupPr>
-                        <m:ctrlPr>
-                          <a:rPr lang="en-US" b="0" i="1" dirty="0" smtClean="0">
-                            <a:latin typeface="Cambria Math" panose="02040503050406030204" pitchFamily="18" charset="0"/>
-                          </a:rPr>
-                        </m:ctrlPr>
-                      </m:sSupPr>
-                      <m:e>
-                        <m:r>
-                          <a:rPr lang="en-US" b="0" i="1" dirty="0" smtClean="0">
-                            <a:latin typeface="Cambria Math" panose="02040503050406030204" pitchFamily="18" charset="0"/>
-                          </a:rPr>
-                          <m:t>𝑒</m:t>
-                        </m:r>
-                      </m:e>
-                      <m:sup>
-                        <m:r>
-                          <a:rPr lang="en-US" b="0" i="1" dirty="0" smtClean="0">
-                            <a:latin typeface="Cambria Math" panose="02040503050406030204" pitchFamily="18" charset="0"/>
-                          </a:rPr>
-                          <m:t>−</m:t>
-                        </m:r>
-                        <m:d>
-                          <m:dPr>
-                            <m:ctrlPr>
-                              <a:rPr lang="en-US" b="0" i="1" dirty="0" smtClean="0">
-                                <a:latin typeface="Cambria Math" panose="02040503050406030204" pitchFamily="18" charset="0"/>
-                              </a:rPr>
-                            </m:ctrlPr>
-                          </m:dPr>
-                          <m:e>
-                            <m:f>
-                              <m:fPr>
-                                <m:ctrlPr>
-                                  <a:rPr lang="en-US" b="0" i="1" dirty="0" smtClean="0">
-                                    <a:latin typeface="Cambria Math" panose="02040503050406030204" pitchFamily="18" charset="0"/>
-                                  </a:rPr>
-                                </m:ctrlPr>
-                              </m:fPr>
-                              <m:num>
-                                <m:r>
-                                  <m:rPr>
-                                    <m:sty m:val="p"/>
-                                  </m:rPr>
-                                  <a:rPr lang="el-GR" b="0" i="1" dirty="0" smtClean="0">
-                                    <a:latin typeface="Cambria Math" panose="02040503050406030204" pitchFamily="18" charset="0"/>
-                                    <a:ea typeface="Cambria Math" panose="02040503050406030204" pitchFamily="18" charset="0"/>
-                                  </a:rPr>
-                                  <m:t>Δ</m:t>
-                                </m:r>
-                                <m:r>
-                                  <a:rPr lang="en-US" b="0" i="1" dirty="0" smtClean="0">
-                                    <a:latin typeface="Cambria Math" panose="02040503050406030204" pitchFamily="18" charset="0"/>
-                                    <a:ea typeface="Cambria Math" panose="02040503050406030204" pitchFamily="18" charset="0"/>
-                                  </a:rPr>
-                                  <m:t>𝑇</m:t>
-                                </m:r>
-                              </m:num>
-                              <m:den>
-                                <m:r>
-                                  <a:rPr lang="en-US" b="0" i="1" dirty="0" smtClean="0">
-                                    <a:latin typeface="Cambria Math" panose="02040503050406030204" pitchFamily="18" charset="0"/>
-                                    <a:ea typeface="Cambria Math" panose="02040503050406030204" pitchFamily="18" charset="0"/>
-                                  </a:rPr>
-                                  <m:t>𝜏</m:t>
-                                </m:r>
-                              </m:den>
-                            </m:f>
-                          </m:e>
-                        </m:d>
-                      </m:sup>
-                    </m:sSup>
-                  </m:oMath>
-                </a14:m>
-                <a:endParaRPr lang="en-US" dirty="0"/>
-              </a:p>
-              <a:p>
-                <a:endParaRPr lang="en-US" dirty="0"/>
-              </a:p>
-            </p:txBody>
-          </p:sp>
-        </mc:Choice>
-        <mc:Fallback>
-          <p:sp>
-            <p:nvSpPr>
-              <p:cNvPr id="3" name="Content Placeholder 2">
-                <a:extLst>
-                  <a:ext uri="{FF2B5EF4-FFF2-40B4-BE49-F238E27FC236}">
-                    <a16:creationId xmlns:a16="http://schemas.microsoft.com/office/drawing/2014/main" id="{258E6AF3-7615-4BD1-878E-A94C93E98F90}"/>
-                  </a:ext>
-                </a:extLst>
-              </p:cNvPr>
-              <p:cNvSpPr>
-                <a:spLocks noGrp="1" noRot="1" noChangeAspect="1" noMove="1" noResize="1" noEditPoints="1" noAdjustHandles="1" noChangeArrowheads="1" noChangeShapeType="1" noTextEdit="1"/>
-              </p:cNvSpPr>
-              <p:nvPr>
-                <p:ph idx="1"/>
-              </p:nvPr>
-            </p:nvSpPr>
-            <p:spPr>
-              <a:xfrm>
-                <a:off x="784412" y="1100381"/>
-                <a:ext cx="10515600" cy="5558724"/>
-              </a:xfrm>
-              <a:blipFill>
-                <a:blip r:embed="rId2"/>
-                <a:stretch>
-                  <a:fillRect l="-1217" t="-1866"/>
-                </a:stretch>
-              </a:blipFill>
-            </p:spPr>
-            <p:txBody>
-              <a:bodyPr/>
-              <a:lstStyle/>
-              <a:p>
-                <a:r>
-                  <a:rPr lang="en-US">
-                    <a:noFill/>
-                  </a:rPr>
-                  <a:t> </a:t>
-                </a:r>
-              </a:p>
-            </p:txBody>
-          </p:sp>
-        </mc:Fallback>
-      </mc:AlternateContent>
-      <p:sp>
-        <p:nvSpPr>
-          <p:cNvPr id="6" name="Title 1">
-            <a:extLst>
-              <a:ext uri="{FF2B5EF4-FFF2-40B4-BE49-F238E27FC236}">
-                <a16:creationId xmlns:a16="http://schemas.microsoft.com/office/drawing/2014/main" id="{CD29F70F-B868-451B-A65D-8721F4C7A2D9}"/>
-              </a:ext>
-            </a:extLst>
-          </p:cNvPr>
-          <p:cNvSpPr txBox="1">
-            <a:spLocks/>
-          </p:cNvSpPr>
-          <p:nvPr/>
-        </p:nvSpPr>
-        <p:spPr>
-          <a:xfrm>
-            <a:off x="838200" y="-635"/>
-            <a:ext cx="10515600" cy="1325563"/>
-          </a:xfrm>
-          <a:prstGeom prst="rect">
-            <a:avLst/>
-          </a:prstGeom>
-        </p:spPr>
-        <p:txBody>
-          <a:bodyPr vert="horz" lIns="91440" tIns="45720" rIns="91440" bIns="45720" rtlCol="0" anchor="ctr">
-            <a:normAutofit/>
-          </a:bodyPr>
-          <a:lstStyle>
-            <a:lvl1pPr algn="l" defTabSz="914400" rtl="0" eaLnBrk="1" latinLnBrk="0" hangingPunct="1">
-              <a:lnSpc>
-                <a:spcPct val="90000"/>
-              </a:lnSpc>
-              <a:spcBef>
-                <a:spcPct val="0"/>
-              </a:spcBef>
-              <a:buNone/>
-              <a:defRPr sz="4400" kern="1200">
-                <a:solidFill>
-                  <a:schemeClr val="tx1"/>
-                </a:solidFill>
-                <a:latin typeface="+mj-lt"/>
-                <a:ea typeface="+mj-ea"/>
-                <a:cs typeface="+mj-cs"/>
-              </a:defRPr>
-            </a:lvl1pPr>
-          </a:lstStyle>
-          <a:p>
-            <a:r>
-              <a:rPr lang="en-US" dirty="0">
-                <a:latin typeface="+mn-lt"/>
-              </a:rPr>
-              <a:t>Exponential Decay Analytics</a:t>
-            </a:r>
-          </a:p>
-        </p:txBody>
-      </p:sp>
-    </p:spTree>
-    <p:extLst>
-      <p:ext uri="{BB962C8B-B14F-4D97-AF65-F5344CB8AC3E}">
-        <p14:creationId xmlns:p14="http://schemas.microsoft.com/office/powerpoint/2010/main" val="3390891811"/>
-      </p:ext>
-    </p:extLst>
-  </p:cSld>
-  <p:clrMapOvr>
-    <a:masterClrMapping/>
-  </p:clrMapOvr>
-  <p:timing>
-    <p:tnLst>
-      <p:par>
-        <p:cTn id="1" dur="indefinite" restart="never" nodeType="tmRoot">
-          <p:childTnLst>
-            <p:seq concurrent="1" nextAc="seek">
-              <p:cTn id="2" dur="indefinite" nodeType="mainSeq">
-                <p:childTnLst>
-                  <p:par>
-                    <p:cTn id="3" fill="hold">
-                      <p:stCondLst>
-                        <p:cond delay="indefinite"/>
-                      </p:stCondLst>
-                      <p:childTnLst>
-                        <p:par>
-                          <p:cTn id="4" fill="hold">
-                            <p:stCondLst>
-                              <p:cond delay="0"/>
-                            </p:stCondLst>
-                            <p:childTnLst>
-                              <p:par>
-                                <p:cTn id="5" presetID="1" presetClass="entr" presetSubtype="0" fill="hold" nodeType="clickEffect">
-                                  <p:stCondLst>
-                                    <p:cond delay="0"/>
-                                  </p:stCondLst>
-                                  <p:childTnLst>
-                                    <p:set>
-                                      <p:cBhvr>
-                                        <p:cTn id="6" dur="1" fill="hold">
-                                          <p:stCondLst>
-                                            <p:cond delay="0"/>
-                                          </p:stCondLst>
-                                        </p:cTn>
-                                        <p:tgtEl>
-                                          <p:spTgt spid="3">
-                                            <p:txEl>
-                                              <p:pRg st="0" end="0"/>
-                                            </p:txEl>
-                                          </p:spTgt>
-                                        </p:tgtEl>
-                                        <p:attrNameLst>
-                                          <p:attrName>style.visibility</p:attrName>
-                                        </p:attrNameLst>
-                                      </p:cBhvr>
-                                      <p:to>
-                                        <p:strVal val="visible"/>
-                                      </p:to>
-                                    </p:set>
-                                  </p:childTnLst>
-                                </p:cTn>
-                              </p:par>
-                            </p:childTnLst>
-                          </p:cTn>
-                        </p:par>
-                      </p:childTnLst>
-                    </p:cTn>
-                  </p:par>
-                  <p:par>
-                    <p:cTn id="7" fill="hold">
-                      <p:stCondLst>
-                        <p:cond delay="indefinite"/>
-                      </p:stCondLst>
-                      <p:childTnLst>
-                        <p:par>
-                          <p:cTn id="8" fill="hold">
-                            <p:stCondLst>
-                              <p:cond delay="0"/>
-                            </p:stCondLst>
-                            <p:childTnLst>
-                              <p:par>
-                                <p:cTn id="9" presetID="1" presetClass="entr" presetSubtype="0" fill="hold" nodeType="clickEffect">
-                                  <p:stCondLst>
-                                    <p:cond delay="0"/>
-                                  </p:stCondLst>
-                                  <p:childTnLst>
-                                    <p:set>
-                                      <p:cBhvr>
-                                        <p:cTn id="10" dur="1" fill="hold">
-                                          <p:stCondLst>
-                                            <p:cond delay="0"/>
-                                          </p:stCondLst>
-                                        </p:cTn>
-                                        <p:tgtEl>
-                                          <p:spTgt spid="3">
-                                            <p:txEl>
-                                              <p:pRg st="1" end="1"/>
-                                            </p:txEl>
-                                          </p:spTgt>
-                                        </p:tgtEl>
-                                        <p:attrNameLst>
-                                          <p:attrName>style.visibility</p:attrName>
-                                        </p:attrNameLst>
-                                      </p:cBhvr>
-                                      <p:to>
-                                        <p:strVal val="visible"/>
-                                      </p:to>
-                                    </p:set>
-                                  </p:childTnLst>
-                                </p:cTn>
-                              </p:par>
-                            </p:childTnLst>
-                          </p:cTn>
-                        </p:par>
-                      </p:childTnLst>
-                    </p:cTn>
-                  </p:par>
-                  <p:par>
-                    <p:cTn id="11" fill="hold">
-                      <p:stCondLst>
-                        <p:cond delay="indefinite"/>
-                      </p:stCondLst>
-                      <p:childTnLst>
-                        <p:par>
-                          <p:cTn id="12" fill="hold">
-                            <p:stCondLst>
-                              <p:cond delay="0"/>
-                            </p:stCondLst>
-                            <p:childTnLst>
-                              <p:par>
-                                <p:cTn id="13" presetID="1" presetClass="entr" presetSubtype="0" fill="hold" nodeType="clickEffect">
-                                  <p:stCondLst>
-                                    <p:cond delay="0"/>
-                                  </p:stCondLst>
-                                  <p:childTnLst>
-                                    <p:set>
-                                      <p:cBhvr>
-                                        <p:cTn id="14" dur="1" fill="hold">
-                                          <p:stCondLst>
-                                            <p:cond delay="0"/>
-                                          </p:stCondLst>
-                                        </p:cTn>
-                                        <p:tgtEl>
-                                          <p:spTgt spid="3">
-                                            <p:txEl>
-                                              <p:pRg st="2" end="2"/>
-                                            </p:txEl>
-                                          </p:spTgt>
-                                        </p:tgtEl>
-                                        <p:attrNameLst>
-                                          <p:attrName>style.visibility</p:attrName>
-                                        </p:attrNameLst>
-                                      </p:cBhvr>
-                                      <p:to>
-                                        <p:strVal val="visible"/>
-                                      </p:to>
-                                    </p:set>
-                                  </p:childTnLst>
-                                </p:cTn>
-                              </p:par>
-                            </p:childTnLst>
-                          </p:cTn>
-                        </p:par>
-                      </p:childTnLst>
-                    </p:cTn>
-                  </p:par>
-                  <p:par>
-                    <p:cTn id="15" fill="hold">
-                      <p:stCondLst>
-                        <p:cond delay="indefinite"/>
-                      </p:stCondLst>
-                      <p:childTnLst>
-                        <p:par>
-                          <p:cTn id="16" fill="hold">
-                            <p:stCondLst>
-                              <p:cond delay="0"/>
-                            </p:stCondLst>
-                            <p:childTnLst>
-                              <p:par>
-                                <p:cTn id="17" presetID="1" presetClass="entr" presetSubtype="0" fill="hold" nodeType="clickEffect">
-                                  <p:stCondLst>
-                                    <p:cond delay="0"/>
-                                  </p:stCondLst>
-                                  <p:childTnLst>
-                                    <p:set>
-                                      <p:cBhvr>
-                                        <p:cTn id="18" dur="1" fill="hold">
-                                          <p:stCondLst>
-                                            <p:cond delay="0"/>
-                                          </p:stCondLst>
-                                        </p:cTn>
-                                        <p:tgtEl>
-                                          <p:spTgt spid="3">
-                                            <p:txEl>
-                                              <p:pRg st="3" end="3"/>
-                                            </p:txEl>
-                                          </p:spTgt>
-                                        </p:tgtEl>
-                                        <p:attrNameLst>
-                                          <p:attrName>style.visibility</p:attrName>
-                                        </p:attrNameLst>
-                                      </p:cBhvr>
-                                      <p:to>
-                                        <p:strVal val="visible"/>
-                                      </p:to>
-                                    </p:set>
-                                  </p:childTnLst>
-                                </p:cTn>
-                              </p:par>
-                            </p:childTnLst>
-                          </p:cTn>
-                        </p:par>
-                      </p:childTnLst>
-                    </p:cTn>
-                  </p:par>
-                  <p:par>
-                    <p:cTn id="19" fill="hold">
-                      <p:stCondLst>
-                        <p:cond delay="indefinite"/>
-                      </p:stCondLst>
-                      <p:childTnLst>
-                        <p:par>
-                          <p:cTn id="20" fill="hold">
-                            <p:stCondLst>
-                              <p:cond delay="0"/>
-                            </p:stCondLst>
-                            <p:childTnLst>
-                              <p:par>
-                                <p:cTn id="21" presetID="1" presetClass="entr" presetSubtype="0" fill="hold" nodeType="clickEffect">
-                                  <p:stCondLst>
-                                    <p:cond delay="0"/>
-                                  </p:stCondLst>
-                                  <p:childTnLst>
-                                    <p:set>
-                                      <p:cBhvr>
-                                        <p:cTn id="22" dur="1" fill="hold">
-                                          <p:stCondLst>
-                                            <p:cond delay="0"/>
-                                          </p:stCondLst>
-                                        </p:cTn>
-                                        <p:tgtEl>
-                                          <p:spTgt spid="3">
-                                            <p:txEl>
-                                              <p:pRg st="4" end="4"/>
-                                            </p:txEl>
-                                          </p:spTgt>
-                                        </p:tgtEl>
-                                        <p:attrNameLst>
-                                          <p:attrName>style.visibility</p:attrName>
-                                        </p:attrNameLst>
-                                      </p:cBhvr>
-                                      <p:to>
-                                        <p:strVal val="visible"/>
-                                      </p:to>
-                                    </p:set>
-                                  </p:childTnLst>
-                                </p:cTn>
-                              </p:par>
-                            </p:childTnLst>
-                          </p:cTn>
-                        </p:par>
-                      </p:childTnLst>
-                    </p:cTn>
-                  </p:par>
-                  <p:par>
-                    <p:cTn id="23" fill="hold">
-                      <p:stCondLst>
-                        <p:cond delay="indefinite"/>
-                      </p:stCondLst>
-                      <p:childTnLst>
-                        <p:par>
-                          <p:cTn id="24" fill="hold">
-                            <p:stCondLst>
-                              <p:cond delay="0"/>
-                            </p:stCondLst>
-                            <p:childTnLst>
-                              <p:par>
-                                <p:cTn id="25" presetID="1" presetClass="entr" presetSubtype="0" fill="hold" nodeType="clickEffect">
-                                  <p:stCondLst>
-                                    <p:cond delay="0"/>
-                                  </p:stCondLst>
-                                  <p:childTnLst>
-                                    <p:set>
-                                      <p:cBhvr>
-                                        <p:cTn id="26" dur="1" fill="hold">
-                                          <p:stCondLst>
-                                            <p:cond delay="0"/>
-                                          </p:stCondLst>
-                                        </p:cTn>
-                                        <p:tgtEl>
-                                          <p:spTgt spid="3">
-                                            <p:txEl>
-                                              <p:pRg st="5" end="5"/>
-                                            </p:txEl>
-                                          </p:spTgt>
-                                        </p:tgtEl>
-                                        <p:attrNameLst>
-                                          <p:attrName>style.visibility</p:attrName>
-                                        </p:attrNameLst>
-                                      </p:cBhvr>
-                                      <p:to>
-                                        <p:strVal val="visible"/>
-                                      </p:to>
-                                    </p:set>
-                                  </p:childTnLst>
-                                </p:cTn>
-                              </p:par>
-                            </p:childTnLst>
-                          </p:cTn>
-                        </p:par>
-                      </p:childTnLst>
-                    </p:cTn>
-                  </p:par>
-                  <p:par>
-                    <p:cTn id="27" fill="hold">
-                      <p:stCondLst>
-                        <p:cond delay="indefinite"/>
-                      </p:stCondLst>
-                      <p:childTnLst>
-                        <p:par>
-                          <p:cTn id="28" fill="hold">
-                            <p:stCondLst>
-                              <p:cond delay="0"/>
-                            </p:stCondLst>
-                            <p:childTnLst>
-                              <p:par>
-                                <p:cTn id="29" presetID="1" presetClass="entr" presetSubtype="0" fill="hold" nodeType="clickEffect">
-                                  <p:stCondLst>
-                                    <p:cond delay="0"/>
-                                  </p:stCondLst>
-                                  <p:childTnLst>
-                                    <p:set>
-                                      <p:cBhvr>
-                                        <p:cTn id="30" dur="1" fill="hold">
-                                          <p:stCondLst>
-                                            <p:cond delay="0"/>
-                                          </p:stCondLst>
-                                        </p:cTn>
-                                        <p:tgtEl>
-                                          <p:spTgt spid="3">
-                                            <p:txEl>
-                                              <p:pRg st="6" end="6"/>
-                                            </p:txEl>
-                                          </p:spTgt>
-                                        </p:tgtEl>
-                                        <p:attrNameLst>
-                                          <p:attrName>style.visibility</p:attrName>
-                                        </p:attrNameLst>
-                                      </p:cBhvr>
-                                      <p:to>
-                                        <p:strVal val="visible"/>
-                                      </p:to>
-                                    </p:set>
-                                  </p:childTnLst>
-                                </p:cTn>
-                              </p:par>
-                            </p:childTnLst>
-                          </p:cTn>
-                        </p:par>
-                      </p:childTnLst>
-                    </p:cTn>
-                  </p:par>
-                  <p:par>
-                    <p:cTn id="31" fill="hold">
-                      <p:stCondLst>
-                        <p:cond delay="indefinite"/>
-                      </p:stCondLst>
-                      <p:childTnLst>
-                        <p:par>
-                          <p:cTn id="32" fill="hold">
-                            <p:stCondLst>
-                              <p:cond delay="0"/>
-                            </p:stCondLst>
-                            <p:childTnLst>
-                              <p:par>
-                                <p:cTn id="33" presetID="1" presetClass="entr" presetSubtype="0" fill="hold" nodeType="clickEffect">
-                                  <p:stCondLst>
-                                    <p:cond delay="0"/>
-                                  </p:stCondLst>
-                                  <p:childTnLst>
-                                    <p:set>
-                                      <p:cBhvr>
-                                        <p:cTn id="34" dur="1" fill="hold">
-                                          <p:stCondLst>
-                                            <p:cond delay="0"/>
-                                          </p:stCondLst>
-                                        </p:cTn>
-                                        <p:tgtEl>
-                                          <p:spTgt spid="3">
-                                            <p:txEl>
-                                              <p:pRg st="7" end="7"/>
-                                            </p:txEl>
-                                          </p:spTgt>
-                                        </p:tgtEl>
-                                        <p:attrNameLst>
-                                          <p:attrName>style.visibility</p:attrName>
-                                        </p:attrNameLst>
-                                      </p:cBhvr>
-                                      <p:to>
-                                        <p:strVal val="visible"/>
-                                      </p:to>
-                                    </p:set>
-                                  </p:childTnLst>
-                                </p:cTn>
-                              </p:par>
-                            </p:childTnLst>
-                          </p:cTn>
-                        </p:par>
-                      </p:childTnLst>
-                    </p:cTn>
-                  </p:par>
-                </p:childTnLst>
-              </p:cTn>
-              <p:prevCondLst>
-                <p:cond evt="onPrev" delay="0">
-                  <p:tgtEl>
-                    <p:sldTgt/>
-                  </p:tgtEl>
-                </p:cond>
-              </p:prevCondLst>
-              <p:nextCondLst>
-                <p:cond evt="onNext" delay="0">
-                  <p:tgtEl>
-                    <p:sldTgt/>
-                  </p:tgtEl>
-                </p:cond>
-              </p:nextCondLst>
-            </p:seq>
-          </p:childTnLst>
-        </p:cTn>
-      </p:par>
-    </p:tnLst>
-  </p:timing>
-</p:sld>
-</file>
-
-<file path=ppt/slides/slide21.xml><?xml version="1.0" encoding="utf-8"?>
-<p:sld xmlns:a="http://schemas.openxmlformats.org/drawingml/2006/main" xmlns:r="http://schemas.openxmlformats.org/officeDocument/2006/relationships" xmlns:p="http://schemas.openxmlformats.org/presentationml/2006/main">
-  <p:cSld>
-    <p:spTree>
-      <p:nvGrpSpPr>
-        <p:cNvPr id="1" name=""/>
-        <p:cNvGrpSpPr/>
-        <p:nvPr/>
-      </p:nvGrpSpPr>
-      <p:grpSpPr>
-        <a:xfrm>
-          <a:off x="0" y="0"/>
-          <a:ext cx="0" cy="0"/>
-          <a:chOff x="0" y="0"/>
-          <a:chExt cx="0" cy="0"/>
-        </a:xfrm>
-      </p:grpSpPr>
-      <mc:AlternateContent xmlns:mc="http://schemas.openxmlformats.org/markup-compatibility/2006">
-        <mc:Choice xmlns:a14="http://schemas.microsoft.com/office/drawing/2010/main" Requires="a14">
+      <mc:AlternateContent xmlns:mc="http://schemas.openxmlformats.org/markup-compatibility/2006" xmlns:a14="http://schemas.microsoft.com/office/drawing/2010/main">
+        <mc:Choice Requires="a14">
           <p:sp>
             <p:nvSpPr>
               <p:cNvPr id="3" name="Content Placeholder 2">
@@ -14294,7 +12744,7 @@
             </p:txBody>
           </p:sp>
         </mc:Choice>
-        <mc:Fallback>
+        <mc:Fallback xmlns="">
           <p:sp>
             <p:nvSpPr>
               <p:cNvPr id="3" name="Content Placeholder 2">
@@ -14440,7 +12890,7 @@
                                         <p:tgtEl>
                                           <p:spTgt spid="3">
                                             <p:txEl>
-                                              <p:pRg st="0" end="0"/>
+                                              <p:pRg st="1" end="1"/>
                                             </p:txEl>
                                           </p:spTgt>
                                         </p:tgtEl>
@@ -14489,7 +12939,7 @@
                                         <p:tgtEl>
                                           <p:spTgt spid="3">
                                             <p:txEl>
-                                              <p:pRg st="1" end="1"/>
+                                              <p:pRg st="2" end="2"/>
                                             </p:txEl>
                                           </p:spTgt>
                                         </p:tgtEl>
@@ -14538,7 +12988,7 @@
                                         <p:tgtEl>
                                           <p:spTgt spid="3">
                                             <p:txEl>
-                                              <p:pRg st="2" end="2"/>
+                                              <p:pRg st="3" end="3"/>
                                             </p:txEl>
                                           </p:spTgt>
                                         </p:tgtEl>
@@ -14587,7 +13037,7 @@
                                         <p:tgtEl>
                                           <p:spTgt spid="3">
                                             <p:txEl>
-                                              <p:pRg st="3" end="3"/>
+                                              <p:pRg st="4" end="4"/>
                                             </p:txEl>
                                           </p:spTgt>
                                         </p:tgtEl>
@@ -14636,7 +13086,7 @@
                                         <p:tgtEl>
                                           <p:spTgt spid="3">
                                             <p:txEl>
-                                              <p:pRg st="4" end="4"/>
+                                              <p:pRg st="5" end="5"/>
                                             </p:txEl>
                                           </p:spTgt>
                                         </p:tgtEl>
@@ -14685,7 +13135,7 @@
                                         <p:tgtEl>
                                           <p:spTgt spid="3">
                                             <p:txEl>
-                                              <p:pRg st="5" end="5"/>
+                                              <p:pRg st="6" end="6"/>
                                             </p:txEl>
                                           </p:spTgt>
                                         </p:tgtEl>
@@ -14734,7 +13184,7 @@
                                         <p:tgtEl>
                                           <p:spTgt spid="3">
                                             <p:txEl>
-                                              <p:pRg st="6" end="6"/>
+                                              <p:pRg st="7" end="7"/>
                                             </p:txEl>
                                           </p:spTgt>
                                         </p:tgtEl>
@@ -14776,55 +13226,6 @@
                                     <p:set>
                                       <p:cBhvr>
                                         <p:cTn id="34" dur="1" fill="hold">
-                                          <p:stCondLst>
-                                            <p:cond delay="0"/>
-                                          </p:stCondLst>
-                                        </p:cTn>
-                                        <p:tgtEl>
-                                          <p:spTgt spid="3">
-                                            <p:txEl>
-                                              <p:pRg st="7" end="7"/>
-                                            </p:txEl>
-                                          </p:spTgt>
-                                        </p:tgtEl>
-                                        <p:attrNameLst>
-                                          <p:attrName>style.visibility</p:attrName>
-                                        </p:attrNameLst>
-                                      </p:cBhvr>
-                                      <p:to>
-                                        <p:strVal val="visible"/>
-                                      </p:to>
-                                    </p:set>
-                                  </p:childTnLst>
-                                </p:cTn>
-                              </p:par>
-                            </p:childTnLst>
-                          </p:cTn>
-                        </p:par>
-                      </p:childTnLst>
-                    </p:cTn>
-                  </p:par>
-                  <p:par>
-                    <p:cTn id="35" fill="hold">
-                      <p:stCondLst>
-                        <p:cond delay="indefinite"/>
-                      </p:stCondLst>
-                      <p:childTnLst>
-                        <p:par>
-                          <p:cTn id="36" fill="hold">
-                            <p:stCondLst>
-                              <p:cond delay="0"/>
-                            </p:stCondLst>
-                            <p:childTnLst>
-                              <p:par>
-                                <p:cTn id="37" presetID="1" presetClass="entr" presetSubtype="0" fill="hold" nodeType="clickEffect">
-                                  <p:stCondLst>
-                                    <p:cond delay="0"/>
-                                  </p:stCondLst>
-                                  <p:childTnLst>
-                                    <p:set>
-                                      <p:cBhvr>
-                                        <p:cTn id="38" dur="1" fill="hold">
                                           <p:stCondLst>
                                             <p:cond delay="0"/>
                                           </p:stCondLst>
@@ -14878,7 +13279,7 @@
 </p:sld>
 </file>
 
-<file path=ppt/slides/slide22.xml><?xml version="1.0" encoding="utf-8"?>
+<file path=ppt/slides/slide21.xml><?xml version="1.0" encoding="utf-8"?>
 <p:sld xmlns:a="http://schemas.openxmlformats.org/drawingml/2006/main" xmlns:r="http://schemas.openxmlformats.org/officeDocument/2006/relationships" xmlns:p="http://schemas.openxmlformats.org/presentationml/2006/main">
   <p:cSld>
     <p:spTree>
@@ -14895,8 +13296,8 @@
           <a:chExt cx="0" cy="0"/>
         </a:xfrm>
       </p:grpSpPr>
-      <mc:AlternateContent xmlns:mc="http://schemas.openxmlformats.org/markup-compatibility/2006">
-        <mc:Choice xmlns:a14="http://schemas.microsoft.com/office/drawing/2010/main" Requires="a14">
+      <mc:AlternateContent xmlns:mc="http://schemas.openxmlformats.org/markup-compatibility/2006" xmlns:a14="http://schemas.microsoft.com/office/drawing/2010/main">
+        <mc:Choice Requires="a14">
           <p:sp>
             <p:nvSpPr>
               <p:cNvPr id="3" name="Content Placeholder 2">
@@ -15785,7 +14186,7 @@
             </p:txBody>
           </p:sp>
         </mc:Choice>
-        <mc:Fallback>
+        <mc:Fallback xmlns="">
           <p:sp>
             <p:nvSpPr>
               <p:cNvPr id="3" name="Content Placeholder 2">
@@ -15931,7 +14332,7 @@
                                         <p:tgtEl>
                                           <p:spTgt spid="3">
                                             <p:txEl>
-                                              <p:pRg st="0" end="0"/>
+                                              <p:pRg st="1" end="1"/>
                                             </p:txEl>
                                           </p:spTgt>
                                         </p:tgtEl>
@@ -15980,7 +14381,7 @@
                                         <p:tgtEl>
                                           <p:spTgt spid="3">
                                             <p:txEl>
-                                              <p:pRg st="1" end="1"/>
+                                              <p:pRg st="2" end="2"/>
                                             </p:txEl>
                                           </p:spTgt>
                                         </p:tgtEl>
@@ -16029,7 +14430,7 @@
                                         <p:tgtEl>
                                           <p:spTgt spid="3">
                                             <p:txEl>
-                                              <p:pRg st="2" end="2"/>
+                                              <p:pRg st="3" end="3"/>
                                             </p:txEl>
                                           </p:spTgt>
                                         </p:tgtEl>
@@ -16078,7 +14479,7 @@
                                         <p:tgtEl>
                                           <p:spTgt spid="3">
                                             <p:txEl>
-                                              <p:pRg st="3" end="3"/>
+                                              <p:pRg st="4" end="4"/>
                                             </p:txEl>
                                           </p:spTgt>
                                         </p:tgtEl>
@@ -16127,7 +14528,7 @@
                                         <p:tgtEl>
                                           <p:spTgt spid="3">
                                             <p:txEl>
-                                              <p:pRg st="4" end="4"/>
+                                              <p:pRg st="5" end="5"/>
                                             </p:txEl>
                                           </p:spTgt>
                                         </p:tgtEl>
@@ -16176,7 +14577,7 @@
                                         <p:tgtEl>
                                           <p:spTgt spid="3">
                                             <p:txEl>
-                                              <p:pRg st="5" end="5"/>
+                                              <p:pRg st="6" end="6"/>
                                             </p:txEl>
                                           </p:spTgt>
                                         </p:tgtEl>
@@ -16225,7 +14626,7 @@
                                         <p:tgtEl>
                                           <p:spTgt spid="3">
                                             <p:txEl>
-                                              <p:pRg st="6" end="6"/>
+                                              <p:pRg st="7" end="7"/>
                                             </p:txEl>
                                           </p:spTgt>
                                         </p:tgtEl>
@@ -16274,7 +14675,7 @@
                                         <p:tgtEl>
                                           <p:spTgt spid="3">
                                             <p:txEl>
-                                              <p:pRg st="7" end="7"/>
+                                              <p:pRg st="8" end="8"/>
                                             </p:txEl>
                                           </p:spTgt>
                                         </p:tgtEl>
@@ -16323,6 +14724,625 @@
                                         <p:tgtEl>
                                           <p:spTgt spid="3">
                                             <p:txEl>
+                                              <p:pRg st="9" end="9"/>
+                                            </p:txEl>
+                                          </p:spTgt>
+                                        </p:tgtEl>
+                                        <p:attrNameLst>
+                                          <p:attrName>style.visibility</p:attrName>
+                                        </p:attrNameLst>
+                                      </p:cBhvr>
+                                      <p:to>
+                                        <p:strVal val="visible"/>
+                                      </p:to>
+                                    </p:set>
+                                  </p:childTnLst>
+                                </p:cTn>
+                              </p:par>
+                            </p:childTnLst>
+                          </p:cTn>
+                        </p:par>
+                      </p:childTnLst>
+                    </p:cTn>
+                  </p:par>
+                </p:childTnLst>
+              </p:cTn>
+              <p:prevCondLst>
+                <p:cond evt="onPrev" delay="0">
+                  <p:tgtEl>
+                    <p:sldTgt/>
+                  </p:tgtEl>
+                </p:cond>
+              </p:prevCondLst>
+              <p:nextCondLst>
+                <p:cond evt="onNext" delay="0">
+                  <p:tgtEl>
+                    <p:sldTgt/>
+                  </p:tgtEl>
+                </p:cond>
+              </p:nextCondLst>
+            </p:seq>
+          </p:childTnLst>
+        </p:cTn>
+      </p:par>
+    </p:tnLst>
+  </p:timing>
+</p:sld>
+</file>
+
+<file path=ppt/slides/slide22.xml><?xml version="1.0" encoding="utf-8"?>
+<p:sld xmlns:a="http://schemas.openxmlformats.org/drawingml/2006/main" xmlns:r="http://schemas.openxmlformats.org/officeDocument/2006/relationships" xmlns:p="http://schemas.openxmlformats.org/presentationml/2006/main">
+  <p:cSld>
+    <p:spTree>
+      <p:nvGrpSpPr>
+        <p:cNvPr id="1" name=""/>
+        <p:cNvGrpSpPr/>
+        <p:nvPr/>
+      </p:nvGrpSpPr>
+      <p:grpSpPr>
+        <a:xfrm>
+          <a:off x="0" y="0"/>
+          <a:ext cx="0" cy="0"/>
+          <a:chOff x="0" y="0"/>
+          <a:chExt cx="0" cy="0"/>
+        </a:xfrm>
+      </p:grpSpPr>
+      <p:sp>
+        <p:nvSpPr>
+          <p:cNvPr id="3" name="Content Placeholder 2">
+            <a:extLst>
+              <a:ext uri="{FF2B5EF4-FFF2-40B4-BE49-F238E27FC236}">
+                <a16:creationId xmlns:a16="http://schemas.microsoft.com/office/drawing/2014/main" id="{258E6AF3-7615-4BD1-878E-A94C93E98F90}"/>
+              </a:ext>
+            </a:extLst>
+          </p:cNvPr>
+          <p:cNvSpPr>
+            <a:spLocks noGrp="1"/>
+          </p:cNvSpPr>
+          <p:nvPr>
+            <p:ph idx="1"/>
+          </p:nvPr>
+        </p:nvSpPr>
+        <p:spPr>
+          <a:xfrm>
+            <a:off x="784412" y="1324928"/>
+            <a:ext cx="10515600" cy="4958516"/>
+          </a:xfrm>
+        </p:spPr>
+        <p:txBody>
+          <a:bodyPr/>
+          <a:lstStyle/>
+          <a:p>
+            <a:pPr marL="0" indent="0">
+              <a:buNone/>
+            </a:pPr>
+            <a:r>
+              <a:rPr lang="en-US" dirty="0"/>
+              <a:t>Discrete streaming data is common  </a:t>
+            </a:r>
+          </a:p>
+          <a:p>
+            <a:r>
+              <a:rPr lang="en-US" dirty="0"/>
+              <a:t>Clicks on a web site</a:t>
+            </a:r>
+          </a:p>
+          <a:p>
+            <a:r>
+              <a:rPr lang="en-US" dirty="0"/>
+              <a:t>Key-value lookups</a:t>
+            </a:r>
+          </a:p>
+          <a:p>
+            <a:r>
+              <a:rPr lang="en-US" dirty="0"/>
+              <a:t>Sensors count events </a:t>
+            </a:r>
+          </a:p>
+          <a:p>
+            <a:pPr lvl="1"/>
+            <a:r>
+              <a:rPr lang="en-US" dirty="0"/>
+              <a:t>Vehicles passing </a:t>
+            </a:r>
+          </a:p>
+          <a:p>
+            <a:pPr lvl="1"/>
+            <a:r>
+              <a:rPr lang="en-US" dirty="0"/>
+              <a:t>People entering a building</a:t>
+            </a:r>
+          </a:p>
+          <a:p>
+            <a:pPr lvl="1"/>
+            <a:r>
+              <a:rPr lang="en-US" dirty="0"/>
+              <a:t>Wildlife sightings </a:t>
+            </a:r>
+          </a:p>
+          <a:p>
+            <a:pPr lvl="1"/>
+            <a:r>
+              <a:rPr lang="en-US" dirty="0"/>
+              <a:t>Transactions </a:t>
+            </a:r>
+          </a:p>
+          <a:p>
+            <a:pPr lvl="1"/>
+            <a:r>
+              <a:rPr lang="en-US" dirty="0"/>
+              <a:t>…</a:t>
+            </a:r>
+          </a:p>
+          <a:p>
+            <a:r>
+              <a:rPr lang="en-US" dirty="0"/>
+              <a:t>And many more…</a:t>
+            </a:r>
+          </a:p>
+          <a:p>
+            <a:pPr lvl="1"/>
+            <a:endParaRPr lang="en-US" dirty="0"/>
+          </a:p>
+          <a:p>
+            <a:pPr lvl="1"/>
+            <a:endParaRPr lang="en-US" dirty="0"/>
+          </a:p>
+          <a:p>
+            <a:pPr lvl="1"/>
+            <a:endParaRPr lang="en-US" dirty="0"/>
+          </a:p>
+          <a:p>
+            <a:pPr lvl="1"/>
+            <a:endParaRPr lang="en-US" dirty="0"/>
+          </a:p>
+        </p:txBody>
+      </p:sp>
+      <p:sp>
+        <p:nvSpPr>
+          <p:cNvPr id="6" name="Title 1">
+            <a:extLst>
+              <a:ext uri="{FF2B5EF4-FFF2-40B4-BE49-F238E27FC236}">
+                <a16:creationId xmlns:a16="http://schemas.microsoft.com/office/drawing/2014/main" id="{CD29F70F-B868-451B-A65D-8721F4C7A2D9}"/>
+              </a:ext>
+            </a:extLst>
+          </p:cNvPr>
+          <p:cNvSpPr txBox="1">
+            <a:spLocks/>
+          </p:cNvSpPr>
+          <p:nvPr/>
+        </p:nvSpPr>
+        <p:spPr>
+          <a:xfrm>
+            <a:off x="838200" y="-635"/>
+            <a:ext cx="10515600" cy="1325563"/>
+          </a:xfrm>
+          <a:prstGeom prst="rect">
+            <a:avLst/>
+          </a:prstGeom>
+        </p:spPr>
+        <p:txBody>
+          <a:bodyPr vert="horz" lIns="91440" tIns="45720" rIns="91440" bIns="45720" rtlCol="0" anchor="ctr">
+            <a:normAutofit/>
+          </a:bodyPr>
+          <a:lstStyle>
+            <a:lvl1pPr algn="l" defTabSz="914400" rtl="0" eaLnBrk="1" latinLnBrk="0" hangingPunct="1">
+              <a:lnSpc>
+                <a:spcPct val="90000"/>
+              </a:lnSpc>
+              <a:spcBef>
+                <a:spcPct val="0"/>
+              </a:spcBef>
+              <a:buNone/>
+              <a:defRPr sz="4400" kern="1200">
+                <a:solidFill>
+                  <a:schemeClr val="tx1"/>
+                </a:solidFill>
+                <a:latin typeface="+mj-lt"/>
+                <a:ea typeface="+mj-ea"/>
+                <a:cs typeface="+mj-cs"/>
+              </a:defRPr>
+            </a:lvl1pPr>
+          </a:lstStyle>
+          <a:p>
+            <a:r>
+              <a:rPr lang="en-US" dirty="0">
+                <a:latin typeface="+mn-lt"/>
+              </a:rPr>
+              <a:t>Discrete Event Data</a:t>
+            </a:r>
+          </a:p>
+        </p:txBody>
+      </p:sp>
+    </p:spTree>
+    <p:extLst>
+      <p:ext uri="{BB962C8B-B14F-4D97-AF65-F5344CB8AC3E}">
+        <p14:creationId xmlns:p14="http://schemas.microsoft.com/office/powerpoint/2010/main" val="1347772734"/>
+      </p:ext>
+    </p:extLst>
+  </p:cSld>
+  <p:clrMapOvr>
+    <a:masterClrMapping/>
+  </p:clrMapOvr>
+  <p:timing>
+    <p:tnLst>
+      <p:par>
+        <p:cTn id="1" dur="indefinite" restart="never" nodeType="tmRoot">
+          <p:childTnLst>
+            <p:seq concurrent="1" nextAc="seek">
+              <p:cTn id="2" dur="indefinite" nodeType="mainSeq">
+                <p:childTnLst>
+                  <p:par>
+                    <p:cTn id="3" fill="hold">
+                      <p:stCondLst>
+                        <p:cond delay="indefinite"/>
+                      </p:stCondLst>
+                      <p:childTnLst>
+                        <p:par>
+                          <p:cTn id="4" fill="hold">
+                            <p:stCondLst>
+                              <p:cond delay="0"/>
+                            </p:stCondLst>
+                            <p:childTnLst>
+                              <p:par>
+                                <p:cTn id="5" presetID="1" presetClass="entr" presetSubtype="0" fill="hold" nodeType="clickEffect">
+                                  <p:stCondLst>
+                                    <p:cond delay="0"/>
+                                  </p:stCondLst>
+                                  <p:childTnLst>
+                                    <p:set>
+                                      <p:cBhvr>
+                                        <p:cTn id="6" dur="1" fill="hold">
+                                          <p:stCondLst>
+                                            <p:cond delay="0"/>
+                                          </p:stCondLst>
+                                        </p:cTn>
+                                        <p:tgtEl>
+                                          <p:spTgt spid="3">
+                                            <p:txEl>
+                                              <p:pRg st="1" end="1"/>
+                                            </p:txEl>
+                                          </p:spTgt>
+                                        </p:tgtEl>
+                                        <p:attrNameLst>
+                                          <p:attrName>style.visibility</p:attrName>
+                                        </p:attrNameLst>
+                                      </p:cBhvr>
+                                      <p:to>
+                                        <p:strVal val="visible"/>
+                                      </p:to>
+                                    </p:set>
+                                  </p:childTnLst>
+                                </p:cTn>
+                              </p:par>
+                            </p:childTnLst>
+                          </p:cTn>
+                        </p:par>
+                      </p:childTnLst>
+                    </p:cTn>
+                  </p:par>
+                  <p:par>
+                    <p:cTn id="7" fill="hold">
+                      <p:stCondLst>
+                        <p:cond delay="indefinite"/>
+                      </p:stCondLst>
+                      <p:childTnLst>
+                        <p:par>
+                          <p:cTn id="8" fill="hold">
+                            <p:stCondLst>
+                              <p:cond delay="0"/>
+                            </p:stCondLst>
+                            <p:childTnLst>
+                              <p:par>
+                                <p:cTn id="9" presetID="1" presetClass="entr" presetSubtype="0" fill="hold" nodeType="clickEffect">
+                                  <p:stCondLst>
+                                    <p:cond delay="0"/>
+                                  </p:stCondLst>
+                                  <p:childTnLst>
+                                    <p:set>
+                                      <p:cBhvr>
+                                        <p:cTn id="10" dur="1" fill="hold">
+                                          <p:stCondLst>
+                                            <p:cond delay="0"/>
+                                          </p:stCondLst>
+                                        </p:cTn>
+                                        <p:tgtEl>
+                                          <p:spTgt spid="3">
+                                            <p:txEl>
+                                              <p:pRg st="2" end="2"/>
+                                            </p:txEl>
+                                          </p:spTgt>
+                                        </p:tgtEl>
+                                        <p:attrNameLst>
+                                          <p:attrName>style.visibility</p:attrName>
+                                        </p:attrNameLst>
+                                      </p:cBhvr>
+                                      <p:to>
+                                        <p:strVal val="visible"/>
+                                      </p:to>
+                                    </p:set>
+                                  </p:childTnLst>
+                                </p:cTn>
+                              </p:par>
+                            </p:childTnLst>
+                          </p:cTn>
+                        </p:par>
+                      </p:childTnLst>
+                    </p:cTn>
+                  </p:par>
+                  <p:par>
+                    <p:cTn id="11" fill="hold">
+                      <p:stCondLst>
+                        <p:cond delay="indefinite"/>
+                      </p:stCondLst>
+                      <p:childTnLst>
+                        <p:par>
+                          <p:cTn id="12" fill="hold">
+                            <p:stCondLst>
+                              <p:cond delay="0"/>
+                            </p:stCondLst>
+                            <p:childTnLst>
+                              <p:par>
+                                <p:cTn id="13" presetID="1" presetClass="entr" presetSubtype="0" fill="hold" nodeType="clickEffect">
+                                  <p:stCondLst>
+                                    <p:cond delay="0"/>
+                                  </p:stCondLst>
+                                  <p:childTnLst>
+                                    <p:set>
+                                      <p:cBhvr>
+                                        <p:cTn id="14" dur="1" fill="hold">
+                                          <p:stCondLst>
+                                            <p:cond delay="0"/>
+                                          </p:stCondLst>
+                                        </p:cTn>
+                                        <p:tgtEl>
+                                          <p:spTgt spid="3">
+                                            <p:txEl>
+                                              <p:pRg st="3" end="3"/>
+                                            </p:txEl>
+                                          </p:spTgt>
+                                        </p:tgtEl>
+                                        <p:attrNameLst>
+                                          <p:attrName>style.visibility</p:attrName>
+                                        </p:attrNameLst>
+                                      </p:cBhvr>
+                                      <p:to>
+                                        <p:strVal val="visible"/>
+                                      </p:to>
+                                    </p:set>
+                                  </p:childTnLst>
+                                </p:cTn>
+                              </p:par>
+                            </p:childTnLst>
+                          </p:cTn>
+                        </p:par>
+                      </p:childTnLst>
+                    </p:cTn>
+                  </p:par>
+                  <p:par>
+                    <p:cTn id="15" fill="hold">
+                      <p:stCondLst>
+                        <p:cond delay="indefinite"/>
+                      </p:stCondLst>
+                      <p:childTnLst>
+                        <p:par>
+                          <p:cTn id="16" fill="hold">
+                            <p:stCondLst>
+                              <p:cond delay="0"/>
+                            </p:stCondLst>
+                            <p:childTnLst>
+                              <p:par>
+                                <p:cTn id="17" presetID="1" presetClass="entr" presetSubtype="0" fill="hold" nodeType="clickEffect">
+                                  <p:stCondLst>
+                                    <p:cond delay="0"/>
+                                  </p:stCondLst>
+                                  <p:childTnLst>
+                                    <p:set>
+                                      <p:cBhvr>
+                                        <p:cTn id="18" dur="1" fill="hold">
+                                          <p:stCondLst>
+                                            <p:cond delay="0"/>
+                                          </p:stCondLst>
+                                        </p:cTn>
+                                        <p:tgtEl>
+                                          <p:spTgt spid="3">
+                                            <p:txEl>
+                                              <p:pRg st="4" end="4"/>
+                                            </p:txEl>
+                                          </p:spTgt>
+                                        </p:tgtEl>
+                                        <p:attrNameLst>
+                                          <p:attrName>style.visibility</p:attrName>
+                                        </p:attrNameLst>
+                                      </p:cBhvr>
+                                      <p:to>
+                                        <p:strVal val="visible"/>
+                                      </p:to>
+                                    </p:set>
+                                  </p:childTnLst>
+                                </p:cTn>
+                              </p:par>
+                            </p:childTnLst>
+                          </p:cTn>
+                        </p:par>
+                      </p:childTnLst>
+                    </p:cTn>
+                  </p:par>
+                  <p:par>
+                    <p:cTn id="19" fill="hold">
+                      <p:stCondLst>
+                        <p:cond delay="indefinite"/>
+                      </p:stCondLst>
+                      <p:childTnLst>
+                        <p:par>
+                          <p:cTn id="20" fill="hold">
+                            <p:stCondLst>
+                              <p:cond delay="0"/>
+                            </p:stCondLst>
+                            <p:childTnLst>
+                              <p:par>
+                                <p:cTn id="21" presetID="1" presetClass="entr" presetSubtype="0" fill="hold" nodeType="clickEffect">
+                                  <p:stCondLst>
+                                    <p:cond delay="0"/>
+                                  </p:stCondLst>
+                                  <p:childTnLst>
+                                    <p:set>
+                                      <p:cBhvr>
+                                        <p:cTn id="22" dur="1" fill="hold">
+                                          <p:stCondLst>
+                                            <p:cond delay="0"/>
+                                          </p:stCondLst>
+                                        </p:cTn>
+                                        <p:tgtEl>
+                                          <p:spTgt spid="3">
+                                            <p:txEl>
+                                              <p:pRg st="5" end="5"/>
+                                            </p:txEl>
+                                          </p:spTgt>
+                                        </p:tgtEl>
+                                        <p:attrNameLst>
+                                          <p:attrName>style.visibility</p:attrName>
+                                        </p:attrNameLst>
+                                      </p:cBhvr>
+                                      <p:to>
+                                        <p:strVal val="visible"/>
+                                      </p:to>
+                                    </p:set>
+                                  </p:childTnLst>
+                                </p:cTn>
+                              </p:par>
+                            </p:childTnLst>
+                          </p:cTn>
+                        </p:par>
+                      </p:childTnLst>
+                    </p:cTn>
+                  </p:par>
+                  <p:par>
+                    <p:cTn id="23" fill="hold">
+                      <p:stCondLst>
+                        <p:cond delay="indefinite"/>
+                      </p:stCondLst>
+                      <p:childTnLst>
+                        <p:par>
+                          <p:cTn id="24" fill="hold">
+                            <p:stCondLst>
+                              <p:cond delay="0"/>
+                            </p:stCondLst>
+                            <p:childTnLst>
+                              <p:par>
+                                <p:cTn id="25" presetID="1" presetClass="entr" presetSubtype="0" fill="hold" nodeType="clickEffect">
+                                  <p:stCondLst>
+                                    <p:cond delay="0"/>
+                                  </p:stCondLst>
+                                  <p:childTnLst>
+                                    <p:set>
+                                      <p:cBhvr>
+                                        <p:cTn id="26" dur="1" fill="hold">
+                                          <p:stCondLst>
+                                            <p:cond delay="0"/>
+                                          </p:stCondLst>
+                                        </p:cTn>
+                                        <p:tgtEl>
+                                          <p:spTgt spid="3">
+                                            <p:txEl>
+                                              <p:pRg st="6" end="6"/>
+                                            </p:txEl>
+                                          </p:spTgt>
+                                        </p:tgtEl>
+                                        <p:attrNameLst>
+                                          <p:attrName>style.visibility</p:attrName>
+                                        </p:attrNameLst>
+                                      </p:cBhvr>
+                                      <p:to>
+                                        <p:strVal val="visible"/>
+                                      </p:to>
+                                    </p:set>
+                                  </p:childTnLst>
+                                </p:cTn>
+                              </p:par>
+                            </p:childTnLst>
+                          </p:cTn>
+                        </p:par>
+                      </p:childTnLst>
+                    </p:cTn>
+                  </p:par>
+                  <p:par>
+                    <p:cTn id="27" fill="hold">
+                      <p:stCondLst>
+                        <p:cond delay="indefinite"/>
+                      </p:stCondLst>
+                      <p:childTnLst>
+                        <p:par>
+                          <p:cTn id="28" fill="hold">
+                            <p:stCondLst>
+                              <p:cond delay="0"/>
+                            </p:stCondLst>
+                            <p:childTnLst>
+                              <p:par>
+                                <p:cTn id="29" presetID="1" presetClass="entr" presetSubtype="0" fill="hold" nodeType="clickEffect">
+                                  <p:stCondLst>
+                                    <p:cond delay="0"/>
+                                  </p:stCondLst>
+                                  <p:childTnLst>
+                                    <p:set>
+                                      <p:cBhvr>
+                                        <p:cTn id="30" dur="1" fill="hold">
+                                          <p:stCondLst>
+                                            <p:cond delay="0"/>
+                                          </p:stCondLst>
+                                        </p:cTn>
+                                        <p:tgtEl>
+                                          <p:spTgt spid="3">
+                                            <p:txEl>
+                                              <p:pRg st="7" end="7"/>
+                                            </p:txEl>
+                                          </p:spTgt>
+                                        </p:tgtEl>
+                                        <p:attrNameLst>
+                                          <p:attrName>style.visibility</p:attrName>
+                                        </p:attrNameLst>
+                                      </p:cBhvr>
+                                      <p:to>
+                                        <p:strVal val="visible"/>
+                                      </p:to>
+                                    </p:set>
+                                  </p:childTnLst>
+                                </p:cTn>
+                              </p:par>
+                            </p:childTnLst>
+                          </p:cTn>
+                        </p:par>
+                      </p:childTnLst>
+                    </p:cTn>
+                  </p:par>
+                  <p:par>
+                    <p:cTn id="31" fill="hold">
+                      <p:stCondLst>
+                        <p:cond delay="indefinite"/>
+                      </p:stCondLst>
+                      <p:childTnLst>
+                        <p:par>
+                          <p:cTn id="32" fill="hold">
+                            <p:stCondLst>
+                              <p:cond delay="0"/>
+                            </p:stCondLst>
+                            <p:childTnLst>
+                              <p:par>
+                                <p:cTn id="33" presetID="1" presetClass="entr" presetSubtype="0" fill="hold" nodeType="clickEffect">
+                                  <p:stCondLst>
+                                    <p:cond delay="0"/>
+                                  </p:stCondLst>
+                                  <p:childTnLst>
+                                    <p:set>
+                                      <p:cBhvr>
+                                        <p:cTn id="34" dur="1" fill="hold">
+                                          <p:stCondLst>
+                                            <p:cond delay="0"/>
+                                          </p:stCondLst>
+                                        </p:cTn>
+                                        <p:tgtEl>
+                                          <p:spTgt spid="3">
+                                            <p:txEl>
                                               <p:pRg st="8" end="8"/>
                                             </p:txEl>
                                           </p:spTgt>
@@ -16345,26 +15365,26 @@
                     </p:cTn>
                   </p:par>
                   <p:par>
-                    <p:cTn id="39" fill="hold">
+                    <p:cTn id="35" fill="hold">
                       <p:stCondLst>
                         <p:cond delay="indefinite"/>
                       </p:stCondLst>
                       <p:childTnLst>
                         <p:par>
-                          <p:cTn id="40" fill="hold">
+                          <p:cTn id="36" fill="hold">
                             <p:stCondLst>
                               <p:cond delay="0"/>
                             </p:stCondLst>
                             <p:childTnLst>
                               <p:par>
-                                <p:cTn id="41" presetID="1" presetClass="entr" presetSubtype="0" fill="hold" nodeType="clickEffect">
+                                <p:cTn id="37" presetID="1" presetClass="entr" presetSubtype="0" fill="hold" nodeType="clickEffect">
                                   <p:stCondLst>
                                     <p:cond delay="0"/>
                                   </p:stCondLst>
                                   <p:childTnLst>
                                     <p:set>
                                       <p:cBhvr>
-                                        <p:cTn id="42" dur="1" fill="hold">
+                                        <p:cTn id="38" dur="1" fill="hold">
                                           <p:stCondLst>
                                             <p:cond delay="0"/>
                                           </p:stCondLst>
@@ -16466,70 +15486,84 @@
             </a:pPr>
             <a:r>
               <a:rPr lang="en-US" dirty="0"/>
-              <a:t>Discrete streaming data is common  </a:t>
-            </a:r>
-          </a:p>
-          <a:p>
+              <a:t>What types of operations can we do with discrete event data? </a:t>
+            </a:r>
+          </a:p>
+          <a:p>
+            <a:r>
+              <a:rPr lang="en-US" b="1" dirty="0"/>
+              <a:t>Filter events </a:t>
+            </a:r>
             <a:r>
               <a:rPr lang="en-US" dirty="0"/>
-              <a:t>Clicks on a web site</a:t>
-            </a:r>
-          </a:p>
-          <a:p>
+              <a:t>to only process those of interest</a:t>
+            </a:r>
+          </a:p>
+          <a:p>
+            <a:r>
+              <a:rPr lang="en-US" b="1" dirty="0"/>
+              <a:t>Count events </a:t>
+            </a:r>
             <a:r>
               <a:rPr lang="en-US" dirty="0"/>
-              <a:t>Key-value lookups</a:t>
+              <a:t>in a time window</a:t>
             </a:r>
           </a:p>
           <a:p>
             <a:r>
               <a:rPr lang="en-US" dirty="0"/>
-              <a:t>Sensors count events </a:t>
+              <a:t>Unique types of events occurred in time window, or </a:t>
+            </a:r>
+            <a:r>
+              <a:rPr lang="en-US" b="1" dirty="0"/>
+              <a:t>cardinality</a:t>
+            </a:r>
+          </a:p>
+          <a:p>
+            <a:r>
+              <a:rPr lang="en-US" dirty="0"/>
+              <a:t>Can concatenate operations, for example:</a:t>
             </a:r>
           </a:p>
           <a:p>
             <a:pPr lvl="1"/>
             <a:r>
               <a:rPr lang="en-US" dirty="0"/>
-              <a:t>Vehicles passing </a:t>
+              <a:t>Filter events by type</a:t>
             </a:r>
           </a:p>
           <a:p>
             <a:pPr lvl="1"/>
             <a:r>
               <a:rPr lang="en-US" dirty="0"/>
-              <a:t>People entering a building</a:t>
+              <a:t>Find cardinality of filtered stream</a:t>
             </a:r>
           </a:p>
           <a:p>
             <a:pPr lvl="1"/>
             <a:r>
               <a:rPr lang="en-US" dirty="0"/>
-              <a:t>Wildlife sightings </a:t>
+              <a:t>Filter events again</a:t>
             </a:r>
           </a:p>
           <a:p>
             <a:pPr lvl="1"/>
             <a:r>
               <a:rPr lang="en-US" dirty="0"/>
-              <a:t>Transactions </a:t>
+              <a:t>Count events </a:t>
             </a:r>
           </a:p>
           <a:p>
             <a:pPr lvl="1"/>
             <a:r>
               <a:rPr lang="en-US" dirty="0"/>
-              <a:t>…</a:t>
-            </a:r>
-          </a:p>
-          <a:p>
-            <a:r>
-              <a:rPr lang="en-US" dirty="0"/>
-              <a:t>And many more…</a:t>
-            </a:r>
-          </a:p>
-          <a:p>
-            <a:pPr lvl="1"/>
+              <a:t>Etc.</a:t>
+            </a:r>
+          </a:p>
+          <a:p>
+            <a:pPr marL="457200" lvl="1" indent="0">
+              <a:buNone/>
+            </a:pPr>
             <a:endParaRPr lang="en-US" dirty="0"/>
           </a:p>
           <a:p>
@@ -16605,7 +15639,7 @@
     </p:spTree>
     <p:extLst>
       <p:ext uri="{BB962C8B-B14F-4D97-AF65-F5344CB8AC3E}">
-        <p14:creationId xmlns:p14="http://schemas.microsoft.com/office/powerpoint/2010/main" val="1347772734"/>
+        <p14:creationId xmlns:p14="http://schemas.microsoft.com/office/powerpoint/2010/main" val="3964344869"/>
       </p:ext>
     </p:extLst>
   </p:cSld>
@@ -16648,7 +15682,7 @@
                                         <p:tgtEl>
                                           <p:spTgt spid="3">
                                             <p:txEl>
-                                              <p:pRg st="0" end="0"/>
+                                              <p:pRg st="1" end="1"/>
                                             </p:txEl>
                                           </p:spTgt>
                                         </p:tgtEl>
@@ -16697,7 +15731,7 @@
                                         <p:tgtEl>
                                           <p:spTgt spid="3">
                                             <p:txEl>
-                                              <p:pRg st="1" end="1"/>
+                                              <p:pRg st="2" end="2"/>
                                             </p:txEl>
                                           </p:spTgt>
                                         </p:tgtEl>
@@ -16746,7 +15780,7 @@
                                         <p:tgtEl>
                                           <p:spTgt spid="3">
                                             <p:txEl>
-                                              <p:pRg st="2" end="2"/>
+                                              <p:pRg st="3" end="3"/>
                                             </p:txEl>
                                           </p:spTgt>
                                         </p:tgtEl>
@@ -16795,7 +15829,7 @@
                                         <p:tgtEl>
                                           <p:spTgt spid="3">
                                             <p:txEl>
-                                              <p:pRg st="3" end="3"/>
+                                              <p:pRg st="4" end="4"/>
                                             </p:txEl>
                                           </p:spTgt>
                                         </p:tgtEl>
@@ -16844,7 +15878,7 @@
                                         <p:tgtEl>
                                           <p:spTgt spid="3">
                                             <p:txEl>
-                                              <p:pRg st="4" end="4"/>
+                                              <p:pRg st="5" end="5"/>
                                             </p:txEl>
                                           </p:spTgt>
                                         </p:tgtEl>
@@ -16893,7 +15927,7 @@
                                         <p:tgtEl>
                                           <p:spTgt spid="3">
                                             <p:txEl>
-                                              <p:pRg st="5" end="5"/>
+                                              <p:pRg st="6" end="6"/>
                                             </p:txEl>
                                           </p:spTgt>
                                         </p:tgtEl>
@@ -16942,7 +15976,7 @@
                                         <p:tgtEl>
                                           <p:spTgt spid="3">
                                             <p:txEl>
-                                              <p:pRg st="6" end="6"/>
+                                              <p:pRg st="7" end="7"/>
                                             </p:txEl>
                                           </p:spTgt>
                                         </p:tgtEl>
@@ -16991,7 +16025,7 @@
                                         <p:tgtEl>
                                           <p:spTgt spid="3">
                                             <p:txEl>
-                                              <p:pRg st="7" end="7"/>
+                                              <p:pRg st="8" end="8"/>
                                             </p:txEl>
                                           </p:spTgt>
                                         </p:tgtEl>
@@ -17033,55 +16067,6 @@
                                     <p:set>
                                       <p:cBhvr>
                                         <p:cTn id="38" dur="1" fill="hold">
-                                          <p:stCondLst>
-                                            <p:cond delay="0"/>
-                                          </p:stCondLst>
-                                        </p:cTn>
-                                        <p:tgtEl>
-                                          <p:spTgt spid="3">
-                                            <p:txEl>
-                                              <p:pRg st="8" end="8"/>
-                                            </p:txEl>
-                                          </p:spTgt>
-                                        </p:tgtEl>
-                                        <p:attrNameLst>
-                                          <p:attrName>style.visibility</p:attrName>
-                                        </p:attrNameLst>
-                                      </p:cBhvr>
-                                      <p:to>
-                                        <p:strVal val="visible"/>
-                                      </p:to>
-                                    </p:set>
-                                  </p:childTnLst>
-                                </p:cTn>
-                              </p:par>
-                            </p:childTnLst>
-                          </p:cTn>
-                        </p:par>
-                      </p:childTnLst>
-                    </p:cTn>
-                  </p:par>
-                  <p:par>
-                    <p:cTn id="39" fill="hold">
-                      <p:stCondLst>
-                        <p:cond delay="indefinite"/>
-                      </p:stCondLst>
-                      <p:childTnLst>
-                        <p:par>
-                          <p:cTn id="40" fill="hold">
-                            <p:stCondLst>
-                              <p:cond delay="0"/>
-                            </p:stCondLst>
-                            <p:childTnLst>
-                              <p:par>
-                                <p:cTn id="41" presetID="1" presetClass="entr" presetSubtype="0" fill="hold" nodeType="clickEffect">
-                                  <p:stCondLst>
-                                    <p:cond delay="0"/>
-                                  </p:stCondLst>
-                                  <p:childTnLst>
-                                    <p:set>
-                                      <p:cBhvr>
-                                        <p:cTn id="42" dur="1" fill="hold">
                                           <p:stCondLst>
                                             <p:cond delay="0"/>
                                           </p:stCondLst>
@@ -17183,89 +16168,75 @@
             </a:pPr>
             <a:r>
               <a:rPr lang="en-US" dirty="0"/>
-              <a:t>What types of operations can we do with discrete event data? </a:t>
-            </a:r>
-          </a:p>
-          <a:p>
-            <a:r>
-              <a:rPr lang="en-US" b="1" dirty="0"/>
-              <a:t>Filter events </a:t>
-            </a:r>
+              <a:t>What limits discrete event data analytics? </a:t>
+            </a:r>
+          </a:p>
+          <a:p>
             <a:r>
               <a:rPr lang="en-US" dirty="0"/>
-              <a:t>to only process those of interest</a:t>
-            </a:r>
-          </a:p>
-          <a:p>
-            <a:r>
-              <a:rPr lang="en-US" b="1" dirty="0"/>
-              <a:t>Count events </a:t>
-            </a:r>
+              <a:t>Consider volume of events:</a:t>
+            </a:r>
+          </a:p>
+          <a:p>
+            <a:pPr lvl="1"/>
             <a:r>
               <a:rPr lang="en-US" dirty="0"/>
-              <a:t>in a time window</a:t>
-            </a:r>
-          </a:p>
-          <a:p>
+              <a:t>Storing all events is prohibitive </a:t>
+            </a:r>
+          </a:p>
+          <a:p>
+            <a:pPr lvl="1"/>
             <a:r>
               <a:rPr lang="en-US" dirty="0"/>
-              <a:t>Unique types of events occurred in time window, or </a:t>
-            </a:r>
-            <a:r>
-              <a:rPr lang="en-US" b="1" dirty="0"/>
-              <a:t>cardinality</a:t>
+              <a:t>Want to push processing as far to periphery as possible  </a:t>
             </a:r>
           </a:p>
           <a:p>
             <a:r>
               <a:rPr lang="en-US" dirty="0"/>
-              <a:t>Can concatenate operations, for example:</a:t>
+              <a:t>We need highly memory and computationally efficient algorithms </a:t>
+            </a:r>
+          </a:p>
+          <a:p>
+            <a:r>
+              <a:rPr lang="en-US" dirty="0"/>
+              <a:t>Use computationally and memory efficient approximate algorithms</a:t>
             </a:r>
           </a:p>
           <a:p>
             <a:pPr lvl="1"/>
             <a:r>
               <a:rPr lang="en-US" dirty="0"/>
-              <a:t>Filter events by type</a:t>
+              <a:t>Accept some error in exchange for orders of magnitude improvement in memory and computation </a:t>
             </a:r>
           </a:p>
           <a:p>
             <a:pPr lvl="1"/>
             <a:r>
               <a:rPr lang="en-US" dirty="0"/>
-              <a:t>Find cardinality of filtered stream</a:t>
+              <a:t>For large volume streams approximations generally converge to exact values</a:t>
+            </a:r>
+          </a:p>
+          <a:p>
+            <a:r>
+              <a:rPr lang="en-US" dirty="0"/>
+              <a:t>Many algorithms have been developed </a:t>
             </a:r>
           </a:p>
           <a:p>
             <a:pPr lvl="1"/>
             <a:r>
               <a:rPr lang="en-US" dirty="0"/>
-              <a:t>Filter events again</a:t>
-            </a:r>
-          </a:p>
-          <a:p>
-            <a:pPr lvl="1"/>
+              <a:t>We look at two, Bloom filter and </a:t>
+            </a:r>
+            <a:r>
+              <a:rPr lang="en-US" dirty="0" err="1"/>
+              <a:t>Flajolet</a:t>
+            </a:r>
             <a:r>
               <a:rPr lang="en-US" dirty="0"/>
-              <a:t>Count events </a:t>
-            </a:r>
-          </a:p>
-          <a:p>
-            <a:pPr lvl="1"/>
-            <a:r>
-              <a:rPr lang="en-US" dirty="0"/>
-              <a:t>Etc.</a:t>
-            </a:r>
-          </a:p>
-          <a:p>
-            <a:pPr marL="457200" lvl="1" indent="0">
-              <a:buNone/>
-            </a:pPr>
-            <a:endParaRPr lang="en-US" dirty="0"/>
-          </a:p>
-          <a:p>
-            <a:pPr lvl="1"/>
-            <a:endParaRPr lang="en-US" dirty="0"/>
+              <a:t>-Martin algorithm for counts </a:t>
+            </a:r>
           </a:p>
           <a:p>
             <a:pPr lvl="1"/>
@@ -17336,7 +16307,7 @@
     </p:spTree>
     <p:extLst>
       <p:ext uri="{BB962C8B-B14F-4D97-AF65-F5344CB8AC3E}">
-        <p14:creationId xmlns:p14="http://schemas.microsoft.com/office/powerpoint/2010/main" val="3964344869"/>
+        <p14:creationId xmlns:p14="http://schemas.microsoft.com/office/powerpoint/2010/main" val="1041428207"/>
       </p:ext>
     </p:extLst>
   </p:cSld>
@@ -17379,7 +16350,7 @@
                                         <p:tgtEl>
                                           <p:spTgt spid="3">
                                             <p:txEl>
-                                              <p:pRg st="0" end="0"/>
+                                              <p:pRg st="1" end="1"/>
                                             </p:txEl>
                                           </p:spTgt>
                                         </p:tgtEl>
@@ -17428,7 +16399,7 @@
                                         <p:tgtEl>
                                           <p:spTgt spid="3">
                                             <p:txEl>
-                                              <p:pRg st="1" end="1"/>
+                                              <p:pRg st="2" end="2"/>
                                             </p:txEl>
                                           </p:spTgt>
                                         </p:tgtEl>
@@ -17477,7 +16448,7 @@
                                         <p:tgtEl>
                                           <p:spTgt spid="3">
                                             <p:txEl>
-                                              <p:pRg st="2" end="2"/>
+                                              <p:pRg st="3" end="3"/>
                                             </p:txEl>
                                           </p:spTgt>
                                         </p:tgtEl>
@@ -17526,7 +16497,7 @@
                                         <p:tgtEl>
                                           <p:spTgt spid="3">
                                             <p:txEl>
-                                              <p:pRg st="3" end="3"/>
+                                              <p:pRg st="4" end="4"/>
                                             </p:txEl>
                                           </p:spTgt>
                                         </p:tgtEl>
@@ -17575,7 +16546,7 @@
                                         <p:tgtEl>
                                           <p:spTgt spid="3">
                                             <p:txEl>
-                                              <p:pRg st="4" end="4"/>
+                                              <p:pRg st="5" end="5"/>
                                             </p:txEl>
                                           </p:spTgt>
                                         </p:tgtEl>
@@ -17624,7 +16595,7 @@
                                         <p:tgtEl>
                                           <p:spTgt spid="3">
                                             <p:txEl>
-                                              <p:pRg st="5" end="5"/>
+                                              <p:pRg st="6" end="6"/>
                                             </p:txEl>
                                           </p:spTgt>
                                         </p:tgtEl>
@@ -17673,7 +16644,7 @@
                                         <p:tgtEl>
                                           <p:spTgt spid="3">
                                             <p:txEl>
-                                              <p:pRg st="6" end="6"/>
+                                              <p:pRg st="7" end="7"/>
                                             </p:txEl>
                                           </p:spTgt>
                                         </p:tgtEl>
@@ -17722,7 +16693,7 @@
                                         <p:tgtEl>
                                           <p:spTgt spid="3">
                                             <p:txEl>
-                                              <p:pRg st="7" end="7"/>
+                                              <p:pRg st="8" end="8"/>
                                             </p:txEl>
                                           </p:spTgt>
                                         </p:tgtEl>
@@ -17764,55 +16735,6 @@
                                     <p:set>
                                       <p:cBhvr>
                                         <p:cTn id="38" dur="1" fill="hold">
-                                          <p:stCondLst>
-                                            <p:cond delay="0"/>
-                                          </p:stCondLst>
-                                        </p:cTn>
-                                        <p:tgtEl>
-                                          <p:spTgt spid="3">
-                                            <p:txEl>
-                                              <p:pRg st="8" end="8"/>
-                                            </p:txEl>
-                                          </p:spTgt>
-                                        </p:tgtEl>
-                                        <p:attrNameLst>
-                                          <p:attrName>style.visibility</p:attrName>
-                                        </p:attrNameLst>
-                                      </p:cBhvr>
-                                      <p:to>
-                                        <p:strVal val="visible"/>
-                                      </p:to>
-                                    </p:set>
-                                  </p:childTnLst>
-                                </p:cTn>
-                              </p:par>
-                            </p:childTnLst>
-                          </p:cTn>
-                        </p:par>
-                      </p:childTnLst>
-                    </p:cTn>
-                  </p:par>
-                  <p:par>
-                    <p:cTn id="39" fill="hold">
-                      <p:stCondLst>
-                        <p:cond delay="indefinite"/>
-                      </p:stCondLst>
-                      <p:childTnLst>
-                        <p:par>
-                          <p:cTn id="40" fill="hold">
-                            <p:stCondLst>
-                              <p:cond delay="0"/>
-                            </p:stCondLst>
-                            <p:childTnLst>
-                              <p:par>
-                                <p:cTn id="41" presetID="1" presetClass="entr" presetSubtype="0" fill="hold" nodeType="clickEffect">
-                                  <p:stCondLst>
-                                    <p:cond delay="0"/>
-                                  </p:stCondLst>
-                                  <p:childTnLst>
-                                    <p:set>
-                                      <p:cBhvr>
-                                        <p:cTn id="42" dur="1" fill="hold">
                                           <p:stCondLst>
                                             <p:cond delay="0"/>
                                           </p:stCondLst>
@@ -17914,74 +16836,43 @@
             </a:pPr>
             <a:r>
               <a:rPr lang="en-US" dirty="0"/>
-              <a:t>What limits discrete event data analytics? </a:t>
+              <a:t>Often need to exclude events </a:t>
             </a:r>
           </a:p>
           <a:p>
             <a:r>
               <a:rPr lang="en-US" dirty="0"/>
-              <a:t>Consider volume of events:</a:t>
-            </a:r>
-          </a:p>
-          <a:p>
-            <a:pPr lvl="1"/>
+              <a:t>Messages from IP addresses not on an authorized list  </a:t>
+            </a:r>
+          </a:p>
+          <a:p>
             <a:r>
               <a:rPr lang="en-US" dirty="0"/>
-              <a:t>Storing all events is prohibitive </a:t>
-            </a:r>
-          </a:p>
-          <a:p>
-            <a:pPr lvl="1"/>
+              <a:t>Is the originating phone one of our accounts? </a:t>
+            </a:r>
+          </a:p>
+          <a:p>
             <a:r>
               <a:rPr lang="en-US" dirty="0"/>
-              <a:t>Want to push processing as far to periphery as possible  </a:t>
+              <a:t>Is this a sensor reading we need to process? </a:t>
             </a:r>
           </a:p>
           <a:p>
             <a:r>
               <a:rPr lang="en-US" dirty="0"/>
-              <a:t>We need highly memory and computationally efficient algorithms </a:t>
+              <a:t>Etc.</a:t>
             </a:r>
           </a:p>
           <a:p>
             <a:r>
               <a:rPr lang="en-US" dirty="0"/>
-              <a:t>Use computationally and memory efficient approximate algorithms</a:t>
-            </a:r>
-          </a:p>
-          <a:p>
-            <a:pPr lvl="1"/>
+              <a:t>Or, determine if an event already occurred previously? </a:t>
+            </a:r>
+          </a:p>
+          <a:p>
             <a:r>
               <a:rPr lang="en-US" dirty="0"/>
-              <a:t>Accept some error in exchange for orders of magnitude improvement in memory and computation </a:t>
-            </a:r>
-          </a:p>
-          <a:p>
-            <a:pPr lvl="1"/>
-            <a:r>
-              <a:rPr lang="en-US" dirty="0"/>
-              <a:t>For large volume streams approximations generally converge to exact values</a:t>
-            </a:r>
-          </a:p>
-          <a:p>
-            <a:r>
-              <a:rPr lang="en-US" dirty="0"/>
-              <a:t>Many algorithms have been developed </a:t>
-            </a:r>
-          </a:p>
-          <a:p>
-            <a:pPr lvl="1"/>
-            <a:r>
-              <a:rPr lang="en-US" dirty="0"/>
-              <a:t>We look at two, Bloom filter and </a:t>
-            </a:r>
-            <a:r>
-              <a:rPr lang="en-US" dirty="0" err="1"/>
-              <a:t>Flajolet</a:t>
-            </a:r>
-            <a:r>
-              <a:rPr lang="en-US" dirty="0"/>
-              <a:t>-Martin algorithm for counts </a:t>
+              <a:t>The majority of traffic is often filtered  </a:t>
             </a:r>
           </a:p>
           <a:p>
@@ -18045,7 +16936,7 @@
               <a:rPr lang="en-US" dirty="0">
                 <a:latin typeface="+mn-lt"/>
               </a:rPr>
-              <a:t>Discrete Event Data</a:t>
+              <a:t>Filtering Event Data </a:t>
             </a:r>
           </a:p>
         </p:txBody>
@@ -18053,7 +16944,7 @@
     </p:spTree>
     <p:extLst>
       <p:ext uri="{BB962C8B-B14F-4D97-AF65-F5344CB8AC3E}">
-        <p14:creationId xmlns:p14="http://schemas.microsoft.com/office/powerpoint/2010/main" val="1041428207"/>
+        <p14:creationId xmlns:p14="http://schemas.microsoft.com/office/powerpoint/2010/main" val="272880027"/>
       </p:ext>
     </p:extLst>
   </p:cSld>
@@ -18096,7 +16987,7 @@
                                         <p:tgtEl>
                                           <p:spTgt spid="3">
                                             <p:txEl>
-                                              <p:pRg st="0" end="0"/>
+                                              <p:pRg st="1" end="1"/>
                                             </p:txEl>
                                           </p:spTgt>
                                         </p:tgtEl>
@@ -18145,7 +17036,7 @@
                                         <p:tgtEl>
                                           <p:spTgt spid="3">
                                             <p:txEl>
-                                              <p:pRg st="1" end="1"/>
+                                              <p:pRg st="2" end="2"/>
                                             </p:txEl>
                                           </p:spTgt>
                                         </p:tgtEl>
@@ -18194,7 +17085,7 @@
                                         <p:tgtEl>
                                           <p:spTgt spid="3">
                                             <p:txEl>
-                                              <p:pRg st="2" end="2"/>
+                                              <p:pRg st="3" end="3"/>
                                             </p:txEl>
                                           </p:spTgt>
                                         </p:tgtEl>
@@ -18243,7 +17134,7 @@
                                         <p:tgtEl>
                                           <p:spTgt spid="3">
                                             <p:txEl>
-                                              <p:pRg st="3" end="3"/>
+                                              <p:pRg st="4" end="4"/>
                                             </p:txEl>
                                           </p:spTgt>
                                         </p:tgtEl>
@@ -18292,7 +17183,7 @@
                                         <p:tgtEl>
                                           <p:spTgt spid="3">
                                             <p:txEl>
-                                              <p:pRg st="4" end="4"/>
+                                              <p:pRg st="5" end="5"/>
                                             </p:txEl>
                                           </p:spTgt>
                                         </p:tgtEl>
@@ -18341,203 +17232,7 @@
                                         <p:tgtEl>
                                           <p:spTgt spid="3">
                                             <p:txEl>
-                                              <p:pRg st="5" end="5"/>
-                                            </p:txEl>
-                                          </p:spTgt>
-                                        </p:tgtEl>
-                                        <p:attrNameLst>
-                                          <p:attrName>style.visibility</p:attrName>
-                                        </p:attrNameLst>
-                                      </p:cBhvr>
-                                      <p:to>
-                                        <p:strVal val="visible"/>
-                                      </p:to>
-                                    </p:set>
-                                  </p:childTnLst>
-                                </p:cTn>
-                              </p:par>
-                            </p:childTnLst>
-                          </p:cTn>
-                        </p:par>
-                      </p:childTnLst>
-                    </p:cTn>
-                  </p:par>
-                  <p:par>
-                    <p:cTn id="27" fill="hold">
-                      <p:stCondLst>
-                        <p:cond delay="indefinite"/>
-                      </p:stCondLst>
-                      <p:childTnLst>
-                        <p:par>
-                          <p:cTn id="28" fill="hold">
-                            <p:stCondLst>
-                              <p:cond delay="0"/>
-                            </p:stCondLst>
-                            <p:childTnLst>
-                              <p:par>
-                                <p:cTn id="29" presetID="1" presetClass="entr" presetSubtype="0" fill="hold" nodeType="clickEffect">
-                                  <p:stCondLst>
-                                    <p:cond delay="0"/>
-                                  </p:stCondLst>
-                                  <p:childTnLst>
-                                    <p:set>
-                                      <p:cBhvr>
-                                        <p:cTn id="30" dur="1" fill="hold">
-                                          <p:stCondLst>
-                                            <p:cond delay="0"/>
-                                          </p:stCondLst>
-                                        </p:cTn>
-                                        <p:tgtEl>
-                                          <p:spTgt spid="3">
-                                            <p:txEl>
                                               <p:pRg st="6" end="6"/>
-                                            </p:txEl>
-                                          </p:spTgt>
-                                        </p:tgtEl>
-                                        <p:attrNameLst>
-                                          <p:attrName>style.visibility</p:attrName>
-                                        </p:attrNameLst>
-                                      </p:cBhvr>
-                                      <p:to>
-                                        <p:strVal val="visible"/>
-                                      </p:to>
-                                    </p:set>
-                                  </p:childTnLst>
-                                </p:cTn>
-                              </p:par>
-                            </p:childTnLst>
-                          </p:cTn>
-                        </p:par>
-                      </p:childTnLst>
-                    </p:cTn>
-                  </p:par>
-                  <p:par>
-                    <p:cTn id="31" fill="hold">
-                      <p:stCondLst>
-                        <p:cond delay="indefinite"/>
-                      </p:stCondLst>
-                      <p:childTnLst>
-                        <p:par>
-                          <p:cTn id="32" fill="hold">
-                            <p:stCondLst>
-                              <p:cond delay="0"/>
-                            </p:stCondLst>
-                            <p:childTnLst>
-                              <p:par>
-                                <p:cTn id="33" presetID="1" presetClass="entr" presetSubtype="0" fill="hold" nodeType="clickEffect">
-                                  <p:stCondLst>
-                                    <p:cond delay="0"/>
-                                  </p:stCondLst>
-                                  <p:childTnLst>
-                                    <p:set>
-                                      <p:cBhvr>
-                                        <p:cTn id="34" dur="1" fill="hold">
-                                          <p:stCondLst>
-                                            <p:cond delay="0"/>
-                                          </p:stCondLst>
-                                        </p:cTn>
-                                        <p:tgtEl>
-                                          <p:spTgt spid="3">
-                                            <p:txEl>
-                                              <p:pRg st="7" end="7"/>
-                                            </p:txEl>
-                                          </p:spTgt>
-                                        </p:tgtEl>
-                                        <p:attrNameLst>
-                                          <p:attrName>style.visibility</p:attrName>
-                                        </p:attrNameLst>
-                                      </p:cBhvr>
-                                      <p:to>
-                                        <p:strVal val="visible"/>
-                                      </p:to>
-                                    </p:set>
-                                  </p:childTnLst>
-                                </p:cTn>
-                              </p:par>
-                            </p:childTnLst>
-                          </p:cTn>
-                        </p:par>
-                      </p:childTnLst>
-                    </p:cTn>
-                  </p:par>
-                  <p:par>
-                    <p:cTn id="35" fill="hold">
-                      <p:stCondLst>
-                        <p:cond delay="indefinite"/>
-                      </p:stCondLst>
-                      <p:childTnLst>
-                        <p:par>
-                          <p:cTn id="36" fill="hold">
-                            <p:stCondLst>
-                              <p:cond delay="0"/>
-                            </p:stCondLst>
-                            <p:childTnLst>
-                              <p:par>
-                                <p:cTn id="37" presetID="1" presetClass="entr" presetSubtype="0" fill="hold" nodeType="clickEffect">
-                                  <p:stCondLst>
-                                    <p:cond delay="0"/>
-                                  </p:stCondLst>
-                                  <p:childTnLst>
-                                    <p:set>
-                                      <p:cBhvr>
-                                        <p:cTn id="38" dur="1" fill="hold">
-                                          <p:stCondLst>
-                                            <p:cond delay="0"/>
-                                          </p:stCondLst>
-                                        </p:cTn>
-                                        <p:tgtEl>
-                                          <p:spTgt spid="3">
-                                            <p:txEl>
-                                              <p:pRg st="8" end="8"/>
-                                            </p:txEl>
-                                          </p:spTgt>
-                                        </p:tgtEl>
-                                        <p:attrNameLst>
-                                          <p:attrName>style.visibility</p:attrName>
-                                        </p:attrNameLst>
-                                      </p:cBhvr>
-                                      <p:to>
-                                        <p:strVal val="visible"/>
-                                      </p:to>
-                                    </p:set>
-                                  </p:childTnLst>
-                                </p:cTn>
-                              </p:par>
-                            </p:childTnLst>
-                          </p:cTn>
-                        </p:par>
-                      </p:childTnLst>
-                    </p:cTn>
-                  </p:par>
-                  <p:par>
-                    <p:cTn id="39" fill="hold">
-                      <p:stCondLst>
-                        <p:cond delay="indefinite"/>
-                      </p:stCondLst>
-                      <p:childTnLst>
-                        <p:par>
-                          <p:cTn id="40" fill="hold">
-                            <p:stCondLst>
-                              <p:cond delay="0"/>
-                            </p:stCondLst>
-                            <p:childTnLst>
-                              <p:par>
-                                <p:cTn id="41" presetID="1" presetClass="entr" presetSubtype="0" fill="hold" nodeType="clickEffect">
-                                  <p:stCondLst>
-                                    <p:cond delay="0"/>
-                                  </p:stCondLst>
-                                  <p:childTnLst>
-                                    <p:set>
-                                      <p:cBhvr>
-                                        <p:cTn id="42" dur="1" fill="hold">
-                                          <p:stCondLst>
-                                            <p:cond delay="0"/>
-                                          </p:stCondLst>
-                                        </p:cTn>
-                                        <p:tgtEl>
-                                          <p:spTgt spid="3">
-                                            <p:txEl>
-                                              <p:pRg st="9" end="9"/>
                                             </p:txEl>
                                           </p:spTgt>
                                         </p:tgtEl>
@@ -18630,53 +17325,91 @@
               <a:buNone/>
             </a:pPr>
             <a:r>
+              <a:rPr lang="en-US" sz="3200" dirty="0"/>
+              <a:t>Filtering streaming data     </a:t>
+            </a:r>
+            <a:endParaRPr lang="en-US" sz="3200" b="1" dirty="0"/>
+          </a:p>
+          <a:p>
+            <a:r>
               <a:rPr lang="en-US" dirty="0"/>
-              <a:t>Often need to exclude events </a:t>
-            </a:r>
-          </a:p>
-          <a:p>
+              <a:t>How can we filter a stream of events? </a:t>
+            </a:r>
+          </a:p>
+          <a:p>
+            <a:pPr lvl="1"/>
             <a:r>
               <a:rPr lang="en-US" dirty="0"/>
-              <a:t>Messages from IP addresses not on an authorized list  </a:t>
-            </a:r>
-          </a:p>
-          <a:p>
+              <a:t>Hash table look-up?</a:t>
+            </a:r>
+          </a:p>
+          <a:p>
+            <a:pPr lvl="1"/>
             <a:r>
               <a:rPr lang="en-US" dirty="0"/>
-              <a:t>Is the originating phone one of our accounts? </a:t>
+              <a:t>B-tree structure? </a:t>
             </a:r>
           </a:p>
           <a:p>
             <a:r>
               <a:rPr lang="en-US" dirty="0"/>
-              <a:t>Is this a sensor reading we need to process? </a:t>
-            </a:r>
-          </a:p>
-          <a:p>
+              <a:t>Above works at small scale  </a:t>
+            </a:r>
+          </a:p>
+          <a:p>
+            <a:pPr lvl="1"/>
             <a:r>
               <a:rPr lang="en-US" dirty="0"/>
-              <a:t>Etc.</a:t>
+              <a:t>Need to store hash for each allowed value or state</a:t>
             </a:r>
           </a:p>
           <a:p>
             <a:r>
               <a:rPr lang="en-US" dirty="0"/>
-              <a:t>Or, determine if an event already occurred previously? </a:t>
+              <a:t>Must maintain lookup in main memory for speed</a:t>
             </a:r>
           </a:p>
           <a:p>
             <a:r>
               <a:rPr lang="en-US" dirty="0"/>
-              <a:t>The majority of traffic is often filtered  </a:t>
+              <a:t>A </a:t>
+            </a:r>
+            <a:r>
+              <a:rPr lang="en-US" b="1" dirty="0">
+                <a:hlinkClick r:id="rId2"/>
+              </a:rPr>
+              <a:t>Bloom filter </a:t>
+            </a:r>
+            <a:r>
+              <a:rPr lang="en-US" dirty="0"/>
+              <a:t>is a highly space-efficient lookup</a:t>
             </a:r>
           </a:p>
           <a:p>
             <a:pPr lvl="1"/>
-            <a:endParaRPr lang="en-US" dirty="0"/>
+            <a:r>
+              <a:rPr lang="en-US" b="1" dirty="0"/>
+              <a:t>No false negative </a:t>
+            </a:r>
+            <a:r>
+              <a:rPr lang="en-US" dirty="0"/>
+              <a:t>event</a:t>
+            </a:r>
           </a:p>
           <a:p>
             <a:pPr lvl="1"/>
-            <a:endParaRPr lang="en-US" dirty="0"/>
+            <a:r>
+              <a:rPr lang="en-US" dirty="0"/>
+              <a:t>Some </a:t>
+            </a:r>
+            <a:r>
+              <a:rPr lang="en-US" b="1" dirty="0"/>
+              <a:t>probability of false positive </a:t>
+            </a:r>
+            <a:r>
+              <a:rPr lang="en-US" dirty="0"/>
+              <a:t>– hash collision </a:t>
+            </a:r>
           </a:p>
         </p:txBody>
       </p:sp>
@@ -18739,7 +17472,7 @@
     </p:spTree>
     <p:extLst>
       <p:ext uri="{BB962C8B-B14F-4D97-AF65-F5344CB8AC3E}">
-        <p14:creationId xmlns:p14="http://schemas.microsoft.com/office/powerpoint/2010/main" val="272880027"/>
+        <p14:creationId xmlns:p14="http://schemas.microsoft.com/office/powerpoint/2010/main" val="3541841155"/>
       </p:ext>
     </p:extLst>
   </p:cSld>
@@ -18782,7 +17515,7 @@
                                         <p:tgtEl>
                                           <p:spTgt spid="3">
                                             <p:txEl>
-                                              <p:pRg st="0" end="0"/>
+                                              <p:pRg st="1" end="1"/>
                                             </p:txEl>
                                           </p:spTgt>
                                         </p:tgtEl>
@@ -18831,7 +17564,7 @@
                                         <p:tgtEl>
                                           <p:spTgt spid="3">
                                             <p:txEl>
-                                              <p:pRg st="1" end="1"/>
+                                              <p:pRg st="2" end="2"/>
                                             </p:txEl>
                                           </p:spTgt>
                                         </p:tgtEl>
@@ -18880,7 +17613,7 @@
                                         <p:tgtEl>
                                           <p:spTgt spid="3">
                                             <p:txEl>
-                                              <p:pRg st="2" end="2"/>
+                                              <p:pRg st="3" end="3"/>
                                             </p:txEl>
                                           </p:spTgt>
                                         </p:tgtEl>
@@ -18929,7 +17662,7 @@
                                         <p:tgtEl>
                                           <p:spTgt spid="3">
                                             <p:txEl>
-                                              <p:pRg st="3" end="3"/>
+                                              <p:pRg st="4" end="4"/>
                                             </p:txEl>
                                           </p:spTgt>
                                         </p:tgtEl>
@@ -18978,7 +17711,7 @@
                                         <p:tgtEl>
                                           <p:spTgt spid="3">
                                             <p:txEl>
-                                              <p:pRg st="4" end="4"/>
+                                              <p:pRg st="5" end="5"/>
                                             </p:txEl>
                                           </p:spTgt>
                                         </p:tgtEl>
@@ -19027,7 +17760,7 @@
                                         <p:tgtEl>
                                           <p:spTgt spid="3">
                                             <p:txEl>
-                                              <p:pRg st="5" end="5"/>
+                                              <p:pRg st="6" end="6"/>
                                             </p:txEl>
                                           </p:spTgt>
                                         </p:tgtEl>
@@ -19076,584 +17809,7 @@
                                         <p:tgtEl>
                                           <p:spTgt spid="3">
                                             <p:txEl>
-                                              <p:pRg st="6" end="6"/>
-                                            </p:txEl>
-                                          </p:spTgt>
-                                        </p:tgtEl>
-                                        <p:attrNameLst>
-                                          <p:attrName>style.visibility</p:attrName>
-                                        </p:attrNameLst>
-                                      </p:cBhvr>
-                                      <p:to>
-                                        <p:strVal val="visible"/>
-                                      </p:to>
-                                    </p:set>
-                                  </p:childTnLst>
-                                </p:cTn>
-                              </p:par>
-                            </p:childTnLst>
-                          </p:cTn>
-                        </p:par>
-                      </p:childTnLst>
-                    </p:cTn>
-                  </p:par>
-                </p:childTnLst>
-              </p:cTn>
-              <p:prevCondLst>
-                <p:cond evt="onPrev" delay="0">
-                  <p:tgtEl>
-                    <p:sldTgt/>
-                  </p:tgtEl>
-                </p:cond>
-              </p:prevCondLst>
-              <p:nextCondLst>
-                <p:cond evt="onNext" delay="0">
-                  <p:tgtEl>
-                    <p:sldTgt/>
-                  </p:tgtEl>
-                </p:cond>
-              </p:nextCondLst>
-            </p:seq>
-          </p:childTnLst>
-        </p:cTn>
-      </p:par>
-    </p:tnLst>
-  </p:timing>
-</p:sld>
-</file>
-
-<file path=ppt/slides/slide27.xml><?xml version="1.0" encoding="utf-8"?>
-<p:sld xmlns:a="http://schemas.openxmlformats.org/drawingml/2006/main" xmlns:r="http://schemas.openxmlformats.org/officeDocument/2006/relationships" xmlns:p="http://schemas.openxmlformats.org/presentationml/2006/main">
-  <p:cSld>
-    <p:spTree>
-      <p:nvGrpSpPr>
-        <p:cNvPr id="1" name=""/>
-        <p:cNvGrpSpPr/>
-        <p:nvPr/>
-      </p:nvGrpSpPr>
-      <p:grpSpPr>
-        <a:xfrm>
-          <a:off x="0" y="0"/>
-          <a:ext cx="0" cy="0"/>
-          <a:chOff x="0" y="0"/>
-          <a:chExt cx="0" cy="0"/>
-        </a:xfrm>
-      </p:grpSpPr>
-      <p:sp>
-        <p:nvSpPr>
-          <p:cNvPr id="3" name="Content Placeholder 2">
-            <a:extLst>
-              <a:ext uri="{FF2B5EF4-FFF2-40B4-BE49-F238E27FC236}">
-                <a16:creationId xmlns:a16="http://schemas.microsoft.com/office/drawing/2014/main" id="{258E6AF3-7615-4BD1-878E-A94C93E98F90}"/>
-              </a:ext>
-            </a:extLst>
-          </p:cNvPr>
-          <p:cNvSpPr>
-            <a:spLocks noGrp="1"/>
-          </p:cNvSpPr>
-          <p:nvPr>
-            <p:ph idx="1"/>
-          </p:nvPr>
-        </p:nvSpPr>
-        <p:spPr>
-          <a:xfrm>
-            <a:off x="784412" y="1324928"/>
-            <a:ext cx="10515600" cy="4958516"/>
-          </a:xfrm>
-        </p:spPr>
-        <p:txBody>
-          <a:bodyPr/>
-          <a:lstStyle/>
-          <a:p>
-            <a:pPr marL="0" indent="0">
-              <a:buNone/>
-            </a:pPr>
-            <a:r>
-              <a:rPr lang="en-US" sz="3200" dirty="0"/>
-              <a:t>Filtering streaming data     </a:t>
-            </a:r>
-            <a:endParaRPr lang="en-US" sz="3200" b="1" dirty="0"/>
-          </a:p>
-          <a:p>
-            <a:r>
-              <a:rPr lang="en-US" dirty="0"/>
-              <a:t>How can we filter a stream of events? </a:t>
-            </a:r>
-          </a:p>
-          <a:p>
-            <a:pPr lvl="1"/>
-            <a:r>
-              <a:rPr lang="en-US" dirty="0"/>
-              <a:t>Hash table look-up?</a:t>
-            </a:r>
-          </a:p>
-          <a:p>
-            <a:pPr lvl="1"/>
-            <a:r>
-              <a:rPr lang="en-US" dirty="0"/>
-              <a:t>B-tree structure? </a:t>
-            </a:r>
-          </a:p>
-          <a:p>
-            <a:r>
-              <a:rPr lang="en-US" dirty="0"/>
-              <a:t>Above works at small scale  </a:t>
-            </a:r>
-          </a:p>
-          <a:p>
-            <a:pPr lvl="1"/>
-            <a:r>
-              <a:rPr lang="en-US" dirty="0"/>
-              <a:t>Need to store hash for each allowed value or state</a:t>
-            </a:r>
-          </a:p>
-          <a:p>
-            <a:r>
-              <a:rPr lang="en-US" dirty="0"/>
-              <a:t>Must maintain lookup in main memory for speed</a:t>
-            </a:r>
-          </a:p>
-          <a:p>
-            <a:r>
-              <a:rPr lang="en-US" dirty="0"/>
-              <a:t>A </a:t>
-            </a:r>
-            <a:r>
-              <a:rPr lang="en-US" b="1" dirty="0">
-                <a:hlinkClick r:id="rId2"/>
-              </a:rPr>
-              <a:t>Bloom filter </a:t>
-            </a:r>
-            <a:r>
-              <a:rPr lang="en-US" dirty="0"/>
-              <a:t>is a highly space-efficient lookup</a:t>
-            </a:r>
-          </a:p>
-          <a:p>
-            <a:pPr lvl="1"/>
-            <a:r>
-              <a:rPr lang="en-US" b="1" dirty="0"/>
-              <a:t>No false negative </a:t>
-            </a:r>
-            <a:r>
-              <a:rPr lang="en-US" dirty="0"/>
-              <a:t>event</a:t>
-            </a:r>
-          </a:p>
-          <a:p>
-            <a:pPr lvl="1"/>
-            <a:r>
-              <a:rPr lang="en-US" dirty="0"/>
-              <a:t>Some </a:t>
-            </a:r>
-            <a:r>
-              <a:rPr lang="en-US" b="1" dirty="0"/>
-              <a:t>probability of false positive </a:t>
-            </a:r>
-            <a:r>
-              <a:rPr lang="en-US" dirty="0"/>
-              <a:t>– hash collision </a:t>
-            </a:r>
-          </a:p>
-        </p:txBody>
-      </p:sp>
-      <p:sp>
-        <p:nvSpPr>
-          <p:cNvPr id="6" name="Title 1">
-            <a:extLst>
-              <a:ext uri="{FF2B5EF4-FFF2-40B4-BE49-F238E27FC236}">
-                <a16:creationId xmlns:a16="http://schemas.microsoft.com/office/drawing/2014/main" id="{CD29F70F-B868-451B-A65D-8721F4C7A2D9}"/>
-              </a:ext>
-            </a:extLst>
-          </p:cNvPr>
-          <p:cNvSpPr txBox="1">
-            <a:spLocks/>
-          </p:cNvSpPr>
-          <p:nvPr/>
-        </p:nvSpPr>
-        <p:spPr>
-          <a:xfrm>
-            <a:off x="838200" y="-635"/>
-            <a:ext cx="10515600" cy="1325563"/>
-          </a:xfrm>
-          <a:prstGeom prst="rect">
-            <a:avLst/>
-          </a:prstGeom>
-        </p:spPr>
-        <p:txBody>
-          <a:bodyPr vert="horz" lIns="91440" tIns="45720" rIns="91440" bIns="45720" rtlCol="0" anchor="ctr">
-            <a:normAutofit/>
-          </a:bodyPr>
-          <a:lstStyle>
-            <a:lvl1pPr algn="l" defTabSz="914400" rtl="0" eaLnBrk="1" latinLnBrk="0" hangingPunct="1">
-              <a:lnSpc>
-                <a:spcPct val="90000"/>
-              </a:lnSpc>
-              <a:spcBef>
-                <a:spcPct val="0"/>
-              </a:spcBef>
-              <a:buNone/>
-              <a:defRPr sz="4400" kern="1200">
-                <a:solidFill>
-                  <a:schemeClr val="tx1"/>
-                </a:solidFill>
-                <a:latin typeface="+mj-lt"/>
-                <a:ea typeface="+mj-ea"/>
-                <a:cs typeface="+mj-cs"/>
-              </a:defRPr>
-            </a:lvl1pPr>
-          </a:lstStyle>
-          <a:p>
-            <a:r>
-              <a:rPr lang="en-US" dirty="0">
-                <a:latin typeface="+mn-lt"/>
-              </a:rPr>
-              <a:t>Filtering Event Data </a:t>
-            </a:r>
-          </a:p>
-        </p:txBody>
-      </p:sp>
-    </p:spTree>
-    <p:extLst>
-      <p:ext uri="{BB962C8B-B14F-4D97-AF65-F5344CB8AC3E}">
-        <p14:creationId xmlns:p14="http://schemas.microsoft.com/office/powerpoint/2010/main" val="3541841155"/>
-      </p:ext>
-    </p:extLst>
-  </p:cSld>
-  <p:clrMapOvr>
-    <a:masterClrMapping/>
-  </p:clrMapOvr>
-  <p:timing>
-    <p:tnLst>
-      <p:par>
-        <p:cTn id="1" dur="indefinite" restart="never" nodeType="tmRoot">
-          <p:childTnLst>
-            <p:seq concurrent="1" nextAc="seek">
-              <p:cTn id="2" dur="indefinite" nodeType="mainSeq">
-                <p:childTnLst>
-                  <p:par>
-                    <p:cTn id="3" fill="hold">
-                      <p:stCondLst>
-                        <p:cond delay="indefinite"/>
-                      </p:stCondLst>
-                      <p:childTnLst>
-                        <p:par>
-                          <p:cTn id="4" fill="hold">
-                            <p:stCondLst>
-                              <p:cond delay="0"/>
-                            </p:stCondLst>
-                            <p:childTnLst>
-                              <p:par>
-                                <p:cTn id="5" presetID="1" presetClass="entr" presetSubtype="0" fill="hold" nodeType="clickEffect">
-                                  <p:stCondLst>
-                                    <p:cond delay="0"/>
-                                  </p:stCondLst>
-                                  <p:childTnLst>
-                                    <p:set>
-                                      <p:cBhvr>
-                                        <p:cTn id="6" dur="1" fill="hold">
-                                          <p:stCondLst>
-                                            <p:cond delay="0"/>
-                                          </p:stCondLst>
-                                        </p:cTn>
-                                        <p:tgtEl>
-                                          <p:spTgt spid="3">
-                                            <p:txEl>
-                                              <p:pRg st="0" end="0"/>
-                                            </p:txEl>
-                                          </p:spTgt>
-                                        </p:tgtEl>
-                                        <p:attrNameLst>
-                                          <p:attrName>style.visibility</p:attrName>
-                                        </p:attrNameLst>
-                                      </p:cBhvr>
-                                      <p:to>
-                                        <p:strVal val="visible"/>
-                                      </p:to>
-                                    </p:set>
-                                  </p:childTnLst>
-                                </p:cTn>
-                              </p:par>
-                            </p:childTnLst>
-                          </p:cTn>
-                        </p:par>
-                      </p:childTnLst>
-                    </p:cTn>
-                  </p:par>
-                  <p:par>
-                    <p:cTn id="7" fill="hold">
-                      <p:stCondLst>
-                        <p:cond delay="indefinite"/>
-                      </p:stCondLst>
-                      <p:childTnLst>
-                        <p:par>
-                          <p:cTn id="8" fill="hold">
-                            <p:stCondLst>
-                              <p:cond delay="0"/>
-                            </p:stCondLst>
-                            <p:childTnLst>
-                              <p:par>
-                                <p:cTn id="9" presetID="1" presetClass="entr" presetSubtype="0" fill="hold" nodeType="clickEffect">
-                                  <p:stCondLst>
-                                    <p:cond delay="0"/>
-                                  </p:stCondLst>
-                                  <p:childTnLst>
-                                    <p:set>
-                                      <p:cBhvr>
-                                        <p:cTn id="10" dur="1" fill="hold">
-                                          <p:stCondLst>
-                                            <p:cond delay="0"/>
-                                          </p:stCondLst>
-                                        </p:cTn>
-                                        <p:tgtEl>
-                                          <p:spTgt spid="3">
-                                            <p:txEl>
-                                              <p:pRg st="1" end="1"/>
-                                            </p:txEl>
-                                          </p:spTgt>
-                                        </p:tgtEl>
-                                        <p:attrNameLst>
-                                          <p:attrName>style.visibility</p:attrName>
-                                        </p:attrNameLst>
-                                      </p:cBhvr>
-                                      <p:to>
-                                        <p:strVal val="visible"/>
-                                      </p:to>
-                                    </p:set>
-                                  </p:childTnLst>
-                                </p:cTn>
-                              </p:par>
-                            </p:childTnLst>
-                          </p:cTn>
-                        </p:par>
-                      </p:childTnLst>
-                    </p:cTn>
-                  </p:par>
-                  <p:par>
-                    <p:cTn id="11" fill="hold">
-                      <p:stCondLst>
-                        <p:cond delay="indefinite"/>
-                      </p:stCondLst>
-                      <p:childTnLst>
-                        <p:par>
-                          <p:cTn id="12" fill="hold">
-                            <p:stCondLst>
-                              <p:cond delay="0"/>
-                            </p:stCondLst>
-                            <p:childTnLst>
-                              <p:par>
-                                <p:cTn id="13" presetID="1" presetClass="entr" presetSubtype="0" fill="hold" nodeType="clickEffect">
-                                  <p:stCondLst>
-                                    <p:cond delay="0"/>
-                                  </p:stCondLst>
-                                  <p:childTnLst>
-                                    <p:set>
-                                      <p:cBhvr>
-                                        <p:cTn id="14" dur="1" fill="hold">
-                                          <p:stCondLst>
-                                            <p:cond delay="0"/>
-                                          </p:stCondLst>
-                                        </p:cTn>
-                                        <p:tgtEl>
-                                          <p:spTgt spid="3">
-                                            <p:txEl>
-                                              <p:pRg st="2" end="2"/>
-                                            </p:txEl>
-                                          </p:spTgt>
-                                        </p:tgtEl>
-                                        <p:attrNameLst>
-                                          <p:attrName>style.visibility</p:attrName>
-                                        </p:attrNameLst>
-                                      </p:cBhvr>
-                                      <p:to>
-                                        <p:strVal val="visible"/>
-                                      </p:to>
-                                    </p:set>
-                                  </p:childTnLst>
-                                </p:cTn>
-                              </p:par>
-                            </p:childTnLst>
-                          </p:cTn>
-                        </p:par>
-                      </p:childTnLst>
-                    </p:cTn>
-                  </p:par>
-                  <p:par>
-                    <p:cTn id="15" fill="hold">
-                      <p:stCondLst>
-                        <p:cond delay="indefinite"/>
-                      </p:stCondLst>
-                      <p:childTnLst>
-                        <p:par>
-                          <p:cTn id="16" fill="hold">
-                            <p:stCondLst>
-                              <p:cond delay="0"/>
-                            </p:stCondLst>
-                            <p:childTnLst>
-                              <p:par>
-                                <p:cTn id="17" presetID="1" presetClass="entr" presetSubtype="0" fill="hold" nodeType="clickEffect">
-                                  <p:stCondLst>
-                                    <p:cond delay="0"/>
-                                  </p:stCondLst>
-                                  <p:childTnLst>
-                                    <p:set>
-                                      <p:cBhvr>
-                                        <p:cTn id="18" dur="1" fill="hold">
-                                          <p:stCondLst>
-                                            <p:cond delay="0"/>
-                                          </p:stCondLst>
-                                        </p:cTn>
-                                        <p:tgtEl>
-                                          <p:spTgt spid="3">
-                                            <p:txEl>
-                                              <p:pRg st="3" end="3"/>
-                                            </p:txEl>
-                                          </p:spTgt>
-                                        </p:tgtEl>
-                                        <p:attrNameLst>
-                                          <p:attrName>style.visibility</p:attrName>
-                                        </p:attrNameLst>
-                                      </p:cBhvr>
-                                      <p:to>
-                                        <p:strVal val="visible"/>
-                                      </p:to>
-                                    </p:set>
-                                  </p:childTnLst>
-                                </p:cTn>
-                              </p:par>
-                            </p:childTnLst>
-                          </p:cTn>
-                        </p:par>
-                      </p:childTnLst>
-                    </p:cTn>
-                  </p:par>
-                  <p:par>
-                    <p:cTn id="19" fill="hold">
-                      <p:stCondLst>
-                        <p:cond delay="indefinite"/>
-                      </p:stCondLst>
-                      <p:childTnLst>
-                        <p:par>
-                          <p:cTn id="20" fill="hold">
-                            <p:stCondLst>
-                              <p:cond delay="0"/>
-                            </p:stCondLst>
-                            <p:childTnLst>
-                              <p:par>
-                                <p:cTn id="21" presetID="1" presetClass="entr" presetSubtype="0" fill="hold" nodeType="clickEffect">
-                                  <p:stCondLst>
-                                    <p:cond delay="0"/>
-                                  </p:stCondLst>
-                                  <p:childTnLst>
-                                    <p:set>
-                                      <p:cBhvr>
-                                        <p:cTn id="22" dur="1" fill="hold">
-                                          <p:stCondLst>
-                                            <p:cond delay="0"/>
-                                          </p:stCondLst>
-                                        </p:cTn>
-                                        <p:tgtEl>
-                                          <p:spTgt spid="3">
-                                            <p:txEl>
-                                              <p:pRg st="4" end="4"/>
-                                            </p:txEl>
-                                          </p:spTgt>
-                                        </p:tgtEl>
-                                        <p:attrNameLst>
-                                          <p:attrName>style.visibility</p:attrName>
-                                        </p:attrNameLst>
-                                      </p:cBhvr>
-                                      <p:to>
-                                        <p:strVal val="visible"/>
-                                      </p:to>
-                                    </p:set>
-                                  </p:childTnLst>
-                                </p:cTn>
-                              </p:par>
-                            </p:childTnLst>
-                          </p:cTn>
-                        </p:par>
-                      </p:childTnLst>
-                    </p:cTn>
-                  </p:par>
-                  <p:par>
-                    <p:cTn id="23" fill="hold">
-                      <p:stCondLst>
-                        <p:cond delay="indefinite"/>
-                      </p:stCondLst>
-                      <p:childTnLst>
-                        <p:par>
-                          <p:cTn id="24" fill="hold">
-                            <p:stCondLst>
-                              <p:cond delay="0"/>
-                            </p:stCondLst>
-                            <p:childTnLst>
-                              <p:par>
-                                <p:cTn id="25" presetID="1" presetClass="entr" presetSubtype="0" fill="hold" nodeType="clickEffect">
-                                  <p:stCondLst>
-                                    <p:cond delay="0"/>
-                                  </p:stCondLst>
-                                  <p:childTnLst>
-                                    <p:set>
-                                      <p:cBhvr>
-                                        <p:cTn id="26" dur="1" fill="hold">
-                                          <p:stCondLst>
-                                            <p:cond delay="0"/>
-                                          </p:stCondLst>
-                                        </p:cTn>
-                                        <p:tgtEl>
-                                          <p:spTgt spid="3">
-                                            <p:txEl>
-                                              <p:pRg st="5" end="5"/>
-                                            </p:txEl>
-                                          </p:spTgt>
-                                        </p:tgtEl>
-                                        <p:attrNameLst>
-                                          <p:attrName>style.visibility</p:attrName>
-                                        </p:attrNameLst>
-                                      </p:cBhvr>
-                                      <p:to>
-                                        <p:strVal val="visible"/>
-                                      </p:to>
-                                    </p:set>
-                                  </p:childTnLst>
-                                </p:cTn>
-                              </p:par>
-                            </p:childTnLst>
-                          </p:cTn>
-                        </p:par>
-                      </p:childTnLst>
-                    </p:cTn>
-                  </p:par>
-                  <p:par>
-                    <p:cTn id="27" fill="hold">
-                      <p:stCondLst>
-                        <p:cond delay="indefinite"/>
-                      </p:stCondLst>
-                      <p:childTnLst>
-                        <p:par>
-                          <p:cTn id="28" fill="hold">
-                            <p:stCondLst>
-                              <p:cond delay="0"/>
-                            </p:stCondLst>
-                            <p:childTnLst>
-                              <p:par>
-                                <p:cTn id="29" presetID="1" presetClass="entr" presetSubtype="0" fill="hold" nodeType="clickEffect">
-                                  <p:stCondLst>
-                                    <p:cond delay="0"/>
-                                  </p:stCondLst>
-                                  <p:childTnLst>
-                                    <p:set>
-                                      <p:cBhvr>
-                                        <p:cTn id="30" dur="1" fill="hold">
-                                          <p:stCondLst>
-                                            <p:cond delay="0"/>
-                                          </p:stCondLst>
-                                        </p:cTn>
-                                        <p:tgtEl>
-                                          <p:spTgt spid="3">
-                                            <p:txEl>
-                                              <p:pRg st="6" end="6"/>
+                                              <p:pRg st="7" end="7"/>
                                             </p:txEl>
                                           </p:spTgt>
                                         </p:tgtEl>
@@ -19702,7 +17858,7 @@
                                         <p:tgtEl>
                                           <p:spTgt spid="3">
                                             <p:txEl>
-                                              <p:pRg st="7" end="7"/>
+                                              <p:pRg st="8" end="8"/>
                                             </p:txEl>
                                           </p:spTgt>
                                         </p:tgtEl>
@@ -19744,55 +17900,6 @@
                                     <p:set>
                                       <p:cBhvr>
                                         <p:cTn id="38" dur="1" fill="hold">
-                                          <p:stCondLst>
-                                            <p:cond delay="0"/>
-                                          </p:stCondLst>
-                                        </p:cTn>
-                                        <p:tgtEl>
-                                          <p:spTgt spid="3">
-                                            <p:txEl>
-                                              <p:pRg st="8" end="8"/>
-                                            </p:txEl>
-                                          </p:spTgt>
-                                        </p:tgtEl>
-                                        <p:attrNameLst>
-                                          <p:attrName>style.visibility</p:attrName>
-                                        </p:attrNameLst>
-                                      </p:cBhvr>
-                                      <p:to>
-                                        <p:strVal val="visible"/>
-                                      </p:to>
-                                    </p:set>
-                                  </p:childTnLst>
-                                </p:cTn>
-                              </p:par>
-                            </p:childTnLst>
-                          </p:cTn>
-                        </p:par>
-                      </p:childTnLst>
-                    </p:cTn>
-                  </p:par>
-                  <p:par>
-                    <p:cTn id="39" fill="hold">
-                      <p:stCondLst>
-                        <p:cond delay="indefinite"/>
-                      </p:stCondLst>
-                      <p:childTnLst>
-                        <p:par>
-                          <p:cTn id="40" fill="hold">
-                            <p:stCondLst>
-                              <p:cond delay="0"/>
-                            </p:stCondLst>
-                            <p:childTnLst>
-                              <p:par>
-                                <p:cTn id="41" presetID="1" presetClass="entr" presetSubtype="0" fill="hold" nodeType="clickEffect">
-                                  <p:stCondLst>
-                                    <p:cond delay="0"/>
-                                  </p:stCondLst>
-                                  <p:childTnLst>
-                                    <p:set>
-                                      <p:cBhvr>
-                                        <p:cTn id="42" dur="1" fill="hold">
                                           <p:stCondLst>
                                             <p:cond delay="0"/>
                                           </p:stCondLst>
@@ -19846,7 +17953,7 @@
 </p:sld>
 </file>
 
-<file path=ppt/slides/slide28.xml><?xml version="1.0" encoding="utf-8"?>
+<file path=ppt/slides/slide27.xml><?xml version="1.0" encoding="utf-8"?>
 <p:sld xmlns:a="http://schemas.openxmlformats.org/drawingml/2006/main" xmlns:r="http://schemas.openxmlformats.org/officeDocument/2006/relationships" xmlns:p="http://schemas.openxmlformats.org/presentationml/2006/main">
   <p:cSld>
     <p:spTree>
@@ -21613,7 +19720,7 @@
                                         <p:tgtEl>
                                           <p:spTgt spid="3">
                                             <p:txEl>
-                                              <p:pRg st="0" end="0"/>
+                                              <p:pRg st="1" end="1"/>
                                             </p:txEl>
                                           </p:spTgt>
                                         </p:tgtEl>
@@ -21628,26 +19735,35 @@
                                   </p:childTnLst>
                                 </p:cTn>
                               </p:par>
-                            </p:childTnLst>
-                          </p:cTn>
-                        </p:par>
-                      </p:childTnLst>
-                    </p:cTn>
-                  </p:par>
-                  <p:par>
-                    <p:cTn id="7" fill="hold">
-                      <p:stCondLst>
-                        <p:cond delay="indefinite"/>
-                      </p:stCondLst>
-                      <p:childTnLst>
-                        <p:par>
-                          <p:cTn id="8" fill="hold">
-                            <p:stCondLst>
-                              <p:cond delay="0"/>
-                            </p:stCondLst>
-                            <p:childTnLst>
                               <p:par>
-                                <p:cTn id="9" presetID="1" presetClass="entr" presetSubtype="0" fill="hold" nodeType="clickEffect">
+                                <p:cTn id="7" presetID="1" presetClass="entr" presetSubtype="0" fill="hold" grpId="0" nodeType="withEffect">
+                                  <p:stCondLst>
+                                    <p:cond delay="0"/>
+                                  </p:stCondLst>
+                                  <p:childTnLst>
+                                    <p:set>
+                                      <p:cBhvr>
+                                        <p:cTn id="8" dur="1" fill="hold">
+                                          <p:stCondLst>
+                                            <p:cond delay="0"/>
+                                          </p:stCondLst>
+                                        </p:cTn>
+                                        <p:tgtEl>
+                                          <p:spTgt spid="4"/>
+                                        </p:tgtEl>
+                                        <p:attrNameLst>
+                                          <p:attrName>style.visibility</p:attrName>
+                                        </p:attrNameLst>
+                                      </p:cBhvr>
+                                      <p:to>
+                                        <p:strVal val="visible"/>
+                                      </p:to>
+                                    </p:set>
+                                  </p:childTnLst>
+                                </p:cTn>
+                              </p:par>
+                              <p:par>
+                                <p:cTn id="9" presetID="1" presetClass="entr" presetSubtype="0" fill="hold" grpId="0" nodeType="withEffect">
                                   <p:stCondLst>
                                     <p:cond delay="0"/>
                                   </p:stCondLst>
@@ -21660,11 +19776,7 @@
                                           </p:stCondLst>
                                         </p:cTn>
                                         <p:tgtEl>
-                                          <p:spTgt spid="3">
-                                            <p:txEl>
-                                              <p:pRg st="1" end="1"/>
-                                            </p:txEl>
-                                          </p:spTgt>
+                                          <p:spTgt spid="5"/>
                                         </p:tgtEl>
                                         <p:attrNameLst>
                                           <p:attrName>style.visibility</p:attrName>
@@ -21691,7 +19803,7 @@
                                           </p:stCondLst>
                                         </p:cTn>
                                         <p:tgtEl>
-                                          <p:spTgt spid="4"/>
+                                          <p:spTgt spid="7"/>
                                         </p:tgtEl>
                                         <p:attrNameLst>
                                           <p:attrName>style.visibility</p:attrName>
@@ -21718,7 +19830,7 @@
                                           </p:stCondLst>
                                         </p:cTn>
                                         <p:tgtEl>
-                                          <p:spTgt spid="5"/>
+                                          <p:spTgt spid="8"/>
                                         </p:tgtEl>
                                         <p:attrNameLst>
                                           <p:attrName>style.visibility</p:attrName>
@@ -21745,7 +19857,7 @@
                                           </p:stCondLst>
                                         </p:cTn>
                                         <p:tgtEl>
-                                          <p:spTgt spid="7"/>
+                                          <p:spTgt spid="9"/>
                                         </p:tgtEl>
                                         <p:attrNameLst>
                                           <p:attrName>style.visibility</p:attrName>
@@ -21772,7 +19884,7 @@
                                           </p:stCondLst>
                                         </p:cTn>
                                         <p:tgtEl>
-                                          <p:spTgt spid="8"/>
+                                          <p:spTgt spid="10"/>
                                         </p:tgtEl>
                                         <p:attrNameLst>
                                           <p:attrName>style.visibility</p:attrName>
@@ -21799,7 +19911,7 @@
                                           </p:stCondLst>
                                         </p:cTn>
                                         <p:tgtEl>
-                                          <p:spTgt spid="9"/>
+                                          <p:spTgt spid="11"/>
                                         </p:tgtEl>
                                         <p:attrNameLst>
                                           <p:attrName>style.visibility</p:attrName>
@@ -21826,7 +19938,7 @@
                                           </p:stCondLst>
                                         </p:cTn>
                                         <p:tgtEl>
-                                          <p:spTgt spid="10"/>
+                                          <p:spTgt spid="12"/>
                                         </p:tgtEl>
                                         <p:attrNameLst>
                                           <p:attrName>style.visibility</p:attrName>
@@ -21853,7 +19965,7 @@
                                           </p:stCondLst>
                                         </p:cTn>
                                         <p:tgtEl>
-                                          <p:spTgt spid="11"/>
+                                          <p:spTgt spid="13"/>
                                         </p:tgtEl>
                                         <p:attrNameLst>
                                           <p:attrName>style.visibility</p:attrName>
@@ -21880,7 +19992,7 @@
                                           </p:stCondLst>
                                         </p:cTn>
                                         <p:tgtEl>
-                                          <p:spTgt spid="12"/>
+                                          <p:spTgt spid="14"/>
                                         </p:tgtEl>
                                         <p:attrNameLst>
                                           <p:attrName>style.visibility</p:attrName>
@@ -21907,7 +20019,7 @@
                                           </p:stCondLst>
                                         </p:cTn>
                                         <p:tgtEl>
-                                          <p:spTgt spid="13"/>
+                                          <p:spTgt spid="15"/>
                                         </p:tgtEl>
                                         <p:attrNameLst>
                                           <p:attrName>style.visibility</p:attrName>
@@ -21934,7 +20046,7 @@
                                           </p:stCondLst>
                                         </p:cTn>
                                         <p:tgtEl>
-                                          <p:spTgt spid="14"/>
+                                          <p:spTgt spid="16"/>
                                         </p:tgtEl>
                                         <p:attrNameLst>
                                           <p:attrName>style.visibility</p:attrName>
@@ -21961,7 +20073,7 @@
                                           </p:stCondLst>
                                         </p:cTn>
                                         <p:tgtEl>
-                                          <p:spTgt spid="15"/>
+                                          <p:spTgt spid="17"/>
                                         </p:tgtEl>
                                         <p:attrNameLst>
                                           <p:attrName>style.visibility</p:attrName>
@@ -21988,7 +20100,7 @@
                                           </p:stCondLst>
                                         </p:cTn>
                                         <p:tgtEl>
-                                          <p:spTgt spid="16"/>
+                                          <p:spTgt spid="18"/>
                                         </p:tgtEl>
                                         <p:attrNameLst>
                                           <p:attrName>style.visibility</p:attrName>
@@ -22015,7 +20127,7 @@
                                           </p:stCondLst>
                                         </p:cTn>
                                         <p:tgtEl>
-                                          <p:spTgt spid="17"/>
+                                          <p:spTgt spid="19"/>
                                         </p:tgtEl>
                                         <p:attrNameLst>
                                           <p:attrName>style.visibility</p:attrName>
@@ -22042,7 +20154,7 @@
                                           </p:stCondLst>
                                         </p:cTn>
                                         <p:tgtEl>
-                                          <p:spTgt spid="18"/>
+                                          <p:spTgt spid="20"/>
                                         </p:tgtEl>
                                         <p:attrNameLst>
                                           <p:attrName>style.visibility</p:attrName>
@@ -22069,7 +20181,7 @@
                                           </p:stCondLst>
                                         </p:cTn>
                                         <p:tgtEl>
-                                          <p:spTgt spid="19"/>
+                                          <p:spTgt spid="21"/>
                                         </p:tgtEl>
                                         <p:attrNameLst>
                                           <p:attrName>style.visibility</p:attrName>
@@ -22096,7 +20208,7 @@
                                           </p:stCondLst>
                                         </p:cTn>
                                         <p:tgtEl>
-                                          <p:spTgt spid="20"/>
+                                          <p:spTgt spid="22"/>
                                         </p:tgtEl>
                                         <p:attrNameLst>
                                           <p:attrName>style.visibility</p:attrName>
@@ -22123,7 +20235,7 @@
                                           </p:stCondLst>
                                         </p:cTn>
                                         <p:tgtEl>
-                                          <p:spTgt spid="21"/>
+                                          <p:spTgt spid="23"/>
                                         </p:tgtEl>
                                         <p:attrNameLst>
                                           <p:attrName>style.visibility</p:attrName>
@@ -22150,7 +20262,7 @@
                                           </p:stCondLst>
                                         </p:cTn>
                                         <p:tgtEl>
-                                          <p:spTgt spid="22"/>
+                                          <p:spTgt spid="24"/>
                                         </p:tgtEl>
                                         <p:attrNameLst>
                                           <p:attrName>style.visibility</p:attrName>
@@ -22177,7 +20289,7 @@
                                           </p:stCondLst>
                                         </p:cTn>
                                         <p:tgtEl>
-                                          <p:spTgt spid="23"/>
+                                          <p:spTgt spid="25"/>
                                         </p:tgtEl>
                                         <p:attrNameLst>
                                           <p:attrName>style.visibility</p:attrName>
@@ -22204,7 +20316,7 @@
                                           </p:stCondLst>
                                         </p:cTn>
                                         <p:tgtEl>
-                                          <p:spTgt spid="24"/>
+                                          <p:spTgt spid="31"/>
                                         </p:tgtEl>
                                         <p:attrNameLst>
                                           <p:attrName>style.visibility</p:attrName>
@@ -22231,7 +20343,7 @@
                                           </p:stCondLst>
                                         </p:cTn>
                                         <p:tgtEl>
-                                          <p:spTgt spid="25"/>
+                                          <p:spTgt spid="32"/>
                                         </p:tgtEl>
                                         <p:attrNameLst>
                                           <p:attrName>style.visibility</p:attrName>
@@ -22258,7 +20370,7 @@
                                           </p:stCondLst>
                                         </p:cTn>
                                         <p:tgtEl>
-                                          <p:spTgt spid="31"/>
+                                          <p:spTgt spid="33"/>
                                         </p:tgtEl>
                                         <p:attrNameLst>
                                           <p:attrName>style.visibility</p:attrName>
@@ -22285,7 +20397,7 @@
                                           </p:stCondLst>
                                         </p:cTn>
                                         <p:tgtEl>
-                                          <p:spTgt spid="32"/>
+                                          <p:spTgt spid="34"/>
                                         </p:tgtEl>
                                         <p:attrNameLst>
                                           <p:attrName>style.visibility</p:attrName>
@@ -22312,7 +20424,7 @@
                                           </p:stCondLst>
                                         </p:cTn>
                                         <p:tgtEl>
-                                          <p:spTgt spid="33"/>
+                                          <p:spTgt spid="35"/>
                                         </p:tgtEl>
                                         <p:attrNameLst>
                                           <p:attrName>style.visibility</p:attrName>
@@ -22325,35 +20437,26 @@
                                   </p:childTnLst>
                                 </p:cTn>
                               </p:par>
+                            </p:childTnLst>
+                          </p:cTn>
+                        </p:par>
+                      </p:childTnLst>
+                    </p:cTn>
+                  </p:par>
+                  <p:par>
+                    <p:cTn id="59" fill="hold">
+                      <p:stCondLst>
+                        <p:cond delay="indefinite"/>
+                      </p:stCondLst>
+                      <p:childTnLst>
+                        <p:par>
+                          <p:cTn id="60" fill="hold">
+                            <p:stCondLst>
+                              <p:cond delay="0"/>
+                            </p:stCondLst>
+                            <p:childTnLst>
                               <p:par>
-                                <p:cTn id="59" presetID="1" presetClass="entr" presetSubtype="0" fill="hold" grpId="0" nodeType="withEffect">
-                                  <p:stCondLst>
-                                    <p:cond delay="0"/>
-                                  </p:stCondLst>
-                                  <p:childTnLst>
-                                    <p:set>
-                                      <p:cBhvr>
-                                        <p:cTn id="60" dur="1" fill="hold">
-                                          <p:stCondLst>
-                                            <p:cond delay="0"/>
-                                          </p:stCondLst>
-                                        </p:cTn>
-                                        <p:tgtEl>
-                                          <p:spTgt spid="34"/>
-                                        </p:tgtEl>
-                                        <p:attrNameLst>
-                                          <p:attrName>style.visibility</p:attrName>
-                                        </p:attrNameLst>
-                                      </p:cBhvr>
-                                      <p:to>
-                                        <p:strVal val="visible"/>
-                                      </p:to>
-                                    </p:set>
-                                  </p:childTnLst>
-                                </p:cTn>
-                              </p:par>
-                              <p:par>
-                                <p:cTn id="61" presetID="1" presetClass="entr" presetSubtype="0" fill="hold" grpId="0" nodeType="withEffect">
+                                <p:cTn id="61" presetID="1" presetClass="entr" presetSubtype="0" fill="hold" nodeType="clickEffect">
                                   <p:stCondLst>
                                     <p:cond delay="0"/>
                                   </p:stCondLst>
@@ -22366,7 +20469,11 @@
                                           </p:stCondLst>
                                         </p:cTn>
                                         <p:tgtEl>
-                                          <p:spTgt spid="35"/>
+                                          <p:spTgt spid="3">
+                                            <p:txEl>
+                                              <p:pRg st="2" end="2"/>
+                                            </p:txEl>
+                                          </p:spTgt>
                                         </p:tgtEl>
                                         <p:attrNameLst>
                                           <p:attrName>style.visibility</p:attrName>
@@ -22406,55 +20513,6 @@
                                     <p:set>
                                       <p:cBhvr>
                                         <p:cTn id="66" dur="1" fill="hold">
-                                          <p:stCondLst>
-                                            <p:cond delay="0"/>
-                                          </p:stCondLst>
-                                        </p:cTn>
-                                        <p:tgtEl>
-                                          <p:spTgt spid="3">
-                                            <p:txEl>
-                                              <p:pRg st="2" end="2"/>
-                                            </p:txEl>
-                                          </p:spTgt>
-                                        </p:tgtEl>
-                                        <p:attrNameLst>
-                                          <p:attrName>style.visibility</p:attrName>
-                                        </p:attrNameLst>
-                                      </p:cBhvr>
-                                      <p:to>
-                                        <p:strVal val="visible"/>
-                                      </p:to>
-                                    </p:set>
-                                  </p:childTnLst>
-                                </p:cTn>
-                              </p:par>
-                            </p:childTnLst>
-                          </p:cTn>
-                        </p:par>
-                      </p:childTnLst>
-                    </p:cTn>
-                  </p:par>
-                  <p:par>
-                    <p:cTn id="67" fill="hold">
-                      <p:stCondLst>
-                        <p:cond delay="indefinite"/>
-                      </p:stCondLst>
-                      <p:childTnLst>
-                        <p:par>
-                          <p:cTn id="68" fill="hold">
-                            <p:stCondLst>
-                              <p:cond delay="0"/>
-                            </p:stCondLst>
-                            <p:childTnLst>
-                              <p:par>
-                                <p:cTn id="69" presetID="1" presetClass="entr" presetSubtype="0" fill="hold" nodeType="clickEffect">
-                                  <p:stCondLst>
-                                    <p:cond delay="0"/>
-                                  </p:stCondLst>
-                                  <p:childTnLst>
-                                    <p:set>
-                                      <p:cBhvr>
-                                        <p:cTn id="70" dur="1" fill="hold">
                                           <p:stCondLst>
                                             <p:cond delay="0"/>
                                           </p:stCondLst>
@@ -22536,7 +20594,7 @@
 </p:sld>
 </file>
 
-<file path=ppt/slides/slide29.xml><?xml version="1.0" encoding="utf-8"?>
+<file path=ppt/slides/slide28.xml><?xml version="1.0" encoding="utf-8"?>
 <p:sld xmlns:a="http://schemas.openxmlformats.org/drawingml/2006/main" xmlns:r="http://schemas.openxmlformats.org/officeDocument/2006/relationships" xmlns:p="http://schemas.openxmlformats.org/presentationml/2006/main">
   <p:cSld>
     <p:spTree>
@@ -25097,822 +23155,7 @@
 </p:sld>
 </file>
 
-<file path=ppt/slides/slide3.xml><?xml version="1.0" encoding="utf-8"?>
-<p:sld xmlns:a="http://schemas.openxmlformats.org/drawingml/2006/main" xmlns:r="http://schemas.openxmlformats.org/officeDocument/2006/relationships" xmlns:p="http://schemas.openxmlformats.org/presentationml/2006/main">
-  <p:cSld>
-    <p:spTree>
-      <p:nvGrpSpPr>
-        <p:cNvPr id="1" name=""/>
-        <p:cNvGrpSpPr/>
-        <p:nvPr/>
-      </p:nvGrpSpPr>
-      <p:grpSpPr>
-        <a:xfrm>
-          <a:off x="0" y="0"/>
-          <a:ext cx="0" cy="0"/>
-          <a:chOff x="0" y="0"/>
-          <a:chExt cx="0" cy="0"/>
-        </a:xfrm>
-      </p:grpSpPr>
-      <p:sp>
-        <p:nvSpPr>
-          <p:cNvPr id="3" name="Content Placeholder 2">
-            <a:extLst>
-              <a:ext uri="{FF2B5EF4-FFF2-40B4-BE49-F238E27FC236}">
-                <a16:creationId xmlns:a16="http://schemas.microsoft.com/office/drawing/2014/main" id="{258E6AF3-7615-4BD1-878E-A94C93E98F90}"/>
-              </a:ext>
-            </a:extLst>
-          </p:cNvPr>
-          <p:cNvSpPr>
-            <a:spLocks noGrp="1"/>
-          </p:cNvSpPr>
-          <p:nvPr>
-            <p:ph idx="1"/>
-          </p:nvPr>
-        </p:nvSpPr>
-        <p:spPr>
-          <a:xfrm>
-            <a:off x="784412" y="1324928"/>
-            <a:ext cx="10515600" cy="5427940"/>
-          </a:xfrm>
-        </p:spPr>
-        <p:txBody>
-          <a:bodyPr/>
-          <a:lstStyle/>
-          <a:p>
-            <a:pPr marL="0" indent="0">
-              <a:buNone/>
-            </a:pPr>
-            <a:r>
-              <a:rPr lang="en-US" sz="3200" dirty="0"/>
-              <a:t>Difficulties with streaming analytics      </a:t>
-            </a:r>
-            <a:endParaRPr lang="en-US" sz="3200" b="1" dirty="0"/>
-          </a:p>
-          <a:p>
-            <a:r>
-              <a:rPr lang="en-US" dirty="0"/>
-              <a:t>Data volumes can be massive   </a:t>
-            </a:r>
-          </a:p>
-          <a:p>
-            <a:r>
-              <a:rPr lang="en-US" dirty="0"/>
-              <a:t>Example – relatively small scale    </a:t>
-            </a:r>
-          </a:p>
-          <a:p>
-            <a:pPr lvl="1"/>
-            <a:r>
-              <a:rPr lang="en-US" dirty="0"/>
-              <a:t>US Geological Survey maintains about 13,500 stream gages    </a:t>
-            </a:r>
-          </a:p>
-          <a:p>
-            <a:pPr lvl="1"/>
-            <a:r>
-              <a:rPr lang="en-US" dirty="0"/>
-              <a:t>Average of 4 types of sensors per station  </a:t>
-            </a:r>
-          </a:p>
-          <a:p>
-            <a:pPr lvl="1"/>
-            <a:r>
-              <a:rPr lang="en-US" dirty="0"/>
-              <a:t>Each measurement is 4 bytes - 16 bytes total per sample</a:t>
-            </a:r>
-          </a:p>
-          <a:p>
-            <a:pPr lvl="1"/>
-            <a:r>
-              <a:rPr lang="en-US" dirty="0"/>
-              <a:t>Each gage collects data sample every 15 mins    </a:t>
-            </a:r>
-          </a:p>
-          <a:p>
-            <a:pPr lvl="1"/>
-            <a:r>
-              <a:rPr lang="en-US" dirty="0"/>
-              <a:t>Data uploaded every 4 hours – 6 sets of measurements per day – 1,536 bytes  </a:t>
-            </a:r>
-          </a:p>
-          <a:p>
-            <a:pPr lvl="1"/>
-            <a:r>
-              <a:rPr lang="en-US" dirty="0"/>
-              <a:t>Total of 5.4 M bytes per day for network</a:t>
-            </a:r>
-          </a:p>
-          <a:p>
-            <a:pPr lvl="1"/>
-            <a:r>
-              <a:rPr lang="en-US" dirty="0"/>
-              <a:t> 2 G bytes per year for network </a:t>
-            </a:r>
-          </a:p>
-          <a:p>
-            <a:r>
-              <a:rPr lang="en-US" dirty="0"/>
-              <a:t>But, network bandwidth is limited </a:t>
-            </a:r>
-          </a:p>
-          <a:p>
-            <a:pPr lvl="1"/>
-            <a:r>
-              <a:rPr lang="en-US" dirty="0"/>
-              <a:t>Sensors often connected by point-to-point wireless connections</a:t>
-            </a:r>
-          </a:p>
-        </p:txBody>
-      </p:sp>
-      <p:sp>
-        <p:nvSpPr>
-          <p:cNvPr id="6" name="Title 1">
-            <a:extLst>
-              <a:ext uri="{FF2B5EF4-FFF2-40B4-BE49-F238E27FC236}">
-                <a16:creationId xmlns:a16="http://schemas.microsoft.com/office/drawing/2014/main" id="{CD29F70F-B868-451B-A65D-8721F4C7A2D9}"/>
-              </a:ext>
-            </a:extLst>
-          </p:cNvPr>
-          <p:cNvSpPr txBox="1">
-            <a:spLocks/>
-          </p:cNvSpPr>
-          <p:nvPr/>
-        </p:nvSpPr>
-        <p:spPr>
-          <a:xfrm>
-            <a:off x="838200" y="-635"/>
-            <a:ext cx="10515600" cy="1325563"/>
-          </a:xfrm>
-          <a:prstGeom prst="rect">
-            <a:avLst/>
-          </a:prstGeom>
-        </p:spPr>
-        <p:txBody>
-          <a:bodyPr vert="horz" lIns="91440" tIns="45720" rIns="91440" bIns="45720" rtlCol="0" anchor="ctr">
-            <a:normAutofit/>
-          </a:bodyPr>
-          <a:lstStyle>
-            <a:lvl1pPr algn="l" defTabSz="914400" rtl="0" eaLnBrk="1" latinLnBrk="0" hangingPunct="1">
-              <a:lnSpc>
-                <a:spcPct val="90000"/>
-              </a:lnSpc>
-              <a:spcBef>
-                <a:spcPct val="0"/>
-              </a:spcBef>
-              <a:buNone/>
-              <a:defRPr sz="4400" kern="1200">
-                <a:solidFill>
-                  <a:schemeClr val="tx1"/>
-                </a:solidFill>
-                <a:latin typeface="+mj-lt"/>
-                <a:ea typeface="+mj-ea"/>
-                <a:cs typeface="+mj-cs"/>
-              </a:defRPr>
-            </a:lvl1pPr>
-          </a:lstStyle>
-          <a:p>
-            <a:r>
-              <a:rPr lang="en-US" dirty="0">
-                <a:latin typeface="+mn-lt"/>
-              </a:rPr>
-              <a:t>Streaming Analytics</a:t>
-            </a:r>
-          </a:p>
-        </p:txBody>
-      </p:sp>
-    </p:spTree>
-    <p:extLst>
-      <p:ext uri="{BB962C8B-B14F-4D97-AF65-F5344CB8AC3E}">
-        <p14:creationId xmlns:p14="http://schemas.microsoft.com/office/powerpoint/2010/main" val="1911834383"/>
-      </p:ext>
-    </p:extLst>
-  </p:cSld>
-  <p:clrMapOvr>
-    <a:masterClrMapping/>
-  </p:clrMapOvr>
-  <p:timing>
-    <p:tnLst>
-      <p:par>
-        <p:cTn id="1" dur="indefinite" restart="never" nodeType="tmRoot">
-          <p:childTnLst>
-            <p:seq concurrent="1" nextAc="seek">
-              <p:cTn id="2" dur="indefinite" nodeType="mainSeq">
-                <p:childTnLst>
-                  <p:par>
-                    <p:cTn id="3" fill="hold">
-                      <p:stCondLst>
-                        <p:cond delay="indefinite"/>
-                      </p:stCondLst>
-                      <p:childTnLst>
-                        <p:par>
-                          <p:cTn id="4" fill="hold">
-                            <p:stCondLst>
-                              <p:cond delay="0"/>
-                            </p:stCondLst>
-                            <p:childTnLst>
-                              <p:par>
-                                <p:cTn id="5" presetID="1" presetClass="entr" presetSubtype="0" fill="hold" nodeType="clickEffect">
-                                  <p:stCondLst>
-                                    <p:cond delay="0"/>
-                                  </p:stCondLst>
-                                  <p:childTnLst>
-                                    <p:set>
-                                      <p:cBhvr>
-                                        <p:cTn id="6" dur="1" fill="hold">
-                                          <p:stCondLst>
-                                            <p:cond delay="0"/>
-                                          </p:stCondLst>
-                                        </p:cTn>
-                                        <p:tgtEl>
-                                          <p:spTgt spid="3">
-                                            <p:txEl>
-                                              <p:pRg st="0" end="0"/>
-                                            </p:txEl>
-                                          </p:spTgt>
-                                        </p:tgtEl>
-                                        <p:attrNameLst>
-                                          <p:attrName>style.visibility</p:attrName>
-                                        </p:attrNameLst>
-                                      </p:cBhvr>
-                                      <p:to>
-                                        <p:strVal val="visible"/>
-                                      </p:to>
-                                    </p:set>
-                                  </p:childTnLst>
-                                </p:cTn>
-                              </p:par>
-                            </p:childTnLst>
-                          </p:cTn>
-                        </p:par>
-                      </p:childTnLst>
-                    </p:cTn>
-                  </p:par>
-                  <p:par>
-                    <p:cTn id="7" fill="hold">
-                      <p:stCondLst>
-                        <p:cond delay="indefinite"/>
-                      </p:stCondLst>
-                      <p:childTnLst>
-                        <p:par>
-                          <p:cTn id="8" fill="hold">
-                            <p:stCondLst>
-                              <p:cond delay="0"/>
-                            </p:stCondLst>
-                            <p:childTnLst>
-                              <p:par>
-                                <p:cTn id="9" presetID="1" presetClass="entr" presetSubtype="0" fill="hold" nodeType="clickEffect">
-                                  <p:stCondLst>
-                                    <p:cond delay="0"/>
-                                  </p:stCondLst>
-                                  <p:childTnLst>
-                                    <p:set>
-                                      <p:cBhvr>
-                                        <p:cTn id="10" dur="1" fill="hold">
-                                          <p:stCondLst>
-                                            <p:cond delay="0"/>
-                                          </p:stCondLst>
-                                        </p:cTn>
-                                        <p:tgtEl>
-                                          <p:spTgt spid="3">
-                                            <p:txEl>
-                                              <p:pRg st="1" end="1"/>
-                                            </p:txEl>
-                                          </p:spTgt>
-                                        </p:tgtEl>
-                                        <p:attrNameLst>
-                                          <p:attrName>style.visibility</p:attrName>
-                                        </p:attrNameLst>
-                                      </p:cBhvr>
-                                      <p:to>
-                                        <p:strVal val="visible"/>
-                                      </p:to>
-                                    </p:set>
-                                  </p:childTnLst>
-                                </p:cTn>
-                              </p:par>
-                            </p:childTnLst>
-                          </p:cTn>
-                        </p:par>
-                      </p:childTnLst>
-                    </p:cTn>
-                  </p:par>
-                  <p:par>
-                    <p:cTn id="11" fill="hold">
-                      <p:stCondLst>
-                        <p:cond delay="indefinite"/>
-                      </p:stCondLst>
-                      <p:childTnLst>
-                        <p:par>
-                          <p:cTn id="12" fill="hold">
-                            <p:stCondLst>
-                              <p:cond delay="0"/>
-                            </p:stCondLst>
-                            <p:childTnLst>
-                              <p:par>
-                                <p:cTn id="13" presetID="1" presetClass="entr" presetSubtype="0" fill="hold" nodeType="clickEffect">
-                                  <p:stCondLst>
-                                    <p:cond delay="0"/>
-                                  </p:stCondLst>
-                                  <p:childTnLst>
-                                    <p:set>
-                                      <p:cBhvr>
-                                        <p:cTn id="14" dur="1" fill="hold">
-                                          <p:stCondLst>
-                                            <p:cond delay="0"/>
-                                          </p:stCondLst>
-                                        </p:cTn>
-                                        <p:tgtEl>
-                                          <p:spTgt spid="3">
-                                            <p:txEl>
-                                              <p:pRg st="2" end="2"/>
-                                            </p:txEl>
-                                          </p:spTgt>
-                                        </p:tgtEl>
-                                        <p:attrNameLst>
-                                          <p:attrName>style.visibility</p:attrName>
-                                        </p:attrNameLst>
-                                      </p:cBhvr>
-                                      <p:to>
-                                        <p:strVal val="visible"/>
-                                      </p:to>
-                                    </p:set>
-                                  </p:childTnLst>
-                                </p:cTn>
-                              </p:par>
-                            </p:childTnLst>
-                          </p:cTn>
-                        </p:par>
-                      </p:childTnLst>
-                    </p:cTn>
-                  </p:par>
-                  <p:par>
-                    <p:cTn id="15" fill="hold">
-                      <p:stCondLst>
-                        <p:cond delay="indefinite"/>
-                      </p:stCondLst>
-                      <p:childTnLst>
-                        <p:par>
-                          <p:cTn id="16" fill="hold">
-                            <p:stCondLst>
-                              <p:cond delay="0"/>
-                            </p:stCondLst>
-                            <p:childTnLst>
-                              <p:par>
-                                <p:cTn id="17" presetID="1" presetClass="entr" presetSubtype="0" fill="hold" nodeType="clickEffect">
-                                  <p:stCondLst>
-                                    <p:cond delay="0"/>
-                                  </p:stCondLst>
-                                  <p:childTnLst>
-                                    <p:set>
-                                      <p:cBhvr>
-                                        <p:cTn id="18" dur="1" fill="hold">
-                                          <p:stCondLst>
-                                            <p:cond delay="0"/>
-                                          </p:stCondLst>
-                                        </p:cTn>
-                                        <p:tgtEl>
-                                          <p:spTgt spid="3">
-                                            <p:txEl>
-                                              <p:pRg st="3" end="3"/>
-                                            </p:txEl>
-                                          </p:spTgt>
-                                        </p:tgtEl>
-                                        <p:attrNameLst>
-                                          <p:attrName>style.visibility</p:attrName>
-                                        </p:attrNameLst>
-                                      </p:cBhvr>
-                                      <p:to>
-                                        <p:strVal val="visible"/>
-                                      </p:to>
-                                    </p:set>
-                                  </p:childTnLst>
-                                </p:cTn>
-                              </p:par>
-                            </p:childTnLst>
-                          </p:cTn>
-                        </p:par>
-                      </p:childTnLst>
-                    </p:cTn>
-                  </p:par>
-                  <p:par>
-                    <p:cTn id="19" fill="hold">
-                      <p:stCondLst>
-                        <p:cond delay="indefinite"/>
-                      </p:stCondLst>
-                      <p:childTnLst>
-                        <p:par>
-                          <p:cTn id="20" fill="hold">
-                            <p:stCondLst>
-                              <p:cond delay="0"/>
-                            </p:stCondLst>
-                            <p:childTnLst>
-                              <p:par>
-                                <p:cTn id="21" presetID="1" presetClass="entr" presetSubtype="0" fill="hold" nodeType="clickEffect">
-                                  <p:stCondLst>
-                                    <p:cond delay="0"/>
-                                  </p:stCondLst>
-                                  <p:childTnLst>
-                                    <p:set>
-                                      <p:cBhvr>
-                                        <p:cTn id="22" dur="1" fill="hold">
-                                          <p:stCondLst>
-                                            <p:cond delay="0"/>
-                                          </p:stCondLst>
-                                        </p:cTn>
-                                        <p:tgtEl>
-                                          <p:spTgt spid="3">
-                                            <p:txEl>
-                                              <p:pRg st="4" end="4"/>
-                                            </p:txEl>
-                                          </p:spTgt>
-                                        </p:tgtEl>
-                                        <p:attrNameLst>
-                                          <p:attrName>style.visibility</p:attrName>
-                                        </p:attrNameLst>
-                                      </p:cBhvr>
-                                      <p:to>
-                                        <p:strVal val="visible"/>
-                                      </p:to>
-                                    </p:set>
-                                  </p:childTnLst>
-                                </p:cTn>
-                              </p:par>
-                            </p:childTnLst>
-                          </p:cTn>
-                        </p:par>
-                      </p:childTnLst>
-                    </p:cTn>
-                  </p:par>
-                  <p:par>
-                    <p:cTn id="23" fill="hold">
-                      <p:stCondLst>
-                        <p:cond delay="indefinite"/>
-                      </p:stCondLst>
-                      <p:childTnLst>
-                        <p:par>
-                          <p:cTn id="24" fill="hold">
-                            <p:stCondLst>
-                              <p:cond delay="0"/>
-                            </p:stCondLst>
-                            <p:childTnLst>
-                              <p:par>
-                                <p:cTn id="25" presetID="1" presetClass="entr" presetSubtype="0" fill="hold" nodeType="clickEffect">
-                                  <p:stCondLst>
-                                    <p:cond delay="0"/>
-                                  </p:stCondLst>
-                                  <p:childTnLst>
-                                    <p:set>
-                                      <p:cBhvr>
-                                        <p:cTn id="26" dur="1" fill="hold">
-                                          <p:stCondLst>
-                                            <p:cond delay="0"/>
-                                          </p:stCondLst>
-                                        </p:cTn>
-                                        <p:tgtEl>
-                                          <p:spTgt spid="3">
-                                            <p:txEl>
-                                              <p:pRg st="5" end="5"/>
-                                            </p:txEl>
-                                          </p:spTgt>
-                                        </p:tgtEl>
-                                        <p:attrNameLst>
-                                          <p:attrName>style.visibility</p:attrName>
-                                        </p:attrNameLst>
-                                      </p:cBhvr>
-                                      <p:to>
-                                        <p:strVal val="visible"/>
-                                      </p:to>
-                                    </p:set>
-                                  </p:childTnLst>
-                                </p:cTn>
-                              </p:par>
-                            </p:childTnLst>
-                          </p:cTn>
-                        </p:par>
-                      </p:childTnLst>
-                    </p:cTn>
-                  </p:par>
-                  <p:par>
-                    <p:cTn id="27" fill="hold">
-                      <p:stCondLst>
-                        <p:cond delay="indefinite"/>
-                      </p:stCondLst>
-                      <p:childTnLst>
-                        <p:par>
-                          <p:cTn id="28" fill="hold">
-                            <p:stCondLst>
-                              <p:cond delay="0"/>
-                            </p:stCondLst>
-                            <p:childTnLst>
-                              <p:par>
-                                <p:cTn id="29" presetID="1" presetClass="entr" presetSubtype="0" fill="hold" nodeType="clickEffect">
-                                  <p:stCondLst>
-                                    <p:cond delay="0"/>
-                                  </p:stCondLst>
-                                  <p:childTnLst>
-                                    <p:set>
-                                      <p:cBhvr>
-                                        <p:cTn id="30" dur="1" fill="hold">
-                                          <p:stCondLst>
-                                            <p:cond delay="0"/>
-                                          </p:stCondLst>
-                                        </p:cTn>
-                                        <p:tgtEl>
-                                          <p:spTgt spid="3">
-                                            <p:txEl>
-                                              <p:pRg st="6" end="6"/>
-                                            </p:txEl>
-                                          </p:spTgt>
-                                        </p:tgtEl>
-                                        <p:attrNameLst>
-                                          <p:attrName>style.visibility</p:attrName>
-                                        </p:attrNameLst>
-                                      </p:cBhvr>
-                                      <p:to>
-                                        <p:strVal val="visible"/>
-                                      </p:to>
-                                    </p:set>
-                                  </p:childTnLst>
-                                </p:cTn>
-                              </p:par>
-                            </p:childTnLst>
-                          </p:cTn>
-                        </p:par>
-                      </p:childTnLst>
-                    </p:cTn>
-                  </p:par>
-                  <p:par>
-                    <p:cTn id="31" fill="hold">
-                      <p:stCondLst>
-                        <p:cond delay="indefinite"/>
-                      </p:stCondLst>
-                      <p:childTnLst>
-                        <p:par>
-                          <p:cTn id="32" fill="hold">
-                            <p:stCondLst>
-                              <p:cond delay="0"/>
-                            </p:stCondLst>
-                            <p:childTnLst>
-                              <p:par>
-                                <p:cTn id="33" presetID="1" presetClass="entr" presetSubtype="0" fill="hold" nodeType="clickEffect">
-                                  <p:stCondLst>
-                                    <p:cond delay="0"/>
-                                  </p:stCondLst>
-                                  <p:childTnLst>
-                                    <p:set>
-                                      <p:cBhvr>
-                                        <p:cTn id="34" dur="1" fill="hold">
-                                          <p:stCondLst>
-                                            <p:cond delay="0"/>
-                                          </p:stCondLst>
-                                        </p:cTn>
-                                        <p:tgtEl>
-                                          <p:spTgt spid="3">
-                                            <p:txEl>
-                                              <p:pRg st="7" end="7"/>
-                                            </p:txEl>
-                                          </p:spTgt>
-                                        </p:tgtEl>
-                                        <p:attrNameLst>
-                                          <p:attrName>style.visibility</p:attrName>
-                                        </p:attrNameLst>
-                                      </p:cBhvr>
-                                      <p:to>
-                                        <p:strVal val="visible"/>
-                                      </p:to>
-                                    </p:set>
-                                  </p:childTnLst>
-                                </p:cTn>
-                              </p:par>
-                            </p:childTnLst>
-                          </p:cTn>
-                        </p:par>
-                      </p:childTnLst>
-                    </p:cTn>
-                  </p:par>
-                  <p:par>
-                    <p:cTn id="35" fill="hold">
-                      <p:stCondLst>
-                        <p:cond delay="indefinite"/>
-                      </p:stCondLst>
-                      <p:childTnLst>
-                        <p:par>
-                          <p:cTn id="36" fill="hold">
-                            <p:stCondLst>
-                              <p:cond delay="0"/>
-                            </p:stCondLst>
-                            <p:childTnLst>
-                              <p:par>
-                                <p:cTn id="37" presetID="1" presetClass="entr" presetSubtype="0" fill="hold" nodeType="clickEffect">
-                                  <p:stCondLst>
-                                    <p:cond delay="0"/>
-                                  </p:stCondLst>
-                                  <p:childTnLst>
-                                    <p:set>
-                                      <p:cBhvr>
-                                        <p:cTn id="38" dur="1" fill="hold">
-                                          <p:stCondLst>
-                                            <p:cond delay="0"/>
-                                          </p:stCondLst>
-                                        </p:cTn>
-                                        <p:tgtEl>
-                                          <p:spTgt spid="3">
-                                            <p:txEl>
-                                              <p:pRg st="8" end="8"/>
-                                            </p:txEl>
-                                          </p:spTgt>
-                                        </p:tgtEl>
-                                        <p:attrNameLst>
-                                          <p:attrName>style.visibility</p:attrName>
-                                        </p:attrNameLst>
-                                      </p:cBhvr>
-                                      <p:to>
-                                        <p:strVal val="visible"/>
-                                      </p:to>
-                                    </p:set>
-                                  </p:childTnLst>
-                                </p:cTn>
-                              </p:par>
-                            </p:childTnLst>
-                          </p:cTn>
-                        </p:par>
-                      </p:childTnLst>
-                    </p:cTn>
-                  </p:par>
-                  <p:par>
-                    <p:cTn id="39" fill="hold">
-                      <p:stCondLst>
-                        <p:cond delay="indefinite"/>
-                      </p:stCondLst>
-                      <p:childTnLst>
-                        <p:par>
-                          <p:cTn id="40" fill="hold">
-                            <p:stCondLst>
-                              <p:cond delay="0"/>
-                            </p:stCondLst>
-                            <p:childTnLst>
-                              <p:par>
-                                <p:cTn id="41" presetID="1" presetClass="entr" presetSubtype="0" fill="hold" nodeType="clickEffect">
-                                  <p:stCondLst>
-                                    <p:cond delay="0"/>
-                                  </p:stCondLst>
-                                  <p:childTnLst>
-                                    <p:set>
-                                      <p:cBhvr>
-                                        <p:cTn id="42" dur="1" fill="hold">
-                                          <p:stCondLst>
-                                            <p:cond delay="0"/>
-                                          </p:stCondLst>
-                                        </p:cTn>
-                                        <p:tgtEl>
-                                          <p:spTgt spid="3">
-                                            <p:txEl>
-                                              <p:pRg st="9" end="9"/>
-                                            </p:txEl>
-                                          </p:spTgt>
-                                        </p:tgtEl>
-                                        <p:attrNameLst>
-                                          <p:attrName>style.visibility</p:attrName>
-                                        </p:attrNameLst>
-                                      </p:cBhvr>
-                                      <p:to>
-                                        <p:strVal val="visible"/>
-                                      </p:to>
-                                    </p:set>
-                                  </p:childTnLst>
-                                </p:cTn>
-                              </p:par>
-                            </p:childTnLst>
-                          </p:cTn>
-                        </p:par>
-                      </p:childTnLst>
-                    </p:cTn>
-                  </p:par>
-                  <p:par>
-                    <p:cTn id="43" fill="hold">
-                      <p:stCondLst>
-                        <p:cond delay="indefinite"/>
-                      </p:stCondLst>
-                      <p:childTnLst>
-                        <p:par>
-                          <p:cTn id="44" fill="hold">
-                            <p:stCondLst>
-                              <p:cond delay="0"/>
-                            </p:stCondLst>
-                            <p:childTnLst>
-                              <p:par>
-                                <p:cTn id="45" presetID="1" presetClass="entr" presetSubtype="0" fill="hold" nodeType="clickEffect">
-                                  <p:stCondLst>
-                                    <p:cond delay="0"/>
-                                  </p:stCondLst>
-                                  <p:childTnLst>
-                                    <p:set>
-                                      <p:cBhvr>
-                                        <p:cTn id="46" dur="1" fill="hold">
-                                          <p:stCondLst>
-                                            <p:cond delay="0"/>
-                                          </p:stCondLst>
-                                        </p:cTn>
-                                        <p:tgtEl>
-                                          <p:spTgt spid="3">
-                                            <p:txEl>
-                                              <p:pRg st="10" end="10"/>
-                                            </p:txEl>
-                                          </p:spTgt>
-                                        </p:tgtEl>
-                                        <p:attrNameLst>
-                                          <p:attrName>style.visibility</p:attrName>
-                                        </p:attrNameLst>
-                                      </p:cBhvr>
-                                      <p:to>
-                                        <p:strVal val="visible"/>
-                                      </p:to>
-                                    </p:set>
-                                  </p:childTnLst>
-                                </p:cTn>
-                              </p:par>
-                            </p:childTnLst>
-                          </p:cTn>
-                        </p:par>
-                      </p:childTnLst>
-                    </p:cTn>
-                  </p:par>
-                  <p:par>
-                    <p:cTn id="47" fill="hold">
-                      <p:stCondLst>
-                        <p:cond delay="indefinite"/>
-                      </p:stCondLst>
-                      <p:childTnLst>
-                        <p:par>
-                          <p:cTn id="48" fill="hold">
-                            <p:stCondLst>
-                              <p:cond delay="0"/>
-                            </p:stCondLst>
-                            <p:childTnLst>
-                              <p:par>
-                                <p:cTn id="49" presetID="1" presetClass="entr" presetSubtype="0" fill="hold" nodeType="clickEffect">
-                                  <p:stCondLst>
-                                    <p:cond delay="0"/>
-                                  </p:stCondLst>
-                                  <p:childTnLst>
-                                    <p:set>
-                                      <p:cBhvr>
-                                        <p:cTn id="50" dur="1" fill="hold">
-                                          <p:stCondLst>
-                                            <p:cond delay="0"/>
-                                          </p:stCondLst>
-                                        </p:cTn>
-                                        <p:tgtEl>
-                                          <p:spTgt spid="3">
-                                            <p:txEl>
-                                              <p:pRg st="11" end="11"/>
-                                            </p:txEl>
-                                          </p:spTgt>
-                                        </p:tgtEl>
-                                        <p:attrNameLst>
-                                          <p:attrName>style.visibility</p:attrName>
-                                        </p:attrNameLst>
-                                      </p:cBhvr>
-                                      <p:to>
-                                        <p:strVal val="visible"/>
-                                      </p:to>
-                                    </p:set>
-                                  </p:childTnLst>
-                                </p:cTn>
-                              </p:par>
-                            </p:childTnLst>
-                          </p:cTn>
-                        </p:par>
-                      </p:childTnLst>
-                    </p:cTn>
-                  </p:par>
-                </p:childTnLst>
-              </p:cTn>
-              <p:prevCondLst>
-                <p:cond evt="onPrev" delay="0">
-                  <p:tgtEl>
-                    <p:sldTgt/>
-                  </p:tgtEl>
-                </p:cond>
-              </p:prevCondLst>
-              <p:nextCondLst>
-                <p:cond evt="onNext" delay="0">
-                  <p:tgtEl>
-                    <p:sldTgt/>
-                  </p:tgtEl>
-                </p:cond>
-              </p:nextCondLst>
-            </p:seq>
-          </p:childTnLst>
-        </p:cTn>
-      </p:par>
-    </p:tnLst>
-  </p:timing>
-</p:sld>
-</file>
-
-<file path=ppt/slides/slide30.xml><?xml version="1.0" encoding="utf-8"?>
+<file path=ppt/slides/slide29.xml><?xml version="1.0" encoding="utf-8"?>
 <p:sld xmlns:a="http://schemas.openxmlformats.org/drawingml/2006/main" xmlns:r="http://schemas.openxmlformats.org/officeDocument/2006/relationships" xmlns:p="http://schemas.openxmlformats.org/presentationml/2006/main">
   <p:cSld>
     <p:spTree>
@@ -29127,7 +26370,773 @@
 </p:sld>
 </file>
 
-<file path=ppt/slides/slide31.xml><?xml version="1.0" encoding="utf-8"?>
+<file path=ppt/slides/slide3.xml><?xml version="1.0" encoding="utf-8"?>
+<p:sld xmlns:a="http://schemas.openxmlformats.org/drawingml/2006/main" xmlns:r="http://schemas.openxmlformats.org/officeDocument/2006/relationships" xmlns:p="http://schemas.openxmlformats.org/presentationml/2006/main">
+  <p:cSld>
+    <p:spTree>
+      <p:nvGrpSpPr>
+        <p:cNvPr id="1" name=""/>
+        <p:cNvGrpSpPr/>
+        <p:nvPr/>
+      </p:nvGrpSpPr>
+      <p:grpSpPr>
+        <a:xfrm>
+          <a:off x="0" y="0"/>
+          <a:ext cx="0" cy="0"/>
+          <a:chOff x="0" y="0"/>
+          <a:chExt cx="0" cy="0"/>
+        </a:xfrm>
+      </p:grpSpPr>
+      <p:sp>
+        <p:nvSpPr>
+          <p:cNvPr id="3" name="Content Placeholder 2">
+            <a:extLst>
+              <a:ext uri="{FF2B5EF4-FFF2-40B4-BE49-F238E27FC236}">
+                <a16:creationId xmlns:a16="http://schemas.microsoft.com/office/drawing/2014/main" id="{258E6AF3-7615-4BD1-878E-A94C93E98F90}"/>
+              </a:ext>
+            </a:extLst>
+          </p:cNvPr>
+          <p:cNvSpPr>
+            <a:spLocks noGrp="1"/>
+          </p:cNvSpPr>
+          <p:nvPr>
+            <p:ph idx="1"/>
+          </p:nvPr>
+        </p:nvSpPr>
+        <p:spPr>
+          <a:xfrm>
+            <a:off x="784412" y="1324928"/>
+            <a:ext cx="10515600" cy="5427940"/>
+          </a:xfrm>
+        </p:spPr>
+        <p:txBody>
+          <a:bodyPr/>
+          <a:lstStyle/>
+          <a:p>
+            <a:pPr marL="0" indent="0">
+              <a:buNone/>
+            </a:pPr>
+            <a:r>
+              <a:rPr lang="en-US" sz="3200" dirty="0"/>
+              <a:t>Difficulties with streaming analytics      </a:t>
+            </a:r>
+            <a:endParaRPr lang="en-US" sz="3200" b="1" dirty="0"/>
+          </a:p>
+          <a:p>
+            <a:r>
+              <a:rPr lang="en-US" dirty="0"/>
+              <a:t>Data volumes can be massive   </a:t>
+            </a:r>
+          </a:p>
+          <a:p>
+            <a:r>
+              <a:rPr lang="en-US" dirty="0"/>
+              <a:t>Example – relatively small scale    </a:t>
+            </a:r>
+          </a:p>
+          <a:p>
+            <a:pPr lvl="1"/>
+            <a:r>
+              <a:rPr lang="en-US" dirty="0"/>
+              <a:t>US Geological Survey maintains about 13,500 stream gages    </a:t>
+            </a:r>
+          </a:p>
+          <a:p>
+            <a:pPr lvl="1"/>
+            <a:r>
+              <a:rPr lang="en-US" dirty="0"/>
+              <a:t>Average of 4 types of sensors per station  </a:t>
+            </a:r>
+          </a:p>
+          <a:p>
+            <a:pPr lvl="1"/>
+            <a:r>
+              <a:rPr lang="en-US" dirty="0"/>
+              <a:t>Each measurement is 4 bytes - 16 bytes total per sample</a:t>
+            </a:r>
+          </a:p>
+          <a:p>
+            <a:pPr lvl="1"/>
+            <a:r>
+              <a:rPr lang="en-US" dirty="0"/>
+              <a:t>Each gage collects data sample every 15 mins    </a:t>
+            </a:r>
+          </a:p>
+          <a:p>
+            <a:pPr lvl="1"/>
+            <a:r>
+              <a:rPr lang="en-US" dirty="0"/>
+              <a:t>Data uploaded every 4 hours – 6 sets of measurements per day – 1,536 bytes  </a:t>
+            </a:r>
+          </a:p>
+          <a:p>
+            <a:pPr lvl="1"/>
+            <a:r>
+              <a:rPr lang="en-US" dirty="0"/>
+              <a:t>Total of 5.4 M bytes per day for network</a:t>
+            </a:r>
+          </a:p>
+          <a:p>
+            <a:pPr lvl="1"/>
+            <a:r>
+              <a:rPr lang="en-US" dirty="0"/>
+              <a:t> 2 G bytes per year for archive </a:t>
+            </a:r>
+          </a:p>
+          <a:p>
+            <a:r>
+              <a:rPr lang="en-US" dirty="0"/>
+              <a:t>But, network bandwidth is limited </a:t>
+            </a:r>
+          </a:p>
+          <a:p>
+            <a:pPr lvl="1"/>
+            <a:r>
+              <a:rPr lang="en-US" dirty="0"/>
+              <a:t>Sensors often connected by point-to-point wireless connections</a:t>
+            </a:r>
+          </a:p>
+        </p:txBody>
+      </p:sp>
+      <p:sp>
+        <p:nvSpPr>
+          <p:cNvPr id="6" name="Title 1">
+            <a:extLst>
+              <a:ext uri="{FF2B5EF4-FFF2-40B4-BE49-F238E27FC236}">
+                <a16:creationId xmlns:a16="http://schemas.microsoft.com/office/drawing/2014/main" id="{CD29F70F-B868-451B-A65D-8721F4C7A2D9}"/>
+              </a:ext>
+            </a:extLst>
+          </p:cNvPr>
+          <p:cNvSpPr txBox="1">
+            <a:spLocks/>
+          </p:cNvSpPr>
+          <p:nvPr/>
+        </p:nvSpPr>
+        <p:spPr>
+          <a:xfrm>
+            <a:off x="838200" y="-635"/>
+            <a:ext cx="10515600" cy="1325563"/>
+          </a:xfrm>
+          <a:prstGeom prst="rect">
+            <a:avLst/>
+          </a:prstGeom>
+        </p:spPr>
+        <p:txBody>
+          <a:bodyPr vert="horz" lIns="91440" tIns="45720" rIns="91440" bIns="45720" rtlCol="0" anchor="ctr">
+            <a:normAutofit/>
+          </a:bodyPr>
+          <a:lstStyle>
+            <a:lvl1pPr algn="l" defTabSz="914400" rtl="0" eaLnBrk="1" latinLnBrk="0" hangingPunct="1">
+              <a:lnSpc>
+                <a:spcPct val="90000"/>
+              </a:lnSpc>
+              <a:spcBef>
+                <a:spcPct val="0"/>
+              </a:spcBef>
+              <a:buNone/>
+              <a:defRPr sz="4400" kern="1200">
+                <a:solidFill>
+                  <a:schemeClr val="tx1"/>
+                </a:solidFill>
+                <a:latin typeface="+mj-lt"/>
+                <a:ea typeface="+mj-ea"/>
+                <a:cs typeface="+mj-cs"/>
+              </a:defRPr>
+            </a:lvl1pPr>
+          </a:lstStyle>
+          <a:p>
+            <a:r>
+              <a:rPr lang="en-US" dirty="0">
+                <a:latin typeface="+mn-lt"/>
+              </a:rPr>
+              <a:t>Streaming Analytics</a:t>
+            </a:r>
+          </a:p>
+        </p:txBody>
+      </p:sp>
+    </p:spTree>
+    <p:extLst>
+      <p:ext uri="{BB962C8B-B14F-4D97-AF65-F5344CB8AC3E}">
+        <p14:creationId xmlns:p14="http://schemas.microsoft.com/office/powerpoint/2010/main" val="1911834383"/>
+      </p:ext>
+    </p:extLst>
+  </p:cSld>
+  <p:clrMapOvr>
+    <a:masterClrMapping/>
+  </p:clrMapOvr>
+  <p:timing>
+    <p:tnLst>
+      <p:par>
+        <p:cTn id="1" dur="indefinite" restart="never" nodeType="tmRoot">
+          <p:childTnLst>
+            <p:seq concurrent="1" nextAc="seek">
+              <p:cTn id="2" dur="indefinite" nodeType="mainSeq">
+                <p:childTnLst>
+                  <p:par>
+                    <p:cTn id="3" fill="hold">
+                      <p:stCondLst>
+                        <p:cond delay="indefinite"/>
+                      </p:stCondLst>
+                      <p:childTnLst>
+                        <p:par>
+                          <p:cTn id="4" fill="hold">
+                            <p:stCondLst>
+                              <p:cond delay="0"/>
+                            </p:stCondLst>
+                            <p:childTnLst>
+                              <p:par>
+                                <p:cTn id="5" presetID="1" presetClass="entr" presetSubtype="0" fill="hold" nodeType="clickEffect">
+                                  <p:stCondLst>
+                                    <p:cond delay="0"/>
+                                  </p:stCondLst>
+                                  <p:childTnLst>
+                                    <p:set>
+                                      <p:cBhvr>
+                                        <p:cTn id="6" dur="1" fill="hold">
+                                          <p:stCondLst>
+                                            <p:cond delay="0"/>
+                                          </p:stCondLst>
+                                        </p:cTn>
+                                        <p:tgtEl>
+                                          <p:spTgt spid="3">
+                                            <p:txEl>
+                                              <p:pRg st="1" end="1"/>
+                                            </p:txEl>
+                                          </p:spTgt>
+                                        </p:tgtEl>
+                                        <p:attrNameLst>
+                                          <p:attrName>style.visibility</p:attrName>
+                                        </p:attrNameLst>
+                                      </p:cBhvr>
+                                      <p:to>
+                                        <p:strVal val="visible"/>
+                                      </p:to>
+                                    </p:set>
+                                  </p:childTnLst>
+                                </p:cTn>
+                              </p:par>
+                            </p:childTnLst>
+                          </p:cTn>
+                        </p:par>
+                      </p:childTnLst>
+                    </p:cTn>
+                  </p:par>
+                  <p:par>
+                    <p:cTn id="7" fill="hold">
+                      <p:stCondLst>
+                        <p:cond delay="indefinite"/>
+                      </p:stCondLst>
+                      <p:childTnLst>
+                        <p:par>
+                          <p:cTn id="8" fill="hold">
+                            <p:stCondLst>
+                              <p:cond delay="0"/>
+                            </p:stCondLst>
+                            <p:childTnLst>
+                              <p:par>
+                                <p:cTn id="9" presetID="1" presetClass="entr" presetSubtype="0" fill="hold" nodeType="clickEffect">
+                                  <p:stCondLst>
+                                    <p:cond delay="0"/>
+                                  </p:stCondLst>
+                                  <p:childTnLst>
+                                    <p:set>
+                                      <p:cBhvr>
+                                        <p:cTn id="10" dur="1" fill="hold">
+                                          <p:stCondLst>
+                                            <p:cond delay="0"/>
+                                          </p:stCondLst>
+                                        </p:cTn>
+                                        <p:tgtEl>
+                                          <p:spTgt spid="3">
+                                            <p:txEl>
+                                              <p:pRg st="2" end="2"/>
+                                            </p:txEl>
+                                          </p:spTgt>
+                                        </p:tgtEl>
+                                        <p:attrNameLst>
+                                          <p:attrName>style.visibility</p:attrName>
+                                        </p:attrNameLst>
+                                      </p:cBhvr>
+                                      <p:to>
+                                        <p:strVal val="visible"/>
+                                      </p:to>
+                                    </p:set>
+                                  </p:childTnLst>
+                                </p:cTn>
+                              </p:par>
+                            </p:childTnLst>
+                          </p:cTn>
+                        </p:par>
+                      </p:childTnLst>
+                    </p:cTn>
+                  </p:par>
+                  <p:par>
+                    <p:cTn id="11" fill="hold">
+                      <p:stCondLst>
+                        <p:cond delay="indefinite"/>
+                      </p:stCondLst>
+                      <p:childTnLst>
+                        <p:par>
+                          <p:cTn id="12" fill="hold">
+                            <p:stCondLst>
+                              <p:cond delay="0"/>
+                            </p:stCondLst>
+                            <p:childTnLst>
+                              <p:par>
+                                <p:cTn id="13" presetID="1" presetClass="entr" presetSubtype="0" fill="hold" nodeType="clickEffect">
+                                  <p:stCondLst>
+                                    <p:cond delay="0"/>
+                                  </p:stCondLst>
+                                  <p:childTnLst>
+                                    <p:set>
+                                      <p:cBhvr>
+                                        <p:cTn id="14" dur="1" fill="hold">
+                                          <p:stCondLst>
+                                            <p:cond delay="0"/>
+                                          </p:stCondLst>
+                                        </p:cTn>
+                                        <p:tgtEl>
+                                          <p:spTgt spid="3">
+                                            <p:txEl>
+                                              <p:pRg st="3" end="3"/>
+                                            </p:txEl>
+                                          </p:spTgt>
+                                        </p:tgtEl>
+                                        <p:attrNameLst>
+                                          <p:attrName>style.visibility</p:attrName>
+                                        </p:attrNameLst>
+                                      </p:cBhvr>
+                                      <p:to>
+                                        <p:strVal val="visible"/>
+                                      </p:to>
+                                    </p:set>
+                                  </p:childTnLst>
+                                </p:cTn>
+                              </p:par>
+                            </p:childTnLst>
+                          </p:cTn>
+                        </p:par>
+                      </p:childTnLst>
+                    </p:cTn>
+                  </p:par>
+                  <p:par>
+                    <p:cTn id="15" fill="hold">
+                      <p:stCondLst>
+                        <p:cond delay="indefinite"/>
+                      </p:stCondLst>
+                      <p:childTnLst>
+                        <p:par>
+                          <p:cTn id="16" fill="hold">
+                            <p:stCondLst>
+                              <p:cond delay="0"/>
+                            </p:stCondLst>
+                            <p:childTnLst>
+                              <p:par>
+                                <p:cTn id="17" presetID="1" presetClass="entr" presetSubtype="0" fill="hold" nodeType="clickEffect">
+                                  <p:stCondLst>
+                                    <p:cond delay="0"/>
+                                  </p:stCondLst>
+                                  <p:childTnLst>
+                                    <p:set>
+                                      <p:cBhvr>
+                                        <p:cTn id="18" dur="1" fill="hold">
+                                          <p:stCondLst>
+                                            <p:cond delay="0"/>
+                                          </p:stCondLst>
+                                        </p:cTn>
+                                        <p:tgtEl>
+                                          <p:spTgt spid="3">
+                                            <p:txEl>
+                                              <p:pRg st="4" end="4"/>
+                                            </p:txEl>
+                                          </p:spTgt>
+                                        </p:tgtEl>
+                                        <p:attrNameLst>
+                                          <p:attrName>style.visibility</p:attrName>
+                                        </p:attrNameLst>
+                                      </p:cBhvr>
+                                      <p:to>
+                                        <p:strVal val="visible"/>
+                                      </p:to>
+                                    </p:set>
+                                  </p:childTnLst>
+                                </p:cTn>
+                              </p:par>
+                            </p:childTnLst>
+                          </p:cTn>
+                        </p:par>
+                      </p:childTnLst>
+                    </p:cTn>
+                  </p:par>
+                  <p:par>
+                    <p:cTn id="19" fill="hold">
+                      <p:stCondLst>
+                        <p:cond delay="indefinite"/>
+                      </p:stCondLst>
+                      <p:childTnLst>
+                        <p:par>
+                          <p:cTn id="20" fill="hold">
+                            <p:stCondLst>
+                              <p:cond delay="0"/>
+                            </p:stCondLst>
+                            <p:childTnLst>
+                              <p:par>
+                                <p:cTn id="21" presetID="1" presetClass="entr" presetSubtype="0" fill="hold" nodeType="clickEffect">
+                                  <p:stCondLst>
+                                    <p:cond delay="0"/>
+                                  </p:stCondLst>
+                                  <p:childTnLst>
+                                    <p:set>
+                                      <p:cBhvr>
+                                        <p:cTn id="22" dur="1" fill="hold">
+                                          <p:stCondLst>
+                                            <p:cond delay="0"/>
+                                          </p:stCondLst>
+                                        </p:cTn>
+                                        <p:tgtEl>
+                                          <p:spTgt spid="3">
+                                            <p:txEl>
+                                              <p:pRg st="5" end="5"/>
+                                            </p:txEl>
+                                          </p:spTgt>
+                                        </p:tgtEl>
+                                        <p:attrNameLst>
+                                          <p:attrName>style.visibility</p:attrName>
+                                        </p:attrNameLst>
+                                      </p:cBhvr>
+                                      <p:to>
+                                        <p:strVal val="visible"/>
+                                      </p:to>
+                                    </p:set>
+                                  </p:childTnLst>
+                                </p:cTn>
+                              </p:par>
+                            </p:childTnLst>
+                          </p:cTn>
+                        </p:par>
+                      </p:childTnLst>
+                    </p:cTn>
+                  </p:par>
+                  <p:par>
+                    <p:cTn id="23" fill="hold">
+                      <p:stCondLst>
+                        <p:cond delay="indefinite"/>
+                      </p:stCondLst>
+                      <p:childTnLst>
+                        <p:par>
+                          <p:cTn id="24" fill="hold">
+                            <p:stCondLst>
+                              <p:cond delay="0"/>
+                            </p:stCondLst>
+                            <p:childTnLst>
+                              <p:par>
+                                <p:cTn id="25" presetID="1" presetClass="entr" presetSubtype="0" fill="hold" nodeType="clickEffect">
+                                  <p:stCondLst>
+                                    <p:cond delay="0"/>
+                                  </p:stCondLst>
+                                  <p:childTnLst>
+                                    <p:set>
+                                      <p:cBhvr>
+                                        <p:cTn id="26" dur="1" fill="hold">
+                                          <p:stCondLst>
+                                            <p:cond delay="0"/>
+                                          </p:stCondLst>
+                                        </p:cTn>
+                                        <p:tgtEl>
+                                          <p:spTgt spid="3">
+                                            <p:txEl>
+                                              <p:pRg st="6" end="6"/>
+                                            </p:txEl>
+                                          </p:spTgt>
+                                        </p:tgtEl>
+                                        <p:attrNameLst>
+                                          <p:attrName>style.visibility</p:attrName>
+                                        </p:attrNameLst>
+                                      </p:cBhvr>
+                                      <p:to>
+                                        <p:strVal val="visible"/>
+                                      </p:to>
+                                    </p:set>
+                                  </p:childTnLst>
+                                </p:cTn>
+                              </p:par>
+                            </p:childTnLst>
+                          </p:cTn>
+                        </p:par>
+                      </p:childTnLst>
+                    </p:cTn>
+                  </p:par>
+                  <p:par>
+                    <p:cTn id="27" fill="hold">
+                      <p:stCondLst>
+                        <p:cond delay="indefinite"/>
+                      </p:stCondLst>
+                      <p:childTnLst>
+                        <p:par>
+                          <p:cTn id="28" fill="hold">
+                            <p:stCondLst>
+                              <p:cond delay="0"/>
+                            </p:stCondLst>
+                            <p:childTnLst>
+                              <p:par>
+                                <p:cTn id="29" presetID="1" presetClass="entr" presetSubtype="0" fill="hold" nodeType="clickEffect">
+                                  <p:stCondLst>
+                                    <p:cond delay="0"/>
+                                  </p:stCondLst>
+                                  <p:childTnLst>
+                                    <p:set>
+                                      <p:cBhvr>
+                                        <p:cTn id="30" dur="1" fill="hold">
+                                          <p:stCondLst>
+                                            <p:cond delay="0"/>
+                                          </p:stCondLst>
+                                        </p:cTn>
+                                        <p:tgtEl>
+                                          <p:spTgt spid="3">
+                                            <p:txEl>
+                                              <p:pRg st="7" end="7"/>
+                                            </p:txEl>
+                                          </p:spTgt>
+                                        </p:tgtEl>
+                                        <p:attrNameLst>
+                                          <p:attrName>style.visibility</p:attrName>
+                                        </p:attrNameLst>
+                                      </p:cBhvr>
+                                      <p:to>
+                                        <p:strVal val="visible"/>
+                                      </p:to>
+                                    </p:set>
+                                  </p:childTnLst>
+                                </p:cTn>
+                              </p:par>
+                            </p:childTnLst>
+                          </p:cTn>
+                        </p:par>
+                      </p:childTnLst>
+                    </p:cTn>
+                  </p:par>
+                  <p:par>
+                    <p:cTn id="31" fill="hold">
+                      <p:stCondLst>
+                        <p:cond delay="indefinite"/>
+                      </p:stCondLst>
+                      <p:childTnLst>
+                        <p:par>
+                          <p:cTn id="32" fill="hold">
+                            <p:stCondLst>
+                              <p:cond delay="0"/>
+                            </p:stCondLst>
+                            <p:childTnLst>
+                              <p:par>
+                                <p:cTn id="33" presetID="1" presetClass="entr" presetSubtype="0" fill="hold" nodeType="clickEffect">
+                                  <p:stCondLst>
+                                    <p:cond delay="0"/>
+                                  </p:stCondLst>
+                                  <p:childTnLst>
+                                    <p:set>
+                                      <p:cBhvr>
+                                        <p:cTn id="34" dur="1" fill="hold">
+                                          <p:stCondLst>
+                                            <p:cond delay="0"/>
+                                          </p:stCondLst>
+                                        </p:cTn>
+                                        <p:tgtEl>
+                                          <p:spTgt spid="3">
+                                            <p:txEl>
+                                              <p:pRg st="8" end="8"/>
+                                            </p:txEl>
+                                          </p:spTgt>
+                                        </p:tgtEl>
+                                        <p:attrNameLst>
+                                          <p:attrName>style.visibility</p:attrName>
+                                        </p:attrNameLst>
+                                      </p:cBhvr>
+                                      <p:to>
+                                        <p:strVal val="visible"/>
+                                      </p:to>
+                                    </p:set>
+                                  </p:childTnLst>
+                                </p:cTn>
+                              </p:par>
+                            </p:childTnLst>
+                          </p:cTn>
+                        </p:par>
+                      </p:childTnLst>
+                    </p:cTn>
+                  </p:par>
+                  <p:par>
+                    <p:cTn id="35" fill="hold">
+                      <p:stCondLst>
+                        <p:cond delay="indefinite"/>
+                      </p:stCondLst>
+                      <p:childTnLst>
+                        <p:par>
+                          <p:cTn id="36" fill="hold">
+                            <p:stCondLst>
+                              <p:cond delay="0"/>
+                            </p:stCondLst>
+                            <p:childTnLst>
+                              <p:par>
+                                <p:cTn id="37" presetID="1" presetClass="entr" presetSubtype="0" fill="hold" nodeType="clickEffect">
+                                  <p:stCondLst>
+                                    <p:cond delay="0"/>
+                                  </p:stCondLst>
+                                  <p:childTnLst>
+                                    <p:set>
+                                      <p:cBhvr>
+                                        <p:cTn id="38" dur="1" fill="hold">
+                                          <p:stCondLst>
+                                            <p:cond delay="0"/>
+                                          </p:stCondLst>
+                                        </p:cTn>
+                                        <p:tgtEl>
+                                          <p:spTgt spid="3">
+                                            <p:txEl>
+                                              <p:pRg st="9" end="9"/>
+                                            </p:txEl>
+                                          </p:spTgt>
+                                        </p:tgtEl>
+                                        <p:attrNameLst>
+                                          <p:attrName>style.visibility</p:attrName>
+                                        </p:attrNameLst>
+                                      </p:cBhvr>
+                                      <p:to>
+                                        <p:strVal val="visible"/>
+                                      </p:to>
+                                    </p:set>
+                                  </p:childTnLst>
+                                </p:cTn>
+                              </p:par>
+                            </p:childTnLst>
+                          </p:cTn>
+                        </p:par>
+                      </p:childTnLst>
+                    </p:cTn>
+                  </p:par>
+                  <p:par>
+                    <p:cTn id="39" fill="hold">
+                      <p:stCondLst>
+                        <p:cond delay="indefinite"/>
+                      </p:stCondLst>
+                      <p:childTnLst>
+                        <p:par>
+                          <p:cTn id="40" fill="hold">
+                            <p:stCondLst>
+                              <p:cond delay="0"/>
+                            </p:stCondLst>
+                            <p:childTnLst>
+                              <p:par>
+                                <p:cTn id="41" presetID="1" presetClass="entr" presetSubtype="0" fill="hold" nodeType="clickEffect">
+                                  <p:stCondLst>
+                                    <p:cond delay="0"/>
+                                  </p:stCondLst>
+                                  <p:childTnLst>
+                                    <p:set>
+                                      <p:cBhvr>
+                                        <p:cTn id="42" dur="1" fill="hold">
+                                          <p:stCondLst>
+                                            <p:cond delay="0"/>
+                                          </p:stCondLst>
+                                        </p:cTn>
+                                        <p:tgtEl>
+                                          <p:spTgt spid="3">
+                                            <p:txEl>
+                                              <p:pRg st="10" end="10"/>
+                                            </p:txEl>
+                                          </p:spTgt>
+                                        </p:tgtEl>
+                                        <p:attrNameLst>
+                                          <p:attrName>style.visibility</p:attrName>
+                                        </p:attrNameLst>
+                                      </p:cBhvr>
+                                      <p:to>
+                                        <p:strVal val="visible"/>
+                                      </p:to>
+                                    </p:set>
+                                  </p:childTnLst>
+                                </p:cTn>
+                              </p:par>
+                            </p:childTnLst>
+                          </p:cTn>
+                        </p:par>
+                      </p:childTnLst>
+                    </p:cTn>
+                  </p:par>
+                  <p:par>
+                    <p:cTn id="43" fill="hold">
+                      <p:stCondLst>
+                        <p:cond delay="indefinite"/>
+                      </p:stCondLst>
+                      <p:childTnLst>
+                        <p:par>
+                          <p:cTn id="44" fill="hold">
+                            <p:stCondLst>
+                              <p:cond delay="0"/>
+                            </p:stCondLst>
+                            <p:childTnLst>
+                              <p:par>
+                                <p:cTn id="45" presetID="1" presetClass="entr" presetSubtype="0" fill="hold" nodeType="clickEffect">
+                                  <p:stCondLst>
+                                    <p:cond delay="0"/>
+                                  </p:stCondLst>
+                                  <p:childTnLst>
+                                    <p:set>
+                                      <p:cBhvr>
+                                        <p:cTn id="46" dur="1" fill="hold">
+                                          <p:stCondLst>
+                                            <p:cond delay="0"/>
+                                          </p:stCondLst>
+                                        </p:cTn>
+                                        <p:tgtEl>
+                                          <p:spTgt spid="3">
+                                            <p:txEl>
+                                              <p:pRg st="11" end="11"/>
+                                            </p:txEl>
+                                          </p:spTgt>
+                                        </p:tgtEl>
+                                        <p:attrNameLst>
+                                          <p:attrName>style.visibility</p:attrName>
+                                        </p:attrNameLst>
+                                      </p:cBhvr>
+                                      <p:to>
+                                        <p:strVal val="visible"/>
+                                      </p:to>
+                                    </p:set>
+                                  </p:childTnLst>
+                                </p:cTn>
+                              </p:par>
+                            </p:childTnLst>
+                          </p:cTn>
+                        </p:par>
+                      </p:childTnLst>
+                    </p:cTn>
+                  </p:par>
+                </p:childTnLst>
+              </p:cTn>
+              <p:prevCondLst>
+                <p:cond evt="onPrev" delay="0">
+                  <p:tgtEl>
+                    <p:sldTgt/>
+                  </p:tgtEl>
+                </p:cond>
+              </p:prevCondLst>
+              <p:nextCondLst>
+                <p:cond evt="onNext" delay="0">
+                  <p:tgtEl>
+                    <p:sldTgt/>
+                  </p:tgtEl>
+                </p:cond>
+              </p:nextCondLst>
+            </p:seq>
+          </p:childTnLst>
+        </p:cTn>
+      </p:par>
+    </p:tnLst>
+  </p:timing>
+</p:sld>
+</file>
+
+<file path=ppt/slides/slide30.xml><?xml version="1.0" encoding="utf-8"?>
 <p:sld xmlns:a="http://schemas.openxmlformats.org/drawingml/2006/main" xmlns:r="http://schemas.openxmlformats.org/officeDocument/2006/relationships" xmlns:p="http://schemas.openxmlformats.org/presentationml/2006/main">
   <p:cSld>
     <p:spTree>
@@ -31987,7 +29996,7 @@
 </p:sld>
 </file>
 
-<file path=ppt/slides/slide32.xml><?xml version="1.0" encoding="utf-8"?>
+<file path=ppt/slides/slide31.xml><?xml version="1.0" encoding="utf-8"?>
 <p:sld xmlns:a="http://schemas.openxmlformats.org/drawingml/2006/main" xmlns:r="http://schemas.openxmlformats.org/officeDocument/2006/relationships" xmlns:p="http://schemas.openxmlformats.org/presentationml/2006/main">
   <p:cSld>
     <p:spTree>
@@ -32591,7 +30600,7 @@
                                         <p:tgtEl>
                                           <p:spTgt spid="3">
                                             <p:txEl>
-                                              <p:pRg st="0" end="0"/>
+                                              <p:pRg st="1" end="1"/>
                                             </p:txEl>
                                           </p:spTgt>
                                         </p:tgtEl>
@@ -32640,7 +30649,7 @@
                                         <p:tgtEl>
                                           <p:spTgt spid="3">
                                             <p:txEl>
-                                              <p:pRg st="1" end="1"/>
+                                              <p:pRg st="2" end="2"/>
                                             </p:txEl>
                                           </p:spTgt>
                                         </p:tgtEl>
@@ -32689,7 +30698,7 @@
                                         <p:tgtEl>
                                           <p:spTgt spid="3">
                                             <p:txEl>
-                                              <p:pRg st="2" end="2"/>
+                                              <p:pRg st="3" end="3"/>
                                             </p:txEl>
                                           </p:spTgt>
                                         </p:tgtEl>
@@ -32738,7 +30747,7 @@
                                         <p:tgtEl>
                                           <p:spTgt spid="3">
                                             <p:txEl>
-                                              <p:pRg st="3" end="3"/>
+                                              <p:pRg st="4" end="4"/>
                                             </p:txEl>
                                           </p:spTgt>
                                         </p:tgtEl>
@@ -32787,7 +30796,7 @@
                                         <p:tgtEl>
                                           <p:spTgt spid="3">
                                             <p:txEl>
-                                              <p:pRg st="4" end="4"/>
+                                              <p:pRg st="5" end="5"/>
                                             </p:txEl>
                                           </p:spTgt>
                                         </p:tgtEl>
@@ -32836,7 +30845,7 @@
                                         <p:tgtEl>
                                           <p:spTgt spid="3">
                                             <p:txEl>
-                                              <p:pRg st="5" end="5"/>
+                                              <p:pRg st="6" end="6"/>
                                             </p:txEl>
                                           </p:spTgt>
                                         </p:tgtEl>
@@ -32885,7 +30894,7 @@
                                         <p:tgtEl>
                                           <p:spTgt spid="3">
                                             <p:txEl>
-                                              <p:pRg st="6" end="6"/>
+                                              <p:pRg st="7" end="7"/>
                                             </p:txEl>
                                           </p:spTgt>
                                         </p:tgtEl>
@@ -32934,7 +30943,7 @@
                                         <p:tgtEl>
                                           <p:spTgt spid="3">
                                             <p:txEl>
-                                              <p:pRg st="7" end="7"/>
+                                              <p:pRg st="8" end="8"/>
                                             </p:txEl>
                                           </p:spTgt>
                                         </p:tgtEl>
@@ -32976,55 +30985,6 @@
                                     <p:set>
                                       <p:cBhvr>
                                         <p:cTn id="38" dur="1" fill="hold">
-                                          <p:stCondLst>
-                                            <p:cond delay="0"/>
-                                          </p:stCondLst>
-                                        </p:cTn>
-                                        <p:tgtEl>
-                                          <p:spTgt spid="3">
-                                            <p:txEl>
-                                              <p:pRg st="8" end="8"/>
-                                            </p:txEl>
-                                          </p:spTgt>
-                                        </p:tgtEl>
-                                        <p:attrNameLst>
-                                          <p:attrName>style.visibility</p:attrName>
-                                        </p:attrNameLst>
-                                      </p:cBhvr>
-                                      <p:to>
-                                        <p:strVal val="visible"/>
-                                      </p:to>
-                                    </p:set>
-                                  </p:childTnLst>
-                                </p:cTn>
-                              </p:par>
-                            </p:childTnLst>
-                          </p:cTn>
-                        </p:par>
-                      </p:childTnLst>
-                    </p:cTn>
-                  </p:par>
-                  <p:par>
-                    <p:cTn id="39" fill="hold">
-                      <p:stCondLst>
-                        <p:cond delay="indefinite"/>
-                      </p:stCondLst>
-                      <p:childTnLst>
-                        <p:par>
-                          <p:cTn id="40" fill="hold">
-                            <p:stCondLst>
-                              <p:cond delay="0"/>
-                            </p:stCondLst>
-                            <p:childTnLst>
-                              <p:par>
-                                <p:cTn id="41" presetID="1" presetClass="entr" presetSubtype="0" fill="hold" nodeType="clickEffect">
-                                  <p:stCondLst>
-                                    <p:cond delay="0"/>
-                                  </p:stCondLst>
-                                  <p:childTnLst>
-                                    <p:set>
-                                      <p:cBhvr>
-                                        <p:cTn id="42" dur="1" fill="hold">
                                           <p:stCondLst>
                                             <p:cond delay="0"/>
                                           </p:stCondLst>
@@ -33078,7 +31038,7 @@
 </p:sld>
 </file>
 
-<file path=ppt/slides/slide33.xml><?xml version="1.0" encoding="utf-8"?>
+<file path=ppt/slides/slide32.xml><?xml version="1.0" encoding="utf-8"?>
 <p:sld xmlns:a="http://schemas.openxmlformats.org/drawingml/2006/main" xmlns:r="http://schemas.openxmlformats.org/officeDocument/2006/relationships" xmlns:p="http://schemas.openxmlformats.org/presentationml/2006/main">
   <p:cSld>
     <p:spTree>
@@ -33288,7 +31248,7 @@
                                         <p:tgtEl>
                                           <p:spTgt spid="3">
                                             <p:txEl>
-                                              <p:pRg st="0" end="0"/>
+                                              <p:pRg st="1" end="1"/>
                                             </p:txEl>
                                           </p:spTgt>
                                         </p:tgtEl>
@@ -33337,7 +31297,7 @@
                                         <p:tgtEl>
                                           <p:spTgt spid="3">
                                             <p:txEl>
-                                              <p:pRg st="1" end="1"/>
+                                              <p:pRg st="2" end="2"/>
                                             </p:txEl>
                                           </p:spTgt>
                                         </p:tgtEl>
@@ -33386,7 +31346,7 @@
                                         <p:tgtEl>
                                           <p:spTgt spid="3">
                                             <p:txEl>
-                                              <p:pRg st="2" end="2"/>
+                                              <p:pRg st="3" end="3"/>
                                             </p:txEl>
                                           </p:spTgt>
                                         </p:tgtEl>
@@ -33435,7 +31395,7 @@
                                         <p:tgtEl>
                                           <p:spTgt spid="3">
                                             <p:txEl>
-                                              <p:pRg st="3" end="3"/>
+                                              <p:pRg st="4" end="4"/>
                                             </p:txEl>
                                           </p:spTgt>
                                         </p:tgtEl>
@@ -33484,7 +31444,7 @@
                                         <p:tgtEl>
                                           <p:spTgt spid="3">
                                             <p:txEl>
-                                              <p:pRg st="4" end="4"/>
+                                              <p:pRg st="5" end="5"/>
                                             </p:txEl>
                                           </p:spTgt>
                                         </p:tgtEl>
@@ -33533,7 +31493,7 @@
                                         <p:tgtEl>
                                           <p:spTgt spid="3">
                                             <p:txEl>
-                                              <p:pRg st="5" end="5"/>
+                                              <p:pRg st="6" end="6"/>
                                             </p:txEl>
                                           </p:spTgt>
                                         </p:tgtEl>
@@ -33575,55 +31535,6 @@
                                     <p:set>
                                       <p:cBhvr>
                                         <p:cTn id="30" dur="1" fill="hold">
-                                          <p:stCondLst>
-                                            <p:cond delay="0"/>
-                                          </p:stCondLst>
-                                        </p:cTn>
-                                        <p:tgtEl>
-                                          <p:spTgt spid="3">
-                                            <p:txEl>
-                                              <p:pRg st="6" end="6"/>
-                                            </p:txEl>
-                                          </p:spTgt>
-                                        </p:tgtEl>
-                                        <p:attrNameLst>
-                                          <p:attrName>style.visibility</p:attrName>
-                                        </p:attrNameLst>
-                                      </p:cBhvr>
-                                      <p:to>
-                                        <p:strVal val="visible"/>
-                                      </p:to>
-                                    </p:set>
-                                  </p:childTnLst>
-                                </p:cTn>
-                              </p:par>
-                            </p:childTnLst>
-                          </p:cTn>
-                        </p:par>
-                      </p:childTnLst>
-                    </p:cTn>
-                  </p:par>
-                  <p:par>
-                    <p:cTn id="31" fill="hold">
-                      <p:stCondLst>
-                        <p:cond delay="indefinite"/>
-                      </p:stCondLst>
-                      <p:childTnLst>
-                        <p:par>
-                          <p:cTn id="32" fill="hold">
-                            <p:stCondLst>
-                              <p:cond delay="0"/>
-                            </p:stCondLst>
-                            <p:childTnLst>
-                              <p:par>
-                                <p:cTn id="33" presetID="1" presetClass="entr" presetSubtype="0" fill="hold" nodeType="clickEffect">
-                                  <p:stCondLst>
-                                    <p:cond delay="0"/>
-                                  </p:stCondLst>
-                                  <p:childTnLst>
-                                    <p:set>
-                                      <p:cBhvr>
-                                        <p:cTn id="34" dur="1" fill="hold">
                                           <p:stCondLst>
                                             <p:cond delay="0"/>
                                           </p:stCondLst>
@@ -33677,7 +31588,7 @@
 </p:sld>
 </file>
 
-<file path=ppt/slides/slide34.xml><?xml version="1.0" encoding="utf-8"?>
+<file path=ppt/slides/slide33.xml><?xml version="1.0" encoding="utf-8"?>
 <p:sld xmlns:a="http://schemas.openxmlformats.org/drawingml/2006/main" xmlns:r="http://schemas.openxmlformats.org/officeDocument/2006/relationships" xmlns:p="http://schemas.openxmlformats.org/presentationml/2006/main">
   <p:cSld>
     <p:spTree>
@@ -34427,7 +32338,7 @@
                                         <p:tgtEl>
                                           <p:spTgt spid="3">
                                             <p:txEl>
-                                              <p:pRg st="0" end="0"/>
+                                              <p:pRg st="1" end="1"/>
                                             </p:txEl>
                                           </p:spTgt>
                                         </p:tgtEl>
@@ -34476,7 +32387,7 @@
                                         <p:tgtEl>
                                           <p:spTgt spid="3">
                                             <p:txEl>
-                                              <p:pRg st="1" end="1"/>
+                                              <p:pRg st="2" end="2"/>
                                             </p:txEl>
                                           </p:spTgt>
                                         </p:tgtEl>
@@ -34525,7 +32436,7 @@
                                         <p:tgtEl>
                                           <p:spTgt spid="3">
                                             <p:txEl>
-                                              <p:pRg st="2" end="2"/>
+                                              <p:pRg st="3" end="3"/>
                                             </p:txEl>
                                           </p:spTgt>
                                         </p:tgtEl>
@@ -34574,7 +32485,7 @@
                                         <p:tgtEl>
                                           <p:spTgt spid="3">
                                             <p:txEl>
-                                              <p:pRg st="3" end="3"/>
+                                              <p:pRg st="4" end="4"/>
                                             </p:txEl>
                                           </p:spTgt>
                                         </p:tgtEl>
@@ -34623,7 +32534,7 @@
                                         <p:tgtEl>
                                           <p:spTgt spid="3">
                                             <p:txEl>
-                                              <p:pRg st="4" end="4"/>
+                                              <p:pRg st="5" end="5"/>
                                             </p:txEl>
                                           </p:spTgt>
                                         </p:tgtEl>
@@ -34672,7 +32583,7 @@
                                         <p:tgtEl>
                                           <p:spTgt spid="3">
                                             <p:txEl>
-                                              <p:pRg st="5" end="5"/>
+                                              <p:pRg st="6" end="6"/>
                                             </p:txEl>
                                           </p:spTgt>
                                         </p:tgtEl>
@@ -34721,7 +32632,7 @@
                                         <p:tgtEl>
                                           <p:spTgt spid="3">
                                             <p:txEl>
-                                              <p:pRg st="6" end="6"/>
+                                              <p:pRg st="7" end="7"/>
                                             </p:txEl>
                                           </p:spTgt>
                                         </p:tgtEl>
@@ -34763,55 +32674,6 @@
                                     <p:set>
                                       <p:cBhvr>
                                         <p:cTn id="34" dur="1" fill="hold">
-                                          <p:stCondLst>
-                                            <p:cond delay="0"/>
-                                          </p:stCondLst>
-                                        </p:cTn>
-                                        <p:tgtEl>
-                                          <p:spTgt spid="3">
-                                            <p:txEl>
-                                              <p:pRg st="7" end="7"/>
-                                            </p:txEl>
-                                          </p:spTgt>
-                                        </p:tgtEl>
-                                        <p:attrNameLst>
-                                          <p:attrName>style.visibility</p:attrName>
-                                        </p:attrNameLst>
-                                      </p:cBhvr>
-                                      <p:to>
-                                        <p:strVal val="visible"/>
-                                      </p:to>
-                                    </p:set>
-                                  </p:childTnLst>
-                                </p:cTn>
-                              </p:par>
-                            </p:childTnLst>
-                          </p:cTn>
-                        </p:par>
-                      </p:childTnLst>
-                    </p:cTn>
-                  </p:par>
-                  <p:par>
-                    <p:cTn id="35" fill="hold">
-                      <p:stCondLst>
-                        <p:cond delay="indefinite"/>
-                      </p:stCondLst>
-                      <p:childTnLst>
-                        <p:par>
-                          <p:cTn id="36" fill="hold">
-                            <p:stCondLst>
-                              <p:cond delay="0"/>
-                            </p:stCondLst>
-                            <p:childTnLst>
-                              <p:par>
-                                <p:cTn id="37" presetID="1" presetClass="entr" presetSubtype="0" fill="hold" nodeType="clickEffect">
-                                  <p:stCondLst>
-                                    <p:cond delay="0"/>
-                                  </p:stCondLst>
-                                  <p:childTnLst>
-                                    <p:set>
-                                      <p:cBhvr>
-                                        <p:cTn id="38" dur="1" fill="hold">
                                           <p:stCondLst>
                                             <p:cond delay="0"/>
                                           </p:stCondLst>
@@ -34865,7 +32727,7 @@
 </p:sld>
 </file>
 
-<file path=ppt/slides/slide35.xml><?xml version="1.0" encoding="utf-8"?>
+<file path=ppt/slides/slide34.xml><?xml version="1.0" encoding="utf-8"?>
 <p:sld xmlns:a="http://schemas.openxmlformats.org/drawingml/2006/main" xmlns:r="http://schemas.openxmlformats.org/officeDocument/2006/relationships" xmlns:p="http://schemas.openxmlformats.org/presentationml/2006/main">
   <p:cSld>
     <p:spTree>
@@ -35852,7 +33714,7 @@
 </p:sld>
 </file>
 
-<file path=ppt/slides/slide36.xml><?xml version="1.0" encoding="utf-8"?>
+<file path=ppt/slides/slide35.xml><?xml version="1.0" encoding="utf-8"?>
 <p:sld xmlns:a="http://schemas.openxmlformats.org/drawingml/2006/main" xmlns:r="http://schemas.openxmlformats.org/officeDocument/2006/relationships" xmlns:p="http://schemas.openxmlformats.org/presentationml/2006/main">
   <p:cSld>
     <p:spTree>
@@ -36649,7 +34511,7 @@
 </p:sld>
 </file>
 
-<file path=ppt/slides/slide37.xml><?xml version="1.0" encoding="utf-8"?>
+<file path=ppt/slides/slide36.xml><?xml version="1.0" encoding="utf-8"?>
 <p:sld xmlns:a="http://schemas.openxmlformats.org/drawingml/2006/main" xmlns:r="http://schemas.openxmlformats.org/officeDocument/2006/relationships" xmlns:p="http://schemas.openxmlformats.org/presentationml/2006/main">
   <p:cSld>
     <p:spTree>
@@ -37147,7 +35009,7 @@
 </p:sld>
 </file>
 
-<file path=ppt/slides/slide38.xml><?xml version="1.0" encoding="utf-8"?>
+<file path=ppt/slides/slide37.xml><?xml version="1.0" encoding="utf-8"?>
 <p:sld xmlns:a="http://schemas.openxmlformats.org/drawingml/2006/main" xmlns:r="http://schemas.openxmlformats.org/officeDocument/2006/relationships" xmlns:p="http://schemas.openxmlformats.org/presentationml/2006/main">
   <p:cSld>
     <p:spTree>
@@ -37979,7 +35841,7 @@
 </p:sld>
 </file>
 
-<file path=ppt/slides/slide39.xml><?xml version="1.0" encoding="utf-8"?>
+<file path=ppt/slides/slide38.xml><?xml version="1.0" encoding="utf-8"?>
 <p:sld xmlns:a="http://schemas.openxmlformats.org/drawingml/2006/main" xmlns:r="http://schemas.openxmlformats.org/officeDocument/2006/relationships" xmlns:p="http://schemas.openxmlformats.org/presentationml/2006/main">
   <p:cSld>
     <p:spTree>
@@ -38175,6 +36037,510 @@
     <p:extLst>
       <p:ext uri="{BB962C8B-B14F-4D97-AF65-F5344CB8AC3E}">
         <p14:creationId xmlns:p14="http://schemas.microsoft.com/office/powerpoint/2010/main" val="592007732"/>
+      </p:ext>
+    </p:extLst>
+  </p:cSld>
+  <p:clrMapOvr>
+    <a:masterClrMapping/>
+  </p:clrMapOvr>
+  <p:timing>
+    <p:tnLst>
+      <p:par>
+        <p:cTn id="1" dur="indefinite" restart="never" nodeType="tmRoot">
+          <p:childTnLst>
+            <p:seq concurrent="1" nextAc="seek">
+              <p:cTn id="2" dur="indefinite" nodeType="mainSeq">
+                <p:childTnLst>
+                  <p:par>
+                    <p:cTn id="3" fill="hold">
+                      <p:stCondLst>
+                        <p:cond delay="indefinite"/>
+                      </p:stCondLst>
+                      <p:childTnLst>
+                        <p:par>
+                          <p:cTn id="4" fill="hold">
+                            <p:stCondLst>
+                              <p:cond delay="0"/>
+                            </p:stCondLst>
+                            <p:childTnLst>
+                              <p:par>
+                                <p:cTn id="5" presetID="1" presetClass="entr" presetSubtype="0" fill="hold" nodeType="clickEffect">
+                                  <p:stCondLst>
+                                    <p:cond delay="0"/>
+                                  </p:stCondLst>
+                                  <p:childTnLst>
+                                    <p:set>
+                                      <p:cBhvr>
+                                        <p:cTn id="6" dur="1" fill="hold">
+                                          <p:stCondLst>
+                                            <p:cond delay="0"/>
+                                          </p:stCondLst>
+                                        </p:cTn>
+                                        <p:tgtEl>
+                                          <p:spTgt spid="3">
+                                            <p:txEl>
+                                              <p:pRg st="0" end="0"/>
+                                            </p:txEl>
+                                          </p:spTgt>
+                                        </p:tgtEl>
+                                        <p:attrNameLst>
+                                          <p:attrName>style.visibility</p:attrName>
+                                        </p:attrNameLst>
+                                      </p:cBhvr>
+                                      <p:to>
+                                        <p:strVal val="visible"/>
+                                      </p:to>
+                                    </p:set>
+                                  </p:childTnLst>
+                                </p:cTn>
+                              </p:par>
+                            </p:childTnLst>
+                          </p:cTn>
+                        </p:par>
+                      </p:childTnLst>
+                    </p:cTn>
+                  </p:par>
+                  <p:par>
+                    <p:cTn id="7" fill="hold">
+                      <p:stCondLst>
+                        <p:cond delay="indefinite"/>
+                      </p:stCondLst>
+                      <p:childTnLst>
+                        <p:par>
+                          <p:cTn id="8" fill="hold">
+                            <p:stCondLst>
+                              <p:cond delay="0"/>
+                            </p:stCondLst>
+                            <p:childTnLst>
+                              <p:par>
+                                <p:cTn id="9" presetID="1" presetClass="entr" presetSubtype="0" fill="hold" nodeType="clickEffect">
+                                  <p:stCondLst>
+                                    <p:cond delay="0"/>
+                                  </p:stCondLst>
+                                  <p:childTnLst>
+                                    <p:set>
+                                      <p:cBhvr>
+                                        <p:cTn id="10" dur="1" fill="hold">
+                                          <p:stCondLst>
+                                            <p:cond delay="0"/>
+                                          </p:stCondLst>
+                                        </p:cTn>
+                                        <p:tgtEl>
+                                          <p:spTgt spid="3">
+                                            <p:txEl>
+                                              <p:pRg st="1" end="1"/>
+                                            </p:txEl>
+                                          </p:spTgt>
+                                        </p:tgtEl>
+                                        <p:attrNameLst>
+                                          <p:attrName>style.visibility</p:attrName>
+                                        </p:attrNameLst>
+                                      </p:cBhvr>
+                                      <p:to>
+                                        <p:strVal val="visible"/>
+                                      </p:to>
+                                    </p:set>
+                                  </p:childTnLst>
+                                </p:cTn>
+                              </p:par>
+                            </p:childTnLst>
+                          </p:cTn>
+                        </p:par>
+                      </p:childTnLst>
+                    </p:cTn>
+                  </p:par>
+                  <p:par>
+                    <p:cTn id="11" fill="hold">
+                      <p:stCondLst>
+                        <p:cond delay="indefinite"/>
+                      </p:stCondLst>
+                      <p:childTnLst>
+                        <p:par>
+                          <p:cTn id="12" fill="hold">
+                            <p:stCondLst>
+                              <p:cond delay="0"/>
+                            </p:stCondLst>
+                            <p:childTnLst>
+                              <p:par>
+                                <p:cTn id="13" presetID="1" presetClass="entr" presetSubtype="0" fill="hold" nodeType="clickEffect">
+                                  <p:stCondLst>
+                                    <p:cond delay="0"/>
+                                  </p:stCondLst>
+                                  <p:childTnLst>
+                                    <p:set>
+                                      <p:cBhvr>
+                                        <p:cTn id="14" dur="1" fill="hold">
+                                          <p:stCondLst>
+                                            <p:cond delay="0"/>
+                                          </p:stCondLst>
+                                        </p:cTn>
+                                        <p:tgtEl>
+                                          <p:spTgt spid="3">
+                                            <p:txEl>
+                                              <p:pRg st="2" end="2"/>
+                                            </p:txEl>
+                                          </p:spTgt>
+                                        </p:tgtEl>
+                                        <p:attrNameLst>
+                                          <p:attrName>style.visibility</p:attrName>
+                                        </p:attrNameLst>
+                                      </p:cBhvr>
+                                      <p:to>
+                                        <p:strVal val="visible"/>
+                                      </p:to>
+                                    </p:set>
+                                  </p:childTnLst>
+                                </p:cTn>
+                              </p:par>
+                            </p:childTnLst>
+                          </p:cTn>
+                        </p:par>
+                      </p:childTnLst>
+                    </p:cTn>
+                  </p:par>
+                  <p:par>
+                    <p:cTn id="15" fill="hold">
+                      <p:stCondLst>
+                        <p:cond delay="indefinite"/>
+                      </p:stCondLst>
+                      <p:childTnLst>
+                        <p:par>
+                          <p:cTn id="16" fill="hold">
+                            <p:stCondLst>
+                              <p:cond delay="0"/>
+                            </p:stCondLst>
+                            <p:childTnLst>
+                              <p:par>
+                                <p:cTn id="17" presetID="1" presetClass="entr" presetSubtype="0" fill="hold" nodeType="clickEffect">
+                                  <p:stCondLst>
+                                    <p:cond delay="0"/>
+                                  </p:stCondLst>
+                                  <p:childTnLst>
+                                    <p:set>
+                                      <p:cBhvr>
+                                        <p:cTn id="18" dur="1" fill="hold">
+                                          <p:stCondLst>
+                                            <p:cond delay="0"/>
+                                          </p:stCondLst>
+                                        </p:cTn>
+                                        <p:tgtEl>
+                                          <p:spTgt spid="3">
+                                            <p:txEl>
+                                              <p:pRg st="3" end="3"/>
+                                            </p:txEl>
+                                          </p:spTgt>
+                                        </p:tgtEl>
+                                        <p:attrNameLst>
+                                          <p:attrName>style.visibility</p:attrName>
+                                        </p:attrNameLst>
+                                      </p:cBhvr>
+                                      <p:to>
+                                        <p:strVal val="visible"/>
+                                      </p:to>
+                                    </p:set>
+                                  </p:childTnLst>
+                                </p:cTn>
+                              </p:par>
+                            </p:childTnLst>
+                          </p:cTn>
+                        </p:par>
+                      </p:childTnLst>
+                    </p:cTn>
+                  </p:par>
+                  <p:par>
+                    <p:cTn id="19" fill="hold">
+                      <p:stCondLst>
+                        <p:cond delay="indefinite"/>
+                      </p:stCondLst>
+                      <p:childTnLst>
+                        <p:par>
+                          <p:cTn id="20" fill="hold">
+                            <p:stCondLst>
+                              <p:cond delay="0"/>
+                            </p:stCondLst>
+                            <p:childTnLst>
+                              <p:par>
+                                <p:cTn id="21" presetID="1" presetClass="entr" presetSubtype="0" fill="hold" nodeType="clickEffect">
+                                  <p:stCondLst>
+                                    <p:cond delay="0"/>
+                                  </p:stCondLst>
+                                  <p:childTnLst>
+                                    <p:set>
+                                      <p:cBhvr>
+                                        <p:cTn id="22" dur="1" fill="hold">
+                                          <p:stCondLst>
+                                            <p:cond delay="0"/>
+                                          </p:stCondLst>
+                                        </p:cTn>
+                                        <p:tgtEl>
+                                          <p:spTgt spid="3">
+                                            <p:txEl>
+                                              <p:pRg st="4" end="4"/>
+                                            </p:txEl>
+                                          </p:spTgt>
+                                        </p:tgtEl>
+                                        <p:attrNameLst>
+                                          <p:attrName>style.visibility</p:attrName>
+                                        </p:attrNameLst>
+                                      </p:cBhvr>
+                                      <p:to>
+                                        <p:strVal val="visible"/>
+                                      </p:to>
+                                    </p:set>
+                                  </p:childTnLst>
+                                </p:cTn>
+                              </p:par>
+                            </p:childTnLst>
+                          </p:cTn>
+                        </p:par>
+                      </p:childTnLst>
+                    </p:cTn>
+                  </p:par>
+                  <p:par>
+                    <p:cTn id="23" fill="hold">
+                      <p:stCondLst>
+                        <p:cond delay="indefinite"/>
+                      </p:stCondLst>
+                      <p:childTnLst>
+                        <p:par>
+                          <p:cTn id="24" fill="hold">
+                            <p:stCondLst>
+                              <p:cond delay="0"/>
+                            </p:stCondLst>
+                            <p:childTnLst>
+                              <p:par>
+                                <p:cTn id="25" presetID="1" presetClass="entr" presetSubtype="0" fill="hold" nodeType="clickEffect">
+                                  <p:stCondLst>
+                                    <p:cond delay="0"/>
+                                  </p:stCondLst>
+                                  <p:childTnLst>
+                                    <p:set>
+                                      <p:cBhvr>
+                                        <p:cTn id="26" dur="1" fill="hold">
+                                          <p:stCondLst>
+                                            <p:cond delay="0"/>
+                                          </p:stCondLst>
+                                        </p:cTn>
+                                        <p:tgtEl>
+                                          <p:spTgt spid="3">
+                                            <p:txEl>
+                                              <p:pRg st="5" end="5"/>
+                                            </p:txEl>
+                                          </p:spTgt>
+                                        </p:tgtEl>
+                                        <p:attrNameLst>
+                                          <p:attrName>style.visibility</p:attrName>
+                                        </p:attrNameLst>
+                                      </p:cBhvr>
+                                      <p:to>
+                                        <p:strVal val="visible"/>
+                                      </p:to>
+                                    </p:set>
+                                  </p:childTnLst>
+                                </p:cTn>
+                              </p:par>
+                            </p:childTnLst>
+                          </p:cTn>
+                        </p:par>
+                      </p:childTnLst>
+                    </p:cTn>
+                  </p:par>
+                </p:childTnLst>
+              </p:cTn>
+              <p:prevCondLst>
+                <p:cond evt="onPrev" delay="0">
+                  <p:tgtEl>
+                    <p:sldTgt/>
+                  </p:tgtEl>
+                </p:cond>
+              </p:prevCondLst>
+              <p:nextCondLst>
+                <p:cond evt="onNext" delay="0">
+                  <p:tgtEl>
+                    <p:sldTgt/>
+                  </p:tgtEl>
+                </p:cond>
+              </p:nextCondLst>
+            </p:seq>
+          </p:childTnLst>
+        </p:cTn>
+      </p:par>
+    </p:tnLst>
+  </p:timing>
+</p:sld>
+</file>
+
+<file path=ppt/slides/slide39.xml><?xml version="1.0" encoding="utf-8"?>
+<p:sld xmlns:a="http://schemas.openxmlformats.org/drawingml/2006/main" xmlns:r="http://schemas.openxmlformats.org/officeDocument/2006/relationships" xmlns:p="http://schemas.openxmlformats.org/presentationml/2006/main">
+  <p:cSld>
+    <p:spTree>
+      <p:nvGrpSpPr>
+        <p:cNvPr id="1" name=""/>
+        <p:cNvGrpSpPr/>
+        <p:nvPr/>
+      </p:nvGrpSpPr>
+      <p:grpSpPr>
+        <a:xfrm>
+          <a:off x="0" y="0"/>
+          <a:ext cx="0" cy="0"/>
+          <a:chOff x="0" y="0"/>
+          <a:chExt cx="0" cy="0"/>
+        </a:xfrm>
+      </p:grpSpPr>
+      <p:sp>
+        <p:nvSpPr>
+          <p:cNvPr id="3" name="Content Placeholder 2">
+            <a:extLst>
+              <a:ext uri="{FF2B5EF4-FFF2-40B4-BE49-F238E27FC236}">
+                <a16:creationId xmlns:a16="http://schemas.microsoft.com/office/drawing/2014/main" id="{258E6AF3-7615-4BD1-878E-A94C93E98F90}"/>
+              </a:ext>
+            </a:extLst>
+          </p:cNvPr>
+          <p:cNvSpPr>
+            <a:spLocks noGrp="1"/>
+          </p:cNvSpPr>
+          <p:nvPr>
+            <p:ph idx="1"/>
+          </p:nvPr>
+        </p:nvSpPr>
+        <p:spPr>
+          <a:xfrm>
+            <a:off x="784412" y="1324928"/>
+            <a:ext cx="10515600" cy="4958516"/>
+          </a:xfrm>
+        </p:spPr>
+        <p:txBody>
+          <a:bodyPr>
+            <a:normAutofit/>
+          </a:bodyPr>
+          <a:lstStyle/>
+          <a:p>
+            <a:pPr marL="0" indent="0">
+              <a:buNone/>
+            </a:pPr>
+            <a:r>
+              <a:rPr lang="en-US" sz="3200" dirty="0"/>
+              <a:t>Goal: provide market and credit risk reports to management and regulators   </a:t>
+            </a:r>
+          </a:p>
+          <a:p>
+            <a:r>
+              <a:rPr lang="en-US" sz="3200" dirty="0"/>
+              <a:t>Global bank with large holdings   </a:t>
+            </a:r>
+          </a:p>
+          <a:p>
+            <a:pPr lvl="1"/>
+            <a:r>
+              <a:rPr lang="en-US" dirty="0"/>
+              <a:t>Trading on a 24/7 basis – global markets never sleep!  </a:t>
+            </a:r>
+          </a:p>
+          <a:p>
+            <a:pPr lvl="1"/>
+            <a:r>
+              <a:rPr lang="en-US" dirty="0"/>
+              <a:t>Hold illiquid (rarely traded) assets  </a:t>
+            </a:r>
+          </a:p>
+          <a:p>
+            <a:r>
+              <a:rPr lang="en-US" dirty="0"/>
+              <a:t>Regulators require snap shot reports every 4 hours and within 2 hours on demand</a:t>
+            </a:r>
+          </a:p>
+          <a:p>
+            <a:pPr lvl="1"/>
+            <a:r>
+              <a:rPr lang="en-US" dirty="0"/>
+              <a:t>Existing batch system required 12+ hours to update reports  </a:t>
+            </a:r>
+          </a:p>
+          <a:p>
+            <a:pPr lvl="1"/>
+            <a:endParaRPr lang="en-US" dirty="0"/>
+          </a:p>
+          <a:p>
+            <a:pPr lvl="1"/>
+            <a:endParaRPr lang="en-US" dirty="0"/>
+          </a:p>
+          <a:p>
+            <a:pPr marL="0" indent="0">
+              <a:buNone/>
+            </a:pPr>
+            <a:endParaRPr lang="en-US" sz="3200" dirty="0"/>
+          </a:p>
+          <a:p>
+            <a:pPr marL="0" indent="0">
+              <a:buNone/>
+            </a:pPr>
+            <a:endParaRPr lang="en-US" dirty="0"/>
+          </a:p>
+          <a:p>
+            <a:endParaRPr lang="en-US" dirty="0"/>
+          </a:p>
+        </p:txBody>
+      </p:sp>
+      <p:sp>
+        <p:nvSpPr>
+          <p:cNvPr id="6" name="Title 1">
+            <a:extLst>
+              <a:ext uri="{FF2B5EF4-FFF2-40B4-BE49-F238E27FC236}">
+                <a16:creationId xmlns:a16="http://schemas.microsoft.com/office/drawing/2014/main" id="{CD29F70F-B868-451B-A65D-8721F4C7A2D9}"/>
+              </a:ext>
+            </a:extLst>
+          </p:cNvPr>
+          <p:cNvSpPr txBox="1">
+            <a:spLocks/>
+          </p:cNvSpPr>
+          <p:nvPr/>
+        </p:nvSpPr>
+        <p:spPr>
+          <a:xfrm>
+            <a:off x="838200" y="-635"/>
+            <a:ext cx="10515600" cy="1325563"/>
+          </a:xfrm>
+          <a:prstGeom prst="rect">
+            <a:avLst/>
+          </a:prstGeom>
+        </p:spPr>
+        <p:txBody>
+          <a:bodyPr vert="horz" lIns="91440" tIns="45720" rIns="91440" bIns="45720" rtlCol="0" anchor="ctr">
+            <a:normAutofit/>
+          </a:bodyPr>
+          <a:lstStyle>
+            <a:lvl1pPr algn="l" defTabSz="914400" rtl="0" eaLnBrk="1" latinLnBrk="0" hangingPunct="1">
+              <a:lnSpc>
+                <a:spcPct val="90000"/>
+              </a:lnSpc>
+              <a:spcBef>
+                <a:spcPct val="0"/>
+              </a:spcBef>
+              <a:buNone/>
+              <a:defRPr sz="4400" kern="1200">
+                <a:solidFill>
+                  <a:schemeClr val="tx1"/>
+                </a:solidFill>
+                <a:latin typeface="+mj-lt"/>
+                <a:ea typeface="+mj-ea"/>
+                <a:cs typeface="+mj-cs"/>
+              </a:defRPr>
+            </a:lvl1pPr>
+          </a:lstStyle>
+          <a:p>
+            <a:r>
+              <a:rPr lang="en-US" dirty="0">
+                <a:latin typeface="+mn-lt"/>
+              </a:rPr>
+              <a:t>Case Study 2: Capital Markets Risk </a:t>
+            </a:r>
+          </a:p>
+        </p:txBody>
+      </p:sp>
+    </p:spTree>
+    <p:extLst>
+      <p:ext uri="{BB962C8B-B14F-4D97-AF65-F5344CB8AC3E}">
+        <p14:creationId xmlns:p14="http://schemas.microsoft.com/office/powerpoint/2010/main" val="1093949910"/>
       </p:ext>
     </p:extLst>
   </p:cSld>
@@ -39082,510 +37448,6 @@
 </file>
 
 <file path=ppt/slides/slide40.xml><?xml version="1.0" encoding="utf-8"?>
-<p:sld xmlns:a="http://schemas.openxmlformats.org/drawingml/2006/main" xmlns:r="http://schemas.openxmlformats.org/officeDocument/2006/relationships" xmlns:p="http://schemas.openxmlformats.org/presentationml/2006/main">
-  <p:cSld>
-    <p:spTree>
-      <p:nvGrpSpPr>
-        <p:cNvPr id="1" name=""/>
-        <p:cNvGrpSpPr/>
-        <p:nvPr/>
-      </p:nvGrpSpPr>
-      <p:grpSpPr>
-        <a:xfrm>
-          <a:off x="0" y="0"/>
-          <a:ext cx="0" cy="0"/>
-          <a:chOff x="0" y="0"/>
-          <a:chExt cx="0" cy="0"/>
-        </a:xfrm>
-      </p:grpSpPr>
-      <p:sp>
-        <p:nvSpPr>
-          <p:cNvPr id="3" name="Content Placeholder 2">
-            <a:extLst>
-              <a:ext uri="{FF2B5EF4-FFF2-40B4-BE49-F238E27FC236}">
-                <a16:creationId xmlns:a16="http://schemas.microsoft.com/office/drawing/2014/main" id="{258E6AF3-7615-4BD1-878E-A94C93E98F90}"/>
-              </a:ext>
-            </a:extLst>
-          </p:cNvPr>
-          <p:cNvSpPr>
-            <a:spLocks noGrp="1"/>
-          </p:cNvSpPr>
-          <p:nvPr>
-            <p:ph idx="1"/>
-          </p:nvPr>
-        </p:nvSpPr>
-        <p:spPr>
-          <a:xfrm>
-            <a:off x="784412" y="1324928"/>
-            <a:ext cx="10515600" cy="4958516"/>
-          </a:xfrm>
-        </p:spPr>
-        <p:txBody>
-          <a:bodyPr>
-            <a:normAutofit/>
-          </a:bodyPr>
-          <a:lstStyle/>
-          <a:p>
-            <a:pPr marL="0" indent="0">
-              <a:buNone/>
-            </a:pPr>
-            <a:r>
-              <a:rPr lang="en-US" sz="3200" dirty="0"/>
-              <a:t>Goal: provide market and credit risk reports to management and regulators   </a:t>
-            </a:r>
-          </a:p>
-          <a:p>
-            <a:r>
-              <a:rPr lang="en-US" sz="3200" dirty="0"/>
-              <a:t>Global bank with large holdings   </a:t>
-            </a:r>
-          </a:p>
-          <a:p>
-            <a:pPr lvl="1"/>
-            <a:r>
-              <a:rPr lang="en-US" dirty="0"/>
-              <a:t>Trading on a 24/7 basis – global markets never sleep!  </a:t>
-            </a:r>
-          </a:p>
-          <a:p>
-            <a:pPr lvl="1"/>
-            <a:r>
-              <a:rPr lang="en-US" dirty="0"/>
-              <a:t>Hold illiquid (rarely traded) assets  </a:t>
-            </a:r>
-          </a:p>
-          <a:p>
-            <a:r>
-              <a:rPr lang="en-US" dirty="0"/>
-              <a:t>Regulators require snap shot reports every 4 hours and within 2 hours on demand</a:t>
-            </a:r>
-          </a:p>
-          <a:p>
-            <a:pPr lvl="1"/>
-            <a:r>
-              <a:rPr lang="en-US" dirty="0"/>
-              <a:t>Existing batch system required 12+ hours to update reports  </a:t>
-            </a:r>
-          </a:p>
-          <a:p>
-            <a:pPr lvl="1"/>
-            <a:endParaRPr lang="en-US" dirty="0"/>
-          </a:p>
-          <a:p>
-            <a:pPr lvl="1"/>
-            <a:endParaRPr lang="en-US" dirty="0"/>
-          </a:p>
-          <a:p>
-            <a:pPr marL="0" indent="0">
-              <a:buNone/>
-            </a:pPr>
-            <a:endParaRPr lang="en-US" sz="3200" dirty="0"/>
-          </a:p>
-          <a:p>
-            <a:pPr marL="0" indent="0">
-              <a:buNone/>
-            </a:pPr>
-            <a:endParaRPr lang="en-US" dirty="0"/>
-          </a:p>
-          <a:p>
-            <a:endParaRPr lang="en-US" dirty="0"/>
-          </a:p>
-        </p:txBody>
-      </p:sp>
-      <p:sp>
-        <p:nvSpPr>
-          <p:cNvPr id="6" name="Title 1">
-            <a:extLst>
-              <a:ext uri="{FF2B5EF4-FFF2-40B4-BE49-F238E27FC236}">
-                <a16:creationId xmlns:a16="http://schemas.microsoft.com/office/drawing/2014/main" id="{CD29F70F-B868-451B-A65D-8721F4C7A2D9}"/>
-              </a:ext>
-            </a:extLst>
-          </p:cNvPr>
-          <p:cNvSpPr txBox="1">
-            <a:spLocks/>
-          </p:cNvSpPr>
-          <p:nvPr/>
-        </p:nvSpPr>
-        <p:spPr>
-          <a:xfrm>
-            <a:off x="838200" y="-635"/>
-            <a:ext cx="10515600" cy="1325563"/>
-          </a:xfrm>
-          <a:prstGeom prst="rect">
-            <a:avLst/>
-          </a:prstGeom>
-        </p:spPr>
-        <p:txBody>
-          <a:bodyPr vert="horz" lIns="91440" tIns="45720" rIns="91440" bIns="45720" rtlCol="0" anchor="ctr">
-            <a:normAutofit/>
-          </a:bodyPr>
-          <a:lstStyle>
-            <a:lvl1pPr algn="l" defTabSz="914400" rtl="0" eaLnBrk="1" latinLnBrk="0" hangingPunct="1">
-              <a:lnSpc>
-                <a:spcPct val="90000"/>
-              </a:lnSpc>
-              <a:spcBef>
-                <a:spcPct val="0"/>
-              </a:spcBef>
-              <a:buNone/>
-              <a:defRPr sz="4400" kern="1200">
-                <a:solidFill>
-                  <a:schemeClr val="tx1"/>
-                </a:solidFill>
-                <a:latin typeface="+mj-lt"/>
-                <a:ea typeface="+mj-ea"/>
-                <a:cs typeface="+mj-cs"/>
-              </a:defRPr>
-            </a:lvl1pPr>
-          </a:lstStyle>
-          <a:p>
-            <a:r>
-              <a:rPr lang="en-US" dirty="0">
-                <a:latin typeface="+mn-lt"/>
-              </a:rPr>
-              <a:t>Case Study 2: Capital Markets Risk </a:t>
-            </a:r>
-          </a:p>
-        </p:txBody>
-      </p:sp>
-    </p:spTree>
-    <p:extLst>
-      <p:ext uri="{BB962C8B-B14F-4D97-AF65-F5344CB8AC3E}">
-        <p14:creationId xmlns:p14="http://schemas.microsoft.com/office/powerpoint/2010/main" val="1093949910"/>
-      </p:ext>
-    </p:extLst>
-  </p:cSld>
-  <p:clrMapOvr>
-    <a:masterClrMapping/>
-  </p:clrMapOvr>
-  <p:timing>
-    <p:tnLst>
-      <p:par>
-        <p:cTn id="1" dur="indefinite" restart="never" nodeType="tmRoot">
-          <p:childTnLst>
-            <p:seq concurrent="1" nextAc="seek">
-              <p:cTn id="2" dur="indefinite" nodeType="mainSeq">
-                <p:childTnLst>
-                  <p:par>
-                    <p:cTn id="3" fill="hold">
-                      <p:stCondLst>
-                        <p:cond delay="indefinite"/>
-                      </p:stCondLst>
-                      <p:childTnLst>
-                        <p:par>
-                          <p:cTn id="4" fill="hold">
-                            <p:stCondLst>
-                              <p:cond delay="0"/>
-                            </p:stCondLst>
-                            <p:childTnLst>
-                              <p:par>
-                                <p:cTn id="5" presetID="1" presetClass="entr" presetSubtype="0" fill="hold" nodeType="clickEffect">
-                                  <p:stCondLst>
-                                    <p:cond delay="0"/>
-                                  </p:stCondLst>
-                                  <p:childTnLst>
-                                    <p:set>
-                                      <p:cBhvr>
-                                        <p:cTn id="6" dur="1" fill="hold">
-                                          <p:stCondLst>
-                                            <p:cond delay="0"/>
-                                          </p:stCondLst>
-                                        </p:cTn>
-                                        <p:tgtEl>
-                                          <p:spTgt spid="3">
-                                            <p:txEl>
-                                              <p:pRg st="0" end="0"/>
-                                            </p:txEl>
-                                          </p:spTgt>
-                                        </p:tgtEl>
-                                        <p:attrNameLst>
-                                          <p:attrName>style.visibility</p:attrName>
-                                        </p:attrNameLst>
-                                      </p:cBhvr>
-                                      <p:to>
-                                        <p:strVal val="visible"/>
-                                      </p:to>
-                                    </p:set>
-                                  </p:childTnLst>
-                                </p:cTn>
-                              </p:par>
-                            </p:childTnLst>
-                          </p:cTn>
-                        </p:par>
-                      </p:childTnLst>
-                    </p:cTn>
-                  </p:par>
-                  <p:par>
-                    <p:cTn id="7" fill="hold">
-                      <p:stCondLst>
-                        <p:cond delay="indefinite"/>
-                      </p:stCondLst>
-                      <p:childTnLst>
-                        <p:par>
-                          <p:cTn id="8" fill="hold">
-                            <p:stCondLst>
-                              <p:cond delay="0"/>
-                            </p:stCondLst>
-                            <p:childTnLst>
-                              <p:par>
-                                <p:cTn id="9" presetID="1" presetClass="entr" presetSubtype="0" fill="hold" nodeType="clickEffect">
-                                  <p:stCondLst>
-                                    <p:cond delay="0"/>
-                                  </p:stCondLst>
-                                  <p:childTnLst>
-                                    <p:set>
-                                      <p:cBhvr>
-                                        <p:cTn id="10" dur="1" fill="hold">
-                                          <p:stCondLst>
-                                            <p:cond delay="0"/>
-                                          </p:stCondLst>
-                                        </p:cTn>
-                                        <p:tgtEl>
-                                          <p:spTgt spid="3">
-                                            <p:txEl>
-                                              <p:pRg st="1" end="1"/>
-                                            </p:txEl>
-                                          </p:spTgt>
-                                        </p:tgtEl>
-                                        <p:attrNameLst>
-                                          <p:attrName>style.visibility</p:attrName>
-                                        </p:attrNameLst>
-                                      </p:cBhvr>
-                                      <p:to>
-                                        <p:strVal val="visible"/>
-                                      </p:to>
-                                    </p:set>
-                                  </p:childTnLst>
-                                </p:cTn>
-                              </p:par>
-                            </p:childTnLst>
-                          </p:cTn>
-                        </p:par>
-                      </p:childTnLst>
-                    </p:cTn>
-                  </p:par>
-                  <p:par>
-                    <p:cTn id="11" fill="hold">
-                      <p:stCondLst>
-                        <p:cond delay="indefinite"/>
-                      </p:stCondLst>
-                      <p:childTnLst>
-                        <p:par>
-                          <p:cTn id="12" fill="hold">
-                            <p:stCondLst>
-                              <p:cond delay="0"/>
-                            </p:stCondLst>
-                            <p:childTnLst>
-                              <p:par>
-                                <p:cTn id="13" presetID="1" presetClass="entr" presetSubtype="0" fill="hold" nodeType="clickEffect">
-                                  <p:stCondLst>
-                                    <p:cond delay="0"/>
-                                  </p:stCondLst>
-                                  <p:childTnLst>
-                                    <p:set>
-                                      <p:cBhvr>
-                                        <p:cTn id="14" dur="1" fill="hold">
-                                          <p:stCondLst>
-                                            <p:cond delay="0"/>
-                                          </p:stCondLst>
-                                        </p:cTn>
-                                        <p:tgtEl>
-                                          <p:spTgt spid="3">
-                                            <p:txEl>
-                                              <p:pRg st="2" end="2"/>
-                                            </p:txEl>
-                                          </p:spTgt>
-                                        </p:tgtEl>
-                                        <p:attrNameLst>
-                                          <p:attrName>style.visibility</p:attrName>
-                                        </p:attrNameLst>
-                                      </p:cBhvr>
-                                      <p:to>
-                                        <p:strVal val="visible"/>
-                                      </p:to>
-                                    </p:set>
-                                  </p:childTnLst>
-                                </p:cTn>
-                              </p:par>
-                            </p:childTnLst>
-                          </p:cTn>
-                        </p:par>
-                      </p:childTnLst>
-                    </p:cTn>
-                  </p:par>
-                  <p:par>
-                    <p:cTn id="15" fill="hold">
-                      <p:stCondLst>
-                        <p:cond delay="indefinite"/>
-                      </p:stCondLst>
-                      <p:childTnLst>
-                        <p:par>
-                          <p:cTn id="16" fill="hold">
-                            <p:stCondLst>
-                              <p:cond delay="0"/>
-                            </p:stCondLst>
-                            <p:childTnLst>
-                              <p:par>
-                                <p:cTn id="17" presetID="1" presetClass="entr" presetSubtype="0" fill="hold" nodeType="clickEffect">
-                                  <p:stCondLst>
-                                    <p:cond delay="0"/>
-                                  </p:stCondLst>
-                                  <p:childTnLst>
-                                    <p:set>
-                                      <p:cBhvr>
-                                        <p:cTn id="18" dur="1" fill="hold">
-                                          <p:stCondLst>
-                                            <p:cond delay="0"/>
-                                          </p:stCondLst>
-                                        </p:cTn>
-                                        <p:tgtEl>
-                                          <p:spTgt spid="3">
-                                            <p:txEl>
-                                              <p:pRg st="3" end="3"/>
-                                            </p:txEl>
-                                          </p:spTgt>
-                                        </p:tgtEl>
-                                        <p:attrNameLst>
-                                          <p:attrName>style.visibility</p:attrName>
-                                        </p:attrNameLst>
-                                      </p:cBhvr>
-                                      <p:to>
-                                        <p:strVal val="visible"/>
-                                      </p:to>
-                                    </p:set>
-                                  </p:childTnLst>
-                                </p:cTn>
-                              </p:par>
-                            </p:childTnLst>
-                          </p:cTn>
-                        </p:par>
-                      </p:childTnLst>
-                    </p:cTn>
-                  </p:par>
-                  <p:par>
-                    <p:cTn id="19" fill="hold">
-                      <p:stCondLst>
-                        <p:cond delay="indefinite"/>
-                      </p:stCondLst>
-                      <p:childTnLst>
-                        <p:par>
-                          <p:cTn id="20" fill="hold">
-                            <p:stCondLst>
-                              <p:cond delay="0"/>
-                            </p:stCondLst>
-                            <p:childTnLst>
-                              <p:par>
-                                <p:cTn id="21" presetID="1" presetClass="entr" presetSubtype="0" fill="hold" nodeType="clickEffect">
-                                  <p:stCondLst>
-                                    <p:cond delay="0"/>
-                                  </p:stCondLst>
-                                  <p:childTnLst>
-                                    <p:set>
-                                      <p:cBhvr>
-                                        <p:cTn id="22" dur="1" fill="hold">
-                                          <p:stCondLst>
-                                            <p:cond delay="0"/>
-                                          </p:stCondLst>
-                                        </p:cTn>
-                                        <p:tgtEl>
-                                          <p:spTgt spid="3">
-                                            <p:txEl>
-                                              <p:pRg st="4" end="4"/>
-                                            </p:txEl>
-                                          </p:spTgt>
-                                        </p:tgtEl>
-                                        <p:attrNameLst>
-                                          <p:attrName>style.visibility</p:attrName>
-                                        </p:attrNameLst>
-                                      </p:cBhvr>
-                                      <p:to>
-                                        <p:strVal val="visible"/>
-                                      </p:to>
-                                    </p:set>
-                                  </p:childTnLst>
-                                </p:cTn>
-                              </p:par>
-                            </p:childTnLst>
-                          </p:cTn>
-                        </p:par>
-                      </p:childTnLst>
-                    </p:cTn>
-                  </p:par>
-                  <p:par>
-                    <p:cTn id="23" fill="hold">
-                      <p:stCondLst>
-                        <p:cond delay="indefinite"/>
-                      </p:stCondLst>
-                      <p:childTnLst>
-                        <p:par>
-                          <p:cTn id="24" fill="hold">
-                            <p:stCondLst>
-                              <p:cond delay="0"/>
-                            </p:stCondLst>
-                            <p:childTnLst>
-                              <p:par>
-                                <p:cTn id="25" presetID="1" presetClass="entr" presetSubtype="0" fill="hold" nodeType="clickEffect">
-                                  <p:stCondLst>
-                                    <p:cond delay="0"/>
-                                  </p:stCondLst>
-                                  <p:childTnLst>
-                                    <p:set>
-                                      <p:cBhvr>
-                                        <p:cTn id="26" dur="1" fill="hold">
-                                          <p:stCondLst>
-                                            <p:cond delay="0"/>
-                                          </p:stCondLst>
-                                        </p:cTn>
-                                        <p:tgtEl>
-                                          <p:spTgt spid="3">
-                                            <p:txEl>
-                                              <p:pRg st="5" end="5"/>
-                                            </p:txEl>
-                                          </p:spTgt>
-                                        </p:tgtEl>
-                                        <p:attrNameLst>
-                                          <p:attrName>style.visibility</p:attrName>
-                                        </p:attrNameLst>
-                                      </p:cBhvr>
-                                      <p:to>
-                                        <p:strVal val="visible"/>
-                                      </p:to>
-                                    </p:set>
-                                  </p:childTnLst>
-                                </p:cTn>
-                              </p:par>
-                            </p:childTnLst>
-                          </p:cTn>
-                        </p:par>
-                      </p:childTnLst>
-                    </p:cTn>
-                  </p:par>
-                </p:childTnLst>
-              </p:cTn>
-              <p:prevCondLst>
-                <p:cond evt="onPrev" delay="0">
-                  <p:tgtEl>
-                    <p:sldTgt/>
-                  </p:tgtEl>
-                </p:cond>
-              </p:prevCondLst>
-              <p:nextCondLst>
-                <p:cond evt="onNext" delay="0">
-                  <p:tgtEl>
-                    <p:sldTgt/>
-                  </p:tgtEl>
-                </p:cond>
-              </p:nextCondLst>
-            </p:seq>
-          </p:childTnLst>
-        </p:cTn>
-      </p:par>
-    </p:tnLst>
-  </p:timing>
-</p:sld>
-</file>
-
-<file path=ppt/slides/slide41.xml><?xml version="1.0" encoding="utf-8"?>
 <p:sld xmlns:a="http://schemas.openxmlformats.org/drawingml/2006/main" xmlns:r="http://schemas.openxmlformats.org/officeDocument/2006/relationships" xmlns:p="http://schemas.openxmlformats.org/presentationml/2006/main">
   <p:cSld>
     <p:spTree>
@@ -40372,7 +38234,7 @@
 </p:sld>
 </file>
 
-<file path=ppt/slides/slide42.xml><?xml version="1.0" encoding="utf-8"?>
+<file path=ppt/slides/slide41.xml><?xml version="1.0" encoding="utf-8"?>
 <p:sld xmlns:a="http://schemas.openxmlformats.org/drawingml/2006/main" xmlns:r="http://schemas.openxmlformats.org/officeDocument/2006/relationships" xmlns:p="http://schemas.openxmlformats.org/presentationml/2006/main">
   <p:cSld>
     <p:spTree>
@@ -41317,7 +39179,7 @@
                                         <p:tgtEl>
                                           <p:spTgt spid="3">
                                             <p:txEl>
-                                              <p:pRg st="0" end="0"/>
+                                              <p:pRg st="1" end="1"/>
                                             </p:txEl>
                                           </p:spTgt>
                                         </p:tgtEl>
@@ -41366,7 +39228,7 @@
                                         <p:tgtEl>
                                           <p:spTgt spid="3">
                                             <p:txEl>
-                                              <p:pRg st="1" end="1"/>
+                                              <p:pRg st="2" end="2"/>
                                             </p:txEl>
                                           </p:spTgt>
                                         </p:tgtEl>
@@ -41415,7 +39277,7 @@
                                         <p:tgtEl>
                                           <p:spTgt spid="3">
                                             <p:txEl>
-                                              <p:pRg st="2" end="2"/>
+                                              <p:pRg st="3" end="3"/>
                                             </p:txEl>
                                           </p:spTgt>
                                         </p:tgtEl>
@@ -41464,7 +39326,7 @@
                                         <p:tgtEl>
                                           <p:spTgt spid="3">
                                             <p:txEl>
-                                              <p:pRg st="3" end="3"/>
+                                              <p:pRg st="4" end="4"/>
                                             </p:txEl>
                                           </p:spTgt>
                                         </p:tgtEl>
@@ -41513,7 +39375,7 @@
                                         <p:tgtEl>
                                           <p:spTgt spid="3">
                                             <p:txEl>
-                                              <p:pRg st="4" end="4"/>
+                                              <p:pRg st="5" end="5"/>
                                             </p:txEl>
                                           </p:spTgt>
                                         </p:tgtEl>
@@ -41562,7 +39424,7 @@
                                         <p:tgtEl>
                                           <p:spTgt spid="3">
                                             <p:txEl>
-                                              <p:pRg st="5" end="5"/>
+                                              <p:pRg st="6" end="6"/>
                                             </p:txEl>
                                           </p:spTgt>
                                         </p:tgtEl>
@@ -41611,7 +39473,7 @@
                                         <p:tgtEl>
                                           <p:spTgt spid="3">
                                             <p:txEl>
-                                              <p:pRg st="6" end="6"/>
+                                              <p:pRg st="7" end="7"/>
                                             </p:txEl>
                                           </p:spTgt>
                                         </p:tgtEl>
@@ -41660,7 +39522,7 @@
                                         <p:tgtEl>
                                           <p:spTgt spid="3">
                                             <p:txEl>
-                                              <p:pRg st="7" end="7"/>
+                                              <p:pRg st="8" end="8"/>
                                             </p:txEl>
                                           </p:spTgt>
                                         </p:tgtEl>
@@ -41702,55 +39564,6 @@
                                     <p:set>
                                       <p:cBhvr>
                                         <p:cTn id="38" dur="1" fill="hold">
-                                          <p:stCondLst>
-                                            <p:cond delay="0"/>
-                                          </p:stCondLst>
-                                        </p:cTn>
-                                        <p:tgtEl>
-                                          <p:spTgt spid="3">
-                                            <p:txEl>
-                                              <p:pRg st="8" end="8"/>
-                                            </p:txEl>
-                                          </p:spTgt>
-                                        </p:tgtEl>
-                                        <p:attrNameLst>
-                                          <p:attrName>style.visibility</p:attrName>
-                                        </p:attrNameLst>
-                                      </p:cBhvr>
-                                      <p:to>
-                                        <p:strVal val="visible"/>
-                                      </p:to>
-                                    </p:set>
-                                  </p:childTnLst>
-                                </p:cTn>
-                              </p:par>
-                            </p:childTnLst>
-                          </p:cTn>
-                        </p:par>
-                      </p:childTnLst>
-                    </p:cTn>
-                  </p:par>
-                  <p:par>
-                    <p:cTn id="39" fill="hold">
-                      <p:stCondLst>
-                        <p:cond delay="indefinite"/>
-                      </p:stCondLst>
-                      <p:childTnLst>
-                        <p:par>
-                          <p:cTn id="40" fill="hold">
-                            <p:stCondLst>
-                              <p:cond delay="0"/>
-                            </p:stCondLst>
-                            <p:childTnLst>
-                              <p:par>
-                                <p:cTn id="41" presetID="1" presetClass="entr" presetSubtype="0" fill="hold" nodeType="clickEffect">
-                                  <p:stCondLst>
-                                    <p:cond delay="0"/>
-                                  </p:stCondLst>
-                                  <p:childTnLst>
-                                    <p:set>
-                                      <p:cBhvr>
-                                        <p:cTn id="42" dur="1" fill="hold">
                                           <p:stCondLst>
                                             <p:cond delay="0"/>
                                           </p:stCondLst>
@@ -43017,7 +40830,7 @@
                                         <p:tgtEl>
                                           <p:spTgt spid="3">
                                             <p:txEl>
-                                              <p:pRg st="0" end="0"/>
+                                              <p:pRg st="1" end="1"/>
                                             </p:txEl>
                                           </p:spTgt>
                                         </p:tgtEl>
@@ -43066,55 +40879,6 @@
                                         <p:tgtEl>
                                           <p:spTgt spid="3">
                                             <p:txEl>
-                                              <p:pRg st="1" end="1"/>
-                                            </p:txEl>
-                                          </p:spTgt>
-                                        </p:tgtEl>
-                                        <p:attrNameLst>
-                                          <p:attrName>style.visibility</p:attrName>
-                                        </p:attrNameLst>
-                                      </p:cBhvr>
-                                      <p:to>
-                                        <p:strVal val="visible"/>
-                                      </p:to>
-                                    </p:set>
-                                  </p:childTnLst>
-                                </p:cTn>
-                              </p:par>
-                            </p:childTnLst>
-                          </p:cTn>
-                        </p:par>
-                      </p:childTnLst>
-                    </p:cTn>
-                  </p:par>
-                  <p:par>
-                    <p:cTn id="11" fill="hold">
-                      <p:stCondLst>
-                        <p:cond delay="indefinite"/>
-                      </p:stCondLst>
-                      <p:childTnLst>
-                        <p:par>
-                          <p:cTn id="12" fill="hold">
-                            <p:stCondLst>
-                              <p:cond delay="0"/>
-                            </p:stCondLst>
-                            <p:childTnLst>
-                              <p:par>
-                                <p:cTn id="13" presetID="1" presetClass="entr" presetSubtype="0" fill="hold" nodeType="clickEffect">
-                                  <p:stCondLst>
-                                    <p:cond delay="0"/>
-                                  </p:stCondLst>
-                                  <p:childTnLst>
-                                    <p:set>
-                                      <p:cBhvr>
-                                        <p:cTn id="14" dur="1" fill="hold">
-                                          <p:stCondLst>
-                                            <p:cond delay="0"/>
-                                          </p:stCondLst>
-                                        </p:cTn>
-                                        <p:tgtEl>
-                                          <p:spTgt spid="3">
-                                            <p:txEl>
                                               <p:pRg st="2" end="2"/>
                                             </p:txEl>
                                           </p:spTgt>
@@ -43131,14 +40895,14 @@
                                 </p:cTn>
                               </p:par>
                               <p:par>
-                                <p:cTn id="15" presetID="1" presetClass="entr" presetSubtype="0" fill="hold" grpId="0" nodeType="withEffect">
+                                <p:cTn id="11" presetID="1" presetClass="entr" presetSubtype="0" fill="hold" grpId="0" nodeType="withEffect">
                                   <p:stCondLst>
                                     <p:cond delay="0"/>
                                   </p:stCondLst>
                                   <p:childTnLst>
                                     <p:set>
                                       <p:cBhvr>
-                                        <p:cTn id="16" dur="1" fill="hold">
+                                        <p:cTn id="12" dur="1" fill="hold">
                                           <p:stCondLst>
                                             <p:cond delay="0"/>
                                           </p:stCondLst>
@@ -43158,14 +40922,14 @@
                                 </p:cTn>
                               </p:par>
                               <p:par>
-                                <p:cTn id="17" presetID="1" presetClass="entr" presetSubtype="0" fill="hold" grpId="0" nodeType="withEffect">
+                                <p:cTn id="13" presetID="1" presetClass="entr" presetSubtype="0" fill="hold" grpId="0" nodeType="withEffect">
                                   <p:stCondLst>
                                     <p:cond delay="0"/>
                                   </p:stCondLst>
                                   <p:childTnLst>
                                     <p:set>
                                       <p:cBhvr>
-                                        <p:cTn id="18" dur="1" fill="hold">
+                                        <p:cTn id="14" dur="1" fill="hold">
                                           <p:stCondLst>
                                             <p:cond delay="0"/>
                                           </p:stCondLst>
@@ -43191,19 +40955,77 @@
                     </p:cTn>
                   </p:par>
                   <p:par>
-                    <p:cTn id="19" fill="hold">
+                    <p:cTn id="15" fill="hold">
                       <p:stCondLst>
                         <p:cond delay="indefinite"/>
                       </p:stCondLst>
                       <p:childTnLst>
                         <p:par>
-                          <p:cTn id="20" fill="hold">
+                          <p:cTn id="16" fill="hold">
                             <p:stCondLst>
                               <p:cond delay="0"/>
                             </p:stCondLst>
                             <p:childTnLst>
                               <p:par>
-                                <p:cTn id="21" presetID="1" presetClass="entr" presetSubtype="0" fill="hold" nodeType="clickEffect">
+                                <p:cTn id="17" presetID="1" presetClass="entr" presetSubtype="0" fill="hold" nodeType="clickEffect">
+                                  <p:stCondLst>
+                                    <p:cond delay="0"/>
+                                  </p:stCondLst>
+                                  <p:childTnLst>
+                                    <p:set>
+                                      <p:cBhvr>
+                                        <p:cTn id="18" dur="1" fill="hold">
+                                          <p:stCondLst>
+                                            <p:cond delay="0"/>
+                                          </p:stCondLst>
+                                        </p:cTn>
+                                        <p:tgtEl>
+                                          <p:spTgt spid="3">
+                                            <p:txEl>
+                                              <p:pRg st="3" end="3"/>
+                                            </p:txEl>
+                                          </p:spTgt>
+                                        </p:tgtEl>
+                                        <p:attrNameLst>
+                                          <p:attrName>style.visibility</p:attrName>
+                                        </p:attrNameLst>
+                                      </p:cBhvr>
+                                      <p:to>
+                                        <p:strVal val="visible"/>
+                                      </p:to>
+                                    </p:set>
+                                  </p:childTnLst>
+                                </p:cTn>
+                              </p:par>
+                              <p:par>
+                                <p:cTn id="19" presetID="1" presetClass="entr" presetSubtype="0" fill="hold" grpId="0" nodeType="withEffect">
+                                  <p:stCondLst>
+                                    <p:cond delay="0"/>
+                                  </p:stCondLst>
+                                  <p:childTnLst>
+                                    <p:set>
+                                      <p:cBhvr>
+                                        <p:cTn id="20" dur="1" fill="hold">
+                                          <p:stCondLst>
+                                            <p:cond delay="0"/>
+                                          </p:stCondLst>
+                                        </p:cTn>
+                                        <p:tgtEl>
+                                          <p:spTgt spid="7"/>
+                                        </p:tgtEl>
+                                        <p:attrNameLst>
+                                          <p:attrName>style.visibility</p:attrName>
+                                        </p:attrNameLst>
+                                      </p:cBhvr>
+                                      <p:to>
+                                        <p:strVal val="visible"/>
+                                      </p:to>
+                                    </p:set>
+                                  </p:childTnLst>
+                                </p:cTn>
+                              </p:par>
+                              <p:par>
+                                <p:cTn id="21" presetID="1" presetClass="entr" presetSubtype="0" fill="hold" grpId="0" nodeType="withEffect">
                                   <p:stCondLst>
                                     <p:cond delay="0"/>
                                   </p:stCondLst>
@@ -43216,11 +41038,7 @@
                                           </p:stCondLst>
                                         </p:cTn>
                                         <p:tgtEl>
-                                          <p:spTgt spid="3">
-                                            <p:txEl>
-                                              <p:pRg st="3" end="3"/>
-                                            </p:txEl>
-                                          </p:spTgt>
+                                          <p:spTgt spid="21"/>
                                         </p:tgtEl>
                                         <p:attrNameLst>
                                           <p:attrName>style.visibility</p:attrName>
@@ -43247,7 +41065,7 @@
                                           </p:stCondLst>
                                         </p:cTn>
                                         <p:tgtEl>
-                                          <p:spTgt spid="7"/>
+                                          <p:spTgt spid="10"/>
                                         </p:tgtEl>
                                         <p:attrNameLst>
                                           <p:attrName>style.visibility</p:attrName>
@@ -43274,7 +41092,7 @@
                                           </p:stCondLst>
                                         </p:cTn>
                                         <p:tgtEl>
-                                          <p:spTgt spid="21"/>
+                                          <p:spTgt spid="11"/>
                                         </p:tgtEl>
                                         <p:attrNameLst>
                                           <p:attrName>style.visibility</p:attrName>
@@ -43301,60 +41119,6 @@
                                           </p:stCondLst>
                                         </p:cTn>
                                         <p:tgtEl>
-                                          <p:spTgt spid="10"/>
-                                        </p:tgtEl>
-                                        <p:attrNameLst>
-                                          <p:attrName>style.visibility</p:attrName>
-                                        </p:attrNameLst>
-                                      </p:cBhvr>
-                                      <p:to>
-                                        <p:strVal val="visible"/>
-                                      </p:to>
-                                    </p:set>
-                                  </p:childTnLst>
-                                </p:cTn>
-                              </p:par>
-                              <p:par>
-                                <p:cTn id="29" presetID="1" presetClass="entr" presetSubtype="0" fill="hold" grpId="0" nodeType="withEffect">
-                                  <p:stCondLst>
-                                    <p:cond delay="0"/>
-                                  </p:stCondLst>
-                                  <p:childTnLst>
-                                    <p:set>
-                                      <p:cBhvr>
-                                        <p:cTn id="30" dur="1" fill="hold">
-                                          <p:stCondLst>
-                                            <p:cond delay="0"/>
-                                          </p:stCondLst>
-                                        </p:cTn>
-                                        <p:tgtEl>
-                                          <p:spTgt spid="11"/>
-                                        </p:tgtEl>
-                                        <p:attrNameLst>
-                                          <p:attrName>style.visibility</p:attrName>
-                                        </p:attrNameLst>
-                                      </p:cBhvr>
-                                      <p:to>
-                                        <p:strVal val="visible"/>
-                                      </p:to>
-                                    </p:set>
-                                  </p:childTnLst>
-                                </p:cTn>
-                              </p:par>
-                              <p:par>
-                                <p:cTn id="31" presetID="1" presetClass="entr" presetSubtype="0" fill="hold" grpId="0" nodeType="withEffect">
-                                  <p:stCondLst>
-                                    <p:cond delay="0"/>
-                                  </p:stCondLst>
-                                  <p:childTnLst>
-                                    <p:set>
-                                      <p:cBhvr>
-                                        <p:cTn id="32" dur="1" fill="hold">
-                                          <p:stCondLst>
-                                            <p:cond delay="0"/>
-                                          </p:stCondLst>
-                                        </p:cTn>
-                                        <p:tgtEl>
                                           <p:spTgt spid="12"/>
                                         </p:tgtEl>
                                         <p:attrNameLst>
@@ -43375,26 +41139,26 @@
                     </p:cTn>
                   </p:par>
                   <p:par>
-                    <p:cTn id="33" fill="hold">
+                    <p:cTn id="29" fill="hold">
                       <p:stCondLst>
                         <p:cond delay="indefinite"/>
                       </p:stCondLst>
                       <p:childTnLst>
                         <p:par>
-                          <p:cTn id="34" fill="hold">
+                          <p:cTn id="30" fill="hold">
                             <p:stCondLst>
                               <p:cond delay="0"/>
                             </p:stCondLst>
                             <p:childTnLst>
                               <p:par>
-                                <p:cTn id="35" presetID="1" presetClass="entr" presetSubtype="0" fill="hold" nodeType="clickEffect">
+                                <p:cTn id="31" presetID="1" presetClass="entr" presetSubtype="0" fill="hold" nodeType="clickEffect">
                                   <p:stCondLst>
                                     <p:cond delay="0"/>
                                   </p:stCondLst>
                                   <p:childTnLst>
                                     <p:set>
                                       <p:cBhvr>
-                                        <p:cTn id="36" dur="1" fill="hold">
+                                        <p:cTn id="32" dur="1" fill="hold">
                                           <p:stCondLst>
                                             <p:cond delay="0"/>
                                           </p:stCondLst>
@@ -43418,14 +41182,14 @@
                                 </p:cTn>
                               </p:par>
                               <p:par>
-                                <p:cTn id="37" presetID="1" presetClass="entr" presetSubtype="0" fill="hold" grpId="0" nodeType="withEffect">
+                                <p:cTn id="33" presetID="1" presetClass="entr" presetSubtype="0" fill="hold" grpId="0" nodeType="withEffect">
                                   <p:stCondLst>
                                     <p:cond delay="0"/>
                                   </p:stCondLst>
                                   <p:childTnLst>
                                     <p:set>
                                       <p:cBhvr>
-                                        <p:cTn id="38" dur="1" fill="hold">
+                                        <p:cTn id="34" dur="1" fill="hold">
                                           <p:stCondLst>
                                             <p:cond delay="0"/>
                                           </p:stCondLst>
@@ -43445,14 +41209,14 @@
                                 </p:cTn>
                               </p:par>
                               <p:par>
-                                <p:cTn id="39" presetID="1" presetClass="entr" presetSubtype="0" fill="hold" grpId="0" nodeType="withEffect">
+                                <p:cTn id="35" presetID="1" presetClass="entr" presetSubtype="0" fill="hold" grpId="0" nodeType="withEffect">
                                   <p:stCondLst>
                                     <p:cond delay="0"/>
                                   </p:stCondLst>
                                   <p:childTnLst>
                                     <p:set>
                                       <p:cBhvr>
-                                        <p:cTn id="40" dur="1" fill="hold">
+                                        <p:cTn id="36" dur="1" fill="hold">
                                           <p:stCondLst>
                                             <p:cond delay="0"/>
                                           </p:stCondLst>
@@ -43478,26 +41242,26 @@
                     </p:cTn>
                   </p:par>
                   <p:par>
-                    <p:cTn id="41" fill="hold">
+                    <p:cTn id="37" fill="hold">
                       <p:stCondLst>
                         <p:cond delay="indefinite"/>
                       </p:stCondLst>
                       <p:childTnLst>
                         <p:par>
-                          <p:cTn id="42" fill="hold">
+                          <p:cTn id="38" fill="hold">
                             <p:stCondLst>
                               <p:cond delay="0"/>
                             </p:stCondLst>
                             <p:childTnLst>
                               <p:par>
-                                <p:cTn id="43" presetID="1" presetClass="entr" presetSubtype="0" fill="hold" nodeType="clickEffect">
+                                <p:cTn id="39" presetID="1" presetClass="entr" presetSubtype="0" fill="hold" nodeType="clickEffect">
                                   <p:stCondLst>
                                     <p:cond delay="0"/>
                                   </p:stCondLst>
                                   <p:childTnLst>
                                     <p:set>
                                       <p:cBhvr>
-                                        <p:cTn id="44" dur="1" fill="hold">
+                                        <p:cTn id="40" dur="1" fill="hold">
                                           <p:stCondLst>
                                             <p:cond delay="0"/>
                                           </p:stCondLst>
@@ -43521,14 +41285,14 @@
                                 </p:cTn>
                               </p:par>
                               <p:par>
-                                <p:cTn id="45" presetID="1" presetClass="entr" presetSubtype="0" fill="hold" grpId="0" nodeType="withEffect">
+                                <p:cTn id="41" presetID="1" presetClass="entr" presetSubtype="0" fill="hold" grpId="0" nodeType="withEffect">
                                   <p:stCondLst>
                                     <p:cond delay="0"/>
                                   </p:stCondLst>
                                   <p:childTnLst>
                                     <p:set>
                                       <p:cBhvr>
-                                        <p:cTn id="46" dur="1" fill="hold">
+                                        <p:cTn id="42" dur="1" fill="hold">
                                           <p:stCondLst>
                                             <p:cond delay="0"/>
                                           </p:stCondLst>
@@ -43548,14 +41312,14 @@
                                 </p:cTn>
                               </p:par>
                               <p:par>
-                                <p:cTn id="47" presetID="1" presetClass="entr" presetSubtype="0" fill="hold" grpId="0" nodeType="withEffect">
+                                <p:cTn id="43" presetID="1" presetClass="entr" presetSubtype="0" fill="hold" grpId="0" nodeType="withEffect">
                                   <p:stCondLst>
                                     <p:cond delay="0"/>
                                   </p:stCondLst>
                                   <p:childTnLst>
                                     <p:set>
                                       <p:cBhvr>
-                                        <p:cTn id="48" dur="1" fill="hold">
+                                        <p:cTn id="44" dur="1" fill="hold">
                                           <p:stCondLst>
                                             <p:cond delay="0"/>
                                           </p:stCondLst>
@@ -43581,26 +41345,26 @@
                     </p:cTn>
                   </p:par>
                   <p:par>
-                    <p:cTn id="49" fill="hold">
+                    <p:cTn id="45" fill="hold">
                       <p:stCondLst>
                         <p:cond delay="indefinite"/>
                       </p:stCondLst>
                       <p:childTnLst>
                         <p:par>
-                          <p:cTn id="50" fill="hold">
+                          <p:cTn id="46" fill="hold">
                             <p:stCondLst>
                               <p:cond delay="0"/>
                             </p:stCondLst>
                             <p:childTnLst>
                               <p:par>
-                                <p:cTn id="51" presetID="1" presetClass="entr" presetSubtype="0" fill="hold" nodeType="clickEffect">
+                                <p:cTn id="47" presetID="1" presetClass="entr" presetSubtype="0" fill="hold" nodeType="clickEffect">
                                   <p:stCondLst>
                                     <p:cond delay="0"/>
                                   </p:stCondLst>
                                   <p:childTnLst>
                                     <p:set>
                                       <p:cBhvr>
-                                        <p:cTn id="52" dur="1" fill="hold">
+                                        <p:cTn id="48" dur="1" fill="hold">
                                           <p:stCondLst>
                                             <p:cond delay="0"/>
                                           </p:stCondLst>
@@ -43624,14 +41388,14 @@
                                 </p:cTn>
                               </p:par>
                               <p:par>
-                                <p:cTn id="53" presetID="1" presetClass="entr" presetSubtype="0" fill="hold" grpId="0" nodeType="withEffect">
+                                <p:cTn id="49" presetID="1" presetClass="entr" presetSubtype="0" fill="hold" grpId="0" nodeType="withEffect">
                                   <p:stCondLst>
                                     <p:cond delay="0"/>
                                   </p:stCondLst>
                                   <p:childTnLst>
                                     <p:set>
                                       <p:cBhvr>
-                                        <p:cTn id="54" dur="1" fill="hold">
+                                        <p:cTn id="50" dur="1" fill="hold">
                                           <p:stCondLst>
                                             <p:cond delay="0"/>
                                           </p:stCondLst>
@@ -43651,14 +41415,14 @@
                                 </p:cTn>
                               </p:par>
                               <p:par>
-                                <p:cTn id="55" presetID="1" presetClass="entr" presetSubtype="0" fill="hold" grpId="0" nodeType="withEffect">
+                                <p:cTn id="51" presetID="1" presetClass="entr" presetSubtype="0" fill="hold" grpId="0" nodeType="withEffect">
                                   <p:stCondLst>
                                     <p:cond delay="0"/>
                                   </p:stCondLst>
                                   <p:childTnLst>
                                     <p:set>
                                       <p:cBhvr>
-                                        <p:cTn id="56" dur="1" fill="hold">
+                                        <p:cTn id="52" dur="1" fill="hold">
                                           <p:stCondLst>
                                             <p:cond delay="0"/>
                                           </p:stCondLst>
@@ -43684,26 +41448,26 @@
                     </p:cTn>
                   </p:par>
                   <p:par>
-                    <p:cTn id="57" fill="hold">
+                    <p:cTn id="53" fill="hold">
                       <p:stCondLst>
                         <p:cond delay="indefinite"/>
                       </p:stCondLst>
                       <p:childTnLst>
                         <p:par>
-                          <p:cTn id="58" fill="hold">
+                          <p:cTn id="54" fill="hold">
                             <p:stCondLst>
                               <p:cond delay="0"/>
                             </p:stCondLst>
                             <p:childTnLst>
                               <p:par>
-                                <p:cTn id="59" presetID="1" presetClass="entr" presetSubtype="0" fill="hold" nodeType="clickEffect">
+                                <p:cTn id="55" presetID="1" presetClass="entr" presetSubtype="0" fill="hold" nodeType="clickEffect">
                                   <p:stCondLst>
                                     <p:cond delay="0"/>
                                   </p:stCondLst>
                                   <p:childTnLst>
                                     <p:set>
                                       <p:cBhvr>
-                                        <p:cTn id="60" dur="1" fill="hold">
+                                        <p:cTn id="56" dur="1" fill="hold">
                                           <p:stCondLst>
                                             <p:cond delay="0"/>
                                           </p:stCondLst>
@@ -43727,14 +41491,14 @@
                                 </p:cTn>
                               </p:par>
                               <p:par>
-                                <p:cTn id="61" presetID="1" presetClass="entr" presetSubtype="0" fill="hold" grpId="0" nodeType="withEffect">
+                                <p:cTn id="57" presetID="1" presetClass="entr" presetSubtype="0" fill="hold" grpId="0" nodeType="withEffect">
                                   <p:stCondLst>
                                     <p:cond delay="0"/>
                                   </p:stCondLst>
                                   <p:childTnLst>
                                     <p:set>
                                       <p:cBhvr>
-                                        <p:cTn id="62" dur="1" fill="hold">
+                                        <p:cTn id="58" dur="1" fill="hold">
                                           <p:stCondLst>
                                             <p:cond delay="0"/>
                                           </p:stCondLst>
@@ -43754,14 +41518,14 @@
                                 </p:cTn>
                               </p:par>
                               <p:par>
-                                <p:cTn id="63" presetID="1" presetClass="entr" presetSubtype="0" fill="hold" grpId="0" nodeType="withEffect">
+                                <p:cTn id="59" presetID="1" presetClass="entr" presetSubtype="0" fill="hold" grpId="0" nodeType="withEffect">
                                   <p:stCondLst>
                                     <p:cond delay="0"/>
                                   </p:stCondLst>
                                   <p:childTnLst>
                                     <p:set>
                                       <p:cBhvr>
-                                        <p:cTn id="64" dur="1" fill="hold">
+                                        <p:cTn id="60" dur="1" fill="hold">
                                           <p:stCondLst>
                                             <p:cond delay="0"/>
                                           </p:stCondLst>
@@ -44046,7 +41810,7 @@
                                         <p:tgtEl>
                                           <p:spTgt spid="3">
                                             <p:txEl>
-                                              <p:pRg st="0" end="0"/>
+                                              <p:pRg st="1" end="1"/>
                                             </p:txEl>
                                           </p:spTgt>
                                         </p:tgtEl>
@@ -44095,7 +41859,7 @@
                                         <p:tgtEl>
                                           <p:spTgt spid="3">
                                             <p:txEl>
-                                              <p:pRg st="1" end="1"/>
+                                              <p:pRg st="2" end="2"/>
                                             </p:txEl>
                                           </p:spTgt>
                                         </p:tgtEl>
@@ -44144,7 +41908,7 @@
                                         <p:tgtEl>
                                           <p:spTgt spid="3">
                                             <p:txEl>
-                                              <p:pRg st="2" end="2"/>
+                                              <p:pRg st="3" end="3"/>
                                             </p:txEl>
                                           </p:spTgt>
                                         </p:tgtEl>
@@ -44193,7 +41957,7 @@
                                         <p:tgtEl>
                                           <p:spTgt spid="3">
                                             <p:txEl>
-                                              <p:pRg st="3" end="3"/>
+                                              <p:pRg st="4" end="4"/>
                                             </p:txEl>
                                           </p:spTgt>
                                         </p:tgtEl>
@@ -44242,7 +42006,7 @@
                                         <p:tgtEl>
                                           <p:spTgt spid="3">
                                             <p:txEl>
-                                              <p:pRg st="4" end="4"/>
+                                              <p:pRg st="5" end="5"/>
                                             </p:txEl>
                                           </p:spTgt>
                                         </p:tgtEl>
@@ -44291,7 +42055,7 @@
                                         <p:tgtEl>
                                           <p:spTgt spid="3">
                                             <p:txEl>
-                                              <p:pRg st="5" end="5"/>
+                                              <p:pRg st="6" end="6"/>
                                             </p:txEl>
                                           </p:spTgt>
                                         </p:tgtEl>
@@ -44333,55 +42097,6 @@
                                     <p:set>
                                       <p:cBhvr>
                                         <p:cTn id="30" dur="1" fill="hold">
-                                          <p:stCondLst>
-                                            <p:cond delay="0"/>
-                                          </p:stCondLst>
-                                        </p:cTn>
-                                        <p:tgtEl>
-                                          <p:spTgt spid="3">
-                                            <p:txEl>
-                                              <p:pRg st="6" end="6"/>
-                                            </p:txEl>
-                                          </p:spTgt>
-                                        </p:tgtEl>
-                                        <p:attrNameLst>
-                                          <p:attrName>style.visibility</p:attrName>
-                                        </p:attrNameLst>
-                                      </p:cBhvr>
-                                      <p:to>
-                                        <p:strVal val="visible"/>
-                                      </p:to>
-                                    </p:set>
-                                  </p:childTnLst>
-                                </p:cTn>
-                              </p:par>
-                            </p:childTnLst>
-                          </p:cTn>
-                        </p:par>
-                      </p:childTnLst>
-                    </p:cTn>
-                  </p:par>
-                  <p:par>
-                    <p:cTn id="31" fill="hold">
-                      <p:stCondLst>
-                        <p:cond delay="indefinite"/>
-                      </p:stCondLst>
-                      <p:childTnLst>
-                        <p:par>
-                          <p:cTn id="32" fill="hold">
-                            <p:stCondLst>
-                              <p:cond delay="0"/>
-                            </p:stCondLst>
-                            <p:childTnLst>
-                              <p:par>
-                                <p:cTn id="33" presetID="1" presetClass="entr" presetSubtype="0" fill="hold" nodeType="clickEffect">
-                                  <p:stCondLst>
-                                    <p:cond delay="0"/>
-                                  </p:stCondLst>
-                                  <p:childTnLst>
-                                    <p:set>
-                                      <p:cBhvr>
-                                        <p:cTn id="34" dur="1" fill="hold">
                                           <p:stCondLst>
                                             <p:cond delay="0"/>
                                           </p:stCondLst>
@@ -44476,7 +42191,7 @@
         </p:spPr>
         <p:txBody>
           <a:bodyPr>
-            <a:normAutofit/>
+            <a:normAutofit lnSpcReduction="10000"/>
           </a:bodyPr>
           <a:lstStyle/>
           <a:p>
@@ -44498,7 +42213,7 @@
             <a:pPr lvl="1"/>
             <a:r>
               <a:rPr lang="en-US" sz="2800" dirty="0"/>
-              <a:t>Call activity </a:t>
+              <a:t>Call history </a:t>
             </a:r>
           </a:p>
           <a:p>
@@ -44521,6 +42236,14 @@
               <a:rPr lang="en-US" sz="2800" dirty="0"/>
               <a:t>Account types; individual, family, small business, corporate…. </a:t>
             </a:r>
+          </a:p>
+          <a:p>
+            <a:pPr lvl="1"/>
+            <a:r>
+              <a:rPr lang="en-US" sz="2800" dirty="0" err="1"/>
+              <a:t>etc</a:t>
+            </a:r>
+            <a:endParaRPr lang="en-US" sz="2800" dirty="0"/>
           </a:p>
           <a:p>
             <a:r>
@@ -44661,7 +42384,7 @@
                                         <p:tgtEl>
                                           <p:spTgt spid="3">
                                             <p:txEl>
-                                              <p:pRg st="0" end="0"/>
+                                              <p:pRg st="1" end="1"/>
                                             </p:txEl>
                                           </p:spTgt>
                                         </p:tgtEl>
@@ -44710,7 +42433,7 @@
                                         <p:tgtEl>
                                           <p:spTgt spid="3">
                                             <p:txEl>
-                                              <p:pRg st="1" end="1"/>
+                                              <p:pRg st="2" end="2"/>
                                             </p:txEl>
                                           </p:spTgt>
                                         </p:tgtEl>
@@ -44759,7 +42482,7 @@
                                         <p:tgtEl>
                                           <p:spTgt spid="3">
                                             <p:txEl>
-                                              <p:pRg st="2" end="2"/>
+                                              <p:pRg st="3" end="3"/>
                                             </p:txEl>
                                           </p:spTgt>
                                         </p:tgtEl>
@@ -44808,7 +42531,7 @@
                                         <p:tgtEl>
                                           <p:spTgt spid="3">
                                             <p:txEl>
-                                              <p:pRg st="3" end="3"/>
+                                              <p:pRg st="4" end="4"/>
                                             </p:txEl>
                                           </p:spTgt>
                                         </p:tgtEl>
@@ -44857,7 +42580,7 @@
                                         <p:tgtEl>
                                           <p:spTgt spid="3">
                                             <p:txEl>
-                                              <p:pRg st="4" end="4"/>
+                                              <p:pRg st="5" end="5"/>
                                             </p:txEl>
                                           </p:spTgt>
                                         </p:tgtEl>
@@ -44906,7 +42629,7 @@
                                         <p:tgtEl>
                                           <p:spTgt spid="3">
                                             <p:txEl>
-                                              <p:pRg st="5" end="5"/>
+                                              <p:pRg st="6" end="6"/>
                                             </p:txEl>
                                           </p:spTgt>
                                         </p:tgtEl>
@@ -44955,7 +42678,7 @@
                                         <p:tgtEl>
                                           <p:spTgt spid="3">
                                             <p:txEl>
-                                              <p:pRg st="6" end="6"/>
+                                              <p:pRg st="7" end="7"/>
                                             </p:txEl>
                                           </p:spTgt>
                                         </p:tgtEl>
@@ -45004,7 +42727,7 @@
                                         <p:tgtEl>
                                           <p:spTgt spid="3">
                                             <p:txEl>
-                                              <p:pRg st="7" end="7"/>
+                                              <p:pRg st="8" end="8"/>
                                             </p:txEl>
                                           </p:spTgt>
                                         </p:tgtEl>
@@ -45053,7 +42776,7 @@
                                         <p:tgtEl>
                                           <p:spTgt spid="3">
                                             <p:txEl>
-                                              <p:pRg st="8" end="8"/>
+                                              <p:pRg st="9" end="9"/>
                                             </p:txEl>
                                           </p:spTgt>
                                         </p:tgtEl>
@@ -45310,7 +43033,7 @@
                                         <p:tgtEl>
                                           <p:spTgt spid="3">
                                             <p:txEl>
-                                              <p:pRg st="0" end="0"/>
+                                              <p:pRg st="1" end="1"/>
                                             </p:txEl>
                                           </p:spTgt>
                                         </p:tgtEl>
@@ -45359,7 +43082,7 @@
                                         <p:tgtEl>
                                           <p:spTgt spid="3">
                                             <p:txEl>
-                                              <p:pRg st="1" end="1"/>
+                                              <p:pRg st="2" end="2"/>
                                             </p:txEl>
                                           </p:spTgt>
                                         </p:tgtEl>
@@ -45408,7 +43131,7 @@
                                         <p:tgtEl>
                                           <p:spTgt spid="3">
                                             <p:txEl>
-                                              <p:pRg st="2" end="2"/>
+                                              <p:pRg st="3" end="3"/>
                                             </p:txEl>
                                           </p:spTgt>
                                         </p:tgtEl>
@@ -45457,7 +43180,7 @@
                                         <p:tgtEl>
                                           <p:spTgt spid="3">
                                             <p:txEl>
-                                              <p:pRg st="3" end="3"/>
+                                              <p:pRg st="4" end="4"/>
                                             </p:txEl>
                                           </p:spTgt>
                                         </p:tgtEl>
@@ -45506,7 +43229,7 @@
                                         <p:tgtEl>
                                           <p:spTgt spid="3">
                                             <p:txEl>
-                                              <p:pRg st="4" end="4"/>
+                                              <p:pRg st="5" end="5"/>
                                             </p:txEl>
                                           </p:spTgt>
                                         </p:tgtEl>
@@ -45548,55 +43271,6 @@
                                     <p:set>
                                       <p:cBhvr>
                                         <p:cTn id="26" dur="1" fill="hold">
-                                          <p:stCondLst>
-                                            <p:cond delay="0"/>
-                                          </p:stCondLst>
-                                        </p:cTn>
-                                        <p:tgtEl>
-                                          <p:spTgt spid="3">
-                                            <p:txEl>
-                                              <p:pRg st="5" end="5"/>
-                                            </p:txEl>
-                                          </p:spTgt>
-                                        </p:tgtEl>
-                                        <p:attrNameLst>
-                                          <p:attrName>style.visibility</p:attrName>
-                                        </p:attrNameLst>
-                                      </p:cBhvr>
-                                      <p:to>
-                                        <p:strVal val="visible"/>
-                                      </p:to>
-                                    </p:set>
-                                  </p:childTnLst>
-                                </p:cTn>
-                              </p:par>
-                            </p:childTnLst>
-                          </p:cTn>
-                        </p:par>
-                      </p:childTnLst>
-                    </p:cTn>
-                  </p:par>
-                  <p:par>
-                    <p:cTn id="27" fill="hold">
-                      <p:stCondLst>
-                        <p:cond delay="indefinite"/>
-                      </p:stCondLst>
-                      <p:childTnLst>
-                        <p:par>
-                          <p:cTn id="28" fill="hold">
-                            <p:stCondLst>
-                              <p:cond delay="0"/>
-                            </p:stCondLst>
-                            <p:childTnLst>
-                              <p:par>
-                                <p:cTn id="29" presetID="1" presetClass="entr" presetSubtype="0" fill="hold" nodeType="clickEffect">
-                                  <p:stCondLst>
-                                    <p:cond delay="0"/>
-                                  </p:stCondLst>
-                                  <p:childTnLst>
-                                    <p:set>
-                                      <p:cBhvr>
-                                        <p:cTn id="30" dur="1" fill="hold">
                                           <p:stCondLst>
                                             <p:cond delay="0"/>
                                           </p:stCondLst>

--- a/slides/3_StreamingAnalytics.pptx
+++ b/slides/3_StreamingAnalytics.pptx
@@ -5,7 +5,7 @@
     <p:sldMasterId id="2147483648" r:id="rId1"/>
   </p:sldMasterIdLst>
   <p:notesMasterIdLst>
-    <p:notesMasterId r:id="rId43"/>
+    <p:notesMasterId r:id="rId48"/>
   </p:notesMasterIdLst>
   <p:sldIdLst>
     <p:sldId id="256" r:id="rId2"/>
@@ -40,15 +40,20 @@
     <p:sldId id="282" r:id="rId31"/>
     <p:sldId id="283" r:id="rId32"/>
     <p:sldId id="291" r:id="rId33"/>
-    <p:sldId id="264" r:id="rId34"/>
-    <p:sldId id="287" r:id="rId35"/>
-    <p:sldId id="288" r:id="rId36"/>
-    <p:sldId id="289" r:id="rId37"/>
-    <p:sldId id="290" r:id="rId38"/>
-    <p:sldId id="292" r:id="rId39"/>
-    <p:sldId id="373" r:id="rId40"/>
-    <p:sldId id="374" r:id="rId41"/>
-    <p:sldId id="376" r:id="rId42"/>
+    <p:sldId id="377" r:id="rId34"/>
+    <p:sldId id="381" r:id="rId35"/>
+    <p:sldId id="264" r:id="rId36"/>
+    <p:sldId id="378" r:id="rId37"/>
+    <p:sldId id="379" r:id="rId38"/>
+    <p:sldId id="287" r:id="rId39"/>
+    <p:sldId id="380" r:id="rId40"/>
+    <p:sldId id="288" r:id="rId41"/>
+    <p:sldId id="289" r:id="rId42"/>
+    <p:sldId id="290" r:id="rId43"/>
+    <p:sldId id="292" r:id="rId44"/>
+    <p:sldId id="373" r:id="rId45"/>
+    <p:sldId id="374" r:id="rId46"/>
+    <p:sldId id="376" r:id="rId47"/>
   </p:sldIdLst>
   <p:sldSz cx="12192000" cy="6858000"/>
   <p:notesSz cx="6858000" cy="9144000"/>
@@ -237,7 +242,7 @@
           <a:p>
             <a:fld id="{2F3ABF1A-8818-4472-8518-E71DC7B5D2F7}" type="datetimeFigureOut">
               <a:rPr lang="en-US" smtClean="0"/>
-              <a:t>6/24/2022</a:t>
+              <a:t>6/27/2022</a:t>
             </a:fld>
             <a:endParaRPr lang="en-US"/>
           </a:p>
@@ -504,6 +509,174 @@
 </p:notesMaster>
 </file>
 
+<file path=ppt/notesSlides/notesSlide1.xml><?xml version="1.0" encoding="utf-8"?>
+<p:notes xmlns:a="http://schemas.openxmlformats.org/drawingml/2006/main" xmlns:r="http://schemas.openxmlformats.org/officeDocument/2006/relationships" xmlns:p="http://schemas.openxmlformats.org/presentationml/2006/main">
+  <p:cSld>
+    <p:spTree>
+      <p:nvGrpSpPr>
+        <p:cNvPr id="1" name=""/>
+        <p:cNvGrpSpPr/>
+        <p:nvPr/>
+      </p:nvGrpSpPr>
+      <p:grpSpPr>
+        <a:xfrm>
+          <a:off x="0" y="0"/>
+          <a:ext cx="0" cy="0"/>
+          <a:chOff x="0" y="0"/>
+          <a:chExt cx="0" cy="0"/>
+        </a:xfrm>
+      </p:grpSpPr>
+      <p:sp>
+        <p:nvSpPr>
+          <p:cNvPr id="2" name="Slide Image Placeholder 1"/>
+          <p:cNvSpPr>
+            <a:spLocks noGrp="1" noRot="1" noChangeAspect="1"/>
+          </p:cNvSpPr>
+          <p:nvPr>
+            <p:ph type="sldImg"/>
+          </p:nvPr>
+        </p:nvSpPr>
+        <p:spPr/>
+      </p:sp>
+      <p:sp>
+        <p:nvSpPr>
+          <p:cNvPr id="3" name="Notes Placeholder 2"/>
+          <p:cNvSpPr>
+            <a:spLocks noGrp="1"/>
+          </p:cNvSpPr>
+          <p:nvPr>
+            <p:ph type="body" idx="1"/>
+          </p:nvPr>
+        </p:nvSpPr>
+        <p:spPr/>
+        <p:txBody>
+          <a:bodyPr/>
+          <a:lstStyle/>
+          <a:p>
+            <a:endParaRPr lang="en-US" dirty="0"/>
+          </a:p>
+        </p:txBody>
+      </p:sp>
+      <p:sp>
+        <p:nvSpPr>
+          <p:cNvPr id="4" name="Slide Number Placeholder 3"/>
+          <p:cNvSpPr>
+            <a:spLocks noGrp="1"/>
+          </p:cNvSpPr>
+          <p:nvPr>
+            <p:ph type="sldNum" sz="quarter" idx="5"/>
+          </p:nvPr>
+        </p:nvSpPr>
+        <p:spPr/>
+        <p:txBody>
+          <a:bodyPr/>
+          <a:lstStyle/>
+          <a:p>
+            <a:fld id="{F33E01E3-981B-4CB5-81ED-65C622C255CB}" type="slidenum">
+              <a:rPr lang="en-US" smtClean="0"/>
+              <a:t>33</a:t>
+            </a:fld>
+            <a:endParaRPr lang="en-US"/>
+          </a:p>
+        </p:txBody>
+      </p:sp>
+    </p:spTree>
+    <p:extLst>
+      <p:ext uri="{BB962C8B-B14F-4D97-AF65-F5344CB8AC3E}">
+        <p14:creationId xmlns:p14="http://schemas.microsoft.com/office/powerpoint/2010/main" val="627694233"/>
+      </p:ext>
+    </p:extLst>
+  </p:cSld>
+  <p:clrMapOvr>
+    <a:masterClrMapping/>
+  </p:clrMapOvr>
+</p:notes>
+</file>
+
+<file path=ppt/notesSlides/notesSlide2.xml><?xml version="1.0" encoding="utf-8"?>
+<p:notes xmlns:a="http://schemas.openxmlformats.org/drawingml/2006/main" xmlns:r="http://schemas.openxmlformats.org/officeDocument/2006/relationships" xmlns:p="http://schemas.openxmlformats.org/presentationml/2006/main">
+  <p:cSld>
+    <p:spTree>
+      <p:nvGrpSpPr>
+        <p:cNvPr id="1" name=""/>
+        <p:cNvGrpSpPr/>
+        <p:nvPr/>
+      </p:nvGrpSpPr>
+      <p:grpSpPr>
+        <a:xfrm>
+          <a:off x="0" y="0"/>
+          <a:ext cx="0" cy="0"/>
+          <a:chOff x="0" y="0"/>
+          <a:chExt cx="0" cy="0"/>
+        </a:xfrm>
+      </p:grpSpPr>
+      <p:sp>
+        <p:nvSpPr>
+          <p:cNvPr id="2" name="Slide Image Placeholder 1"/>
+          <p:cNvSpPr>
+            <a:spLocks noGrp="1" noRot="1" noChangeAspect="1"/>
+          </p:cNvSpPr>
+          <p:nvPr>
+            <p:ph type="sldImg"/>
+          </p:nvPr>
+        </p:nvSpPr>
+        <p:spPr/>
+      </p:sp>
+      <p:sp>
+        <p:nvSpPr>
+          <p:cNvPr id="3" name="Notes Placeholder 2"/>
+          <p:cNvSpPr>
+            <a:spLocks noGrp="1"/>
+          </p:cNvSpPr>
+          <p:nvPr>
+            <p:ph type="body" idx="1"/>
+          </p:nvPr>
+        </p:nvSpPr>
+        <p:spPr/>
+        <p:txBody>
+          <a:bodyPr/>
+          <a:lstStyle/>
+          <a:p>
+            <a:endParaRPr lang="en-US" dirty="0"/>
+          </a:p>
+        </p:txBody>
+      </p:sp>
+      <p:sp>
+        <p:nvSpPr>
+          <p:cNvPr id="4" name="Slide Number Placeholder 3"/>
+          <p:cNvSpPr>
+            <a:spLocks noGrp="1"/>
+          </p:cNvSpPr>
+          <p:nvPr>
+            <p:ph type="sldNum" sz="quarter" idx="5"/>
+          </p:nvPr>
+        </p:nvSpPr>
+        <p:spPr/>
+        <p:txBody>
+          <a:bodyPr/>
+          <a:lstStyle/>
+          <a:p>
+            <a:fld id="{F33E01E3-981B-4CB5-81ED-65C622C255CB}" type="slidenum">
+              <a:rPr lang="en-US" smtClean="0"/>
+              <a:t>34</a:t>
+            </a:fld>
+            <a:endParaRPr lang="en-US"/>
+          </a:p>
+        </p:txBody>
+      </p:sp>
+    </p:spTree>
+    <p:extLst>
+      <p:ext uri="{BB962C8B-B14F-4D97-AF65-F5344CB8AC3E}">
+        <p14:creationId xmlns:p14="http://schemas.microsoft.com/office/powerpoint/2010/main" val="941757926"/>
+      </p:ext>
+    </p:extLst>
+  </p:cSld>
+  <p:clrMapOvr>
+    <a:masterClrMapping/>
+  </p:clrMapOvr>
+</p:notes>
+</file>
+
 <file path=ppt/slideLayouts/slideLayout1.xml><?xml version="1.0" encoding="utf-8"?>
 <p:sldLayout xmlns:a="http://schemas.openxmlformats.org/drawingml/2006/main" xmlns:r="http://schemas.openxmlformats.org/officeDocument/2006/relationships" xmlns:p="http://schemas.openxmlformats.org/presentationml/2006/main" type="title" preserve="1">
   <p:cSld name="Title Slide">
@@ -651,7 +824,7 @@
           <a:p>
             <a:fld id="{6E4A31BF-7266-4BEB-918B-ADC21C630A6F}" type="datetimeFigureOut">
               <a:rPr lang="en-US" smtClean="0"/>
-              <a:t>6/24/2022</a:t>
+              <a:t>6/27/2022</a:t>
             </a:fld>
             <a:endParaRPr lang="en-US"/>
           </a:p>
@@ -849,7 +1022,7 @@
           <a:p>
             <a:fld id="{6E4A31BF-7266-4BEB-918B-ADC21C630A6F}" type="datetimeFigureOut">
               <a:rPr lang="en-US" smtClean="0"/>
-              <a:t>6/24/2022</a:t>
+              <a:t>6/27/2022</a:t>
             </a:fld>
             <a:endParaRPr lang="en-US"/>
           </a:p>
@@ -1057,7 +1230,7 @@
           <a:p>
             <a:fld id="{6E4A31BF-7266-4BEB-918B-ADC21C630A6F}" type="datetimeFigureOut">
               <a:rPr lang="en-US" smtClean="0"/>
-              <a:t>6/24/2022</a:t>
+              <a:t>6/27/2022</a:t>
             </a:fld>
             <a:endParaRPr lang="en-US"/>
           </a:p>
@@ -1255,7 +1428,7 @@
           <a:p>
             <a:fld id="{6E4A31BF-7266-4BEB-918B-ADC21C630A6F}" type="datetimeFigureOut">
               <a:rPr lang="en-US" smtClean="0"/>
-              <a:t>6/24/2022</a:t>
+              <a:t>6/27/2022</a:t>
             </a:fld>
             <a:endParaRPr lang="en-US"/>
           </a:p>
@@ -1530,7 +1703,7 @@
           <a:p>
             <a:fld id="{6E4A31BF-7266-4BEB-918B-ADC21C630A6F}" type="datetimeFigureOut">
               <a:rPr lang="en-US" smtClean="0"/>
-              <a:t>6/24/2022</a:t>
+              <a:t>6/27/2022</a:t>
             </a:fld>
             <a:endParaRPr lang="en-US"/>
           </a:p>
@@ -1795,7 +1968,7 @@
           <a:p>
             <a:fld id="{6E4A31BF-7266-4BEB-918B-ADC21C630A6F}" type="datetimeFigureOut">
               <a:rPr lang="en-US" smtClean="0"/>
-              <a:t>6/24/2022</a:t>
+              <a:t>6/27/2022</a:t>
             </a:fld>
             <a:endParaRPr lang="en-US"/>
           </a:p>
@@ -2207,7 +2380,7 @@
           <a:p>
             <a:fld id="{6E4A31BF-7266-4BEB-918B-ADC21C630A6F}" type="datetimeFigureOut">
               <a:rPr lang="en-US" smtClean="0"/>
-              <a:t>6/24/2022</a:t>
+              <a:t>6/27/2022</a:t>
             </a:fld>
             <a:endParaRPr lang="en-US"/>
           </a:p>
@@ -2348,7 +2521,7 @@
           <a:p>
             <a:fld id="{6E4A31BF-7266-4BEB-918B-ADC21C630A6F}" type="datetimeFigureOut">
               <a:rPr lang="en-US" smtClean="0"/>
-              <a:t>6/24/2022</a:t>
+              <a:t>6/27/2022</a:t>
             </a:fld>
             <a:endParaRPr lang="en-US"/>
           </a:p>
@@ -2461,7 +2634,7 @@
           <a:p>
             <a:fld id="{6E4A31BF-7266-4BEB-918B-ADC21C630A6F}" type="datetimeFigureOut">
               <a:rPr lang="en-US" smtClean="0"/>
-              <a:t>6/24/2022</a:t>
+              <a:t>6/27/2022</a:t>
             </a:fld>
             <a:endParaRPr lang="en-US"/>
           </a:p>
@@ -2772,7 +2945,7 @@
           <a:p>
             <a:fld id="{6E4A31BF-7266-4BEB-918B-ADC21C630A6F}" type="datetimeFigureOut">
               <a:rPr lang="en-US" smtClean="0"/>
-              <a:t>6/24/2022</a:t>
+              <a:t>6/27/2022</a:t>
             </a:fld>
             <a:endParaRPr lang="en-US"/>
           </a:p>
@@ -3060,7 +3233,7 @@
           <a:p>
             <a:fld id="{6E4A31BF-7266-4BEB-918B-ADC21C630A6F}" type="datetimeFigureOut">
               <a:rPr lang="en-US" smtClean="0"/>
-              <a:t>6/24/2022</a:t>
+              <a:t>6/27/2022</a:t>
             </a:fld>
             <a:endParaRPr lang="en-US"/>
           </a:p>
@@ -3301,7 +3474,7 @@
           <a:p>
             <a:fld id="{6E4A31BF-7266-4BEB-918B-ADC21C630A6F}" type="datetimeFigureOut">
               <a:rPr lang="en-US" smtClean="0"/>
-              <a:t>6/24/2022</a:t>
+              <a:t>6/27/2022</a:t>
             </a:fld>
             <a:endParaRPr lang="en-US"/>
           </a:p>
@@ -31119,7 +31292,7 @@
           <a:p>
             <a:r>
               <a:rPr lang="en-US" dirty="0"/>
-              <a:t>Example: Consider a variation capable of deletes: </a:t>
+              <a:t>Variations capable of deletes: </a:t>
             </a:r>
           </a:p>
           <a:p>
@@ -31133,15 +31306,7 @@
             <a:pPr lvl="1"/>
             <a:r>
               <a:rPr lang="en-US" dirty="0"/>
-              <a:t>When event type is deleted a bit is deleted from each hash </a:t>
-            </a:r>
-            <a:r>
-              <a:rPr lang="en-US" dirty="0" err="1"/>
-              <a:t>locaton</a:t>
-            </a:r>
-            <a:r>
-              <a:rPr lang="en-US" dirty="0"/>
-              <a:t>   </a:t>
+              <a:t>When event type is deleted a bit is deleted from each hash location   </a:t>
             </a:r>
           </a:p>
         </p:txBody>
@@ -31589,6 +31754,3478 @@
 </file>
 
 <file path=ppt/slides/slide33.xml><?xml version="1.0" encoding="utf-8"?>
+<p:sld xmlns:a="http://schemas.openxmlformats.org/drawingml/2006/main" xmlns:r="http://schemas.openxmlformats.org/officeDocument/2006/relationships" xmlns:p="http://schemas.openxmlformats.org/presentationml/2006/main">
+  <p:cSld>
+    <p:spTree>
+      <p:nvGrpSpPr>
+        <p:cNvPr id="1" name=""/>
+        <p:cNvGrpSpPr/>
+        <p:nvPr/>
+      </p:nvGrpSpPr>
+      <p:grpSpPr>
+        <a:xfrm>
+          <a:off x="0" y="0"/>
+          <a:ext cx="0" cy="0"/>
+          <a:chOff x="0" y="0"/>
+          <a:chExt cx="0" cy="0"/>
+        </a:xfrm>
+      </p:grpSpPr>
+      <p:sp>
+        <p:nvSpPr>
+          <p:cNvPr id="3" name="Content Placeholder 2">
+            <a:extLst>
+              <a:ext uri="{FF2B5EF4-FFF2-40B4-BE49-F238E27FC236}">
+                <a16:creationId xmlns:a16="http://schemas.microsoft.com/office/drawing/2014/main" id="{258E6AF3-7615-4BD1-878E-A94C93E98F90}"/>
+              </a:ext>
+            </a:extLst>
+          </p:cNvPr>
+          <p:cNvSpPr>
+            <a:spLocks noGrp="1"/>
+          </p:cNvSpPr>
+          <p:nvPr>
+            <p:ph idx="1"/>
+          </p:nvPr>
+        </p:nvSpPr>
+        <p:spPr>
+          <a:xfrm>
+            <a:off x="784412" y="1324928"/>
+            <a:ext cx="10515600" cy="5533072"/>
+          </a:xfrm>
+        </p:spPr>
+        <p:txBody>
+          <a:bodyPr/>
+          <a:lstStyle/>
+          <a:p>
+            <a:pPr marL="0" indent="0">
+              <a:buNone/>
+            </a:pPr>
+            <a:r>
+              <a:rPr lang="en-US" sz="3200" dirty="0"/>
+              <a:t>Alternatives to Bloom filter</a:t>
+            </a:r>
+            <a:endParaRPr lang="en-US" sz="3200" b="1" dirty="0"/>
+          </a:p>
+          <a:p>
+            <a:r>
+              <a:rPr lang="en-US" dirty="0"/>
+              <a:t>Variation capable of deletes: </a:t>
+            </a:r>
+          </a:p>
+          <a:p>
+            <a:pPr lvl="1"/>
+            <a:r>
+              <a:rPr lang="en-US" dirty="0"/>
+              <a:t>Each bit location has a counter </a:t>
+            </a:r>
+          </a:p>
+          <a:p>
+            <a:pPr lvl="1"/>
+            <a:r>
+              <a:rPr lang="en-US" dirty="0"/>
+              <a:t>When event type is deleted a bit is deleted from each hash location </a:t>
+            </a:r>
+          </a:p>
+          <a:p>
+            <a:r>
+              <a:rPr lang="en-US" dirty="0">
+                <a:hlinkClick r:id="rId3"/>
+              </a:rPr>
+              <a:t>Quotient filter </a:t>
+            </a:r>
+            <a:r>
+              <a:rPr lang="en-US" dirty="0"/>
+              <a:t>uses sophisticated hashing scheme </a:t>
+            </a:r>
+          </a:p>
+          <a:p>
+            <a:pPr lvl="1"/>
+            <a:r>
+              <a:rPr lang="en-US" dirty="0"/>
+              <a:t>Manages counts in buckets</a:t>
+            </a:r>
+          </a:p>
+          <a:p>
+            <a:pPr lvl="1"/>
+            <a:r>
+              <a:rPr lang="en-US" dirty="0"/>
+              <a:t>Uses more memory and computation compared to Bloom filter   </a:t>
+            </a:r>
+          </a:p>
+          <a:p>
+            <a:pPr marL="457200" lvl="1" indent="0">
+              <a:buNone/>
+            </a:pPr>
+            <a:endParaRPr lang="en-US" dirty="0"/>
+          </a:p>
+          <a:p>
+            <a:pPr marL="0" indent="0">
+              <a:buNone/>
+            </a:pPr>
+            <a:r>
+              <a:rPr lang="en-US" sz="2000" dirty="0"/>
+              <a:t>Find details for quotient filter and other methods in </a:t>
+            </a:r>
+            <a:r>
+              <a:rPr lang="en-US" sz="2000" dirty="0">
+                <a:hlinkClick r:id="rId4"/>
+              </a:rPr>
+              <a:t>Algorithms and Structures for Massive Data Sets, </a:t>
+            </a:r>
+            <a:r>
+              <a:rPr lang="en-US" sz="2000" dirty="0" err="1">
+                <a:hlinkClick r:id="rId4"/>
+              </a:rPr>
+              <a:t>Medjodovic</a:t>
+            </a:r>
+            <a:r>
+              <a:rPr lang="en-US" sz="2000" dirty="0">
+                <a:hlinkClick r:id="rId4"/>
+              </a:rPr>
+              <a:t>, et al., 2022, Manning</a:t>
+            </a:r>
+            <a:r>
+              <a:rPr lang="en-US" sz="2000" dirty="0"/>
+              <a:t>   </a:t>
+            </a:r>
+          </a:p>
+        </p:txBody>
+      </p:sp>
+      <p:sp>
+        <p:nvSpPr>
+          <p:cNvPr id="6" name="Title 1">
+            <a:extLst>
+              <a:ext uri="{FF2B5EF4-FFF2-40B4-BE49-F238E27FC236}">
+                <a16:creationId xmlns:a16="http://schemas.microsoft.com/office/drawing/2014/main" id="{CD29F70F-B868-451B-A65D-8721F4C7A2D9}"/>
+              </a:ext>
+            </a:extLst>
+          </p:cNvPr>
+          <p:cNvSpPr txBox="1">
+            <a:spLocks/>
+          </p:cNvSpPr>
+          <p:nvPr/>
+        </p:nvSpPr>
+        <p:spPr>
+          <a:xfrm>
+            <a:off x="838200" y="-635"/>
+            <a:ext cx="10515600" cy="1325563"/>
+          </a:xfrm>
+          <a:prstGeom prst="rect">
+            <a:avLst/>
+          </a:prstGeom>
+        </p:spPr>
+        <p:txBody>
+          <a:bodyPr vert="horz" lIns="91440" tIns="45720" rIns="91440" bIns="45720" rtlCol="0" anchor="ctr">
+            <a:normAutofit/>
+          </a:bodyPr>
+          <a:lstStyle>
+            <a:lvl1pPr algn="l" defTabSz="914400" rtl="0" eaLnBrk="1" latinLnBrk="0" hangingPunct="1">
+              <a:lnSpc>
+                <a:spcPct val="90000"/>
+              </a:lnSpc>
+              <a:spcBef>
+                <a:spcPct val="0"/>
+              </a:spcBef>
+              <a:buNone/>
+              <a:defRPr sz="4400" kern="1200">
+                <a:solidFill>
+                  <a:schemeClr val="tx1"/>
+                </a:solidFill>
+                <a:latin typeface="+mj-lt"/>
+                <a:ea typeface="+mj-ea"/>
+                <a:cs typeface="+mj-cs"/>
+              </a:defRPr>
+            </a:lvl1pPr>
+          </a:lstStyle>
+          <a:p>
+            <a:r>
+              <a:rPr lang="en-US" dirty="0">
+                <a:latin typeface="+mn-lt"/>
+              </a:rPr>
+              <a:t>Filtering Event Data </a:t>
+            </a:r>
+          </a:p>
+        </p:txBody>
+      </p:sp>
+    </p:spTree>
+    <p:extLst>
+      <p:ext uri="{BB962C8B-B14F-4D97-AF65-F5344CB8AC3E}">
+        <p14:creationId xmlns:p14="http://schemas.microsoft.com/office/powerpoint/2010/main" val="3209979251"/>
+      </p:ext>
+    </p:extLst>
+  </p:cSld>
+  <p:clrMapOvr>
+    <a:masterClrMapping/>
+  </p:clrMapOvr>
+  <p:timing>
+    <p:tnLst>
+      <p:par>
+        <p:cTn id="1" dur="indefinite" restart="never" nodeType="tmRoot">
+          <p:childTnLst>
+            <p:seq concurrent="1" nextAc="seek">
+              <p:cTn id="2" dur="indefinite" nodeType="mainSeq">
+                <p:childTnLst>
+                  <p:par>
+                    <p:cTn id="3" fill="hold">
+                      <p:stCondLst>
+                        <p:cond delay="indefinite"/>
+                      </p:stCondLst>
+                      <p:childTnLst>
+                        <p:par>
+                          <p:cTn id="4" fill="hold">
+                            <p:stCondLst>
+                              <p:cond delay="0"/>
+                            </p:stCondLst>
+                            <p:childTnLst>
+                              <p:par>
+                                <p:cTn id="5" presetID="1" presetClass="entr" presetSubtype="0" fill="hold" nodeType="clickEffect">
+                                  <p:stCondLst>
+                                    <p:cond delay="0"/>
+                                  </p:stCondLst>
+                                  <p:childTnLst>
+                                    <p:set>
+                                      <p:cBhvr>
+                                        <p:cTn id="6" dur="1" fill="hold">
+                                          <p:stCondLst>
+                                            <p:cond delay="0"/>
+                                          </p:stCondLst>
+                                        </p:cTn>
+                                        <p:tgtEl>
+                                          <p:spTgt spid="3">
+                                            <p:txEl>
+                                              <p:pRg st="4" end="4"/>
+                                            </p:txEl>
+                                          </p:spTgt>
+                                        </p:tgtEl>
+                                        <p:attrNameLst>
+                                          <p:attrName>style.visibility</p:attrName>
+                                        </p:attrNameLst>
+                                      </p:cBhvr>
+                                      <p:to>
+                                        <p:strVal val="visible"/>
+                                      </p:to>
+                                    </p:set>
+                                  </p:childTnLst>
+                                </p:cTn>
+                              </p:par>
+                            </p:childTnLst>
+                          </p:cTn>
+                        </p:par>
+                      </p:childTnLst>
+                    </p:cTn>
+                  </p:par>
+                  <p:par>
+                    <p:cTn id="7" fill="hold">
+                      <p:stCondLst>
+                        <p:cond delay="indefinite"/>
+                      </p:stCondLst>
+                      <p:childTnLst>
+                        <p:par>
+                          <p:cTn id="8" fill="hold">
+                            <p:stCondLst>
+                              <p:cond delay="0"/>
+                            </p:stCondLst>
+                            <p:childTnLst>
+                              <p:par>
+                                <p:cTn id="9" presetID="1" presetClass="entr" presetSubtype="0" fill="hold" nodeType="clickEffect">
+                                  <p:stCondLst>
+                                    <p:cond delay="0"/>
+                                  </p:stCondLst>
+                                  <p:childTnLst>
+                                    <p:set>
+                                      <p:cBhvr>
+                                        <p:cTn id="10" dur="1" fill="hold">
+                                          <p:stCondLst>
+                                            <p:cond delay="0"/>
+                                          </p:stCondLst>
+                                        </p:cTn>
+                                        <p:tgtEl>
+                                          <p:spTgt spid="3">
+                                            <p:txEl>
+                                              <p:pRg st="5" end="5"/>
+                                            </p:txEl>
+                                          </p:spTgt>
+                                        </p:tgtEl>
+                                        <p:attrNameLst>
+                                          <p:attrName>style.visibility</p:attrName>
+                                        </p:attrNameLst>
+                                      </p:cBhvr>
+                                      <p:to>
+                                        <p:strVal val="visible"/>
+                                      </p:to>
+                                    </p:set>
+                                  </p:childTnLst>
+                                </p:cTn>
+                              </p:par>
+                            </p:childTnLst>
+                          </p:cTn>
+                        </p:par>
+                      </p:childTnLst>
+                    </p:cTn>
+                  </p:par>
+                  <p:par>
+                    <p:cTn id="11" fill="hold">
+                      <p:stCondLst>
+                        <p:cond delay="indefinite"/>
+                      </p:stCondLst>
+                      <p:childTnLst>
+                        <p:par>
+                          <p:cTn id="12" fill="hold">
+                            <p:stCondLst>
+                              <p:cond delay="0"/>
+                            </p:stCondLst>
+                            <p:childTnLst>
+                              <p:par>
+                                <p:cTn id="13" presetID="1" presetClass="entr" presetSubtype="0" fill="hold" nodeType="clickEffect">
+                                  <p:stCondLst>
+                                    <p:cond delay="0"/>
+                                  </p:stCondLst>
+                                  <p:childTnLst>
+                                    <p:set>
+                                      <p:cBhvr>
+                                        <p:cTn id="14" dur="1" fill="hold">
+                                          <p:stCondLst>
+                                            <p:cond delay="0"/>
+                                          </p:stCondLst>
+                                        </p:cTn>
+                                        <p:tgtEl>
+                                          <p:spTgt spid="3">
+                                            <p:txEl>
+                                              <p:pRg st="6" end="6"/>
+                                            </p:txEl>
+                                          </p:spTgt>
+                                        </p:tgtEl>
+                                        <p:attrNameLst>
+                                          <p:attrName>style.visibility</p:attrName>
+                                        </p:attrNameLst>
+                                      </p:cBhvr>
+                                      <p:to>
+                                        <p:strVal val="visible"/>
+                                      </p:to>
+                                    </p:set>
+                                  </p:childTnLst>
+                                </p:cTn>
+                              </p:par>
+                            </p:childTnLst>
+                          </p:cTn>
+                        </p:par>
+                      </p:childTnLst>
+                    </p:cTn>
+                  </p:par>
+                  <p:par>
+                    <p:cTn id="15" fill="hold">
+                      <p:stCondLst>
+                        <p:cond delay="indefinite"/>
+                      </p:stCondLst>
+                      <p:childTnLst>
+                        <p:par>
+                          <p:cTn id="16" fill="hold">
+                            <p:stCondLst>
+                              <p:cond delay="0"/>
+                            </p:stCondLst>
+                            <p:childTnLst>
+                              <p:par>
+                                <p:cTn id="17" presetID="1" presetClass="entr" presetSubtype="0" fill="hold" nodeType="clickEffect">
+                                  <p:stCondLst>
+                                    <p:cond delay="0"/>
+                                  </p:stCondLst>
+                                  <p:childTnLst>
+                                    <p:set>
+                                      <p:cBhvr>
+                                        <p:cTn id="18" dur="1" fill="hold">
+                                          <p:stCondLst>
+                                            <p:cond delay="0"/>
+                                          </p:stCondLst>
+                                        </p:cTn>
+                                        <p:tgtEl>
+                                          <p:spTgt spid="3">
+                                            <p:txEl>
+                                              <p:pRg st="8" end="8"/>
+                                            </p:txEl>
+                                          </p:spTgt>
+                                        </p:tgtEl>
+                                        <p:attrNameLst>
+                                          <p:attrName>style.visibility</p:attrName>
+                                        </p:attrNameLst>
+                                      </p:cBhvr>
+                                      <p:to>
+                                        <p:strVal val="visible"/>
+                                      </p:to>
+                                    </p:set>
+                                  </p:childTnLst>
+                                </p:cTn>
+                              </p:par>
+                            </p:childTnLst>
+                          </p:cTn>
+                        </p:par>
+                      </p:childTnLst>
+                    </p:cTn>
+                  </p:par>
+                </p:childTnLst>
+              </p:cTn>
+              <p:prevCondLst>
+                <p:cond evt="onPrev" delay="0">
+                  <p:tgtEl>
+                    <p:sldTgt/>
+                  </p:tgtEl>
+                </p:cond>
+              </p:prevCondLst>
+              <p:nextCondLst>
+                <p:cond evt="onNext" delay="0">
+                  <p:tgtEl>
+                    <p:sldTgt/>
+                  </p:tgtEl>
+                </p:cond>
+              </p:nextCondLst>
+            </p:seq>
+          </p:childTnLst>
+        </p:cTn>
+      </p:par>
+    </p:tnLst>
+  </p:timing>
+</p:sld>
+</file>
+
+<file path=ppt/slides/slide34.xml><?xml version="1.0" encoding="utf-8"?>
+<p:sld xmlns:a="http://schemas.openxmlformats.org/drawingml/2006/main" xmlns:r="http://schemas.openxmlformats.org/officeDocument/2006/relationships" xmlns:p="http://schemas.openxmlformats.org/presentationml/2006/main">
+  <p:cSld>
+    <p:spTree>
+      <p:nvGrpSpPr>
+        <p:cNvPr id="1" name=""/>
+        <p:cNvGrpSpPr/>
+        <p:nvPr/>
+      </p:nvGrpSpPr>
+      <p:grpSpPr>
+        <a:xfrm>
+          <a:off x="0" y="0"/>
+          <a:ext cx="0" cy="0"/>
+          <a:chOff x="0" y="0"/>
+          <a:chExt cx="0" cy="0"/>
+        </a:xfrm>
+      </p:grpSpPr>
+      <mc:AlternateContent xmlns:mc="http://schemas.openxmlformats.org/markup-compatibility/2006">
+        <mc:Choice xmlns:a14="http://schemas.microsoft.com/office/drawing/2010/main" Requires="a14">
+          <p:sp>
+            <p:nvSpPr>
+              <p:cNvPr id="3" name="Content Placeholder 2">
+                <a:extLst>
+                  <a:ext uri="{FF2B5EF4-FFF2-40B4-BE49-F238E27FC236}">
+                    <a16:creationId xmlns:a16="http://schemas.microsoft.com/office/drawing/2014/main" id="{258E6AF3-7615-4BD1-878E-A94C93E98F90}"/>
+                  </a:ext>
+                </a:extLst>
+              </p:cNvPr>
+              <p:cNvSpPr>
+                <a:spLocks noGrp="1"/>
+              </p:cNvSpPr>
+              <p:nvPr>
+                <p:ph idx="1"/>
+              </p:nvPr>
+            </p:nvSpPr>
+            <p:spPr>
+              <a:xfrm>
+                <a:off x="784412" y="1324928"/>
+                <a:ext cx="6643910" cy="5533072"/>
+              </a:xfrm>
+            </p:spPr>
+            <p:txBody>
+              <a:bodyPr/>
+              <a:lstStyle/>
+              <a:p>
+                <a:pPr marL="0" indent="0">
+                  <a:buNone/>
+                </a:pPr>
+                <a:r>
+                  <a:rPr lang="en-US" sz="3200" dirty="0"/>
+                  <a:t>Event filter with deletes</a:t>
+                </a:r>
+              </a:p>
+              <a:p>
+                <a:r>
+                  <a:rPr lang="en-US" sz="3200" dirty="0"/>
+                  <a:t>Start with hash table for event identifiers, </a:t>
+                </a:r>
+                <a14:m>
+                  <m:oMath xmlns:m="http://schemas.openxmlformats.org/officeDocument/2006/math">
+                    <m:r>
+                      <a:rPr lang="en-US" sz="3200" i="1">
+                        <a:latin typeface="Cambria Math" panose="02040503050406030204" pitchFamily="18" charset="0"/>
+                      </a:rPr>
+                      <m:t>h</m:t>
+                    </m:r>
+                    <m:r>
+                      <a:rPr lang="en-US" sz="3200" i="1">
+                        <a:latin typeface="Cambria Math" panose="02040503050406030204" pitchFamily="18" charset="0"/>
+                      </a:rPr>
+                      <m:t>(</m:t>
+                    </m:r>
+                    <m:sSub>
+                      <m:sSubPr>
+                        <m:ctrlPr>
+                          <a:rPr lang="en-US" sz="3200" i="1">
+                            <a:latin typeface="Cambria Math" panose="02040503050406030204" pitchFamily="18" charset="0"/>
+                          </a:rPr>
+                        </m:ctrlPr>
+                      </m:sSubPr>
+                      <m:e>
+                        <m:r>
+                          <a:rPr lang="en-US" sz="3200" i="1">
+                            <a:latin typeface="Cambria Math" panose="02040503050406030204" pitchFamily="18" charset="0"/>
+                          </a:rPr>
+                          <m:t>𝑎</m:t>
+                        </m:r>
+                      </m:e>
+                      <m:sub>
+                        <m:r>
+                          <a:rPr lang="en-US" sz="3200" i="1">
+                            <a:latin typeface="Cambria Math" panose="02040503050406030204" pitchFamily="18" charset="0"/>
+                          </a:rPr>
+                          <m:t>1</m:t>
+                        </m:r>
+                      </m:sub>
+                    </m:sSub>
+                    <m:r>
+                      <a:rPr lang="en-US" sz="3200" i="1">
+                        <a:latin typeface="Cambria Math" panose="02040503050406030204" pitchFamily="18" charset="0"/>
+                      </a:rPr>
+                      <m:t>)</m:t>
+                    </m:r>
+                  </m:oMath>
+                </a14:m>
+                <a:endParaRPr lang="en-US" sz="3200" dirty="0"/>
+              </a:p>
+              <a:p>
+                <a:r>
+                  <a:rPr lang="en-US" sz="3200" dirty="0"/>
+                  <a:t>Maintain counts of event identifiers by hash value, </a:t>
+                </a:r>
+                <a14:m>
+                  <m:oMath xmlns:m="http://schemas.openxmlformats.org/officeDocument/2006/math">
+                    <m:r>
+                      <a:rPr lang="en-US" sz="3200" i="1">
+                        <a:latin typeface="Cambria Math" panose="02040503050406030204" pitchFamily="18" charset="0"/>
+                      </a:rPr>
+                      <m:t>#</m:t>
+                    </m:r>
+                    <m:sSub>
+                      <m:sSubPr>
+                        <m:ctrlPr>
+                          <a:rPr lang="en-US" sz="3200" i="1">
+                            <a:latin typeface="Cambria Math" panose="02040503050406030204" pitchFamily="18" charset="0"/>
+                          </a:rPr>
+                        </m:ctrlPr>
+                      </m:sSubPr>
+                      <m:e>
+                        <m:r>
+                          <a:rPr lang="en-US" sz="3200" i="1">
+                            <a:latin typeface="Cambria Math" panose="02040503050406030204" pitchFamily="18" charset="0"/>
+                          </a:rPr>
+                          <m:t>𝑎</m:t>
+                        </m:r>
+                      </m:e>
+                      <m:sub>
+                        <m:r>
+                          <a:rPr lang="en-US" sz="3200" i="1">
+                            <a:latin typeface="Cambria Math" panose="02040503050406030204" pitchFamily="18" charset="0"/>
+                          </a:rPr>
+                          <m:t>1</m:t>
+                        </m:r>
+                      </m:sub>
+                    </m:sSub>
+                  </m:oMath>
+                </a14:m>
+                <a:endParaRPr lang="en-US" sz="3200" dirty="0"/>
+              </a:p>
+              <a:p>
+                <a:r>
+                  <a:rPr lang="en-US" sz="3200" dirty="0"/>
+                  <a:t>Addition is +1 for </a:t>
+                </a:r>
+                <a14:m>
+                  <m:oMath xmlns:m="http://schemas.openxmlformats.org/officeDocument/2006/math">
+                    <m:r>
+                      <a:rPr lang="en-US" sz="3200" i="1">
+                        <a:latin typeface="Cambria Math" panose="02040503050406030204" pitchFamily="18" charset="0"/>
+                      </a:rPr>
+                      <m:t>#</m:t>
+                    </m:r>
+                    <m:sSub>
+                      <m:sSubPr>
+                        <m:ctrlPr>
+                          <a:rPr lang="en-US" sz="3200" i="1">
+                            <a:latin typeface="Cambria Math" panose="02040503050406030204" pitchFamily="18" charset="0"/>
+                          </a:rPr>
+                        </m:ctrlPr>
+                      </m:sSubPr>
+                      <m:e>
+                        <m:r>
+                          <a:rPr lang="en-US" sz="3200" i="1">
+                            <a:latin typeface="Cambria Math" panose="02040503050406030204" pitchFamily="18" charset="0"/>
+                          </a:rPr>
+                          <m:t>𝑎</m:t>
+                        </m:r>
+                      </m:e>
+                      <m:sub>
+                        <m:r>
+                          <a:rPr lang="en-US" sz="3200" b="0" i="1" smtClean="0">
+                            <a:latin typeface="Cambria Math" panose="02040503050406030204" pitchFamily="18" charset="0"/>
+                          </a:rPr>
+                          <m:t>𝑖</m:t>
+                        </m:r>
+                      </m:sub>
+                    </m:sSub>
+                  </m:oMath>
+                </a14:m>
+                <a:endParaRPr lang="en-US" sz="3200" dirty="0"/>
+              </a:p>
+              <a:p>
+                <a:r>
+                  <a:rPr lang="en-US" sz="3200" dirty="0"/>
+                  <a:t>Delete is -1 for </a:t>
+                </a:r>
+                <a14:m>
+                  <m:oMath xmlns:m="http://schemas.openxmlformats.org/officeDocument/2006/math">
+                    <m:r>
+                      <a:rPr lang="en-US" sz="3200" i="1">
+                        <a:latin typeface="Cambria Math" panose="02040503050406030204" pitchFamily="18" charset="0"/>
+                      </a:rPr>
+                      <m:t>#</m:t>
+                    </m:r>
+                    <m:sSub>
+                      <m:sSubPr>
+                        <m:ctrlPr>
+                          <a:rPr lang="en-US" sz="3200" i="1" smtClean="0">
+                            <a:latin typeface="Cambria Math" panose="02040503050406030204" pitchFamily="18" charset="0"/>
+                          </a:rPr>
+                        </m:ctrlPr>
+                      </m:sSubPr>
+                      <m:e>
+                        <m:r>
+                          <a:rPr lang="en-US" sz="3200" i="1">
+                            <a:latin typeface="Cambria Math" panose="02040503050406030204" pitchFamily="18" charset="0"/>
+                          </a:rPr>
+                          <m:t>𝑎</m:t>
+                        </m:r>
+                      </m:e>
+                      <m:sub>
+                        <m:r>
+                          <a:rPr lang="en-US" sz="3200" b="0" i="1" smtClean="0">
+                            <a:latin typeface="Cambria Math" panose="02040503050406030204" pitchFamily="18" charset="0"/>
+                          </a:rPr>
+                          <m:t>𝑖</m:t>
+                        </m:r>
+                      </m:sub>
+                    </m:sSub>
+                  </m:oMath>
+                </a14:m>
+                <a:endParaRPr lang="en-US" sz="3200" dirty="0"/>
+              </a:p>
+            </p:txBody>
+          </p:sp>
+        </mc:Choice>
+        <mc:Fallback>
+          <p:sp>
+            <p:nvSpPr>
+              <p:cNvPr id="3" name="Content Placeholder 2">
+                <a:extLst>
+                  <a:ext uri="{FF2B5EF4-FFF2-40B4-BE49-F238E27FC236}">
+                    <a16:creationId xmlns:a16="http://schemas.microsoft.com/office/drawing/2014/main" id="{258E6AF3-7615-4BD1-878E-A94C93E98F90}"/>
+                  </a:ext>
+                </a:extLst>
+              </p:cNvPr>
+              <p:cNvSpPr>
+                <a:spLocks noGrp="1" noRot="1" noChangeAspect="1" noMove="1" noResize="1" noEditPoints="1" noAdjustHandles="1" noChangeArrowheads="1" noChangeShapeType="1" noTextEdit="1"/>
+              </p:cNvSpPr>
+              <p:nvPr>
+                <p:ph idx="1"/>
+              </p:nvPr>
+            </p:nvSpPr>
+            <p:spPr>
+              <a:xfrm>
+                <a:off x="784412" y="1324928"/>
+                <a:ext cx="6643910" cy="5533072"/>
+              </a:xfrm>
+              <a:blipFill>
+                <a:blip r:embed="rId3"/>
+                <a:stretch>
+                  <a:fillRect l="-2385" t="-2313"/>
+                </a:stretch>
+              </a:blipFill>
+            </p:spPr>
+            <p:txBody>
+              <a:bodyPr/>
+              <a:lstStyle/>
+              <a:p>
+                <a:r>
+                  <a:rPr lang="en-US">
+                    <a:noFill/>
+                  </a:rPr>
+                  <a:t> </a:t>
+                </a:r>
+              </a:p>
+            </p:txBody>
+          </p:sp>
+        </mc:Fallback>
+      </mc:AlternateContent>
+      <p:sp>
+        <p:nvSpPr>
+          <p:cNvPr id="6" name="Title 1">
+            <a:extLst>
+              <a:ext uri="{FF2B5EF4-FFF2-40B4-BE49-F238E27FC236}">
+                <a16:creationId xmlns:a16="http://schemas.microsoft.com/office/drawing/2014/main" id="{CD29F70F-B868-451B-A65D-8721F4C7A2D9}"/>
+              </a:ext>
+            </a:extLst>
+          </p:cNvPr>
+          <p:cNvSpPr txBox="1">
+            <a:spLocks/>
+          </p:cNvSpPr>
+          <p:nvPr/>
+        </p:nvSpPr>
+        <p:spPr>
+          <a:xfrm>
+            <a:off x="838200" y="-635"/>
+            <a:ext cx="5614447" cy="1325563"/>
+          </a:xfrm>
+          <a:prstGeom prst="rect">
+            <a:avLst/>
+          </a:prstGeom>
+        </p:spPr>
+        <p:txBody>
+          <a:bodyPr vert="horz" lIns="91440" tIns="45720" rIns="91440" bIns="45720" rtlCol="0" anchor="ctr">
+            <a:normAutofit/>
+          </a:bodyPr>
+          <a:lstStyle>
+            <a:lvl1pPr algn="l" defTabSz="914400" rtl="0" eaLnBrk="1" latinLnBrk="0" hangingPunct="1">
+              <a:lnSpc>
+                <a:spcPct val="90000"/>
+              </a:lnSpc>
+              <a:spcBef>
+                <a:spcPct val="0"/>
+              </a:spcBef>
+              <a:buNone/>
+              <a:defRPr sz="4400" kern="1200">
+                <a:solidFill>
+                  <a:schemeClr val="tx1"/>
+                </a:solidFill>
+                <a:latin typeface="+mj-lt"/>
+                <a:ea typeface="+mj-ea"/>
+                <a:cs typeface="+mj-cs"/>
+              </a:defRPr>
+            </a:lvl1pPr>
+          </a:lstStyle>
+          <a:p>
+            <a:r>
+              <a:rPr lang="en-US" dirty="0">
+                <a:latin typeface="+mn-lt"/>
+              </a:rPr>
+              <a:t>Filtering Event Data </a:t>
+            </a:r>
+          </a:p>
+        </p:txBody>
+      </p:sp>
+      <p:sp>
+        <p:nvSpPr>
+          <p:cNvPr id="10" name="Rectangle 9">
+            <a:extLst>
+              <a:ext uri="{FF2B5EF4-FFF2-40B4-BE49-F238E27FC236}">
+                <a16:creationId xmlns:a16="http://schemas.microsoft.com/office/drawing/2014/main" id="{04645C1B-71EA-B275-E5CD-F3F64D98946F}"/>
+              </a:ext>
+            </a:extLst>
+          </p:cNvPr>
+          <p:cNvSpPr/>
+          <p:nvPr/>
+        </p:nvSpPr>
+        <p:spPr>
+          <a:xfrm rot="5400000">
+            <a:off x="8619863" y="3402104"/>
+            <a:ext cx="449506" cy="1258314"/>
+          </a:xfrm>
+          <a:prstGeom prst="rect">
+            <a:avLst/>
+          </a:prstGeom>
+          <a:noFill/>
+          <a:ln w="25400">
+            <a:noFill/>
+          </a:ln>
+        </p:spPr>
+        <p:style>
+          <a:lnRef idx="2">
+            <a:schemeClr val="accent1">
+              <a:shade val="50000"/>
+            </a:schemeClr>
+          </a:lnRef>
+          <a:fillRef idx="1">
+            <a:schemeClr val="accent1"/>
+          </a:fillRef>
+          <a:effectRef idx="0">
+            <a:schemeClr val="accent1"/>
+          </a:effectRef>
+          <a:fontRef idx="minor">
+            <a:schemeClr val="lt1"/>
+          </a:fontRef>
+        </p:style>
+        <p:txBody>
+          <a:bodyPr rtlCol="0" anchor="ctr"/>
+          <a:lstStyle/>
+          <a:p>
+            <a:pPr algn="ctr"/>
+            <a:r>
+              <a:rPr lang="en-US" sz="2400" dirty="0">
+                <a:solidFill>
+                  <a:schemeClr val="tx1"/>
+                </a:solidFill>
+              </a:rPr>
+              <a:t>…</a:t>
+            </a:r>
+          </a:p>
+        </p:txBody>
+      </p:sp>
+      <p:sp>
+        <p:nvSpPr>
+          <p:cNvPr id="16" name="Rectangle 15">
+            <a:extLst>
+              <a:ext uri="{FF2B5EF4-FFF2-40B4-BE49-F238E27FC236}">
+                <a16:creationId xmlns:a16="http://schemas.microsoft.com/office/drawing/2014/main" id="{F45F2672-3BAD-3375-DB0C-58E08991F6A0}"/>
+              </a:ext>
+            </a:extLst>
+          </p:cNvPr>
+          <p:cNvSpPr/>
+          <p:nvPr/>
+        </p:nvSpPr>
+        <p:spPr>
+          <a:xfrm>
+            <a:off x="8215459" y="4172578"/>
+            <a:ext cx="1258314" cy="615401"/>
+          </a:xfrm>
+          <a:prstGeom prst="rect">
+            <a:avLst/>
+          </a:prstGeom>
+          <a:noFill/>
+          <a:ln w="25400">
+            <a:solidFill>
+              <a:schemeClr val="tx1"/>
+            </a:solidFill>
+          </a:ln>
+        </p:spPr>
+        <p:style>
+          <a:lnRef idx="2">
+            <a:schemeClr val="accent1">
+              <a:shade val="50000"/>
+            </a:schemeClr>
+          </a:lnRef>
+          <a:fillRef idx="1">
+            <a:schemeClr val="accent1"/>
+          </a:fillRef>
+          <a:effectRef idx="0">
+            <a:schemeClr val="accent1"/>
+          </a:effectRef>
+          <a:fontRef idx="minor">
+            <a:schemeClr val="lt1"/>
+          </a:fontRef>
+        </p:style>
+        <p:txBody>
+          <a:bodyPr rtlCol="0" anchor="ctr"/>
+          <a:lstStyle/>
+          <a:p>
+            <a:pPr algn="ctr"/>
+            <a:endParaRPr lang="en-US" sz="2000"/>
+          </a:p>
+        </p:txBody>
+      </p:sp>
+      <mc:AlternateContent xmlns:mc="http://schemas.openxmlformats.org/markup-compatibility/2006">
+        <mc:Choice xmlns:a14="http://schemas.microsoft.com/office/drawing/2010/main" Requires="a14">
+          <p:sp>
+            <p:nvSpPr>
+              <p:cNvPr id="19" name="Rectangle 18">
+                <a:extLst>
+                  <a:ext uri="{FF2B5EF4-FFF2-40B4-BE49-F238E27FC236}">
+                    <a16:creationId xmlns:a16="http://schemas.microsoft.com/office/drawing/2014/main" id="{59B4FCEC-581B-9B0A-DF87-420593254141}"/>
+                  </a:ext>
+                </a:extLst>
+              </p:cNvPr>
+              <p:cNvSpPr/>
+              <p:nvPr/>
+            </p:nvSpPr>
+            <p:spPr>
+              <a:xfrm>
+                <a:off x="8215459" y="4485226"/>
+                <a:ext cx="1258314" cy="302753"/>
+              </a:xfrm>
+              <a:prstGeom prst="rect">
+                <a:avLst/>
+              </a:prstGeom>
+              <a:noFill/>
+              <a:ln>
+                <a:solidFill>
+                  <a:schemeClr val="tx1"/>
+                </a:solidFill>
+              </a:ln>
+            </p:spPr>
+            <p:style>
+              <a:lnRef idx="2">
+                <a:schemeClr val="accent1">
+                  <a:shade val="50000"/>
+                </a:schemeClr>
+              </a:lnRef>
+              <a:fillRef idx="1">
+                <a:schemeClr val="accent1"/>
+              </a:fillRef>
+              <a:effectRef idx="0">
+                <a:schemeClr val="accent1"/>
+              </a:effectRef>
+              <a:fontRef idx="minor">
+                <a:schemeClr val="lt1"/>
+              </a:fontRef>
+            </p:style>
+            <p:txBody>
+              <a:bodyPr rtlCol="0" anchor="ctr"/>
+              <a:lstStyle/>
+              <a:p>
+                <a:pPr algn="ctr"/>
+                <a14:m>
+                  <m:oMathPara xmlns:m="http://schemas.openxmlformats.org/officeDocument/2006/math">
+                    <m:oMathParaPr>
+                      <m:jc m:val="centerGroup"/>
+                    </m:oMathParaPr>
+                    <m:oMath xmlns:m="http://schemas.openxmlformats.org/officeDocument/2006/math">
+                      <m:r>
+                        <a:rPr lang="en-US" sz="2000" i="1" smtClean="0">
+                          <a:solidFill>
+                            <a:schemeClr val="tx1"/>
+                          </a:solidFill>
+                          <a:latin typeface="Cambria Math" panose="02040503050406030204" pitchFamily="18" charset="0"/>
+                        </a:rPr>
+                        <m:t>h</m:t>
+                      </m:r>
+                      <m:r>
+                        <a:rPr lang="en-US" sz="2000" i="1" smtClean="0">
+                          <a:solidFill>
+                            <a:schemeClr val="tx1"/>
+                          </a:solidFill>
+                          <a:latin typeface="Cambria Math" panose="02040503050406030204" pitchFamily="18" charset="0"/>
+                        </a:rPr>
+                        <m:t>(</m:t>
+                      </m:r>
+                      <m:r>
+                        <a:rPr lang="en-US" sz="2000" b="0" i="1" smtClean="0">
+                          <a:solidFill>
+                            <a:schemeClr val="tx1"/>
+                          </a:solidFill>
+                          <a:latin typeface="Cambria Math" panose="02040503050406030204" pitchFamily="18" charset="0"/>
+                        </a:rPr>
+                        <m:t>𝑛</m:t>
+                      </m:r>
+                      <m:r>
+                        <a:rPr lang="en-US" sz="2000" i="1">
+                          <a:solidFill>
+                            <a:schemeClr val="tx1"/>
+                          </a:solidFill>
+                          <a:latin typeface="Cambria Math" panose="02040503050406030204" pitchFamily="18" charset="0"/>
+                        </a:rPr>
+                        <m:t>)</m:t>
+                      </m:r>
+                    </m:oMath>
+                  </m:oMathPara>
+                </a14:m>
+                <a:endParaRPr lang="en-US" sz="2000" dirty="0">
+                  <a:solidFill>
+                    <a:schemeClr val="tx1"/>
+                  </a:solidFill>
+                </a:endParaRPr>
+              </a:p>
+            </p:txBody>
+          </p:sp>
+        </mc:Choice>
+        <mc:Fallback>
+          <p:sp>
+            <p:nvSpPr>
+              <p:cNvPr id="19" name="Rectangle 18">
+                <a:extLst>
+                  <a:ext uri="{FF2B5EF4-FFF2-40B4-BE49-F238E27FC236}">
+                    <a16:creationId xmlns:a16="http://schemas.microsoft.com/office/drawing/2014/main" id="{59B4FCEC-581B-9B0A-DF87-420593254141}"/>
+                  </a:ext>
+                </a:extLst>
+              </p:cNvPr>
+              <p:cNvSpPr>
+                <a:spLocks noRot="1" noChangeAspect="1" noMove="1" noResize="1" noEditPoints="1" noAdjustHandles="1" noChangeArrowheads="1" noChangeShapeType="1" noTextEdit="1"/>
+              </p:cNvSpPr>
+              <p:nvPr/>
+            </p:nvSpPr>
+            <p:spPr>
+              <a:xfrm>
+                <a:off x="8215459" y="4485226"/>
+                <a:ext cx="1258314" cy="302753"/>
+              </a:xfrm>
+              <a:prstGeom prst="rect">
+                <a:avLst/>
+              </a:prstGeom>
+              <a:blipFill>
+                <a:blip r:embed="rId4"/>
+                <a:stretch>
+                  <a:fillRect t="-1961" b="-35294"/>
+                </a:stretch>
+              </a:blipFill>
+              <a:ln>
+                <a:solidFill>
+                  <a:schemeClr val="tx1"/>
+                </a:solidFill>
+              </a:ln>
+            </p:spPr>
+            <p:txBody>
+              <a:bodyPr/>
+              <a:lstStyle/>
+              <a:p>
+                <a:r>
+                  <a:rPr lang="en-US">
+                    <a:noFill/>
+                  </a:rPr>
+                  <a:t> </a:t>
+                </a:r>
+              </a:p>
+            </p:txBody>
+          </p:sp>
+        </mc:Fallback>
+      </mc:AlternateContent>
+      <mc:AlternateContent xmlns:mc="http://schemas.openxmlformats.org/markup-compatibility/2006">
+        <mc:Choice xmlns:a14="http://schemas.microsoft.com/office/drawing/2010/main" Requires="a14">
+          <p:sp>
+            <p:nvSpPr>
+              <p:cNvPr id="20" name="Rectangle 19">
+                <a:extLst>
+                  <a:ext uri="{FF2B5EF4-FFF2-40B4-BE49-F238E27FC236}">
+                    <a16:creationId xmlns:a16="http://schemas.microsoft.com/office/drawing/2014/main" id="{E6D7451F-CF30-AE38-2644-D3DC7B749B97}"/>
+                  </a:ext>
+                </a:extLst>
+              </p:cNvPr>
+              <p:cNvSpPr/>
+              <p:nvPr/>
+            </p:nvSpPr>
+            <p:spPr>
+              <a:xfrm>
+                <a:off x="8215459" y="4182473"/>
+                <a:ext cx="1258314" cy="302753"/>
+              </a:xfrm>
+              <a:prstGeom prst="rect">
+                <a:avLst/>
+              </a:prstGeom>
+              <a:noFill/>
+              <a:ln>
+                <a:solidFill>
+                  <a:schemeClr val="tx1"/>
+                </a:solidFill>
+              </a:ln>
+            </p:spPr>
+            <p:style>
+              <a:lnRef idx="2">
+                <a:schemeClr val="accent1">
+                  <a:shade val="50000"/>
+                </a:schemeClr>
+              </a:lnRef>
+              <a:fillRef idx="1">
+                <a:schemeClr val="accent1"/>
+              </a:fillRef>
+              <a:effectRef idx="0">
+                <a:schemeClr val="accent1"/>
+              </a:effectRef>
+              <a:fontRef idx="minor">
+                <a:schemeClr val="lt1"/>
+              </a:fontRef>
+            </p:style>
+            <p:txBody>
+              <a:bodyPr rtlCol="0" anchor="ctr"/>
+              <a:lstStyle/>
+              <a:p>
+                <a:pPr algn="ctr"/>
+                <a14:m>
+                  <m:oMathPara xmlns:m="http://schemas.openxmlformats.org/officeDocument/2006/math">
+                    <m:oMathParaPr>
+                      <m:jc m:val="centerGroup"/>
+                    </m:oMathParaPr>
+                    <m:oMath xmlns:m="http://schemas.openxmlformats.org/officeDocument/2006/math">
+                      <m:r>
+                        <a:rPr lang="en-US" sz="2000" i="1" smtClean="0">
+                          <a:solidFill>
+                            <a:schemeClr val="tx1"/>
+                          </a:solidFill>
+                          <a:latin typeface="Cambria Math" panose="02040503050406030204" pitchFamily="18" charset="0"/>
+                        </a:rPr>
+                        <m:t>h</m:t>
+                      </m:r>
+                      <m:r>
+                        <a:rPr lang="en-US" sz="2000" i="1" smtClean="0">
+                          <a:solidFill>
+                            <a:schemeClr val="tx1"/>
+                          </a:solidFill>
+                          <a:latin typeface="Cambria Math" panose="02040503050406030204" pitchFamily="18" charset="0"/>
+                        </a:rPr>
+                        <m:t>(</m:t>
+                      </m:r>
+                      <m:sSub>
+                        <m:sSubPr>
+                          <m:ctrlPr>
+                            <a:rPr lang="en-US" sz="2000" i="1">
+                              <a:solidFill>
+                                <a:schemeClr val="tx1"/>
+                              </a:solidFill>
+                              <a:latin typeface="Cambria Math" panose="02040503050406030204" pitchFamily="18" charset="0"/>
+                            </a:rPr>
+                          </m:ctrlPr>
+                        </m:sSubPr>
+                        <m:e>
+                          <m:r>
+                            <a:rPr lang="en-US" sz="2000" i="1">
+                              <a:solidFill>
+                                <a:schemeClr val="tx1"/>
+                              </a:solidFill>
+                              <a:latin typeface="Cambria Math" panose="02040503050406030204" pitchFamily="18" charset="0"/>
+                            </a:rPr>
+                            <m:t>𝑎</m:t>
+                          </m:r>
+                        </m:e>
+                        <m:sub>
+                          <m:r>
+                            <a:rPr lang="en-US" sz="2000" b="0" i="1" smtClean="0">
+                              <a:solidFill>
+                                <a:schemeClr val="tx1"/>
+                              </a:solidFill>
+                              <a:latin typeface="Cambria Math" panose="02040503050406030204" pitchFamily="18" charset="0"/>
+                            </a:rPr>
+                            <m:t>𝑛</m:t>
+                          </m:r>
+                          <m:r>
+                            <a:rPr lang="en-US" sz="2000" b="0" i="1" smtClean="0">
+                              <a:solidFill>
+                                <a:schemeClr val="tx1"/>
+                              </a:solidFill>
+                              <a:latin typeface="Cambria Math" panose="02040503050406030204" pitchFamily="18" charset="0"/>
+                            </a:rPr>
+                            <m:t>−1</m:t>
+                          </m:r>
+                        </m:sub>
+                      </m:sSub>
+                      <m:r>
+                        <a:rPr lang="en-US" sz="2000" i="1">
+                          <a:solidFill>
+                            <a:schemeClr val="tx1"/>
+                          </a:solidFill>
+                          <a:latin typeface="Cambria Math" panose="02040503050406030204" pitchFamily="18" charset="0"/>
+                        </a:rPr>
+                        <m:t>)</m:t>
+                      </m:r>
+                    </m:oMath>
+                  </m:oMathPara>
+                </a14:m>
+                <a:endParaRPr lang="en-US" sz="2000" dirty="0">
+                  <a:solidFill>
+                    <a:schemeClr val="tx1"/>
+                  </a:solidFill>
+                </a:endParaRPr>
+              </a:p>
+            </p:txBody>
+          </p:sp>
+        </mc:Choice>
+        <mc:Fallback>
+          <p:sp>
+            <p:nvSpPr>
+              <p:cNvPr id="20" name="Rectangle 19">
+                <a:extLst>
+                  <a:ext uri="{FF2B5EF4-FFF2-40B4-BE49-F238E27FC236}">
+                    <a16:creationId xmlns:a16="http://schemas.microsoft.com/office/drawing/2014/main" id="{E6D7451F-CF30-AE38-2644-D3DC7B749B97}"/>
+                  </a:ext>
+                </a:extLst>
+              </p:cNvPr>
+              <p:cNvSpPr>
+                <a:spLocks noRot="1" noChangeAspect="1" noMove="1" noResize="1" noEditPoints="1" noAdjustHandles="1" noChangeArrowheads="1" noChangeShapeType="1" noTextEdit="1"/>
+              </p:cNvSpPr>
+              <p:nvPr/>
+            </p:nvSpPr>
+            <p:spPr>
+              <a:xfrm>
+                <a:off x="8215459" y="4182473"/>
+                <a:ext cx="1258314" cy="302753"/>
+              </a:xfrm>
+              <a:prstGeom prst="rect">
+                <a:avLst/>
+              </a:prstGeom>
+              <a:blipFill>
+                <a:blip r:embed="rId5"/>
+                <a:stretch>
+                  <a:fillRect b="-32692"/>
+                </a:stretch>
+              </a:blipFill>
+              <a:ln>
+                <a:solidFill>
+                  <a:schemeClr val="tx1"/>
+                </a:solidFill>
+              </a:ln>
+            </p:spPr>
+            <p:txBody>
+              <a:bodyPr/>
+              <a:lstStyle/>
+              <a:p>
+                <a:r>
+                  <a:rPr lang="en-US">
+                    <a:noFill/>
+                  </a:rPr>
+                  <a:t> </a:t>
+                </a:r>
+              </a:p>
+            </p:txBody>
+          </p:sp>
+        </mc:Fallback>
+      </mc:AlternateContent>
+      <p:sp>
+        <p:nvSpPr>
+          <p:cNvPr id="26" name="Rectangle 25">
+            <a:extLst>
+              <a:ext uri="{FF2B5EF4-FFF2-40B4-BE49-F238E27FC236}">
+                <a16:creationId xmlns:a16="http://schemas.microsoft.com/office/drawing/2014/main" id="{C87E43F4-EC5C-7CB8-A301-DB1BAFD2E592}"/>
+              </a:ext>
+            </a:extLst>
+          </p:cNvPr>
+          <p:cNvSpPr/>
+          <p:nvPr/>
+        </p:nvSpPr>
+        <p:spPr>
+          <a:xfrm>
+            <a:off x="8215459" y="2565814"/>
+            <a:ext cx="1258314" cy="1230801"/>
+          </a:xfrm>
+          <a:prstGeom prst="rect">
+            <a:avLst/>
+          </a:prstGeom>
+          <a:noFill/>
+          <a:ln w="25400">
+            <a:solidFill>
+              <a:schemeClr val="tx1"/>
+            </a:solidFill>
+          </a:ln>
+        </p:spPr>
+        <p:style>
+          <a:lnRef idx="2">
+            <a:schemeClr val="accent1">
+              <a:shade val="50000"/>
+            </a:schemeClr>
+          </a:lnRef>
+          <a:fillRef idx="1">
+            <a:schemeClr val="accent1"/>
+          </a:fillRef>
+          <a:effectRef idx="0">
+            <a:schemeClr val="accent1"/>
+          </a:effectRef>
+          <a:fontRef idx="minor">
+            <a:schemeClr val="lt1"/>
+          </a:fontRef>
+        </p:style>
+        <p:txBody>
+          <a:bodyPr rtlCol="0" anchor="ctr"/>
+          <a:lstStyle/>
+          <a:p>
+            <a:pPr algn="ctr"/>
+            <a:endParaRPr lang="en-US" sz="2000"/>
+          </a:p>
+        </p:txBody>
+      </p:sp>
+      <mc:AlternateContent xmlns:mc="http://schemas.openxmlformats.org/markup-compatibility/2006">
+        <mc:Choice xmlns:a14="http://schemas.microsoft.com/office/drawing/2010/main" Requires="a14">
+          <p:sp>
+            <p:nvSpPr>
+              <p:cNvPr id="27" name="Rectangle 26">
+                <a:extLst>
+                  <a:ext uri="{FF2B5EF4-FFF2-40B4-BE49-F238E27FC236}">
+                    <a16:creationId xmlns:a16="http://schemas.microsoft.com/office/drawing/2014/main" id="{D16E2362-6627-D4DC-EE2B-B023E55016A2}"/>
+                  </a:ext>
+                </a:extLst>
+              </p:cNvPr>
+              <p:cNvSpPr/>
+              <p:nvPr/>
+            </p:nvSpPr>
+            <p:spPr>
+              <a:xfrm>
+                <a:off x="8215459" y="2565815"/>
+                <a:ext cx="1258314" cy="302753"/>
+              </a:xfrm>
+              <a:prstGeom prst="rect">
+                <a:avLst/>
+              </a:prstGeom>
+              <a:noFill/>
+              <a:ln>
+                <a:solidFill>
+                  <a:schemeClr val="tx1"/>
+                </a:solidFill>
+              </a:ln>
+            </p:spPr>
+            <p:style>
+              <a:lnRef idx="2">
+                <a:schemeClr val="accent1">
+                  <a:shade val="50000"/>
+                </a:schemeClr>
+              </a:lnRef>
+              <a:fillRef idx="1">
+                <a:schemeClr val="accent1"/>
+              </a:fillRef>
+              <a:effectRef idx="0">
+                <a:schemeClr val="accent1"/>
+              </a:effectRef>
+              <a:fontRef idx="minor">
+                <a:schemeClr val="lt1"/>
+              </a:fontRef>
+            </p:style>
+            <p:txBody>
+              <a:bodyPr rtlCol="0" anchor="ctr"/>
+              <a:lstStyle/>
+              <a:p>
+                <a:pPr algn="ctr"/>
+                <a14:m>
+                  <m:oMathPara xmlns:m="http://schemas.openxmlformats.org/officeDocument/2006/math">
+                    <m:oMathParaPr>
+                      <m:jc m:val="centerGroup"/>
+                    </m:oMathParaPr>
+                    <m:oMath xmlns:m="http://schemas.openxmlformats.org/officeDocument/2006/math">
+                      <m:r>
+                        <a:rPr lang="en-US" sz="2000" b="0" i="1" smtClean="0">
+                          <a:solidFill>
+                            <a:schemeClr val="tx1"/>
+                          </a:solidFill>
+                          <a:latin typeface="Cambria Math" panose="02040503050406030204" pitchFamily="18" charset="0"/>
+                        </a:rPr>
+                        <m:t>h</m:t>
+                      </m:r>
+                      <m:r>
+                        <a:rPr lang="en-US" sz="2000" b="0" i="1" smtClean="0">
+                          <a:solidFill>
+                            <a:schemeClr val="tx1"/>
+                          </a:solidFill>
+                          <a:latin typeface="Cambria Math" panose="02040503050406030204" pitchFamily="18" charset="0"/>
+                        </a:rPr>
+                        <m:t>(</m:t>
+                      </m:r>
+                      <m:sSub>
+                        <m:sSubPr>
+                          <m:ctrlPr>
+                            <a:rPr lang="en-US" sz="2000" b="0" i="1" smtClean="0">
+                              <a:solidFill>
+                                <a:schemeClr val="tx1"/>
+                              </a:solidFill>
+                              <a:latin typeface="Cambria Math" panose="02040503050406030204" pitchFamily="18" charset="0"/>
+                            </a:rPr>
+                          </m:ctrlPr>
+                        </m:sSubPr>
+                        <m:e>
+                          <m:r>
+                            <a:rPr lang="en-US" sz="2000" b="0" i="1" smtClean="0">
+                              <a:solidFill>
+                                <a:schemeClr val="tx1"/>
+                              </a:solidFill>
+                              <a:latin typeface="Cambria Math" panose="02040503050406030204" pitchFamily="18" charset="0"/>
+                            </a:rPr>
+                            <m:t>𝑎</m:t>
+                          </m:r>
+                        </m:e>
+                        <m:sub>
+                          <m:r>
+                            <a:rPr lang="en-US" sz="2000" b="0" i="1" smtClean="0">
+                              <a:solidFill>
+                                <a:schemeClr val="tx1"/>
+                              </a:solidFill>
+                              <a:latin typeface="Cambria Math" panose="02040503050406030204" pitchFamily="18" charset="0"/>
+                            </a:rPr>
+                            <m:t>1</m:t>
+                          </m:r>
+                        </m:sub>
+                      </m:sSub>
+                      <m:r>
+                        <a:rPr lang="en-US" sz="2000" b="0" i="1" smtClean="0">
+                          <a:solidFill>
+                            <a:schemeClr val="tx1"/>
+                          </a:solidFill>
+                          <a:latin typeface="Cambria Math" panose="02040503050406030204" pitchFamily="18" charset="0"/>
+                        </a:rPr>
+                        <m:t>)</m:t>
+                      </m:r>
+                    </m:oMath>
+                  </m:oMathPara>
+                </a14:m>
+                <a:endParaRPr lang="en-US" sz="2000" dirty="0">
+                  <a:solidFill>
+                    <a:schemeClr val="tx1"/>
+                  </a:solidFill>
+                </a:endParaRPr>
+              </a:p>
+            </p:txBody>
+          </p:sp>
+        </mc:Choice>
+        <mc:Fallback>
+          <p:sp>
+            <p:nvSpPr>
+              <p:cNvPr id="27" name="Rectangle 26">
+                <a:extLst>
+                  <a:ext uri="{FF2B5EF4-FFF2-40B4-BE49-F238E27FC236}">
+                    <a16:creationId xmlns:a16="http://schemas.microsoft.com/office/drawing/2014/main" id="{D16E2362-6627-D4DC-EE2B-B023E55016A2}"/>
+                  </a:ext>
+                </a:extLst>
+              </p:cNvPr>
+              <p:cNvSpPr>
+                <a:spLocks noRot="1" noChangeAspect="1" noMove="1" noResize="1" noEditPoints="1" noAdjustHandles="1" noChangeArrowheads="1" noChangeShapeType="1" noTextEdit="1"/>
+              </p:cNvSpPr>
+              <p:nvPr/>
+            </p:nvSpPr>
+            <p:spPr>
+              <a:xfrm>
+                <a:off x="8215459" y="2565815"/>
+                <a:ext cx="1258314" cy="302753"/>
+              </a:xfrm>
+              <a:prstGeom prst="rect">
+                <a:avLst/>
+              </a:prstGeom>
+              <a:blipFill>
+                <a:blip r:embed="rId6"/>
+                <a:stretch>
+                  <a:fillRect t="-1923" b="-32692"/>
+                </a:stretch>
+              </a:blipFill>
+              <a:ln>
+                <a:solidFill>
+                  <a:schemeClr val="tx1"/>
+                </a:solidFill>
+              </a:ln>
+            </p:spPr>
+            <p:txBody>
+              <a:bodyPr/>
+              <a:lstStyle/>
+              <a:p>
+                <a:r>
+                  <a:rPr lang="en-US">
+                    <a:noFill/>
+                  </a:rPr>
+                  <a:t> </a:t>
+                </a:r>
+              </a:p>
+            </p:txBody>
+          </p:sp>
+        </mc:Fallback>
+      </mc:AlternateContent>
+      <mc:AlternateContent xmlns:mc="http://schemas.openxmlformats.org/markup-compatibility/2006">
+        <mc:Choice xmlns:a14="http://schemas.microsoft.com/office/drawing/2010/main" Requires="a14">
+          <p:sp>
+            <p:nvSpPr>
+              <p:cNvPr id="28" name="Rectangle 27">
+                <a:extLst>
+                  <a:ext uri="{FF2B5EF4-FFF2-40B4-BE49-F238E27FC236}">
+                    <a16:creationId xmlns:a16="http://schemas.microsoft.com/office/drawing/2014/main" id="{4092DFFB-2867-1B70-C3ED-66E2BCD0C100}"/>
+                  </a:ext>
+                </a:extLst>
+              </p:cNvPr>
+              <p:cNvSpPr/>
+              <p:nvPr/>
+            </p:nvSpPr>
+            <p:spPr>
+              <a:xfrm>
+                <a:off x="8215459" y="2878461"/>
+                <a:ext cx="1258314" cy="302753"/>
+              </a:xfrm>
+              <a:prstGeom prst="rect">
+                <a:avLst/>
+              </a:prstGeom>
+              <a:noFill/>
+              <a:ln>
+                <a:solidFill>
+                  <a:schemeClr val="tx1"/>
+                </a:solidFill>
+              </a:ln>
+            </p:spPr>
+            <p:style>
+              <a:lnRef idx="2">
+                <a:schemeClr val="accent1">
+                  <a:shade val="50000"/>
+                </a:schemeClr>
+              </a:lnRef>
+              <a:fillRef idx="1">
+                <a:schemeClr val="accent1"/>
+              </a:fillRef>
+              <a:effectRef idx="0">
+                <a:schemeClr val="accent1"/>
+              </a:effectRef>
+              <a:fontRef idx="minor">
+                <a:schemeClr val="lt1"/>
+              </a:fontRef>
+            </p:style>
+            <p:txBody>
+              <a:bodyPr rtlCol="0" anchor="ctr"/>
+              <a:lstStyle/>
+              <a:p>
+                <a:pPr algn="ctr"/>
+                <a14:m>
+                  <m:oMathPara xmlns:m="http://schemas.openxmlformats.org/officeDocument/2006/math">
+                    <m:oMathParaPr>
+                      <m:jc m:val="centerGroup"/>
+                    </m:oMathParaPr>
+                    <m:oMath xmlns:m="http://schemas.openxmlformats.org/officeDocument/2006/math">
+                      <m:r>
+                        <a:rPr lang="en-US" sz="2000" i="1" smtClean="0">
+                          <a:solidFill>
+                            <a:schemeClr val="tx1"/>
+                          </a:solidFill>
+                          <a:latin typeface="Cambria Math" panose="02040503050406030204" pitchFamily="18" charset="0"/>
+                        </a:rPr>
+                        <m:t>h</m:t>
+                      </m:r>
+                      <m:r>
+                        <a:rPr lang="en-US" sz="2000" i="1" smtClean="0">
+                          <a:solidFill>
+                            <a:schemeClr val="tx1"/>
+                          </a:solidFill>
+                          <a:latin typeface="Cambria Math" panose="02040503050406030204" pitchFamily="18" charset="0"/>
+                        </a:rPr>
+                        <m:t>(</m:t>
+                      </m:r>
+                      <m:sSub>
+                        <m:sSubPr>
+                          <m:ctrlPr>
+                            <a:rPr lang="en-US" sz="2000" i="1">
+                              <a:solidFill>
+                                <a:schemeClr val="tx1"/>
+                              </a:solidFill>
+                              <a:latin typeface="Cambria Math" panose="02040503050406030204" pitchFamily="18" charset="0"/>
+                            </a:rPr>
+                          </m:ctrlPr>
+                        </m:sSubPr>
+                        <m:e>
+                          <m:r>
+                            <a:rPr lang="en-US" sz="2000" i="1">
+                              <a:solidFill>
+                                <a:schemeClr val="tx1"/>
+                              </a:solidFill>
+                              <a:latin typeface="Cambria Math" panose="02040503050406030204" pitchFamily="18" charset="0"/>
+                            </a:rPr>
+                            <m:t>𝑎</m:t>
+                          </m:r>
+                        </m:e>
+                        <m:sub>
+                          <m:r>
+                            <a:rPr lang="en-US" sz="2000" b="0" i="1" smtClean="0">
+                              <a:solidFill>
+                                <a:schemeClr val="tx1"/>
+                              </a:solidFill>
+                              <a:latin typeface="Cambria Math" panose="02040503050406030204" pitchFamily="18" charset="0"/>
+                            </a:rPr>
+                            <m:t>2</m:t>
+                          </m:r>
+                        </m:sub>
+                      </m:sSub>
+                      <m:r>
+                        <a:rPr lang="en-US" sz="2000" i="1">
+                          <a:solidFill>
+                            <a:schemeClr val="tx1"/>
+                          </a:solidFill>
+                          <a:latin typeface="Cambria Math" panose="02040503050406030204" pitchFamily="18" charset="0"/>
+                        </a:rPr>
+                        <m:t>)</m:t>
+                      </m:r>
+                    </m:oMath>
+                  </m:oMathPara>
+                </a14:m>
+                <a:endParaRPr lang="en-US" sz="2000" dirty="0">
+                  <a:solidFill>
+                    <a:schemeClr val="tx1"/>
+                  </a:solidFill>
+                </a:endParaRPr>
+              </a:p>
+            </p:txBody>
+          </p:sp>
+        </mc:Choice>
+        <mc:Fallback>
+          <p:sp>
+            <p:nvSpPr>
+              <p:cNvPr id="28" name="Rectangle 27">
+                <a:extLst>
+                  <a:ext uri="{FF2B5EF4-FFF2-40B4-BE49-F238E27FC236}">
+                    <a16:creationId xmlns:a16="http://schemas.microsoft.com/office/drawing/2014/main" id="{4092DFFB-2867-1B70-C3ED-66E2BCD0C100}"/>
+                  </a:ext>
+                </a:extLst>
+              </p:cNvPr>
+              <p:cNvSpPr>
+                <a:spLocks noRot="1" noChangeAspect="1" noMove="1" noResize="1" noEditPoints="1" noAdjustHandles="1" noChangeArrowheads="1" noChangeShapeType="1" noTextEdit="1"/>
+              </p:cNvSpPr>
+              <p:nvPr/>
+            </p:nvSpPr>
+            <p:spPr>
+              <a:xfrm>
+                <a:off x="8215459" y="2878461"/>
+                <a:ext cx="1258314" cy="302753"/>
+              </a:xfrm>
+              <a:prstGeom prst="rect">
+                <a:avLst/>
+              </a:prstGeom>
+              <a:blipFill>
+                <a:blip r:embed="rId7"/>
+                <a:stretch>
+                  <a:fillRect b="-32692"/>
+                </a:stretch>
+              </a:blipFill>
+              <a:ln>
+                <a:solidFill>
+                  <a:schemeClr val="tx1"/>
+                </a:solidFill>
+              </a:ln>
+            </p:spPr>
+            <p:txBody>
+              <a:bodyPr/>
+              <a:lstStyle/>
+              <a:p>
+                <a:r>
+                  <a:rPr lang="en-US">
+                    <a:noFill/>
+                  </a:rPr>
+                  <a:t> </a:t>
+                </a:r>
+              </a:p>
+            </p:txBody>
+          </p:sp>
+        </mc:Fallback>
+      </mc:AlternateContent>
+      <mc:AlternateContent xmlns:mc="http://schemas.openxmlformats.org/markup-compatibility/2006">
+        <mc:Choice xmlns:a14="http://schemas.microsoft.com/office/drawing/2010/main" Requires="a14">
+          <p:sp>
+            <p:nvSpPr>
+              <p:cNvPr id="30" name="Rectangle 29">
+                <a:extLst>
+                  <a:ext uri="{FF2B5EF4-FFF2-40B4-BE49-F238E27FC236}">
+                    <a16:creationId xmlns:a16="http://schemas.microsoft.com/office/drawing/2014/main" id="{D4EEFB2E-BBA9-A365-99FB-5C211F2E75C8}"/>
+                  </a:ext>
+                </a:extLst>
+              </p:cNvPr>
+              <p:cNvSpPr/>
+              <p:nvPr/>
+            </p:nvSpPr>
+            <p:spPr>
+              <a:xfrm>
+                <a:off x="8215459" y="3191109"/>
+                <a:ext cx="1258314" cy="302753"/>
+              </a:xfrm>
+              <a:prstGeom prst="rect">
+                <a:avLst/>
+              </a:prstGeom>
+              <a:noFill/>
+              <a:ln>
+                <a:solidFill>
+                  <a:schemeClr val="tx1"/>
+                </a:solidFill>
+              </a:ln>
+            </p:spPr>
+            <p:style>
+              <a:lnRef idx="2">
+                <a:schemeClr val="accent1">
+                  <a:shade val="50000"/>
+                </a:schemeClr>
+              </a:lnRef>
+              <a:fillRef idx="1">
+                <a:schemeClr val="accent1"/>
+              </a:fillRef>
+              <a:effectRef idx="0">
+                <a:schemeClr val="accent1"/>
+              </a:effectRef>
+              <a:fontRef idx="minor">
+                <a:schemeClr val="lt1"/>
+              </a:fontRef>
+            </p:style>
+            <p:txBody>
+              <a:bodyPr rtlCol="0" anchor="ctr"/>
+              <a:lstStyle/>
+              <a:p>
+                <a:pPr algn="ctr"/>
+                <a14:m>
+                  <m:oMathPara xmlns:m="http://schemas.openxmlformats.org/officeDocument/2006/math">
+                    <m:oMathParaPr>
+                      <m:jc m:val="centerGroup"/>
+                    </m:oMathParaPr>
+                    <m:oMath xmlns:m="http://schemas.openxmlformats.org/officeDocument/2006/math">
+                      <m:r>
+                        <a:rPr lang="en-US" sz="2000" i="1" smtClean="0">
+                          <a:solidFill>
+                            <a:schemeClr val="tx1"/>
+                          </a:solidFill>
+                          <a:latin typeface="Cambria Math" panose="02040503050406030204" pitchFamily="18" charset="0"/>
+                        </a:rPr>
+                        <m:t>h</m:t>
+                      </m:r>
+                      <m:r>
+                        <a:rPr lang="en-US" sz="2000" i="1" smtClean="0">
+                          <a:solidFill>
+                            <a:schemeClr val="tx1"/>
+                          </a:solidFill>
+                          <a:latin typeface="Cambria Math" panose="02040503050406030204" pitchFamily="18" charset="0"/>
+                        </a:rPr>
+                        <m:t>(</m:t>
+                      </m:r>
+                      <m:sSub>
+                        <m:sSubPr>
+                          <m:ctrlPr>
+                            <a:rPr lang="en-US" sz="2000" i="1">
+                              <a:solidFill>
+                                <a:schemeClr val="tx1"/>
+                              </a:solidFill>
+                              <a:latin typeface="Cambria Math" panose="02040503050406030204" pitchFamily="18" charset="0"/>
+                            </a:rPr>
+                          </m:ctrlPr>
+                        </m:sSubPr>
+                        <m:e>
+                          <m:r>
+                            <a:rPr lang="en-US" sz="2000" i="1">
+                              <a:solidFill>
+                                <a:schemeClr val="tx1"/>
+                              </a:solidFill>
+                              <a:latin typeface="Cambria Math" panose="02040503050406030204" pitchFamily="18" charset="0"/>
+                            </a:rPr>
+                            <m:t>𝑎</m:t>
+                          </m:r>
+                        </m:e>
+                        <m:sub>
+                          <m:r>
+                            <a:rPr lang="en-US" sz="2000" b="0" i="1" smtClean="0">
+                              <a:solidFill>
+                                <a:schemeClr val="tx1"/>
+                              </a:solidFill>
+                              <a:latin typeface="Cambria Math" panose="02040503050406030204" pitchFamily="18" charset="0"/>
+                            </a:rPr>
+                            <m:t>3</m:t>
+                          </m:r>
+                        </m:sub>
+                      </m:sSub>
+                      <m:r>
+                        <a:rPr lang="en-US" sz="2000" i="1">
+                          <a:solidFill>
+                            <a:schemeClr val="tx1"/>
+                          </a:solidFill>
+                          <a:latin typeface="Cambria Math" panose="02040503050406030204" pitchFamily="18" charset="0"/>
+                        </a:rPr>
+                        <m:t>)</m:t>
+                      </m:r>
+                    </m:oMath>
+                  </m:oMathPara>
+                </a14:m>
+                <a:endParaRPr lang="en-US" sz="2000" dirty="0">
+                  <a:solidFill>
+                    <a:schemeClr val="tx1"/>
+                  </a:solidFill>
+                </a:endParaRPr>
+              </a:p>
+            </p:txBody>
+          </p:sp>
+        </mc:Choice>
+        <mc:Fallback>
+          <p:sp>
+            <p:nvSpPr>
+              <p:cNvPr id="30" name="Rectangle 29">
+                <a:extLst>
+                  <a:ext uri="{FF2B5EF4-FFF2-40B4-BE49-F238E27FC236}">
+                    <a16:creationId xmlns:a16="http://schemas.microsoft.com/office/drawing/2014/main" id="{D4EEFB2E-BBA9-A365-99FB-5C211F2E75C8}"/>
+                  </a:ext>
+                </a:extLst>
+              </p:cNvPr>
+              <p:cNvSpPr>
+                <a:spLocks noRot="1" noChangeAspect="1" noMove="1" noResize="1" noEditPoints="1" noAdjustHandles="1" noChangeArrowheads="1" noChangeShapeType="1" noTextEdit="1"/>
+              </p:cNvSpPr>
+              <p:nvPr/>
+            </p:nvSpPr>
+            <p:spPr>
+              <a:xfrm>
+                <a:off x="8215459" y="3191109"/>
+                <a:ext cx="1258314" cy="302753"/>
+              </a:xfrm>
+              <a:prstGeom prst="rect">
+                <a:avLst/>
+              </a:prstGeom>
+              <a:blipFill>
+                <a:blip r:embed="rId8"/>
+                <a:stretch>
+                  <a:fillRect b="-32692"/>
+                </a:stretch>
+              </a:blipFill>
+              <a:ln>
+                <a:solidFill>
+                  <a:schemeClr val="tx1"/>
+                </a:solidFill>
+              </a:ln>
+            </p:spPr>
+            <p:txBody>
+              <a:bodyPr/>
+              <a:lstStyle/>
+              <a:p>
+                <a:r>
+                  <a:rPr lang="en-US">
+                    <a:noFill/>
+                  </a:rPr>
+                  <a:t> </a:t>
+                </a:r>
+              </a:p>
+            </p:txBody>
+          </p:sp>
+        </mc:Fallback>
+      </mc:AlternateContent>
+      <p:sp>
+        <p:nvSpPr>
+          <p:cNvPr id="31" name="Rectangle 30">
+            <a:extLst>
+              <a:ext uri="{FF2B5EF4-FFF2-40B4-BE49-F238E27FC236}">
+                <a16:creationId xmlns:a16="http://schemas.microsoft.com/office/drawing/2014/main" id="{D9BF4489-B47C-CF6A-2E4E-76AD2471E007}"/>
+              </a:ext>
+            </a:extLst>
+          </p:cNvPr>
+          <p:cNvSpPr/>
+          <p:nvPr/>
+        </p:nvSpPr>
+        <p:spPr>
+          <a:xfrm rot="5400000">
+            <a:off x="9878177" y="3402104"/>
+            <a:ext cx="449506" cy="1258314"/>
+          </a:xfrm>
+          <a:prstGeom prst="rect">
+            <a:avLst/>
+          </a:prstGeom>
+          <a:noFill/>
+          <a:ln w="25400">
+            <a:noFill/>
+          </a:ln>
+        </p:spPr>
+        <p:style>
+          <a:lnRef idx="2">
+            <a:schemeClr val="accent1">
+              <a:shade val="50000"/>
+            </a:schemeClr>
+          </a:lnRef>
+          <a:fillRef idx="1">
+            <a:schemeClr val="accent1"/>
+          </a:fillRef>
+          <a:effectRef idx="0">
+            <a:schemeClr val="accent1"/>
+          </a:effectRef>
+          <a:fontRef idx="minor">
+            <a:schemeClr val="lt1"/>
+          </a:fontRef>
+        </p:style>
+        <p:txBody>
+          <a:bodyPr rtlCol="0" anchor="ctr"/>
+          <a:lstStyle/>
+          <a:p>
+            <a:pPr algn="ctr"/>
+            <a:r>
+              <a:rPr lang="en-US" sz="2400" dirty="0">
+                <a:solidFill>
+                  <a:schemeClr val="tx1"/>
+                </a:solidFill>
+              </a:rPr>
+              <a:t>…</a:t>
+            </a:r>
+          </a:p>
+        </p:txBody>
+      </p:sp>
+      <p:sp>
+        <p:nvSpPr>
+          <p:cNvPr id="32" name="Rectangle 31">
+            <a:extLst>
+              <a:ext uri="{FF2B5EF4-FFF2-40B4-BE49-F238E27FC236}">
+                <a16:creationId xmlns:a16="http://schemas.microsoft.com/office/drawing/2014/main" id="{989D07DA-75D4-E931-E522-96E2E69F6AB2}"/>
+              </a:ext>
+            </a:extLst>
+          </p:cNvPr>
+          <p:cNvSpPr/>
+          <p:nvPr/>
+        </p:nvSpPr>
+        <p:spPr>
+          <a:xfrm>
+            <a:off x="9473773" y="4172578"/>
+            <a:ext cx="1258314" cy="615401"/>
+          </a:xfrm>
+          <a:prstGeom prst="rect">
+            <a:avLst/>
+          </a:prstGeom>
+          <a:noFill/>
+          <a:ln w="25400">
+            <a:solidFill>
+              <a:schemeClr val="tx1"/>
+            </a:solidFill>
+          </a:ln>
+        </p:spPr>
+        <p:style>
+          <a:lnRef idx="2">
+            <a:schemeClr val="accent1">
+              <a:shade val="50000"/>
+            </a:schemeClr>
+          </a:lnRef>
+          <a:fillRef idx="1">
+            <a:schemeClr val="accent1"/>
+          </a:fillRef>
+          <a:effectRef idx="0">
+            <a:schemeClr val="accent1"/>
+          </a:effectRef>
+          <a:fontRef idx="minor">
+            <a:schemeClr val="lt1"/>
+          </a:fontRef>
+        </p:style>
+        <p:txBody>
+          <a:bodyPr rtlCol="0" anchor="ctr"/>
+          <a:lstStyle/>
+          <a:p>
+            <a:pPr algn="ctr"/>
+            <a:endParaRPr lang="en-US" sz="2000"/>
+          </a:p>
+        </p:txBody>
+      </p:sp>
+      <mc:AlternateContent xmlns:mc="http://schemas.openxmlformats.org/markup-compatibility/2006">
+        <mc:Choice xmlns:a14="http://schemas.microsoft.com/office/drawing/2010/main" Requires="a14">
+          <p:sp>
+            <p:nvSpPr>
+              <p:cNvPr id="33" name="Rectangle 32">
+                <a:extLst>
+                  <a:ext uri="{FF2B5EF4-FFF2-40B4-BE49-F238E27FC236}">
+                    <a16:creationId xmlns:a16="http://schemas.microsoft.com/office/drawing/2014/main" id="{88FFB4A3-A4C8-D90C-3F15-A22CAF5334EC}"/>
+                  </a:ext>
+                </a:extLst>
+              </p:cNvPr>
+              <p:cNvSpPr/>
+              <p:nvPr/>
+            </p:nvSpPr>
+            <p:spPr>
+              <a:xfrm>
+                <a:off x="9473773" y="4485226"/>
+                <a:ext cx="1258314" cy="302753"/>
+              </a:xfrm>
+              <a:prstGeom prst="rect">
+                <a:avLst/>
+              </a:prstGeom>
+              <a:noFill/>
+              <a:ln>
+                <a:solidFill>
+                  <a:schemeClr val="tx1"/>
+                </a:solidFill>
+              </a:ln>
+            </p:spPr>
+            <p:style>
+              <a:lnRef idx="2">
+                <a:schemeClr val="accent1">
+                  <a:shade val="50000"/>
+                </a:schemeClr>
+              </a:lnRef>
+              <a:fillRef idx="1">
+                <a:schemeClr val="accent1"/>
+              </a:fillRef>
+              <a:effectRef idx="0">
+                <a:schemeClr val="accent1"/>
+              </a:effectRef>
+              <a:fontRef idx="minor">
+                <a:schemeClr val="lt1"/>
+              </a:fontRef>
+            </p:style>
+            <p:txBody>
+              <a:bodyPr rtlCol="0" anchor="ctr"/>
+              <a:lstStyle/>
+              <a:p>
+                <a:pPr algn="ctr"/>
+                <a14:m>
+                  <m:oMathPara xmlns:m="http://schemas.openxmlformats.org/officeDocument/2006/math">
+                    <m:oMathParaPr>
+                      <m:jc m:val="centerGroup"/>
+                    </m:oMathParaPr>
+                    <m:oMath xmlns:m="http://schemas.openxmlformats.org/officeDocument/2006/math">
+                      <m:r>
+                        <a:rPr lang="en-US" sz="2000" i="1" smtClean="0">
+                          <a:solidFill>
+                            <a:schemeClr val="tx1"/>
+                          </a:solidFill>
+                          <a:latin typeface="Cambria Math" panose="02040503050406030204" pitchFamily="18" charset="0"/>
+                        </a:rPr>
+                        <m:t>#</m:t>
+                      </m:r>
+                      <m:sSub>
+                        <m:sSubPr>
+                          <m:ctrlPr>
+                            <a:rPr lang="en-US" sz="2000" i="1">
+                              <a:solidFill>
+                                <a:schemeClr val="tx1"/>
+                              </a:solidFill>
+                              <a:latin typeface="Cambria Math" panose="02040503050406030204" pitchFamily="18" charset="0"/>
+                            </a:rPr>
+                          </m:ctrlPr>
+                        </m:sSubPr>
+                        <m:e>
+                          <m:r>
+                            <a:rPr lang="en-US" sz="2000" i="1">
+                              <a:solidFill>
+                                <a:schemeClr val="tx1"/>
+                              </a:solidFill>
+                              <a:latin typeface="Cambria Math" panose="02040503050406030204" pitchFamily="18" charset="0"/>
+                            </a:rPr>
+                            <m:t>𝑎</m:t>
+                          </m:r>
+                        </m:e>
+                        <m:sub>
+                          <m:r>
+                            <a:rPr lang="en-US" sz="2000" b="0" i="1" smtClean="0">
+                              <a:solidFill>
+                                <a:schemeClr val="tx1"/>
+                              </a:solidFill>
+                              <a:latin typeface="Cambria Math" panose="02040503050406030204" pitchFamily="18" charset="0"/>
+                            </a:rPr>
+                            <m:t>𝑛</m:t>
+                          </m:r>
+                        </m:sub>
+                      </m:sSub>
+                    </m:oMath>
+                  </m:oMathPara>
+                </a14:m>
+                <a:endParaRPr lang="en-US" sz="2000" dirty="0">
+                  <a:solidFill>
+                    <a:schemeClr val="tx1"/>
+                  </a:solidFill>
+                </a:endParaRPr>
+              </a:p>
+            </p:txBody>
+          </p:sp>
+        </mc:Choice>
+        <mc:Fallback>
+          <p:sp>
+            <p:nvSpPr>
+              <p:cNvPr id="33" name="Rectangle 32">
+                <a:extLst>
+                  <a:ext uri="{FF2B5EF4-FFF2-40B4-BE49-F238E27FC236}">
+                    <a16:creationId xmlns:a16="http://schemas.microsoft.com/office/drawing/2014/main" id="{88FFB4A3-A4C8-D90C-3F15-A22CAF5334EC}"/>
+                  </a:ext>
+                </a:extLst>
+              </p:cNvPr>
+              <p:cNvSpPr>
+                <a:spLocks noRot="1" noChangeAspect="1" noMove="1" noResize="1" noEditPoints="1" noAdjustHandles="1" noChangeArrowheads="1" noChangeShapeType="1" noTextEdit="1"/>
+              </p:cNvSpPr>
+              <p:nvPr/>
+            </p:nvSpPr>
+            <p:spPr>
+              <a:xfrm>
+                <a:off x="9473773" y="4485226"/>
+                <a:ext cx="1258314" cy="302753"/>
+              </a:xfrm>
+              <a:prstGeom prst="rect">
+                <a:avLst/>
+              </a:prstGeom>
+              <a:blipFill>
+                <a:blip r:embed="rId9"/>
+                <a:stretch>
+                  <a:fillRect b="-11765"/>
+                </a:stretch>
+              </a:blipFill>
+              <a:ln>
+                <a:solidFill>
+                  <a:schemeClr val="tx1"/>
+                </a:solidFill>
+              </a:ln>
+            </p:spPr>
+            <p:txBody>
+              <a:bodyPr/>
+              <a:lstStyle/>
+              <a:p>
+                <a:r>
+                  <a:rPr lang="en-US">
+                    <a:noFill/>
+                  </a:rPr>
+                  <a:t> </a:t>
+                </a:r>
+              </a:p>
+            </p:txBody>
+          </p:sp>
+        </mc:Fallback>
+      </mc:AlternateContent>
+      <mc:AlternateContent xmlns:mc="http://schemas.openxmlformats.org/markup-compatibility/2006">
+        <mc:Choice xmlns:a14="http://schemas.microsoft.com/office/drawing/2010/main" Requires="a14">
+          <p:sp>
+            <p:nvSpPr>
+              <p:cNvPr id="34" name="Rectangle 33">
+                <a:extLst>
+                  <a:ext uri="{FF2B5EF4-FFF2-40B4-BE49-F238E27FC236}">
+                    <a16:creationId xmlns:a16="http://schemas.microsoft.com/office/drawing/2014/main" id="{45FEAEC6-D61B-4A01-1931-66C335D00F3E}"/>
+                  </a:ext>
+                </a:extLst>
+              </p:cNvPr>
+              <p:cNvSpPr/>
+              <p:nvPr/>
+            </p:nvSpPr>
+            <p:spPr>
+              <a:xfrm>
+                <a:off x="9473773" y="4182473"/>
+                <a:ext cx="1258314" cy="302753"/>
+              </a:xfrm>
+              <a:prstGeom prst="rect">
+                <a:avLst/>
+              </a:prstGeom>
+              <a:noFill/>
+              <a:ln>
+                <a:solidFill>
+                  <a:schemeClr val="tx1"/>
+                </a:solidFill>
+              </a:ln>
+            </p:spPr>
+            <p:style>
+              <a:lnRef idx="2">
+                <a:schemeClr val="accent1">
+                  <a:shade val="50000"/>
+                </a:schemeClr>
+              </a:lnRef>
+              <a:fillRef idx="1">
+                <a:schemeClr val="accent1"/>
+              </a:fillRef>
+              <a:effectRef idx="0">
+                <a:schemeClr val="accent1"/>
+              </a:effectRef>
+              <a:fontRef idx="minor">
+                <a:schemeClr val="lt1"/>
+              </a:fontRef>
+            </p:style>
+            <p:txBody>
+              <a:bodyPr rtlCol="0" anchor="ctr"/>
+              <a:lstStyle/>
+              <a:p>
+                <a:pPr algn="ctr"/>
+                <a14:m>
+                  <m:oMathPara xmlns:m="http://schemas.openxmlformats.org/officeDocument/2006/math">
+                    <m:oMathParaPr>
+                      <m:jc m:val="centerGroup"/>
+                    </m:oMathParaPr>
+                    <m:oMath xmlns:m="http://schemas.openxmlformats.org/officeDocument/2006/math">
+                      <m:r>
+                        <a:rPr lang="en-US" sz="2000" i="1" smtClean="0">
+                          <a:solidFill>
+                            <a:schemeClr val="tx1"/>
+                          </a:solidFill>
+                          <a:latin typeface="Cambria Math" panose="02040503050406030204" pitchFamily="18" charset="0"/>
+                        </a:rPr>
+                        <m:t>#</m:t>
+                      </m:r>
+                      <m:sSub>
+                        <m:sSubPr>
+                          <m:ctrlPr>
+                            <a:rPr lang="en-US" sz="2000" i="1">
+                              <a:solidFill>
+                                <a:schemeClr val="tx1"/>
+                              </a:solidFill>
+                              <a:latin typeface="Cambria Math" panose="02040503050406030204" pitchFamily="18" charset="0"/>
+                            </a:rPr>
+                          </m:ctrlPr>
+                        </m:sSubPr>
+                        <m:e>
+                          <m:r>
+                            <a:rPr lang="en-US" sz="2000" i="1">
+                              <a:solidFill>
+                                <a:schemeClr val="tx1"/>
+                              </a:solidFill>
+                              <a:latin typeface="Cambria Math" panose="02040503050406030204" pitchFamily="18" charset="0"/>
+                            </a:rPr>
+                            <m:t>𝑎</m:t>
+                          </m:r>
+                        </m:e>
+                        <m:sub>
+                          <m:r>
+                            <a:rPr lang="en-US" sz="2000" b="0" i="1" smtClean="0">
+                              <a:solidFill>
+                                <a:schemeClr val="tx1"/>
+                              </a:solidFill>
+                              <a:latin typeface="Cambria Math" panose="02040503050406030204" pitchFamily="18" charset="0"/>
+                            </a:rPr>
+                            <m:t>𝑛</m:t>
+                          </m:r>
+                          <m:r>
+                            <a:rPr lang="en-US" sz="2000" b="0" i="1" smtClean="0">
+                              <a:solidFill>
+                                <a:schemeClr val="tx1"/>
+                              </a:solidFill>
+                              <a:latin typeface="Cambria Math" panose="02040503050406030204" pitchFamily="18" charset="0"/>
+                            </a:rPr>
+                            <m:t>−1</m:t>
+                          </m:r>
+                        </m:sub>
+                      </m:sSub>
+                    </m:oMath>
+                  </m:oMathPara>
+                </a14:m>
+                <a:endParaRPr lang="en-US" sz="2000" dirty="0">
+                  <a:solidFill>
+                    <a:schemeClr val="tx1"/>
+                  </a:solidFill>
+                </a:endParaRPr>
+              </a:p>
+            </p:txBody>
+          </p:sp>
+        </mc:Choice>
+        <mc:Fallback>
+          <p:sp>
+            <p:nvSpPr>
+              <p:cNvPr id="34" name="Rectangle 33">
+                <a:extLst>
+                  <a:ext uri="{FF2B5EF4-FFF2-40B4-BE49-F238E27FC236}">
+                    <a16:creationId xmlns:a16="http://schemas.microsoft.com/office/drawing/2014/main" id="{45FEAEC6-D61B-4A01-1931-66C335D00F3E}"/>
+                  </a:ext>
+                </a:extLst>
+              </p:cNvPr>
+              <p:cNvSpPr>
+                <a:spLocks noRot="1" noChangeAspect="1" noMove="1" noResize="1" noEditPoints="1" noAdjustHandles="1" noChangeArrowheads="1" noChangeShapeType="1" noTextEdit="1"/>
+              </p:cNvSpPr>
+              <p:nvPr/>
+            </p:nvSpPr>
+            <p:spPr>
+              <a:xfrm>
+                <a:off x="9473773" y="4182473"/>
+                <a:ext cx="1258314" cy="302753"/>
+              </a:xfrm>
+              <a:prstGeom prst="rect">
+                <a:avLst/>
+              </a:prstGeom>
+              <a:blipFill>
+                <a:blip r:embed="rId10"/>
+                <a:stretch>
+                  <a:fillRect b="-13462"/>
+                </a:stretch>
+              </a:blipFill>
+              <a:ln>
+                <a:solidFill>
+                  <a:schemeClr val="tx1"/>
+                </a:solidFill>
+              </a:ln>
+            </p:spPr>
+            <p:txBody>
+              <a:bodyPr/>
+              <a:lstStyle/>
+              <a:p>
+                <a:r>
+                  <a:rPr lang="en-US">
+                    <a:noFill/>
+                  </a:rPr>
+                  <a:t> </a:t>
+                </a:r>
+              </a:p>
+            </p:txBody>
+          </p:sp>
+        </mc:Fallback>
+      </mc:AlternateContent>
+      <p:sp>
+        <p:nvSpPr>
+          <p:cNvPr id="35" name="Rectangle 34">
+            <a:extLst>
+              <a:ext uri="{FF2B5EF4-FFF2-40B4-BE49-F238E27FC236}">
+                <a16:creationId xmlns:a16="http://schemas.microsoft.com/office/drawing/2014/main" id="{38E55AB0-B384-C347-A1FB-C072660483EF}"/>
+              </a:ext>
+            </a:extLst>
+          </p:cNvPr>
+          <p:cNvSpPr/>
+          <p:nvPr/>
+        </p:nvSpPr>
+        <p:spPr>
+          <a:xfrm>
+            <a:off x="9473773" y="2565814"/>
+            <a:ext cx="1258314" cy="1230801"/>
+          </a:xfrm>
+          <a:prstGeom prst="rect">
+            <a:avLst/>
+          </a:prstGeom>
+          <a:noFill/>
+          <a:ln w="25400">
+            <a:solidFill>
+              <a:schemeClr val="tx1"/>
+            </a:solidFill>
+          </a:ln>
+        </p:spPr>
+        <p:style>
+          <a:lnRef idx="2">
+            <a:schemeClr val="accent1">
+              <a:shade val="50000"/>
+            </a:schemeClr>
+          </a:lnRef>
+          <a:fillRef idx="1">
+            <a:schemeClr val="accent1"/>
+          </a:fillRef>
+          <a:effectRef idx="0">
+            <a:schemeClr val="accent1"/>
+          </a:effectRef>
+          <a:fontRef idx="minor">
+            <a:schemeClr val="lt1"/>
+          </a:fontRef>
+        </p:style>
+        <p:txBody>
+          <a:bodyPr rtlCol="0" anchor="ctr"/>
+          <a:lstStyle/>
+          <a:p>
+            <a:pPr algn="ctr"/>
+            <a:endParaRPr lang="en-US" sz="2000"/>
+          </a:p>
+        </p:txBody>
+      </p:sp>
+      <mc:AlternateContent xmlns:mc="http://schemas.openxmlformats.org/markup-compatibility/2006">
+        <mc:Choice xmlns:a14="http://schemas.microsoft.com/office/drawing/2010/main" Requires="a14">
+          <p:sp>
+            <p:nvSpPr>
+              <p:cNvPr id="36" name="Rectangle 35">
+                <a:extLst>
+                  <a:ext uri="{FF2B5EF4-FFF2-40B4-BE49-F238E27FC236}">
+                    <a16:creationId xmlns:a16="http://schemas.microsoft.com/office/drawing/2014/main" id="{BD599076-FD22-7C5E-AE74-55ED5D5729CB}"/>
+                  </a:ext>
+                </a:extLst>
+              </p:cNvPr>
+              <p:cNvSpPr/>
+              <p:nvPr/>
+            </p:nvSpPr>
+            <p:spPr>
+              <a:xfrm>
+                <a:off x="9473773" y="2565815"/>
+                <a:ext cx="1258314" cy="302753"/>
+              </a:xfrm>
+              <a:prstGeom prst="rect">
+                <a:avLst/>
+              </a:prstGeom>
+              <a:noFill/>
+              <a:ln>
+                <a:solidFill>
+                  <a:schemeClr val="tx1"/>
+                </a:solidFill>
+              </a:ln>
+            </p:spPr>
+            <p:style>
+              <a:lnRef idx="2">
+                <a:schemeClr val="accent1">
+                  <a:shade val="50000"/>
+                </a:schemeClr>
+              </a:lnRef>
+              <a:fillRef idx="1">
+                <a:schemeClr val="accent1"/>
+              </a:fillRef>
+              <a:effectRef idx="0">
+                <a:schemeClr val="accent1"/>
+              </a:effectRef>
+              <a:fontRef idx="minor">
+                <a:schemeClr val="lt1"/>
+              </a:fontRef>
+            </p:style>
+            <p:txBody>
+              <a:bodyPr rtlCol="0" anchor="ctr"/>
+              <a:lstStyle/>
+              <a:p>
+                <a:pPr algn="ctr"/>
+                <a14:m>
+                  <m:oMathPara xmlns:m="http://schemas.openxmlformats.org/officeDocument/2006/math">
+                    <m:oMathParaPr>
+                      <m:jc m:val="centerGroup"/>
+                    </m:oMathParaPr>
+                    <m:oMath xmlns:m="http://schemas.openxmlformats.org/officeDocument/2006/math">
+                      <m:r>
+                        <a:rPr lang="en-US" sz="2000" b="0" i="1" smtClean="0">
+                          <a:solidFill>
+                            <a:schemeClr val="tx1"/>
+                          </a:solidFill>
+                          <a:latin typeface="Cambria Math" panose="02040503050406030204" pitchFamily="18" charset="0"/>
+                        </a:rPr>
+                        <m:t>#</m:t>
+                      </m:r>
+                      <m:sSub>
+                        <m:sSubPr>
+                          <m:ctrlPr>
+                            <a:rPr lang="en-US" sz="2000" b="0" i="1" smtClean="0">
+                              <a:solidFill>
+                                <a:schemeClr val="tx1"/>
+                              </a:solidFill>
+                              <a:latin typeface="Cambria Math" panose="02040503050406030204" pitchFamily="18" charset="0"/>
+                            </a:rPr>
+                          </m:ctrlPr>
+                        </m:sSubPr>
+                        <m:e>
+                          <m:r>
+                            <a:rPr lang="en-US" sz="2000" b="0" i="1" smtClean="0">
+                              <a:solidFill>
+                                <a:schemeClr val="tx1"/>
+                              </a:solidFill>
+                              <a:latin typeface="Cambria Math" panose="02040503050406030204" pitchFamily="18" charset="0"/>
+                            </a:rPr>
+                            <m:t>𝑎</m:t>
+                          </m:r>
+                        </m:e>
+                        <m:sub>
+                          <m:r>
+                            <a:rPr lang="en-US" sz="2000" b="0" i="1" smtClean="0">
+                              <a:solidFill>
+                                <a:schemeClr val="tx1"/>
+                              </a:solidFill>
+                              <a:latin typeface="Cambria Math" panose="02040503050406030204" pitchFamily="18" charset="0"/>
+                            </a:rPr>
+                            <m:t>1</m:t>
+                          </m:r>
+                        </m:sub>
+                      </m:sSub>
+                    </m:oMath>
+                  </m:oMathPara>
+                </a14:m>
+                <a:endParaRPr lang="en-US" sz="2000" dirty="0">
+                  <a:solidFill>
+                    <a:schemeClr val="tx1"/>
+                  </a:solidFill>
+                </a:endParaRPr>
+              </a:p>
+            </p:txBody>
+          </p:sp>
+        </mc:Choice>
+        <mc:Fallback>
+          <p:sp>
+            <p:nvSpPr>
+              <p:cNvPr id="36" name="Rectangle 35">
+                <a:extLst>
+                  <a:ext uri="{FF2B5EF4-FFF2-40B4-BE49-F238E27FC236}">
+                    <a16:creationId xmlns:a16="http://schemas.microsoft.com/office/drawing/2014/main" id="{BD599076-FD22-7C5E-AE74-55ED5D5729CB}"/>
+                  </a:ext>
+                </a:extLst>
+              </p:cNvPr>
+              <p:cNvSpPr>
+                <a:spLocks noRot="1" noChangeAspect="1" noMove="1" noResize="1" noEditPoints="1" noAdjustHandles="1" noChangeArrowheads="1" noChangeShapeType="1" noTextEdit="1"/>
+              </p:cNvSpPr>
+              <p:nvPr/>
+            </p:nvSpPr>
+            <p:spPr>
+              <a:xfrm>
+                <a:off x="9473773" y="2565815"/>
+                <a:ext cx="1258314" cy="302753"/>
+              </a:xfrm>
+              <a:prstGeom prst="rect">
+                <a:avLst/>
+              </a:prstGeom>
+              <a:blipFill>
+                <a:blip r:embed="rId11"/>
+                <a:stretch>
+                  <a:fillRect b="-13462"/>
+                </a:stretch>
+              </a:blipFill>
+              <a:ln>
+                <a:solidFill>
+                  <a:schemeClr val="tx1"/>
+                </a:solidFill>
+              </a:ln>
+            </p:spPr>
+            <p:txBody>
+              <a:bodyPr/>
+              <a:lstStyle/>
+              <a:p>
+                <a:r>
+                  <a:rPr lang="en-US">
+                    <a:noFill/>
+                  </a:rPr>
+                  <a:t> </a:t>
+                </a:r>
+              </a:p>
+            </p:txBody>
+          </p:sp>
+        </mc:Fallback>
+      </mc:AlternateContent>
+      <mc:AlternateContent xmlns:mc="http://schemas.openxmlformats.org/markup-compatibility/2006">
+        <mc:Choice xmlns:a14="http://schemas.microsoft.com/office/drawing/2010/main" Requires="a14">
+          <p:sp>
+            <p:nvSpPr>
+              <p:cNvPr id="37" name="Rectangle 36">
+                <a:extLst>
+                  <a:ext uri="{FF2B5EF4-FFF2-40B4-BE49-F238E27FC236}">
+                    <a16:creationId xmlns:a16="http://schemas.microsoft.com/office/drawing/2014/main" id="{2D946F2D-5D71-3BE2-55E2-E00648B06E9A}"/>
+                  </a:ext>
+                </a:extLst>
+              </p:cNvPr>
+              <p:cNvSpPr/>
+              <p:nvPr/>
+            </p:nvSpPr>
+            <p:spPr>
+              <a:xfrm>
+                <a:off x="9473773" y="2878461"/>
+                <a:ext cx="1258314" cy="302753"/>
+              </a:xfrm>
+              <a:prstGeom prst="rect">
+                <a:avLst/>
+              </a:prstGeom>
+              <a:noFill/>
+              <a:ln>
+                <a:solidFill>
+                  <a:schemeClr val="tx1"/>
+                </a:solidFill>
+              </a:ln>
+            </p:spPr>
+            <p:style>
+              <a:lnRef idx="2">
+                <a:schemeClr val="accent1">
+                  <a:shade val="50000"/>
+                </a:schemeClr>
+              </a:lnRef>
+              <a:fillRef idx="1">
+                <a:schemeClr val="accent1"/>
+              </a:fillRef>
+              <a:effectRef idx="0">
+                <a:schemeClr val="accent1"/>
+              </a:effectRef>
+              <a:fontRef idx="minor">
+                <a:schemeClr val="lt1"/>
+              </a:fontRef>
+            </p:style>
+            <p:txBody>
+              <a:bodyPr rtlCol="0" anchor="ctr"/>
+              <a:lstStyle/>
+              <a:p>
+                <a:pPr algn="ctr"/>
+                <a14:m>
+                  <m:oMathPara xmlns:m="http://schemas.openxmlformats.org/officeDocument/2006/math">
+                    <m:oMathParaPr>
+                      <m:jc m:val="centerGroup"/>
+                    </m:oMathParaPr>
+                    <m:oMath xmlns:m="http://schemas.openxmlformats.org/officeDocument/2006/math">
+                      <m:r>
+                        <a:rPr lang="en-US" sz="2000" i="1" smtClean="0">
+                          <a:solidFill>
+                            <a:schemeClr val="tx1"/>
+                          </a:solidFill>
+                          <a:latin typeface="Cambria Math" panose="02040503050406030204" pitchFamily="18" charset="0"/>
+                        </a:rPr>
+                        <m:t>#</m:t>
+                      </m:r>
+                      <m:sSub>
+                        <m:sSubPr>
+                          <m:ctrlPr>
+                            <a:rPr lang="en-US" sz="2000" i="1" smtClean="0">
+                              <a:solidFill>
+                                <a:schemeClr val="tx1"/>
+                              </a:solidFill>
+                              <a:latin typeface="Cambria Math" panose="02040503050406030204" pitchFamily="18" charset="0"/>
+                            </a:rPr>
+                          </m:ctrlPr>
+                        </m:sSubPr>
+                        <m:e>
+                          <m:r>
+                            <a:rPr lang="en-US" sz="2000" i="1">
+                              <a:solidFill>
+                                <a:schemeClr val="tx1"/>
+                              </a:solidFill>
+                              <a:latin typeface="Cambria Math" panose="02040503050406030204" pitchFamily="18" charset="0"/>
+                            </a:rPr>
+                            <m:t>𝑎</m:t>
+                          </m:r>
+                        </m:e>
+                        <m:sub>
+                          <m:r>
+                            <a:rPr lang="en-US" sz="2000" b="0" i="1" smtClean="0">
+                              <a:solidFill>
+                                <a:schemeClr val="tx1"/>
+                              </a:solidFill>
+                              <a:latin typeface="Cambria Math" panose="02040503050406030204" pitchFamily="18" charset="0"/>
+                            </a:rPr>
+                            <m:t>2</m:t>
+                          </m:r>
+                        </m:sub>
+                      </m:sSub>
+                    </m:oMath>
+                  </m:oMathPara>
+                </a14:m>
+                <a:endParaRPr lang="en-US" sz="2000" dirty="0">
+                  <a:solidFill>
+                    <a:schemeClr val="tx1"/>
+                  </a:solidFill>
+                </a:endParaRPr>
+              </a:p>
+            </p:txBody>
+          </p:sp>
+        </mc:Choice>
+        <mc:Fallback>
+          <p:sp>
+            <p:nvSpPr>
+              <p:cNvPr id="37" name="Rectangle 36">
+                <a:extLst>
+                  <a:ext uri="{FF2B5EF4-FFF2-40B4-BE49-F238E27FC236}">
+                    <a16:creationId xmlns:a16="http://schemas.microsoft.com/office/drawing/2014/main" id="{2D946F2D-5D71-3BE2-55E2-E00648B06E9A}"/>
+                  </a:ext>
+                </a:extLst>
+              </p:cNvPr>
+              <p:cNvSpPr>
+                <a:spLocks noRot="1" noChangeAspect="1" noMove="1" noResize="1" noEditPoints="1" noAdjustHandles="1" noChangeArrowheads="1" noChangeShapeType="1" noTextEdit="1"/>
+              </p:cNvSpPr>
+              <p:nvPr/>
+            </p:nvSpPr>
+            <p:spPr>
+              <a:xfrm>
+                <a:off x="9473773" y="2878461"/>
+                <a:ext cx="1258314" cy="302753"/>
+              </a:xfrm>
+              <a:prstGeom prst="rect">
+                <a:avLst/>
+              </a:prstGeom>
+              <a:blipFill>
+                <a:blip r:embed="rId12"/>
+                <a:stretch>
+                  <a:fillRect b="-15385"/>
+                </a:stretch>
+              </a:blipFill>
+              <a:ln>
+                <a:solidFill>
+                  <a:schemeClr val="tx1"/>
+                </a:solidFill>
+              </a:ln>
+            </p:spPr>
+            <p:txBody>
+              <a:bodyPr/>
+              <a:lstStyle/>
+              <a:p>
+                <a:r>
+                  <a:rPr lang="en-US">
+                    <a:noFill/>
+                  </a:rPr>
+                  <a:t> </a:t>
+                </a:r>
+              </a:p>
+            </p:txBody>
+          </p:sp>
+        </mc:Fallback>
+      </mc:AlternateContent>
+      <mc:AlternateContent xmlns:mc="http://schemas.openxmlformats.org/markup-compatibility/2006">
+        <mc:Choice xmlns:a14="http://schemas.microsoft.com/office/drawing/2010/main" Requires="a14">
+          <p:sp>
+            <p:nvSpPr>
+              <p:cNvPr id="38" name="Rectangle 37">
+                <a:extLst>
+                  <a:ext uri="{FF2B5EF4-FFF2-40B4-BE49-F238E27FC236}">
+                    <a16:creationId xmlns:a16="http://schemas.microsoft.com/office/drawing/2014/main" id="{E87EAC46-79F7-918E-D32E-A5B3B798176B}"/>
+                  </a:ext>
+                </a:extLst>
+              </p:cNvPr>
+              <p:cNvSpPr/>
+              <p:nvPr/>
+            </p:nvSpPr>
+            <p:spPr>
+              <a:xfrm>
+                <a:off x="9473773" y="3191109"/>
+                <a:ext cx="1258314" cy="302753"/>
+              </a:xfrm>
+              <a:prstGeom prst="rect">
+                <a:avLst/>
+              </a:prstGeom>
+              <a:noFill/>
+              <a:ln>
+                <a:solidFill>
+                  <a:schemeClr val="tx1"/>
+                </a:solidFill>
+              </a:ln>
+            </p:spPr>
+            <p:style>
+              <a:lnRef idx="2">
+                <a:schemeClr val="accent1">
+                  <a:shade val="50000"/>
+                </a:schemeClr>
+              </a:lnRef>
+              <a:fillRef idx="1">
+                <a:schemeClr val="accent1"/>
+              </a:fillRef>
+              <a:effectRef idx="0">
+                <a:schemeClr val="accent1"/>
+              </a:effectRef>
+              <a:fontRef idx="minor">
+                <a:schemeClr val="lt1"/>
+              </a:fontRef>
+            </p:style>
+            <p:txBody>
+              <a:bodyPr rtlCol="0" anchor="ctr"/>
+              <a:lstStyle/>
+              <a:p>
+                <a:pPr algn="ctr"/>
+                <a14:m>
+                  <m:oMathPara xmlns:m="http://schemas.openxmlformats.org/officeDocument/2006/math">
+                    <m:oMathParaPr>
+                      <m:jc m:val="centerGroup"/>
+                    </m:oMathParaPr>
+                    <m:oMath xmlns:m="http://schemas.openxmlformats.org/officeDocument/2006/math">
+                      <m:r>
+                        <a:rPr lang="en-US" sz="2000" i="1" smtClean="0">
+                          <a:solidFill>
+                            <a:schemeClr val="tx1"/>
+                          </a:solidFill>
+                          <a:latin typeface="Cambria Math" panose="02040503050406030204" pitchFamily="18" charset="0"/>
+                        </a:rPr>
+                        <m:t>#</m:t>
+                      </m:r>
+                      <m:sSub>
+                        <m:sSubPr>
+                          <m:ctrlPr>
+                            <a:rPr lang="en-US" sz="2000" i="1">
+                              <a:solidFill>
+                                <a:schemeClr val="tx1"/>
+                              </a:solidFill>
+                              <a:latin typeface="Cambria Math" panose="02040503050406030204" pitchFamily="18" charset="0"/>
+                            </a:rPr>
+                          </m:ctrlPr>
+                        </m:sSubPr>
+                        <m:e>
+                          <m:r>
+                            <a:rPr lang="en-US" sz="2000" i="1">
+                              <a:solidFill>
+                                <a:schemeClr val="tx1"/>
+                              </a:solidFill>
+                              <a:latin typeface="Cambria Math" panose="02040503050406030204" pitchFamily="18" charset="0"/>
+                            </a:rPr>
+                            <m:t>𝑎</m:t>
+                          </m:r>
+                        </m:e>
+                        <m:sub>
+                          <m:r>
+                            <a:rPr lang="en-US" sz="2000" b="0" i="1" smtClean="0">
+                              <a:solidFill>
+                                <a:schemeClr val="tx1"/>
+                              </a:solidFill>
+                              <a:latin typeface="Cambria Math" panose="02040503050406030204" pitchFamily="18" charset="0"/>
+                            </a:rPr>
+                            <m:t>3</m:t>
+                          </m:r>
+                        </m:sub>
+                      </m:sSub>
+                    </m:oMath>
+                  </m:oMathPara>
+                </a14:m>
+                <a:endParaRPr lang="en-US" sz="2000" dirty="0">
+                  <a:solidFill>
+                    <a:schemeClr val="tx1"/>
+                  </a:solidFill>
+                </a:endParaRPr>
+              </a:p>
+            </p:txBody>
+          </p:sp>
+        </mc:Choice>
+        <mc:Fallback>
+          <p:sp>
+            <p:nvSpPr>
+              <p:cNvPr id="38" name="Rectangle 37">
+                <a:extLst>
+                  <a:ext uri="{FF2B5EF4-FFF2-40B4-BE49-F238E27FC236}">
+                    <a16:creationId xmlns:a16="http://schemas.microsoft.com/office/drawing/2014/main" id="{E87EAC46-79F7-918E-D32E-A5B3B798176B}"/>
+                  </a:ext>
+                </a:extLst>
+              </p:cNvPr>
+              <p:cNvSpPr>
+                <a:spLocks noRot="1" noChangeAspect="1" noMove="1" noResize="1" noEditPoints="1" noAdjustHandles="1" noChangeArrowheads="1" noChangeShapeType="1" noTextEdit="1"/>
+              </p:cNvSpPr>
+              <p:nvPr/>
+            </p:nvSpPr>
+            <p:spPr>
+              <a:xfrm>
+                <a:off x="9473773" y="3191109"/>
+                <a:ext cx="1258314" cy="302753"/>
+              </a:xfrm>
+              <a:prstGeom prst="rect">
+                <a:avLst/>
+              </a:prstGeom>
+              <a:blipFill>
+                <a:blip r:embed="rId13"/>
+                <a:stretch>
+                  <a:fillRect b="-15385"/>
+                </a:stretch>
+              </a:blipFill>
+              <a:ln>
+                <a:solidFill>
+                  <a:schemeClr val="tx1"/>
+                </a:solidFill>
+              </a:ln>
+            </p:spPr>
+            <p:txBody>
+              <a:bodyPr/>
+              <a:lstStyle/>
+              <a:p>
+                <a:r>
+                  <a:rPr lang="en-US">
+                    <a:noFill/>
+                  </a:rPr>
+                  <a:t> </a:t>
+                </a:r>
+              </a:p>
+            </p:txBody>
+          </p:sp>
+        </mc:Fallback>
+      </mc:AlternateContent>
+    </p:spTree>
+    <p:extLst>
+      <p:ext uri="{BB962C8B-B14F-4D97-AF65-F5344CB8AC3E}">
+        <p14:creationId xmlns:p14="http://schemas.microsoft.com/office/powerpoint/2010/main" val="604376676"/>
+      </p:ext>
+    </p:extLst>
+  </p:cSld>
+  <p:clrMapOvr>
+    <a:masterClrMapping/>
+  </p:clrMapOvr>
+  <p:timing>
+    <p:tnLst>
+      <p:par>
+        <p:cTn id="1" dur="indefinite" restart="never" nodeType="tmRoot">
+          <p:childTnLst>
+            <p:seq concurrent="1" nextAc="seek">
+              <p:cTn id="2" dur="indefinite" nodeType="mainSeq">
+                <p:childTnLst>
+                  <p:par>
+                    <p:cTn id="3" fill="hold">
+                      <p:stCondLst>
+                        <p:cond delay="indefinite"/>
+                      </p:stCondLst>
+                      <p:childTnLst>
+                        <p:par>
+                          <p:cTn id="4" fill="hold">
+                            <p:stCondLst>
+                              <p:cond delay="0"/>
+                            </p:stCondLst>
+                            <p:childTnLst>
+                              <p:par>
+                                <p:cTn id="5" presetID="1" presetClass="entr" presetSubtype="0" fill="hold" nodeType="clickEffect">
+                                  <p:stCondLst>
+                                    <p:cond delay="0"/>
+                                  </p:stCondLst>
+                                  <p:childTnLst>
+                                    <p:set>
+                                      <p:cBhvr>
+                                        <p:cTn id="6" dur="1" fill="hold">
+                                          <p:stCondLst>
+                                            <p:cond delay="0"/>
+                                          </p:stCondLst>
+                                        </p:cTn>
+                                        <p:tgtEl>
+                                          <p:spTgt spid="3">
+                                            <p:txEl>
+                                              <p:pRg st="1" end="1"/>
+                                            </p:txEl>
+                                          </p:spTgt>
+                                        </p:tgtEl>
+                                        <p:attrNameLst>
+                                          <p:attrName>style.visibility</p:attrName>
+                                        </p:attrNameLst>
+                                      </p:cBhvr>
+                                      <p:to>
+                                        <p:strVal val="visible"/>
+                                      </p:to>
+                                    </p:set>
+                                  </p:childTnLst>
+                                </p:cTn>
+                              </p:par>
+                              <p:par>
+                                <p:cTn id="7" presetID="1" presetClass="entr" presetSubtype="0" fill="hold" grpId="0" nodeType="withEffect">
+                                  <p:stCondLst>
+                                    <p:cond delay="0"/>
+                                  </p:stCondLst>
+                                  <p:childTnLst>
+                                    <p:set>
+                                      <p:cBhvr>
+                                        <p:cTn id="8" dur="1" fill="hold">
+                                          <p:stCondLst>
+                                            <p:cond delay="0"/>
+                                          </p:stCondLst>
+                                        </p:cTn>
+                                        <p:tgtEl>
+                                          <p:spTgt spid="10"/>
+                                        </p:tgtEl>
+                                        <p:attrNameLst>
+                                          <p:attrName>style.visibility</p:attrName>
+                                        </p:attrNameLst>
+                                      </p:cBhvr>
+                                      <p:to>
+                                        <p:strVal val="visible"/>
+                                      </p:to>
+                                    </p:set>
+                                  </p:childTnLst>
+                                </p:cTn>
+                              </p:par>
+                              <p:par>
+                                <p:cTn id="9" presetID="1" presetClass="entr" presetSubtype="0" fill="hold" grpId="0" nodeType="withEffect">
+                                  <p:stCondLst>
+                                    <p:cond delay="0"/>
+                                  </p:stCondLst>
+                                  <p:childTnLst>
+                                    <p:set>
+                                      <p:cBhvr>
+                                        <p:cTn id="10" dur="1" fill="hold">
+                                          <p:stCondLst>
+                                            <p:cond delay="0"/>
+                                          </p:stCondLst>
+                                        </p:cTn>
+                                        <p:tgtEl>
+                                          <p:spTgt spid="16"/>
+                                        </p:tgtEl>
+                                        <p:attrNameLst>
+                                          <p:attrName>style.visibility</p:attrName>
+                                        </p:attrNameLst>
+                                      </p:cBhvr>
+                                      <p:to>
+                                        <p:strVal val="visible"/>
+                                      </p:to>
+                                    </p:set>
+                                  </p:childTnLst>
+                                </p:cTn>
+                              </p:par>
+                              <p:par>
+                                <p:cTn id="11" presetID="1" presetClass="entr" presetSubtype="0" fill="hold" grpId="0" nodeType="withEffect">
+                                  <p:stCondLst>
+                                    <p:cond delay="0"/>
+                                  </p:stCondLst>
+                                  <p:childTnLst>
+                                    <p:set>
+                                      <p:cBhvr>
+                                        <p:cTn id="12" dur="1" fill="hold">
+                                          <p:stCondLst>
+                                            <p:cond delay="0"/>
+                                          </p:stCondLst>
+                                        </p:cTn>
+                                        <p:tgtEl>
+                                          <p:spTgt spid="19"/>
+                                        </p:tgtEl>
+                                        <p:attrNameLst>
+                                          <p:attrName>style.visibility</p:attrName>
+                                        </p:attrNameLst>
+                                      </p:cBhvr>
+                                      <p:to>
+                                        <p:strVal val="visible"/>
+                                      </p:to>
+                                    </p:set>
+                                  </p:childTnLst>
+                                </p:cTn>
+                              </p:par>
+                              <p:par>
+                                <p:cTn id="13" presetID="1" presetClass="entr" presetSubtype="0" fill="hold" grpId="0" nodeType="withEffect">
+                                  <p:stCondLst>
+                                    <p:cond delay="0"/>
+                                  </p:stCondLst>
+                                  <p:childTnLst>
+                                    <p:set>
+                                      <p:cBhvr>
+                                        <p:cTn id="14" dur="1" fill="hold">
+                                          <p:stCondLst>
+                                            <p:cond delay="0"/>
+                                          </p:stCondLst>
+                                        </p:cTn>
+                                        <p:tgtEl>
+                                          <p:spTgt spid="20"/>
+                                        </p:tgtEl>
+                                        <p:attrNameLst>
+                                          <p:attrName>style.visibility</p:attrName>
+                                        </p:attrNameLst>
+                                      </p:cBhvr>
+                                      <p:to>
+                                        <p:strVal val="visible"/>
+                                      </p:to>
+                                    </p:set>
+                                  </p:childTnLst>
+                                </p:cTn>
+                              </p:par>
+                              <p:par>
+                                <p:cTn id="15" presetID="1" presetClass="entr" presetSubtype="0" fill="hold" grpId="0" nodeType="withEffect">
+                                  <p:stCondLst>
+                                    <p:cond delay="0"/>
+                                  </p:stCondLst>
+                                  <p:childTnLst>
+                                    <p:set>
+                                      <p:cBhvr>
+                                        <p:cTn id="16" dur="1" fill="hold">
+                                          <p:stCondLst>
+                                            <p:cond delay="0"/>
+                                          </p:stCondLst>
+                                        </p:cTn>
+                                        <p:tgtEl>
+                                          <p:spTgt spid="26"/>
+                                        </p:tgtEl>
+                                        <p:attrNameLst>
+                                          <p:attrName>style.visibility</p:attrName>
+                                        </p:attrNameLst>
+                                      </p:cBhvr>
+                                      <p:to>
+                                        <p:strVal val="visible"/>
+                                      </p:to>
+                                    </p:set>
+                                  </p:childTnLst>
+                                </p:cTn>
+                              </p:par>
+                              <p:par>
+                                <p:cTn id="17" presetID="1" presetClass="entr" presetSubtype="0" fill="hold" grpId="0" nodeType="withEffect">
+                                  <p:stCondLst>
+                                    <p:cond delay="0"/>
+                                  </p:stCondLst>
+                                  <p:childTnLst>
+                                    <p:set>
+                                      <p:cBhvr>
+                                        <p:cTn id="18" dur="1" fill="hold">
+                                          <p:stCondLst>
+                                            <p:cond delay="0"/>
+                                          </p:stCondLst>
+                                        </p:cTn>
+                                        <p:tgtEl>
+                                          <p:spTgt spid="27"/>
+                                        </p:tgtEl>
+                                        <p:attrNameLst>
+                                          <p:attrName>style.visibility</p:attrName>
+                                        </p:attrNameLst>
+                                      </p:cBhvr>
+                                      <p:to>
+                                        <p:strVal val="visible"/>
+                                      </p:to>
+                                    </p:set>
+                                  </p:childTnLst>
+                                </p:cTn>
+                              </p:par>
+                              <p:par>
+                                <p:cTn id="19" presetID="1" presetClass="entr" presetSubtype="0" fill="hold" grpId="0" nodeType="withEffect">
+                                  <p:stCondLst>
+                                    <p:cond delay="0"/>
+                                  </p:stCondLst>
+                                  <p:childTnLst>
+                                    <p:set>
+                                      <p:cBhvr>
+                                        <p:cTn id="20" dur="1" fill="hold">
+                                          <p:stCondLst>
+                                            <p:cond delay="0"/>
+                                          </p:stCondLst>
+                                        </p:cTn>
+                                        <p:tgtEl>
+                                          <p:spTgt spid="28"/>
+                                        </p:tgtEl>
+                                        <p:attrNameLst>
+                                          <p:attrName>style.visibility</p:attrName>
+                                        </p:attrNameLst>
+                                      </p:cBhvr>
+                                      <p:to>
+                                        <p:strVal val="visible"/>
+                                      </p:to>
+                                    </p:set>
+                                  </p:childTnLst>
+                                </p:cTn>
+                              </p:par>
+                              <p:par>
+                                <p:cTn id="21" presetID="1" presetClass="entr" presetSubtype="0" fill="hold" grpId="0" nodeType="withEffect">
+                                  <p:stCondLst>
+                                    <p:cond delay="0"/>
+                                  </p:stCondLst>
+                                  <p:childTnLst>
+                                    <p:set>
+                                      <p:cBhvr>
+                                        <p:cTn id="22" dur="1" fill="hold">
+                                          <p:stCondLst>
+                                            <p:cond delay="0"/>
+                                          </p:stCondLst>
+                                        </p:cTn>
+                                        <p:tgtEl>
+                                          <p:spTgt spid="30"/>
+                                        </p:tgtEl>
+                                        <p:attrNameLst>
+                                          <p:attrName>style.visibility</p:attrName>
+                                        </p:attrNameLst>
+                                      </p:cBhvr>
+                                      <p:to>
+                                        <p:strVal val="visible"/>
+                                      </p:to>
+                                    </p:set>
+                                  </p:childTnLst>
+                                </p:cTn>
+                              </p:par>
+                            </p:childTnLst>
+                          </p:cTn>
+                        </p:par>
+                      </p:childTnLst>
+                    </p:cTn>
+                  </p:par>
+                  <p:par>
+                    <p:cTn id="23" fill="hold">
+                      <p:stCondLst>
+                        <p:cond delay="indefinite"/>
+                      </p:stCondLst>
+                      <p:childTnLst>
+                        <p:par>
+                          <p:cTn id="24" fill="hold">
+                            <p:stCondLst>
+                              <p:cond delay="0"/>
+                            </p:stCondLst>
+                            <p:childTnLst>
+                              <p:par>
+                                <p:cTn id="25" presetID="1" presetClass="entr" presetSubtype="0" fill="hold" nodeType="clickEffect">
+                                  <p:stCondLst>
+                                    <p:cond delay="0"/>
+                                  </p:stCondLst>
+                                  <p:childTnLst>
+                                    <p:set>
+                                      <p:cBhvr>
+                                        <p:cTn id="26" dur="1" fill="hold">
+                                          <p:stCondLst>
+                                            <p:cond delay="0"/>
+                                          </p:stCondLst>
+                                        </p:cTn>
+                                        <p:tgtEl>
+                                          <p:spTgt spid="3">
+                                            <p:txEl>
+                                              <p:pRg st="2" end="2"/>
+                                            </p:txEl>
+                                          </p:spTgt>
+                                        </p:tgtEl>
+                                        <p:attrNameLst>
+                                          <p:attrName>style.visibility</p:attrName>
+                                        </p:attrNameLst>
+                                      </p:cBhvr>
+                                      <p:to>
+                                        <p:strVal val="visible"/>
+                                      </p:to>
+                                    </p:set>
+                                  </p:childTnLst>
+                                </p:cTn>
+                              </p:par>
+                              <p:par>
+                                <p:cTn id="27" presetID="1" presetClass="entr" presetSubtype="0" fill="hold" grpId="0" nodeType="withEffect">
+                                  <p:stCondLst>
+                                    <p:cond delay="0"/>
+                                  </p:stCondLst>
+                                  <p:childTnLst>
+                                    <p:set>
+                                      <p:cBhvr>
+                                        <p:cTn id="28" dur="1" fill="hold">
+                                          <p:stCondLst>
+                                            <p:cond delay="0"/>
+                                          </p:stCondLst>
+                                        </p:cTn>
+                                        <p:tgtEl>
+                                          <p:spTgt spid="31"/>
+                                        </p:tgtEl>
+                                        <p:attrNameLst>
+                                          <p:attrName>style.visibility</p:attrName>
+                                        </p:attrNameLst>
+                                      </p:cBhvr>
+                                      <p:to>
+                                        <p:strVal val="visible"/>
+                                      </p:to>
+                                    </p:set>
+                                  </p:childTnLst>
+                                </p:cTn>
+                              </p:par>
+                              <p:par>
+                                <p:cTn id="29" presetID="1" presetClass="entr" presetSubtype="0" fill="hold" grpId="0" nodeType="withEffect">
+                                  <p:stCondLst>
+                                    <p:cond delay="0"/>
+                                  </p:stCondLst>
+                                  <p:childTnLst>
+                                    <p:set>
+                                      <p:cBhvr>
+                                        <p:cTn id="30" dur="1" fill="hold">
+                                          <p:stCondLst>
+                                            <p:cond delay="0"/>
+                                          </p:stCondLst>
+                                        </p:cTn>
+                                        <p:tgtEl>
+                                          <p:spTgt spid="32"/>
+                                        </p:tgtEl>
+                                        <p:attrNameLst>
+                                          <p:attrName>style.visibility</p:attrName>
+                                        </p:attrNameLst>
+                                      </p:cBhvr>
+                                      <p:to>
+                                        <p:strVal val="visible"/>
+                                      </p:to>
+                                    </p:set>
+                                  </p:childTnLst>
+                                </p:cTn>
+                              </p:par>
+                              <p:par>
+                                <p:cTn id="31" presetID="1" presetClass="entr" presetSubtype="0" fill="hold" grpId="0" nodeType="withEffect">
+                                  <p:stCondLst>
+                                    <p:cond delay="0"/>
+                                  </p:stCondLst>
+                                  <p:childTnLst>
+                                    <p:set>
+                                      <p:cBhvr>
+                                        <p:cTn id="32" dur="1" fill="hold">
+                                          <p:stCondLst>
+                                            <p:cond delay="0"/>
+                                          </p:stCondLst>
+                                        </p:cTn>
+                                        <p:tgtEl>
+                                          <p:spTgt spid="33"/>
+                                        </p:tgtEl>
+                                        <p:attrNameLst>
+                                          <p:attrName>style.visibility</p:attrName>
+                                        </p:attrNameLst>
+                                      </p:cBhvr>
+                                      <p:to>
+                                        <p:strVal val="visible"/>
+                                      </p:to>
+                                    </p:set>
+                                  </p:childTnLst>
+                                </p:cTn>
+                              </p:par>
+                              <p:par>
+                                <p:cTn id="33" presetID="1" presetClass="entr" presetSubtype="0" fill="hold" grpId="0" nodeType="withEffect">
+                                  <p:stCondLst>
+                                    <p:cond delay="0"/>
+                                  </p:stCondLst>
+                                  <p:childTnLst>
+                                    <p:set>
+                                      <p:cBhvr>
+                                        <p:cTn id="34" dur="1" fill="hold">
+                                          <p:stCondLst>
+                                            <p:cond delay="0"/>
+                                          </p:stCondLst>
+                                        </p:cTn>
+                                        <p:tgtEl>
+                                          <p:spTgt spid="34"/>
+                                        </p:tgtEl>
+                                        <p:attrNameLst>
+                                          <p:attrName>style.visibility</p:attrName>
+                                        </p:attrNameLst>
+                                      </p:cBhvr>
+                                      <p:to>
+                                        <p:strVal val="visible"/>
+                                      </p:to>
+                                    </p:set>
+                                  </p:childTnLst>
+                                </p:cTn>
+                              </p:par>
+                              <p:par>
+                                <p:cTn id="35" presetID="1" presetClass="entr" presetSubtype="0" fill="hold" grpId="0" nodeType="withEffect">
+                                  <p:stCondLst>
+                                    <p:cond delay="0"/>
+                                  </p:stCondLst>
+                                  <p:childTnLst>
+                                    <p:set>
+                                      <p:cBhvr>
+                                        <p:cTn id="36" dur="1" fill="hold">
+                                          <p:stCondLst>
+                                            <p:cond delay="0"/>
+                                          </p:stCondLst>
+                                        </p:cTn>
+                                        <p:tgtEl>
+                                          <p:spTgt spid="35"/>
+                                        </p:tgtEl>
+                                        <p:attrNameLst>
+                                          <p:attrName>style.visibility</p:attrName>
+                                        </p:attrNameLst>
+                                      </p:cBhvr>
+                                      <p:to>
+                                        <p:strVal val="visible"/>
+                                      </p:to>
+                                    </p:set>
+                                  </p:childTnLst>
+                                </p:cTn>
+                              </p:par>
+                              <p:par>
+                                <p:cTn id="37" presetID="1" presetClass="entr" presetSubtype="0" fill="hold" grpId="0" nodeType="withEffect">
+                                  <p:stCondLst>
+                                    <p:cond delay="0"/>
+                                  </p:stCondLst>
+                                  <p:childTnLst>
+                                    <p:set>
+                                      <p:cBhvr>
+                                        <p:cTn id="38" dur="1" fill="hold">
+                                          <p:stCondLst>
+                                            <p:cond delay="0"/>
+                                          </p:stCondLst>
+                                        </p:cTn>
+                                        <p:tgtEl>
+                                          <p:spTgt spid="36"/>
+                                        </p:tgtEl>
+                                        <p:attrNameLst>
+                                          <p:attrName>style.visibility</p:attrName>
+                                        </p:attrNameLst>
+                                      </p:cBhvr>
+                                      <p:to>
+                                        <p:strVal val="visible"/>
+                                      </p:to>
+                                    </p:set>
+                                  </p:childTnLst>
+                                </p:cTn>
+                              </p:par>
+                              <p:par>
+                                <p:cTn id="39" presetID="1" presetClass="entr" presetSubtype="0" fill="hold" grpId="0" nodeType="withEffect">
+                                  <p:stCondLst>
+                                    <p:cond delay="0"/>
+                                  </p:stCondLst>
+                                  <p:childTnLst>
+                                    <p:set>
+                                      <p:cBhvr>
+                                        <p:cTn id="40" dur="1" fill="hold">
+                                          <p:stCondLst>
+                                            <p:cond delay="0"/>
+                                          </p:stCondLst>
+                                        </p:cTn>
+                                        <p:tgtEl>
+                                          <p:spTgt spid="37"/>
+                                        </p:tgtEl>
+                                        <p:attrNameLst>
+                                          <p:attrName>style.visibility</p:attrName>
+                                        </p:attrNameLst>
+                                      </p:cBhvr>
+                                      <p:to>
+                                        <p:strVal val="visible"/>
+                                      </p:to>
+                                    </p:set>
+                                  </p:childTnLst>
+                                </p:cTn>
+                              </p:par>
+                              <p:par>
+                                <p:cTn id="41" presetID="1" presetClass="entr" presetSubtype="0" fill="hold" grpId="0" nodeType="withEffect">
+                                  <p:stCondLst>
+                                    <p:cond delay="0"/>
+                                  </p:stCondLst>
+                                  <p:childTnLst>
+                                    <p:set>
+                                      <p:cBhvr>
+                                        <p:cTn id="42" dur="1" fill="hold">
+                                          <p:stCondLst>
+                                            <p:cond delay="0"/>
+                                          </p:stCondLst>
+                                        </p:cTn>
+                                        <p:tgtEl>
+                                          <p:spTgt spid="38"/>
+                                        </p:tgtEl>
+                                        <p:attrNameLst>
+                                          <p:attrName>style.visibility</p:attrName>
+                                        </p:attrNameLst>
+                                      </p:cBhvr>
+                                      <p:to>
+                                        <p:strVal val="visible"/>
+                                      </p:to>
+                                    </p:set>
+                                  </p:childTnLst>
+                                </p:cTn>
+                              </p:par>
+                            </p:childTnLst>
+                          </p:cTn>
+                        </p:par>
+                      </p:childTnLst>
+                    </p:cTn>
+                  </p:par>
+                  <p:par>
+                    <p:cTn id="43" fill="hold">
+                      <p:stCondLst>
+                        <p:cond delay="indefinite"/>
+                      </p:stCondLst>
+                      <p:childTnLst>
+                        <p:par>
+                          <p:cTn id="44" fill="hold">
+                            <p:stCondLst>
+                              <p:cond delay="0"/>
+                            </p:stCondLst>
+                            <p:childTnLst>
+                              <p:par>
+                                <p:cTn id="45" presetID="1" presetClass="entr" presetSubtype="0" fill="hold" nodeType="clickEffect">
+                                  <p:stCondLst>
+                                    <p:cond delay="0"/>
+                                  </p:stCondLst>
+                                  <p:childTnLst>
+                                    <p:set>
+                                      <p:cBhvr>
+                                        <p:cTn id="46" dur="1" fill="hold">
+                                          <p:stCondLst>
+                                            <p:cond delay="0"/>
+                                          </p:stCondLst>
+                                        </p:cTn>
+                                        <p:tgtEl>
+                                          <p:spTgt spid="3">
+                                            <p:txEl>
+                                              <p:pRg st="3" end="3"/>
+                                            </p:txEl>
+                                          </p:spTgt>
+                                        </p:tgtEl>
+                                        <p:attrNameLst>
+                                          <p:attrName>style.visibility</p:attrName>
+                                        </p:attrNameLst>
+                                      </p:cBhvr>
+                                      <p:to>
+                                        <p:strVal val="visible"/>
+                                      </p:to>
+                                    </p:set>
+                                  </p:childTnLst>
+                                </p:cTn>
+                              </p:par>
+                            </p:childTnLst>
+                          </p:cTn>
+                        </p:par>
+                      </p:childTnLst>
+                    </p:cTn>
+                  </p:par>
+                  <p:par>
+                    <p:cTn id="47" fill="hold">
+                      <p:stCondLst>
+                        <p:cond delay="indefinite"/>
+                      </p:stCondLst>
+                      <p:childTnLst>
+                        <p:par>
+                          <p:cTn id="48" fill="hold">
+                            <p:stCondLst>
+                              <p:cond delay="0"/>
+                            </p:stCondLst>
+                            <p:childTnLst>
+                              <p:par>
+                                <p:cTn id="49" presetID="1" presetClass="entr" presetSubtype="0" fill="hold" nodeType="clickEffect">
+                                  <p:stCondLst>
+                                    <p:cond delay="0"/>
+                                  </p:stCondLst>
+                                  <p:childTnLst>
+                                    <p:set>
+                                      <p:cBhvr>
+                                        <p:cTn id="50" dur="1" fill="hold">
+                                          <p:stCondLst>
+                                            <p:cond delay="0"/>
+                                          </p:stCondLst>
+                                        </p:cTn>
+                                        <p:tgtEl>
+                                          <p:spTgt spid="3">
+                                            <p:txEl>
+                                              <p:pRg st="4" end="4"/>
+                                            </p:txEl>
+                                          </p:spTgt>
+                                        </p:tgtEl>
+                                        <p:attrNameLst>
+                                          <p:attrName>style.visibility</p:attrName>
+                                        </p:attrNameLst>
+                                      </p:cBhvr>
+                                      <p:to>
+                                        <p:strVal val="visible"/>
+                                      </p:to>
+                                    </p:set>
+                                  </p:childTnLst>
+                                </p:cTn>
+                              </p:par>
+                            </p:childTnLst>
+                          </p:cTn>
+                        </p:par>
+                      </p:childTnLst>
+                    </p:cTn>
+                  </p:par>
+                </p:childTnLst>
+              </p:cTn>
+              <p:prevCondLst>
+                <p:cond evt="onPrev" delay="0">
+                  <p:tgtEl>
+                    <p:sldTgt/>
+                  </p:tgtEl>
+                </p:cond>
+              </p:prevCondLst>
+              <p:nextCondLst>
+                <p:cond evt="onNext" delay="0">
+                  <p:tgtEl>
+                    <p:sldTgt/>
+                  </p:tgtEl>
+                </p:cond>
+              </p:nextCondLst>
+            </p:seq>
+          </p:childTnLst>
+        </p:cTn>
+      </p:par>
+    </p:tnLst>
+    <p:bldLst>
+      <p:bldP spid="10" grpId="0"/>
+      <p:bldP spid="16" grpId="0" animBg="1"/>
+      <p:bldP spid="19" grpId="0" animBg="1"/>
+      <p:bldP spid="20" grpId="0" animBg="1"/>
+      <p:bldP spid="26" grpId="0" animBg="1"/>
+      <p:bldP spid="27" grpId="0" animBg="1"/>
+      <p:bldP spid="28" grpId="0" animBg="1"/>
+      <p:bldP spid="30" grpId="0" animBg="1"/>
+      <p:bldP spid="31" grpId="0"/>
+      <p:bldP spid="32" grpId="0" animBg="1"/>
+      <p:bldP spid="33" grpId="0" animBg="1"/>
+      <p:bldP spid="34" grpId="0" animBg="1"/>
+      <p:bldP spid="35" grpId="0" animBg="1"/>
+      <p:bldP spid="36" grpId="0" animBg="1"/>
+      <p:bldP spid="37" grpId="0" animBg="1"/>
+      <p:bldP spid="38" grpId="0" animBg="1"/>
+    </p:bldLst>
+  </p:timing>
+</p:sld>
+</file>
+
+<file path=ppt/slides/slide35.xml><?xml version="1.0" encoding="utf-8"?>
 <p:sld xmlns:a="http://schemas.openxmlformats.org/drawingml/2006/main" xmlns:r="http://schemas.openxmlformats.org/officeDocument/2006/relationships" xmlns:p="http://schemas.openxmlformats.org/presentationml/2006/main">
   <p:cSld>
     <p:spTree>
@@ -32727,7 +36364,7 @@
 </p:sld>
 </file>
 
-<file path=ppt/slides/slide34.xml><?xml version="1.0" encoding="utf-8"?>
+<file path=ppt/slides/slide36.xml><?xml version="1.0" encoding="utf-8"?>
 <p:sld xmlns:a="http://schemas.openxmlformats.org/drawingml/2006/main" xmlns:r="http://schemas.openxmlformats.org/officeDocument/2006/relationships" xmlns:p="http://schemas.openxmlformats.org/presentationml/2006/main">
   <p:cSld>
     <p:spTree>
@@ -32744,8 +36381,2108 @@
           <a:chExt cx="0" cy="0"/>
         </a:xfrm>
       </p:grpSpPr>
-      <mc:AlternateContent xmlns:mc="http://schemas.openxmlformats.org/markup-compatibility/2006" xmlns:a14="http://schemas.microsoft.com/office/drawing/2010/main">
-        <mc:Choice Requires="a14">
+      <p:sp>
+        <p:nvSpPr>
+          <p:cNvPr id="3" name="Content Placeholder 2">
+            <a:extLst>
+              <a:ext uri="{FF2B5EF4-FFF2-40B4-BE49-F238E27FC236}">
+                <a16:creationId xmlns:a16="http://schemas.microsoft.com/office/drawing/2014/main" id="{258E6AF3-7615-4BD1-878E-A94C93E98F90}"/>
+              </a:ext>
+            </a:extLst>
+          </p:cNvPr>
+          <p:cNvSpPr>
+            <a:spLocks noGrp="1"/>
+          </p:cNvSpPr>
+          <p:nvPr>
+            <p:ph idx="1"/>
+          </p:nvPr>
+        </p:nvSpPr>
+        <p:spPr>
+          <a:xfrm>
+            <a:off x="784412" y="1324928"/>
+            <a:ext cx="10515600" cy="4958516"/>
+          </a:xfrm>
+        </p:spPr>
+        <p:txBody>
+          <a:bodyPr/>
+          <a:lstStyle/>
+          <a:p>
+            <a:pPr marL="0" indent="0">
+              <a:buNone/>
+            </a:pPr>
+            <a:r>
+              <a:rPr lang="en-US" sz="3200" dirty="0"/>
+              <a:t>Applications of cardinality – counting distinct events</a:t>
+            </a:r>
+            <a:endParaRPr lang="en-US" sz="3200" b="1" dirty="0"/>
+          </a:p>
+          <a:p>
+            <a:r>
+              <a:rPr lang="en-US" dirty="0"/>
+              <a:t>Unique IP addresses accessing a server – 4 billion possibilities</a:t>
+            </a:r>
+          </a:p>
+          <a:p>
+            <a:r>
+              <a:rPr lang="en-US" dirty="0"/>
+              <a:t>Number of Facebook users accessing a service – about 3 billion</a:t>
+            </a:r>
+          </a:p>
+          <a:p>
+            <a:r>
+              <a:rPr lang="en-US" dirty="0"/>
+              <a:t>Number of unique inventory items processed – billions  </a:t>
+            </a:r>
+          </a:p>
+          <a:p>
+            <a:r>
+              <a:rPr lang="en-US" dirty="0"/>
+              <a:t>Etc. </a:t>
+            </a:r>
+          </a:p>
+          <a:p>
+            <a:endParaRPr lang="en-US" dirty="0"/>
+          </a:p>
+          <a:p>
+            <a:pPr lvl="1"/>
+            <a:endParaRPr lang="en-US" dirty="0"/>
+          </a:p>
+        </p:txBody>
+      </p:sp>
+      <p:sp>
+        <p:nvSpPr>
+          <p:cNvPr id="6" name="Title 1">
+            <a:extLst>
+              <a:ext uri="{FF2B5EF4-FFF2-40B4-BE49-F238E27FC236}">
+                <a16:creationId xmlns:a16="http://schemas.microsoft.com/office/drawing/2014/main" id="{CD29F70F-B868-451B-A65D-8721F4C7A2D9}"/>
+              </a:ext>
+            </a:extLst>
+          </p:cNvPr>
+          <p:cNvSpPr txBox="1">
+            <a:spLocks/>
+          </p:cNvSpPr>
+          <p:nvPr/>
+        </p:nvSpPr>
+        <p:spPr>
+          <a:xfrm>
+            <a:off x="838200" y="-635"/>
+            <a:ext cx="10515600" cy="1325563"/>
+          </a:xfrm>
+          <a:prstGeom prst="rect">
+            <a:avLst/>
+          </a:prstGeom>
+        </p:spPr>
+        <p:txBody>
+          <a:bodyPr vert="horz" lIns="91440" tIns="45720" rIns="91440" bIns="45720" rtlCol="0" anchor="ctr">
+            <a:normAutofit/>
+          </a:bodyPr>
+          <a:lstStyle>
+            <a:lvl1pPr algn="l" defTabSz="914400" rtl="0" eaLnBrk="1" latinLnBrk="0" hangingPunct="1">
+              <a:lnSpc>
+                <a:spcPct val="90000"/>
+              </a:lnSpc>
+              <a:spcBef>
+                <a:spcPct val="0"/>
+              </a:spcBef>
+              <a:buNone/>
+              <a:defRPr sz="4400" kern="1200">
+                <a:solidFill>
+                  <a:schemeClr val="tx1"/>
+                </a:solidFill>
+                <a:latin typeface="+mj-lt"/>
+                <a:ea typeface="+mj-ea"/>
+                <a:cs typeface="+mj-cs"/>
+              </a:defRPr>
+            </a:lvl1pPr>
+          </a:lstStyle>
+          <a:p>
+            <a:r>
+              <a:rPr lang="en-US" dirty="0">
+                <a:latin typeface="+mn-lt"/>
+              </a:rPr>
+              <a:t>Counting Distinct Events – Cardinality </a:t>
+            </a:r>
+          </a:p>
+        </p:txBody>
+      </p:sp>
+    </p:spTree>
+    <p:extLst>
+      <p:ext uri="{BB962C8B-B14F-4D97-AF65-F5344CB8AC3E}">
+        <p14:creationId xmlns:p14="http://schemas.microsoft.com/office/powerpoint/2010/main" val="1835808516"/>
+      </p:ext>
+    </p:extLst>
+  </p:cSld>
+  <p:clrMapOvr>
+    <a:masterClrMapping/>
+  </p:clrMapOvr>
+  <p:timing>
+    <p:tnLst>
+      <p:par>
+        <p:cTn id="1" dur="indefinite" restart="never" nodeType="tmRoot">
+          <p:childTnLst>
+            <p:seq concurrent="1" nextAc="seek">
+              <p:cTn id="2" dur="indefinite" nodeType="mainSeq">
+                <p:childTnLst>
+                  <p:par>
+                    <p:cTn id="3" fill="hold">
+                      <p:stCondLst>
+                        <p:cond delay="indefinite"/>
+                      </p:stCondLst>
+                      <p:childTnLst>
+                        <p:par>
+                          <p:cTn id="4" fill="hold">
+                            <p:stCondLst>
+                              <p:cond delay="0"/>
+                            </p:stCondLst>
+                            <p:childTnLst>
+                              <p:par>
+                                <p:cTn id="5" presetID="1" presetClass="entr" presetSubtype="0" fill="hold" nodeType="clickEffect">
+                                  <p:stCondLst>
+                                    <p:cond delay="0"/>
+                                  </p:stCondLst>
+                                  <p:childTnLst>
+                                    <p:set>
+                                      <p:cBhvr>
+                                        <p:cTn id="6" dur="1" fill="hold">
+                                          <p:stCondLst>
+                                            <p:cond delay="0"/>
+                                          </p:stCondLst>
+                                        </p:cTn>
+                                        <p:tgtEl>
+                                          <p:spTgt spid="3">
+                                            <p:txEl>
+                                              <p:pRg st="1" end="1"/>
+                                            </p:txEl>
+                                          </p:spTgt>
+                                        </p:tgtEl>
+                                        <p:attrNameLst>
+                                          <p:attrName>style.visibility</p:attrName>
+                                        </p:attrNameLst>
+                                      </p:cBhvr>
+                                      <p:to>
+                                        <p:strVal val="visible"/>
+                                      </p:to>
+                                    </p:set>
+                                  </p:childTnLst>
+                                </p:cTn>
+                              </p:par>
+                            </p:childTnLst>
+                          </p:cTn>
+                        </p:par>
+                      </p:childTnLst>
+                    </p:cTn>
+                  </p:par>
+                  <p:par>
+                    <p:cTn id="7" fill="hold">
+                      <p:stCondLst>
+                        <p:cond delay="indefinite"/>
+                      </p:stCondLst>
+                      <p:childTnLst>
+                        <p:par>
+                          <p:cTn id="8" fill="hold">
+                            <p:stCondLst>
+                              <p:cond delay="0"/>
+                            </p:stCondLst>
+                            <p:childTnLst>
+                              <p:par>
+                                <p:cTn id="9" presetID="1" presetClass="entr" presetSubtype="0" fill="hold" nodeType="clickEffect">
+                                  <p:stCondLst>
+                                    <p:cond delay="0"/>
+                                  </p:stCondLst>
+                                  <p:childTnLst>
+                                    <p:set>
+                                      <p:cBhvr>
+                                        <p:cTn id="10" dur="1" fill="hold">
+                                          <p:stCondLst>
+                                            <p:cond delay="0"/>
+                                          </p:stCondLst>
+                                        </p:cTn>
+                                        <p:tgtEl>
+                                          <p:spTgt spid="3">
+                                            <p:txEl>
+                                              <p:pRg st="2" end="2"/>
+                                            </p:txEl>
+                                          </p:spTgt>
+                                        </p:tgtEl>
+                                        <p:attrNameLst>
+                                          <p:attrName>style.visibility</p:attrName>
+                                        </p:attrNameLst>
+                                      </p:cBhvr>
+                                      <p:to>
+                                        <p:strVal val="visible"/>
+                                      </p:to>
+                                    </p:set>
+                                  </p:childTnLst>
+                                </p:cTn>
+                              </p:par>
+                            </p:childTnLst>
+                          </p:cTn>
+                        </p:par>
+                      </p:childTnLst>
+                    </p:cTn>
+                  </p:par>
+                  <p:par>
+                    <p:cTn id="11" fill="hold">
+                      <p:stCondLst>
+                        <p:cond delay="indefinite"/>
+                      </p:stCondLst>
+                      <p:childTnLst>
+                        <p:par>
+                          <p:cTn id="12" fill="hold">
+                            <p:stCondLst>
+                              <p:cond delay="0"/>
+                            </p:stCondLst>
+                            <p:childTnLst>
+                              <p:par>
+                                <p:cTn id="13" presetID="1" presetClass="entr" presetSubtype="0" fill="hold" nodeType="clickEffect">
+                                  <p:stCondLst>
+                                    <p:cond delay="0"/>
+                                  </p:stCondLst>
+                                  <p:childTnLst>
+                                    <p:set>
+                                      <p:cBhvr>
+                                        <p:cTn id="14" dur="1" fill="hold">
+                                          <p:stCondLst>
+                                            <p:cond delay="0"/>
+                                          </p:stCondLst>
+                                        </p:cTn>
+                                        <p:tgtEl>
+                                          <p:spTgt spid="3">
+                                            <p:txEl>
+                                              <p:pRg st="3" end="3"/>
+                                            </p:txEl>
+                                          </p:spTgt>
+                                        </p:tgtEl>
+                                        <p:attrNameLst>
+                                          <p:attrName>style.visibility</p:attrName>
+                                        </p:attrNameLst>
+                                      </p:cBhvr>
+                                      <p:to>
+                                        <p:strVal val="visible"/>
+                                      </p:to>
+                                    </p:set>
+                                  </p:childTnLst>
+                                </p:cTn>
+                              </p:par>
+                            </p:childTnLst>
+                          </p:cTn>
+                        </p:par>
+                      </p:childTnLst>
+                    </p:cTn>
+                  </p:par>
+                  <p:par>
+                    <p:cTn id="15" fill="hold">
+                      <p:stCondLst>
+                        <p:cond delay="indefinite"/>
+                      </p:stCondLst>
+                      <p:childTnLst>
+                        <p:par>
+                          <p:cTn id="16" fill="hold">
+                            <p:stCondLst>
+                              <p:cond delay="0"/>
+                            </p:stCondLst>
+                            <p:childTnLst>
+                              <p:par>
+                                <p:cTn id="17" presetID="1" presetClass="entr" presetSubtype="0" fill="hold" nodeType="clickEffect">
+                                  <p:stCondLst>
+                                    <p:cond delay="0"/>
+                                  </p:stCondLst>
+                                  <p:childTnLst>
+                                    <p:set>
+                                      <p:cBhvr>
+                                        <p:cTn id="18" dur="1" fill="hold">
+                                          <p:stCondLst>
+                                            <p:cond delay="0"/>
+                                          </p:stCondLst>
+                                        </p:cTn>
+                                        <p:tgtEl>
+                                          <p:spTgt spid="3">
+                                            <p:txEl>
+                                              <p:pRg st="4" end="4"/>
+                                            </p:txEl>
+                                          </p:spTgt>
+                                        </p:tgtEl>
+                                        <p:attrNameLst>
+                                          <p:attrName>style.visibility</p:attrName>
+                                        </p:attrNameLst>
+                                      </p:cBhvr>
+                                      <p:to>
+                                        <p:strVal val="visible"/>
+                                      </p:to>
+                                    </p:set>
+                                  </p:childTnLst>
+                                </p:cTn>
+                              </p:par>
+                            </p:childTnLst>
+                          </p:cTn>
+                        </p:par>
+                      </p:childTnLst>
+                    </p:cTn>
+                  </p:par>
+                </p:childTnLst>
+              </p:cTn>
+              <p:prevCondLst>
+                <p:cond evt="onPrev" delay="0">
+                  <p:tgtEl>
+                    <p:sldTgt/>
+                  </p:tgtEl>
+                </p:cond>
+              </p:prevCondLst>
+              <p:nextCondLst>
+                <p:cond evt="onNext" delay="0">
+                  <p:tgtEl>
+                    <p:sldTgt/>
+                  </p:tgtEl>
+                </p:cond>
+              </p:nextCondLst>
+            </p:seq>
+          </p:childTnLst>
+        </p:cTn>
+      </p:par>
+    </p:tnLst>
+  </p:timing>
+</p:sld>
+</file>
+
+<file path=ppt/slides/slide37.xml><?xml version="1.0" encoding="utf-8"?>
+<p:sld xmlns:a="http://schemas.openxmlformats.org/drawingml/2006/main" xmlns:r="http://schemas.openxmlformats.org/officeDocument/2006/relationships" xmlns:p="http://schemas.openxmlformats.org/presentationml/2006/main">
+  <p:cSld>
+    <p:spTree>
+      <p:nvGrpSpPr>
+        <p:cNvPr id="1" name=""/>
+        <p:cNvGrpSpPr/>
+        <p:nvPr/>
+      </p:nvGrpSpPr>
+      <p:grpSpPr>
+        <a:xfrm>
+          <a:off x="0" y="0"/>
+          <a:ext cx="0" cy="0"/>
+          <a:chOff x="0" y="0"/>
+          <a:chExt cx="0" cy="0"/>
+        </a:xfrm>
+      </p:grpSpPr>
+      <p:sp>
+        <p:nvSpPr>
+          <p:cNvPr id="3" name="Content Placeholder 2">
+            <a:extLst>
+              <a:ext uri="{FF2B5EF4-FFF2-40B4-BE49-F238E27FC236}">
+                <a16:creationId xmlns:a16="http://schemas.microsoft.com/office/drawing/2014/main" id="{258E6AF3-7615-4BD1-878E-A94C93E98F90}"/>
+              </a:ext>
+            </a:extLst>
+          </p:cNvPr>
+          <p:cNvSpPr>
+            <a:spLocks noGrp="1"/>
+          </p:cNvSpPr>
+          <p:nvPr>
+            <p:ph idx="1"/>
+          </p:nvPr>
+        </p:nvSpPr>
+        <p:spPr>
+          <a:xfrm>
+            <a:off x="784412" y="1324928"/>
+            <a:ext cx="10515600" cy="4958516"/>
+          </a:xfrm>
+        </p:spPr>
+        <p:txBody>
+          <a:bodyPr/>
+          <a:lstStyle/>
+          <a:p>
+            <a:pPr marL="0" indent="0">
+              <a:buNone/>
+            </a:pPr>
+            <a:r>
+              <a:rPr lang="en-US" sz="3200" dirty="0"/>
+              <a:t>How to determine cardinality? </a:t>
+            </a:r>
+            <a:endParaRPr lang="en-US" sz="3200" b="1" dirty="0"/>
+          </a:p>
+          <a:p>
+            <a:r>
+              <a:rPr lang="en-US" dirty="0"/>
+              <a:t>Maintain table of unique identifiers? </a:t>
+            </a:r>
+          </a:p>
+          <a:p>
+            <a:pPr lvl="1"/>
+            <a:r>
+              <a:rPr lang="en-US" dirty="0"/>
+              <a:t>Table can grow without bounds </a:t>
+            </a:r>
+          </a:p>
+          <a:p>
+            <a:pPr lvl="1"/>
+            <a:r>
+              <a:rPr lang="en-US" dirty="0"/>
+              <a:t>Need billions of entries for many applications </a:t>
+            </a:r>
+          </a:p>
+          <a:p>
+            <a:r>
+              <a:rPr lang="en-US" dirty="0"/>
+              <a:t>We need a better approach</a:t>
+            </a:r>
+          </a:p>
+          <a:p>
+            <a:pPr lvl="1"/>
+            <a:r>
+              <a:rPr lang="en-US" dirty="0"/>
+              <a:t>Use properties of binary hashes   </a:t>
+            </a:r>
+          </a:p>
+          <a:p>
+            <a:pPr lvl="1"/>
+            <a:r>
+              <a:rPr lang="en-US" dirty="0"/>
+              <a:t>Example: </a:t>
+            </a:r>
+            <a:r>
+              <a:rPr lang="en-US" dirty="0" err="1">
+                <a:hlinkClick r:id="rId2"/>
+              </a:rPr>
+              <a:t>Flajolet</a:t>
+            </a:r>
+            <a:r>
+              <a:rPr lang="en-US" dirty="0">
+                <a:hlinkClick r:id="rId2"/>
+              </a:rPr>
+              <a:t>-Martin algorithm </a:t>
+            </a:r>
+            <a:endParaRPr lang="en-US" dirty="0"/>
+          </a:p>
+          <a:p>
+            <a:endParaRPr lang="en-US" dirty="0"/>
+          </a:p>
+          <a:p>
+            <a:pPr lvl="1"/>
+            <a:endParaRPr lang="en-US" dirty="0"/>
+          </a:p>
+        </p:txBody>
+      </p:sp>
+      <p:sp>
+        <p:nvSpPr>
+          <p:cNvPr id="6" name="Title 1">
+            <a:extLst>
+              <a:ext uri="{FF2B5EF4-FFF2-40B4-BE49-F238E27FC236}">
+                <a16:creationId xmlns:a16="http://schemas.microsoft.com/office/drawing/2014/main" id="{CD29F70F-B868-451B-A65D-8721F4C7A2D9}"/>
+              </a:ext>
+            </a:extLst>
+          </p:cNvPr>
+          <p:cNvSpPr txBox="1">
+            <a:spLocks/>
+          </p:cNvSpPr>
+          <p:nvPr/>
+        </p:nvSpPr>
+        <p:spPr>
+          <a:xfrm>
+            <a:off x="838200" y="-635"/>
+            <a:ext cx="10515600" cy="1325563"/>
+          </a:xfrm>
+          <a:prstGeom prst="rect">
+            <a:avLst/>
+          </a:prstGeom>
+        </p:spPr>
+        <p:txBody>
+          <a:bodyPr vert="horz" lIns="91440" tIns="45720" rIns="91440" bIns="45720" rtlCol="0" anchor="ctr">
+            <a:normAutofit/>
+          </a:bodyPr>
+          <a:lstStyle>
+            <a:lvl1pPr algn="l" defTabSz="914400" rtl="0" eaLnBrk="1" latinLnBrk="0" hangingPunct="1">
+              <a:lnSpc>
+                <a:spcPct val="90000"/>
+              </a:lnSpc>
+              <a:spcBef>
+                <a:spcPct val="0"/>
+              </a:spcBef>
+              <a:buNone/>
+              <a:defRPr sz="4400" kern="1200">
+                <a:solidFill>
+                  <a:schemeClr val="tx1"/>
+                </a:solidFill>
+                <a:latin typeface="+mj-lt"/>
+                <a:ea typeface="+mj-ea"/>
+                <a:cs typeface="+mj-cs"/>
+              </a:defRPr>
+            </a:lvl1pPr>
+          </a:lstStyle>
+          <a:p>
+            <a:r>
+              <a:rPr lang="en-US" dirty="0">
+                <a:latin typeface="+mn-lt"/>
+              </a:rPr>
+              <a:t>Counting Distinct Events – Cardinality </a:t>
+            </a:r>
+          </a:p>
+        </p:txBody>
+      </p:sp>
+    </p:spTree>
+    <p:extLst>
+      <p:ext uri="{BB962C8B-B14F-4D97-AF65-F5344CB8AC3E}">
+        <p14:creationId xmlns:p14="http://schemas.microsoft.com/office/powerpoint/2010/main" val="4185545838"/>
+      </p:ext>
+    </p:extLst>
+  </p:cSld>
+  <p:clrMapOvr>
+    <a:masterClrMapping/>
+  </p:clrMapOvr>
+  <p:timing>
+    <p:tnLst>
+      <p:par>
+        <p:cTn id="1" dur="indefinite" restart="never" nodeType="tmRoot">
+          <p:childTnLst>
+            <p:seq concurrent="1" nextAc="seek">
+              <p:cTn id="2" dur="indefinite" nodeType="mainSeq">
+                <p:childTnLst>
+                  <p:par>
+                    <p:cTn id="3" fill="hold">
+                      <p:stCondLst>
+                        <p:cond delay="indefinite"/>
+                      </p:stCondLst>
+                      <p:childTnLst>
+                        <p:par>
+                          <p:cTn id="4" fill="hold">
+                            <p:stCondLst>
+                              <p:cond delay="0"/>
+                            </p:stCondLst>
+                            <p:childTnLst>
+                              <p:par>
+                                <p:cTn id="5" presetID="1" presetClass="entr" presetSubtype="0" fill="hold" nodeType="clickEffect">
+                                  <p:stCondLst>
+                                    <p:cond delay="0"/>
+                                  </p:stCondLst>
+                                  <p:childTnLst>
+                                    <p:set>
+                                      <p:cBhvr>
+                                        <p:cTn id="6" dur="1" fill="hold">
+                                          <p:stCondLst>
+                                            <p:cond delay="0"/>
+                                          </p:stCondLst>
+                                        </p:cTn>
+                                        <p:tgtEl>
+                                          <p:spTgt spid="3">
+                                            <p:txEl>
+                                              <p:pRg st="1" end="1"/>
+                                            </p:txEl>
+                                          </p:spTgt>
+                                        </p:tgtEl>
+                                        <p:attrNameLst>
+                                          <p:attrName>style.visibility</p:attrName>
+                                        </p:attrNameLst>
+                                      </p:cBhvr>
+                                      <p:to>
+                                        <p:strVal val="visible"/>
+                                      </p:to>
+                                    </p:set>
+                                  </p:childTnLst>
+                                </p:cTn>
+                              </p:par>
+                            </p:childTnLst>
+                          </p:cTn>
+                        </p:par>
+                      </p:childTnLst>
+                    </p:cTn>
+                  </p:par>
+                  <p:par>
+                    <p:cTn id="7" fill="hold">
+                      <p:stCondLst>
+                        <p:cond delay="indefinite"/>
+                      </p:stCondLst>
+                      <p:childTnLst>
+                        <p:par>
+                          <p:cTn id="8" fill="hold">
+                            <p:stCondLst>
+                              <p:cond delay="0"/>
+                            </p:stCondLst>
+                            <p:childTnLst>
+                              <p:par>
+                                <p:cTn id="9" presetID="1" presetClass="entr" presetSubtype="0" fill="hold" nodeType="clickEffect">
+                                  <p:stCondLst>
+                                    <p:cond delay="0"/>
+                                  </p:stCondLst>
+                                  <p:childTnLst>
+                                    <p:set>
+                                      <p:cBhvr>
+                                        <p:cTn id="10" dur="1" fill="hold">
+                                          <p:stCondLst>
+                                            <p:cond delay="0"/>
+                                          </p:stCondLst>
+                                        </p:cTn>
+                                        <p:tgtEl>
+                                          <p:spTgt spid="3">
+                                            <p:txEl>
+                                              <p:pRg st="2" end="2"/>
+                                            </p:txEl>
+                                          </p:spTgt>
+                                        </p:tgtEl>
+                                        <p:attrNameLst>
+                                          <p:attrName>style.visibility</p:attrName>
+                                        </p:attrNameLst>
+                                      </p:cBhvr>
+                                      <p:to>
+                                        <p:strVal val="visible"/>
+                                      </p:to>
+                                    </p:set>
+                                  </p:childTnLst>
+                                </p:cTn>
+                              </p:par>
+                            </p:childTnLst>
+                          </p:cTn>
+                        </p:par>
+                      </p:childTnLst>
+                    </p:cTn>
+                  </p:par>
+                  <p:par>
+                    <p:cTn id="11" fill="hold">
+                      <p:stCondLst>
+                        <p:cond delay="indefinite"/>
+                      </p:stCondLst>
+                      <p:childTnLst>
+                        <p:par>
+                          <p:cTn id="12" fill="hold">
+                            <p:stCondLst>
+                              <p:cond delay="0"/>
+                            </p:stCondLst>
+                            <p:childTnLst>
+                              <p:par>
+                                <p:cTn id="13" presetID="1" presetClass="entr" presetSubtype="0" fill="hold" nodeType="clickEffect">
+                                  <p:stCondLst>
+                                    <p:cond delay="0"/>
+                                  </p:stCondLst>
+                                  <p:childTnLst>
+                                    <p:set>
+                                      <p:cBhvr>
+                                        <p:cTn id="14" dur="1" fill="hold">
+                                          <p:stCondLst>
+                                            <p:cond delay="0"/>
+                                          </p:stCondLst>
+                                        </p:cTn>
+                                        <p:tgtEl>
+                                          <p:spTgt spid="3">
+                                            <p:txEl>
+                                              <p:pRg st="3" end="3"/>
+                                            </p:txEl>
+                                          </p:spTgt>
+                                        </p:tgtEl>
+                                        <p:attrNameLst>
+                                          <p:attrName>style.visibility</p:attrName>
+                                        </p:attrNameLst>
+                                      </p:cBhvr>
+                                      <p:to>
+                                        <p:strVal val="visible"/>
+                                      </p:to>
+                                    </p:set>
+                                  </p:childTnLst>
+                                </p:cTn>
+                              </p:par>
+                            </p:childTnLst>
+                          </p:cTn>
+                        </p:par>
+                      </p:childTnLst>
+                    </p:cTn>
+                  </p:par>
+                  <p:par>
+                    <p:cTn id="15" fill="hold">
+                      <p:stCondLst>
+                        <p:cond delay="indefinite"/>
+                      </p:stCondLst>
+                      <p:childTnLst>
+                        <p:par>
+                          <p:cTn id="16" fill="hold">
+                            <p:stCondLst>
+                              <p:cond delay="0"/>
+                            </p:stCondLst>
+                            <p:childTnLst>
+                              <p:par>
+                                <p:cTn id="17" presetID="1" presetClass="entr" presetSubtype="0" fill="hold" nodeType="clickEffect">
+                                  <p:stCondLst>
+                                    <p:cond delay="0"/>
+                                  </p:stCondLst>
+                                  <p:childTnLst>
+                                    <p:set>
+                                      <p:cBhvr>
+                                        <p:cTn id="18" dur="1" fill="hold">
+                                          <p:stCondLst>
+                                            <p:cond delay="0"/>
+                                          </p:stCondLst>
+                                        </p:cTn>
+                                        <p:tgtEl>
+                                          <p:spTgt spid="3">
+                                            <p:txEl>
+                                              <p:pRg st="4" end="4"/>
+                                            </p:txEl>
+                                          </p:spTgt>
+                                        </p:tgtEl>
+                                        <p:attrNameLst>
+                                          <p:attrName>style.visibility</p:attrName>
+                                        </p:attrNameLst>
+                                      </p:cBhvr>
+                                      <p:to>
+                                        <p:strVal val="visible"/>
+                                      </p:to>
+                                    </p:set>
+                                  </p:childTnLst>
+                                </p:cTn>
+                              </p:par>
+                            </p:childTnLst>
+                          </p:cTn>
+                        </p:par>
+                      </p:childTnLst>
+                    </p:cTn>
+                  </p:par>
+                  <p:par>
+                    <p:cTn id="19" fill="hold">
+                      <p:stCondLst>
+                        <p:cond delay="indefinite"/>
+                      </p:stCondLst>
+                      <p:childTnLst>
+                        <p:par>
+                          <p:cTn id="20" fill="hold">
+                            <p:stCondLst>
+                              <p:cond delay="0"/>
+                            </p:stCondLst>
+                            <p:childTnLst>
+                              <p:par>
+                                <p:cTn id="21" presetID="1" presetClass="entr" presetSubtype="0" fill="hold" nodeType="clickEffect">
+                                  <p:stCondLst>
+                                    <p:cond delay="0"/>
+                                  </p:stCondLst>
+                                  <p:childTnLst>
+                                    <p:set>
+                                      <p:cBhvr>
+                                        <p:cTn id="22" dur="1" fill="hold">
+                                          <p:stCondLst>
+                                            <p:cond delay="0"/>
+                                          </p:stCondLst>
+                                        </p:cTn>
+                                        <p:tgtEl>
+                                          <p:spTgt spid="3">
+                                            <p:txEl>
+                                              <p:pRg st="5" end="5"/>
+                                            </p:txEl>
+                                          </p:spTgt>
+                                        </p:tgtEl>
+                                        <p:attrNameLst>
+                                          <p:attrName>style.visibility</p:attrName>
+                                        </p:attrNameLst>
+                                      </p:cBhvr>
+                                      <p:to>
+                                        <p:strVal val="visible"/>
+                                      </p:to>
+                                    </p:set>
+                                  </p:childTnLst>
+                                </p:cTn>
+                              </p:par>
+                            </p:childTnLst>
+                          </p:cTn>
+                        </p:par>
+                      </p:childTnLst>
+                    </p:cTn>
+                  </p:par>
+                  <p:par>
+                    <p:cTn id="23" fill="hold">
+                      <p:stCondLst>
+                        <p:cond delay="indefinite"/>
+                      </p:stCondLst>
+                      <p:childTnLst>
+                        <p:par>
+                          <p:cTn id="24" fill="hold">
+                            <p:stCondLst>
+                              <p:cond delay="0"/>
+                            </p:stCondLst>
+                            <p:childTnLst>
+                              <p:par>
+                                <p:cTn id="25" presetID="1" presetClass="entr" presetSubtype="0" fill="hold" nodeType="clickEffect">
+                                  <p:stCondLst>
+                                    <p:cond delay="0"/>
+                                  </p:stCondLst>
+                                  <p:childTnLst>
+                                    <p:set>
+                                      <p:cBhvr>
+                                        <p:cTn id="26" dur="1" fill="hold">
+                                          <p:stCondLst>
+                                            <p:cond delay="0"/>
+                                          </p:stCondLst>
+                                        </p:cTn>
+                                        <p:tgtEl>
+                                          <p:spTgt spid="3">
+                                            <p:txEl>
+                                              <p:pRg st="6" end="6"/>
+                                            </p:txEl>
+                                          </p:spTgt>
+                                        </p:tgtEl>
+                                        <p:attrNameLst>
+                                          <p:attrName>style.visibility</p:attrName>
+                                        </p:attrNameLst>
+                                      </p:cBhvr>
+                                      <p:to>
+                                        <p:strVal val="visible"/>
+                                      </p:to>
+                                    </p:set>
+                                  </p:childTnLst>
+                                </p:cTn>
+                              </p:par>
+                            </p:childTnLst>
+                          </p:cTn>
+                        </p:par>
+                      </p:childTnLst>
+                    </p:cTn>
+                  </p:par>
+                </p:childTnLst>
+              </p:cTn>
+              <p:prevCondLst>
+                <p:cond evt="onPrev" delay="0">
+                  <p:tgtEl>
+                    <p:sldTgt/>
+                  </p:tgtEl>
+                </p:cond>
+              </p:prevCondLst>
+              <p:nextCondLst>
+                <p:cond evt="onNext" delay="0">
+                  <p:tgtEl>
+                    <p:sldTgt/>
+                  </p:tgtEl>
+                </p:cond>
+              </p:nextCondLst>
+            </p:seq>
+          </p:childTnLst>
+        </p:cTn>
+      </p:par>
+    </p:tnLst>
+  </p:timing>
+</p:sld>
+</file>
+
+<file path=ppt/slides/slide38.xml><?xml version="1.0" encoding="utf-8"?>
+<p:sld xmlns:a="http://schemas.openxmlformats.org/drawingml/2006/main" xmlns:r="http://schemas.openxmlformats.org/officeDocument/2006/relationships" xmlns:p="http://schemas.openxmlformats.org/presentationml/2006/main">
+  <p:cSld>
+    <p:spTree>
+      <p:nvGrpSpPr>
+        <p:cNvPr id="1" name=""/>
+        <p:cNvGrpSpPr/>
+        <p:nvPr/>
+      </p:nvGrpSpPr>
+      <p:grpSpPr>
+        <a:xfrm>
+          <a:off x="0" y="0"/>
+          <a:ext cx="0" cy="0"/>
+          <a:chOff x="0" y="0"/>
+          <a:chExt cx="0" cy="0"/>
+        </a:xfrm>
+      </p:grpSpPr>
+      <mc:AlternateContent xmlns:mc="http://schemas.openxmlformats.org/markup-compatibility/2006">
+        <mc:Choice xmlns:a14="http://schemas.microsoft.com/office/drawing/2010/main" Requires="a14">
+          <p:sp>
+            <p:nvSpPr>
+              <p:cNvPr id="3" name="Content Placeholder 2">
+                <a:extLst>
+                  <a:ext uri="{FF2B5EF4-FFF2-40B4-BE49-F238E27FC236}">
+                    <a16:creationId xmlns:a16="http://schemas.microsoft.com/office/drawing/2014/main" id="{258E6AF3-7615-4BD1-878E-A94C93E98F90}"/>
+                  </a:ext>
+                </a:extLst>
+              </p:cNvPr>
+              <p:cNvSpPr>
+                <a:spLocks noGrp="1"/>
+              </p:cNvSpPr>
+              <p:nvPr>
+                <p:ph idx="1"/>
+              </p:nvPr>
+            </p:nvSpPr>
+            <p:spPr>
+              <a:xfrm>
+                <a:off x="784412" y="1324927"/>
+                <a:ext cx="10515600" cy="5306829"/>
+              </a:xfrm>
+            </p:spPr>
+            <p:txBody>
+              <a:bodyPr>
+                <a:normAutofit/>
+              </a:bodyPr>
+              <a:lstStyle/>
+              <a:p>
+                <a:pPr marL="0" indent="0">
+                  <a:buNone/>
+                </a:pPr>
+                <a:r>
+                  <a:rPr lang="en-US" sz="3200" dirty="0"/>
+                  <a:t>Flajolet-Martin algorithm for cardinality </a:t>
+                </a:r>
+                <a:endParaRPr lang="en-US" dirty="0"/>
+              </a:p>
+              <a:p>
+                <a:r>
+                  <a:rPr lang="en-US" dirty="0"/>
+                  <a:t>Consider the binary hash, </a:t>
+                </a:r>
+                <a14:m>
+                  <m:oMath xmlns:m="http://schemas.openxmlformats.org/officeDocument/2006/math">
+                    <m:r>
+                      <m:rPr>
+                        <m:sty m:val="p"/>
+                      </m:rPr>
+                      <a:rPr lang="en-US">
+                        <a:latin typeface="Cambria Math" panose="02040503050406030204" pitchFamily="18" charset="0"/>
+                      </a:rPr>
+                      <m:t>h</m:t>
+                    </m:r>
+                    <m:d>
+                      <m:dPr>
+                        <m:ctrlPr>
+                          <a:rPr lang="en-US" i="1">
+                            <a:latin typeface="Cambria Math" panose="02040503050406030204" pitchFamily="18" charset="0"/>
+                          </a:rPr>
+                        </m:ctrlPr>
+                      </m:dPr>
+                      <m:e>
+                        <m:r>
+                          <m:rPr>
+                            <m:sty m:val="p"/>
+                          </m:rPr>
+                          <a:rPr lang="en-US">
+                            <a:latin typeface="Cambria Math" panose="02040503050406030204" pitchFamily="18" charset="0"/>
+                          </a:rPr>
+                          <m:t>a</m:t>
+                        </m:r>
+                      </m:e>
+                    </m:d>
+                  </m:oMath>
+                </a14:m>
+                <a:r>
+                  <a:rPr lang="en-US" dirty="0"/>
+                  <a:t>, of length </a:t>
+                </a:r>
+                <a14:m>
+                  <m:oMath xmlns:m="http://schemas.openxmlformats.org/officeDocument/2006/math">
+                    <m:r>
+                      <a:rPr lang="en-US" i="1">
+                        <a:latin typeface="Cambria Math" panose="02040503050406030204" pitchFamily="18" charset="0"/>
+                      </a:rPr>
+                      <m:t>𝐿</m:t>
+                    </m:r>
+                  </m:oMath>
+                </a14:m>
+                <a:r>
+                  <a:rPr lang="en-US" dirty="0"/>
+                  <a:t> for identifier, </a:t>
+                </a:r>
+                <a14:m>
+                  <m:oMath xmlns:m="http://schemas.openxmlformats.org/officeDocument/2006/math">
+                    <m:r>
+                      <a:rPr lang="en-US" b="0" i="1" smtClean="0">
+                        <a:latin typeface="Cambria Math" panose="02040503050406030204" pitchFamily="18" charset="0"/>
+                      </a:rPr>
+                      <m:t>𝑎</m:t>
+                    </m:r>
+                  </m:oMath>
+                </a14:m>
+                <a:r>
+                  <a:rPr lang="en-US" dirty="0"/>
+                  <a:t> </a:t>
+                </a:r>
+              </a:p>
+              <a:p>
+                <a:r>
+                  <a:rPr lang="en-US" dirty="0"/>
+                  <a:t>Each hash has some number of trailing zeros</a:t>
+                </a:r>
+                <a:endParaRPr lang="en-US" b="0" i="1" dirty="0">
+                  <a:latin typeface="Cambria Math" panose="02040503050406030204" pitchFamily="18" charset="0"/>
+                </a:endParaRPr>
+              </a:p>
+              <a:p>
+                <a:pPr marL="0" indent="0">
+                  <a:buNone/>
+                </a:pPr>
+                <a14:m>
+                  <m:oMathPara xmlns:m="http://schemas.openxmlformats.org/officeDocument/2006/math">
+                    <m:oMathParaPr>
+                      <m:jc m:val="centerGroup"/>
+                    </m:oMathParaPr>
+                    <m:oMath xmlns:m="http://schemas.openxmlformats.org/officeDocument/2006/math">
+                      <m:r>
+                        <a:rPr lang="en-US" b="0" i="1" smtClean="0">
+                          <a:latin typeface="Cambria Math" panose="02040503050406030204" pitchFamily="18" charset="0"/>
+                        </a:rPr>
+                        <m:t>0</m:t>
+                      </m:r>
+                      <m:r>
+                        <a:rPr lang="en-US" b="0" i="1" smtClean="0">
+                          <a:latin typeface="Cambria Math" panose="02040503050406030204" pitchFamily="18" charset="0"/>
+                          <a:ea typeface="Cambria Math" panose="02040503050406030204" pitchFamily="18" charset="0"/>
+                        </a:rPr>
+                        <m:t>≤# </m:t>
+                      </m:r>
+                      <m:r>
+                        <a:rPr lang="en-US" b="0" i="1" smtClean="0">
+                          <a:latin typeface="Cambria Math" panose="02040503050406030204" pitchFamily="18" charset="0"/>
+                          <a:ea typeface="Cambria Math" panose="02040503050406030204" pitchFamily="18" charset="0"/>
+                        </a:rPr>
+                        <m:t>𝑡𝑟𝑎𝑖𝑙𝑖𝑛𝑔</m:t>
+                      </m:r>
+                      <m:r>
+                        <a:rPr lang="en-US" b="0" i="1" smtClean="0">
+                          <a:latin typeface="Cambria Math" panose="02040503050406030204" pitchFamily="18" charset="0"/>
+                          <a:ea typeface="Cambria Math" panose="02040503050406030204" pitchFamily="18" charset="0"/>
+                        </a:rPr>
+                        <m:t> </m:t>
+                      </m:r>
+                      <m:r>
+                        <a:rPr lang="en-US" b="0" i="1" smtClean="0">
+                          <a:latin typeface="Cambria Math" panose="02040503050406030204" pitchFamily="18" charset="0"/>
+                          <a:ea typeface="Cambria Math" panose="02040503050406030204" pitchFamily="18" charset="0"/>
+                        </a:rPr>
+                        <m:t>𝑧𝑒𝑟𝑜𝑠</m:t>
+                      </m:r>
+                      <m:r>
+                        <a:rPr lang="en-US" b="0" i="1" smtClean="0">
+                          <a:latin typeface="Cambria Math" panose="02040503050406030204" pitchFamily="18" charset="0"/>
+                          <a:ea typeface="Cambria Math" panose="02040503050406030204" pitchFamily="18" charset="0"/>
+                        </a:rPr>
+                        <m:t>≤</m:t>
+                      </m:r>
+                      <m:r>
+                        <a:rPr lang="en-US" b="0" i="1" smtClean="0">
+                          <a:latin typeface="Cambria Math" panose="02040503050406030204" pitchFamily="18" charset="0"/>
+                          <a:ea typeface="Cambria Math" panose="02040503050406030204" pitchFamily="18" charset="0"/>
+                        </a:rPr>
+                        <m:t>𝐿</m:t>
+                      </m:r>
+                    </m:oMath>
+                  </m:oMathPara>
+                </a14:m>
+                <a:endParaRPr lang="en-US" dirty="0"/>
+              </a:p>
+              <a:p>
+                <a:r>
+                  <a:rPr lang="en-US" dirty="0"/>
+                  <a:t>Example, with hash function </a:t>
+                </a:r>
+                <a14:m>
+                  <m:oMath xmlns:m="http://schemas.openxmlformats.org/officeDocument/2006/math">
+                    <m:r>
+                      <m:rPr>
+                        <m:sty m:val="p"/>
+                      </m:rPr>
+                      <a:rPr lang="en-US">
+                        <a:latin typeface="Cambria Math" panose="02040503050406030204" pitchFamily="18" charset="0"/>
+                      </a:rPr>
+                      <m:t>h</m:t>
+                    </m:r>
+                    <m:d>
+                      <m:dPr>
+                        <m:ctrlPr>
+                          <a:rPr lang="en-US" i="1">
+                            <a:latin typeface="Cambria Math" panose="02040503050406030204" pitchFamily="18" charset="0"/>
+                          </a:rPr>
+                        </m:ctrlPr>
+                      </m:dPr>
+                      <m:e>
+                        <m:r>
+                          <m:rPr>
+                            <m:sty m:val="p"/>
+                          </m:rPr>
+                          <a:rPr lang="en-US">
+                            <a:latin typeface="Cambria Math" panose="02040503050406030204" pitchFamily="18" charset="0"/>
+                          </a:rPr>
+                          <m:t>a</m:t>
+                        </m:r>
+                      </m:e>
+                    </m:d>
+                  </m:oMath>
+                </a14:m>
+                <a:r>
+                  <a:rPr lang="en-US" dirty="0"/>
+                  <a:t> and cardinality of 3 for set </a:t>
+                </a:r>
+                <a14:m>
+                  <m:oMath xmlns:m="http://schemas.openxmlformats.org/officeDocument/2006/math">
+                    <m:d>
+                      <m:dPr>
+                        <m:begChr m:val="{"/>
+                        <m:endChr m:val="}"/>
+                        <m:ctrlPr>
+                          <a:rPr lang="en-US" i="1" smtClean="0">
+                            <a:latin typeface="Cambria Math" panose="02040503050406030204" pitchFamily="18" charset="0"/>
+                          </a:rPr>
+                        </m:ctrlPr>
+                      </m:dPr>
+                      <m:e>
+                        <m:sSub>
+                          <m:sSubPr>
+                            <m:ctrlPr>
+                              <a:rPr lang="en-US" i="1" smtClean="0">
+                                <a:latin typeface="Cambria Math" panose="02040503050406030204" pitchFamily="18" charset="0"/>
+                              </a:rPr>
+                            </m:ctrlPr>
+                          </m:sSubPr>
+                          <m:e>
+                            <m:r>
+                              <a:rPr lang="en-US" b="0" i="1" smtClean="0">
+                                <a:latin typeface="Cambria Math" panose="02040503050406030204" pitchFamily="18" charset="0"/>
+                              </a:rPr>
+                              <m:t>𝑎</m:t>
+                            </m:r>
+                          </m:e>
+                          <m:sub>
+                            <m:r>
+                              <a:rPr lang="en-US" b="0" i="1" smtClean="0">
+                                <a:latin typeface="Cambria Math" panose="02040503050406030204" pitchFamily="18" charset="0"/>
+                              </a:rPr>
+                              <m:t>1</m:t>
+                            </m:r>
+                          </m:sub>
+                        </m:sSub>
+                        <m:r>
+                          <a:rPr lang="en-US" b="0" i="1" smtClean="0">
+                            <a:latin typeface="Cambria Math" panose="02040503050406030204" pitchFamily="18" charset="0"/>
+                          </a:rPr>
+                          <m:t>,</m:t>
+                        </m:r>
+                        <m:sSub>
+                          <m:sSubPr>
+                            <m:ctrlPr>
+                              <a:rPr lang="en-US" b="0" i="1" smtClean="0">
+                                <a:latin typeface="Cambria Math" panose="02040503050406030204" pitchFamily="18" charset="0"/>
+                              </a:rPr>
+                            </m:ctrlPr>
+                          </m:sSubPr>
+                          <m:e>
+                            <m:r>
+                              <a:rPr lang="en-US" b="0" i="1" smtClean="0">
+                                <a:latin typeface="Cambria Math" panose="02040503050406030204" pitchFamily="18" charset="0"/>
+                              </a:rPr>
+                              <m:t>𝑎</m:t>
+                            </m:r>
+                          </m:e>
+                          <m:sub>
+                            <m:r>
+                              <a:rPr lang="en-US" b="0" i="1" smtClean="0">
+                                <a:latin typeface="Cambria Math" panose="02040503050406030204" pitchFamily="18" charset="0"/>
+                              </a:rPr>
+                              <m:t>2</m:t>
+                            </m:r>
+                          </m:sub>
+                        </m:sSub>
+                        <m:r>
+                          <a:rPr lang="en-US" b="0" i="1" smtClean="0">
+                            <a:latin typeface="Cambria Math" panose="02040503050406030204" pitchFamily="18" charset="0"/>
+                          </a:rPr>
+                          <m:t>,</m:t>
+                        </m:r>
+                        <m:sSub>
+                          <m:sSubPr>
+                            <m:ctrlPr>
+                              <a:rPr lang="en-US" b="0" i="1" smtClean="0">
+                                <a:latin typeface="Cambria Math" panose="02040503050406030204" pitchFamily="18" charset="0"/>
+                              </a:rPr>
+                            </m:ctrlPr>
+                          </m:sSubPr>
+                          <m:e>
+                            <m:r>
+                              <a:rPr lang="en-US" b="0" i="1" smtClean="0">
+                                <a:latin typeface="Cambria Math" panose="02040503050406030204" pitchFamily="18" charset="0"/>
+                              </a:rPr>
+                              <m:t>𝑎</m:t>
+                            </m:r>
+                          </m:e>
+                          <m:sub>
+                            <m:r>
+                              <a:rPr lang="en-US" b="0" i="1" smtClean="0">
+                                <a:latin typeface="Cambria Math" panose="02040503050406030204" pitchFamily="18" charset="0"/>
+                              </a:rPr>
+                              <m:t>3</m:t>
+                            </m:r>
+                          </m:sub>
+                        </m:sSub>
+                      </m:e>
+                    </m:d>
+                  </m:oMath>
+                </a14:m>
+                <a:r>
+                  <a:rPr lang="en-US" dirty="0"/>
+                  <a:t>:  </a:t>
+                </a:r>
+              </a:p>
+              <a:p>
+                <a:pPr marL="0" indent="0">
+                  <a:buNone/>
+                </a:pPr>
+                <a14:m>
+                  <m:oMathPara xmlns:m="http://schemas.openxmlformats.org/officeDocument/2006/math">
+                    <m:oMathParaPr>
+                      <m:jc m:val="centerGroup"/>
+                    </m:oMathParaPr>
+                    <m:oMath xmlns:m="http://schemas.openxmlformats.org/officeDocument/2006/math">
+                      <m:r>
+                        <a:rPr lang="en-US" i="1" smtClean="0">
+                          <a:latin typeface="Cambria Math" panose="02040503050406030204" pitchFamily="18" charset="0"/>
+                        </a:rPr>
+                        <m:t>h</m:t>
+                      </m:r>
+                      <m:d>
+                        <m:dPr>
+                          <m:ctrlPr>
+                            <a:rPr lang="en-US" b="0" i="1" smtClean="0">
+                              <a:latin typeface="Cambria Math" panose="02040503050406030204" pitchFamily="18" charset="0"/>
+                            </a:rPr>
+                          </m:ctrlPr>
+                        </m:dPr>
+                        <m:e>
+                          <m:sSub>
+                            <m:sSubPr>
+                              <m:ctrlPr>
+                                <a:rPr lang="en-US" b="0" i="1" smtClean="0">
+                                  <a:latin typeface="Cambria Math" panose="02040503050406030204" pitchFamily="18" charset="0"/>
+                                </a:rPr>
+                              </m:ctrlPr>
+                            </m:sSubPr>
+                            <m:e>
+                              <m:r>
+                                <a:rPr lang="en-US" b="0" i="1" smtClean="0">
+                                  <a:latin typeface="Cambria Math" panose="02040503050406030204" pitchFamily="18" charset="0"/>
+                                </a:rPr>
+                                <m:t>𝑎</m:t>
+                              </m:r>
+                            </m:e>
+                            <m:sub>
+                              <m:r>
+                                <a:rPr lang="en-US" b="0" i="1" smtClean="0">
+                                  <a:latin typeface="Cambria Math" panose="02040503050406030204" pitchFamily="18" charset="0"/>
+                                </a:rPr>
+                                <m:t>1</m:t>
+                              </m:r>
+                            </m:sub>
+                          </m:sSub>
+                        </m:e>
+                      </m:d>
+                      <m:r>
+                        <a:rPr lang="en-US" b="0" i="1" smtClean="0">
+                          <a:latin typeface="Cambria Math" panose="02040503050406030204" pitchFamily="18" charset="0"/>
+                        </a:rPr>
+                        <m:t>=011100100</m:t>
+                      </m:r>
+                    </m:oMath>
+                  </m:oMathPara>
+                </a14:m>
+                <a:endParaRPr lang="en-US" dirty="0"/>
+              </a:p>
+              <a:p>
+                <a:pPr marL="0" indent="0">
+                  <a:buNone/>
+                </a:pPr>
+                <a14:m>
+                  <m:oMathPara xmlns:m="http://schemas.openxmlformats.org/officeDocument/2006/math">
+                    <m:oMathParaPr>
+                      <m:jc m:val="centerGroup"/>
+                    </m:oMathParaPr>
+                    <m:oMath xmlns:m="http://schemas.openxmlformats.org/officeDocument/2006/math">
+                      <m:r>
+                        <a:rPr lang="en-US" i="1">
+                          <a:latin typeface="Cambria Math" panose="02040503050406030204" pitchFamily="18" charset="0"/>
+                        </a:rPr>
+                        <m:t>h</m:t>
+                      </m:r>
+                      <m:d>
+                        <m:dPr>
+                          <m:ctrlPr>
+                            <a:rPr lang="en-US" i="1">
+                              <a:latin typeface="Cambria Math" panose="02040503050406030204" pitchFamily="18" charset="0"/>
+                            </a:rPr>
+                          </m:ctrlPr>
+                        </m:dPr>
+                        <m:e>
+                          <m:sSub>
+                            <m:sSubPr>
+                              <m:ctrlPr>
+                                <a:rPr lang="en-US" i="1">
+                                  <a:latin typeface="Cambria Math" panose="02040503050406030204" pitchFamily="18" charset="0"/>
+                                </a:rPr>
+                              </m:ctrlPr>
+                            </m:sSubPr>
+                            <m:e>
+                              <m:r>
+                                <a:rPr lang="en-US" i="1">
+                                  <a:latin typeface="Cambria Math" panose="02040503050406030204" pitchFamily="18" charset="0"/>
+                                </a:rPr>
+                                <m:t>𝑎</m:t>
+                              </m:r>
+                            </m:e>
+                            <m:sub>
+                              <m:r>
+                                <a:rPr lang="en-US" b="0" i="1" smtClean="0">
+                                  <a:latin typeface="Cambria Math" panose="02040503050406030204" pitchFamily="18" charset="0"/>
+                                </a:rPr>
+                                <m:t>2</m:t>
+                              </m:r>
+                            </m:sub>
+                          </m:sSub>
+                        </m:e>
+                      </m:d>
+                      <m:r>
+                        <a:rPr lang="en-US" i="1">
+                          <a:latin typeface="Cambria Math" panose="02040503050406030204" pitchFamily="18" charset="0"/>
+                        </a:rPr>
+                        <m:t>=0111</m:t>
+                      </m:r>
+                      <m:r>
+                        <a:rPr lang="en-US" b="0" i="1" smtClean="0">
+                          <a:latin typeface="Cambria Math" panose="02040503050406030204" pitchFamily="18" charset="0"/>
+                        </a:rPr>
+                        <m:t>1</m:t>
+                      </m:r>
+                      <m:r>
+                        <a:rPr lang="en-US" i="1">
+                          <a:latin typeface="Cambria Math" panose="02040503050406030204" pitchFamily="18" charset="0"/>
+                        </a:rPr>
+                        <m:t>01</m:t>
+                      </m:r>
+                      <m:r>
+                        <a:rPr lang="en-US" b="0" i="1" smtClean="0">
+                          <a:latin typeface="Cambria Math" panose="02040503050406030204" pitchFamily="18" charset="0"/>
+                        </a:rPr>
+                        <m:t>10</m:t>
+                      </m:r>
+                    </m:oMath>
+                  </m:oMathPara>
+                </a14:m>
+                <a:endParaRPr lang="en-US" dirty="0"/>
+              </a:p>
+              <a:p>
+                <a:pPr marL="0" indent="0">
+                  <a:buNone/>
+                </a:pPr>
+                <a14:m>
+                  <m:oMathPara xmlns:m="http://schemas.openxmlformats.org/officeDocument/2006/math">
+                    <m:oMathParaPr>
+                      <m:jc m:val="centerGroup"/>
+                    </m:oMathParaPr>
+                    <m:oMath xmlns:m="http://schemas.openxmlformats.org/officeDocument/2006/math">
+                      <m:r>
+                        <a:rPr lang="en-US" i="1">
+                          <a:latin typeface="Cambria Math" panose="02040503050406030204" pitchFamily="18" charset="0"/>
+                        </a:rPr>
+                        <m:t>h</m:t>
+                      </m:r>
+                      <m:d>
+                        <m:dPr>
+                          <m:ctrlPr>
+                            <a:rPr lang="en-US" i="1">
+                              <a:latin typeface="Cambria Math" panose="02040503050406030204" pitchFamily="18" charset="0"/>
+                            </a:rPr>
+                          </m:ctrlPr>
+                        </m:dPr>
+                        <m:e>
+                          <m:sSub>
+                            <m:sSubPr>
+                              <m:ctrlPr>
+                                <a:rPr lang="en-US" i="1">
+                                  <a:latin typeface="Cambria Math" panose="02040503050406030204" pitchFamily="18" charset="0"/>
+                                </a:rPr>
+                              </m:ctrlPr>
+                            </m:sSubPr>
+                            <m:e>
+                              <m:r>
+                                <a:rPr lang="en-US" i="1">
+                                  <a:latin typeface="Cambria Math" panose="02040503050406030204" pitchFamily="18" charset="0"/>
+                                </a:rPr>
+                                <m:t>𝑎</m:t>
+                              </m:r>
+                            </m:e>
+                            <m:sub>
+                              <m:r>
+                                <a:rPr lang="en-US" b="0" i="1" smtClean="0">
+                                  <a:latin typeface="Cambria Math" panose="02040503050406030204" pitchFamily="18" charset="0"/>
+                                </a:rPr>
+                                <m:t>3</m:t>
+                              </m:r>
+                            </m:sub>
+                          </m:sSub>
+                        </m:e>
+                      </m:d>
+                      <m:r>
+                        <a:rPr lang="en-US" i="1">
+                          <a:latin typeface="Cambria Math" panose="02040503050406030204" pitchFamily="18" charset="0"/>
+                        </a:rPr>
+                        <m:t>=0</m:t>
+                      </m:r>
+                      <m:r>
+                        <a:rPr lang="en-US" b="0" i="1" smtClean="0">
+                          <a:latin typeface="Cambria Math" panose="02040503050406030204" pitchFamily="18" charset="0"/>
+                        </a:rPr>
+                        <m:t>0</m:t>
+                      </m:r>
+                      <m:r>
+                        <a:rPr lang="en-US" i="1">
+                          <a:latin typeface="Cambria Math" panose="02040503050406030204" pitchFamily="18" charset="0"/>
+                        </a:rPr>
+                        <m:t>11</m:t>
+                      </m:r>
+                      <m:r>
+                        <a:rPr lang="en-US" b="0" i="1" smtClean="0">
+                          <a:latin typeface="Cambria Math" panose="02040503050406030204" pitchFamily="18" charset="0"/>
+                        </a:rPr>
+                        <m:t>1</m:t>
+                      </m:r>
+                      <m:r>
+                        <a:rPr lang="en-US" i="1">
+                          <a:latin typeface="Cambria Math" panose="02040503050406030204" pitchFamily="18" charset="0"/>
+                        </a:rPr>
+                        <m:t>0</m:t>
+                      </m:r>
+                      <m:r>
+                        <a:rPr lang="en-US" b="0" i="1" smtClean="0">
+                          <a:latin typeface="Cambria Math" panose="02040503050406030204" pitchFamily="18" charset="0"/>
+                        </a:rPr>
+                        <m:t>0</m:t>
+                      </m:r>
+                      <m:r>
+                        <a:rPr lang="en-US" i="1">
+                          <a:latin typeface="Cambria Math" panose="02040503050406030204" pitchFamily="18" charset="0"/>
+                        </a:rPr>
+                        <m:t>00</m:t>
+                      </m:r>
+                    </m:oMath>
+                  </m:oMathPara>
+                </a14:m>
+                <a:endParaRPr lang="en-US" dirty="0"/>
+              </a:p>
+              <a:p>
+                <a:pPr marL="457200" lvl="1" indent="0">
+                  <a:buNone/>
+                </a:pPr>
+                <a:r>
+                  <a:rPr lang="en-US" dirty="0"/>
+                  <a:t>Minimum number of trailing 0s = 1</a:t>
+                </a:r>
+              </a:p>
+              <a:p>
+                <a:pPr marL="457200" lvl="1" indent="0">
+                  <a:buNone/>
+                </a:pPr>
+                <a:r>
+                  <a:rPr lang="en-US" dirty="0"/>
+                  <a:t>Estimate of cardinality for this hash </a:t>
+                </a:r>
+                <a14:m>
+                  <m:oMath xmlns:m="http://schemas.openxmlformats.org/officeDocument/2006/math">
+                    <m:r>
+                      <a:rPr lang="en-US" b="0" i="0" smtClean="0">
+                        <a:latin typeface="Cambria Math" panose="02040503050406030204" pitchFamily="18" charset="0"/>
+                      </a:rPr>
+                      <m:t>=</m:t>
+                    </m:r>
+                    <m:f>
+                      <m:fPr>
+                        <m:ctrlPr>
+                          <a:rPr lang="en-US" i="1" smtClean="0">
+                            <a:latin typeface="Cambria Math" panose="02040503050406030204" pitchFamily="18" charset="0"/>
+                          </a:rPr>
+                        </m:ctrlPr>
+                      </m:fPr>
+                      <m:num>
+                        <m:sSup>
+                          <m:sSupPr>
+                            <m:ctrlPr>
+                              <a:rPr lang="en-US" i="1">
+                                <a:latin typeface="Cambria Math" panose="02040503050406030204" pitchFamily="18" charset="0"/>
+                              </a:rPr>
+                            </m:ctrlPr>
+                          </m:sSupPr>
+                          <m:e>
+                            <m:r>
+                              <a:rPr lang="en-US" i="1">
+                                <a:latin typeface="Cambria Math" panose="02040503050406030204" pitchFamily="18" charset="0"/>
+                              </a:rPr>
+                              <m:t>2</m:t>
+                            </m:r>
+                          </m:e>
+                          <m:sup>
+                            <m:r>
+                              <a:rPr lang="en-US" i="1">
+                                <a:latin typeface="Cambria Math" panose="02040503050406030204" pitchFamily="18" charset="0"/>
+                              </a:rPr>
+                              <m:t>1</m:t>
+                            </m:r>
+                          </m:sup>
+                        </m:sSup>
+                      </m:num>
+                      <m:den>
+                        <m:r>
+                          <a:rPr lang="en-US" b="0" i="1" smtClean="0">
+                            <a:latin typeface="Cambria Math" panose="02040503050406030204" pitchFamily="18" charset="0"/>
+                          </a:rPr>
+                          <m:t>0.77351</m:t>
+                        </m:r>
+                      </m:den>
+                    </m:f>
+                    <m:r>
+                      <a:rPr lang="en-US" b="0" i="1" smtClean="0">
+                        <a:latin typeface="Cambria Math" panose="02040503050406030204" pitchFamily="18" charset="0"/>
+                      </a:rPr>
+                      <m:t>=2.6</m:t>
+                    </m:r>
+                    <m:r>
+                      <a:rPr lang="en-US" b="0" i="1" smtClean="0">
+                        <a:latin typeface="Cambria Math" panose="02040503050406030204" pitchFamily="18" charset="0"/>
+                        <a:ea typeface="Cambria Math" panose="02040503050406030204" pitchFamily="18" charset="0"/>
+                      </a:rPr>
+                      <m:t>≈3</m:t>
+                    </m:r>
+                  </m:oMath>
+                </a14:m>
+                <a:endParaRPr lang="en-US" dirty="0"/>
+              </a:p>
+              <a:p>
+                <a:pPr marL="0" indent="0">
+                  <a:buNone/>
+                </a:pPr>
+                <a:endParaRPr lang="en-US" dirty="0"/>
+              </a:p>
+              <a:p>
+                <a:pPr marL="0" indent="0">
+                  <a:buNone/>
+                </a:pPr>
+                <a:endParaRPr lang="en-US" dirty="0"/>
+              </a:p>
+              <a:p>
+                <a:endParaRPr lang="en-US" dirty="0"/>
+              </a:p>
+              <a:p>
+                <a:pPr lvl="1"/>
+                <a:endParaRPr lang="en-US" dirty="0"/>
+              </a:p>
+            </p:txBody>
+          </p:sp>
+        </mc:Choice>
+        <mc:Fallback>
+          <p:sp>
+            <p:nvSpPr>
+              <p:cNvPr id="3" name="Content Placeholder 2">
+                <a:extLst>
+                  <a:ext uri="{FF2B5EF4-FFF2-40B4-BE49-F238E27FC236}">
+                    <a16:creationId xmlns:a16="http://schemas.microsoft.com/office/drawing/2014/main" id="{258E6AF3-7615-4BD1-878E-A94C93E98F90}"/>
+                  </a:ext>
+                </a:extLst>
+              </p:cNvPr>
+              <p:cNvSpPr>
+                <a:spLocks noGrp="1" noRot="1" noChangeAspect="1" noMove="1" noResize="1" noEditPoints="1" noAdjustHandles="1" noChangeArrowheads="1" noChangeShapeType="1" noTextEdit="1"/>
+              </p:cNvSpPr>
+              <p:nvPr>
+                <p:ph idx="1"/>
+              </p:nvPr>
+            </p:nvSpPr>
+            <p:spPr>
+              <a:xfrm>
+                <a:off x="784412" y="1324927"/>
+                <a:ext cx="10515600" cy="5306829"/>
+              </a:xfrm>
+              <a:blipFill>
+                <a:blip r:embed="rId2"/>
+                <a:stretch>
+                  <a:fillRect l="-1507" t="-2411"/>
+                </a:stretch>
+              </a:blipFill>
+            </p:spPr>
+            <p:txBody>
+              <a:bodyPr/>
+              <a:lstStyle/>
+              <a:p>
+                <a:r>
+                  <a:rPr lang="en-US">
+                    <a:noFill/>
+                  </a:rPr>
+                  <a:t> </a:t>
+                </a:r>
+              </a:p>
+            </p:txBody>
+          </p:sp>
+        </mc:Fallback>
+      </mc:AlternateContent>
+      <p:sp>
+        <p:nvSpPr>
+          <p:cNvPr id="6" name="Title 1">
+            <a:extLst>
+              <a:ext uri="{FF2B5EF4-FFF2-40B4-BE49-F238E27FC236}">
+                <a16:creationId xmlns:a16="http://schemas.microsoft.com/office/drawing/2014/main" id="{CD29F70F-B868-451B-A65D-8721F4C7A2D9}"/>
+              </a:ext>
+            </a:extLst>
+          </p:cNvPr>
+          <p:cNvSpPr txBox="1">
+            <a:spLocks/>
+          </p:cNvSpPr>
+          <p:nvPr/>
+        </p:nvSpPr>
+        <p:spPr>
+          <a:xfrm>
+            <a:off x="838200" y="-635"/>
+            <a:ext cx="10515600" cy="1325563"/>
+          </a:xfrm>
+          <a:prstGeom prst="rect">
+            <a:avLst/>
+          </a:prstGeom>
+        </p:spPr>
+        <p:txBody>
+          <a:bodyPr vert="horz" lIns="91440" tIns="45720" rIns="91440" bIns="45720" rtlCol="0" anchor="ctr">
+            <a:normAutofit/>
+          </a:bodyPr>
+          <a:lstStyle>
+            <a:lvl1pPr algn="l" defTabSz="914400" rtl="0" eaLnBrk="1" latinLnBrk="0" hangingPunct="1">
+              <a:lnSpc>
+                <a:spcPct val="90000"/>
+              </a:lnSpc>
+              <a:spcBef>
+                <a:spcPct val="0"/>
+              </a:spcBef>
+              <a:buNone/>
+              <a:defRPr sz="4400" kern="1200">
+                <a:solidFill>
+                  <a:schemeClr val="tx1"/>
+                </a:solidFill>
+                <a:latin typeface="+mj-lt"/>
+                <a:ea typeface="+mj-ea"/>
+                <a:cs typeface="+mj-cs"/>
+              </a:defRPr>
+            </a:lvl1pPr>
+          </a:lstStyle>
+          <a:p>
+            <a:r>
+              <a:rPr lang="en-US" dirty="0">
+                <a:latin typeface="+mn-lt"/>
+              </a:rPr>
+              <a:t>Counting Distinct Events – Cardinality </a:t>
+            </a:r>
+          </a:p>
+        </p:txBody>
+      </p:sp>
+    </p:spTree>
+    <p:extLst>
+      <p:ext uri="{BB962C8B-B14F-4D97-AF65-F5344CB8AC3E}">
+        <p14:creationId xmlns:p14="http://schemas.microsoft.com/office/powerpoint/2010/main" val="3776301320"/>
+      </p:ext>
+    </p:extLst>
+  </p:cSld>
+  <p:clrMapOvr>
+    <a:masterClrMapping/>
+  </p:clrMapOvr>
+  <p:timing>
+    <p:tnLst>
+      <p:par>
+        <p:cTn id="1" dur="indefinite" restart="never" nodeType="tmRoot">
+          <p:childTnLst>
+            <p:seq concurrent="1" nextAc="seek">
+              <p:cTn id="2" dur="indefinite" nodeType="mainSeq">
+                <p:childTnLst>
+                  <p:par>
+                    <p:cTn id="3" fill="hold">
+                      <p:stCondLst>
+                        <p:cond delay="indefinite"/>
+                      </p:stCondLst>
+                      <p:childTnLst>
+                        <p:par>
+                          <p:cTn id="4" fill="hold">
+                            <p:stCondLst>
+                              <p:cond delay="0"/>
+                            </p:stCondLst>
+                            <p:childTnLst>
+                              <p:par>
+                                <p:cTn id="5" presetID="1" presetClass="entr" presetSubtype="0" fill="hold" nodeType="clickEffect">
+                                  <p:stCondLst>
+                                    <p:cond delay="0"/>
+                                  </p:stCondLst>
+                                  <p:childTnLst>
+                                    <p:set>
+                                      <p:cBhvr>
+                                        <p:cTn id="6" dur="1" fill="hold">
+                                          <p:stCondLst>
+                                            <p:cond delay="0"/>
+                                          </p:stCondLst>
+                                        </p:cTn>
+                                        <p:tgtEl>
+                                          <p:spTgt spid="3">
+                                            <p:txEl>
+                                              <p:pRg st="1" end="1"/>
+                                            </p:txEl>
+                                          </p:spTgt>
+                                        </p:tgtEl>
+                                        <p:attrNameLst>
+                                          <p:attrName>style.visibility</p:attrName>
+                                        </p:attrNameLst>
+                                      </p:cBhvr>
+                                      <p:to>
+                                        <p:strVal val="visible"/>
+                                      </p:to>
+                                    </p:set>
+                                  </p:childTnLst>
+                                </p:cTn>
+                              </p:par>
+                            </p:childTnLst>
+                          </p:cTn>
+                        </p:par>
+                      </p:childTnLst>
+                    </p:cTn>
+                  </p:par>
+                  <p:par>
+                    <p:cTn id="7" fill="hold">
+                      <p:stCondLst>
+                        <p:cond delay="indefinite"/>
+                      </p:stCondLst>
+                      <p:childTnLst>
+                        <p:par>
+                          <p:cTn id="8" fill="hold">
+                            <p:stCondLst>
+                              <p:cond delay="0"/>
+                            </p:stCondLst>
+                            <p:childTnLst>
+                              <p:par>
+                                <p:cTn id="9" presetID="1" presetClass="entr" presetSubtype="0" fill="hold" nodeType="clickEffect">
+                                  <p:stCondLst>
+                                    <p:cond delay="0"/>
+                                  </p:stCondLst>
+                                  <p:childTnLst>
+                                    <p:set>
+                                      <p:cBhvr>
+                                        <p:cTn id="10" dur="1" fill="hold">
+                                          <p:stCondLst>
+                                            <p:cond delay="0"/>
+                                          </p:stCondLst>
+                                        </p:cTn>
+                                        <p:tgtEl>
+                                          <p:spTgt spid="3">
+                                            <p:txEl>
+                                              <p:pRg st="2" end="2"/>
+                                            </p:txEl>
+                                          </p:spTgt>
+                                        </p:tgtEl>
+                                        <p:attrNameLst>
+                                          <p:attrName>style.visibility</p:attrName>
+                                        </p:attrNameLst>
+                                      </p:cBhvr>
+                                      <p:to>
+                                        <p:strVal val="visible"/>
+                                      </p:to>
+                                    </p:set>
+                                  </p:childTnLst>
+                                </p:cTn>
+                              </p:par>
+                              <p:par>
+                                <p:cTn id="11" presetID="1" presetClass="entr" presetSubtype="0" fill="hold" nodeType="withEffect">
+                                  <p:stCondLst>
+                                    <p:cond delay="0"/>
+                                  </p:stCondLst>
+                                  <p:childTnLst>
+                                    <p:set>
+                                      <p:cBhvr>
+                                        <p:cTn id="12" dur="1" fill="hold">
+                                          <p:stCondLst>
+                                            <p:cond delay="0"/>
+                                          </p:stCondLst>
+                                        </p:cTn>
+                                        <p:tgtEl>
+                                          <p:spTgt spid="3">
+                                            <p:txEl>
+                                              <p:pRg st="3" end="3"/>
+                                            </p:txEl>
+                                          </p:spTgt>
+                                        </p:tgtEl>
+                                        <p:attrNameLst>
+                                          <p:attrName>style.visibility</p:attrName>
+                                        </p:attrNameLst>
+                                      </p:cBhvr>
+                                      <p:to>
+                                        <p:strVal val="visible"/>
+                                      </p:to>
+                                    </p:set>
+                                  </p:childTnLst>
+                                </p:cTn>
+                              </p:par>
+                            </p:childTnLst>
+                          </p:cTn>
+                        </p:par>
+                      </p:childTnLst>
+                    </p:cTn>
+                  </p:par>
+                  <p:par>
+                    <p:cTn id="13" fill="hold">
+                      <p:stCondLst>
+                        <p:cond delay="indefinite"/>
+                      </p:stCondLst>
+                      <p:childTnLst>
+                        <p:par>
+                          <p:cTn id="14" fill="hold">
+                            <p:stCondLst>
+                              <p:cond delay="0"/>
+                            </p:stCondLst>
+                            <p:childTnLst>
+                              <p:par>
+                                <p:cTn id="15" presetID="1" presetClass="entr" presetSubtype="0" fill="hold" nodeType="clickEffect">
+                                  <p:stCondLst>
+                                    <p:cond delay="0"/>
+                                  </p:stCondLst>
+                                  <p:childTnLst>
+                                    <p:set>
+                                      <p:cBhvr>
+                                        <p:cTn id="16" dur="1" fill="hold">
+                                          <p:stCondLst>
+                                            <p:cond delay="0"/>
+                                          </p:stCondLst>
+                                        </p:cTn>
+                                        <p:tgtEl>
+                                          <p:spTgt spid="3">
+                                            <p:txEl>
+                                              <p:pRg st="4" end="4"/>
+                                            </p:txEl>
+                                          </p:spTgt>
+                                        </p:tgtEl>
+                                        <p:attrNameLst>
+                                          <p:attrName>style.visibility</p:attrName>
+                                        </p:attrNameLst>
+                                      </p:cBhvr>
+                                      <p:to>
+                                        <p:strVal val="visible"/>
+                                      </p:to>
+                                    </p:set>
+                                  </p:childTnLst>
+                                </p:cTn>
+                              </p:par>
+                              <p:par>
+                                <p:cTn id="17" presetID="1" presetClass="entr" presetSubtype="0" fill="hold" nodeType="withEffect">
+                                  <p:stCondLst>
+                                    <p:cond delay="0"/>
+                                  </p:stCondLst>
+                                  <p:childTnLst>
+                                    <p:set>
+                                      <p:cBhvr>
+                                        <p:cTn id="18" dur="1" fill="hold">
+                                          <p:stCondLst>
+                                            <p:cond delay="0"/>
+                                          </p:stCondLst>
+                                        </p:cTn>
+                                        <p:tgtEl>
+                                          <p:spTgt spid="3">
+                                            <p:txEl>
+                                              <p:pRg st="5" end="5"/>
+                                            </p:txEl>
+                                          </p:spTgt>
+                                        </p:tgtEl>
+                                        <p:attrNameLst>
+                                          <p:attrName>style.visibility</p:attrName>
+                                        </p:attrNameLst>
+                                      </p:cBhvr>
+                                      <p:to>
+                                        <p:strVal val="visible"/>
+                                      </p:to>
+                                    </p:set>
+                                  </p:childTnLst>
+                                </p:cTn>
+                              </p:par>
+                              <p:par>
+                                <p:cTn id="19" presetID="1" presetClass="entr" presetSubtype="0" fill="hold" nodeType="withEffect">
+                                  <p:stCondLst>
+                                    <p:cond delay="0"/>
+                                  </p:stCondLst>
+                                  <p:childTnLst>
+                                    <p:set>
+                                      <p:cBhvr>
+                                        <p:cTn id="20" dur="1" fill="hold">
+                                          <p:stCondLst>
+                                            <p:cond delay="0"/>
+                                          </p:stCondLst>
+                                        </p:cTn>
+                                        <p:tgtEl>
+                                          <p:spTgt spid="3">
+                                            <p:txEl>
+                                              <p:pRg st="6" end="6"/>
+                                            </p:txEl>
+                                          </p:spTgt>
+                                        </p:tgtEl>
+                                        <p:attrNameLst>
+                                          <p:attrName>style.visibility</p:attrName>
+                                        </p:attrNameLst>
+                                      </p:cBhvr>
+                                      <p:to>
+                                        <p:strVal val="visible"/>
+                                      </p:to>
+                                    </p:set>
+                                  </p:childTnLst>
+                                </p:cTn>
+                              </p:par>
+                              <p:par>
+                                <p:cTn id="21" presetID="1" presetClass="entr" presetSubtype="0" fill="hold" nodeType="withEffect">
+                                  <p:stCondLst>
+                                    <p:cond delay="0"/>
+                                  </p:stCondLst>
+                                  <p:childTnLst>
+                                    <p:set>
+                                      <p:cBhvr>
+                                        <p:cTn id="22" dur="1" fill="hold">
+                                          <p:stCondLst>
+                                            <p:cond delay="0"/>
+                                          </p:stCondLst>
+                                        </p:cTn>
+                                        <p:tgtEl>
+                                          <p:spTgt spid="3">
+                                            <p:txEl>
+                                              <p:pRg st="7" end="7"/>
+                                            </p:txEl>
+                                          </p:spTgt>
+                                        </p:tgtEl>
+                                        <p:attrNameLst>
+                                          <p:attrName>style.visibility</p:attrName>
+                                        </p:attrNameLst>
+                                      </p:cBhvr>
+                                      <p:to>
+                                        <p:strVal val="visible"/>
+                                      </p:to>
+                                    </p:set>
+                                  </p:childTnLst>
+                                </p:cTn>
+                              </p:par>
+                            </p:childTnLst>
+                          </p:cTn>
+                        </p:par>
+                      </p:childTnLst>
+                    </p:cTn>
+                  </p:par>
+                  <p:par>
+                    <p:cTn id="23" fill="hold">
+                      <p:stCondLst>
+                        <p:cond delay="indefinite"/>
+                      </p:stCondLst>
+                      <p:childTnLst>
+                        <p:par>
+                          <p:cTn id="24" fill="hold">
+                            <p:stCondLst>
+                              <p:cond delay="0"/>
+                            </p:stCondLst>
+                            <p:childTnLst>
+                              <p:par>
+                                <p:cTn id="25" presetID="1" presetClass="entr" presetSubtype="0" fill="hold" nodeType="clickEffect">
+                                  <p:stCondLst>
+                                    <p:cond delay="0"/>
+                                  </p:stCondLst>
+                                  <p:childTnLst>
+                                    <p:set>
+                                      <p:cBhvr>
+                                        <p:cTn id="26" dur="1" fill="hold">
+                                          <p:stCondLst>
+                                            <p:cond delay="0"/>
+                                          </p:stCondLst>
+                                        </p:cTn>
+                                        <p:tgtEl>
+                                          <p:spTgt spid="3">
+                                            <p:txEl>
+                                              <p:pRg st="8" end="8"/>
+                                            </p:txEl>
+                                          </p:spTgt>
+                                        </p:tgtEl>
+                                        <p:attrNameLst>
+                                          <p:attrName>style.visibility</p:attrName>
+                                        </p:attrNameLst>
+                                      </p:cBhvr>
+                                      <p:to>
+                                        <p:strVal val="visible"/>
+                                      </p:to>
+                                    </p:set>
+                                  </p:childTnLst>
+                                </p:cTn>
+                              </p:par>
+                            </p:childTnLst>
+                          </p:cTn>
+                        </p:par>
+                      </p:childTnLst>
+                    </p:cTn>
+                  </p:par>
+                  <p:par>
+                    <p:cTn id="27" fill="hold">
+                      <p:stCondLst>
+                        <p:cond delay="indefinite"/>
+                      </p:stCondLst>
+                      <p:childTnLst>
+                        <p:par>
+                          <p:cTn id="28" fill="hold">
+                            <p:stCondLst>
+                              <p:cond delay="0"/>
+                            </p:stCondLst>
+                            <p:childTnLst>
+                              <p:par>
+                                <p:cTn id="29" presetID="1" presetClass="entr" presetSubtype="0" fill="hold" nodeType="clickEffect">
+                                  <p:stCondLst>
+                                    <p:cond delay="0"/>
+                                  </p:stCondLst>
+                                  <p:childTnLst>
+                                    <p:set>
+                                      <p:cBhvr>
+                                        <p:cTn id="30" dur="1" fill="hold">
+                                          <p:stCondLst>
+                                            <p:cond delay="0"/>
+                                          </p:stCondLst>
+                                        </p:cTn>
+                                        <p:tgtEl>
+                                          <p:spTgt spid="3">
+                                            <p:txEl>
+                                              <p:pRg st="9" end="9"/>
+                                            </p:txEl>
+                                          </p:spTgt>
+                                        </p:tgtEl>
+                                        <p:attrNameLst>
+                                          <p:attrName>style.visibility</p:attrName>
+                                        </p:attrNameLst>
+                                      </p:cBhvr>
+                                      <p:to>
+                                        <p:strVal val="visible"/>
+                                      </p:to>
+                                    </p:set>
+                                  </p:childTnLst>
+                                </p:cTn>
+                              </p:par>
+                            </p:childTnLst>
+                          </p:cTn>
+                        </p:par>
+                      </p:childTnLst>
+                    </p:cTn>
+                  </p:par>
+                </p:childTnLst>
+              </p:cTn>
+              <p:prevCondLst>
+                <p:cond evt="onPrev" delay="0">
+                  <p:tgtEl>
+                    <p:sldTgt/>
+                  </p:tgtEl>
+                </p:cond>
+              </p:prevCondLst>
+              <p:nextCondLst>
+                <p:cond evt="onNext" delay="0">
+                  <p:tgtEl>
+                    <p:sldTgt/>
+                  </p:tgtEl>
+                </p:cond>
+              </p:nextCondLst>
+            </p:seq>
+          </p:childTnLst>
+        </p:cTn>
+      </p:par>
+    </p:tnLst>
+  </p:timing>
+</p:sld>
+</file>
+
+<file path=ppt/slides/slide39.xml><?xml version="1.0" encoding="utf-8"?>
+<p:sld xmlns:a="http://schemas.openxmlformats.org/drawingml/2006/main" xmlns:r="http://schemas.openxmlformats.org/officeDocument/2006/relationships" xmlns:p="http://schemas.openxmlformats.org/presentationml/2006/main">
+  <p:cSld>
+    <p:spTree>
+      <p:nvGrpSpPr>
+        <p:cNvPr id="1" name=""/>
+        <p:cNvGrpSpPr/>
+        <p:nvPr/>
+      </p:nvGrpSpPr>
+      <p:grpSpPr>
+        <a:xfrm>
+          <a:off x="0" y="0"/>
+          <a:ext cx="0" cy="0"/>
+          <a:chOff x="0" y="0"/>
+          <a:chExt cx="0" cy="0"/>
+        </a:xfrm>
+      </p:grpSpPr>
+      <mc:AlternateContent xmlns:mc="http://schemas.openxmlformats.org/markup-compatibility/2006">
+        <mc:Choice xmlns:a14="http://schemas.microsoft.com/office/drawing/2010/main" Requires="a14">
           <p:sp>
             <p:nvSpPr>
               <p:cNvPr id="3" name="Content Placeholder 2">
@@ -32980,7 +38717,7 @@
                             <a:rPr lang="en-US" b="0" i="1" smtClean="0">
                               <a:latin typeface="Cambria Math" panose="02040503050406030204" pitchFamily="18" charset="0"/>
                             </a:rPr>
-                            <m:t>𝑥</m:t>
+                            <m:t>𝑎</m:t>
                           </m:r>
                         </m:e>
                       </m:d>
@@ -33050,10 +38787,10 @@
                         </m:dPr>
                         <m:e>
                           <m:r>
-                            <a:rPr lang="en-US" i="1">
+                            <a:rPr lang="en-US" b="0" i="1" smtClean="0">
                               <a:latin typeface="Cambria Math" panose="02040503050406030204" pitchFamily="18" charset="0"/>
                             </a:rPr>
-                            <m:t>𝑥</m:t>
+                            <m:t>𝑎</m:t>
                           </m:r>
                         </m:e>
                       </m:d>
@@ -33141,10 +38878,10 @@
                         </m:dPr>
                         <m:e>
                           <m:r>
-                            <a:rPr lang="en-US" i="1">
+                            <a:rPr lang="en-US" b="0" i="1" smtClean="0">
                               <a:latin typeface="Cambria Math" panose="02040503050406030204" pitchFamily="18" charset="0"/>
                             </a:rPr>
-                            <m:t>𝑥</m:t>
+                            <m:t>𝑎</m:t>
                           </m:r>
                         </m:e>
                       </m:d>
@@ -33250,10 +38987,10 @@
                         </m:dPr>
                         <m:e>
                           <m:r>
-                            <a:rPr lang="en-US" i="1">
+                            <a:rPr lang="en-US" b="0" i="1" smtClean="0">
                               <a:latin typeface="Cambria Math" panose="02040503050406030204" pitchFamily="18" charset="0"/>
                             </a:rPr>
-                            <m:t>𝑥</m:t>
+                            <m:t>𝑎</m:t>
                           </m:r>
                         </m:e>
                       </m:d>
@@ -33349,7 +39086,7 @@
             </p:txBody>
           </p:sp>
         </mc:Choice>
-        <mc:Fallback xmlns="">
+        <mc:Fallback>
           <p:sp>
             <p:nvSpPr>
               <p:cNvPr id="3" name="Content Placeholder 2">
@@ -33452,7 +39189,7 @@
     </p:spTree>
     <p:extLst>
       <p:ext uri="{BB962C8B-B14F-4D97-AF65-F5344CB8AC3E}">
-        <p14:creationId xmlns:p14="http://schemas.microsoft.com/office/powerpoint/2010/main" val="3776301320"/>
+        <p14:creationId xmlns:p14="http://schemas.microsoft.com/office/powerpoint/2010/main" val="773617022"/>
       </p:ext>
     </p:extLst>
   </p:cSld>
@@ -33495,7 +39232,7 @@
                                         <p:tgtEl>
                                           <p:spTgt spid="3">
                                             <p:txEl>
-                                              <p:pRg st="3" end="3"/>
+                                              <p:pRg st="1" end="1"/>
                                             </p:txEl>
                                           </p:spTgt>
                                         </p:tgtEl>
@@ -33526,6 +39263,86 @@
                                         <p:tgtEl>
                                           <p:spTgt spid="3">
                                             <p:txEl>
+                                              <p:pRg st="2" end="2"/>
+                                            </p:txEl>
+                                          </p:spTgt>
+                                        </p:tgtEl>
+                                        <p:attrNameLst>
+                                          <p:attrName>style.visibility</p:attrName>
+                                        </p:attrNameLst>
+                                      </p:cBhvr>
+                                      <p:to>
+                                        <p:strVal val="visible"/>
+                                      </p:to>
+                                    </p:set>
+                                  </p:childTnLst>
+                                </p:cTn>
+                              </p:par>
+                            </p:childTnLst>
+                          </p:cTn>
+                        </p:par>
+                      </p:childTnLst>
+                    </p:cTn>
+                  </p:par>
+                  <p:par>
+                    <p:cTn id="9" fill="hold">
+                      <p:stCondLst>
+                        <p:cond delay="indefinite"/>
+                      </p:stCondLst>
+                      <p:childTnLst>
+                        <p:par>
+                          <p:cTn id="10" fill="hold">
+                            <p:stCondLst>
+                              <p:cond delay="0"/>
+                            </p:stCondLst>
+                            <p:childTnLst>
+                              <p:par>
+                                <p:cTn id="11" presetID="1" presetClass="entr" presetSubtype="0" fill="hold" nodeType="clickEffect">
+                                  <p:stCondLst>
+                                    <p:cond delay="0"/>
+                                  </p:stCondLst>
+                                  <p:childTnLst>
+                                    <p:set>
+                                      <p:cBhvr>
+                                        <p:cTn id="12" dur="1" fill="hold">
+                                          <p:stCondLst>
+                                            <p:cond delay="0"/>
+                                          </p:stCondLst>
+                                        </p:cTn>
+                                        <p:tgtEl>
+                                          <p:spTgt spid="3">
+                                            <p:txEl>
+                                              <p:pRg st="3" end="3"/>
+                                            </p:txEl>
+                                          </p:spTgt>
+                                        </p:tgtEl>
+                                        <p:attrNameLst>
+                                          <p:attrName>style.visibility</p:attrName>
+                                        </p:attrNameLst>
+                                      </p:cBhvr>
+                                      <p:to>
+                                        <p:strVal val="visible"/>
+                                      </p:to>
+                                    </p:set>
+                                  </p:childTnLst>
+                                </p:cTn>
+                              </p:par>
+                              <p:par>
+                                <p:cTn id="13" presetID="1" presetClass="entr" presetSubtype="0" fill="hold" nodeType="withEffect">
+                                  <p:stCondLst>
+                                    <p:cond delay="0"/>
+                                  </p:stCondLst>
+                                  <p:childTnLst>
+                                    <p:set>
+                                      <p:cBhvr>
+                                        <p:cTn id="14" dur="1" fill="hold">
+                                          <p:stCondLst>
+                                            <p:cond delay="0"/>
+                                          </p:stCondLst>
+                                        </p:cTn>
+                                        <p:tgtEl>
+                                          <p:spTgt spid="3">
+                                            <p:txEl>
                                               <p:pRg st="4" end="4"/>
                                             </p:txEl>
                                           </p:spTgt>
@@ -33542,14 +39359,14 @@
                                 </p:cTn>
                               </p:par>
                               <p:par>
-                                <p:cTn id="9" presetID="1" presetClass="entr" presetSubtype="0" fill="hold" nodeType="withEffect">
+                                <p:cTn id="15" presetID="1" presetClass="entr" presetSubtype="0" fill="hold" nodeType="withEffect">
                                   <p:stCondLst>
                                     <p:cond delay="0"/>
                                   </p:stCondLst>
                                   <p:childTnLst>
                                     <p:set>
                                       <p:cBhvr>
-                                        <p:cTn id="10" dur="1" fill="hold">
+                                        <p:cTn id="16" dur="1" fill="hold">
                                           <p:stCondLst>
                                             <p:cond delay="0"/>
                                           </p:stCondLst>
@@ -33573,14 +39390,14 @@
                                 </p:cTn>
                               </p:par>
                               <p:par>
-                                <p:cTn id="11" presetID="1" presetClass="entr" presetSubtype="0" fill="hold" nodeType="withEffect">
+                                <p:cTn id="17" presetID="1" presetClass="entr" presetSubtype="0" fill="hold" nodeType="withEffect">
                                   <p:stCondLst>
                                     <p:cond delay="0"/>
                                   </p:stCondLst>
                                   <p:childTnLst>
                                     <p:set>
                                       <p:cBhvr>
-                                        <p:cTn id="12" dur="1" fill="hold">
+                                        <p:cTn id="18" dur="1" fill="hold">
                                           <p:stCondLst>
                                             <p:cond delay="0"/>
                                           </p:stCondLst>
@@ -33610,26 +39427,26 @@
                     </p:cTn>
                   </p:par>
                   <p:par>
-                    <p:cTn id="13" fill="hold">
+                    <p:cTn id="19" fill="hold">
                       <p:stCondLst>
                         <p:cond delay="indefinite"/>
                       </p:stCondLst>
                       <p:childTnLst>
                         <p:par>
-                          <p:cTn id="14" fill="hold">
+                          <p:cTn id="20" fill="hold">
                             <p:stCondLst>
                               <p:cond delay="0"/>
                             </p:stCondLst>
                             <p:childTnLst>
                               <p:par>
-                                <p:cTn id="15" presetID="1" presetClass="entr" presetSubtype="0" fill="hold" nodeType="clickEffect">
+                                <p:cTn id="21" presetID="1" presetClass="entr" presetSubtype="0" fill="hold" nodeType="clickEffect">
                                   <p:stCondLst>
                                     <p:cond delay="0"/>
                                   </p:stCondLst>
                                   <p:childTnLst>
                                     <p:set>
                                       <p:cBhvr>
-                                        <p:cTn id="16" dur="1" fill="hold">
+                                        <p:cTn id="22" dur="1" fill="hold">
                                           <p:stCondLst>
                                             <p:cond delay="0"/>
                                           </p:stCondLst>
@@ -33653,14 +39470,14 @@
                                 </p:cTn>
                               </p:par>
                               <p:par>
-                                <p:cTn id="17" presetID="1" presetClass="entr" presetSubtype="0" fill="hold" nodeType="withEffect">
+                                <p:cTn id="23" presetID="1" presetClass="entr" presetSubtype="0" fill="hold" nodeType="withEffect">
                                   <p:stCondLst>
                                     <p:cond delay="0"/>
                                   </p:stCondLst>
                                   <p:childTnLst>
                                     <p:set>
                                       <p:cBhvr>
-                                        <p:cTn id="18" dur="1" fill="hold">
+                                        <p:cTn id="24" dur="1" fill="hold">
                                           <p:stCondLst>
                                             <p:cond delay="0"/>
                                           </p:stCondLst>
@@ -33714,7 +39531,580 @@
 </p:sld>
 </file>
 
-<file path=ppt/slides/slide35.xml><?xml version="1.0" encoding="utf-8"?>
+<file path=ppt/slides/slide4.xml><?xml version="1.0" encoding="utf-8"?>
+<p:sld xmlns:a="http://schemas.openxmlformats.org/drawingml/2006/main" xmlns:r="http://schemas.openxmlformats.org/officeDocument/2006/relationships" xmlns:p="http://schemas.openxmlformats.org/presentationml/2006/main">
+  <p:cSld>
+    <p:spTree>
+      <p:nvGrpSpPr>
+        <p:cNvPr id="1" name=""/>
+        <p:cNvGrpSpPr/>
+        <p:nvPr/>
+      </p:nvGrpSpPr>
+      <p:grpSpPr>
+        <a:xfrm>
+          <a:off x="0" y="0"/>
+          <a:ext cx="0" cy="0"/>
+          <a:chOff x="0" y="0"/>
+          <a:chExt cx="0" cy="0"/>
+        </a:xfrm>
+      </p:grpSpPr>
+      <p:sp>
+        <p:nvSpPr>
+          <p:cNvPr id="3" name="Content Placeholder 2">
+            <a:extLst>
+              <a:ext uri="{FF2B5EF4-FFF2-40B4-BE49-F238E27FC236}">
+                <a16:creationId xmlns:a16="http://schemas.microsoft.com/office/drawing/2014/main" id="{258E6AF3-7615-4BD1-878E-A94C93E98F90}"/>
+              </a:ext>
+            </a:extLst>
+          </p:cNvPr>
+          <p:cNvSpPr>
+            <a:spLocks noGrp="1"/>
+          </p:cNvSpPr>
+          <p:nvPr>
+            <p:ph idx="1"/>
+          </p:nvPr>
+        </p:nvSpPr>
+        <p:spPr>
+          <a:xfrm>
+            <a:off x="784412" y="1324928"/>
+            <a:ext cx="10515600" cy="4958516"/>
+          </a:xfrm>
+        </p:spPr>
+        <p:txBody>
+          <a:bodyPr/>
+          <a:lstStyle/>
+          <a:p>
+            <a:pPr marL="0" indent="0">
+              <a:buNone/>
+            </a:pPr>
+            <a:r>
+              <a:rPr lang="en-US" sz="3200" dirty="0"/>
+              <a:t>Difficulties with streaming analytics      </a:t>
+            </a:r>
+            <a:endParaRPr lang="en-US" sz="3200" b="1" dirty="0"/>
+          </a:p>
+          <a:p>
+            <a:r>
+              <a:rPr lang="en-US" dirty="0"/>
+              <a:t>Data volumes can be massive   </a:t>
+            </a:r>
+          </a:p>
+          <a:p>
+            <a:r>
+              <a:rPr lang="en-US" dirty="0"/>
+              <a:t>2</a:t>
+            </a:r>
+            <a:r>
+              <a:rPr lang="en-US" baseline="30000" dirty="0"/>
+              <a:t>nd</a:t>
+            </a:r>
+            <a:r>
+              <a:rPr lang="en-US" dirty="0"/>
+              <a:t> Example – Large scale    </a:t>
+            </a:r>
+          </a:p>
+          <a:p>
+            <a:pPr lvl="1"/>
+            <a:r>
+              <a:rPr lang="en-US" dirty="0"/>
+              <a:t>Power company with real-time energy monitoring of 10</a:t>
+            </a:r>
+            <a:r>
+              <a:rPr lang="en-US" baseline="30000" dirty="0"/>
+              <a:t>7</a:t>
+            </a:r>
+            <a:r>
+              <a:rPr lang="en-US" dirty="0"/>
+              <a:t> customer sites    </a:t>
+            </a:r>
+          </a:p>
+          <a:p>
+            <a:pPr lvl="1"/>
+            <a:r>
+              <a:rPr lang="en-US" dirty="0"/>
+              <a:t>4 bytes every 10 </a:t>
+            </a:r>
+            <a:r>
+              <a:rPr lang="en-US" dirty="0" err="1"/>
+              <a:t>ms</a:t>
+            </a:r>
+            <a:r>
+              <a:rPr lang="en-US" dirty="0"/>
+              <a:t> per customer  </a:t>
+            </a:r>
+          </a:p>
+          <a:p>
+            <a:pPr lvl="1"/>
+            <a:r>
+              <a:rPr lang="en-US" dirty="0"/>
+              <a:t>34,560 bytes per customer per day   </a:t>
+            </a:r>
+          </a:p>
+          <a:p>
+            <a:pPr lvl="1"/>
+            <a:r>
+              <a:rPr lang="en-US" dirty="0"/>
+              <a:t>346 M bytes total per day </a:t>
+            </a:r>
+          </a:p>
+          <a:p>
+            <a:pPr lvl="1"/>
+            <a:r>
+              <a:rPr lang="en-US" dirty="0"/>
+              <a:t>126 T bytes per year  </a:t>
+            </a:r>
+          </a:p>
+          <a:p>
+            <a:r>
+              <a:rPr lang="en-US" dirty="0"/>
+              <a:t>Network bandwidth is limited </a:t>
+            </a:r>
+          </a:p>
+        </p:txBody>
+      </p:sp>
+      <p:sp>
+        <p:nvSpPr>
+          <p:cNvPr id="6" name="Title 1">
+            <a:extLst>
+              <a:ext uri="{FF2B5EF4-FFF2-40B4-BE49-F238E27FC236}">
+                <a16:creationId xmlns:a16="http://schemas.microsoft.com/office/drawing/2014/main" id="{CD29F70F-B868-451B-A65D-8721F4C7A2D9}"/>
+              </a:ext>
+            </a:extLst>
+          </p:cNvPr>
+          <p:cNvSpPr txBox="1">
+            <a:spLocks/>
+          </p:cNvSpPr>
+          <p:nvPr/>
+        </p:nvSpPr>
+        <p:spPr>
+          <a:xfrm>
+            <a:off x="838200" y="-635"/>
+            <a:ext cx="10515600" cy="1325563"/>
+          </a:xfrm>
+          <a:prstGeom prst="rect">
+            <a:avLst/>
+          </a:prstGeom>
+        </p:spPr>
+        <p:txBody>
+          <a:bodyPr vert="horz" lIns="91440" tIns="45720" rIns="91440" bIns="45720" rtlCol="0" anchor="ctr">
+            <a:normAutofit/>
+          </a:bodyPr>
+          <a:lstStyle>
+            <a:lvl1pPr algn="l" defTabSz="914400" rtl="0" eaLnBrk="1" latinLnBrk="0" hangingPunct="1">
+              <a:lnSpc>
+                <a:spcPct val="90000"/>
+              </a:lnSpc>
+              <a:spcBef>
+                <a:spcPct val="0"/>
+              </a:spcBef>
+              <a:buNone/>
+              <a:defRPr sz="4400" kern="1200">
+                <a:solidFill>
+                  <a:schemeClr val="tx1"/>
+                </a:solidFill>
+                <a:latin typeface="+mj-lt"/>
+                <a:ea typeface="+mj-ea"/>
+                <a:cs typeface="+mj-cs"/>
+              </a:defRPr>
+            </a:lvl1pPr>
+          </a:lstStyle>
+          <a:p>
+            <a:r>
+              <a:rPr lang="en-US" dirty="0">
+                <a:latin typeface="+mn-lt"/>
+              </a:rPr>
+              <a:t>Streaming Analytics</a:t>
+            </a:r>
+          </a:p>
+        </p:txBody>
+      </p:sp>
+    </p:spTree>
+    <p:extLst>
+      <p:ext uri="{BB962C8B-B14F-4D97-AF65-F5344CB8AC3E}">
+        <p14:creationId xmlns:p14="http://schemas.microsoft.com/office/powerpoint/2010/main" val="3854372621"/>
+      </p:ext>
+    </p:extLst>
+  </p:cSld>
+  <p:clrMapOvr>
+    <a:masterClrMapping/>
+  </p:clrMapOvr>
+  <p:timing>
+    <p:tnLst>
+      <p:par>
+        <p:cTn id="1" dur="indefinite" restart="never" nodeType="tmRoot">
+          <p:childTnLst>
+            <p:seq concurrent="1" nextAc="seek">
+              <p:cTn id="2" dur="indefinite" nodeType="mainSeq">
+                <p:childTnLst>
+                  <p:par>
+                    <p:cTn id="3" fill="hold">
+                      <p:stCondLst>
+                        <p:cond delay="indefinite"/>
+                      </p:stCondLst>
+                      <p:childTnLst>
+                        <p:par>
+                          <p:cTn id="4" fill="hold">
+                            <p:stCondLst>
+                              <p:cond delay="0"/>
+                            </p:stCondLst>
+                            <p:childTnLst>
+                              <p:par>
+                                <p:cTn id="5" presetID="1" presetClass="entr" presetSubtype="0" fill="hold" nodeType="clickEffect">
+                                  <p:stCondLst>
+                                    <p:cond delay="0"/>
+                                  </p:stCondLst>
+                                  <p:childTnLst>
+                                    <p:set>
+                                      <p:cBhvr>
+                                        <p:cTn id="6" dur="1" fill="hold">
+                                          <p:stCondLst>
+                                            <p:cond delay="0"/>
+                                          </p:stCondLst>
+                                        </p:cTn>
+                                        <p:tgtEl>
+                                          <p:spTgt spid="3">
+                                            <p:txEl>
+                                              <p:pRg st="2" end="2"/>
+                                            </p:txEl>
+                                          </p:spTgt>
+                                        </p:tgtEl>
+                                        <p:attrNameLst>
+                                          <p:attrName>style.visibility</p:attrName>
+                                        </p:attrNameLst>
+                                      </p:cBhvr>
+                                      <p:to>
+                                        <p:strVal val="visible"/>
+                                      </p:to>
+                                    </p:set>
+                                  </p:childTnLst>
+                                </p:cTn>
+                              </p:par>
+                            </p:childTnLst>
+                          </p:cTn>
+                        </p:par>
+                      </p:childTnLst>
+                    </p:cTn>
+                  </p:par>
+                  <p:par>
+                    <p:cTn id="7" fill="hold">
+                      <p:stCondLst>
+                        <p:cond delay="indefinite"/>
+                      </p:stCondLst>
+                      <p:childTnLst>
+                        <p:par>
+                          <p:cTn id="8" fill="hold">
+                            <p:stCondLst>
+                              <p:cond delay="0"/>
+                            </p:stCondLst>
+                            <p:childTnLst>
+                              <p:par>
+                                <p:cTn id="9" presetID="1" presetClass="entr" presetSubtype="0" fill="hold" nodeType="clickEffect">
+                                  <p:stCondLst>
+                                    <p:cond delay="0"/>
+                                  </p:stCondLst>
+                                  <p:childTnLst>
+                                    <p:set>
+                                      <p:cBhvr>
+                                        <p:cTn id="10" dur="1" fill="hold">
+                                          <p:stCondLst>
+                                            <p:cond delay="0"/>
+                                          </p:stCondLst>
+                                        </p:cTn>
+                                        <p:tgtEl>
+                                          <p:spTgt spid="3">
+                                            <p:txEl>
+                                              <p:pRg st="3" end="3"/>
+                                            </p:txEl>
+                                          </p:spTgt>
+                                        </p:tgtEl>
+                                        <p:attrNameLst>
+                                          <p:attrName>style.visibility</p:attrName>
+                                        </p:attrNameLst>
+                                      </p:cBhvr>
+                                      <p:to>
+                                        <p:strVal val="visible"/>
+                                      </p:to>
+                                    </p:set>
+                                  </p:childTnLst>
+                                </p:cTn>
+                              </p:par>
+                            </p:childTnLst>
+                          </p:cTn>
+                        </p:par>
+                      </p:childTnLst>
+                    </p:cTn>
+                  </p:par>
+                  <p:par>
+                    <p:cTn id="11" fill="hold">
+                      <p:stCondLst>
+                        <p:cond delay="indefinite"/>
+                      </p:stCondLst>
+                      <p:childTnLst>
+                        <p:par>
+                          <p:cTn id="12" fill="hold">
+                            <p:stCondLst>
+                              <p:cond delay="0"/>
+                            </p:stCondLst>
+                            <p:childTnLst>
+                              <p:par>
+                                <p:cTn id="13" presetID="1" presetClass="entr" presetSubtype="0" fill="hold" nodeType="clickEffect">
+                                  <p:stCondLst>
+                                    <p:cond delay="0"/>
+                                  </p:stCondLst>
+                                  <p:childTnLst>
+                                    <p:set>
+                                      <p:cBhvr>
+                                        <p:cTn id="14" dur="1" fill="hold">
+                                          <p:stCondLst>
+                                            <p:cond delay="0"/>
+                                          </p:stCondLst>
+                                        </p:cTn>
+                                        <p:tgtEl>
+                                          <p:spTgt spid="3">
+                                            <p:txEl>
+                                              <p:pRg st="4" end="4"/>
+                                            </p:txEl>
+                                          </p:spTgt>
+                                        </p:tgtEl>
+                                        <p:attrNameLst>
+                                          <p:attrName>style.visibility</p:attrName>
+                                        </p:attrNameLst>
+                                      </p:cBhvr>
+                                      <p:to>
+                                        <p:strVal val="visible"/>
+                                      </p:to>
+                                    </p:set>
+                                  </p:childTnLst>
+                                </p:cTn>
+                              </p:par>
+                            </p:childTnLst>
+                          </p:cTn>
+                        </p:par>
+                      </p:childTnLst>
+                    </p:cTn>
+                  </p:par>
+                  <p:par>
+                    <p:cTn id="15" fill="hold">
+                      <p:stCondLst>
+                        <p:cond delay="indefinite"/>
+                      </p:stCondLst>
+                      <p:childTnLst>
+                        <p:par>
+                          <p:cTn id="16" fill="hold">
+                            <p:stCondLst>
+                              <p:cond delay="0"/>
+                            </p:stCondLst>
+                            <p:childTnLst>
+                              <p:par>
+                                <p:cTn id="17" presetID="1" presetClass="entr" presetSubtype="0" fill="hold" nodeType="clickEffect">
+                                  <p:stCondLst>
+                                    <p:cond delay="0"/>
+                                  </p:stCondLst>
+                                  <p:childTnLst>
+                                    <p:set>
+                                      <p:cBhvr>
+                                        <p:cTn id="18" dur="1" fill="hold">
+                                          <p:stCondLst>
+                                            <p:cond delay="0"/>
+                                          </p:stCondLst>
+                                        </p:cTn>
+                                        <p:tgtEl>
+                                          <p:spTgt spid="3">
+                                            <p:txEl>
+                                              <p:pRg st="5" end="5"/>
+                                            </p:txEl>
+                                          </p:spTgt>
+                                        </p:tgtEl>
+                                        <p:attrNameLst>
+                                          <p:attrName>style.visibility</p:attrName>
+                                        </p:attrNameLst>
+                                      </p:cBhvr>
+                                      <p:to>
+                                        <p:strVal val="visible"/>
+                                      </p:to>
+                                    </p:set>
+                                  </p:childTnLst>
+                                </p:cTn>
+                              </p:par>
+                            </p:childTnLst>
+                          </p:cTn>
+                        </p:par>
+                      </p:childTnLst>
+                    </p:cTn>
+                  </p:par>
+                  <p:par>
+                    <p:cTn id="19" fill="hold">
+                      <p:stCondLst>
+                        <p:cond delay="indefinite"/>
+                      </p:stCondLst>
+                      <p:childTnLst>
+                        <p:par>
+                          <p:cTn id="20" fill="hold">
+                            <p:stCondLst>
+                              <p:cond delay="0"/>
+                            </p:stCondLst>
+                            <p:childTnLst>
+                              <p:par>
+                                <p:cTn id="21" presetID="1" presetClass="entr" presetSubtype="0" fill="hold" nodeType="clickEffect">
+                                  <p:stCondLst>
+                                    <p:cond delay="0"/>
+                                  </p:stCondLst>
+                                  <p:childTnLst>
+                                    <p:set>
+                                      <p:cBhvr>
+                                        <p:cTn id="22" dur="1" fill="hold">
+                                          <p:stCondLst>
+                                            <p:cond delay="0"/>
+                                          </p:stCondLst>
+                                        </p:cTn>
+                                        <p:tgtEl>
+                                          <p:spTgt spid="3">
+                                            <p:txEl>
+                                              <p:pRg st="6" end="6"/>
+                                            </p:txEl>
+                                          </p:spTgt>
+                                        </p:tgtEl>
+                                        <p:attrNameLst>
+                                          <p:attrName>style.visibility</p:attrName>
+                                        </p:attrNameLst>
+                                      </p:cBhvr>
+                                      <p:to>
+                                        <p:strVal val="visible"/>
+                                      </p:to>
+                                    </p:set>
+                                  </p:childTnLst>
+                                </p:cTn>
+                              </p:par>
+                            </p:childTnLst>
+                          </p:cTn>
+                        </p:par>
+                      </p:childTnLst>
+                    </p:cTn>
+                  </p:par>
+                  <p:par>
+                    <p:cTn id="23" fill="hold">
+                      <p:stCondLst>
+                        <p:cond delay="indefinite"/>
+                      </p:stCondLst>
+                      <p:childTnLst>
+                        <p:par>
+                          <p:cTn id="24" fill="hold">
+                            <p:stCondLst>
+                              <p:cond delay="0"/>
+                            </p:stCondLst>
+                            <p:childTnLst>
+                              <p:par>
+                                <p:cTn id="25" presetID="1" presetClass="entr" presetSubtype="0" fill="hold" nodeType="clickEffect">
+                                  <p:stCondLst>
+                                    <p:cond delay="0"/>
+                                  </p:stCondLst>
+                                  <p:childTnLst>
+                                    <p:set>
+                                      <p:cBhvr>
+                                        <p:cTn id="26" dur="1" fill="hold">
+                                          <p:stCondLst>
+                                            <p:cond delay="0"/>
+                                          </p:stCondLst>
+                                        </p:cTn>
+                                        <p:tgtEl>
+                                          <p:spTgt spid="3">
+                                            <p:txEl>
+                                              <p:pRg st="7" end="7"/>
+                                            </p:txEl>
+                                          </p:spTgt>
+                                        </p:tgtEl>
+                                        <p:attrNameLst>
+                                          <p:attrName>style.visibility</p:attrName>
+                                        </p:attrNameLst>
+                                      </p:cBhvr>
+                                      <p:to>
+                                        <p:strVal val="visible"/>
+                                      </p:to>
+                                    </p:set>
+                                  </p:childTnLst>
+                                </p:cTn>
+                              </p:par>
+                            </p:childTnLst>
+                          </p:cTn>
+                        </p:par>
+                      </p:childTnLst>
+                    </p:cTn>
+                  </p:par>
+                  <p:par>
+                    <p:cTn id="27" fill="hold">
+                      <p:stCondLst>
+                        <p:cond delay="indefinite"/>
+                      </p:stCondLst>
+                      <p:childTnLst>
+                        <p:par>
+                          <p:cTn id="28" fill="hold">
+                            <p:stCondLst>
+                              <p:cond delay="0"/>
+                            </p:stCondLst>
+                            <p:childTnLst>
+                              <p:par>
+                                <p:cTn id="29" presetID="1" presetClass="entr" presetSubtype="0" fill="hold" nodeType="clickEffect">
+                                  <p:stCondLst>
+                                    <p:cond delay="0"/>
+                                  </p:stCondLst>
+                                  <p:childTnLst>
+                                    <p:set>
+                                      <p:cBhvr>
+                                        <p:cTn id="30" dur="1" fill="hold">
+                                          <p:stCondLst>
+                                            <p:cond delay="0"/>
+                                          </p:stCondLst>
+                                        </p:cTn>
+                                        <p:tgtEl>
+                                          <p:spTgt spid="3">
+                                            <p:txEl>
+                                              <p:pRg st="8" end="8"/>
+                                            </p:txEl>
+                                          </p:spTgt>
+                                        </p:tgtEl>
+                                        <p:attrNameLst>
+                                          <p:attrName>style.visibility</p:attrName>
+                                        </p:attrNameLst>
+                                      </p:cBhvr>
+                                      <p:to>
+                                        <p:strVal val="visible"/>
+                                      </p:to>
+                                    </p:set>
+                                  </p:childTnLst>
+                                </p:cTn>
+                              </p:par>
+                            </p:childTnLst>
+                          </p:cTn>
+                        </p:par>
+                      </p:childTnLst>
+                    </p:cTn>
+                  </p:par>
+                </p:childTnLst>
+              </p:cTn>
+              <p:prevCondLst>
+                <p:cond evt="onPrev" delay="0">
+                  <p:tgtEl>
+                    <p:sldTgt/>
+                  </p:tgtEl>
+                </p:cond>
+              </p:prevCondLst>
+              <p:nextCondLst>
+                <p:cond evt="onNext" delay="0">
+                  <p:tgtEl>
+                    <p:sldTgt/>
+                  </p:tgtEl>
+                </p:cond>
+              </p:nextCondLst>
+            </p:seq>
+          </p:childTnLst>
+        </p:cTn>
+      </p:par>
+    </p:tnLst>
+  </p:timing>
+</p:sld>
+</file>
+
+<file path=ppt/slides/slide40.xml><?xml version="1.0" encoding="utf-8"?>
 <p:sld xmlns:a="http://schemas.openxmlformats.org/drawingml/2006/main" xmlns:r="http://schemas.openxmlformats.org/officeDocument/2006/relationships" xmlns:p="http://schemas.openxmlformats.org/presentationml/2006/main">
   <p:cSld>
     <p:spTree>
@@ -34511,7 +40901,7 @@
 </p:sld>
 </file>
 
-<file path=ppt/slides/slide36.xml><?xml version="1.0" encoding="utf-8"?>
+<file path=ppt/slides/slide41.xml><?xml version="1.0" encoding="utf-8"?>
 <p:sld xmlns:a="http://schemas.openxmlformats.org/drawingml/2006/main" xmlns:r="http://schemas.openxmlformats.org/officeDocument/2006/relationships" xmlns:p="http://schemas.openxmlformats.org/presentationml/2006/main">
   <p:cSld>
     <p:spTree>
@@ -35009,7 +41399,7 @@
 </p:sld>
 </file>
 
-<file path=ppt/slides/slide37.xml><?xml version="1.0" encoding="utf-8"?>
+<file path=ppt/slides/slide42.xml><?xml version="1.0" encoding="utf-8"?>
 <p:sld xmlns:a="http://schemas.openxmlformats.org/drawingml/2006/main" xmlns:r="http://schemas.openxmlformats.org/officeDocument/2006/relationships" xmlns:p="http://schemas.openxmlformats.org/presentationml/2006/main">
   <p:cSld>
     <p:spTree>
@@ -35354,7 +41744,7 @@
                                         <p:tgtEl>
                                           <p:spTgt spid="3">
                                             <p:txEl>
-                                              <p:pRg st="0" end="0"/>
+                                              <p:pRg st="1" end="1"/>
                                             </p:txEl>
                                           </p:spTgt>
                                         </p:tgtEl>
@@ -35403,7 +41793,7 @@
                                         <p:tgtEl>
                                           <p:spTgt spid="3">
                                             <p:txEl>
-                                              <p:pRg st="1" end="1"/>
+                                              <p:pRg st="2" end="2"/>
                                             </p:txEl>
                                           </p:spTgt>
                                         </p:tgtEl>
@@ -35452,7 +41842,7 @@
                                         <p:tgtEl>
                                           <p:spTgt spid="3">
                                             <p:txEl>
-                                              <p:pRg st="2" end="2"/>
+                                              <p:pRg st="3" end="3"/>
                                             </p:txEl>
                                           </p:spTgt>
                                         </p:tgtEl>
@@ -35501,7 +41891,7 @@
                                         <p:tgtEl>
                                           <p:spTgt spid="3">
                                             <p:txEl>
-                                              <p:pRg st="3" end="3"/>
+                                              <p:pRg st="4" end="4"/>
                                             </p:txEl>
                                           </p:spTgt>
                                         </p:tgtEl>
@@ -35550,7 +41940,7 @@
                                         <p:tgtEl>
                                           <p:spTgt spid="3">
                                             <p:txEl>
-                                              <p:pRg st="4" end="4"/>
+                                              <p:pRg st="5" end="5"/>
                                             </p:txEl>
                                           </p:spTgt>
                                         </p:tgtEl>
@@ -35599,7 +41989,7 @@
                                         <p:tgtEl>
                                           <p:spTgt spid="3">
                                             <p:txEl>
-                                              <p:pRg st="5" end="5"/>
+                                              <p:pRg st="6" end="6"/>
                                             </p:txEl>
                                           </p:spTgt>
                                         </p:tgtEl>
@@ -35648,7 +42038,7 @@
                                         <p:tgtEl>
                                           <p:spTgt spid="3">
                                             <p:txEl>
-                                              <p:pRg st="6" end="6"/>
+                                              <p:pRg st="7" end="7"/>
                                             </p:txEl>
                                           </p:spTgt>
                                         </p:tgtEl>
@@ -35697,7 +42087,7 @@
                                         <p:tgtEl>
                                           <p:spTgt spid="3">
                                             <p:txEl>
-                                              <p:pRg st="7" end="7"/>
+                                              <p:pRg st="8" end="8"/>
                                             </p:txEl>
                                           </p:spTgt>
                                         </p:tgtEl>
@@ -35739,55 +42129,6 @@
                                     <p:set>
                                       <p:cBhvr>
                                         <p:cTn id="38" dur="1" fill="hold">
-                                          <p:stCondLst>
-                                            <p:cond delay="0"/>
-                                          </p:stCondLst>
-                                        </p:cTn>
-                                        <p:tgtEl>
-                                          <p:spTgt spid="3">
-                                            <p:txEl>
-                                              <p:pRg st="8" end="8"/>
-                                            </p:txEl>
-                                          </p:spTgt>
-                                        </p:tgtEl>
-                                        <p:attrNameLst>
-                                          <p:attrName>style.visibility</p:attrName>
-                                        </p:attrNameLst>
-                                      </p:cBhvr>
-                                      <p:to>
-                                        <p:strVal val="visible"/>
-                                      </p:to>
-                                    </p:set>
-                                  </p:childTnLst>
-                                </p:cTn>
-                              </p:par>
-                            </p:childTnLst>
-                          </p:cTn>
-                        </p:par>
-                      </p:childTnLst>
-                    </p:cTn>
-                  </p:par>
-                  <p:par>
-                    <p:cTn id="39" fill="hold">
-                      <p:stCondLst>
-                        <p:cond delay="indefinite"/>
-                      </p:stCondLst>
-                      <p:childTnLst>
-                        <p:par>
-                          <p:cTn id="40" fill="hold">
-                            <p:stCondLst>
-                              <p:cond delay="0"/>
-                            </p:stCondLst>
-                            <p:childTnLst>
-                              <p:par>
-                                <p:cTn id="41" presetID="1" presetClass="entr" presetSubtype="0" fill="hold" nodeType="clickEffect">
-                                  <p:stCondLst>
-                                    <p:cond delay="0"/>
-                                  </p:stCondLst>
-                                  <p:childTnLst>
-                                    <p:set>
-                                      <p:cBhvr>
-                                        <p:cTn id="42" dur="1" fill="hold">
                                           <p:stCondLst>
                                             <p:cond delay="0"/>
                                           </p:stCondLst>
@@ -35841,7 +42182,7 @@
 </p:sld>
 </file>
 
-<file path=ppt/slides/slide38.xml><?xml version="1.0" encoding="utf-8"?>
+<file path=ppt/slides/slide43.xml><?xml version="1.0" encoding="utf-8"?>
 <p:sld xmlns:a="http://schemas.openxmlformats.org/drawingml/2006/main" xmlns:r="http://schemas.openxmlformats.org/officeDocument/2006/relationships" xmlns:p="http://schemas.openxmlformats.org/presentationml/2006/main">
   <p:cSld>
     <p:spTree>
@@ -35965,8 +42306,33 @@
           <a:p>
             <a:r>
               <a:rPr lang="en-US" dirty="0"/>
-              <a:t>Many variations for cardinality and streaming</a:t>
-            </a:r>
+              <a:t>For a review of many variations discrete events for large-scale streams see </a:t>
+            </a:r>
+            <a:r>
+              <a:rPr lang="en-US" dirty="0">
+                <a:hlinkClick r:id="rId4"/>
+              </a:rPr>
+              <a:t>Algorithms and Structures for Massive Data Sets, </a:t>
+            </a:r>
+            <a:r>
+              <a:rPr lang="en-US" dirty="0" err="1">
+                <a:hlinkClick r:id="rId4"/>
+              </a:rPr>
+              <a:t>Medjodovic</a:t>
+            </a:r>
+            <a:r>
+              <a:rPr lang="en-US" dirty="0">
+                <a:hlinkClick r:id="rId4"/>
+              </a:rPr>
+              <a:t>, et al., 2022, Manning</a:t>
+            </a:r>
+            <a:r>
+              <a:rPr lang="en-US" dirty="0"/>
+              <a:t>   </a:t>
+            </a:r>
+          </a:p>
+          <a:p>
+            <a:endParaRPr lang="en-US" dirty="0"/>
           </a:p>
           <a:p>
             <a:endParaRPr lang="en-US" dirty="0"/>
@@ -36079,7 +42445,7 @@
                                         <p:tgtEl>
                                           <p:spTgt spid="3">
                                             <p:txEl>
-                                              <p:pRg st="0" end="0"/>
+                                              <p:pRg st="1" end="1"/>
                                             </p:txEl>
                                           </p:spTgt>
                                         </p:tgtEl>
@@ -36128,7 +42494,7 @@
                                         <p:tgtEl>
                                           <p:spTgt spid="3">
                                             <p:txEl>
-                                              <p:pRg st="1" end="1"/>
+                                              <p:pRg st="2" end="2"/>
                                             </p:txEl>
                                           </p:spTgt>
                                         </p:tgtEl>
@@ -36177,7 +42543,7 @@
                                         <p:tgtEl>
                                           <p:spTgt spid="3">
                                             <p:txEl>
-                                              <p:pRg st="2" end="2"/>
+                                              <p:pRg st="3" end="3"/>
                                             </p:txEl>
                                           </p:spTgt>
                                         </p:tgtEl>
@@ -36226,7 +42592,7 @@
                                         <p:tgtEl>
                                           <p:spTgt spid="3">
                                             <p:txEl>
-                                              <p:pRg st="3" end="3"/>
+                                              <p:pRg st="4" end="4"/>
                                             </p:txEl>
                                           </p:spTgt>
                                         </p:tgtEl>
@@ -36268,55 +42634,6 @@
                                     <p:set>
                                       <p:cBhvr>
                                         <p:cTn id="22" dur="1" fill="hold">
-                                          <p:stCondLst>
-                                            <p:cond delay="0"/>
-                                          </p:stCondLst>
-                                        </p:cTn>
-                                        <p:tgtEl>
-                                          <p:spTgt spid="3">
-                                            <p:txEl>
-                                              <p:pRg st="4" end="4"/>
-                                            </p:txEl>
-                                          </p:spTgt>
-                                        </p:tgtEl>
-                                        <p:attrNameLst>
-                                          <p:attrName>style.visibility</p:attrName>
-                                        </p:attrNameLst>
-                                      </p:cBhvr>
-                                      <p:to>
-                                        <p:strVal val="visible"/>
-                                      </p:to>
-                                    </p:set>
-                                  </p:childTnLst>
-                                </p:cTn>
-                              </p:par>
-                            </p:childTnLst>
-                          </p:cTn>
-                        </p:par>
-                      </p:childTnLst>
-                    </p:cTn>
-                  </p:par>
-                  <p:par>
-                    <p:cTn id="23" fill="hold">
-                      <p:stCondLst>
-                        <p:cond delay="indefinite"/>
-                      </p:stCondLst>
-                      <p:childTnLst>
-                        <p:par>
-                          <p:cTn id="24" fill="hold">
-                            <p:stCondLst>
-                              <p:cond delay="0"/>
-                            </p:stCondLst>
-                            <p:childTnLst>
-                              <p:par>
-                                <p:cTn id="25" presetID="1" presetClass="entr" presetSubtype="0" fill="hold" nodeType="clickEffect">
-                                  <p:stCondLst>
-                                    <p:cond delay="0"/>
-                                  </p:stCondLst>
-                                  <p:childTnLst>
-                                    <p:set>
-                                      <p:cBhvr>
-                                        <p:cTn id="26" dur="1" fill="hold">
                                           <p:stCondLst>
                                             <p:cond delay="0"/>
                                           </p:stCondLst>
@@ -36370,7 +42687,7 @@
 </p:sld>
 </file>
 
-<file path=ppt/slides/slide39.xml><?xml version="1.0" encoding="utf-8"?>
+<file path=ppt/slides/slide44.xml><?xml version="1.0" encoding="utf-8"?>
 <p:sld xmlns:a="http://schemas.openxmlformats.org/drawingml/2006/main" xmlns:r="http://schemas.openxmlformats.org/officeDocument/2006/relationships" xmlns:p="http://schemas.openxmlformats.org/presentationml/2006/main">
   <p:cSld>
     <p:spTree>
@@ -36583,7 +42900,7 @@
                                         <p:tgtEl>
                                           <p:spTgt spid="3">
                                             <p:txEl>
-                                              <p:pRg st="0" end="0"/>
+                                              <p:pRg st="1" end="1"/>
                                             </p:txEl>
                                           </p:spTgt>
                                         </p:tgtEl>
@@ -36632,7 +42949,7 @@
                                         <p:tgtEl>
                                           <p:spTgt spid="3">
                                             <p:txEl>
-                                              <p:pRg st="1" end="1"/>
+                                              <p:pRg st="2" end="2"/>
                                             </p:txEl>
                                           </p:spTgt>
                                         </p:tgtEl>
@@ -36681,7 +42998,7 @@
                                         <p:tgtEl>
                                           <p:spTgt spid="3">
                                             <p:txEl>
-                                              <p:pRg st="2" end="2"/>
+                                              <p:pRg st="3" end="3"/>
                                             </p:txEl>
                                           </p:spTgt>
                                         </p:tgtEl>
@@ -36730,7 +43047,7 @@
                                         <p:tgtEl>
                                           <p:spTgt spid="3">
                                             <p:txEl>
-                                              <p:pRg st="3" end="3"/>
+                                              <p:pRg st="4" end="4"/>
                                             </p:txEl>
                                           </p:spTgt>
                                         </p:tgtEl>
@@ -36772,55 +43089,6 @@
                                     <p:set>
                                       <p:cBhvr>
                                         <p:cTn id="22" dur="1" fill="hold">
-                                          <p:stCondLst>
-                                            <p:cond delay="0"/>
-                                          </p:stCondLst>
-                                        </p:cTn>
-                                        <p:tgtEl>
-                                          <p:spTgt spid="3">
-                                            <p:txEl>
-                                              <p:pRg st="4" end="4"/>
-                                            </p:txEl>
-                                          </p:spTgt>
-                                        </p:tgtEl>
-                                        <p:attrNameLst>
-                                          <p:attrName>style.visibility</p:attrName>
-                                        </p:attrNameLst>
-                                      </p:cBhvr>
-                                      <p:to>
-                                        <p:strVal val="visible"/>
-                                      </p:to>
-                                    </p:set>
-                                  </p:childTnLst>
-                                </p:cTn>
-                              </p:par>
-                            </p:childTnLst>
-                          </p:cTn>
-                        </p:par>
-                      </p:childTnLst>
-                    </p:cTn>
-                  </p:par>
-                  <p:par>
-                    <p:cTn id="23" fill="hold">
-                      <p:stCondLst>
-                        <p:cond delay="indefinite"/>
-                      </p:stCondLst>
-                      <p:childTnLst>
-                        <p:par>
-                          <p:cTn id="24" fill="hold">
-                            <p:stCondLst>
-                              <p:cond delay="0"/>
-                            </p:stCondLst>
-                            <p:childTnLst>
-                              <p:par>
-                                <p:cTn id="25" presetID="1" presetClass="entr" presetSubtype="0" fill="hold" nodeType="clickEffect">
-                                  <p:stCondLst>
-                                    <p:cond delay="0"/>
-                                  </p:stCondLst>
-                                  <p:childTnLst>
-                                    <p:set>
-                                      <p:cBhvr>
-                                        <p:cTn id="26" dur="1" fill="hold">
                                           <p:stCondLst>
                                             <p:cond delay="0"/>
                                           </p:stCondLst>
@@ -36874,580 +43142,7 @@
 </p:sld>
 </file>
 
-<file path=ppt/slides/slide4.xml><?xml version="1.0" encoding="utf-8"?>
-<p:sld xmlns:a="http://schemas.openxmlformats.org/drawingml/2006/main" xmlns:r="http://schemas.openxmlformats.org/officeDocument/2006/relationships" xmlns:p="http://schemas.openxmlformats.org/presentationml/2006/main">
-  <p:cSld>
-    <p:spTree>
-      <p:nvGrpSpPr>
-        <p:cNvPr id="1" name=""/>
-        <p:cNvGrpSpPr/>
-        <p:nvPr/>
-      </p:nvGrpSpPr>
-      <p:grpSpPr>
-        <a:xfrm>
-          <a:off x="0" y="0"/>
-          <a:ext cx="0" cy="0"/>
-          <a:chOff x="0" y="0"/>
-          <a:chExt cx="0" cy="0"/>
-        </a:xfrm>
-      </p:grpSpPr>
-      <p:sp>
-        <p:nvSpPr>
-          <p:cNvPr id="3" name="Content Placeholder 2">
-            <a:extLst>
-              <a:ext uri="{FF2B5EF4-FFF2-40B4-BE49-F238E27FC236}">
-                <a16:creationId xmlns:a16="http://schemas.microsoft.com/office/drawing/2014/main" id="{258E6AF3-7615-4BD1-878E-A94C93E98F90}"/>
-              </a:ext>
-            </a:extLst>
-          </p:cNvPr>
-          <p:cNvSpPr>
-            <a:spLocks noGrp="1"/>
-          </p:cNvSpPr>
-          <p:nvPr>
-            <p:ph idx="1"/>
-          </p:nvPr>
-        </p:nvSpPr>
-        <p:spPr>
-          <a:xfrm>
-            <a:off x="784412" y="1324928"/>
-            <a:ext cx="10515600" cy="4958516"/>
-          </a:xfrm>
-        </p:spPr>
-        <p:txBody>
-          <a:bodyPr/>
-          <a:lstStyle/>
-          <a:p>
-            <a:pPr marL="0" indent="0">
-              <a:buNone/>
-            </a:pPr>
-            <a:r>
-              <a:rPr lang="en-US" sz="3200" dirty="0"/>
-              <a:t>Difficulties with streaming analytics      </a:t>
-            </a:r>
-            <a:endParaRPr lang="en-US" sz="3200" b="1" dirty="0"/>
-          </a:p>
-          <a:p>
-            <a:r>
-              <a:rPr lang="en-US" dirty="0"/>
-              <a:t>Data volumes can be massive   </a:t>
-            </a:r>
-          </a:p>
-          <a:p>
-            <a:r>
-              <a:rPr lang="en-US" dirty="0"/>
-              <a:t>2</a:t>
-            </a:r>
-            <a:r>
-              <a:rPr lang="en-US" baseline="30000" dirty="0"/>
-              <a:t>nd</a:t>
-            </a:r>
-            <a:r>
-              <a:rPr lang="en-US" dirty="0"/>
-              <a:t> Example – Large scale    </a:t>
-            </a:r>
-          </a:p>
-          <a:p>
-            <a:pPr lvl="1"/>
-            <a:r>
-              <a:rPr lang="en-US" dirty="0"/>
-              <a:t>Power company with real-time energy monitoring of 10</a:t>
-            </a:r>
-            <a:r>
-              <a:rPr lang="en-US" baseline="30000" dirty="0"/>
-              <a:t>7</a:t>
-            </a:r>
-            <a:r>
-              <a:rPr lang="en-US" dirty="0"/>
-              <a:t> customer sites    </a:t>
-            </a:r>
-          </a:p>
-          <a:p>
-            <a:pPr lvl="1"/>
-            <a:r>
-              <a:rPr lang="en-US" dirty="0"/>
-              <a:t>4 bytes every 10 </a:t>
-            </a:r>
-            <a:r>
-              <a:rPr lang="en-US" dirty="0" err="1"/>
-              <a:t>ms</a:t>
-            </a:r>
-            <a:r>
-              <a:rPr lang="en-US" dirty="0"/>
-              <a:t> per customer  </a:t>
-            </a:r>
-          </a:p>
-          <a:p>
-            <a:pPr lvl="1"/>
-            <a:r>
-              <a:rPr lang="en-US" dirty="0"/>
-              <a:t>34,560 bytes per customer per day   </a:t>
-            </a:r>
-          </a:p>
-          <a:p>
-            <a:pPr lvl="1"/>
-            <a:r>
-              <a:rPr lang="en-US" dirty="0"/>
-              <a:t>346 M bytes total per day </a:t>
-            </a:r>
-          </a:p>
-          <a:p>
-            <a:pPr lvl="1"/>
-            <a:r>
-              <a:rPr lang="en-US" dirty="0"/>
-              <a:t>126 T bytes per year  </a:t>
-            </a:r>
-          </a:p>
-          <a:p>
-            <a:r>
-              <a:rPr lang="en-US" dirty="0"/>
-              <a:t>Network bandwidth is limited </a:t>
-            </a:r>
-          </a:p>
-        </p:txBody>
-      </p:sp>
-      <p:sp>
-        <p:nvSpPr>
-          <p:cNvPr id="6" name="Title 1">
-            <a:extLst>
-              <a:ext uri="{FF2B5EF4-FFF2-40B4-BE49-F238E27FC236}">
-                <a16:creationId xmlns:a16="http://schemas.microsoft.com/office/drawing/2014/main" id="{CD29F70F-B868-451B-A65D-8721F4C7A2D9}"/>
-              </a:ext>
-            </a:extLst>
-          </p:cNvPr>
-          <p:cNvSpPr txBox="1">
-            <a:spLocks/>
-          </p:cNvSpPr>
-          <p:nvPr/>
-        </p:nvSpPr>
-        <p:spPr>
-          <a:xfrm>
-            <a:off x="838200" y="-635"/>
-            <a:ext cx="10515600" cy="1325563"/>
-          </a:xfrm>
-          <a:prstGeom prst="rect">
-            <a:avLst/>
-          </a:prstGeom>
-        </p:spPr>
-        <p:txBody>
-          <a:bodyPr vert="horz" lIns="91440" tIns="45720" rIns="91440" bIns="45720" rtlCol="0" anchor="ctr">
-            <a:normAutofit/>
-          </a:bodyPr>
-          <a:lstStyle>
-            <a:lvl1pPr algn="l" defTabSz="914400" rtl="0" eaLnBrk="1" latinLnBrk="0" hangingPunct="1">
-              <a:lnSpc>
-                <a:spcPct val="90000"/>
-              </a:lnSpc>
-              <a:spcBef>
-                <a:spcPct val="0"/>
-              </a:spcBef>
-              <a:buNone/>
-              <a:defRPr sz="4400" kern="1200">
-                <a:solidFill>
-                  <a:schemeClr val="tx1"/>
-                </a:solidFill>
-                <a:latin typeface="+mj-lt"/>
-                <a:ea typeface="+mj-ea"/>
-                <a:cs typeface="+mj-cs"/>
-              </a:defRPr>
-            </a:lvl1pPr>
-          </a:lstStyle>
-          <a:p>
-            <a:r>
-              <a:rPr lang="en-US" dirty="0">
-                <a:latin typeface="+mn-lt"/>
-              </a:rPr>
-              <a:t>Streaming Analytics</a:t>
-            </a:r>
-          </a:p>
-        </p:txBody>
-      </p:sp>
-    </p:spTree>
-    <p:extLst>
-      <p:ext uri="{BB962C8B-B14F-4D97-AF65-F5344CB8AC3E}">
-        <p14:creationId xmlns:p14="http://schemas.microsoft.com/office/powerpoint/2010/main" val="3854372621"/>
-      </p:ext>
-    </p:extLst>
-  </p:cSld>
-  <p:clrMapOvr>
-    <a:masterClrMapping/>
-  </p:clrMapOvr>
-  <p:timing>
-    <p:tnLst>
-      <p:par>
-        <p:cTn id="1" dur="indefinite" restart="never" nodeType="tmRoot">
-          <p:childTnLst>
-            <p:seq concurrent="1" nextAc="seek">
-              <p:cTn id="2" dur="indefinite" nodeType="mainSeq">
-                <p:childTnLst>
-                  <p:par>
-                    <p:cTn id="3" fill="hold">
-                      <p:stCondLst>
-                        <p:cond delay="indefinite"/>
-                      </p:stCondLst>
-                      <p:childTnLst>
-                        <p:par>
-                          <p:cTn id="4" fill="hold">
-                            <p:stCondLst>
-                              <p:cond delay="0"/>
-                            </p:stCondLst>
-                            <p:childTnLst>
-                              <p:par>
-                                <p:cTn id="5" presetID="1" presetClass="entr" presetSubtype="0" fill="hold" nodeType="clickEffect">
-                                  <p:stCondLst>
-                                    <p:cond delay="0"/>
-                                  </p:stCondLst>
-                                  <p:childTnLst>
-                                    <p:set>
-                                      <p:cBhvr>
-                                        <p:cTn id="6" dur="1" fill="hold">
-                                          <p:stCondLst>
-                                            <p:cond delay="0"/>
-                                          </p:stCondLst>
-                                        </p:cTn>
-                                        <p:tgtEl>
-                                          <p:spTgt spid="3">
-                                            <p:txEl>
-                                              <p:pRg st="2" end="2"/>
-                                            </p:txEl>
-                                          </p:spTgt>
-                                        </p:tgtEl>
-                                        <p:attrNameLst>
-                                          <p:attrName>style.visibility</p:attrName>
-                                        </p:attrNameLst>
-                                      </p:cBhvr>
-                                      <p:to>
-                                        <p:strVal val="visible"/>
-                                      </p:to>
-                                    </p:set>
-                                  </p:childTnLst>
-                                </p:cTn>
-                              </p:par>
-                            </p:childTnLst>
-                          </p:cTn>
-                        </p:par>
-                      </p:childTnLst>
-                    </p:cTn>
-                  </p:par>
-                  <p:par>
-                    <p:cTn id="7" fill="hold">
-                      <p:stCondLst>
-                        <p:cond delay="indefinite"/>
-                      </p:stCondLst>
-                      <p:childTnLst>
-                        <p:par>
-                          <p:cTn id="8" fill="hold">
-                            <p:stCondLst>
-                              <p:cond delay="0"/>
-                            </p:stCondLst>
-                            <p:childTnLst>
-                              <p:par>
-                                <p:cTn id="9" presetID="1" presetClass="entr" presetSubtype="0" fill="hold" nodeType="clickEffect">
-                                  <p:stCondLst>
-                                    <p:cond delay="0"/>
-                                  </p:stCondLst>
-                                  <p:childTnLst>
-                                    <p:set>
-                                      <p:cBhvr>
-                                        <p:cTn id="10" dur="1" fill="hold">
-                                          <p:stCondLst>
-                                            <p:cond delay="0"/>
-                                          </p:stCondLst>
-                                        </p:cTn>
-                                        <p:tgtEl>
-                                          <p:spTgt spid="3">
-                                            <p:txEl>
-                                              <p:pRg st="3" end="3"/>
-                                            </p:txEl>
-                                          </p:spTgt>
-                                        </p:tgtEl>
-                                        <p:attrNameLst>
-                                          <p:attrName>style.visibility</p:attrName>
-                                        </p:attrNameLst>
-                                      </p:cBhvr>
-                                      <p:to>
-                                        <p:strVal val="visible"/>
-                                      </p:to>
-                                    </p:set>
-                                  </p:childTnLst>
-                                </p:cTn>
-                              </p:par>
-                            </p:childTnLst>
-                          </p:cTn>
-                        </p:par>
-                      </p:childTnLst>
-                    </p:cTn>
-                  </p:par>
-                  <p:par>
-                    <p:cTn id="11" fill="hold">
-                      <p:stCondLst>
-                        <p:cond delay="indefinite"/>
-                      </p:stCondLst>
-                      <p:childTnLst>
-                        <p:par>
-                          <p:cTn id="12" fill="hold">
-                            <p:stCondLst>
-                              <p:cond delay="0"/>
-                            </p:stCondLst>
-                            <p:childTnLst>
-                              <p:par>
-                                <p:cTn id="13" presetID="1" presetClass="entr" presetSubtype="0" fill="hold" nodeType="clickEffect">
-                                  <p:stCondLst>
-                                    <p:cond delay="0"/>
-                                  </p:stCondLst>
-                                  <p:childTnLst>
-                                    <p:set>
-                                      <p:cBhvr>
-                                        <p:cTn id="14" dur="1" fill="hold">
-                                          <p:stCondLst>
-                                            <p:cond delay="0"/>
-                                          </p:stCondLst>
-                                        </p:cTn>
-                                        <p:tgtEl>
-                                          <p:spTgt spid="3">
-                                            <p:txEl>
-                                              <p:pRg st="4" end="4"/>
-                                            </p:txEl>
-                                          </p:spTgt>
-                                        </p:tgtEl>
-                                        <p:attrNameLst>
-                                          <p:attrName>style.visibility</p:attrName>
-                                        </p:attrNameLst>
-                                      </p:cBhvr>
-                                      <p:to>
-                                        <p:strVal val="visible"/>
-                                      </p:to>
-                                    </p:set>
-                                  </p:childTnLst>
-                                </p:cTn>
-                              </p:par>
-                            </p:childTnLst>
-                          </p:cTn>
-                        </p:par>
-                      </p:childTnLst>
-                    </p:cTn>
-                  </p:par>
-                  <p:par>
-                    <p:cTn id="15" fill="hold">
-                      <p:stCondLst>
-                        <p:cond delay="indefinite"/>
-                      </p:stCondLst>
-                      <p:childTnLst>
-                        <p:par>
-                          <p:cTn id="16" fill="hold">
-                            <p:stCondLst>
-                              <p:cond delay="0"/>
-                            </p:stCondLst>
-                            <p:childTnLst>
-                              <p:par>
-                                <p:cTn id="17" presetID="1" presetClass="entr" presetSubtype="0" fill="hold" nodeType="clickEffect">
-                                  <p:stCondLst>
-                                    <p:cond delay="0"/>
-                                  </p:stCondLst>
-                                  <p:childTnLst>
-                                    <p:set>
-                                      <p:cBhvr>
-                                        <p:cTn id="18" dur="1" fill="hold">
-                                          <p:stCondLst>
-                                            <p:cond delay="0"/>
-                                          </p:stCondLst>
-                                        </p:cTn>
-                                        <p:tgtEl>
-                                          <p:spTgt spid="3">
-                                            <p:txEl>
-                                              <p:pRg st="5" end="5"/>
-                                            </p:txEl>
-                                          </p:spTgt>
-                                        </p:tgtEl>
-                                        <p:attrNameLst>
-                                          <p:attrName>style.visibility</p:attrName>
-                                        </p:attrNameLst>
-                                      </p:cBhvr>
-                                      <p:to>
-                                        <p:strVal val="visible"/>
-                                      </p:to>
-                                    </p:set>
-                                  </p:childTnLst>
-                                </p:cTn>
-                              </p:par>
-                            </p:childTnLst>
-                          </p:cTn>
-                        </p:par>
-                      </p:childTnLst>
-                    </p:cTn>
-                  </p:par>
-                  <p:par>
-                    <p:cTn id="19" fill="hold">
-                      <p:stCondLst>
-                        <p:cond delay="indefinite"/>
-                      </p:stCondLst>
-                      <p:childTnLst>
-                        <p:par>
-                          <p:cTn id="20" fill="hold">
-                            <p:stCondLst>
-                              <p:cond delay="0"/>
-                            </p:stCondLst>
-                            <p:childTnLst>
-                              <p:par>
-                                <p:cTn id="21" presetID="1" presetClass="entr" presetSubtype="0" fill="hold" nodeType="clickEffect">
-                                  <p:stCondLst>
-                                    <p:cond delay="0"/>
-                                  </p:stCondLst>
-                                  <p:childTnLst>
-                                    <p:set>
-                                      <p:cBhvr>
-                                        <p:cTn id="22" dur="1" fill="hold">
-                                          <p:stCondLst>
-                                            <p:cond delay="0"/>
-                                          </p:stCondLst>
-                                        </p:cTn>
-                                        <p:tgtEl>
-                                          <p:spTgt spid="3">
-                                            <p:txEl>
-                                              <p:pRg st="6" end="6"/>
-                                            </p:txEl>
-                                          </p:spTgt>
-                                        </p:tgtEl>
-                                        <p:attrNameLst>
-                                          <p:attrName>style.visibility</p:attrName>
-                                        </p:attrNameLst>
-                                      </p:cBhvr>
-                                      <p:to>
-                                        <p:strVal val="visible"/>
-                                      </p:to>
-                                    </p:set>
-                                  </p:childTnLst>
-                                </p:cTn>
-                              </p:par>
-                            </p:childTnLst>
-                          </p:cTn>
-                        </p:par>
-                      </p:childTnLst>
-                    </p:cTn>
-                  </p:par>
-                  <p:par>
-                    <p:cTn id="23" fill="hold">
-                      <p:stCondLst>
-                        <p:cond delay="indefinite"/>
-                      </p:stCondLst>
-                      <p:childTnLst>
-                        <p:par>
-                          <p:cTn id="24" fill="hold">
-                            <p:stCondLst>
-                              <p:cond delay="0"/>
-                            </p:stCondLst>
-                            <p:childTnLst>
-                              <p:par>
-                                <p:cTn id="25" presetID="1" presetClass="entr" presetSubtype="0" fill="hold" nodeType="clickEffect">
-                                  <p:stCondLst>
-                                    <p:cond delay="0"/>
-                                  </p:stCondLst>
-                                  <p:childTnLst>
-                                    <p:set>
-                                      <p:cBhvr>
-                                        <p:cTn id="26" dur="1" fill="hold">
-                                          <p:stCondLst>
-                                            <p:cond delay="0"/>
-                                          </p:stCondLst>
-                                        </p:cTn>
-                                        <p:tgtEl>
-                                          <p:spTgt spid="3">
-                                            <p:txEl>
-                                              <p:pRg st="7" end="7"/>
-                                            </p:txEl>
-                                          </p:spTgt>
-                                        </p:tgtEl>
-                                        <p:attrNameLst>
-                                          <p:attrName>style.visibility</p:attrName>
-                                        </p:attrNameLst>
-                                      </p:cBhvr>
-                                      <p:to>
-                                        <p:strVal val="visible"/>
-                                      </p:to>
-                                    </p:set>
-                                  </p:childTnLst>
-                                </p:cTn>
-                              </p:par>
-                            </p:childTnLst>
-                          </p:cTn>
-                        </p:par>
-                      </p:childTnLst>
-                    </p:cTn>
-                  </p:par>
-                  <p:par>
-                    <p:cTn id="27" fill="hold">
-                      <p:stCondLst>
-                        <p:cond delay="indefinite"/>
-                      </p:stCondLst>
-                      <p:childTnLst>
-                        <p:par>
-                          <p:cTn id="28" fill="hold">
-                            <p:stCondLst>
-                              <p:cond delay="0"/>
-                            </p:stCondLst>
-                            <p:childTnLst>
-                              <p:par>
-                                <p:cTn id="29" presetID="1" presetClass="entr" presetSubtype="0" fill="hold" nodeType="clickEffect">
-                                  <p:stCondLst>
-                                    <p:cond delay="0"/>
-                                  </p:stCondLst>
-                                  <p:childTnLst>
-                                    <p:set>
-                                      <p:cBhvr>
-                                        <p:cTn id="30" dur="1" fill="hold">
-                                          <p:stCondLst>
-                                            <p:cond delay="0"/>
-                                          </p:stCondLst>
-                                        </p:cTn>
-                                        <p:tgtEl>
-                                          <p:spTgt spid="3">
-                                            <p:txEl>
-                                              <p:pRg st="8" end="8"/>
-                                            </p:txEl>
-                                          </p:spTgt>
-                                        </p:tgtEl>
-                                        <p:attrNameLst>
-                                          <p:attrName>style.visibility</p:attrName>
-                                        </p:attrNameLst>
-                                      </p:cBhvr>
-                                      <p:to>
-                                        <p:strVal val="visible"/>
-                                      </p:to>
-                                    </p:set>
-                                  </p:childTnLst>
-                                </p:cTn>
-                              </p:par>
-                            </p:childTnLst>
-                          </p:cTn>
-                        </p:par>
-                      </p:childTnLst>
-                    </p:cTn>
-                  </p:par>
-                </p:childTnLst>
-              </p:cTn>
-              <p:prevCondLst>
-                <p:cond evt="onPrev" delay="0">
-                  <p:tgtEl>
-                    <p:sldTgt/>
-                  </p:tgtEl>
-                </p:cond>
-              </p:prevCondLst>
-              <p:nextCondLst>
-                <p:cond evt="onNext" delay="0">
-                  <p:tgtEl>
-                    <p:sldTgt/>
-                  </p:tgtEl>
-                </p:cond>
-              </p:nextCondLst>
-            </p:seq>
-          </p:childTnLst>
-        </p:cTn>
-      </p:par>
-    </p:tnLst>
-  </p:timing>
-</p:sld>
-</file>
-
-<file path=ppt/slides/slide40.xml><?xml version="1.0" encoding="utf-8"?>
+<file path=ppt/slides/slide45.xml><?xml version="1.0" encoding="utf-8"?>
 <p:sld xmlns:a="http://schemas.openxmlformats.org/drawingml/2006/main" xmlns:r="http://schemas.openxmlformats.org/officeDocument/2006/relationships" xmlns:p="http://schemas.openxmlformats.org/presentationml/2006/main">
   <p:cSld>
     <p:spTree>
@@ -38234,7 +43929,7 @@
 </p:sld>
 </file>
 
-<file path=ppt/slides/slide41.xml><?xml version="1.0" encoding="utf-8"?>
+<file path=ppt/slides/slide46.xml><?xml version="1.0" encoding="utf-8"?>
 <p:sld xmlns:a="http://schemas.openxmlformats.org/drawingml/2006/main" xmlns:r="http://schemas.openxmlformats.org/officeDocument/2006/relationships" xmlns:p="http://schemas.openxmlformats.org/presentationml/2006/main">
   <p:cSld>
     <p:spTree>

--- a/slides/3_StreamingAnalytics.pptx
+++ b/slides/3_StreamingAnalytics.pptx
@@ -245,7 +245,7 @@
           <a:p>
             <a:fld id="{2F3ABF1A-8818-4472-8518-E71DC7B5D2F7}" type="datetimeFigureOut">
               <a:rPr lang="en-US" smtClean="0"/>
-              <a:t>6/22/2023</a:t>
+              <a:t>6/27/2023</a:t>
             </a:fld>
             <a:endParaRPr lang="en-US"/>
           </a:p>
@@ -827,7 +827,7 @@
           <a:p>
             <a:fld id="{6E4A31BF-7266-4BEB-918B-ADC21C630A6F}" type="datetimeFigureOut">
               <a:rPr lang="en-US" smtClean="0"/>
-              <a:t>6/22/2023</a:t>
+              <a:t>6/27/2023</a:t>
             </a:fld>
             <a:endParaRPr lang="en-US"/>
           </a:p>
@@ -1025,7 +1025,7 @@
           <a:p>
             <a:fld id="{6E4A31BF-7266-4BEB-918B-ADC21C630A6F}" type="datetimeFigureOut">
               <a:rPr lang="en-US" smtClean="0"/>
-              <a:t>6/22/2023</a:t>
+              <a:t>6/27/2023</a:t>
             </a:fld>
             <a:endParaRPr lang="en-US"/>
           </a:p>
@@ -1233,7 +1233,7 @@
           <a:p>
             <a:fld id="{6E4A31BF-7266-4BEB-918B-ADC21C630A6F}" type="datetimeFigureOut">
               <a:rPr lang="en-US" smtClean="0"/>
-              <a:t>6/22/2023</a:t>
+              <a:t>6/27/2023</a:t>
             </a:fld>
             <a:endParaRPr lang="en-US"/>
           </a:p>
@@ -1431,7 +1431,7 @@
           <a:p>
             <a:fld id="{6E4A31BF-7266-4BEB-918B-ADC21C630A6F}" type="datetimeFigureOut">
               <a:rPr lang="en-US" smtClean="0"/>
-              <a:t>6/22/2023</a:t>
+              <a:t>6/27/2023</a:t>
             </a:fld>
             <a:endParaRPr lang="en-US"/>
           </a:p>
@@ -1706,7 +1706,7 @@
           <a:p>
             <a:fld id="{6E4A31BF-7266-4BEB-918B-ADC21C630A6F}" type="datetimeFigureOut">
               <a:rPr lang="en-US" smtClean="0"/>
-              <a:t>6/22/2023</a:t>
+              <a:t>6/27/2023</a:t>
             </a:fld>
             <a:endParaRPr lang="en-US"/>
           </a:p>
@@ -1971,7 +1971,7 @@
           <a:p>
             <a:fld id="{6E4A31BF-7266-4BEB-918B-ADC21C630A6F}" type="datetimeFigureOut">
               <a:rPr lang="en-US" smtClean="0"/>
-              <a:t>6/22/2023</a:t>
+              <a:t>6/27/2023</a:t>
             </a:fld>
             <a:endParaRPr lang="en-US"/>
           </a:p>
@@ -2383,7 +2383,7 @@
           <a:p>
             <a:fld id="{6E4A31BF-7266-4BEB-918B-ADC21C630A6F}" type="datetimeFigureOut">
               <a:rPr lang="en-US" smtClean="0"/>
-              <a:t>6/22/2023</a:t>
+              <a:t>6/27/2023</a:t>
             </a:fld>
             <a:endParaRPr lang="en-US"/>
           </a:p>
@@ -2524,7 +2524,7 @@
           <a:p>
             <a:fld id="{6E4A31BF-7266-4BEB-918B-ADC21C630A6F}" type="datetimeFigureOut">
               <a:rPr lang="en-US" smtClean="0"/>
-              <a:t>6/22/2023</a:t>
+              <a:t>6/27/2023</a:t>
             </a:fld>
             <a:endParaRPr lang="en-US"/>
           </a:p>
@@ -2637,7 +2637,7 @@
           <a:p>
             <a:fld id="{6E4A31BF-7266-4BEB-918B-ADC21C630A6F}" type="datetimeFigureOut">
               <a:rPr lang="en-US" smtClean="0"/>
-              <a:t>6/22/2023</a:t>
+              <a:t>6/27/2023</a:t>
             </a:fld>
             <a:endParaRPr lang="en-US"/>
           </a:p>
@@ -2948,7 +2948,7 @@
           <a:p>
             <a:fld id="{6E4A31BF-7266-4BEB-918B-ADC21C630A6F}" type="datetimeFigureOut">
               <a:rPr lang="en-US" smtClean="0"/>
-              <a:t>6/22/2023</a:t>
+              <a:t>6/27/2023</a:t>
             </a:fld>
             <a:endParaRPr lang="en-US"/>
           </a:p>
@@ -3236,7 +3236,7 @@
           <a:p>
             <a:fld id="{6E4A31BF-7266-4BEB-918B-ADC21C630A6F}" type="datetimeFigureOut">
               <a:rPr lang="en-US" smtClean="0"/>
-              <a:t>6/22/2023</a:t>
+              <a:t>6/27/2023</a:t>
             </a:fld>
             <a:endParaRPr lang="en-US"/>
           </a:p>
@@ -3477,7 +3477,7 @@
           <a:p>
             <a:fld id="{6E4A31BF-7266-4BEB-918B-ADC21C630A6F}" type="datetimeFigureOut">
               <a:rPr lang="en-US" smtClean="0"/>
-              <a:t>6/22/2023</a:t>
+              <a:t>6/27/2023</a:t>
             </a:fld>
             <a:endParaRPr lang="en-US"/>
           </a:p>
@@ -7147,6 +7147,14 @@
             </a:r>
           </a:p>
           <a:p>
+            <a:pPr lvl="1"/>
+            <a:r>
+              <a:rPr lang="en-US" b="1" dirty="0"/>
+              <a:t>Only compute difference!</a:t>
+            </a:r>
+            <a:endParaRPr lang="en-US" dirty="0"/>
+          </a:p>
+          <a:p>
             <a:r>
               <a:rPr lang="en-US" dirty="0"/>
               <a:t>Compute and store new estimate of statistic:</a:t>
@@ -7165,13 +7173,7 @@
               <a:rPr lang="en-US" dirty="0"/>
               <a:t>Or at fixed time interval</a:t>
             </a:r>
-          </a:p>
-          <a:p>
-            <a:pPr lvl="1"/>
-            <a:r>
-              <a:rPr lang="en-US" b="1" dirty="0"/>
-              <a:t>Only compute difference!</a:t>
-            </a:r>
+            <a:endParaRPr lang="en-US" b="1" dirty="0"/>
           </a:p>
           <a:p>
             <a:r>
@@ -7378,33 +7380,15 @@
                                   </p:childTnLst>
                                 </p:cTn>
                               </p:par>
-                            </p:childTnLst>
-                          </p:cTn>
-                        </p:par>
-                      </p:childTnLst>
-                    </p:cTn>
-                  </p:par>
-                  <p:par>
-                    <p:cTn id="11" fill="hold">
-                      <p:stCondLst>
-                        <p:cond delay="indefinite"/>
-                      </p:stCondLst>
-                      <p:childTnLst>
-                        <p:par>
-                          <p:cTn id="12" fill="hold">
-                            <p:stCondLst>
-                              <p:cond delay="0"/>
-                            </p:stCondLst>
-                            <p:childTnLst>
                               <p:par>
-                                <p:cTn id="13" presetID="1" presetClass="entr" presetSubtype="0" fill="hold" nodeType="clickEffect">
+                                <p:cTn id="11" presetID="1" presetClass="entr" presetSubtype="0" fill="hold" nodeType="withEffect">
                                   <p:stCondLst>
                                     <p:cond delay="0"/>
                                   </p:stCondLst>
                                   <p:childTnLst>
                                     <p:set>
                                       <p:cBhvr>
-                                        <p:cTn id="14" dur="1" fill="hold">
+                                        <p:cTn id="12" dur="1" fill="hold">
                                           <p:stCondLst>
                                             <p:cond delay="0"/>
                                           </p:stCondLst>
@@ -7427,8 +7411,26 @@
                                   </p:childTnLst>
                                 </p:cTn>
                               </p:par>
+                            </p:childTnLst>
+                          </p:cTn>
+                        </p:par>
+                      </p:childTnLst>
+                    </p:cTn>
+                  </p:par>
+                  <p:par>
+                    <p:cTn id="13" fill="hold">
+                      <p:stCondLst>
+                        <p:cond delay="indefinite"/>
+                      </p:stCondLst>
+                      <p:childTnLst>
+                        <p:par>
+                          <p:cTn id="14" fill="hold">
+                            <p:stCondLst>
+                              <p:cond delay="0"/>
+                            </p:stCondLst>
+                            <p:childTnLst>
                               <p:par>
-                                <p:cTn id="15" presetID="1" presetClass="entr" presetSubtype="0" fill="hold" nodeType="withEffect">
+                                <p:cTn id="15" presetID="1" presetClass="entr" presetSubtype="0" fill="hold" nodeType="clickEffect">
                                   <p:stCondLst>
                                     <p:cond delay="0"/>
                                   </p:stCondLst>
@@ -15834,7 +15836,9 @@
           </a:xfrm>
         </p:spPr>
         <p:txBody>
-          <a:bodyPr/>
+          <a:bodyPr>
+            <a:normAutofit/>
+          </a:bodyPr>
           <a:lstStyle/>
           <a:p>
             <a:pPr marL="0" indent="0">
@@ -15868,7 +15872,7 @@
           <a:p>
             <a:r>
               <a:rPr lang="en-US" dirty="0"/>
-              <a:t>Unique types of events occurred in time window, or </a:t>
+              <a:t>Unique types of events occurring in time window, or </a:t>
             </a:r>
             <a:r>
               <a:rPr lang="en-US" b="1" dirty="0"/>
@@ -15885,6 +15889,13 @@
             <a:pPr lvl="1"/>
             <a:r>
               <a:rPr lang="en-US" dirty="0"/>
+              <a:t>Count events </a:t>
+            </a:r>
+          </a:p>
+          <a:p>
+            <a:pPr lvl="1"/>
+            <a:r>
+              <a:rPr lang="en-US" dirty="0"/>
               <a:t>Filter events by type</a:t>
             </a:r>
           </a:p>
@@ -15900,13 +15911,6 @@
             <a:r>
               <a:rPr lang="en-US" dirty="0"/>
               <a:t>Query specific events</a:t>
-            </a:r>
-          </a:p>
-          <a:p>
-            <a:pPr lvl="1"/>
-            <a:r>
-              <a:rPr lang="en-US" dirty="0"/>
-              <a:t>Count events </a:t>
             </a:r>
           </a:p>
           <a:p>
@@ -18001,8 +18005,8 @@
           <a:chExt cx="0" cy="0"/>
         </a:xfrm>
       </p:grpSpPr>
-      <mc:AlternateContent xmlns:mc="http://schemas.openxmlformats.org/markup-compatibility/2006">
-        <mc:Choice xmlns:a14="http://schemas.microsoft.com/office/drawing/2010/main" Requires="a14">
+      <mc:AlternateContent xmlns:mc="http://schemas.openxmlformats.org/markup-compatibility/2006" xmlns:a14="http://schemas.microsoft.com/office/drawing/2010/main">
+        <mc:Choice Requires="a14">
           <p:sp>
             <p:nvSpPr>
               <p:cNvPr id="3" name="Content Placeholder 2">
@@ -18093,7 +18097,7 @@
             </p:txBody>
           </p:sp>
         </mc:Choice>
-        <mc:Fallback>
+        <mc:Fallback xmlns="">
           <p:sp>
             <p:nvSpPr>
               <p:cNvPr id="3" name="Content Placeholder 2">
@@ -35954,33 +35958,15 @@
                                   </p:childTnLst>
                                 </p:cTn>
                               </p:par>
-                            </p:childTnLst>
-                          </p:cTn>
-                        </p:par>
-                      </p:childTnLst>
-                    </p:cTn>
-                  </p:par>
-                  <p:par>
-                    <p:cTn id="29" fill="hold">
-                      <p:stCondLst>
-                        <p:cond delay="indefinite"/>
-                      </p:stCondLst>
-                      <p:childTnLst>
-                        <p:par>
-                          <p:cTn id="30" fill="hold">
-                            <p:stCondLst>
-                              <p:cond delay="0"/>
-                            </p:stCondLst>
-                            <p:childTnLst>
                               <p:par>
-                                <p:cTn id="31" presetID="1" presetClass="entr" presetSubtype="0" fill="hold" nodeType="clickEffect">
+                                <p:cTn id="29" presetID="1" presetClass="entr" presetSubtype="0" fill="hold" nodeType="withEffect">
                                   <p:stCondLst>
                                     <p:cond delay="0"/>
                                   </p:stCondLst>
                                   <p:childTnLst>
                                     <p:set>
                                       <p:cBhvr>
-                                        <p:cTn id="32" dur="1" fill="hold">
+                                        <p:cTn id="30" dur="1" fill="hold">
                                           <p:stCondLst>
                                             <p:cond delay="0"/>
                                           </p:stCondLst>
@@ -36816,8 +36802,8 @@
           <a:chExt cx="0" cy="0"/>
         </a:xfrm>
       </p:grpSpPr>
-      <mc:AlternateContent xmlns:mc="http://schemas.openxmlformats.org/markup-compatibility/2006" xmlns:a14="http://schemas.microsoft.com/office/drawing/2010/main">
-        <mc:Choice Requires="a14">
+      <mc:AlternateContent xmlns:mc="http://schemas.openxmlformats.org/markup-compatibility/2006">
+        <mc:Choice xmlns:a14="http://schemas.microsoft.com/office/drawing/2010/main" Requires="a14">
           <p:sp>
             <p:nvSpPr>
               <p:cNvPr id="3" name="Content Placeholder 2">
@@ -37045,7 +37031,25 @@
                         <a:rPr lang="en-US" b="0" i="1" smtClean="0">
                           <a:latin typeface="Cambria Math" panose="02040503050406030204" pitchFamily="18" charset="0"/>
                         </a:rPr>
+                        <m:t>𝑝</m:t>
+                      </m:r>
+                      <m:r>
+                        <a:rPr lang="en-US" b="0" i="1" smtClean="0">
+                          <a:latin typeface="Cambria Math" panose="02040503050406030204" pitchFamily="18" charset="0"/>
+                        </a:rPr>
+                        <m:t>(</m:t>
+                      </m:r>
+                      <m:r>
+                        <a:rPr lang="en-US" b="0" i="1" smtClean="0">
+                          <a:latin typeface="Cambria Math" panose="02040503050406030204" pitchFamily="18" charset="0"/>
+                        </a:rPr>
                         <m:t>𝑦</m:t>
+                      </m:r>
+                      <m:r>
+                        <a:rPr lang="en-US" b="0" i="1" smtClean="0">
+                          <a:latin typeface="Cambria Math" panose="02040503050406030204" pitchFamily="18" charset="0"/>
+                        </a:rPr>
+                        <m:t>)</m:t>
                       </m:r>
                       <m:r>
                         <a:rPr lang="en-US" b="0" i="1" smtClean="0">
@@ -37224,7 +37228,31 @@
                         <a:rPr lang="en-US" b="0" i="1" smtClean="0">
                           <a:latin typeface="Cambria Math" panose="02040503050406030204" pitchFamily="18" charset="0"/>
                         </a:rPr>
-                        <m:t>=1</m:t>
+                        <m:t>,</m:t>
+                      </m:r>
+                      <m:r>
+                        <a:rPr lang="en-US" b="0" i="1" smtClean="0">
+                          <a:latin typeface="Cambria Math" panose="02040503050406030204" pitchFamily="18" charset="0"/>
+                        </a:rPr>
+                        <m:t>𝑝</m:t>
+                      </m:r>
+                      <m:r>
+                        <a:rPr lang="en-US" b="0" i="1" smtClean="0">
+                          <a:latin typeface="Cambria Math" panose="02040503050406030204" pitchFamily="18" charset="0"/>
+                        </a:rPr>
+                        <m:t>(</m:t>
+                      </m:r>
+                      <m:r>
+                        <a:rPr lang="en-US" b="0" i="1" smtClean="0">
+                          <a:latin typeface="Cambria Math" panose="02040503050406030204" pitchFamily="18" charset="0"/>
+                        </a:rPr>
+                        <m:t>𝑦</m:t>
+                      </m:r>
+                      <m:r>
+                        <a:rPr lang="en-US" b="0" i="1" smtClean="0">
+                          <a:latin typeface="Cambria Math" panose="02040503050406030204" pitchFamily="18" charset="0"/>
+                        </a:rPr>
+                        <m:t>)=1</m:t>
                       </m:r>
                     </m:oMath>
                   </m:oMathPara>
@@ -37532,7 +37560,7 @@
             </p:txBody>
           </p:sp>
         </mc:Choice>
-        <mc:Fallback xmlns="">
+        <mc:Fallback>
           <p:sp>
             <p:nvSpPr>
               <p:cNvPr id="3" name="Content Placeholder 2">
@@ -37642,369 +37670,6 @@
   <p:clrMapOvr>
     <a:masterClrMapping/>
   </p:clrMapOvr>
-  <p:timing>
-    <p:tnLst>
-      <p:par>
-        <p:cTn id="1" dur="indefinite" restart="never" nodeType="tmRoot">
-          <p:childTnLst>
-            <p:seq concurrent="1" nextAc="seek">
-              <p:cTn id="2" dur="indefinite" nodeType="mainSeq">
-                <p:childTnLst>
-                  <p:par>
-                    <p:cTn id="3" fill="hold">
-                      <p:stCondLst>
-                        <p:cond delay="indefinite"/>
-                      </p:stCondLst>
-                      <p:childTnLst>
-                        <p:par>
-                          <p:cTn id="4" fill="hold">
-                            <p:stCondLst>
-                              <p:cond delay="0"/>
-                            </p:stCondLst>
-                            <p:childTnLst>
-                              <p:par>
-                                <p:cTn id="5" presetID="1" presetClass="entr" presetSubtype="0" fill="hold" nodeType="clickEffect">
-                                  <p:stCondLst>
-                                    <p:cond delay="0"/>
-                                  </p:stCondLst>
-                                  <p:childTnLst>
-                                    <p:set>
-                                      <p:cBhvr>
-                                        <p:cTn id="6" dur="1" fill="hold">
-                                          <p:stCondLst>
-                                            <p:cond delay="0"/>
-                                          </p:stCondLst>
-                                        </p:cTn>
-                                        <p:tgtEl>
-                                          <p:spTgt spid="3">
-                                            <p:txEl>
-                                              <p:pRg st="1" end="1"/>
-                                            </p:txEl>
-                                          </p:spTgt>
-                                        </p:tgtEl>
-                                        <p:attrNameLst>
-                                          <p:attrName>style.visibility</p:attrName>
-                                        </p:attrNameLst>
-                                      </p:cBhvr>
-                                      <p:to>
-                                        <p:strVal val="visible"/>
-                                      </p:to>
-                                    </p:set>
-                                  </p:childTnLst>
-                                </p:cTn>
-                              </p:par>
-                              <p:par>
-                                <p:cTn id="7" presetID="1" presetClass="entr" presetSubtype="0" fill="hold" nodeType="withEffect">
-                                  <p:stCondLst>
-                                    <p:cond delay="0"/>
-                                  </p:stCondLst>
-                                  <p:childTnLst>
-                                    <p:set>
-                                      <p:cBhvr>
-                                        <p:cTn id="8" dur="1" fill="hold">
-                                          <p:stCondLst>
-                                            <p:cond delay="0"/>
-                                          </p:stCondLst>
-                                        </p:cTn>
-                                        <p:tgtEl>
-                                          <p:spTgt spid="3">
-                                            <p:txEl>
-                                              <p:pRg st="2" end="2"/>
-                                            </p:txEl>
-                                          </p:spTgt>
-                                        </p:tgtEl>
-                                        <p:attrNameLst>
-                                          <p:attrName>style.visibility</p:attrName>
-                                        </p:attrNameLst>
-                                      </p:cBhvr>
-                                      <p:to>
-                                        <p:strVal val="visible"/>
-                                      </p:to>
-                                    </p:set>
-                                  </p:childTnLst>
-                                </p:cTn>
-                              </p:par>
-                              <p:par>
-                                <p:cTn id="9" presetID="1" presetClass="entr" presetSubtype="0" fill="hold" nodeType="withEffect">
-                                  <p:stCondLst>
-                                    <p:cond delay="0"/>
-                                  </p:stCondLst>
-                                  <p:childTnLst>
-                                    <p:set>
-                                      <p:cBhvr>
-                                        <p:cTn id="10" dur="1" fill="hold">
-                                          <p:stCondLst>
-                                            <p:cond delay="0"/>
-                                          </p:stCondLst>
-                                        </p:cTn>
-                                        <p:tgtEl>
-                                          <p:spTgt spid="3">
-                                            <p:txEl>
-                                              <p:pRg st="3" end="3"/>
-                                            </p:txEl>
-                                          </p:spTgt>
-                                        </p:tgtEl>
-                                        <p:attrNameLst>
-                                          <p:attrName>style.visibility</p:attrName>
-                                        </p:attrNameLst>
-                                      </p:cBhvr>
-                                      <p:to>
-                                        <p:strVal val="visible"/>
-                                      </p:to>
-                                    </p:set>
-                                  </p:childTnLst>
-                                </p:cTn>
-                              </p:par>
-                            </p:childTnLst>
-                          </p:cTn>
-                        </p:par>
-                      </p:childTnLst>
-                    </p:cTn>
-                  </p:par>
-                  <p:par>
-                    <p:cTn id="11" fill="hold">
-                      <p:stCondLst>
-                        <p:cond delay="indefinite"/>
-                      </p:stCondLst>
-                      <p:childTnLst>
-                        <p:par>
-                          <p:cTn id="12" fill="hold">
-                            <p:stCondLst>
-                              <p:cond delay="0"/>
-                            </p:stCondLst>
-                            <p:childTnLst>
-                              <p:par>
-                                <p:cTn id="13" presetID="1" presetClass="entr" presetSubtype="0" fill="hold" nodeType="clickEffect">
-                                  <p:stCondLst>
-                                    <p:cond delay="0"/>
-                                  </p:stCondLst>
-                                  <p:childTnLst>
-                                    <p:set>
-                                      <p:cBhvr>
-                                        <p:cTn id="14" dur="1" fill="hold">
-                                          <p:stCondLst>
-                                            <p:cond delay="0"/>
-                                          </p:stCondLst>
-                                        </p:cTn>
-                                        <p:tgtEl>
-                                          <p:spTgt spid="3">
-                                            <p:txEl>
-                                              <p:pRg st="4" end="4"/>
-                                            </p:txEl>
-                                          </p:spTgt>
-                                        </p:tgtEl>
-                                        <p:attrNameLst>
-                                          <p:attrName>style.visibility</p:attrName>
-                                        </p:attrNameLst>
-                                      </p:cBhvr>
-                                      <p:to>
-                                        <p:strVal val="visible"/>
-                                      </p:to>
-                                    </p:set>
-                                  </p:childTnLst>
-                                </p:cTn>
-                              </p:par>
-                              <p:par>
-                                <p:cTn id="15" presetID="1" presetClass="entr" presetSubtype="0" fill="hold" nodeType="withEffect">
-                                  <p:stCondLst>
-                                    <p:cond delay="0"/>
-                                  </p:stCondLst>
-                                  <p:childTnLst>
-                                    <p:set>
-                                      <p:cBhvr>
-                                        <p:cTn id="16" dur="1" fill="hold">
-                                          <p:stCondLst>
-                                            <p:cond delay="0"/>
-                                          </p:stCondLst>
-                                        </p:cTn>
-                                        <p:tgtEl>
-                                          <p:spTgt spid="3">
-                                            <p:txEl>
-                                              <p:pRg st="5" end="5"/>
-                                            </p:txEl>
-                                          </p:spTgt>
-                                        </p:tgtEl>
-                                        <p:attrNameLst>
-                                          <p:attrName>style.visibility</p:attrName>
-                                        </p:attrNameLst>
-                                      </p:cBhvr>
-                                      <p:to>
-                                        <p:strVal val="visible"/>
-                                      </p:to>
-                                    </p:set>
-                                  </p:childTnLst>
-                                </p:cTn>
-                              </p:par>
-                              <p:par>
-                                <p:cTn id="17" presetID="1" presetClass="entr" presetSubtype="0" fill="hold" nodeType="withEffect">
-                                  <p:stCondLst>
-                                    <p:cond delay="0"/>
-                                  </p:stCondLst>
-                                  <p:childTnLst>
-                                    <p:set>
-                                      <p:cBhvr>
-                                        <p:cTn id="18" dur="1" fill="hold">
-                                          <p:stCondLst>
-                                            <p:cond delay="0"/>
-                                          </p:stCondLst>
-                                        </p:cTn>
-                                        <p:tgtEl>
-                                          <p:spTgt spid="3">
-                                            <p:txEl>
-                                              <p:pRg st="6" end="6"/>
-                                            </p:txEl>
-                                          </p:spTgt>
-                                        </p:tgtEl>
-                                        <p:attrNameLst>
-                                          <p:attrName>style.visibility</p:attrName>
-                                        </p:attrNameLst>
-                                      </p:cBhvr>
-                                      <p:to>
-                                        <p:strVal val="visible"/>
-                                      </p:to>
-                                    </p:set>
-                                  </p:childTnLst>
-                                </p:cTn>
-                              </p:par>
-                              <p:par>
-                                <p:cTn id="19" presetID="1" presetClass="entr" presetSubtype="0" fill="hold" nodeType="withEffect">
-                                  <p:stCondLst>
-                                    <p:cond delay="0"/>
-                                  </p:stCondLst>
-                                  <p:childTnLst>
-                                    <p:set>
-                                      <p:cBhvr>
-                                        <p:cTn id="20" dur="1" fill="hold">
-                                          <p:stCondLst>
-                                            <p:cond delay="0"/>
-                                          </p:stCondLst>
-                                        </p:cTn>
-                                        <p:tgtEl>
-                                          <p:spTgt spid="3">
-                                            <p:txEl>
-                                              <p:pRg st="7" end="7"/>
-                                            </p:txEl>
-                                          </p:spTgt>
-                                        </p:tgtEl>
-                                        <p:attrNameLst>
-                                          <p:attrName>style.visibility</p:attrName>
-                                        </p:attrNameLst>
-                                      </p:cBhvr>
-                                      <p:to>
-                                        <p:strVal val="visible"/>
-                                      </p:to>
-                                    </p:set>
-                                  </p:childTnLst>
-                                </p:cTn>
-                              </p:par>
-                            </p:childTnLst>
-                          </p:cTn>
-                        </p:par>
-                      </p:childTnLst>
-                    </p:cTn>
-                  </p:par>
-                  <p:par>
-                    <p:cTn id="21" fill="hold">
-                      <p:stCondLst>
-                        <p:cond delay="indefinite"/>
-                      </p:stCondLst>
-                      <p:childTnLst>
-                        <p:par>
-                          <p:cTn id="22" fill="hold">
-                            <p:stCondLst>
-                              <p:cond delay="0"/>
-                            </p:stCondLst>
-                            <p:childTnLst>
-                              <p:par>
-                                <p:cTn id="23" presetID="1" presetClass="entr" presetSubtype="0" fill="hold" nodeType="clickEffect">
-                                  <p:stCondLst>
-                                    <p:cond delay="0"/>
-                                  </p:stCondLst>
-                                  <p:childTnLst>
-                                    <p:set>
-                                      <p:cBhvr>
-                                        <p:cTn id="24" dur="1" fill="hold">
-                                          <p:stCondLst>
-                                            <p:cond delay="0"/>
-                                          </p:stCondLst>
-                                        </p:cTn>
-                                        <p:tgtEl>
-                                          <p:spTgt spid="3">
-                                            <p:txEl>
-                                              <p:pRg st="8" end="8"/>
-                                            </p:txEl>
-                                          </p:spTgt>
-                                        </p:tgtEl>
-                                        <p:attrNameLst>
-                                          <p:attrName>style.visibility</p:attrName>
-                                        </p:attrNameLst>
-                                      </p:cBhvr>
-                                      <p:to>
-                                        <p:strVal val="visible"/>
-                                      </p:to>
-                                    </p:set>
-                                  </p:childTnLst>
-                                </p:cTn>
-                              </p:par>
-                              <p:par>
-                                <p:cTn id="25" presetID="1" presetClass="entr" presetSubtype="0" fill="hold" nodeType="withEffect">
-                                  <p:stCondLst>
-                                    <p:cond delay="0"/>
-                                  </p:stCondLst>
-                                  <p:childTnLst>
-                                    <p:set>
-                                      <p:cBhvr>
-                                        <p:cTn id="26" dur="1" fill="hold">
-                                          <p:stCondLst>
-                                            <p:cond delay="0"/>
-                                          </p:stCondLst>
-                                        </p:cTn>
-                                        <p:tgtEl>
-                                          <p:spTgt spid="3">
-                                            <p:txEl>
-                                              <p:pRg st="9" end="9"/>
-                                            </p:txEl>
-                                          </p:spTgt>
-                                        </p:tgtEl>
-                                        <p:attrNameLst>
-                                          <p:attrName>style.visibility</p:attrName>
-                                        </p:attrNameLst>
-                                      </p:cBhvr>
-                                      <p:to>
-                                        <p:strVal val="visible"/>
-                                      </p:to>
-                                    </p:set>
-                                  </p:childTnLst>
-                                </p:cTn>
-                              </p:par>
-                            </p:childTnLst>
-                          </p:cTn>
-                        </p:par>
-                      </p:childTnLst>
-                    </p:cTn>
-                  </p:par>
-                </p:childTnLst>
-              </p:cTn>
-              <p:prevCondLst>
-                <p:cond evt="onPrev" delay="0">
-                  <p:tgtEl>
-                    <p:sldTgt/>
-                  </p:tgtEl>
-                </p:cond>
-              </p:prevCondLst>
-              <p:nextCondLst>
-                <p:cond evt="onNext" delay="0">
-                  <p:tgtEl>
-                    <p:sldTgt/>
-                  </p:tgtEl>
-                </p:cond>
-              </p:nextCondLst>
-            </p:seq>
-          </p:childTnLst>
-        </p:cTn>
-      </p:par>
-    </p:tnLst>
-  </p:timing>
 </p:sld>
 </file>
 
@@ -45979,64 +45644,15 @@
                                   </p:childTnLst>
                                 </p:cTn>
                               </p:par>
-                            </p:childTnLst>
-                          </p:cTn>
-                        </p:par>
-                      </p:childTnLst>
-                    </p:cTn>
-                  </p:par>
-                  <p:par>
-                    <p:cTn id="7" fill="hold">
-                      <p:stCondLst>
-                        <p:cond delay="indefinite"/>
-                      </p:stCondLst>
-                      <p:childTnLst>
-                        <p:par>
-                          <p:cTn id="8" fill="hold">
-                            <p:stCondLst>
-                              <p:cond delay="0"/>
-                            </p:stCondLst>
-                            <p:childTnLst>
                               <p:par>
-                                <p:cTn id="9" presetID="1" presetClass="entr" presetSubtype="0" fill="hold" nodeType="clickEffect">
+                                <p:cTn id="7" presetID="1" presetClass="entr" presetSubtype="0" fill="hold" grpId="0" nodeType="withEffect">
                                   <p:stCondLst>
                                     <p:cond delay="0"/>
                                   </p:stCondLst>
                                   <p:childTnLst>
                                     <p:set>
                                       <p:cBhvr>
-                                        <p:cTn id="10" dur="1" fill="hold">
-                                          <p:stCondLst>
-                                            <p:cond delay="0"/>
-                                          </p:stCondLst>
-                                        </p:cTn>
-                                        <p:tgtEl>
-                                          <p:spTgt spid="3">
-                                            <p:txEl>
-                                              <p:pRg st="2" end="2"/>
-                                            </p:txEl>
-                                          </p:spTgt>
-                                        </p:tgtEl>
-                                        <p:attrNameLst>
-                                          <p:attrName>style.visibility</p:attrName>
-                                        </p:attrNameLst>
-                                      </p:cBhvr>
-                                      <p:to>
-                                        <p:strVal val="visible"/>
-                                      </p:to>
-                                    </p:set>
-                                  </p:childTnLst>
-                                </p:cTn>
-                              </p:par>
-                              <p:par>
-                                <p:cTn id="11" presetID="1" presetClass="entr" presetSubtype="0" fill="hold" grpId="0" nodeType="withEffect">
-                                  <p:stCondLst>
-                                    <p:cond delay="0"/>
-                                  </p:stCondLst>
-                                  <p:childTnLst>
-                                    <p:set>
-                                      <p:cBhvr>
-                                        <p:cTn id="12" dur="1" fill="hold">
+                                        <p:cTn id="8" dur="1" fill="hold">
                                           <p:stCondLst>
                                             <p:cond delay="0"/>
                                           </p:stCondLst>
@@ -46056,7 +45672,52 @@
                                 </p:cTn>
                               </p:par>
                               <p:par>
-                                <p:cTn id="13" presetID="1" presetClass="entr" presetSubtype="0" fill="hold" grpId="0" nodeType="withEffect">
+                                <p:cTn id="9" presetID="1" presetClass="entr" presetSubtype="0" fill="hold" grpId="0" nodeType="withEffect">
+                                  <p:stCondLst>
+                                    <p:cond delay="0"/>
+                                  </p:stCondLst>
+                                  <p:childTnLst>
+                                    <p:set>
+                                      <p:cBhvr>
+                                        <p:cTn id="10" dur="1" fill="hold">
+                                          <p:stCondLst>
+                                            <p:cond delay="0"/>
+                                          </p:stCondLst>
+                                        </p:cTn>
+                                        <p:tgtEl>
+                                          <p:spTgt spid="14"/>
+                                        </p:tgtEl>
+                                        <p:attrNameLst>
+                                          <p:attrName>style.visibility</p:attrName>
+                                        </p:attrNameLst>
+                                      </p:cBhvr>
+                                      <p:to>
+                                        <p:strVal val="visible"/>
+                                      </p:to>
+                                    </p:set>
+                                  </p:childTnLst>
+                                </p:cTn>
+                              </p:par>
+                            </p:childTnLst>
+                          </p:cTn>
+                        </p:par>
+                      </p:childTnLst>
+                    </p:cTn>
+                  </p:par>
+                  <p:par>
+                    <p:cTn id="11" fill="hold">
+                      <p:stCondLst>
+                        <p:cond delay="indefinite"/>
+                      </p:stCondLst>
+                      <p:childTnLst>
+                        <p:par>
+                          <p:cTn id="12" fill="hold">
+                            <p:stCondLst>
+                              <p:cond delay="0"/>
+                            </p:stCondLst>
+                            <p:childTnLst>
+                              <p:par>
+                                <p:cTn id="13" presetID="1" presetClass="entr" presetSubtype="0" fill="hold" nodeType="clickEffect">
                                   <p:stCondLst>
                                     <p:cond delay="0"/>
                                   </p:stCondLst>
@@ -46069,7 +45730,11 @@
                                           </p:stCondLst>
                                         </p:cTn>
                                         <p:tgtEl>
-                                          <p:spTgt spid="14"/>
+                                          <p:spTgt spid="3">
+                                            <p:txEl>
+                                              <p:pRg st="2" end="2"/>
+                                            </p:txEl>
+                                          </p:spTgt>
                                         </p:tgtEl>
                                         <p:attrNameLst>
                                           <p:attrName>style.visibility</p:attrName>

--- a/slides/3_StreamingAnalytics.pptx
+++ b/slides/3_StreamingAnalytics.pptx
@@ -245,7 +245,7 @@
           <a:p>
             <a:fld id="{2F3ABF1A-8818-4472-8518-E71DC7B5D2F7}" type="datetimeFigureOut">
               <a:rPr lang="en-US" smtClean="0"/>
-              <a:t>6/27/2023</a:t>
+              <a:t>2/4/2024</a:t>
             </a:fld>
             <a:endParaRPr lang="en-US"/>
           </a:p>
@@ -827,7 +827,7 @@
           <a:p>
             <a:fld id="{6E4A31BF-7266-4BEB-918B-ADC21C630A6F}" type="datetimeFigureOut">
               <a:rPr lang="en-US" smtClean="0"/>
-              <a:t>6/27/2023</a:t>
+              <a:t>2/4/2024</a:t>
             </a:fld>
             <a:endParaRPr lang="en-US"/>
           </a:p>
@@ -1025,7 +1025,7 @@
           <a:p>
             <a:fld id="{6E4A31BF-7266-4BEB-918B-ADC21C630A6F}" type="datetimeFigureOut">
               <a:rPr lang="en-US" smtClean="0"/>
-              <a:t>6/27/2023</a:t>
+              <a:t>2/4/2024</a:t>
             </a:fld>
             <a:endParaRPr lang="en-US"/>
           </a:p>
@@ -1233,7 +1233,7 @@
           <a:p>
             <a:fld id="{6E4A31BF-7266-4BEB-918B-ADC21C630A6F}" type="datetimeFigureOut">
               <a:rPr lang="en-US" smtClean="0"/>
-              <a:t>6/27/2023</a:t>
+              <a:t>2/4/2024</a:t>
             </a:fld>
             <a:endParaRPr lang="en-US"/>
           </a:p>
@@ -1431,7 +1431,7 @@
           <a:p>
             <a:fld id="{6E4A31BF-7266-4BEB-918B-ADC21C630A6F}" type="datetimeFigureOut">
               <a:rPr lang="en-US" smtClean="0"/>
-              <a:t>6/27/2023</a:t>
+              <a:t>2/4/2024</a:t>
             </a:fld>
             <a:endParaRPr lang="en-US"/>
           </a:p>
@@ -1706,7 +1706,7 @@
           <a:p>
             <a:fld id="{6E4A31BF-7266-4BEB-918B-ADC21C630A6F}" type="datetimeFigureOut">
               <a:rPr lang="en-US" smtClean="0"/>
-              <a:t>6/27/2023</a:t>
+              <a:t>2/4/2024</a:t>
             </a:fld>
             <a:endParaRPr lang="en-US"/>
           </a:p>
@@ -1971,7 +1971,7 @@
           <a:p>
             <a:fld id="{6E4A31BF-7266-4BEB-918B-ADC21C630A6F}" type="datetimeFigureOut">
               <a:rPr lang="en-US" smtClean="0"/>
-              <a:t>6/27/2023</a:t>
+              <a:t>2/4/2024</a:t>
             </a:fld>
             <a:endParaRPr lang="en-US"/>
           </a:p>
@@ -2383,7 +2383,7 @@
           <a:p>
             <a:fld id="{6E4A31BF-7266-4BEB-918B-ADC21C630A6F}" type="datetimeFigureOut">
               <a:rPr lang="en-US" smtClean="0"/>
-              <a:t>6/27/2023</a:t>
+              <a:t>2/4/2024</a:t>
             </a:fld>
             <a:endParaRPr lang="en-US"/>
           </a:p>
@@ -2524,7 +2524,7 @@
           <a:p>
             <a:fld id="{6E4A31BF-7266-4BEB-918B-ADC21C630A6F}" type="datetimeFigureOut">
               <a:rPr lang="en-US" smtClean="0"/>
-              <a:t>6/27/2023</a:t>
+              <a:t>2/4/2024</a:t>
             </a:fld>
             <a:endParaRPr lang="en-US"/>
           </a:p>
@@ -2637,7 +2637,7 @@
           <a:p>
             <a:fld id="{6E4A31BF-7266-4BEB-918B-ADC21C630A6F}" type="datetimeFigureOut">
               <a:rPr lang="en-US" smtClean="0"/>
-              <a:t>6/27/2023</a:t>
+              <a:t>2/4/2024</a:t>
             </a:fld>
             <a:endParaRPr lang="en-US"/>
           </a:p>
@@ -2948,7 +2948,7 @@
           <a:p>
             <a:fld id="{6E4A31BF-7266-4BEB-918B-ADC21C630A6F}" type="datetimeFigureOut">
               <a:rPr lang="en-US" smtClean="0"/>
-              <a:t>6/27/2023</a:t>
+              <a:t>2/4/2024</a:t>
             </a:fld>
             <a:endParaRPr lang="en-US"/>
           </a:p>
@@ -3236,7 +3236,7 @@
           <a:p>
             <a:fld id="{6E4A31BF-7266-4BEB-918B-ADC21C630A6F}" type="datetimeFigureOut">
               <a:rPr lang="en-US" smtClean="0"/>
-              <a:t>6/27/2023</a:t>
+              <a:t>2/4/2024</a:t>
             </a:fld>
             <a:endParaRPr lang="en-US"/>
           </a:p>
@@ -3477,7 +3477,7 @@
           <a:p>
             <a:fld id="{6E4A31BF-7266-4BEB-918B-ADC21C630A6F}" type="datetimeFigureOut">
               <a:rPr lang="en-US" smtClean="0"/>
-              <a:t>6/27/2023</a:t>
+              <a:t>2/4/2024</a:t>
             </a:fld>
             <a:endParaRPr lang="en-US"/>
           </a:p>
@@ -4067,7 +4067,15 @@
             <a:pPr algn="ctr"/>
             <a:r>
               <a:rPr lang="en-US" sz="1100" dirty="0"/>
-              <a:t>Copyright 2021, 2022, 2023,, Stephen F Elston. All rights reserved</a:t>
+              <a:t>Copyright 2021, 2022, </a:t>
+            </a:r>
+            <a:r>
+              <a:rPr lang="en-US" sz="1100"/>
+              <a:t>2023, 2024, </a:t>
+            </a:r>
+            <a:r>
+              <a:rPr lang="en-US" sz="1100" dirty="0"/>
+              <a:t>Stephen F Elston. All rights reserved</a:t>
             </a:r>
             <a:r>
               <a:rPr lang="en-US" dirty="0"/>
@@ -14073,7 +14081,7 @@
                             <a:rPr lang="en-US" b="0" i="1" smtClean="0">
                               <a:latin typeface="Cambria Math" panose="02040503050406030204" pitchFamily="18" charset="0"/>
                             </a:rPr>
-                            <m:t>1</m:t>
+                            <m:t>0</m:t>
                           </m:r>
                         </m:sub>
                       </m:sSub>
@@ -14762,477 +14770,6 @@
   <p:clrMapOvr>
     <a:masterClrMapping/>
   </p:clrMapOvr>
-  <p:timing>
-    <p:tnLst>
-      <p:par>
-        <p:cTn id="1" dur="indefinite" restart="never" nodeType="tmRoot">
-          <p:childTnLst>
-            <p:seq concurrent="1" nextAc="seek">
-              <p:cTn id="2" dur="indefinite" nodeType="mainSeq">
-                <p:childTnLst>
-                  <p:par>
-                    <p:cTn id="3" fill="hold">
-                      <p:stCondLst>
-                        <p:cond delay="indefinite"/>
-                      </p:stCondLst>
-                      <p:childTnLst>
-                        <p:par>
-                          <p:cTn id="4" fill="hold">
-                            <p:stCondLst>
-                              <p:cond delay="0"/>
-                            </p:stCondLst>
-                            <p:childTnLst>
-                              <p:par>
-                                <p:cTn id="5" presetID="1" presetClass="entr" presetSubtype="0" fill="hold" nodeType="clickEffect">
-                                  <p:stCondLst>
-                                    <p:cond delay="0"/>
-                                  </p:stCondLst>
-                                  <p:childTnLst>
-                                    <p:set>
-                                      <p:cBhvr>
-                                        <p:cTn id="6" dur="1" fill="hold">
-                                          <p:stCondLst>
-                                            <p:cond delay="0"/>
-                                          </p:stCondLst>
-                                        </p:cTn>
-                                        <p:tgtEl>
-                                          <p:spTgt spid="3">
-                                            <p:txEl>
-                                              <p:pRg st="1" end="1"/>
-                                            </p:txEl>
-                                          </p:spTgt>
-                                        </p:tgtEl>
-                                        <p:attrNameLst>
-                                          <p:attrName>style.visibility</p:attrName>
-                                        </p:attrNameLst>
-                                      </p:cBhvr>
-                                      <p:to>
-                                        <p:strVal val="visible"/>
-                                      </p:to>
-                                    </p:set>
-                                  </p:childTnLst>
-                                </p:cTn>
-                              </p:par>
-                            </p:childTnLst>
-                          </p:cTn>
-                        </p:par>
-                      </p:childTnLst>
-                    </p:cTn>
-                  </p:par>
-                  <p:par>
-                    <p:cTn id="7" fill="hold">
-                      <p:stCondLst>
-                        <p:cond delay="indefinite"/>
-                      </p:stCondLst>
-                      <p:childTnLst>
-                        <p:par>
-                          <p:cTn id="8" fill="hold">
-                            <p:stCondLst>
-                              <p:cond delay="0"/>
-                            </p:stCondLst>
-                            <p:childTnLst>
-                              <p:par>
-                                <p:cTn id="9" presetID="1" presetClass="entr" presetSubtype="0" fill="hold" nodeType="clickEffect">
-                                  <p:stCondLst>
-                                    <p:cond delay="0"/>
-                                  </p:stCondLst>
-                                  <p:childTnLst>
-                                    <p:set>
-                                      <p:cBhvr>
-                                        <p:cTn id="10" dur="1" fill="hold">
-                                          <p:stCondLst>
-                                            <p:cond delay="0"/>
-                                          </p:stCondLst>
-                                        </p:cTn>
-                                        <p:tgtEl>
-                                          <p:spTgt spid="3">
-                                            <p:txEl>
-                                              <p:pRg st="2" end="2"/>
-                                            </p:txEl>
-                                          </p:spTgt>
-                                        </p:tgtEl>
-                                        <p:attrNameLst>
-                                          <p:attrName>style.visibility</p:attrName>
-                                        </p:attrNameLst>
-                                      </p:cBhvr>
-                                      <p:to>
-                                        <p:strVal val="visible"/>
-                                      </p:to>
-                                    </p:set>
-                                  </p:childTnLst>
-                                </p:cTn>
-                              </p:par>
-                            </p:childTnLst>
-                          </p:cTn>
-                        </p:par>
-                      </p:childTnLst>
-                    </p:cTn>
-                  </p:par>
-                  <p:par>
-                    <p:cTn id="11" fill="hold">
-                      <p:stCondLst>
-                        <p:cond delay="indefinite"/>
-                      </p:stCondLst>
-                      <p:childTnLst>
-                        <p:par>
-                          <p:cTn id="12" fill="hold">
-                            <p:stCondLst>
-                              <p:cond delay="0"/>
-                            </p:stCondLst>
-                            <p:childTnLst>
-                              <p:par>
-                                <p:cTn id="13" presetID="1" presetClass="entr" presetSubtype="0" fill="hold" nodeType="clickEffect">
-                                  <p:stCondLst>
-                                    <p:cond delay="0"/>
-                                  </p:stCondLst>
-                                  <p:childTnLst>
-                                    <p:set>
-                                      <p:cBhvr>
-                                        <p:cTn id="14" dur="1" fill="hold">
-                                          <p:stCondLst>
-                                            <p:cond delay="0"/>
-                                          </p:stCondLst>
-                                        </p:cTn>
-                                        <p:tgtEl>
-                                          <p:spTgt spid="3">
-                                            <p:txEl>
-                                              <p:pRg st="3" end="3"/>
-                                            </p:txEl>
-                                          </p:spTgt>
-                                        </p:tgtEl>
-                                        <p:attrNameLst>
-                                          <p:attrName>style.visibility</p:attrName>
-                                        </p:attrNameLst>
-                                      </p:cBhvr>
-                                      <p:to>
-                                        <p:strVal val="visible"/>
-                                      </p:to>
-                                    </p:set>
-                                  </p:childTnLst>
-                                </p:cTn>
-                              </p:par>
-                            </p:childTnLst>
-                          </p:cTn>
-                        </p:par>
-                      </p:childTnLst>
-                    </p:cTn>
-                  </p:par>
-                  <p:par>
-                    <p:cTn id="15" fill="hold">
-                      <p:stCondLst>
-                        <p:cond delay="indefinite"/>
-                      </p:stCondLst>
-                      <p:childTnLst>
-                        <p:par>
-                          <p:cTn id="16" fill="hold">
-                            <p:stCondLst>
-                              <p:cond delay="0"/>
-                            </p:stCondLst>
-                            <p:childTnLst>
-                              <p:par>
-                                <p:cTn id="17" presetID="1" presetClass="entr" presetSubtype="0" fill="hold" nodeType="clickEffect">
-                                  <p:stCondLst>
-                                    <p:cond delay="0"/>
-                                  </p:stCondLst>
-                                  <p:childTnLst>
-                                    <p:set>
-                                      <p:cBhvr>
-                                        <p:cTn id="18" dur="1" fill="hold">
-                                          <p:stCondLst>
-                                            <p:cond delay="0"/>
-                                          </p:stCondLst>
-                                        </p:cTn>
-                                        <p:tgtEl>
-                                          <p:spTgt spid="3">
-                                            <p:txEl>
-                                              <p:pRg st="4" end="4"/>
-                                            </p:txEl>
-                                          </p:spTgt>
-                                        </p:tgtEl>
-                                        <p:attrNameLst>
-                                          <p:attrName>style.visibility</p:attrName>
-                                        </p:attrNameLst>
-                                      </p:cBhvr>
-                                      <p:to>
-                                        <p:strVal val="visible"/>
-                                      </p:to>
-                                    </p:set>
-                                  </p:childTnLst>
-                                </p:cTn>
-                              </p:par>
-                            </p:childTnLst>
-                          </p:cTn>
-                        </p:par>
-                      </p:childTnLst>
-                    </p:cTn>
-                  </p:par>
-                  <p:par>
-                    <p:cTn id="19" fill="hold">
-                      <p:stCondLst>
-                        <p:cond delay="indefinite"/>
-                      </p:stCondLst>
-                      <p:childTnLst>
-                        <p:par>
-                          <p:cTn id="20" fill="hold">
-                            <p:stCondLst>
-                              <p:cond delay="0"/>
-                            </p:stCondLst>
-                            <p:childTnLst>
-                              <p:par>
-                                <p:cTn id="21" presetID="1" presetClass="entr" presetSubtype="0" fill="hold" nodeType="clickEffect">
-                                  <p:stCondLst>
-                                    <p:cond delay="0"/>
-                                  </p:stCondLst>
-                                  <p:childTnLst>
-                                    <p:set>
-                                      <p:cBhvr>
-                                        <p:cTn id="22" dur="1" fill="hold">
-                                          <p:stCondLst>
-                                            <p:cond delay="0"/>
-                                          </p:stCondLst>
-                                        </p:cTn>
-                                        <p:tgtEl>
-                                          <p:spTgt spid="3">
-                                            <p:txEl>
-                                              <p:pRg st="5" end="5"/>
-                                            </p:txEl>
-                                          </p:spTgt>
-                                        </p:tgtEl>
-                                        <p:attrNameLst>
-                                          <p:attrName>style.visibility</p:attrName>
-                                        </p:attrNameLst>
-                                      </p:cBhvr>
-                                      <p:to>
-                                        <p:strVal val="visible"/>
-                                      </p:to>
-                                    </p:set>
-                                  </p:childTnLst>
-                                </p:cTn>
-                              </p:par>
-                            </p:childTnLst>
-                          </p:cTn>
-                        </p:par>
-                      </p:childTnLst>
-                    </p:cTn>
-                  </p:par>
-                  <p:par>
-                    <p:cTn id="23" fill="hold">
-                      <p:stCondLst>
-                        <p:cond delay="indefinite"/>
-                      </p:stCondLst>
-                      <p:childTnLst>
-                        <p:par>
-                          <p:cTn id="24" fill="hold">
-                            <p:stCondLst>
-                              <p:cond delay="0"/>
-                            </p:stCondLst>
-                            <p:childTnLst>
-                              <p:par>
-                                <p:cTn id="25" presetID="1" presetClass="entr" presetSubtype="0" fill="hold" nodeType="clickEffect">
-                                  <p:stCondLst>
-                                    <p:cond delay="0"/>
-                                  </p:stCondLst>
-                                  <p:childTnLst>
-                                    <p:set>
-                                      <p:cBhvr>
-                                        <p:cTn id="26" dur="1" fill="hold">
-                                          <p:stCondLst>
-                                            <p:cond delay="0"/>
-                                          </p:stCondLst>
-                                        </p:cTn>
-                                        <p:tgtEl>
-                                          <p:spTgt spid="3">
-                                            <p:txEl>
-                                              <p:pRg st="6" end="6"/>
-                                            </p:txEl>
-                                          </p:spTgt>
-                                        </p:tgtEl>
-                                        <p:attrNameLst>
-                                          <p:attrName>style.visibility</p:attrName>
-                                        </p:attrNameLst>
-                                      </p:cBhvr>
-                                      <p:to>
-                                        <p:strVal val="visible"/>
-                                      </p:to>
-                                    </p:set>
-                                  </p:childTnLst>
-                                </p:cTn>
-                              </p:par>
-                            </p:childTnLst>
-                          </p:cTn>
-                        </p:par>
-                      </p:childTnLst>
-                    </p:cTn>
-                  </p:par>
-                  <p:par>
-                    <p:cTn id="27" fill="hold">
-                      <p:stCondLst>
-                        <p:cond delay="indefinite"/>
-                      </p:stCondLst>
-                      <p:childTnLst>
-                        <p:par>
-                          <p:cTn id="28" fill="hold">
-                            <p:stCondLst>
-                              <p:cond delay="0"/>
-                            </p:stCondLst>
-                            <p:childTnLst>
-                              <p:par>
-                                <p:cTn id="29" presetID="1" presetClass="entr" presetSubtype="0" fill="hold" nodeType="clickEffect">
-                                  <p:stCondLst>
-                                    <p:cond delay="0"/>
-                                  </p:stCondLst>
-                                  <p:childTnLst>
-                                    <p:set>
-                                      <p:cBhvr>
-                                        <p:cTn id="30" dur="1" fill="hold">
-                                          <p:stCondLst>
-                                            <p:cond delay="0"/>
-                                          </p:stCondLst>
-                                        </p:cTn>
-                                        <p:tgtEl>
-                                          <p:spTgt spid="3">
-                                            <p:txEl>
-                                              <p:pRg st="7" end="7"/>
-                                            </p:txEl>
-                                          </p:spTgt>
-                                        </p:tgtEl>
-                                        <p:attrNameLst>
-                                          <p:attrName>style.visibility</p:attrName>
-                                        </p:attrNameLst>
-                                      </p:cBhvr>
-                                      <p:to>
-                                        <p:strVal val="visible"/>
-                                      </p:to>
-                                    </p:set>
-                                  </p:childTnLst>
-                                </p:cTn>
-                              </p:par>
-                            </p:childTnLst>
-                          </p:cTn>
-                        </p:par>
-                      </p:childTnLst>
-                    </p:cTn>
-                  </p:par>
-                  <p:par>
-                    <p:cTn id="31" fill="hold">
-                      <p:stCondLst>
-                        <p:cond delay="indefinite"/>
-                      </p:stCondLst>
-                      <p:childTnLst>
-                        <p:par>
-                          <p:cTn id="32" fill="hold">
-                            <p:stCondLst>
-                              <p:cond delay="0"/>
-                            </p:stCondLst>
-                            <p:childTnLst>
-                              <p:par>
-                                <p:cTn id="33" presetID="1" presetClass="entr" presetSubtype="0" fill="hold" nodeType="clickEffect">
-                                  <p:stCondLst>
-                                    <p:cond delay="0"/>
-                                  </p:stCondLst>
-                                  <p:childTnLst>
-                                    <p:set>
-                                      <p:cBhvr>
-                                        <p:cTn id="34" dur="1" fill="hold">
-                                          <p:stCondLst>
-                                            <p:cond delay="0"/>
-                                          </p:stCondLst>
-                                        </p:cTn>
-                                        <p:tgtEl>
-                                          <p:spTgt spid="3">
-                                            <p:txEl>
-                                              <p:pRg st="8" end="8"/>
-                                            </p:txEl>
-                                          </p:spTgt>
-                                        </p:tgtEl>
-                                        <p:attrNameLst>
-                                          <p:attrName>style.visibility</p:attrName>
-                                        </p:attrNameLst>
-                                      </p:cBhvr>
-                                      <p:to>
-                                        <p:strVal val="visible"/>
-                                      </p:to>
-                                    </p:set>
-                                  </p:childTnLst>
-                                </p:cTn>
-                              </p:par>
-                            </p:childTnLst>
-                          </p:cTn>
-                        </p:par>
-                      </p:childTnLst>
-                    </p:cTn>
-                  </p:par>
-                  <p:par>
-                    <p:cTn id="35" fill="hold">
-                      <p:stCondLst>
-                        <p:cond delay="indefinite"/>
-                      </p:stCondLst>
-                      <p:childTnLst>
-                        <p:par>
-                          <p:cTn id="36" fill="hold">
-                            <p:stCondLst>
-                              <p:cond delay="0"/>
-                            </p:stCondLst>
-                            <p:childTnLst>
-                              <p:par>
-                                <p:cTn id="37" presetID="1" presetClass="entr" presetSubtype="0" fill="hold" nodeType="clickEffect">
-                                  <p:stCondLst>
-                                    <p:cond delay="0"/>
-                                  </p:stCondLst>
-                                  <p:childTnLst>
-                                    <p:set>
-                                      <p:cBhvr>
-                                        <p:cTn id="38" dur="1" fill="hold">
-                                          <p:stCondLst>
-                                            <p:cond delay="0"/>
-                                          </p:stCondLst>
-                                        </p:cTn>
-                                        <p:tgtEl>
-                                          <p:spTgt spid="3">
-                                            <p:txEl>
-                                              <p:pRg st="9" end="9"/>
-                                            </p:txEl>
-                                          </p:spTgt>
-                                        </p:tgtEl>
-                                        <p:attrNameLst>
-                                          <p:attrName>style.visibility</p:attrName>
-                                        </p:attrNameLst>
-                                      </p:cBhvr>
-                                      <p:to>
-                                        <p:strVal val="visible"/>
-                                      </p:to>
-                                    </p:set>
-                                  </p:childTnLst>
-                                </p:cTn>
-                              </p:par>
-                            </p:childTnLst>
-                          </p:cTn>
-                        </p:par>
-                      </p:childTnLst>
-                    </p:cTn>
-                  </p:par>
-                </p:childTnLst>
-              </p:cTn>
-              <p:prevCondLst>
-                <p:cond evt="onPrev" delay="0">
-                  <p:tgtEl>
-                    <p:sldTgt/>
-                  </p:tgtEl>
-                </p:cond>
-              </p:prevCondLst>
-              <p:nextCondLst>
-                <p:cond evt="onNext" delay="0">
-                  <p:tgtEl>
-                    <p:sldTgt/>
-                  </p:tgtEl>
-                </p:cond>
-              </p:nextCondLst>
-            </p:seq>
-          </p:childTnLst>
-        </p:cTn>
-      </p:par>
-    </p:tnLst>
-  </p:timing>
 </p:sld>
 </file>
 
@@ -15309,7 +14846,22 @@
             <a:pPr lvl="1"/>
             <a:r>
               <a:rPr lang="en-US" dirty="0"/>
-              <a:t>Vehicles passing </a:t>
+              <a:t>Clicks on </a:t>
+            </a:r>
+            <a:r>
+              <a:rPr lang="en-US"/>
+              <a:t>web sites </a:t>
+            </a:r>
+          </a:p>
+          <a:p>
+            <a:pPr lvl="1"/>
+            <a:r>
+              <a:rPr lang="en-US"/>
+              <a:t>Vehicles </a:t>
+            </a:r>
+            <a:r>
+              <a:rPr lang="en-US" dirty="0"/>
+              <a:t>passing </a:t>
             </a:r>
           </a:p>
           <a:p>
@@ -15716,33 +15268,15 @@
                                   </p:childTnLst>
                                 </p:cTn>
                               </p:par>
-                            </p:childTnLst>
-                          </p:cTn>
-                        </p:par>
-                      </p:childTnLst>
-                    </p:cTn>
-                  </p:par>
-                  <p:par>
-                    <p:cTn id="23" fill="hold">
-                      <p:stCondLst>
-                        <p:cond delay="indefinite"/>
-                      </p:stCondLst>
-                      <p:childTnLst>
-                        <p:par>
-                          <p:cTn id="24" fill="hold">
-                            <p:stCondLst>
-                              <p:cond delay="0"/>
-                            </p:stCondLst>
-                            <p:childTnLst>
                               <p:par>
-                                <p:cTn id="25" presetID="1" presetClass="entr" presetSubtype="0" fill="hold" nodeType="clickEffect">
+                                <p:cTn id="23" presetID="1" presetClass="entr" presetSubtype="0" fill="hold" nodeType="withEffect">
                                   <p:stCondLst>
                                     <p:cond delay="0"/>
                                   </p:stCondLst>
                                   <p:childTnLst>
                                     <p:set>
                                       <p:cBhvr>
-                                        <p:cTn id="26" dur="1" fill="hold">
+                                        <p:cTn id="24" dur="1" fill="hold">
                                           <p:stCondLst>
                                             <p:cond delay="0"/>
                                           </p:stCondLst>
@@ -15751,6 +15285,55 @@
                                           <p:spTgt spid="3">
                                             <p:txEl>
                                               <p:pRg st="9" end="9"/>
+                                            </p:txEl>
+                                          </p:spTgt>
+                                        </p:tgtEl>
+                                        <p:attrNameLst>
+                                          <p:attrName>style.visibility</p:attrName>
+                                        </p:attrNameLst>
+                                      </p:cBhvr>
+                                      <p:to>
+                                        <p:strVal val="visible"/>
+                                      </p:to>
+                                    </p:set>
+                                  </p:childTnLst>
+                                </p:cTn>
+                              </p:par>
+                            </p:childTnLst>
+                          </p:cTn>
+                        </p:par>
+                      </p:childTnLst>
+                    </p:cTn>
+                  </p:par>
+                  <p:par>
+                    <p:cTn id="25" fill="hold">
+                      <p:stCondLst>
+                        <p:cond delay="indefinite"/>
+                      </p:stCondLst>
+                      <p:childTnLst>
+                        <p:par>
+                          <p:cTn id="26" fill="hold">
+                            <p:stCondLst>
+                              <p:cond delay="0"/>
+                            </p:stCondLst>
+                            <p:childTnLst>
+                              <p:par>
+                                <p:cTn id="27" presetID="1" presetClass="entr" presetSubtype="0" fill="hold" nodeType="clickEffect">
+                                  <p:stCondLst>
+                                    <p:cond delay="0"/>
+                                  </p:stCondLst>
+                                  <p:childTnLst>
+                                    <p:set>
+                                      <p:cBhvr>
+                                        <p:cTn id="28" dur="1" fill="hold">
+                                          <p:stCondLst>
+                                            <p:cond delay="0"/>
+                                          </p:stCondLst>
+                                        </p:cTn>
+                                        <p:tgtEl>
+                                          <p:spTgt spid="3">
+                                            <p:txEl>
+                                              <p:pRg st="10" end="10"/>
                                             </p:txEl>
                                           </p:spTgt>
                                         </p:tgtEl>
@@ -30309,8 +29892,8 @@
           <a:chExt cx="0" cy="0"/>
         </a:xfrm>
       </p:grpSpPr>
-      <mc:AlternateContent xmlns:mc="http://schemas.openxmlformats.org/markup-compatibility/2006" xmlns:a14="http://schemas.microsoft.com/office/drawing/2010/main">
-        <mc:Choice Requires="a14">
+      <mc:AlternateContent xmlns:mc="http://schemas.openxmlformats.org/markup-compatibility/2006">
+        <mc:Choice xmlns:a14="http://schemas.microsoft.com/office/drawing/2010/main" Requires="a14">
           <p:sp>
             <p:nvSpPr>
               <p:cNvPr id="3" name="Content Placeholder 2">
@@ -30382,10 +29965,10 @@
                       </m:e>
                       <m:sub>
                         <m:r>
-                          <a:rPr lang="en-US" sz="3200" i="1">
+                          <a:rPr lang="en-US" sz="3200" b="0" i="1" smtClean="0">
                             <a:latin typeface="Cambria Math" panose="02040503050406030204" pitchFamily="18" charset="0"/>
                           </a:rPr>
-                          <m:t>1</m:t>
+                          <m:t>𝑖</m:t>
                         </m:r>
                       </m:sub>
                     </m:sSub>
@@ -30430,10 +30013,10 @@
                       </m:e>
                       <m:sub>
                         <m:r>
-                          <a:rPr lang="en-US" sz="3200" i="1">
+                          <a:rPr lang="en-US" sz="3200" b="0" i="1" smtClean="0">
                             <a:latin typeface="Cambria Math" panose="02040503050406030204" pitchFamily="18" charset="0"/>
                           </a:rPr>
-                          <m:t>1</m:t>
+                          <m:t>𝑖</m:t>
                         </m:r>
                       </m:sub>
                     </m:sSub>
@@ -30528,7 +30111,7 @@
             </p:txBody>
           </p:sp>
         </mc:Choice>
-        <mc:Fallback xmlns="">
+        <mc:Fallback>
           <p:sp>
             <p:nvSpPr>
               <p:cNvPr id="3" name="Content Placeholder 2">
@@ -32665,6 +32248,9 @@
                     <p:cTn id="3" fill="hold">
                       <p:stCondLst>
                         <p:cond delay="indefinite"/>
+                        <p:cond evt="onBegin" delay="0">
+                          <p:tn val="2"/>
+                        </p:cond>
                       </p:stCondLst>
                       <p:childTnLst>
                         <p:par>
@@ -32674,7 +32260,7 @@
                             </p:stCondLst>
                             <p:childTnLst>
                               <p:par>
-                                <p:cTn id="5" presetID="1" presetClass="entr" presetSubtype="0" fill="hold" nodeType="clickEffect">
+                                <p:cTn id="5" presetID="1" presetClass="entr" presetSubtype="0" fill="hold" grpId="0" nodeType="withEffect">
                                   <p:stCondLst>
                                     <p:cond delay="0"/>
                                   </p:stCondLst>
@@ -32687,11 +32273,7 @@
                                           </p:stCondLst>
                                         </p:cTn>
                                         <p:tgtEl>
-                                          <p:spTgt spid="3">
-                                            <p:txEl>
-                                              <p:pRg st="1" end="1"/>
-                                            </p:txEl>
-                                          </p:spTgt>
+                                          <p:spTgt spid="10"/>
                                         </p:tgtEl>
                                         <p:attrNameLst>
                                           <p:attrName>style.visibility</p:attrName>
@@ -32718,7 +32300,7 @@
                                           </p:stCondLst>
                                         </p:cTn>
                                         <p:tgtEl>
-                                          <p:spTgt spid="10"/>
+                                          <p:spTgt spid="16"/>
                                         </p:tgtEl>
                                         <p:attrNameLst>
                                           <p:attrName>style.visibility</p:attrName>
@@ -32745,7 +32327,7 @@
                                           </p:stCondLst>
                                         </p:cTn>
                                         <p:tgtEl>
-                                          <p:spTgt spid="16"/>
+                                          <p:spTgt spid="19"/>
                                         </p:tgtEl>
                                         <p:attrNameLst>
                                           <p:attrName>style.visibility</p:attrName>
@@ -32772,7 +32354,7 @@
                                           </p:stCondLst>
                                         </p:cTn>
                                         <p:tgtEl>
-                                          <p:spTgt spid="19"/>
+                                          <p:spTgt spid="20"/>
                                         </p:tgtEl>
                                         <p:attrNameLst>
                                           <p:attrName>style.visibility</p:attrName>
@@ -32799,7 +32381,7 @@
                                           </p:stCondLst>
                                         </p:cTn>
                                         <p:tgtEl>
-                                          <p:spTgt spid="20"/>
+                                          <p:spTgt spid="26"/>
                                         </p:tgtEl>
                                         <p:attrNameLst>
                                           <p:attrName>style.visibility</p:attrName>
@@ -32826,7 +32408,7 @@
                                           </p:stCondLst>
                                         </p:cTn>
                                         <p:tgtEl>
-                                          <p:spTgt spid="26"/>
+                                          <p:spTgt spid="27"/>
                                         </p:tgtEl>
                                         <p:attrNameLst>
                                           <p:attrName>style.visibility</p:attrName>
@@ -32853,7 +32435,7 @@
                                           </p:stCondLst>
                                         </p:cTn>
                                         <p:tgtEl>
-                                          <p:spTgt spid="27"/>
+                                          <p:spTgt spid="28"/>
                                         </p:tgtEl>
                                         <p:attrNameLst>
                                           <p:attrName>style.visibility</p:attrName>
@@ -32880,7 +32462,7 @@
                                           </p:stCondLst>
                                         </p:cTn>
                                         <p:tgtEl>
-                                          <p:spTgt spid="28"/>
+                                          <p:spTgt spid="30"/>
                                         </p:tgtEl>
                                         <p:attrNameLst>
                                           <p:attrName>style.visibility</p:attrName>
@@ -32907,7 +32489,7 @@
                                           </p:stCondLst>
                                         </p:cTn>
                                         <p:tgtEl>
-                                          <p:spTgt spid="30"/>
+                                          <p:spTgt spid="31"/>
                                         </p:tgtEl>
                                         <p:attrNameLst>
                                           <p:attrName>style.visibility</p:attrName>
@@ -32920,26 +32502,35 @@
                                   </p:childTnLst>
                                 </p:cTn>
                               </p:par>
-                            </p:childTnLst>
-                          </p:cTn>
-                        </p:par>
-                      </p:childTnLst>
-                    </p:cTn>
-                  </p:par>
-                  <p:par>
-                    <p:cTn id="23" fill="hold">
-                      <p:stCondLst>
-                        <p:cond delay="indefinite"/>
-                      </p:stCondLst>
-                      <p:childTnLst>
-                        <p:par>
-                          <p:cTn id="24" fill="hold">
-                            <p:stCondLst>
-                              <p:cond delay="0"/>
-                            </p:stCondLst>
-                            <p:childTnLst>
                               <p:par>
-                                <p:cTn id="25" presetID="1" presetClass="entr" presetSubtype="0" fill="hold" nodeType="clickEffect">
+                                <p:cTn id="23" presetID="1" presetClass="entr" presetSubtype="0" fill="hold" grpId="0" nodeType="withEffect">
+                                  <p:stCondLst>
+                                    <p:cond delay="0"/>
+                                  </p:stCondLst>
+                                  <p:childTnLst>
+                                    <p:set>
+                                      <p:cBhvr>
+                                        <p:cTn id="24" dur="1" fill="hold">
+                                          <p:stCondLst>
+                                            <p:cond delay="0"/>
+                                          </p:stCondLst>
+                                        </p:cTn>
+                                        <p:tgtEl>
+                                          <p:spTgt spid="32"/>
+                                        </p:tgtEl>
+                                        <p:attrNameLst>
+                                          <p:attrName>style.visibility</p:attrName>
+                                        </p:attrNameLst>
+                                      </p:cBhvr>
+                                      <p:to>
+                                        <p:strVal val="visible"/>
+                                      </p:to>
+                                    </p:set>
+                                  </p:childTnLst>
+                                </p:cTn>
+                              </p:par>
+                              <p:par>
+                                <p:cTn id="25" presetID="1" presetClass="entr" presetSubtype="0" fill="hold" grpId="0" nodeType="withEffect">
                                   <p:stCondLst>
                                     <p:cond delay="0"/>
                                   </p:stCondLst>
@@ -32952,11 +32543,7 @@
                                           </p:stCondLst>
                                         </p:cTn>
                                         <p:tgtEl>
-                                          <p:spTgt spid="3">
-                                            <p:txEl>
-                                              <p:pRg st="2" end="2"/>
-                                            </p:txEl>
-                                          </p:spTgt>
+                                          <p:spTgt spid="33"/>
                                         </p:tgtEl>
                                         <p:attrNameLst>
                                           <p:attrName>style.visibility</p:attrName>
@@ -32983,7 +32570,7 @@
                                           </p:stCondLst>
                                         </p:cTn>
                                         <p:tgtEl>
-                                          <p:spTgt spid="31"/>
+                                          <p:spTgt spid="34"/>
                                         </p:tgtEl>
                                         <p:attrNameLst>
                                           <p:attrName>style.visibility</p:attrName>
@@ -33010,7 +32597,7 @@
                                           </p:stCondLst>
                                         </p:cTn>
                                         <p:tgtEl>
-                                          <p:spTgt spid="32"/>
+                                          <p:spTgt spid="35"/>
                                         </p:tgtEl>
                                         <p:attrNameLst>
                                           <p:attrName>style.visibility</p:attrName>
@@ -33037,7 +32624,7 @@
                                           </p:stCondLst>
                                         </p:cTn>
                                         <p:tgtEl>
-                                          <p:spTgt spid="33"/>
+                                          <p:spTgt spid="36"/>
                                         </p:tgtEl>
                                         <p:attrNameLst>
                                           <p:attrName>style.visibility</p:attrName>
@@ -33064,7 +32651,7 @@
                                           </p:stCondLst>
                                         </p:cTn>
                                         <p:tgtEl>
-                                          <p:spTgt spid="34"/>
+                                          <p:spTgt spid="37"/>
                                         </p:tgtEl>
                                         <p:attrNameLst>
                                           <p:attrName>style.visibility</p:attrName>
@@ -33091,186 +32678,7 @@
                                           </p:stCondLst>
                                         </p:cTn>
                                         <p:tgtEl>
-                                          <p:spTgt spid="35"/>
-                                        </p:tgtEl>
-                                        <p:attrNameLst>
-                                          <p:attrName>style.visibility</p:attrName>
-                                        </p:attrNameLst>
-                                      </p:cBhvr>
-                                      <p:to>
-                                        <p:strVal val="visible"/>
-                                      </p:to>
-                                    </p:set>
-                                  </p:childTnLst>
-                                </p:cTn>
-                              </p:par>
-                              <p:par>
-                                <p:cTn id="37" presetID="1" presetClass="entr" presetSubtype="0" fill="hold" grpId="0" nodeType="withEffect">
-                                  <p:stCondLst>
-                                    <p:cond delay="0"/>
-                                  </p:stCondLst>
-                                  <p:childTnLst>
-                                    <p:set>
-                                      <p:cBhvr>
-                                        <p:cTn id="38" dur="1" fill="hold">
-                                          <p:stCondLst>
-                                            <p:cond delay="0"/>
-                                          </p:stCondLst>
-                                        </p:cTn>
-                                        <p:tgtEl>
-                                          <p:spTgt spid="36"/>
-                                        </p:tgtEl>
-                                        <p:attrNameLst>
-                                          <p:attrName>style.visibility</p:attrName>
-                                        </p:attrNameLst>
-                                      </p:cBhvr>
-                                      <p:to>
-                                        <p:strVal val="visible"/>
-                                      </p:to>
-                                    </p:set>
-                                  </p:childTnLst>
-                                </p:cTn>
-                              </p:par>
-                              <p:par>
-                                <p:cTn id="39" presetID="1" presetClass="entr" presetSubtype="0" fill="hold" grpId="0" nodeType="withEffect">
-                                  <p:stCondLst>
-                                    <p:cond delay="0"/>
-                                  </p:stCondLst>
-                                  <p:childTnLst>
-                                    <p:set>
-                                      <p:cBhvr>
-                                        <p:cTn id="40" dur="1" fill="hold">
-                                          <p:stCondLst>
-                                            <p:cond delay="0"/>
-                                          </p:stCondLst>
-                                        </p:cTn>
-                                        <p:tgtEl>
-                                          <p:spTgt spid="37"/>
-                                        </p:tgtEl>
-                                        <p:attrNameLst>
-                                          <p:attrName>style.visibility</p:attrName>
-                                        </p:attrNameLst>
-                                      </p:cBhvr>
-                                      <p:to>
-                                        <p:strVal val="visible"/>
-                                      </p:to>
-                                    </p:set>
-                                  </p:childTnLst>
-                                </p:cTn>
-                              </p:par>
-                              <p:par>
-                                <p:cTn id="41" presetID="1" presetClass="entr" presetSubtype="0" fill="hold" grpId="0" nodeType="withEffect">
-                                  <p:stCondLst>
-                                    <p:cond delay="0"/>
-                                  </p:stCondLst>
-                                  <p:childTnLst>
-                                    <p:set>
-                                      <p:cBhvr>
-                                        <p:cTn id="42" dur="1" fill="hold">
-                                          <p:stCondLst>
-                                            <p:cond delay="0"/>
-                                          </p:stCondLst>
-                                        </p:cTn>
-                                        <p:tgtEl>
                                           <p:spTgt spid="38"/>
-                                        </p:tgtEl>
-                                        <p:attrNameLst>
-                                          <p:attrName>style.visibility</p:attrName>
-                                        </p:attrNameLst>
-                                      </p:cBhvr>
-                                      <p:to>
-                                        <p:strVal val="visible"/>
-                                      </p:to>
-                                    </p:set>
-                                  </p:childTnLst>
-                                </p:cTn>
-                              </p:par>
-                            </p:childTnLst>
-                          </p:cTn>
-                        </p:par>
-                      </p:childTnLst>
-                    </p:cTn>
-                  </p:par>
-                  <p:par>
-                    <p:cTn id="43" fill="hold">
-                      <p:stCondLst>
-                        <p:cond delay="indefinite"/>
-                      </p:stCondLst>
-                      <p:childTnLst>
-                        <p:par>
-                          <p:cTn id="44" fill="hold">
-                            <p:stCondLst>
-                              <p:cond delay="0"/>
-                            </p:stCondLst>
-                            <p:childTnLst>
-                              <p:par>
-                                <p:cTn id="45" presetID="1" presetClass="entr" presetSubtype="0" fill="hold" nodeType="clickEffect">
-                                  <p:stCondLst>
-                                    <p:cond delay="0"/>
-                                  </p:stCondLst>
-                                  <p:childTnLst>
-                                    <p:set>
-                                      <p:cBhvr>
-                                        <p:cTn id="46" dur="1" fill="hold">
-                                          <p:stCondLst>
-                                            <p:cond delay="0"/>
-                                          </p:stCondLst>
-                                        </p:cTn>
-                                        <p:tgtEl>
-                                          <p:spTgt spid="3">
-                                            <p:txEl>
-                                              <p:pRg st="3" end="3"/>
-                                            </p:txEl>
-                                          </p:spTgt>
-                                        </p:tgtEl>
-                                        <p:attrNameLst>
-                                          <p:attrName>style.visibility</p:attrName>
-                                        </p:attrNameLst>
-                                      </p:cBhvr>
-                                      <p:to>
-                                        <p:strVal val="visible"/>
-                                      </p:to>
-                                    </p:set>
-                                  </p:childTnLst>
-                                </p:cTn>
-                              </p:par>
-                            </p:childTnLst>
-                          </p:cTn>
-                        </p:par>
-                      </p:childTnLst>
-                    </p:cTn>
-                  </p:par>
-                  <p:par>
-                    <p:cTn id="47" fill="hold">
-                      <p:stCondLst>
-                        <p:cond delay="indefinite"/>
-                      </p:stCondLst>
-                      <p:childTnLst>
-                        <p:par>
-                          <p:cTn id="48" fill="hold">
-                            <p:stCondLst>
-                              <p:cond delay="0"/>
-                            </p:stCondLst>
-                            <p:childTnLst>
-                              <p:par>
-                                <p:cTn id="49" presetID="1" presetClass="entr" presetSubtype="0" fill="hold" nodeType="clickEffect">
-                                  <p:stCondLst>
-                                    <p:cond delay="0"/>
-                                  </p:stCondLst>
-                                  <p:childTnLst>
-                                    <p:set>
-                                      <p:cBhvr>
-                                        <p:cTn id="50" dur="1" fill="hold">
-                                          <p:stCondLst>
-                                            <p:cond delay="0"/>
-                                          </p:stCondLst>
-                                        </p:cTn>
-                                        <p:tgtEl>
-                                          <p:spTgt spid="3">
-                                            <p:txEl>
-                                              <p:pRg st="4" end="4"/>
-                                            </p:txEl>
-                                          </p:spTgt>
                                         </p:tgtEl>
                                         <p:attrNameLst>
                                           <p:attrName>style.visibility</p:attrName>
@@ -36802,8 +36210,8 @@
           <a:chExt cx="0" cy="0"/>
         </a:xfrm>
       </p:grpSpPr>
-      <mc:AlternateContent xmlns:mc="http://schemas.openxmlformats.org/markup-compatibility/2006">
-        <mc:Choice xmlns:a14="http://schemas.microsoft.com/office/drawing/2010/main" Requires="a14">
+      <mc:AlternateContent xmlns:mc="http://schemas.openxmlformats.org/markup-compatibility/2006" xmlns:a14="http://schemas.microsoft.com/office/drawing/2010/main">
+        <mc:Choice Requires="a14">
           <p:sp>
             <p:nvSpPr>
               <p:cNvPr id="3" name="Content Placeholder 2">
@@ -37049,13 +36457,7 @@
                         <a:rPr lang="en-US" b="0" i="1" smtClean="0">
                           <a:latin typeface="Cambria Math" panose="02040503050406030204" pitchFamily="18" charset="0"/>
                         </a:rPr>
-                        <m:t>)</m:t>
-                      </m:r>
-                      <m:r>
-                        <a:rPr lang="en-US" b="0" i="1" smtClean="0">
-                          <a:latin typeface="Cambria Math" panose="02040503050406030204" pitchFamily="18" charset="0"/>
-                        </a:rPr>
-                        <m:t>=</m:t>
+                        <m:t>)=</m:t>
                       </m:r>
                       <m:nary>
                         <m:naryPr>
@@ -37560,7 +36962,7 @@
             </p:txBody>
           </p:sp>
         </mc:Choice>
-        <mc:Fallback>
+        <mc:Fallback xmlns="">
           <p:sp>
             <p:nvSpPr>
               <p:cNvPr id="3" name="Content Placeholder 2">
@@ -43934,7 +43336,7 @@
           <a:p>
             <a:r>
               <a:rPr lang="en-US" dirty="0"/>
-              <a:t>Can we filter massive streams?  </a:t>
+              <a:t>We can filter massive streams  </a:t>
             </a:r>
           </a:p>
           <a:p>

--- a/slides/3_StreamingAnalytics.pptx
+++ b/slides/3_StreamingAnalytics.pptx
@@ -36210,8 +36210,8 @@
           <a:chExt cx="0" cy="0"/>
         </a:xfrm>
       </p:grpSpPr>
-      <mc:AlternateContent xmlns:mc="http://schemas.openxmlformats.org/markup-compatibility/2006" xmlns:a14="http://schemas.microsoft.com/office/drawing/2010/main">
-        <mc:Choice Requires="a14">
+      <mc:AlternateContent xmlns:mc="http://schemas.openxmlformats.org/markup-compatibility/2006">
+        <mc:Choice xmlns:a14="http://schemas.microsoft.com/office/drawing/2010/main" Requires="a14">
           <p:sp>
             <p:nvSpPr>
               <p:cNvPr id="3" name="Content Placeholder 2">
@@ -36405,7 +36405,7 @@
                 </a14:m>
                 <a:r>
                   <a:rPr lang="en-US" dirty="0"/>
-                  <a:t>, and binary string of length </a:t>
+                  <a:t>, a binary string of length </a:t>
                 </a:r>
                 <a14:m>
                   <m:oMath xmlns:m="http://schemas.openxmlformats.org/officeDocument/2006/math">
@@ -36962,7 +36962,7 @@
             </p:txBody>
           </p:sp>
         </mc:Choice>
-        <mc:Fallback xmlns="">
+        <mc:Fallback>
           <p:sp>
             <p:nvSpPr>
               <p:cNvPr id="3" name="Content Placeholder 2">

--- a/slides/3_StreamingAnalytics.pptx
+++ b/slides/3_StreamingAnalytics.pptx
@@ -5,7 +5,7 @@
     <p:sldMasterId id="2147483648" r:id="rId1"/>
   </p:sldMasterIdLst>
   <p:notesMasterIdLst>
-    <p:notesMasterId r:id="rId51"/>
+    <p:notesMasterId r:id="rId55"/>
   </p:notesMasterIdLst>
   <p:sldIdLst>
     <p:sldId id="256" r:id="rId2"/>
@@ -31,32 +31,36 @@
     <p:sldId id="274" r:id="rId22"/>
     <p:sldId id="384" r:id="rId23"/>
     <p:sldId id="275" r:id="rId24"/>
-    <p:sldId id="276" r:id="rId25"/>
-    <p:sldId id="285" r:id="rId26"/>
-    <p:sldId id="286" r:id="rId27"/>
-    <p:sldId id="284" r:id="rId28"/>
-    <p:sldId id="277" r:id="rId29"/>
-    <p:sldId id="279" r:id="rId30"/>
-    <p:sldId id="280" r:id="rId31"/>
-    <p:sldId id="281" r:id="rId32"/>
-    <p:sldId id="282" r:id="rId33"/>
-    <p:sldId id="283" r:id="rId34"/>
-    <p:sldId id="291" r:id="rId35"/>
-    <p:sldId id="377" r:id="rId36"/>
-    <p:sldId id="381" r:id="rId37"/>
-    <p:sldId id="378" r:id="rId38"/>
-    <p:sldId id="379" r:id="rId39"/>
-    <p:sldId id="287" r:id="rId40"/>
-    <p:sldId id="288" r:id="rId41"/>
-    <p:sldId id="264" r:id="rId42"/>
-    <p:sldId id="380" r:id="rId43"/>
-    <p:sldId id="289" r:id="rId44"/>
-    <p:sldId id="290" r:id="rId45"/>
-    <p:sldId id="373" r:id="rId46"/>
-    <p:sldId id="292" r:id="rId47"/>
-    <p:sldId id="374" r:id="rId48"/>
-    <p:sldId id="376" r:id="rId49"/>
-    <p:sldId id="383" r:id="rId50"/>
+    <p:sldId id="385" r:id="rId25"/>
+    <p:sldId id="276" r:id="rId26"/>
+    <p:sldId id="285" r:id="rId27"/>
+    <p:sldId id="286" r:id="rId28"/>
+    <p:sldId id="284" r:id="rId29"/>
+    <p:sldId id="277" r:id="rId30"/>
+    <p:sldId id="279" r:id="rId31"/>
+    <p:sldId id="280" r:id="rId32"/>
+    <p:sldId id="281" r:id="rId33"/>
+    <p:sldId id="282" r:id="rId34"/>
+    <p:sldId id="283" r:id="rId35"/>
+    <p:sldId id="291" r:id="rId36"/>
+    <p:sldId id="377" r:id="rId37"/>
+    <p:sldId id="381" r:id="rId38"/>
+    <p:sldId id="378" r:id="rId39"/>
+    <p:sldId id="379" r:id="rId40"/>
+    <p:sldId id="287" r:id="rId41"/>
+    <p:sldId id="288" r:id="rId42"/>
+    <p:sldId id="386" r:id="rId43"/>
+    <p:sldId id="387" r:id="rId44"/>
+    <p:sldId id="388" r:id="rId45"/>
+    <p:sldId id="264" r:id="rId46"/>
+    <p:sldId id="380" r:id="rId47"/>
+    <p:sldId id="289" r:id="rId48"/>
+    <p:sldId id="290" r:id="rId49"/>
+    <p:sldId id="373" r:id="rId50"/>
+    <p:sldId id="292" r:id="rId51"/>
+    <p:sldId id="374" r:id="rId52"/>
+    <p:sldId id="376" r:id="rId53"/>
+    <p:sldId id="383" r:id="rId54"/>
   </p:sldIdLst>
   <p:sldSz cx="12192000" cy="6858000"/>
   <p:notesSz cx="6858000" cy="9144000"/>
@@ -245,7 +249,7 @@
           <a:p>
             <a:fld id="{2F3ABF1A-8818-4472-8518-E71DC7B5D2F7}" type="datetimeFigureOut">
               <a:rPr lang="en-US" smtClean="0"/>
-              <a:t>2/4/2024</a:t>
+              <a:t>2/6/2024</a:t>
             </a:fld>
             <a:endParaRPr lang="en-US"/>
           </a:p>
@@ -577,7 +581,7 @@
           <a:p>
             <a:fld id="{F33E01E3-981B-4CB5-81ED-65C622C255CB}" type="slidenum">
               <a:rPr lang="en-US" smtClean="0"/>
-              <a:t>35</a:t>
+              <a:t>36</a:t>
             </a:fld>
             <a:endParaRPr lang="en-US"/>
           </a:p>
@@ -661,7 +665,7 @@
           <a:p>
             <a:fld id="{F33E01E3-981B-4CB5-81ED-65C622C255CB}" type="slidenum">
               <a:rPr lang="en-US" smtClean="0"/>
-              <a:t>36</a:t>
+              <a:t>37</a:t>
             </a:fld>
             <a:endParaRPr lang="en-US"/>
           </a:p>
@@ -827,7 +831,7 @@
           <a:p>
             <a:fld id="{6E4A31BF-7266-4BEB-918B-ADC21C630A6F}" type="datetimeFigureOut">
               <a:rPr lang="en-US" smtClean="0"/>
-              <a:t>2/4/2024</a:t>
+              <a:t>2/6/2024</a:t>
             </a:fld>
             <a:endParaRPr lang="en-US"/>
           </a:p>
@@ -1025,7 +1029,7 @@
           <a:p>
             <a:fld id="{6E4A31BF-7266-4BEB-918B-ADC21C630A6F}" type="datetimeFigureOut">
               <a:rPr lang="en-US" smtClean="0"/>
-              <a:t>2/4/2024</a:t>
+              <a:t>2/6/2024</a:t>
             </a:fld>
             <a:endParaRPr lang="en-US"/>
           </a:p>
@@ -1233,7 +1237,7 @@
           <a:p>
             <a:fld id="{6E4A31BF-7266-4BEB-918B-ADC21C630A6F}" type="datetimeFigureOut">
               <a:rPr lang="en-US" smtClean="0"/>
-              <a:t>2/4/2024</a:t>
+              <a:t>2/6/2024</a:t>
             </a:fld>
             <a:endParaRPr lang="en-US"/>
           </a:p>
@@ -1431,7 +1435,7 @@
           <a:p>
             <a:fld id="{6E4A31BF-7266-4BEB-918B-ADC21C630A6F}" type="datetimeFigureOut">
               <a:rPr lang="en-US" smtClean="0"/>
-              <a:t>2/4/2024</a:t>
+              <a:t>2/6/2024</a:t>
             </a:fld>
             <a:endParaRPr lang="en-US"/>
           </a:p>
@@ -1706,7 +1710,7 @@
           <a:p>
             <a:fld id="{6E4A31BF-7266-4BEB-918B-ADC21C630A6F}" type="datetimeFigureOut">
               <a:rPr lang="en-US" smtClean="0"/>
-              <a:t>2/4/2024</a:t>
+              <a:t>2/6/2024</a:t>
             </a:fld>
             <a:endParaRPr lang="en-US"/>
           </a:p>
@@ -1971,7 +1975,7 @@
           <a:p>
             <a:fld id="{6E4A31BF-7266-4BEB-918B-ADC21C630A6F}" type="datetimeFigureOut">
               <a:rPr lang="en-US" smtClean="0"/>
-              <a:t>2/4/2024</a:t>
+              <a:t>2/6/2024</a:t>
             </a:fld>
             <a:endParaRPr lang="en-US"/>
           </a:p>
@@ -2383,7 +2387,7 @@
           <a:p>
             <a:fld id="{6E4A31BF-7266-4BEB-918B-ADC21C630A6F}" type="datetimeFigureOut">
               <a:rPr lang="en-US" smtClean="0"/>
-              <a:t>2/4/2024</a:t>
+              <a:t>2/6/2024</a:t>
             </a:fld>
             <a:endParaRPr lang="en-US"/>
           </a:p>
@@ -2524,7 +2528,7 @@
           <a:p>
             <a:fld id="{6E4A31BF-7266-4BEB-918B-ADC21C630A6F}" type="datetimeFigureOut">
               <a:rPr lang="en-US" smtClean="0"/>
-              <a:t>2/4/2024</a:t>
+              <a:t>2/6/2024</a:t>
             </a:fld>
             <a:endParaRPr lang="en-US"/>
           </a:p>
@@ -2637,7 +2641,7 @@
           <a:p>
             <a:fld id="{6E4A31BF-7266-4BEB-918B-ADC21C630A6F}" type="datetimeFigureOut">
               <a:rPr lang="en-US" smtClean="0"/>
-              <a:t>2/4/2024</a:t>
+              <a:t>2/6/2024</a:t>
             </a:fld>
             <a:endParaRPr lang="en-US"/>
           </a:p>
@@ -2948,7 +2952,7 @@
           <a:p>
             <a:fld id="{6E4A31BF-7266-4BEB-918B-ADC21C630A6F}" type="datetimeFigureOut">
               <a:rPr lang="en-US" smtClean="0"/>
-              <a:t>2/4/2024</a:t>
+              <a:t>2/6/2024</a:t>
             </a:fld>
             <a:endParaRPr lang="en-US"/>
           </a:p>
@@ -3236,7 +3240,7 @@
           <a:p>
             <a:fld id="{6E4A31BF-7266-4BEB-918B-ADC21C630A6F}" type="datetimeFigureOut">
               <a:rPr lang="en-US" smtClean="0"/>
-              <a:t>2/4/2024</a:t>
+              <a:t>2/6/2024</a:t>
             </a:fld>
             <a:endParaRPr lang="en-US"/>
           </a:p>
@@ -3477,7 +3481,7 @@
           <a:p>
             <a:fld id="{6E4A31BF-7266-4BEB-918B-ADC21C630A6F}" type="datetimeFigureOut">
               <a:rPr lang="en-US" smtClean="0"/>
-              <a:t>2/4/2024</a:t>
+              <a:t>2/6/2024</a:t>
             </a:fld>
             <a:endParaRPr lang="en-US"/>
           </a:p>
@@ -14778,6 +14782,521 @@
   <p:cSld>
     <p:spTree>
       <p:nvGrpSpPr>
+        <p:cNvPr id="1" name="">
+          <a:extLst>
+            <a:ext uri="{FF2B5EF4-FFF2-40B4-BE49-F238E27FC236}">
+              <a16:creationId xmlns:a16="http://schemas.microsoft.com/office/drawing/2014/main" id="{D997B91D-A415-5792-855E-06CC34017C5A}"/>
+            </a:ext>
+          </a:extLst>
+        </p:cNvPr>
+        <p:cNvGrpSpPr/>
+        <p:nvPr/>
+      </p:nvGrpSpPr>
+      <p:grpSpPr>
+        <a:xfrm>
+          <a:off x="0" y="0"/>
+          <a:ext cx="0" cy="0"/>
+          <a:chOff x="0" y="0"/>
+          <a:chExt cx="0" cy="0"/>
+        </a:xfrm>
+      </p:grpSpPr>
+      <p:sp>
+        <p:nvSpPr>
+          <p:cNvPr id="3" name="Content Placeholder 2">
+            <a:extLst>
+              <a:ext uri="{FF2B5EF4-FFF2-40B4-BE49-F238E27FC236}">
+                <a16:creationId xmlns:a16="http://schemas.microsoft.com/office/drawing/2014/main" id="{6ECF5A2D-5230-DA9A-25FA-B5E69536E921}"/>
+              </a:ext>
+            </a:extLst>
+          </p:cNvPr>
+          <p:cNvSpPr>
+            <a:spLocks noGrp="1"/>
+          </p:cNvSpPr>
+          <p:nvPr>
+            <p:ph idx="1"/>
+          </p:nvPr>
+        </p:nvSpPr>
+        <p:spPr>
+          <a:xfrm>
+            <a:off x="784412" y="1100381"/>
+            <a:ext cx="10515600" cy="5558724"/>
+          </a:xfrm>
+        </p:spPr>
+        <p:txBody>
+          <a:bodyPr>
+            <a:normAutofit/>
+          </a:bodyPr>
+          <a:lstStyle/>
+          <a:p>
+            <a:pPr marL="0" indent="0">
+              <a:buNone/>
+            </a:pPr>
+            <a:r>
+              <a:rPr lang="en-US" dirty="0"/>
+              <a:t>How can we evaluate the effect of filtering and decimation of time series? </a:t>
+            </a:r>
+          </a:p>
+          <a:p>
+            <a:r>
+              <a:rPr lang="en-US" dirty="0"/>
+              <a:t>Evaluated the differences between original series and the filtered/decimated series  </a:t>
+            </a:r>
+          </a:p>
+          <a:p>
+            <a:r>
+              <a:rPr lang="en-US" dirty="0"/>
+              <a:t>What does the difference series look like  </a:t>
+            </a:r>
+          </a:p>
+          <a:p>
+            <a:pPr lvl="1"/>
+            <a:r>
+              <a:rPr lang="en-US" dirty="0"/>
+              <a:t>How does the magnitude of the errors compare to original values?  </a:t>
+            </a:r>
+          </a:p>
+          <a:p>
+            <a:pPr lvl="1"/>
+            <a:r>
+              <a:rPr lang="en-US" dirty="0"/>
+              <a:t>Are the errors fairly uniformly distributed?   </a:t>
+            </a:r>
+          </a:p>
+          <a:p>
+            <a:r>
+              <a:rPr lang="en-US" dirty="0"/>
+              <a:t>Error metrics</a:t>
+            </a:r>
+          </a:p>
+          <a:p>
+            <a:pPr lvl="1"/>
+            <a:r>
+              <a:rPr lang="en-US" dirty="0"/>
+              <a:t>RMSE  </a:t>
+            </a:r>
+          </a:p>
+          <a:p>
+            <a:pPr lvl="1"/>
+            <a:r>
+              <a:rPr lang="en-US" dirty="0"/>
+              <a:t>MAE</a:t>
+            </a:r>
+          </a:p>
+          <a:p>
+            <a:pPr lvl="1"/>
+            <a:r>
+              <a:rPr lang="en-US" dirty="0"/>
+              <a:t>Etc. </a:t>
+            </a:r>
+          </a:p>
+        </p:txBody>
+      </p:sp>
+      <p:sp>
+        <p:nvSpPr>
+          <p:cNvPr id="6" name="Title 1">
+            <a:extLst>
+              <a:ext uri="{FF2B5EF4-FFF2-40B4-BE49-F238E27FC236}">
+                <a16:creationId xmlns:a16="http://schemas.microsoft.com/office/drawing/2014/main" id="{E036E439-EF53-994E-9510-D7CDD6B5037E}"/>
+              </a:ext>
+            </a:extLst>
+          </p:cNvPr>
+          <p:cNvSpPr txBox="1">
+            <a:spLocks/>
+          </p:cNvSpPr>
+          <p:nvPr/>
+        </p:nvSpPr>
+        <p:spPr>
+          <a:xfrm>
+            <a:off x="838200" y="-635"/>
+            <a:ext cx="10515600" cy="1325563"/>
+          </a:xfrm>
+          <a:prstGeom prst="rect">
+            <a:avLst/>
+          </a:prstGeom>
+        </p:spPr>
+        <p:txBody>
+          <a:bodyPr vert="horz" lIns="91440" tIns="45720" rIns="91440" bIns="45720" rtlCol="0" anchor="ctr">
+            <a:normAutofit/>
+          </a:bodyPr>
+          <a:lstStyle>
+            <a:lvl1pPr algn="l" defTabSz="914400" rtl="0" eaLnBrk="1" latinLnBrk="0" hangingPunct="1">
+              <a:lnSpc>
+                <a:spcPct val="90000"/>
+              </a:lnSpc>
+              <a:spcBef>
+                <a:spcPct val="0"/>
+              </a:spcBef>
+              <a:buNone/>
+              <a:defRPr sz="4400" kern="1200">
+                <a:solidFill>
+                  <a:schemeClr val="tx1"/>
+                </a:solidFill>
+                <a:latin typeface="+mj-lt"/>
+                <a:ea typeface="+mj-ea"/>
+                <a:cs typeface="+mj-cs"/>
+              </a:defRPr>
+            </a:lvl1pPr>
+          </a:lstStyle>
+          <a:p>
+            <a:r>
+              <a:rPr lang="en-US" dirty="0">
+                <a:latin typeface="+mn-lt"/>
+              </a:rPr>
+              <a:t>Evaluating Stream Filtering</a:t>
+            </a:r>
+          </a:p>
+        </p:txBody>
+      </p:sp>
+    </p:spTree>
+    <p:extLst>
+      <p:ext uri="{BB962C8B-B14F-4D97-AF65-F5344CB8AC3E}">
+        <p14:creationId xmlns:p14="http://schemas.microsoft.com/office/powerpoint/2010/main" val="211162689"/>
+      </p:ext>
+    </p:extLst>
+  </p:cSld>
+  <p:clrMapOvr>
+    <a:masterClrMapping/>
+  </p:clrMapOvr>
+  <p:timing>
+    <p:tnLst>
+      <p:par>
+        <p:cTn id="1" dur="indefinite" restart="never" nodeType="tmRoot">
+          <p:childTnLst>
+            <p:seq concurrent="1" nextAc="seek">
+              <p:cTn id="2" dur="indefinite" nodeType="mainSeq">
+                <p:childTnLst>
+                  <p:par>
+                    <p:cTn id="3" fill="hold">
+                      <p:stCondLst>
+                        <p:cond delay="indefinite"/>
+                      </p:stCondLst>
+                      <p:childTnLst>
+                        <p:par>
+                          <p:cTn id="4" fill="hold">
+                            <p:stCondLst>
+                              <p:cond delay="0"/>
+                            </p:stCondLst>
+                            <p:childTnLst>
+                              <p:par>
+                                <p:cTn id="5" presetID="1" presetClass="entr" presetSubtype="0" fill="hold" nodeType="clickEffect">
+                                  <p:stCondLst>
+                                    <p:cond delay="0"/>
+                                  </p:stCondLst>
+                                  <p:childTnLst>
+                                    <p:set>
+                                      <p:cBhvr>
+                                        <p:cTn id="6" dur="1" fill="hold">
+                                          <p:stCondLst>
+                                            <p:cond delay="0"/>
+                                          </p:stCondLst>
+                                        </p:cTn>
+                                        <p:tgtEl>
+                                          <p:spTgt spid="3">
+                                            <p:txEl>
+                                              <p:pRg st="1" end="1"/>
+                                            </p:txEl>
+                                          </p:spTgt>
+                                        </p:tgtEl>
+                                        <p:attrNameLst>
+                                          <p:attrName>style.visibility</p:attrName>
+                                        </p:attrNameLst>
+                                      </p:cBhvr>
+                                      <p:to>
+                                        <p:strVal val="visible"/>
+                                      </p:to>
+                                    </p:set>
+                                  </p:childTnLst>
+                                </p:cTn>
+                              </p:par>
+                            </p:childTnLst>
+                          </p:cTn>
+                        </p:par>
+                      </p:childTnLst>
+                    </p:cTn>
+                  </p:par>
+                  <p:par>
+                    <p:cTn id="7" fill="hold">
+                      <p:stCondLst>
+                        <p:cond delay="indefinite"/>
+                      </p:stCondLst>
+                      <p:childTnLst>
+                        <p:par>
+                          <p:cTn id="8" fill="hold">
+                            <p:stCondLst>
+                              <p:cond delay="0"/>
+                            </p:stCondLst>
+                            <p:childTnLst>
+                              <p:par>
+                                <p:cTn id="9" presetID="1" presetClass="entr" presetSubtype="0" fill="hold" nodeType="clickEffect">
+                                  <p:stCondLst>
+                                    <p:cond delay="0"/>
+                                  </p:stCondLst>
+                                  <p:childTnLst>
+                                    <p:set>
+                                      <p:cBhvr>
+                                        <p:cTn id="10" dur="1" fill="hold">
+                                          <p:stCondLst>
+                                            <p:cond delay="0"/>
+                                          </p:stCondLst>
+                                        </p:cTn>
+                                        <p:tgtEl>
+                                          <p:spTgt spid="3">
+                                            <p:txEl>
+                                              <p:pRg st="2" end="2"/>
+                                            </p:txEl>
+                                          </p:spTgt>
+                                        </p:tgtEl>
+                                        <p:attrNameLst>
+                                          <p:attrName>style.visibility</p:attrName>
+                                        </p:attrNameLst>
+                                      </p:cBhvr>
+                                      <p:to>
+                                        <p:strVal val="visible"/>
+                                      </p:to>
+                                    </p:set>
+                                  </p:childTnLst>
+                                </p:cTn>
+                              </p:par>
+                              <p:par>
+                                <p:cTn id="11" presetID="1" presetClass="entr" presetSubtype="0" fill="hold" nodeType="withEffect">
+                                  <p:stCondLst>
+                                    <p:cond delay="0"/>
+                                  </p:stCondLst>
+                                  <p:childTnLst>
+                                    <p:set>
+                                      <p:cBhvr>
+                                        <p:cTn id="12" dur="1" fill="hold">
+                                          <p:stCondLst>
+                                            <p:cond delay="0"/>
+                                          </p:stCondLst>
+                                        </p:cTn>
+                                        <p:tgtEl>
+                                          <p:spTgt spid="3">
+                                            <p:txEl>
+                                              <p:pRg st="3" end="3"/>
+                                            </p:txEl>
+                                          </p:spTgt>
+                                        </p:tgtEl>
+                                        <p:attrNameLst>
+                                          <p:attrName>style.visibility</p:attrName>
+                                        </p:attrNameLst>
+                                      </p:cBhvr>
+                                      <p:to>
+                                        <p:strVal val="visible"/>
+                                      </p:to>
+                                    </p:set>
+                                  </p:childTnLst>
+                                </p:cTn>
+                              </p:par>
+                              <p:par>
+                                <p:cTn id="13" presetID="1" presetClass="entr" presetSubtype="0" fill="hold" nodeType="withEffect">
+                                  <p:stCondLst>
+                                    <p:cond delay="0"/>
+                                  </p:stCondLst>
+                                  <p:childTnLst>
+                                    <p:set>
+                                      <p:cBhvr>
+                                        <p:cTn id="14" dur="1" fill="hold">
+                                          <p:stCondLst>
+                                            <p:cond delay="0"/>
+                                          </p:stCondLst>
+                                        </p:cTn>
+                                        <p:tgtEl>
+                                          <p:spTgt spid="3">
+                                            <p:txEl>
+                                              <p:pRg st="4" end="4"/>
+                                            </p:txEl>
+                                          </p:spTgt>
+                                        </p:tgtEl>
+                                        <p:attrNameLst>
+                                          <p:attrName>style.visibility</p:attrName>
+                                        </p:attrNameLst>
+                                      </p:cBhvr>
+                                      <p:to>
+                                        <p:strVal val="visible"/>
+                                      </p:to>
+                                    </p:set>
+                                  </p:childTnLst>
+                                </p:cTn>
+                              </p:par>
+                            </p:childTnLst>
+                          </p:cTn>
+                        </p:par>
+                      </p:childTnLst>
+                    </p:cTn>
+                  </p:par>
+                  <p:par>
+                    <p:cTn id="15" fill="hold">
+                      <p:stCondLst>
+                        <p:cond delay="indefinite"/>
+                      </p:stCondLst>
+                      <p:childTnLst>
+                        <p:par>
+                          <p:cTn id="16" fill="hold">
+                            <p:stCondLst>
+                              <p:cond delay="0"/>
+                            </p:stCondLst>
+                            <p:childTnLst>
+                              <p:par>
+                                <p:cTn id="17" presetID="1" presetClass="entr" presetSubtype="0" fill="hold" nodeType="clickEffect">
+                                  <p:stCondLst>
+                                    <p:cond delay="0"/>
+                                  </p:stCondLst>
+                                  <p:childTnLst>
+                                    <p:set>
+                                      <p:cBhvr>
+                                        <p:cTn id="18" dur="1" fill="hold">
+                                          <p:stCondLst>
+                                            <p:cond delay="0"/>
+                                          </p:stCondLst>
+                                        </p:cTn>
+                                        <p:tgtEl>
+                                          <p:spTgt spid="3">
+                                            <p:txEl>
+                                              <p:pRg st="5" end="5"/>
+                                            </p:txEl>
+                                          </p:spTgt>
+                                        </p:tgtEl>
+                                        <p:attrNameLst>
+                                          <p:attrName>style.visibility</p:attrName>
+                                        </p:attrNameLst>
+                                      </p:cBhvr>
+                                      <p:to>
+                                        <p:strVal val="visible"/>
+                                      </p:to>
+                                    </p:set>
+                                  </p:childTnLst>
+                                </p:cTn>
+                              </p:par>
+                              <p:par>
+                                <p:cTn id="19" presetID="1" presetClass="entr" presetSubtype="0" fill="hold" nodeType="withEffect">
+                                  <p:stCondLst>
+                                    <p:cond delay="0"/>
+                                  </p:stCondLst>
+                                  <p:childTnLst>
+                                    <p:set>
+                                      <p:cBhvr>
+                                        <p:cTn id="20" dur="1" fill="hold">
+                                          <p:stCondLst>
+                                            <p:cond delay="0"/>
+                                          </p:stCondLst>
+                                        </p:cTn>
+                                        <p:tgtEl>
+                                          <p:spTgt spid="3">
+                                            <p:txEl>
+                                              <p:pRg st="6" end="6"/>
+                                            </p:txEl>
+                                          </p:spTgt>
+                                        </p:tgtEl>
+                                        <p:attrNameLst>
+                                          <p:attrName>style.visibility</p:attrName>
+                                        </p:attrNameLst>
+                                      </p:cBhvr>
+                                      <p:to>
+                                        <p:strVal val="visible"/>
+                                      </p:to>
+                                    </p:set>
+                                  </p:childTnLst>
+                                </p:cTn>
+                              </p:par>
+                              <p:par>
+                                <p:cTn id="21" presetID="1" presetClass="entr" presetSubtype="0" fill="hold" nodeType="withEffect">
+                                  <p:stCondLst>
+                                    <p:cond delay="0"/>
+                                  </p:stCondLst>
+                                  <p:childTnLst>
+                                    <p:set>
+                                      <p:cBhvr>
+                                        <p:cTn id="22" dur="1" fill="hold">
+                                          <p:stCondLst>
+                                            <p:cond delay="0"/>
+                                          </p:stCondLst>
+                                        </p:cTn>
+                                        <p:tgtEl>
+                                          <p:spTgt spid="3">
+                                            <p:txEl>
+                                              <p:pRg st="7" end="7"/>
+                                            </p:txEl>
+                                          </p:spTgt>
+                                        </p:tgtEl>
+                                        <p:attrNameLst>
+                                          <p:attrName>style.visibility</p:attrName>
+                                        </p:attrNameLst>
+                                      </p:cBhvr>
+                                      <p:to>
+                                        <p:strVal val="visible"/>
+                                      </p:to>
+                                    </p:set>
+                                  </p:childTnLst>
+                                </p:cTn>
+                              </p:par>
+                              <p:par>
+                                <p:cTn id="23" presetID="1" presetClass="entr" presetSubtype="0" fill="hold" nodeType="withEffect">
+                                  <p:stCondLst>
+                                    <p:cond delay="0"/>
+                                  </p:stCondLst>
+                                  <p:childTnLst>
+                                    <p:set>
+                                      <p:cBhvr>
+                                        <p:cTn id="24" dur="1" fill="hold">
+                                          <p:stCondLst>
+                                            <p:cond delay="0"/>
+                                          </p:stCondLst>
+                                        </p:cTn>
+                                        <p:tgtEl>
+                                          <p:spTgt spid="3">
+                                            <p:txEl>
+                                              <p:pRg st="8" end="8"/>
+                                            </p:txEl>
+                                          </p:spTgt>
+                                        </p:tgtEl>
+                                        <p:attrNameLst>
+                                          <p:attrName>style.visibility</p:attrName>
+                                        </p:attrNameLst>
+                                      </p:cBhvr>
+                                      <p:to>
+                                        <p:strVal val="visible"/>
+                                      </p:to>
+                                    </p:set>
+                                  </p:childTnLst>
+                                </p:cTn>
+                              </p:par>
+                            </p:childTnLst>
+                          </p:cTn>
+                        </p:par>
+                      </p:childTnLst>
+                    </p:cTn>
+                  </p:par>
+                </p:childTnLst>
+              </p:cTn>
+              <p:prevCondLst>
+                <p:cond evt="onPrev" delay="0">
+                  <p:tgtEl>
+                    <p:sldTgt/>
+                  </p:tgtEl>
+                </p:cond>
+              </p:prevCondLst>
+              <p:nextCondLst>
+                <p:cond evt="onNext" delay="0">
+                  <p:tgtEl>
+                    <p:sldTgt/>
+                  </p:tgtEl>
+                </p:cond>
+              </p:nextCondLst>
+            </p:seq>
+          </p:childTnLst>
+        </p:cTn>
+      </p:par>
+    </p:tnLst>
+  </p:timing>
+</p:sld>
+</file>
+
+<file path=ppt/slides/slide25.xml><?xml version="1.0" encoding="utf-8"?>
+<p:sld xmlns:a="http://schemas.openxmlformats.org/drawingml/2006/main" xmlns:r="http://schemas.openxmlformats.org/officeDocument/2006/relationships" xmlns:p="http://schemas.openxmlformats.org/presentationml/2006/main">
+  <p:cSld>
+    <p:spTree>
+      <p:nvGrpSpPr>
         <p:cNvPr id="1" name=""/>
         <p:cNvGrpSpPr/>
         <p:nvPr/>
@@ -15379,7 +15898,7 @@
 </p:sld>
 </file>
 
-<file path=ppt/slides/slide25.xml><?xml version="1.0" encoding="utf-8"?>
+<file path=ppt/slides/slide26.xml><?xml version="1.0" encoding="utf-8"?>
 <p:sld xmlns:a="http://schemas.openxmlformats.org/drawingml/2006/main" xmlns:r="http://schemas.openxmlformats.org/officeDocument/2006/relationships" xmlns:p="http://schemas.openxmlformats.org/presentationml/2006/main">
   <p:cSld>
     <p:spTree>
@@ -15973,7 +16492,7 @@
 </p:sld>
 </file>
 
-<file path=ppt/slides/slide26.xml><?xml version="1.0" encoding="utf-8"?>
+<file path=ppt/slides/slide27.xml><?xml version="1.0" encoding="utf-8"?>
 <p:sld xmlns:a="http://schemas.openxmlformats.org/drawingml/2006/main" xmlns:r="http://schemas.openxmlformats.org/officeDocument/2006/relationships" xmlns:p="http://schemas.openxmlformats.org/presentationml/2006/main">
   <p:cSld>
     <p:spTree>
@@ -16496,7 +17015,7 @@
 </p:sld>
 </file>
 
-<file path=ppt/slides/slide27.xml><?xml version="1.0" encoding="utf-8"?>
+<file path=ppt/slides/slide28.xml><?xml version="1.0" encoding="utf-8"?>
 <p:sld xmlns:a="http://schemas.openxmlformats.org/drawingml/2006/main" xmlns:r="http://schemas.openxmlformats.org/officeDocument/2006/relationships" xmlns:p="http://schemas.openxmlformats.org/presentationml/2006/main">
   <p:cSld>
     <p:spTree>
@@ -16986,7 +17505,7 @@
 </p:sld>
 </file>
 
-<file path=ppt/slides/slide28.xml><?xml version="1.0" encoding="utf-8"?>
+<file path=ppt/slides/slide29.xml><?xml version="1.0" encoding="utf-8"?>
 <p:sld xmlns:a="http://schemas.openxmlformats.org/drawingml/2006/main" xmlns:r="http://schemas.openxmlformats.org/officeDocument/2006/relationships" xmlns:p="http://schemas.openxmlformats.org/presentationml/2006/main">
   <p:cSld>
     <p:spTree>
@@ -17571,7 +18090,221 @@
 </p:sld>
 </file>
 
-<file path=ppt/slides/slide29.xml><?xml version="1.0" encoding="utf-8"?>
+<file path=ppt/slides/slide3.xml><?xml version="1.0" encoding="utf-8"?>
+<p:sld xmlns:a="http://schemas.openxmlformats.org/drawingml/2006/main" xmlns:r="http://schemas.openxmlformats.org/officeDocument/2006/relationships" xmlns:p="http://schemas.openxmlformats.org/presentationml/2006/main">
+  <p:cSld>
+    <p:spTree>
+      <p:nvGrpSpPr>
+        <p:cNvPr id="1" name=""/>
+        <p:cNvGrpSpPr/>
+        <p:nvPr/>
+      </p:nvGrpSpPr>
+      <p:grpSpPr>
+        <a:xfrm>
+          <a:off x="0" y="0"/>
+          <a:ext cx="0" cy="0"/>
+          <a:chOff x="0" y="0"/>
+          <a:chExt cx="0" cy="0"/>
+        </a:xfrm>
+      </p:grpSpPr>
+      <p:sp>
+        <p:nvSpPr>
+          <p:cNvPr id="3" name="Content Placeholder 2">
+            <a:extLst>
+              <a:ext uri="{FF2B5EF4-FFF2-40B4-BE49-F238E27FC236}">
+                <a16:creationId xmlns:a16="http://schemas.microsoft.com/office/drawing/2014/main" id="{258E6AF3-7615-4BD1-878E-A94C93E98F90}"/>
+              </a:ext>
+            </a:extLst>
+          </p:cNvPr>
+          <p:cNvSpPr>
+            <a:spLocks noGrp="1"/>
+          </p:cNvSpPr>
+          <p:nvPr>
+            <p:ph idx="1"/>
+          </p:nvPr>
+        </p:nvSpPr>
+        <p:spPr>
+          <a:xfrm>
+            <a:off x="784411" y="1324928"/>
+            <a:ext cx="6903321" cy="5427940"/>
+          </a:xfrm>
+        </p:spPr>
+        <p:txBody>
+          <a:bodyPr/>
+          <a:lstStyle/>
+          <a:p>
+            <a:pPr marL="0" indent="0">
+              <a:buNone/>
+            </a:pPr>
+            <a:r>
+              <a:rPr lang="en-US" sz="3200" dirty="0"/>
+              <a:t>New book on massive scale streaming analytics </a:t>
+            </a:r>
+          </a:p>
+          <a:p>
+            <a:r>
+              <a:rPr lang="en-US" sz="3200" dirty="0">
+                <a:hlinkClick r:id="rId2"/>
+              </a:rPr>
+              <a:t>Algorithms for Massive Datasets, </a:t>
+            </a:r>
+            <a:r>
+              <a:rPr lang="en-US" dirty="0" err="1">
+                <a:hlinkClick r:id="rId2"/>
+              </a:rPr>
+              <a:t>Medjedovic</a:t>
+            </a:r>
+            <a:r>
+              <a:rPr lang="en-US" dirty="0">
+                <a:hlinkClick r:id="rId2"/>
+              </a:rPr>
+              <a:t>, </a:t>
+            </a:r>
+            <a:r>
+              <a:rPr lang="en-US" dirty="0" err="1">
+                <a:hlinkClick r:id="rId2"/>
+              </a:rPr>
+              <a:t>Tahirovic</a:t>
+            </a:r>
+            <a:r>
+              <a:rPr lang="en-US" dirty="0">
+                <a:hlinkClick r:id="rId2"/>
+              </a:rPr>
+              <a:t>, and </a:t>
+            </a:r>
+            <a:r>
+              <a:rPr lang="en-US" dirty="0" err="1">
+                <a:hlinkClick r:id="rId2"/>
+              </a:rPr>
+              <a:t>Dedovic</a:t>
+            </a:r>
+            <a:r>
+              <a:rPr lang="en-US" dirty="0">
+                <a:hlinkClick r:id="rId2"/>
+              </a:rPr>
+              <a:t>, Manning, 2020</a:t>
+            </a:r>
+            <a:endParaRPr lang="en-US" sz="3200" dirty="0"/>
+          </a:p>
+        </p:txBody>
+      </p:sp>
+      <p:sp>
+        <p:nvSpPr>
+          <p:cNvPr id="6" name="Title 1">
+            <a:extLst>
+              <a:ext uri="{FF2B5EF4-FFF2-40B4-BE49-F238E27FC236}">
+                <a16:creationId xmlns:a16="http://schemas.microsoft.com/office/drawing/2014/main" id="{CD29F70F-B868-451B-A65D-8721F4C7A2D9}"/>
+              </a:ext>
+            </a:extLst>
+          </p:cNvPr>
+          <p:cNvSpPr txBox="1">
+            <a:spLocks/>
+          </p:cNvSpPr>
+          <p:nvPr/>
+        </p:nvSpPr>
+        <p:spPr>
+          <a:xfrm>
+            <a:off x="838200" y="-635"/>
+            <a:ext cx="10515600" cy="1325563"/>
+          </a:xfrm>
+          <a:prstGeom prst="rect">
+            <a:avLst/>
+          </a:prstGeom>
+        </p:spPr>
+        <p:txBody>
+          <a:bodyPr vert="horz" lIns="91440" tIns="45720" rIns="91440" bIns="45720" rtlCol="0" anchor="ctr">
+            <a:normAutofit/>
+          </a:bodyPr>
+          <a:lstStyle>
+            <a:lvl1pPr algn="l" defTabSz="914400" rtl="0" eaLnBrk="1" latinLnBrk="0" hangingPunct="1">
+              <a:lnSpc>
+                <a:spcPct val="90000"/>
+              </a:lnSpc>
+              <a:spcBef>
+                <a:spcPct val="0"/>
+              </a:spcBef>
+              <a:buNone/>
+              <a:defRPr sz="4400" kern="1200">
+                <a:solidFill>
+                  <a:schemeClr val="tx1"/>
+                </a:solidFill>
+                <a:latin typeface="+mj-lt"/>
+                <a:ea typeface="+mj-ea"/>
+                <a:cs typeface="+mj-cs"/>
+              </a:defRPr>
+            </a:lvl1pPr>
+          </a:lstStyle>
+          <a:p>
+            <a:r>
+              <a:rPr lang="en-US" dirty="0">
+                <a:latin typeface="+mn-lt"/>
+              </a:rPr>
+              <a:t>Streaming Analytics</a:t>
+            </a:r>
+          </a:p>
+        </p:txBody>
+      </p:sp>
+      <p:pic>
+        <p:nvPicPr>
+          <p:cNvPr id="1026" name="Picture 2">
+            <a:extLst>
+              <a:ext uri="{FF2B5EF4-FFF2-40B4-BE49-F238E27FC236}">
+                <a16:creationId xmlns:a16="http://schemas.microsoft.com/office/drawing/2014/main" id="{05203AD4-4884-5D0A-EDDC-437D2820F8DD}"/>
+              </a:ext>
+            </a:extLst>
+          </p:cNvPr>
+          <p:cNvPicPr>
+            <a:picLocks noChangeAspect="1" noChangeArrowheads="1"/>
+          </p:cNvPicPr>
+          <p:nvPr/>
+        </p:nvPicPr>
+        <p:blipFill>
+          <a:blip r:embed="rId3">
+            <a:extLst>
+              <a:ext uri="{28A0092B-C50C-407E-A947-70E740481C1C}">
+                <a14:useLocalDpi xmlns:a14="http://schemas.microsoft.com/office/drawing/2010/main" val="0"/>
+              </a:ext>
+            </a:extLst>
+          </a:blip>
+          <a:srcRect/>
+          <a:stretch>
+            <a:fillRect/>
+          </a:stretch>
+        </p:blipFill>
+        <p:spPr bwMode="auto">
+          <a:xfrm>
+            <a:off x="8246534" y="1547208"/>
+            <a:ext cx="3429000" cy="4295775"/>
+          </a:xfrm>
+          <a:prstGeom prst="rect">
+            <a:avLst/>
+          </a:prstGeom>
+          <a:noFill/>
+          <a:extLst>
+            <a:ext uri="{909E8E84-426E-40DD-AFC4-6F175D3DCCD1}">
+              <a14:hiddenFill xmlns:a14="http://schemas.microsoft.com/office/drawing/2010/main">
+                <a:solidFill>
+                  <a:srgbClr val="FFFFFF"/>
+                </a:solidFill>
+              </a14:hiddenFill>
+            </a:ext>
+          </a:extLst>
+        </p:spPr>
+      </p:pic>
+    </p:spTree>
+    <p:extLst>
+      <p:ext uri="{BB962C8B-B14F-4D97-AF65-F5344CB8AC3E}">
+        <p14:creationId xmlns:p14="http://schemas.microsoft.com/office/powerpoint/2010/main" val="1911834383"/>
+      </p:ext>
+    </p:extLst>
+  </p:cSld>
+  <p:clrMapOvr>
+    <a:masterClrMapping/>
+  </p:clrMapOvr>
+</p:sld>
+</file>
+
+<file path=ppt/slides/slide30.xml><?xml version="1.0" encoding="utf-8"?>
 <p:sld xmlns:a="http://schemas.openxmlformats.org/drawingml/2006/main" xmlns:r="http://schemas.openxmlformats.org/officeDocument/2006/relationships" xmlns:p="http://schemas.openxmlformats.org/presentationml/2006/main">
   <p:cSld>
     <p:spTree>
@@ -20148,221 +20881,7 @@
 </p:sld>
 </file>
 
-<file path=ppt/slides/slide3.xml><?xml version="1.0" encoding="utf-8"?>
-<p:sld xmlns:a="http://schemas.openxmlformats.org/drawingml/2006/main" xmlns:r="http://schemas.openxmlformats.org/officeDocument/2006/relationships" xmlns:p="http://schemas.openxmlformats.org/presentationml/2006/main">
-  <p:cSld>
-    <p:spTree>
-      <p:nvGrpSpPr>
-        <p:cNvPr id="1" name=""/>
-        <p:cNvGrpSpPr/>
-        <p:nvPr/>
-      </p:nvGrpSpPr>
-      <p:grpSpPr>
-        <a:xfrm>
-          <a:off x="0" y="0"/>
-          <a:ext cx="0" cy="0"/>
-          <a:chOff x="0" y="0"/>
-          <a:chExt cx="0" cy="0"/>
-        </a:xfrm>
-      </p:grpSpPr>
-      <p:sp>
-        <p:nvSpPr>
-          <p:cNvPr id="3" name="Content Placeholder 2">
-            <a:extLst>
-              <a:ext uri="{FF2B5EF4-FFF2-40B4-BE49-F238E27FC236}">
-                <a16:creationId xmlns:a16="http://schemas.microsoft.com/office/drawing/2014/main" id="{258E6AF3-7615-4BD1-878E-A94C93E98F90}"/>
-              </a:ext>
-            </a:extLst>
-          </p:cNvPr>
-          <p:cNvSpPr>
-            <a:spLocks noGrp="1"/>
-          </p:cNvSpPr>
-          <p:nvPr>
-            <p:ph idx="1"/>
-          </p:nvPr>
-        </p:nvSpPr>
-        <p:spPr>
-          <a:xfrm>
-            <a:off x="784411" y="1324928"/>
-            <a:ext cx="6903321" cy="5427940"/>
-          </a:xfrm>
-        </p:spPr>
-        <p:txBody>
-          <a:bodyPr/>
-          <a:lstStyle/>
-          <a:p>
-            <a:pPr marL="0" indent="0">
-              <a:buNone/>
-            </a:pPr>
-            <a:r>
-              <a:rPr lang="en-US" sz="3200" dirty="0"/>
-              <a:t>New book on massive scale streaming analytics </a:t>
-            </a:r>
-          </a:p>
-          <a:p>
-            <a:r>
-              <a:rPr lang="en-US" sz="3200" dirty="0">
-                <a:hlinkClick r:id="rId2"/>
-              </a:rPr>
-              <a:t>Algorithms for Massive Datasets, </a:t>
-            </a:r>
-            <a:r>
-              <a:rPr lang="en-US" dirty="0" err="1">
-                <a:hlinkClick r:id="rId2"/>
-              </a:rPr>
-              <a:t>Medjedovic</a:t>
-            </a:r>
-            <a:r>
-              <a:rPr lang="en-US" dirty="0">
-                <a:hlinkClick r:id="rId2"/>
-              </a:rPr>
-              <a:t>, </a:t>
-            </a:r>
-            <a:r>
-              <a:rPr lang="en-US" dirty="0" err="1">
-                <a:hlinkClick r:id="rId2"/>
-              </a:rPr>
-              <a:t>Tahirovic</a:t>
-            </a:r>
-            <a:r>
-              <a:rPr lang="en-US" dirty="0">
-                <a:hlinkClick r:id="rId2"/>
-              </a:rPr>
-              <a:t>, and </a:t>
-            </a:r>
-            <a:r>
-              <a:rPr lang="en-US" dirty="0" err="1">
-                <a:hlinkClick r:id="rId2"/>
-              </a:rPr>
-              <a:t>Dedovic</a:t>
-            </a:r>
-            <a:r>
-              <a:rPr lang="en-US" dirty="0">
-                <a:hlinkClick r:id="rId2"/>
-              </a:rPr>
-              <a:t>, Manning, 2020</a:t>
-            </a:r>
-            <a:endParaRPr lang="en-US" sz="3200" dirty="0"/>
-          </a:p>
-        </p:txBody>
-      </p:sp>
-      <p:sp>
-        <p:nvSpPr>
-          <p:cNvPr id="6" name="Title 1">
-            <a:extLst>
-              <a:ext uri="{FF2B5EF4-FFF2-40B4-BE49-F238E27FC236}">
-                <a16:creationId xmlns:a16="http://schemas.microsoft.com/office/drawing/2014/main" id="{CD29F70F-B868-451B-A65D-8721F4C7A2D9}"/>
-              </a:ext>
-            </a:extLst>
-          </p:cNvPr>
-          <p:cNvSpPr txBox="1">
-            <a:spLocks/>
-          </p:cNvSpPr>
-          <p:nvPr/>
-        </p:nvSpPr>
-        <p:spPr>
-          <a:xfrm>
-            <a:off x="838200" y="-635"/>
-            <a:ext cx="10515600" cy="1325563"/>
-          </a:xfrm>
-          <a:prstGeom prst="rect">
-            <a:avLst/>
-          </a:prstGeom>
-        </p:spPr>
-        <p:txBody>
-          <a:bodyPr vert="horz" lIns="91440" tIns="45720" rIns="91440" bIns="45720" rtlCol="0" anchor="ctr">
-            <a:normAutofit/>
-          </a:bodyPr>
-          <a:lstStyle>
-            <a:lvl1pPr algn="l" defTabSz="914400" rtl="0" eaLnBrk="1" latinLnBrk="0" hangingPunct="1">
-              <a:lnSpc>
-                <a:spcPct val="90000"/>
-              </a:lnSpc>
-              <a:spcBef>
-                <a:spcPct val="0"/>
-              </a:spcBef>
-              <a:buNone/>
-              <a:defRPr sz="4400" kern="1200">
-                <a:solidFill>
-                  <a:schemeClr val="tx1"/>
-                </a:solidFill>
-                <a:latin typeface="+mj-lt"/>
-                <a:ea typeface="+mj-ea"/>
-                <a:cs typeface="+mj-cs"/>
-              </a:defRPr>
-            </a:lvl1pPr>
-          </a:lstStyle>
-          <a:p>
-            <a:r>
-              <a:rPr lang="en-US" dirty="0">
-                <a:latin typeface="+mn-lt"/>
-              </a:rPr>
-              <a:t>Streaming Analytics</a:t>
-            </a:r>
-          </a:p>
-        </p:txBody>
-      </p:sp>
-      <p:pic>
-        <p:nvPicPr>
-          <p:cNvPr id="1026" name="Picture 2">
-            <a:extLst>
-              <a:ext uri="{FF2B5EF4-FFF2-40B4-BE49-F238E27FC236}">
-                <a16:creationId xmlns:a16="http://schemas.microsoft.com/office/drawing/2014/main" id="{05203AD4-4884-5D0A-EDDC-437D2820F8DD}"/>
-              </a:ext>
-            </a:extLst>
-          </p:cNvPr>
-          <p:cNvPicPr>
-            <a:picLocks noChangeAspect="1" noChangeArrowheads="1"/>
-          </p:cNvPicPr>
-          <p:nvPr/>
-        </p:nvPicPr>
-        <p:blipFill>
-          <a:blip r:embed="rId3">
-            <a:extLst>
-              <a:ext uri="{28A0092B-C50C-407E-A947-70E740481C1C}">
-                <a14:useLocalDpi xmlns:a14="http://schemas.microsoft.com/office/drawing/2010/main" val="0"/>
-              </a:ext>
-            </a:extLst>
-          </a:blip>
-          <a:srcRect/>
-          <a:stretch>
-            <a:fillRect/>
-          </a:stretch>
-        </p:blipFill>
-        <p:spPr bwMode="auto">
-          <a:xfrm>
-            <a:off x="8246534" y="1547208"/>
-            <a:ext cx="3429000" cy="4295775"/>
-          </a:xfrm>
-          <a:prstGeom prst="rect">
-            <a:avLst/>
-          </a:prstGeom>
-          <a:noFill/>
-          <a:extLst>
-            <a:ext uri="{909E8E84-426E-40DD-AFC4-6F175D3DCCD1}">
-              <a14:hiddenFill xmlns:a14="http://schemas.microsoft.com/office/drawing/2010/main">
-                <a:solidFill>
-                  <a:srgbClr val="FFFFFF"/>
-                </a:solidFill>
-              </a14:hiddenFill>
-            </a:ext>
-          </a:extLst>
-        </p:spPr>
-      </p:pic>
-    </p:spTree>
-    <p:extLst>
-      <p:ext uri="{BB962C8B-B14F-4D97-AF65-F5344CB8AC3E}">
-        <p14:creationId xmlns:p14="http://schemas.microsoft.com/office/powerpoint/2010/main" val="1911834383"/>
-      </p:ext>
-    </p:extLst>
-  </p:cSld>
-  <p:clrMapOvr>
-    <a:masterClrMapping/>
-  </p:clrMapOvr>
-</p:sld>
-</file>
-
-<file path=ppt/slides/slide30.xml><?xml version="1.0" encoding="utf-8"?>
+<file path=ppt/slides/slide31.xml><?xml version="1.0" encoding="utf-8"?>
 <p:sld xmlns:a="http://schemas.openxmlformats.org/drawingml/2006/main" xmlns:r="http://schemas.openxmlformats.org/officeDocument/2006/relationships" xmlns:p="http://schemas.openxmlformats.org/presentationml/2006/main">
   <p:cSld>
     <p:spTree>
@@ -22677,7 +23196,7 @@
 </p:sld>
 </file>
 
-<file path=ppt/slides/slide31.xml><?xml version="1.0" encoding="utf-8"?>
+<file path=ppt/slides/slide32.xml><?xml version="1.0" encoding="utf-8"?>
 <p:sld xmlns:a="http://schemas.openxmlformats.org/drawingml/2006/main" xmlns:r="http://schemas.openxmlformats.org/officeDocument/2006/relationships" xmlns:p="http://schemas.openxmlformats.org/presentationml/2006/main">
   <p:cSld>
     <p:spTree>
@@ -25597,7 +26116,7 @@
 </p:sld>
 </file>
 
-<file path=ppt/slides/slide32.xml><?xml version="1.0" encoding="utf-8"?>
+<file path=ppt/slides/slide33.xml><?xml version="1.0" encoding="utf-8"?>
 <p:sld xmlns:a="http://schemas.openxmlformats.org/drawingml/2006/main" xmlns:r="http://schemas.openxmlformats.org/officeDocument/2006/relationships" xmlns:p="http://schemas.openxmlformats.org/presentationml/2006/main">
   <p:cSld>
     <p:spTree>
@@ -28085,7 +28604,7 @@
 </p:sld>
 </file>
 
-<file path=ppt/slides/slide33.xml><?xml version="1.0" encoding="utf-8"?>
+<file path=ppt/slides/slide34.xml><?xml version="1.0" encoding="utf-8"?>
 <p:sld xmlns:a="http://schemas.openxmlformats.org/drawingml/2006/main" xmlns:r="http://schemas.openxmlformats.org/officeDocument/2006/relationships" xmlns:p="http://schemas.openxmlformats.org/presentationml/2006/main">
   <p:cSld>
     <p:spTree>
@@ -29027,7 +29546,7 @@
 </p:sld>
 </file>
 
-<file path=ppt/slides/slide34.xml><?xml version="1.0" encoding="utf-8"?>
+<file path=ppt/slides/slide35.xml><?xml version="1.0" encoding="utf-8"?>
 <p:sld xmlns:a="http://schemas.openxmlformats.org/drawingml/2006/main" xmlns:r="http://schemas.openxmlformats.org/officeDocument/2006/relationships" xmlns:p="http://schemas.openxmlformats.org/presentationml/2006/main">
   <p:cSld>
     <p:spTree>
@@ -29497,7 +30016,7 @@
 </p:sld>
 </file>
 
-<file path=ppt/slides/slide35.xml><?xml version="1.0" encoding="utf-8"?>
+<file path=ppt/slides/slide36.xml><?xml version="1.0" encoding="utf-8"?>
 <p:sld xmlns:a="http://schemas.openxmlformats.org/drawingml/2006/main" xmlns:r="http://schemas.openxmlformats.org/officeDocument/2006/relationships" xmlns:p="http://schemas.openxmlformats.org/presentationml/2006/main">
   <p:cSld>
     <p:spTree>
@@ -29875,7 +30394,7 @@
 </p:sld>
 </file>
 
-<file path=ppt/slides/slide36.xml><?xml version="1.0" encoding="utf-8"?>
+<file path=ppt/slides/slide37.xml><?xml version="1.0" encoding="utf-8"?>
 <p:sld xmlns:a="http://schemas.openxmlformats.org/drawingml/2006/main" xmlns:r="http://schemas.openxmlformats.org/officeDocument/2006/relationships" xmlns:p="http://schemas.openxmlformats.org/presentationml/2006/main">
   <p:cSld>
     <p:spTree>
@@ -29892,8 +30411,8 @@
           <a:chExt cx="0" cy="0"/>
         </a:xfrm>
       </p:grpSpPr>
-      <mc:AlternateContent xmlns:mc="http://schemas.openxmlformats.org/markup-compatibility/2006">
-        <mc:Choice xmlns:a14="http://schemas.microsoft.com/office/drawing/2010/main" Requires="a14">
+      <mc:AlternateContent xmlns:mc="http://schemas.openxmlformats.org/markup-compatibility/2006" xmlns:a14="http://schemas.microsoft.com/office/drawing/2010/main">
+        <mc:Choice Requires="a14">
           <p:sp>
             <p:nvSpPr>
               <p:cNvPr id="3" name="Content Placeholder 2">
@@ -30111,7 +30630,7 @@
             </p:txBody>
           </p:sp>
         </mc:Choice>
-        <mc:Fallback>
+        <mc:Fallback xmlns="">
           <p:sp>
             <p:nvSpPr>
               <p:cNvPr id="3" name="Content Placeholder 2">
@@ -32740,7 +33259,7 @@
 </p:sld>
 </file>
 
-<file path=ppt/slides/slide37.xml><?xml version="1.0" encoding="utf-8"?>
+<file path=ppt/slides/slide38.xml><?xml version="1.0" encoding="utf-8"?>
 <p:sld xmlns:a="http://schemas.openxmlformats.org/drawingml/2006/main" xmlns:r="http://schemas.openxmlformats.org/officeDocument/2006/relationships" xmlns:p="http://schemas.openxmlformats.org/presentationml/2006/main">
   <p:cSld>
     <p:spTree>
@@ -33120,7 +33639,7 @@
 </p:sld>
 </file>
 
-<file path=ppt/slides/slide38.xml><?xml version="1.0" encoding="utf-8"?>
+<file path=ppt/slides/slide39.xml><?xml version="1.0" encoding="utf-8"?>
 <p:sld xmlns:a="http://schemas.openxmlformats.org/drawingml/2006/main" xmlns:r="http://schemas.openxmlformats.org/officeDocument/2006/relationships" xmlns:p="http://schemas.openxmlformats.org/presentationml/2006/main">
   <p:cSld>
     <p:spTree>
@@ -33593,7 +34112,629 @@
 </p:sld>
 </file>
 
-<file path=ppt/slides/slide39.xml><?xml version="1.0" encoding="utf-8"?>
+<file path=ppt/slides/slide4.xml><?xml version="1.0" encoding="utf-8"?>
+<p:sld xmlns:a="http://schemas.openxmlformats.org/drawingml/2006/main" xmlns:r="http://schemas.openxmlformats.org/officeDocument/2006/relationships" xmlns:p="http://schemas.openxmlformats.org/presentationml/2006/main">
+  <p:cSld>
+    <p:spTree>
+      <p:nvGrpSpPr>
+        <p:cNvPr id="1" name=""/>
+        <p:cNvGrpSpPr/>
+        <p:nvPr/>
+      </p:nvGrpSpPr>
+      <p:grpSpPr>
+        <a:xfrm>
+          <a:off x="0" y="0"/>
+          <a:ext cx="0" cy="0"/>
+          <a:chOff x="0" y="0"/>
+          <a:chExt cx="0" cy="0"/>
+        </a:xfrm>
+      </p:grpSpPr>
+      <p:sp>
+        <p:nvSpPr>
+          <p:cNvPr id="3" name="Content Placeholder 2">
+            <a:extLst>
+              <a:ext uri="{FF2B5EF4-FFF2-40B4-BE49-F238E27FC236}">
+                <a16:creationId xmlns:a16="http://schemas.microsoft.com/office/drawing/2014/main" id="{258E6AF3-7615-4BD1-878E-A94C93E98F90}"/>
+              </a:ext>
+            </a:extLst>
+          </p:cNvPr>
+          <p:cNvSpPr>
+            <a:spLocks noGrp="1"/>
+          </p:cNvSpPr>
+          <p:nvPr>
+            <p:ph idx="1"/>
+          </p:nvPr>
+        </p:nvSpPr>
+        <p:spPr>
+          <a:xfrm>
+            <a:off x="784412" y="1324928"/>
+            <a:ext cx="10515600" cy="5427940"/>
+          </a:xfrm>
+        </p:spPr>
+        <p:txBody>
+          <a:bodyPr/>
+          <a:lstStyle/>
+          <a:p>
+            <a:pPr marL="0" indent="0">
+              <a:buNone/>
+            </a:pPr>
+            <a:r>
+              <a:rPr lang="en-US" sz="3200" dirty="0"/>
+              <a:t>Difficulties with streaming analytics      </a:t>
+            </a:r>
+            <a:endParaRPr lang="en-US" sz="3200" b="1" dirty="0"/>
+          </a:p>
+          <a:p>
+            <a:r>
+              <a:rPr lang="en-US" dirty="0"/>
+              <a:t>Data volumes can be massive   </a:t>
+            </a:r>
+          </a:p>
+          <a:p>
+            <a:r>
+              <a:rPr lang="en-US" dirty="0"/>
+              <a:t>Example – small scale    </a:t>
+            </a:r>
+          </a:p>
+          <a:p>
+            <a:pPr lvl="1"/>
+            <a:r>
+              <a:rPr lang="en-US" dirty="0"/>
+              <a:t>US Geological Survey maintains about 13,500 stream gages    </a:t>
+            </a:r>
+          </a:p>
+          <a:p>
+            <a:pPr lvl="1"/>
+            <a:r>
+              <a:rPr lang="en-US" dirty="0"/>
+              <a:t>Average of 4 types of sensors per station  </a:t>
+            </a:r>
+          </a:p>
+          <a:p>
+            <a:pPr lvl="1"/>
+            <a:r>
+              <a:rPr lang="en-US" dirty="0"/>
+              <a:t>Each measurement is 4 bytes - 16 bytes total per sample</a:t>
+            </a:r>
+          </a:p>
+          <a:p>
+            <a:pPr lvl="1"/>
+            <a:r>
+              <a:rPr lang="en-US" dirty="0"/>
+              <a:t>Each gage collects data sample every 15 mins    </a:t>
+            </a:r>
+          </a:p>
+          <a:p>
+            <a:pPr lvl="1"/>
+            <a:r>
+              <a:rPr lang="en-US" dirty="0"/>
+              <a:t>Data uploaded every 4 hours – 6 sets of measurements per day – 1,536 bytes  </a:t>
+            </a:r>
+          </a:p>
+          <a:p>
+            <a:pPr lvl="1"/>
+            <a:r>
+              <a:rPr lang="en-US" dirty="0"/>
+              <a:t>Total of 5.4 M bytes per day for network</a:t>
+            </a:r>
+          </a:p>
+          <a:p>
+            <a:pPr lvl="1"/>
+            <a:r>
+              <a:rPr lang="en-US" dirty="0"/>
+              <a:t> 2 G bytes per year for archive </a:t>
+            </a:r>
+          </a:p>
+          <a:p>
+            <a:r>
+              <a:rPr lang="en-US" dirty="0"/>
+              <a:t>But, network bandwidth is limited </a:t>
+            </a:r>
+          </a:p>
+          <a:p>
+            <a:pPr lvl="1"/>
+            <a:r>
+              <a:rPr lang="en-US" dirty="0"/>
+              <a:t>Sensors often connected by point-to-point wireless connections</a:t>
+            </a:r>
+          </a:p>
+        </p:txBody>
+      </p:sp>
+      <p:sp>
+        <p:nvSpPr>
+          <p:cNvPr id="6" name="Title 1">
+            <a:extLst>
+              <a:ext uri="{FF2B5EF4-FFF2-40B4-BE49-F238E27FC236}">
+                <a16:creationId xmlns:a16="http://schemas.microsoft.com/office/drawing/2014/main" id="{CD29F70F-B868-451B-A65D-8721F4C7A2D9}"/>
+              </a:ext>
+            </a:extLst>
+          </p:cNvPr>
+          <p:cNvSpPr txBox="1">
+            <a:spLocks/>
+          </p:cNvSpPr>
+          <p:nvPr/>
+        </p:nvSpPr>
+        <p:spPr>
+          <a:xfrm>
+            <a:off x="838200" y="-635"/>
+            <a:ext cx="10515600" cy="1325563"/>
+          </a:xfrm>
+          <a:prstGeom prst="rect">
+            <a:avLst/>
+          </a:prstGeom>
+        </p:spPr>
+        <p:txBody>
+          <a:bodyPr vert="horz" lIns="91440" tIns="45720" rIns="91440" bIns="45720" rtlCol="0" anchor="ctr">
+            <a:normAutofit/>
+          </a:bodyPr>
+          <a:lstStyle>
+            <a:lvl1pPr algn="l" defTabSz="914400" rtl="0" eaLnBrk="1" latinLnBrk="0" hangingPunct="1">
+              <a:lnSpc>
+                <a:spcPct val="90000"/>
+              </a:lnSpc>
+              <a:spcBef>
+                <a:spcPct val="0"/>
+              </a:spcBef>
+              <a:buNone/>
+              <a:defRPr sz="4400" kern="1200">
+                <a:solidFill>
+                  <a:schemeClr val="tx1"/>
+                </a:solidFill>
+                <a:latin typeface="+mj-lt"/>
+                <a:ea typeface="+mj-ea"/>
+                <a:cs typeface="+mj-cs"/>
+              </a:defRPr>
+            </a:lvl1pPr>
+          </a:lstStyle>
+          <a:p>
+            <a:r>
+              <a:rPr lang="en-US" dirty="0">
+                <a:latin typeface="+mn-lt"/>
+              </a:rPr>
+              <a:t>Streaming Analytics</a:t>
+            </a:r>
+          </a:p>
+        </p:txBody>
+      </p:sp>
+    </p:spTree>
+    <p:extLst>
+      <p:ext uri="{BB962C8B-B14F-4D97-AF65-F5344CB8AC3E}">
+        <p14:creationId xmlns:p14="http://schemas.microsoft.com/office/powerpoint/2010/main" val="4018650306"/>
+      </p:ext>
+    </p:extLst>
+  </p:cSld>
+  <p:clrMapOvr>
+    <a:masterClrMapping/>
+  </p:clrMapOvr>
+  <p:timing>
+    <p:tnLst>
+      <p:par>
+        <p:cTn id="1" dur="indefinite" restart="never" nodeType="tmRoot">
+          <p:childTnLst>
+            <p:seq concurrent="1" nextAc="seek">
+              <p:cTn id="2" dur="indefinite" nodeType="mainSeq">
+                <p:childTnLst>
+                  <p:par>
+                    <p:cTn id="3" fill="hold">
+                      <p:stCondLst>
+                        <p:cond delay="indefinite"/>
+                      </p:stCondLst>
+                      <p:childTnLst>
+                        <p:par>
+                          <p:cTn id="4" fill="hold">
+                            <p:stCondLst>
+                              <p:cond delay="0"/>
+                            </p:stCondLst>
+                            <p:childTnLst>
+                              <p:par>
+                                <p:cTn id="5" presetID="1" presetClass="entr" presetSubtype="0" fill="hold" nodeType="clickEffect">
+                                  <p:stCondLst>
+                                    <p:cond delay="0"/>
+                                  </p:stCondLst>
+                                  <p:childTnLst>
+                                    <p:set>
+                                      <p:cBhvr>
+                                        <p:cTn id="6" dur="1" fill="hold">
+                                          <p:stCondLst>
+                                            <p:cond delay="0"/>
+                                          </p:stCondLst>
+                                        </p:cTn>
+                                        <p:tgtEl>
+                                          <p:spTgt spid="3">
+                                            <p:txEl>
+                                              <p:pRg st="1" end="1"/>
+                                            </p:txEl>
+                                          </p:spTgt>
+                                        </p:tgtEl>
+                                        <p:attrNameLst>
+                                          <p:attrName>style.visibility</p:attrName>
+                                        </p:attrNameLst>
+                                      </p:cBhvr>
+                                      <p:to>
+                                        <p:strVal val="visible"/>
+                                      </p:to>
+                                    </p:set>
+                                  </p:childTnLst>
+                                </p:cTn>
+                              </p:par>
+                            </p:childTnLst>
+                          </p:cTn>
+                        </p:par>
+                      </p:childTnLst>
+                    </p:cTn>
+                  </p:par>
+                  <p:par>
+                    <p:cTn id="7" fill="hold">
+                      <p:stCondLst>
+                        <p:cond delay="indefinite"/>
+                      </p:stCondLst>
+                      <p:childTnLst>
+                        <p:par>
+                          <p:cTn id="8" fill="hold">
+                            <p:stCondLst>
+                              <p:cond delay="0"/>
+                            </p:stCondLst>
+                            <p:childTnLst>
+                              <p:par>
+                                <p:cTn id="9" presetID="1" presetClass="entr" presetSubtype="0" fill="hold" nodeType="clickEffect">
+                                  <p:stCondLst>
+                                    <p:cond delay="0"/>
+                                  </p:stCondLst>
+                                  <p:childTnLst>
+                                    <p:set>
+                                      <p:cBhvr>
+                                        <p:cTn id="10" dur="1" fill="hold">
+                                          <p:stCondLst>
+                                            <p:cond delay="0"/>
+                                          </p:stCondLst>
+                                        </p:cTn>
+                                        <p:tgtEl>
+                                          <p:spTgt spid="3">
+                                            <p:txEl>
+                                              <p:pRg st="2" end="2"/>
+                                            </p:txEl>
+                                          </p:spTgt>
+                                        </p:tgtEl>
+                                        <p:attrNameLst>
+                                          <p:attrName>style.visibility</p:attrName>
+                                        </p:attrNameLst>
+                                      </p:cBhvr>
+                                      <p:to>
+                                        <p:strVal val="visible"/>
+                                      </p:to>
+                                    </p:set>
+                                  </p:childTnLst>
+                                </p:cTn>
+                              </p:par>
+                              <p:par>
+                                <p:cTn id="11" presetID="1" presetClass="entr" presetSubtype="0" fill="hold" nodeType="withEffect">
+                                  <p:stCondLst>
+                                    <p:cond delay="0"/>
+                                  </p:stCondLst>
+                                  <p:childTnLst>
+                                    <p:set>
+                                      <p:cBhvr>
+                                        <p:cTn id="12" dur="1" fill="hold">
+                                          <p:stCondLst>
+                                            <p:cond delay="0"/>
+                                          </p:stCondLst>
+                                        </p:cTn>
+                                        <p:tgtEl>
+                                          <p:spTgt spid="3">
+                                            <p:txEl>
+                                              <p:pRg st="3" end="3"/>
+                                            </p:txEl>
+                                          </p:spTgt>
+                                        </p:tgtEl>
+                                        <p:attrNameLst>
+                                          <p:attrName>style.visibility</p:attrName>
+                                        </p:attrNameLst>
+                                      </p:cBhvr>
+                                      <p:to>
+                                        <p:strVal val="visible"/>
+                                      </p:to>
+                                    </p:set>
+                                  </p:childTnLst>
+                                </p:cTn>
+                              </p:par>
+                              <p:par>
+                                <p:cTn id="13" presetID="1" presetClass="entr" presetSubtype="0" fill="hold" nodeType="withEffect">
+                                  <p:stCondLst>
+                                    <p:cond delay="0"/>
+                                  </p:stCondLst>
+                                  <p:childTnLst>
+                                    <p:set>
+                                      <p:cBhvr>
+                                        <p:cTn id="14" dur="1" fill="hold">
+                                          <p:stCondLst>
+                                            <p:cond delay="0"/>
+                                          </p:stCondLst>
+                                        </p:cTn>
+                                        <p:tgtEl>
+                                          <p:spTgt spid="3">
+                                            <p:txEl>
+                                              <p:pRg st="4" end="4"/>
+                                            </p:txEl>
+                                          </p:spTgt>
+                                        </p:tgtEl>
+                                        <p:attrNameLst>
+                                          <p:attrName>style.visibility</p:attrName>
+                                        </p:attrNameLst>
+                                      </p:cBhvr>
+                                      <p:to>
+                                        <p:strVal val="visible"/>
+                                      </p:to>
+                                    </p:set>
+                                  </p:childTnLst>
+                                </p:cTn>
+                              </p:par>
+                              <p:par>
+                                <p:cTn id="15" presetID="1" presetClass="entr" presetSubtype="0" fill="hold" nodeType="withEffect">
+                                  <p:stCondLst>
+                                    <p:cond delay="0"/>
+                                  </p:stCondLst>
+                                  <p:childTnLst>
+                                    <p:set>
+                                      <p:cBhvr>
+                                        <p:cTn id="16" dur="1" fill="hold">
+                                          <p:stCondLst>
+                                            <p:cond delay="0"/>
+                                          </p:stCondLst>
+                                        </p:cTn>
+                                        <p:tgtEl>
+                                          <p:spTgt spid="3">
+                                            <p:txEl>
+                                              <p:pRg st="5" end="5"/>
+                                            </p:txEl>
+                                          </p:spTgt>
+                                        </p:tgtEl>
+                                        <p:attrNameLst>
+                                          <p:attrName>style.visibility</p:attrName>
+                                        </p:attrNameLst>
+                                      </p:cBhvr>
+                                      <p:to>
+                                        <p:strVal val="visible"/>
+                                      </p:to>
+                                    </p:set>
+                                  </p:childTnLst>
+                                </p:cTn>
+                              </p:par>
+                              <p:par>
+                                <p:cTn id="17" presetID="1" presetClass="entr" presetSubtype="0" fill="hold" nodeType="withEffect">
+                                  <p:stCondLst>
+                                    <p:cond delay="0"/>
+                                  </p:stCondLst>
+                                  <p:childTnLst>
+                                    <p:set>
+                                      <p:cBhvr>
+                                        <p:cTn id="18" dur="1" fill="hold">
+                                          <p:stCondLst>
+                                            <p:cond delay="0"/>
+                                          </p:stCondLst>
+                                        </p:cTn>
+                                        <p:tgtEl>
+                                          <p:spTgt spid="3">
+                                            <p:txEl>
+                                              <p:pRg st="6" end="6"/>
+                                            </p:txEl>
+                                          </p:spTgt>
+                                        </p:tgtEl>
+                                        <p:attrNameLst>
+                                          <p:attrName>style.visibility</p:attrName>
+                                        </p:attrNameLst>
+                                      </p:cBhvr>
+                                      <p:to>
+                                        <p:strVal val="visible"/>
+                                      </p:to>
+                                    </p:set>
+                                  </p:childTnLst>
+                                </p:cTn>
+                              </p:par>
+                              <p:par>
+                                <p:cTn id="19" presetID="1" presetClass="entr" presetSubtype="0" fill="hold" nodeType="withEffect">
+                                  <p:stCondLst>
+                                    <p:cond delay="0"/>
+                                  </p:stCondLst>
+                                  <p:childTnLst>
+                                    <p:set>
+                                      <p:cBhvr>
+                                        <p:cTn id="20" dur="1" fill="hold">
+                                          <p:stCondLst>
+                                            <p:cond delay="0"/>
+                                          </p:stCondLst>
+                                        </p:cTn>
+                                        <p:tgtEl>
+                                          <p:spTgt spid="3">
+                                            <p:txEl>
+                                              <p:pRg st="7" end="7"/>
+                                            </p:txEl>
+                                          </p:spTgt>
+                                        </p:tgtEl>
+                                        <p:attrNameLst>
+                                          <p:attrName>style.visibility</p:attrName>
+                                        </p:attrNameLst>
+                                      </p:cBhvr>
+                                      <p:to>
+                                        <p:strVal val="visible"/>
+                                      </p:to>
+                                    </p:set>
+                                  </p:childTnLst>
+                                </p:cTn>
+                              </p:par>
+                              <p:par>
+                                <p:cTn id="21" presetID="1" presetClass="entr" presetSubtype="0" fill="hold" nodeType="withEffect">
+                                  <p:stCondLst>
+                                    <p:cond delay="0"/>
+                                  </p:stCondLst>
+                                  <p:childTnLst>
+                                    <p:set>
+                                      <p:cBhvr>
+                                        <p:cTn id="22" dur="1" fill="hold">
+                                          <p:stCondLst>
+                                            <p:cond delay="0"/>
+                                          </p:stCondLst>
+                                        </p:cTn>
+                                        <p:tgtEl>
+                                          <p:spTgt spid="3">
+                                            <p:txEl>
+                                              <p:pRg st="8" end="8"/>
+                                            </p:txEl>
+                                          </p:spTgt>
+                                        </p:tgtEl>
+                                        <p:attrNameLst>
+                                          <p:attrName>style.visibility</p:attrName>
+                                        </p:attrNameLst>
+                                      </p:cBhvr>
+                                      <p:to>
+                                        <p:strVal val="visible"/>
+                                      </p:to>
+                                    </p:set>
+                                  </p:childTnLst>
+                                </p:cTn>
+                              </p:par>
+                              <p:par>
+                                <p:cTn id="23" presetID="1" presetClass="entr" presetSubtype="0" fill="hold" nodeType="withEffect">
+                                  <p:stCondLst>
+                                    <p:cond delay="0"/>
+                                  </p:stCondLst>
+                                  <p:childTnLst>
+                                    <p:set>
+                                      <p:cBhvr>
+                                        <p:cTn id="24" dur="1" fill="hold">
+                                          <p:stCondLst>
+                                            <p:cond delay="0"/>
+                                          </p:stCondLst>
+                                        </p:cTn>
+                                        <p:tgtEl>
+                                          <p:spTgt spid="3">
+                                            <p:txEl>
+                                              <p:pRg st="9" end="9"/>
+                                            </p:txEl>
+                                          </p:spTgt>
+                                        </p:tgtEl>
+                                        <p:attrNameLst>
+                                          <p:attrName>style.visibility</p:attrName>
+                                        </p:attrNameLst>
+                                      </p:cBhvr>
+                                      <p:to>
+                                        <p:strVal val="visible"/>
+                                      </p:to>
+                                    </p:set>
+                                  </p:childTnLst>
+                                </p:cTn>
+                              </p:par>
+                            </p:childTnLst>
+                          </p:cTn>
+                        </p:par>
+                      </p:childTnLst>
+                    </p:cTn>
+                  </p:par>
+                  <p:par>
+                    <p:cTn id="25" fill="hold">
+                      <p:stCondLst>
+                        <p:cond delay="indefinite"/>
+                      </p:stCondLst>
+                      <p:childTnLst>
+                        <p:par>
+                          <p:cTn id="26" fill="hold">
+                            <p:stCondLst>
+                              <p:cond delay="0"/>
+                            </p:stCondLst>
+                            <p:childTnLst>
+                              <p:par>
+                                <p:cTn id="27" presetID="1" presetClass="entr" presetSubtype="0" fill="hold" nodeType="clickEffect">
+                                  <p:stCondLst>
+                                    <p:cond delay="0"/>
+                                  </p:stCondLst>
+                                  <p:childTnLst>
+                                    <p:set>
+                                      <p:cBhvr>
+                                        <p:cTn id="28" dur="1" fill="hold">
+                                          <p:stCondLst>
+                                            <p:cond delay="0"/>
+                                          </p:stCondLst>
+                                        </p:cTn>
+                                        <p:tgtEl>
+                                          <p:spTgt spid="3">
+                                            <p:txEl>
+                                              <p:pRg st="10" end="10"/>
+                                            </p:txEl>
+                                          </p:spTgt>
+                                        </p:tgtEl>
+                                        <p:attrNameLst>
+                                          <p:attrName>style.visibility</p:attrName>
+                                        </p:attrNameLst>
+                                      </p:cBhvr>
+                                      <p:to>
+                                        <p:strVal val="visible"/>
+                                      </p:to>
+                                    </p:set>
+                                  </p:childTnLst>
+                                </p:cTn>
+                              </p:par>
+                              <p:par>
+                                <p:cTn id="29" presetID="1" presetClass="entr" presetSubtype="0" fill="hold" nodeType="withEffect">
+                                  <p:stCondLst>
+                                    <p:cond delay="0"/>
+                                  </p:stCondLst>
+                                  <p:childTnLst>
+                                    <p:set>
+                                      <p:cBhvr>
+                                        <p:cTn id="30" dur="1" fill="hold">
+                                          <p:stCondLst>
+                                            <p:cond delay="0"/>
+                                          </p:stCondLst>
+                                        </p:cTn>
+                                        <p:tgtEl>
+                                          <p:spTgt spid="3">
+                                            <p:txEl>
+                                              <p:pRg st="11" end="11"/>
+                                            </p:txEl>
+                                          </p:spTgt>
+                                        </p:tgtEl>
+                                        <p:attrNameLst>
+                                          <p:attrName>style.visibility</p:attrName>
+                                        </p:attrNameLst>
+                                      </p:cBhvr>
+                                      <p:to>
+                                        <p:strVal val="visible"/>
+                                      </p:to>
+                                    </p:set>
+                                  </p:childTnLst>
+                                </p:cTn>
+                              </p:par>
+                            </p:childTnLst>
+                          </p:cTn>
+                        </p:par>
+                      </p:childTnLst>
+                    </p:cTn>
+                  </p:par>
+                </p:childTnLst>
+              </p:cTn>
+              <p:prevCondLst>
+                <p:cond evt="onPrev" delay="0">
+                  <p:tgtEl>
+                    <p:sldTgt/>
+                  </p:tgtEl>
+                </p:cond>
+              </p:prevCondLst>
+              <p:nextCondLst>
+                <p:cond evt="onNext" delay="0">
+                  <p:tgtEl>
+                    <p:sldTgt/>
+                  </p:tgtEl>
+                </p:cond>
+              </p:nextCondLst>
+            </p:seq>
+          </p:childTnLst>
+        </p:cTn>
+      </p:par>
+    </p:tnLst>
+  </p:timing>
+</p:sld>
+</file>
+
+<file path=ppt/slides/slide40.xml><?xml version="1.0" encoding="utf-8"?>
 <p:sld xmlns:a="http://schemas.openxmlformats.org/drawingml/2006/main" xmlns:r="http://schemas.openxmlformats.org/officeDocument/2006/relationships" xmlns:p="http://schemas.openxmlformats.org/presentationml/2006/main">
   <p:cSld>
     <p:spTree>
@@ -34806,629 +35947,7 @@
 </p:sld>
 </file>
 
-<file path=ppt/slides/slide4.xml><?xml version="1.0" encoding="utf-8"?>
-<p:sld xmlns:a="http://schemas.openxmlformats.org/drawingml/2006/main" xmlns:r="http://schemas.openxmlformats.org/officeDocument/2006/relationships" xmlns:p="http://schemas.openxmlformats.org/presentationml/2006/main">
-  <p:cSld>
-    <p:spTree>
-      <p:nvGrpSpPr>
-        <p:cNvPr id="1" name=""/>
-        <p:cNvGrpSpPr/>
-        <p:nvPr/>
-      </p:nvGrpSpPr>
-      <p:grpSpPr>
-        <a:xfrm>
-          <a:off x="0" y="0"/>
-          <a:ext cx="0" cy="0"/>
-          <a:chOff x="0" y="0"/>
-          <a:chExt cx="0" cy="0"/>
-        </a:xfrm>
-      </p:grpSpPr>
-      <p:sp>
-        <p:nvSpPr>
-          <p:cNvPr id="3" name="Content Placeholder 2">
-            <a:extLst>
-              <a:ext uri="{FF2B5EF4-FFF2-40B4-BE49-F238E27FC236}">
-                <a16:creationId xmlns:a16="http://schemas.microsoft.com/office/drawing/2014/main" id="{258E6AF3-7615-4BD1-878E-A94C93E98F90}"/>
-              </a:ext>
-            </a:extLst>
-          </p:cNvPr>
-          <p:cNvSpPr>
-            <a:spLocks noGrp="1"/>
-          </p:cNvSpPr>
-          <p:nvPr>
-            <p:ph idx="1"/>
-          </p:nvPr>
-        </p:nvSpPr>
-        <p:spPr>
-          <a:xfrm>
-            <a:off x="784412" y="1324928"/>
-            <a:ext cx="10515600" cy="5427940"/>
-          </a:xfrm>
-        </p:spPr>
-        <p:txBody>
-          <a:bodyPr/>
-          <a:lstStyle/>
-          <a:p>
-            <a:pPr marL="0" indent="0">
-              <a:buNone/>
-            </a:pPr>
-            <a:r>
-              <a:rPr lang="en-US" sz="3200" dirty="0"/>
-              <a:t>Difficulties with streaming analytics      </a:t>
-            </a:r>
-            <a:endParaRPr lang="en-US" sz="3200" b="1" dirty="0"/>
-          </a:p>
-          <a:p>
-            <a:r>
-              <a:rPr lang="en-US" dirty="0"/>
-              <a:t>Data volumes can be massive   </a:t>
-            </a:r>
-          </a:p>
-          <a:p>
-            <a:r>
-              <a:rPr lang="en-US" dirty="0"/>
-              <a:t>Example – small scale    </a:t>
-            </a:r>
-          </a:p>
-          <a:p>
-            <a:pPr lvl="1"/>
-            <a:r>
-              <a:rPr lang="en-US" dirty="0"/>
-              <a:t>US Geological Survey maintains about 13,500 stream gages    </a:t>
-            </a:r>
-          </a:p>
-          <a:p>
-            <a:pPr lvl="1"/>
-            <a:r>
-              <a:rPr lang="en-US" dirty="0"/>
-              <a:t>Average of 4 types of sensors per station  </a:t>
-            </a:r>
-          </a:p>
-          <a:p>
-            <a:pPr lvl="1"/>
-            <a:r>
-              <a:rPr lang="en-US" dirty="0"/>
-              <a:t>Each measurement is 4 bytes - 16 bytes total per sample</a:t>
-            </a:r>
-          </a:p>
-          <a:p>
-            <a:pPr lvl="1"/>
-            <a:r>
-              <a:rPr lang="en-US" dirty="0"/>
-              <a:t>Each gage collects data sample every 15 mins    </a:t>
-            </a:r>
-          </a:p>
-          <a:p>
-            <a:pPr lvl="1"/>
-            <a:r>
-              <a:rPr lang="en-US" dirty="0"/>
-              <a:t>Data uploaded every 4 hours – 6 sets of measurements per day – 1,536 bytes  </a:t>
-            </a:r>
-          </a:p>
-          <a:p>
-            <a:pPr lvl="1"/>
-            <a:r>
-              <a:rPr lang="en-US" dirty="0"/>
-              <a:t>Total of 5.4 M bytes per day for network</a:t>
-            </a:r>
-          </a:p>
-          <a:p>
-            <a:pPr lvl="1"/>
-            <a:r>
-              <a:rPr lang="en-US" dirty="0"/>
-              <a:t> 2 G bytes per year for archive </a:t>
-            </a:r>
-          </a:p>
-          <a:p>
-            <a:r>
-              <a:rPr lang="en-US" dirty="0"/>
-              <a:t>But, network bandwidth is limited </a:t>
-            </a:r>
-          </a:p>
-          <a:p>
-            <a:pPr lvl="1"/>
-            <a:r>
-              <a:rPr lang="en-US" dirty="0"/>
-              <a:t>Sensors often connected by point-to-point wireless connections</a:t>
-            </a:r>
-          </a:p>
-        </p:txBody>
-      </p:sp>
-      <p:sp>
-        <p:nvSpPr>
-          <p:cNvPr id="6" name="Title 1">
-            <a:extLst>
-              <a:ext uri="{FF2B5EF4-FFF2-40B4-BE49-F238E27FC236}">
-                <a16:creationId xmlns:a16="http://schemas.microsoft.com/office/drawing/2014/main" id="{CD29F70F-B868-451B-A65D-8721F4C7A2D9}"/>
-              </a:ext>
-            </a:extLst>
-          </p:cNvPr>
-          <p:cNvSpPr txBox="1">
-            <a:spLocks/>
-          </p:cNvSpPr>
-          <p:nvPr/>
-        </p:nvSpPr>
-        <p:spPr>
-          <a:xfrm>
-            <a:off x="838200" y="-635"/>
-            <a:ext cx="10515600" cy="1325563"/>
-          </a:xfrm>
-          <a:prstGeom prst="rect">
-            <a:avLst/>
-          </a:prstGeom>
-        </p:spPr>
-        <p:txBody>
-          <a:bodyPr vert="horz" lIns="91440" tIns="45720" rIns="91440" bIns="45720" rtlCol="0" anchor="ctr">
-            <a:normAutofit/>
-          </a:bodyPr>
-          <a:lstStyle>
-            <a:lvl1pPr algn="l" defTabSz="914400" rtl="0" eaLnBrk="1" latinLnBrk="0" hangingPunct="1">
-              <a:lnSpc>
-                <a:spcPct val="90000"/>
-              </a:lnSpc>
-              <a:spcBef>
-                <a:spcPct val="0"/>
-              </a:spcBef>
-              <a:buNone/>
-              <a:defRPr sz="4400" kern="1200">
-                <a:solidFill>
-                  <a:schemeClr val="tx1"/>
-                </a:solidFill>
-                <a:latin typeface="+mj-lt"/>
-                <a:ea typeface="+mj-ea"/>
-                <a:cs typeface="+mj-cs"/>
-              </a:defRPr>
-            </a:lvl1pPr>
-          </a:lstStyle>
-          <a:p>
-            <a:r>
-              <a:rPr lang="en-US" dirty="0">
-                <a:latin typeface="+mn-lt"/>
-              </a:rPr>
-              <a:t>Streaming Analytics</a:t>
-            </a:r>
-          </a:p>
-        </p:txBody>
-      </p:sp>
-    </p:spTree>
-    <p:extLst>
-      <p:ext uri="{BB962C8B-B14F-4D97-AF65-F5344CB8AC3E}">
-        <p14:creationId xmlns:p14="http://schemas.microsoft.com/office/powerpoint/2010/main" val="4018650306"/>
-      </p:ext>
-    </p:extLst>
-  </p:cSld>
-  <p:clrMapOvr>
-    <a:masterClrMapping/>
-  </p:clrMapOvr>
-  <p:timing>
-    <p:tnLst>
-      <p:par>
-        <p:cTn id="1" dur="indefinite" restart="never" nodeType="tmRoot">
-          <p:childTnLst>
-            <p:seq concurrent="1" nextAc="seek">
-              <p:cTn id="2" dur="indefinite" nodeType="mainSeq">
-                <p:childTnLst>
-                  <p:par>
-                    <p:cTn id="3" fill="hold">
-                      <p:stCondLst>
-                        <p:cond delay="indefinite"/>
-                      </p:stCondLst>
-                      <p:childTnLst>
-                        <p:par>
-                          <p:cTn id="4" fill="hold">
-                            <p:stCondLst>
-                              <p:cond delay="0"/>
-                            </p:stCondLst>
-                            <p:childTnLst>
-                              <p:par>
-                                <p:cTn id="5" presetID="1" presetClass="entr" presetSubtype="0" fill="hold" nodeType="clickEffect">
-                                  <p:stCondLst>
-                                    <p:cond delay="0"/>
-                                  </p:stCondLst>
-                                  <p:childTnLst>
-                                    <p:set>
-                                      <p:cBhvr>
-                                        <p:cTn id="6" dur="1" fill="hold">
-                                          <p:stCondLst>
-                                            <p:cond delay="0"/>
-                                          </p:stCondLst>
-                                        </p:cTn>
-                                        <p:tgtEl>
-                                          <p:spTgt spid="3">
-                                            <p:txEl>
-                                              <p:pRg st="1" end="1"/>
-                                            </p:txEl>
-                                          </p:spTgt>
-                                        </p:tgtEl>
-                                        <p:attrNameLst>
-                                          <p:attrName>style.visibility</p:attrName>
-                                        </p:attrNameLst>
-                                      </p:cBhvr>
-                                      <p:to>
-                                        <p:strVal val="visible"/>
-                                      </p:to>
-                                    </p:set>
-                                  </p:childTnLst>
-                                </p:cTn>
-                              </p:par>
-                            </p:childTnLst>
-                          </p:cTn>
-                        </p:par>
-                      </p:childTnLst>
-                    </p:cTn>
-                  </p:par>
-                  <p:par>
-                    <p:cTn id="7" fill="hold">
-                      <p:stCondLst>
-                        <p:cond delay="indefinite"/>
-                      </p:stCondLst>
-                      <p:childTnLst>
-                        <p:par>
-                          <p:cTn id="8" fill="hold">
-                            <p:stCondLst>
-                              <p:cond delay="0"/>
-                            </p:stCondLst>
-                            <p:childTnLst>
-                              <p:par>
-                                <p:cTn id="9" presetID="1" presetClass="entr" presetSubtype="0" fill="hold" nodeType="clickEffect">
-                                  <p:stCondLst>
-                                    <p:cond delay="0"/>
-                                  </p:stCondLst>
-                                  <p:childTnLst>
-                                    <p:set>
-                                      <p:cBhvr>
-                                        <p:cTn id="10" dur="1" fill="hold">
-                                          <p:stCondLst>
-                                            <p:cond delay="0"/>
-                                          </p:stCondLst>
-                                        </p:cTn>
-                                        <p:tgtEl>
-                                          <p:spTgt spid="3">
-                                            <p:txEl>
-                                              <p:pRg st="2" end="2"/>
-                                            </p:txEl>
-                                          </p:spTgt>
-                                        </p:tgtEl>
-                                        <p:attrNameLst>
-                                          <p:attrName>style.visibility</p:attrName>
-                                        </p:attrNameLst>
-                                      </p:cBhvr>
-                                      <p:to>
-                                        <p:strVal val="visible"/>
-                                      </p:to>
-                                    </p:set>
-                                  </p:childTnLst>
-                                </p:cTn>
-                              </p:par>
-                              <p:par>
-                                <p:cTn id="11" presetID="1" presetClass="entr" presetSubtype="0" fill="hold" nodeType="withEffect">
-                                  <p:stCondLst>
-                                    <p:cond delay="0"/>
-                                  </p:stCondLst>
-                                  <p:childTnLst>
-                                    <p:set>
-                                      <p:cBhvr>
-                                        <p:cTn id="12" dur="1" fill="hold">
-                                          <p:stCondLst>
-                                            <p:cond delay="0"/>
-                                          </p:stCondLst>
-                                        </p:cTn>
-                                        <p:tgtEl>
-                                          <p:spTgt spid="3">
-                                            <p:txEl>
-                                              <p:pRg st="3" end="3"/>
-                                            </p:txEl>
-                                          </p:spTgt>
-                                        </p:tgtEl>
-                                        <p:attrNameLst>
-                                          <p:attrName>style.visibility</p:attrName>
-                                        </p:attrNameLst>
-                                      </p:cBhvr>
-                                      <p:to>
-                                        <p:strVal val="visible"/>
-                                      </p:to>
-                                    </p:set>
-                                  </p:childTnLst>
-                                </p:cTn>
-                              </p:par>
-                              <p:par>
-                                <p:cTn id="13" presetID="1" presetClass="entr" presetSubtype="0" fill="hold" nodeType="withEffect">
-                                  <p:stCondLst>
-                                    <p:cond delay="0"/>
-                                  </p:stCondLst>
-                                  <p:childTnLst>
-                                    <p:set>
-                                      <p:cBhvr>
-                                        <p:cTn id="14" dur="1" fill="hold">
-                                          <p:stCondLst>
-                                            <p:cond delay="0"/>
-                                          </p:stCondLst>
-                                        </p:cTn>
-                                        <p:tgtEl>
-                                          <p:spTgt spid="3">
-                                            <p:txEl>
-                                              <p:pRg st="4" end="4"/>
-                                            </p:txEl>
-                                          </p:spTgt>
-                                        </p:tgtEl>
-                                        <p:attrNameLst>
-                                          <p:attrName>style.visibility</p:attrName>
-                                        </p:attrNameLst>
-                                      </p:cBhvr>
-                                      <p:to>
-                                        <p:strVal val="visible"/>
-                                      </p:to>
-                                    </p:set>
-                                  </p:childTnLst>
-                                </p:cTn>
-                              </p:par>
-                              <p:par>
-                                <p:cTn id="15" presetID="1" presetClass="entr" presetSubtype="0" fill="hold" nodeType="withEffect">
-                                  <p:stCondLst>
-                                    <p:cond delay="0"/>
-                                  </p:stCondLst>
-                                  <p:childTnLst>
-                                    <p:set>
-                                      <p:cBhvr>
-                                        <p:cTn id="16" dur="1" fill="hold">
-                                          <p:stCondLst>
-                                            <p:cond delay="0"/>
-                                          </p:stCondLst>
-                                        </p:cTn>
-                                        <p:tgtEl>
-                                          <p:spTgt spid="3">
-                                            <p:txEl>
-                                              <p:pRg st="5" end="5"/>
-                                            </p:txEl>
-                                          </p:spTgt>
-                                        </p:tgtEl>
-                                        <p:attrNameLst>
-                                          <p:attrName>style.visibility</p:attrName>
-                                        </p:attrNameLst>
-                                      </p:cBhvr>
-                                      <p:to>
-                                        <p:strVal val="visible"/>
-                                      </p:to>
-                                    </p:set>
-                                  </p:childTnLst>
-                                </p:cTn>
-                              </p:par>
-                              <p:par>
-                                <p:cTn id="17" presetID="1" presetClass="entr" presetSubtype="0" fill="hold" nodeType="withEffect">
-                                  <p:stCondLst>
-                                    <p:cond delay="0"/>
-                                  </p:stCondLst>
-                                  <p:childTnLst>
-                                    <p:set>
-                                      <p:cBhvr>
-                                        <p:cTn id="18" dur="1" fill="hold">
-                                          <p:stCondLst>
-                                            <p:cond delay="0"/>
-                                          </p:stCondLst>
-                                        </p:cTn>
-                                        <p:tgtEl>
-                                          <p:spTgt spid="3">
-                                            <p:txEl>
-                                              <p:pRg st="6" end="6"/>
-                                            </p:txEl>
-                                          </p:spTgt>
-                                        </p:tgtEl>
-                                        <p:attrNameLst>
-                                          <p:attrName>style.visibility</p:attrName>
-                                        </p:attrNameLst>
-                                      </p:cBhvr>
-                                      <p:to>
-                                        <p:strVal val="visible"/>
-                                      </p:to>
-                                    </p:set>
-                                  </p:childTnLst>
-                                </p:cTn>
-                              </p:par>
-                              <p:par>
-                                <p:cTn id="19" presetID="1" presetClass="entr" presetSubtype="0" fill="hold" nodeType="withEffect">
-                                  <p:stCondLst>
-                                    <p:cond delay="0"/>
-                                  </p:stCondLst>
-                                  <p:childTnLst>
-                                    <p:set>
-                                      <p:cBhvr>
-                                        <p:cTn id="20" dur="1" fill="hold">
-                                          <p:stCondLst>
-                                            <p:cond delay="0"/>
-                                          </p:stCondLst>
-                                        </p:cTn>
-                                        <p:tgtEl>
-                                          <p:spTgt spid="3">
-                                            <p:txEl>
-                                              <p:pRg st="7" end="7"/>
-                                            </p:txEl>
-                                          </p:spTgt>
-                                        </p:tgtEl>
-                                        <p:attrNameLst>
-                                          <p:attrName>style.visibility</p:attrName>
-                                        </p:attrNameLst>
-                                      </p:cBhvr>
-                                      <p:to>
-                                        <p:strVal val="visible"/>
-                                      </p:to>
-                                    </p:set>
-                                  </p:childTnLst>
-                                </p:cTn>
-                              </p:par>
-                              <p:par>
-                                <p:cTn id="21" presetID="1" presetClass="entr" presetSubtype="0" fill="hold" nodeType="withEffect">
-                                  <p:stCondLst>
-                                    <p:cond delay="0"/>
-                                  </p:stCondLst>
-                                  <p:childTnLst>
-                                    <p:set>
-                                      <p:cBhvr>
-                                        <p:cTn id="22" dur="1" fill="hold">
-                                          <p:stCondLst>
-                                            <p:cond delay="0"/>
-                                          </p:stCondLst>
-                                        </p:cTn>
-                                        <p:tgtEl>
-                                          <p:spTgt spid="3">
-                                            <p:txEl>
-                                              <p:pRg st="8" end="8"/>
-                                            </p:txEl>
-                                          </p:spTgt>
-                                        </p:tgtEl>
-                                        <p:attrNameLst>
-                                          <p:attrName>style.visibility</p:attrName>
-                                        </p:attrNameLst>
-                                      </p:cBhvr>
-                                      <p:to>
-                                        <p:strVal val="visible"/>
-                                      </p:to>
-                                    </p:set>
-                                  </p:childTnLst>
-                                </p:cTn>
-                              </p:par>
-                              <p:par>
-                                <p:cTn id="23" presetID="1" presetClass="entr" presetSubtype="0" fill="hold" nodeType="withEffect">
-                                  <p:stCondLst>
-                                    <p:cond delay="0"/>
-                                  </p:stCondLst>
-                                  <p:childTnLst>
-                                    <p:set>
-                                      <p:cBhvr>
-                                        <p:cTn id="24" dur="1" fill="hold">
-                                          <p:stCondLst>
-                                            <p:cond delay="0"/>
-                                          </p:stCondLst>
-                                        </p:cTn>
-                                        <p:tgtEl>
-                                          <p:spTgt spid="3">
-                                            <p:txEl>
-                                              <p:pRg st="9" end="9"/>
-                                            </p:txEl>
-                                          </p:spTgt>
-                                        </p:tgtEl>
-                                        <p:attrNameLst>
-                                          <p:attrName>style.visibility</p:attrName>
-                                        </p:attrNameLst>
-                                      </p:cBhvr>
-                                      <p:to>
-                                        <p:strVal val="visible"/>
-                                      </p:to>
-                                    </p:set>
-                                  </p:childTnLst>
-                                </p:cTn>
-                              </p:par>
-                            </p:childTnLst>
-                          </p:cTn>
-                        </p:par>
-                      </p:childTnLst>
-                    </p:cTn>
-                  </p:par>
-                  <p:par>
-                    <p:cTn id="25" fill="hold">
-                      <p:stCondLst>
-                        <p:cond delay="indefinite"/>
-                      </p:stCondLst>
-                      <p:childTnLst>
-                        <p:par>
-                          <p:cTn id="26" fill="hold">
-                            <p:stCondLst>
-                              <p:cond delay="0"/>
-                            </p:stCondLst>
-                            <p:childTnLst>
-                              <p:par>
-                                <p:cTn id="27" presetID="1" presetClass="entr" presetSubtype="0" fill="hold" nodeType="clickEffect">
-                                  <p:stCondLst>
-                                    <p:cond delay="0"/>
-                                  </p:stCondLst>
-                                  <p:childTnLst>
-                                    <p:set>
-                                      <p:cBhvr>
-                                        <p:cTn id="28" dur="1" fill="hold">
-                                          <p:stCondLst>
-                                            <p:cond delay="0"/>
-                                          </p:stCondLst>
-                                        </p:cTn>
-                                        <p:tgtEl>
-                                          <p:spTgt spid="3">
-                                            <p:txEl>
-                                              <p:pRg st="10" end="10"/>
-                                            </p:txEl>
-                                          </p:spTgt>
-                                        </p:tgtEl>
-                                        <p:attrNameLst>
-                                          <p:attrName>style.visibility</p:attrName>
-                                        </p:attrNameLst>
-                                      </p:cBhvr>
-                                      <p:to>
-                                        <p:strVal val="visible"/>
-                                      </p:to>
-                                    </p:set>
-                                  </p:childTnLst>
-                                </p:cTn>
-                              </p:par>
-                              <p:par>
-                                <p:cTn id="29" presetID="1" presetClass="entr" presetSubtype="0" fill="hold" nodeType="withEffect">
-                                  <p:stCondLst>
-                                    <p:cond delay="0"/>
-                                  </p:stCondLst>
-                                  <p:childTnLst>
-                                    <p:set>
-                                      <p:cBhvr>
-                                        <p:cTn id="30" dur="1" fill="hold">
-                                          <p:stCondLst>
-                                            <p:cond delay="0"/>
-                                          </p:stCondLst>
-                                        </p:cTn>
-                                        <p:tgtEl>
-                                          <p:spTgt spid="3">
-                                            <p:txEl>
-                                              <p:pRg st="11" end="11"/>
-                                            </p:txEl>
-                                          </p:spTgt>
-                                        </p:tgtEl>
-                                        <p:attrNameLst>
-                                          <p:attrName>style.visibility</p:attrName>
-                                        </p:attrNameLst>
-                                      </p:cBhvr>
-                                      <p:to>
-                                        <p:strVal val="visible"/>
-                                      </p:to>
-                                    </p:set>
-                                  </p:childTnLst>
-                                </p:cTn>
-                              </p:par>
-                            </p:childTnLst>
-                          </p:cTn>
-                        </p:par>
-                      </p:childTnLst>
-                    </p:cTn>
-                  </p:par>
-                </p:childTnLst>
-              </p:cTn>
-              <p:prevCondLst>
-                <p:cond evt="onPrev" delay="0">
-                  <p:tgtEl>
-                    <p:sldTgt/>
-                  </p:tgtEl>
-                </p:cond>
-              </p:prevCondLst>
-              <p:nextCondLst>
-                <p:cond evt="onNext" delay="0">
-                  <p:tgtEl>
-                    <p:sldTgt/>
-                  </p:tgtEl>
-                </p:cond>
-              </p:nextCondLst>
-            </p:seq>
-          </p:childTnLst>
-        </p:cTn>
-      </p:par>
-    </p:tnLst>
-  </p:timing>
-</p:sld>
-</file>
-
-<file path=ppt/slides/slide40.xml><?xml version="1.0" encoding="utf-8"?>
+<file path=ppt/slides/slide41.xml><?xml version="1.0" encoding="utf-8"?>
 <p:sld xmlns:a="http://schemas.openxmlformats.org/drawingml/2006/main" xmlns:r="http://schemas.openxmlformats.org/officeDocument/2006/relationships" xmlns:p="http://schemas.openxmlformats.org/presentationml/2006/main">
   <p:cSld>
     <p:spTree>
@@ -36193,12 +36712,18 @@
 </p:sld>
 </file>
 
-<file path=ppt/slides/slide41.xml><?xml version="1.0" encoding="utf-8"?>
+<file path=ppt/slides/slide42.xml><?xml version="1.0" encoding="utf-8"?>
 <p:sld xmlns:a="http://schemas.openxmlformats.org/drawingml/2006/main" xmlns:r="http://schemas.openxmlformats.org/officeDocument/2006/relationships" xmlns:p="http://schemas.openxmlformats.org/presentationml/2006/main">
   <p:cSld>
     <p:spTree>
       <p:nvGrpSpPr>
-        <p:cNvPr id="1" name=""/>
+        <p:cNvPr id="1" name="">
+          <a:extLst>
+            <a:ext uri="{FF2B5EF4-FFF2-40B4-BE49-F238E27FC236}">
+              <a16:creationId xmlns:a16="http://schemas.microsoft.com/office/drawing/2014/main" id="{4D84F5F2-3FB5-15A7-F606-163B7BCECFD6}"/>
+            </a:ext>
+          </a:extLst>
+        </p:cNvPr>
         <p:cNvGrpSpPr/>
         <p:nvPr/>
       </p:nvGrpSpPr>
@@ -36217,7 +36742,7 @@
               <p:cNvPr id="3" name="Content Placeholder 2">
                 <a:extLst>
                   <a:ext uri="{FF2B5EF4-FFF2-40B4-BE49-F238E27FC236}">
-                    <a16:creationId xmlns:a16="http://schemas.microsoft.com/office/drawing/2014/main" id="{258E6AF3-7615-4BD1-878E-A94C93E98F90}"/>
+                    <a16:creationId xmlns:a16="http://schemas.microsoft.com/office/drawing/2014/main" id="{DF4F0720-B6B3-AD51-1032-3AA091DFDB67}"/>
                   </a:ext>
                 </a:extLst>
               </p:cNvPr>
@@ -36236,7 +36761,7 @@
             </p:spPr>
             <p:txBody>
               <a:bodyPr>
-                <a:normAutofit lnSpcReduction="10000"/>
+                <a:normAutofit/>
               </a:bodyPr>
               <a:lstStyle/>
               <a:p>
@@ -36313,7 +36838,21 @@
                 </a14:m>
                 <a:r>
                   <a:rPr lang="en-US" dirty="0"/>
-                  <a:t> binary representation  </a:t>
+                  <a:t> binary representation, </a:t>
+                </a:r>
+                <a14:m>
+                  <m:oMath xmlns:m="http://schemas.openxmlformats.org/officeDocument/2006/math">
+                    <m:r>
+                      <a:rPr lang="en-US" b="0" i="1" smtClean="0">
+                        <a:latin typeface="Cambria Math" panose="02040503050406030204" pitchFamily="18" charset="0"/>
+                      </a:rPr>
+                      <m:t>𝑦</m:t>
+                    </m:r>
+                  </m:oMath>
+                </a14:m>
+                <a:r>
+                  <a:rPr lang="en-US" dirty="0"/>
+                  <a:t>  </a:t>
                 </a:r>
               </a:p>
               <a:p>
@@ -36422,8 +36961,747 @@
               <a:p>
                 <a:r>
                   <a:rPr lang="en-US" dirty="0"/>
-                  <a:t>The kth bit of the hash is written: </a:t>
+                  <a:t>The </a:t>
                 </a:r>
+                <a14:m>
+                  <m:oMath xmlns:m="http://schemas.openxmlformats.org/officeDocument/2006/math">
+                    <m:r>
+                      <a:rPr lang="en-US" b="0" i="1" smtClean="0">
+                        <a:latin typeface="Cambria Math" panose="02040503050406030204" pitchFamily="18" charset="0"/>
+                      </a:rPr>
+                      <m:t>𝐿</m:t>
+                    </m:r>
+                  </m:oMath>
+                </a14:m>
+                <a:r>
+                  <a:rPr lang="en-US" dirty="0"/>
+                  <a:t> bit hash is written: </a:t>
+                </a:r>
+              </a:p>
+              <a:p>
+                <a:pPr marL="0" indent="0">
+                  <a:buNone/>
+                </a:pPr>
+                <a14:m>
+                  <m:oMathPara xmlns:m="http://schemas.openxmlformats.org/officeDocument/2006/math">
+                    <m:oMathParaPr>
+                      <m:jc m:val="centerGroup"/>
+                    </m:oMathParaPr>
+                    <m:oMath xmlns:m="http://schemas.openxmlformats.org/officeDocument/2006/math">
+                      <m:r>
+                        <a:rPr lang="en-US" b="0" i="1" smtClean="0">
+                          <a:latin typeface="Cambria Math" panose="02040503050406030204" pitchFamily="18" charset="0"/>
+                        </a:rPr>
+                        <m:t>𝑦</m:t>
+                      </m:r>
+                      <m:r>
+                        <a:rPr lang="en-US" b="0" i="1" smtClean="0">
+                          <a:latin typeface="Cambria Math" panose="02040503050406030204" pitchFamily="18" charset="0"/>
+                        </a:rPr>
+                        <m:t>=</m:t>
+                      </m:r>
+                      <m:nary>
+                        <m:naryPr>
+                          <m:chr m:val="∑"/>
+                          <m:ctrlPr>
+                            <a:rPr lang="en-US" b="0" i="1" smtClean="0">
+                              <a:latin typeface="Cambria Math" panose="02040503050406030204" pitchFamily="18" charset="0"/>
+                            </a:rPr>
+                          </m:ctrlPr>
+                        </m:naryPr>
+                        <m:sub>
+                          <m:r>
+                            <m:rPr>
+                              <m:brk m:alnAt="23"/>
+                            </m:rPr>
+                            <a:rPr lang="en-US" b="0" i="1" smtClean="0">
+                              <a:latin typeface="Cambria Math" panose="02040503050406030204" pitchFamily="18" charset="0"/>
+                            </a:rPr>
+                            <m:t>𝑘</m:t>
+                          </m:r>
+                          <m:r>
+                            <a:rPr lang="en-US" b="0" i="1" smtClean="0">
+                              <a:latin typeface="Cambria Math" panose="02040503050406030204" pitchFamily="18" charset="0"/>
+                              <a:ea typeface="Cambria Math" panose="02040503050406030204" pitchFamily="18" charset="0"/>
+                            </a:rPr>
+                            <m:t>≥0</m:t>
+                          </m:r>
+                        </m:sub>
+                        <m:sup>
+                          <m:r>
+                            <a:rPr lang="en-US" b="0" i="1" smtClean="0">
+                              <a:latin typeface="Cambria Math" panose="02040503050406030204" pitchFamily="18" charset="0"/>
+                            </a:rPr>
+                            <m:t> </m:t>
+                          </m:r>
+                        </m:sup>
+                        <m:e>
+                          <m:r>
+                            <a:rPr lang="en-US" b="0" i="1" smtClean="0">
+                              <a:latin typeface="Cambria Math" panose="02040503050406030204" pitchFamily="18" charset="0"/>
+                            </a:rPr>
+                            <m:t>𝑏𝑖𝑡</m:t>
+                          </m:r>
+                          <m:d>
+                            <m:dPr>
+                              <m:ctrlPr>
+                                <a:rPr lang="en-US" b="0" i="1" smtClean="0">
+                                  <a:latin typeface="Cambria Math" panose="02040503050406030204" pitchFamily="18" charset="0"/>
+                                </a:rPr>
+                              </m:ctrlPr>
+                            </m:dPr>
+                            <m:e>
+                              <m:r>
+                                <a:rPr lang="en-US" b="0" i="1" smtClean="0">
+                                  <a:latin typeface="Cambria Math" panose="02040503050406030204" pitchFamily="18" charset="0"/>
+                                </a:rPr>
+                                <m:t>𝑦</m:t>
+                              </m:r>
+                              <m:r>
+                                <a:rPr lang="en-US" b="0" i="1" smtClean="0">
+                                  <a:latin typeface="Cambria Math" panose="02040503050406030204" pitchFamily="18" charset="0"/>
+                                </a:rPr>
+                                <m:t>,</m:t>
+                              </m:r>
+                              <m:r>
+                                <a:rPr lang="en-US" b="0" i="1" smtClean="0">
+                                  <a:latin typeface="Cambria Math" panose="02040503050406030204" pitchFamily="18" charset="0"/>
+                                </a:rPr>
+                                <m:t>𝑘</m:t>
+                              </m:r>
+                            </m:e>
+                          </m:d>
+                          <m:sSup>
+                            <m:sSupPr>
+                              <m:ctrlPr>
+                                <a:rPr lang="en-US" b="0" i="1" smtClean="0">
+                                  <a:latin typeface="Cambria Math" panose="02040503050406030204" pitchFamily="18" charset="0"/>
+                                </a:rPr>
+                              </m:ctrlPr>
+                            </m:sSupPr>
+                            <m:e>
+                              <m:r>
+                                <a:rPr lang="en-US" b="0" i="1" smtClean="0">
+                                  <a:latin typeface="Cambria Math" panose="02040503050406030204" pitchFamily="18" charset="0"/>
+                                </a:rPr>
+                                <m:t>2</m:t>
+                              </m:r>
+                            </m:e>
+                            <m:sup>
+                              <m:r>
+                                <a:rPr lang="en-US" b="0" i="1" smtClean="0">
+                                  <a:latin typeface="Cambria Math" panose="02040503050406030204" pitchFamily="18" charset="0"/>
+                                </a:rPr>
+                                <m:t>𝑘</m:t>
+                              </m:r>
+                            </m:sup>
+                          </m:sSup>
+                        </m:e>
+                      </m:nary>
+                    </m:oMath>
+                  </m:oMathPara>
+                </a14:m>
+                <a:endParaRPr lang="en-US" dirty="0"/>
+              </a:p>
+              <a:p>
+                <a:pPr marL="0" indent="0">
+                  <a:buNone/>
+                </a:pPr>
+                <a14:m>
+                  <m:oMathPara xmlns:m="http://schemas.openxmlformats.org/officeDocument/2006/math">
+                    <m:oMathParaPr>
+                      <m:jc m:val="centerGroup"/>
+                    </m:oMathParaPr>
+                    <m:oMath xmlns:m="http://schemas.openxmlformats.org/officeDocument/2006/math">
+                      <m:r>
+                        <a:rPr lang="en-US" i="1">
+                          <a:latin typeface="Cambria Math" panose="02040503050406030204" pitchFamily="18" charset="0"/>
+                        </a:rPr>
+                        <m:t>𝑏𝑖𝑡</m:t>
+                      </m:r>
+                      <m:d>
+                        <m:dPr>
+                          <m:ctrlPr>
+                            <a:rPr lang="en-US" i="1">
+                              <a:latin typeface="Cambria Math" panose="02040503050406030204" pitchFamily="18" charset="0"/>
+                            </a:rPr>
+                          </m:ctrlPr>
+                        </m:dPr>
+                        <m:e>
+                          <m:r>
+                            <a:rPr lang="en-US" i="1">
+                              <a:latin typeface="Cambria Math" panose="02040503050406030204" pitchFamily="18" charset="0"/>
+                            </a:rPr>
+                            <m:t>𝑦</m:t>
+                          </m:r>
+                          <m:r>
+                            <a:rPr lang="en-US" i="1">
+                              <a:latin typeface="Cambria Math" panose="02040503050406030204" pitchFamily="18" charset="0"/>
+                            </a:rPr>
+                            <m:t>,</m:t>
+                          </m:r>
+                          <m:r>
+                            <a:rPr lang="en-US" i="1">
+                              <a:latin typeface="Cambria Math" panose="02040503050406030204" pitchFamily="18" charset="0"/>
+                            </a:rPr>
+                            <m:t>𝑘</m:t>
+                          </m:r>
+                        </m:e>
+                      </m:d>
+                      <m:r>
+                        <a:rPr lang="en-US" b="0" i="1" smtClean="0">
+                          <a:latin typeface="Cambria Math" panose="02040503050406030204" pitchFamily="18" charset="0"/>
+                        </a:rPr>
+                        <m:t>=</m:t>
+                      </m:r>
+                      <m:sSup>
+                        <m:sSupPr>
+                          <m:ctrlPr>
+                            <a:rPr lang="en-US" b="0" i="1" smtClean="0">
+                              <a:latin typeface="Cambria Math" panose="02040503050406030204" pitchFamily="18" charset="0"/>
+                            </a:rPr>
+                          </m:ctrlPr>
+                        </m:sSupPr>
+                        <m:e>
+                          <m:r>
+                            <a:rPr lang="en-US" b="0" i="1" smtClean="0">
+                              <a:latin typeface="Cambria Math" panose="02040503050406030204" pitchFamily="18" charset="0"/>
+                            </a:rPr>
+                            <m:t>𝑘</m:t>
+                          </m:r>
+                        </m:e>
+                        <m:sup>
+                          <m:r>
+                            <a:rPr lang="en-US" b="0" i="1" smtClean="0">
+                              <a:latin typeface="Cambria Math" panose="02040503050406030204" pitchFamily="18" charset="0"/>
+                            </a:rPr>
+                            <m:t>𝑡h</m:t>
+                          </m:r>
+                        </m:sup>
+                      </m:sSup>
+                      <m:r>
+                        <a:rPr lang="en-US" b="0" i="1" smtClean="0">
+                          <a:latin typeface="Cambria Math" panose="02040503050406030204" pitchFamily="18" charset="0"/>
+                        </a:rPr>
+                        <m:t> </m:t>
+                      </m:r>
+                      <m:r>
+                        <a:rPr lang="en-US" b="0" i="1" smtClean="0">
+                          <a:latin typeface="Cambria Math" panose="02040503050406030204" pitchFamily="18" charset="0"/>
+                        </a:rPr>
+                        <m:t>𝑏𝑖𝑡</m:t>
+                      </m:r>
+                      <m:r>
+                        <a:rPr lang="en-US" b="0" i="1" smtClean="0">
+                          <a:latin typeface="Cambria Math" panose="02040503050406030204" pitchFamily="18" charset="0"/>
+                        </a:rPr>
+                        <m:t> </m:t>
+                      </m:r>
+                      <m:r>
+                        <a:rPr lang="en-US" b="0" i="1" smtClean="0">
+                          <a:latin typeface="Cambria Math" panose="02040503050406030204" pitchFamily="18" charset="0"/>
+                        </a:rPr>
+                        <m:t>𝑜𝑓</m:t>
+                      </m:r>
+                      <m:r>
+                        <a:rPr lang="en-US" b="0" i="1" smtClean="0">
+                          <a:latin typeface="Cambria Math" panose="02040503050406030204" pitchFamily="18" charset="0"/>
+                        </a:rPr>
+                        <m:t> </m:t>
+                      </m:r>
+                      <m:r>
+                        <a:rPr lang="en-US" b="0" i="1" smtClean="0">
+                          <a:latin typeface="Cambria Math" panose="02040503050406030204" pitchFamily="18" charset="0"/>
+                        </a:rPr>
+                        <m:t>𝑦</m:t>
+                      </m:r>
+                    </m:oMath>
+                  </m:oMathPara>
+                </a14:m>
+                <a:endParaRPr lang="en-US" dirty="0"/>
+              </a:p>
+              <a:p>
+                <a:endParaRPr lang="en-US" dirty="0"/>
+              </a:p>
+              <a:p>
+                <a:pPr lvl="1"/>
+                <a:endParaRPr lang="en-US" dirty="0"/>
+              </a:p>
+            </p:txBody>
+          </p:sp>
+        </mc:Choice>
+        <mc:Fallback>
+          <p:sp>
+            <p:nvSpPr>
+              <p:cNvPr id="3" name="Content Placeholder 2">
+                <a:extLst>
+                  <a:ext uri="{FF2B5EF4-FFF2-40B4-BE49-F238E27FC236}">
+                    <a16:creationId xmlns:a16="http://schemas.microsoft.com/office/drawing/2014/main" id="{DF4F0720-B6B3-AD51-1032-3AA091DFDB67}"/>
+                  </a:ext>
+                </a:extLst>
+              </p:cNvPr>
+              <p:cNvSpPr>
+                <a:spLocks noGrp="1" noRot="1" noChangeAspect="1" noMove="1" noResize="1" noEditPoints="1" noAdjustHandles="1" noChangeArrowheads="1" noChangeShapeType="1" noTextEdit="1"/>
+              </p:cNvSpPr>
+              <p:nvPr>
+                <p:ph idx="1"/>
+              </p:nvPr>
+            </p:nvSpPr>
+            <p:spPr>
+              <a:xfrm>
+                <a:off x="784412" y="1324927"/>
+                <a:ext cx="10515600" cy="5138767"/>
+              </a:xfrm>
+              <a:blipFill>
+                <a:blip r:embed="rId3"/>
+                <a:stretch>
+                  <a:fillRect l="-1507" t="-2491"/>
+                </a:stretch>
+              </a:blipFill>
+            </p:spPr>
+            <p:txBody>
+              <a:bodyPr/>
+              <a:lstStyle/>
+              <a:p>
+                <a:r>
+                  <a:rPr lang="en-US">
+                    <a:noFill/>
+                  </a:rPr>
+                  <a:t> </a:t>
+                </a:r>
+              </a:p>
+            </p:txBody>
+          </p:sp>
+        </mc:Fallback>
+      </mc:AlternateContent>
+      <p:sp>
+        <p:nvSpPr>
+          <p:cNvPr id="6" name="Title 1">
+            <a:extLst>
+              <a:ext uri="{FF2B5EF4-FFF2-40B4-BE49-F238E27FC236}">
+                <a16:creationId xmlns:a16="http://schemas.microsoft.com/office/drawing/2014/main" id="{73A305B4-DB56-0457-D7EE-6987988BA60E}"/>
+              </a:ext>
+            </a:extLst>
+          </p:cNvPr>
+          <p:cNvSpPr txBox="1">
+            <a:spLocks/>
+          </p:cNvSpPr>
+          <p:nvPr/>
+        </p:nvSpPr>
+        <p:spPr>
+          <a:xfrm>
+            <a:off x="838200" y="-635"/>
+            <a:ext cx="10515600" cy="1325563"/>
+          </a:xfrm>
+          <a:prstGeom prst="rect">
+            <a:avLst/>
+          </a:prstGeom>
+        </p:spPr>
+        <p:txBody>
+          <a:bodyPr vert="horz" lIns="91440" tIns="45720" rIns="91440" bIns="45720" rtlCol="0" anchor="ctr">
+            <a:normAutofit/>
+          </a:bodyPr>
+          <a:lstStyle>
+            <a:lvl1pPr algn="l" defTabSz="914400" rtl="0" eaLnBrk="1" latinLnBrk="0" hangingPunct="1">
+              <a:lnSpc>
+                <a:spcPct val="90000"/>
+              </a:lnSpc>
+              <a:spcBef>
+                <a:spcPct val="0"/>
+              </a:spcBef>
+              <a:buNone/>
+              <a:defRPr sz="4400" kern="1200">
+                <a:solidFill>
+                  <a:schemeClr val="tx1"/>
+                </a:solidFill>
+                <a:latin typeface="+mj-lt"/>
+                <a:ea typeface="+mj-ea"/>
+                <a:cs typeface="+mj-cs"/>
+              </a:defRPr>
+            </a:lvl1pPr>
+          </a:lstStyle>
+          <a:p>
+            <a:r>
+              <a:rPr lang="en-US" dirty="0">
+                <a:latin typeface="+mn-lt"/>
+              </a:rPr>
+              <a:t>Counting Distinct Events – Cardinality </a:t>
+            </a:r>
+          </a:p>
+        </p:txBody>
+      </p:sp>
+    </p:spTree>
+    <p:extLst>
+      <p:ext uri="{BB962C8B-B14F-4D97-AF65-F5344CB8AC3E}">
+        <p14:creationId xmlns:p14="http://schemas.microsoft.com/office/powerpoint/2010/main" val="1768957194"/>
+      </p:ext>
+    </p:extLst>
+  </p:cSld>
+  <p:clrMapOvr>
+    <a:masterClrMapping/>
+  </p:clrMapOvr>
+</p:sld>
+</file>
+
+<file path=ppt/slides/slide43.xml><?xml version="1.0" encoding="utf-8"?>
+<p:sld xmlns:a="http://schemas.openxmlformats.org/drawingml/2006/main" xmlns:r="http://schemas.openxmlformats.org/officeDocument/2006/relationships" xmlns:p="http://schemas.openxmlformats.org/presentationml/2006/main">
+  <p:cSld>
+    <p:spTree>
+      <p:nvGrpSpPr>
+        <p:cNvPr id="1" name="">
+          <a:extLst>
+            <a:ext uri="{FF2B5EF4-FFF2-40B4-BE49-F238E27FC236}">
+              <a16:creationId xmlns:a16="http://schemas.microsoft.com/office/drawing/2014/main" id="{D96B9DE4-61F4-EFDF-EFA5-DD6A84A0B47E}"/>
+            </a:ext>
+          </a:extLst>
+        </p:cNvPr>
+        <p:cNvGrpSpPr/>
+        <p:nvPr/>
+      </p:nvGrpSpPr>
+      <p:grpSpPr>
+        <a:xfrm>
+          <a:off x="0" y="0"/>
+          <a:ext cx="0" cy="0"/>
+          <a:chOff x="0" y="0"/>
+          <a:chExt cx="0" cy="0"/>
+        </a:xfrm>
+      </p:grpSpPr>
+      <mc:AlternateContent xmlns:mc="http://schemas.openxmlformats.org/markup-compatibility/2006" xmlns:a14="http://schemas.microsoft.com/office/drawing/2010/main">
+        <mc:Choice Requires="a14">
+          <p:sp>
+            <p:nvSpPr>
+              <p:cNvPr id="3" name="Content Placeholder 2">
+                <a:extLst>
+                  <a:ext uri="{FF2B5EF4-FFF2-40B4-BE49-F238E27FC236}">
+                    <a16:creationId xmlns:a16="http://schemas.microsoft.com/office/drawing/2014/main" id="{DAA1415E-5F79-BA37-0603-090C7FDC3FC6}"/>
+                  </a:ext>
+                </a:extLst>
+              </p:cNvPr>
+              <p:cNvSpPr>
+                <a:spLocks noGrp="1"/>
+              </p:cNvSpPr>
+              <p:nvPr>
+                <p:ph idx="1"/>
+              </p:nvPr>
+            </p:nvSpPr>
+            <p:spPr>
+              <a:xfrm>
+                <a:off x="784412" y="1324927"/>
+                <a:ext cx="10515600" cy="5138767"/>
+              </a:xfrm>
+            </p:spPr>
+            <p:txBody>
+              <a:bodyPr>
+                <a:normAutofit/>
+              </a:bodyPr>
+              <a:lstStyle/>
+              <a:p>
+                <a:pPr marL="0" indent="0">
+                  <a:buNone/>
+                </a:pPr>
+                <a:r>
+                  <a:rPr lang="en-US" sz="3200" dirty="0">
+                    <a:hlinkClick r:id="rId2"/>
+                  </a:rPr>
+                  <a:t>Flajolet-Martin</a:t>
+                </a:r>
+                <a:r>
+                  <a:rPr lang="en-US" sz="3200" dirty="0"/>
+                  <a:t> algorithm for cardinality </a:t>
+                </a:r>
+                <a:endParaRPr lang="en-US" sz="3200" b="1" dirty="0"/>
+              </a:p>
+              <a:p>
+                <a:r>
+                  <a:rPr lang="en-US" dirty="0"/>
+                  <a:t>The </a:t>
+                </a:r>
+                <a14:m>
+                  <m:oMath xmlns:m="http://schemas.openxmlformats.org/officeDocument/2006/math">
+                    <m:r>
+                      <a:rPr lang="en-US" b="0" i="1" smtClean="0">
+                        <a:latin typeface="Cambria Math" panose="02040503050406030204" pitchFamily="18" charset="0"/>
+                      </a:rPr>
+                      <m:t>𝐿</m:t>
+                    </m:r>
+                  </m:oMath>
+                </a14:m>
+                <a:r>
+                  <a:rPr lang="en-US" dirty="0"/>
+                  <a:t> bit hash is written: </a:t>
+                </a:r>
+              </a:p>
+              <a:p>
+                <a:pPr marL="0" indent="0">
+                  <a:buNone/>
+                </a:pPr>
+                <a14:m>
+                  <m:oMathPara xmlns:m="http://schemas.openxmlformats.org/officeDocument/2006/math">
+                    <m:oMathParaPr>
+                      <m:jc m:val="centerGroup"/>
+                    </m:oMathParaPr>
+                    <m:oMath xmlns:m="http://schemas.openxmlformats.org/officeDocument/2006/math">
+                      <m:r>
+                        <a:rPr lang="en-US" b="0" i="1" smtClean="0">
+                          <a:latin typeface="Cambria Math" panose="02040503050406030204" pitchFamily="18" charset="0"/>
+                        </a:rPr>
+                        <m:t>𝑦</m:t>
+                      </m:r>
+                      <m:r>
+                        <a:rPr lang="en-US" b="0" i="1" smtClean="0">
+                          <a:latin typeface="Cambria Math" panose="02040503050406030204" pitchFamily="18" charset="0"/>
+                        </a:rPr>
+                        <m:t>=</m:t>
+                      </m:r>
+                      <m:nary>
+                        <m:naryPr>
+                          <m:chr m:val="∑"/>
+                          <m:ctrlPr>
+                            <a:rPr lang="en-US" b="0" i="1" smtClean="0">
+                              <a:latin typeface="Cambria Math" panose="02040503050406030204" pitchFamily="18" charset="0"/>
+                            </a:rPr>
+                          </m:ctrlPr>
+                        </m:naryPr>
+                        <m:sub>
+                          <m:r>
+                            <m:rPr>
+                              <m:brk m:alnAt="23"/>
+                            </m:rPr>
+                            <a:rPr lang="en-US" b="0" i="1" smtClean="0">
+                              <a:latin typeface="Cambria Math" panose="02040503050406030204" pitchFamily="18" charset="0"/>
+                            </a:rPr>
+                            <m:t>𝑘</m:t>
+                          </m:r>
+                          <m:r>
+                            <a:rPr lang="en-US" b="0" i="1" smtClean="0">
+                              <a:latin typeface="Cambria Math" panose="02040503050406030204" pitchFamily="18" charset="0"/>
+                              <a:ea typeface="Cambria Math" panose="02040503050406030204" pitchFamily="18" charset="0"/>
+                            </a:rPr>
+                            <m:t>≥0</m:t>
+                          </m:r>
+                        </m:sub>
+                        <m:sup>
+                          <m:r>
+                            <a:rPr lang="en-US" b="0" i="1" smtClean="0">
+                              <a:latin typeface="Cambria Math" panose="02040503050406030204" pitchFamily="18" charset="0"/>
+                            </a:rPr>
+                            <m:t> </m:t>
+                          </m:r>
+                        </m:sup>
+                        <m:e>
+                          <m:r>
+                            <a:rPr lang="en-US" b="0" i="1" smtClean="0">
+                              <a:latin typeface="Cambria Math" panose="02040503050406030204" pitchFamily="18" charset="0"/>
+                            </a:rPr>
+                            <m:t>𝑏𝑖𝑡</m:t>
+                          </m:r>
+                          <m:d>
+                            <m:dPr>
+                              <m:ctrlPr>
+                                <a:rPr lang="en-US" b="0" i="1" smtClean="0">
+                                  <a:latin typeface="Cambria Math" panose="02040503050406030204" pitchFamily="18" charset="0"/>
+                                </a:rPr>
+                              </m:ctrlPr>
+                            </m:dPr>
+                            <m:e>
+                              <m:r>
+                                <a:rPr lang="en-US" b="0" i="1" smtClean="0">
+                                  <a:latin typeface="Cambria Math" panose="02040503050406030204" pitchFamily="18" charset="0"/>
+                                </a:rPr>
+                                <m:t>𝑦</m:t>
+                              </m:r>
+                              <m:r>
+                                <a:rPr lang="en-US" b="0" i="1" smtClean="0">
+                                  <a:latin typeface="Cambria Math" panose="02040503050406030204" pitchFamily="18" charset="0"/>
+                                </a:rPr>
+                                <m:t>,</m:t>
+                              </m:r>
+                              <m:r>
+                                <a:rPr lang="en-US" b="0" i="1" smtClean="0">
+                                  <a:latin typeface="Cambria Math" panose="02040503050406030204" pitchFamily="18" charset="0"/>
+                                </a:rPr>
+                                <m:t>𝑘</m:t>
+                              </m:r>
+                            </m:e>
+                          </m:d>
+                          <m:sSup>
+                            <m:sSupPr>
+                              <m:ctrlPr>
+                                <a:rPr lang="en-US" b="0" i="1" smtClean="0">
+                                  <a:latin typeface="Cambria Math" panose="02040503050406030204" pitchFamily="18" charset="0"/>
+                                </a:rPr>
+                              </m:ctrlPr>
+                            </m:sSupPr>
+                            <m:e>
+                              <m:r>
+                                <a:rPr lang="en-US" b="0" i="1" smtClean="0">
+                                  <a:latin typeface="Cambria Math" panose="02040503050406030204" pitchFamily="18" charset="0"/>
+                                </a:rPr>
+                                <m:t>2</m:t>
+                              </m:r>
+                            </m:e>
+                            <m:sup>
+                              <m:r>
+                                <a:rPr lang="en-US" b="0" i="1" smtClean="0">
+                                  <a:latin typeface="Cambria Math" panose="02040503050406030204" pitchFamily="18" charset="0"/>
+                                </a:rPr>
+                                <m:t>𝑘</m:t>
+                              </m:r>
+                            </m:sup>
+                          </m:sSup>
+                        </m:e>
+                      </m:nary>
+                    </m:oMath>
+                  </m:oMathPara>
+                </a14:m>
+                <a:endParaRPr lang="en-US" dirty="0"/>
+              </a:p>
+              <a:p>
+                <a:pPr marL="0" indent="0">
+                  <a:buNone/>
+                </a:pPr>
+                <a14:m>
+                  <m:oMathPara xmlns:m="http://schemas.openxmlformats.org/officeDocument/2006/math">
+                    <m:oMathParaPr>
+                      <m:jc m:val="centerGroup"/>
+                    </m:oMathParaPr>
+                    <m:oMath xmlns:m="http://schemas.openxmlformats.org/officeDocument/2006/math">
+                      <m:r>
+                        <a:rPr lang="en-US" i="1">
+                          <a:latin typeface="Cambria Math" panose="02040503050406030204" pitchFamily="18" charset="0"/>
+                        </a:rPr>
+                        <m:t>𝑏𝑖𝑡</m:t>
+                      </m:r>
+                      <m:d>
+                        <m:dPr>
+                          <m:ctrlPr>
+                            <a:rPr lang="en-US" i="1">
+                              <a:latin typeface="Cambria Math" panose="02040503050406030204" pitchFamily="18" charset="0"/>
+                            </a:rPr>
+                          </m:ctrlPr>
+                        </m:dPr>
+                        <m:e>
+                          <m:r>
+                            <a:rPr lang="en-US" i="1">
+                              <a:latin typeface="Cambria Math" panose="02040503050406030204" pitchFamily="18" charset="0"/>
+                            </a:rPr>
+                            <m:t>𝑦</m:t>
+                          </m:r>
+                          <m:r>
+                            <a:rPr lang="en-US" i="1">
+                              <a:latin typeface="Cambria Math" panose="02040503050406030204" pitchFamily="18" charset="0"/>
+                            </a:rPr>
+                            <m:t>,</m:t>
+                          </m:r>
+                          <m:r>
+                            <a:rPr lang="en-US" i="1">
+                              <a:latin typeface="Cambria Math" panose="02040503050406030204" pitchFamily="18" charset="0"/>
+                            </a:rPr>
+                            <m:t>𝑘</m:t>
+                          </m:r>
+                        </m:e>
+                      </m:d>
+                      <m:r>
+                        <a:rPr lang="en-US" b="0" i="1" smtClean="0">
+                          <a:latin typeface="Cambria Math" panose="02040503050406030204" pitchFamily="18" charset="0"/>
+                        </a:rPr>
+                        <m:t>=</m:t>
+                      </m:r>
+                      <m:sSup>
+                        <m:sSupPr>
+                          <m:ctrlPr>
+                            <a:rPr lang="en-US" b="0" i="1" smtClean="0">
+                              <a:latin typeface="Cambria Math" panose="02040503050406030204" pitchFamily="18" charset="0"/>
+                            </a:rPr>
+                          </m:ctrlPr>
+                        </m:sSupPr>
+                        <m:e>
+                          <m:r>
+                            <a:rPr lang="en-US" b="0" i="1" smtClean="0">
+                              <a:latin typeface="Cambria Math" panose="02040503050406030204" pitchFamily="18" charset="0"/>
+                            </a:rPr>
+                            <m:t>𝑘</m:t>
+                          </m:r>
+                        </m:e>
+                        <m:sup>
+                          <m:r>
+                            <a:rPr lang="en-US" b="0" i="1" smtClean="0">
+                              <a:latin typeface="Cambria Math" panose="02040503050406030204" pitchFamily="18" charset="0"/>
+                            </a:rPr>
+                            <m:t>𝑡h</m:t>
+                          </m:r>
+                        </m:sup>
+                      </m:sSup>
+                      <m:r>
+                        <a:rPr lang="en-US" b="0" i="1" smtClean="0">
+                          <a:latin typeface="Cambria Math" panose="02040503050406030204" pitchFamily="18" charset="0"/>
+                        </a:rPr>
+                        <m:t> </m:t>
+                      </m:r>
+                      <m:r>
+                        <a:rPr lang="en-US" b="0" i="1" smtClean="0">
+                          <a:latin typeface="Cambria Math" panose="02040503050406030204" pitchFamily="18" charset="0"/>
+                        </a:rPr>
+                        <m:t>𝑏𝑖𝑡</m:t>
+                      </m:r>
+                      <m:r>
+                        <a:rPr lang="en-US" b="0" i="1" smtClean="0">
+                          <a:latin typeface="Cambria Math" panose="02040503050406030204" pitchFamily="18" charset="0"/>
+                        </a:rPr>
+                        <m:t> </m:t>
+                      </m:r>
+                      <m:r>
+                        <a:rPr lang="en-US" b="0" i="1" smtClean="0">
+                          <a:latin typeface="Cambria Math" panose="02040503050406030204" pitchFamily="18" charset="0"/>
+                        </a:rPr>
+                        <m:t>𝑜𝑓</m:t>
+                      </m:r>
+                      <m:r>
+                        <a:rPr lang="en-US" b="0" i="1" smtClean="0">
+                          <a:latin typeface="Cambria Math" panose="02040503050406030204" pitchFamily="18" charset="0"/>
+                        </a:rPr>
+                        <m:t> </m:t>
+                      </m:r>
+                      <m:r>
+                        <a:rPr lang="en-US" b="0" i="1" smtClean="0">
+                          <a:latin typeface="Cambria Math" panose="02040503050406030204" pitchFamily="18" charset="0"/>
+                        </a:rPr>
+                        <m:t>𝑦</m:t>
+                      </m:r>
+                    </m:oMath>
+                  </m:oMathPara>
+                </a14:m>
+                <a:endParaRPr lang="en-US" dirty="0"/>
+              </a:p>
+              <a:p>
+                <a:r>
+                  <a:rPr lang="en-US" dirty="0"/>
+                  <a:t>The least significant 0 bit for binary number </a:t>
+                </a:r>
+                <a14:m>
+                  <m:oMath xmlns:m="http://schemas.openxmlformats.org/officeDocument/2006/math">
+                    <m:r>
+                      <a:rPr lang="en-US" b="0" i="1" smtClean="0">
+                        <a:latin typeface="Cambria Math" panose="02040503050406030204" pitchFamily="18" charset="0"/>
+                      </a:rPr>
+                      <m:t>𝑦</m:t>
+                    </m:r>
+                  </m:oMath>
+                </a14:m>
+                <a:r>
+                  <a:rPr lang="en-US" dirty="0"/>
+                  <a:t> is expressed</a:t>
+                </a:r>
+                <a:r>
+                  <a:rPr lang="en-US"/>
+                  <a:t>:   </a:t>
+                </a:r>
+              </a:p>
+              <a:p>
+                <a:pPr marL="0" indent="0">
+                  <a:buNone/>
+                </a:pPr>
+                <a:endParaRPr lang="en-US" sz="1100" dirty="0"/>
               </a:p>
               <a:p>
                 <a:pPr marL="0" indent="0">
@@ -36441,12 +37719,1167 @@
                         </a:rPr>
                         <m:t>𝑝</m:t>
                       </m:r>
+                      <m:d>
+                        <m:dPr>
+                          <m:ctrlPr>
+                            <a:rPr lang="en-US" b="0" i="1" smtClean="0">
+                              <a:latin typeface="Cambria Math" panose="02040503050406030204" pitchFamily="18" charset="0"/>
+                            </a:rPr>
+                          </m:ctrlPr>
+                        </m:dPr>
+                        <m:e>
+                          <m:r>
+                            <a:rPr lang="en-US" b="0" i="1" smtClean="0">
+                              <a:latin typeface="Cambria Math" panose="02040503050406030204" pitchFamily="18" charset="0"/>
+                            </a:rPr>
+                            <m:t>𝑦</m:t>
+                          </m:r>
+                        </m:e>
+                      </m:d>
                       <m:r>
                         <a:rPr lang="en-US" b="0" i="1" smtClean="0">
                           <a:latin typeface="Cambria Math" panose="02040503050406030204" pitchFamily="18" charset="0"/>
                         </a:rPr>
-                        <m:t>(</m:t>
+                        <m:t>=</m:t>
                       </m:r>
+                      <m:d>
+                        <m:dPr>
+                          <m:begChr m:val="{"/>
+                          <m:endChr m:val=""/>
+                          <m:ctrlPr>
+                            <a:rPr lang="en-US" i="1" smtClean="0">
+                              <a:latin typeface="Cambria Math" panose="02040503050406030204" pitchFamily="18" charset="0"/>
+                            </a:rPr>
+                          </m:ctrlPr>
+                        </m:dPr>
+                        <m:e>
+                          <m:m>
+                            <m:mPr>
+                              <m:mcs>
+                                <m:mc>
+                                  <m:mcPr>
+                                    <m:count m:val="2"/>
+                                    <m:mcJc m:val="center"/>
+                                  </m:mcPr>
+                                </m:mc>
+                              </m:mcs>
+                              <m:ctrlPr>
+                                <a:rPr lang="en-US" i="1" smtClean="0">
+                                  <a:latin typeface="Cambria Math" panose="02040503050406030204" pitchFamily="18" charset="0"/>
+                                </a:rPr>
+                              </m:ctrlPr>
+                            </m:mPr>
+                            <m:mr>
+                              <m:e>
+                                <m:func>
+                                  <m:funcPr>
+                                    <m:ctrlPr>
+                                      <a:rPr lang="en-US" i="1">
+                                        <a:latin typeface="Cambria Math" panose="02040503050406030204" pitchFamily="18" charset="0"/>
+                                      </a:rPr>
+                                    </m:ctrlPr>
+                                  </m:funcPr>
+                                  <m:fName>
+                                    <m:limLow>
+                                      <m:limLowPr>
+                                        <m:ctrlPr>
+                                          <a:rPr lang="en-US" i="1">
+                                            <a:latin typeface="Cambria Math" panose="02040503050406030204" pitchFamily="18" charset="0"/>
+                                          </a:rPr>
+                                        </m:ctrlPr>
+                                      </m:limLowPr>
+                                      <m:e>
+                                        <m:r>
+                                          <m:rPr>
+                                            <m:sty m:val="p"/>
+                                          </m:rPr>
+                                          <a:rPr lang="en-US">
+                                            <a:latin typeface="Cambria Math" panose="02040503050406030204" pitchFamily="18" charset="0"/>
+                                          </a:rPr>
+                                          <m:t>min</m:t>
+                                        </m:r>
+                                      </m:e>
+                                      <m:lim>
+                                        <m:r>
+                                          <a:rPr lang="en-US" i="1">
+                                            <a:latin typeface="Cambria Math" panose="02040503050406030204" pitchFamily="18" charset="0"/>
+                                          </a:rPr>
+                                          <m:t> </m:t>
+                                        </m:r>
+                                      </m:lim>
+                                    </m:limLow>
+                                  </m:fName>
+                                  <m:e>
+                                    <m:d>
+                                      <m:dPr>
+                                        <m:begChr m:val="{"/>
+                                        <m:endChr m:val="}"/>
+                                        <m:ctrlPr>
+                                          <a:rPr lang="en-US" i="1">
+                                            <a:latin typeface="Cambria Math" panose="02040503050406030204" pitchFamily="18" charset="0"/>
+                                          </a:rPr>
+                                        </m:ctrlPr>
+                                      </m:dPr>
+                                      <m:e>
+                                        <m:r>
+                                          <a:rPr lang="en-US" i="1">
+                                            <a:latin typeface="Cambria Math" panose="02040503050406030204" pitchFamily="18" charset="0"/>
+                                          </a:rPr>
+                                          <m:t>𝑘</m:t>
+                                        </m:r>
+                                        <m:r>
+                                          <a:rPr lang="en-US" i="1">
+                                            <a:latin typeface="Cambria Math" panose="02040503050406030204" pitchFamily="18" charset="0"/>
+                                            <a:ea typeface="Cambria Math" panose="02040503050406030204" pitchFamily="18" charset="0"/>
+                                          </a:rPr>
+                                          <m:t>≥0, </m:t>
+                                        </m:r>
+                                        <m:r>
+                                          <a:rPr lang="en-US" i="1">
+                                            <a:latin typeface="Cambria Math" panose="02040503050406030204" pitchFamily="18" charset="0"/>
+                                            <a:ea typeface="Cambria Math" panose="02040503050406030204" pitchFamily="18" charset="0"/>
+                                          </a:rPr>
+                                          <m:t>𝑏𝑖𝑡</m:t>
+                                        </m:r>
+                                        <m:d>
+                                          <m:dPr>
+                                            <m:ctrlPr>
+                                              <a:rPr lang="en-US" i="1">
+                                                <a:latin typeface="Cambria Math" panose="02040503050406030204" pitchFamily="18" charset="0"/>
+                                                <a:ea typeface="Cambria Math" panose="02040503050406030204" pitchFamily="18" charset="0"/>
+                                              </a:rPr>
+                                            </m:ctrlPr>
+                                          </m:dPr>
+                                          <m:e>
+                                            <m:r>
+                                              <a:rPr lang="en-US" i="1">
+                                                <a:latin typeface="Cambria Math" panose="02040503050406030204" pitchFamily="18" charset="0"/>
+                                                <a:ea typeface="Cambria Math" panose="02040503050406030204" pitchFamily="18" charset="0"/>
+                                              </a:rPr>
+                                              <m:t>𝑦</m:t>
+                                            </m:r>
+                                            <m:r>
+                                              <a:rPr lang="en-US" i="1">
+                                                <a:latin typeface="Cambria Math" panose="02040503050406030204" pitchFamily="18" charset="0"/>
+                                                <a:ea typeface="Cambria Math" panose="02040503050406030204" pitchFamily="18" charset="0"/>
+                                              </a:rPr>
+                                              <m:t>,</m:t>
+                                            </m:r>
+                                            <m:r>
+                                              <a:rPr lang="en-US" i="1">
+                                                <a:latin typeface="Cambria Math" panose="02040503050406030204" pitchFamily="18" charset="0"/>
+                                                <a:ea typeface="Cambria Math" panose="02040503050406030204" pitchFamily="18" charset="0"/>
+                                              </a:rPr>
+                                              <m:t>𝑘</m:t>
+                                            </m:r>
+                                          </m:e>
+                                        </m:d>
+                                      </m:e>
+                                    </m:d>
+                                  </m:e>
+                                </m:func>
+                              </m:e>
+                              <m:e>
+                                <m:r>
+                                  <a:rPr lang="en-US" b="0" i="1" smtClean="0">
+                                    <a:latin typeface="Cambria Math" panose="02040503050406030204" pitchFamily="18" charset="0"/>
+                                  </a:rPr>
+                                  <m:t>𝐿</m:t>
+                                </m:r>
+                                <m:r>
+                                  <a:rPr lang="en-US" b="0" i="1" smtClean="0">
+                                    <a:latin typeface="Cambria Math" panose="02040503050406030204" pitchFamily="18" charset="0"/>
+                                    <a:ea typeface="Cambria Math" panose="02040503050406030204" pitchFamily="18" charset="0"/>
+                                  </a:rPr>
+                                  <m:t>&gt;</m:t>
+                                </m:r>
+                                <m:r>
+                                  <a:rPr lang="en-US" b="0" i="1" smtClean="0">
+                                    <a:latin typeface="Cambria Math" panose="02040503050406030204" pitchFamily="18" charset="0"/>
+                                  </a:rPr>
+                                  <m:t>𝑦</m:t>
+                                </m:r>
+                                <m:r>
+                                  <a:rPr lang="en-US" b="0" i="1" smtClean="0">
+                                    <a:latin typeface="Cambria Math" panose="02040503050406030204" pitchFamily="18" charset="0"/>
+                                  </a:rPr>
+                                  <m:t>&gt;0</m:t>
+                                </m:r>
+                              </m:e>
+                            </m:mr>
+                            <m:mr>
+                              <m:e>
+                                <m:r>
+                                  <a:rPr lang="en-US" b="0" i="1" smtClean="0">
+                                    <a:latin typeface="Cambria Math" panose="02040503050406030204" pitchFamily="18" charset="0"/>
+                                  </a:rPr>
+                                  <m:t>𝐿</m:t>
+                                </m:r>
+                              </m:e>
+                              <m:e>
+                                <m:r>
+                                  <a:rPr lang="en-US" b="0" i="1" smtClean="0">
+                                    <a:latin typeface="Cambria Math" panose="02040503050406030204" pitchFamily="18" charset="0"/>
+                                  </a:rPr>
+                                  <m:t>𝑦</m:t>
+                                </m:r>
+                                <m:r>
+                                  <a:rPr lang="en-US" b="0" i="1" smtClean="0">
+                                    <a:latin typeface="Cambria Math" panose="02040503050406030204" pitchFamily="18" charset="0"/>
+                                  </a:rPr>
+                                  <m:t>=</m:t>
+                                </m:r>
+                                <m:r>
+                                  <a:rPr lang="en-US" b="0" i="1" smtClean="0">
+                                    <a:latin typeface="Cambria Math" panose="02040503050406030204" pitchFamily="18" charset="0"/>
+                                  </a:rPr>
+                                  <m:t>𝐿</m:t>
+                                </m:r>
+                              </m:e>
+                            </m:mr>
+                          </m:m>
+                          <m:m>
+                            <m:mPr>
+                              <m:mcs>
+                                <m:mc>
+                                  <m:mcPr>
+                                    <m:count m:val="1"/>
+                                    <m:mcJc m:val="center"/>
+                                  </m:mcPr>
+                                </m:mc>
+                              </m:mcs>
+                              <m:ctrlPr>
+                                <a:rPr lang="en-US" i="1" smtClean="0">
+                                  <a:latin typeface="Cambria Math" panose="02040503050406030204" pitchFamily="18" charset="0"/>
+                                </a:rPr>
+                              </m:ctrlPr>
+                            </m:mPr>
+                            <m:mr>
+                              <m:e>
+                                <m:r>
+                                  <m:rPr>
+                                    <m:brk m:alnAt="7"/>
+                                  </m:rPr>
+                                  <a:rPr lang="en-US" b="0" i="1" smtClean="0">
+                                    <a:latin typeface="Cambria Math" panose="02040503050406030204" pitchFamily="18" charset="0"/>
+                                  </a:rPr>
+                                  <m:t> </m:t>
+                                </m:r>
+                              </m:e>
+                            </m:mr>
+                            <m:mr>
+                              <m:e>
+                                <m:r>
+                                  <a:rPr lang="en-US" b="0" i="1" smtClean="0">
+                                    <a:latin typeface="Cambria Math" panose="02040503050406030204" pitchFamily="18" charset="0"/>
+                                  </a:rPr>
+                                  <m:t> </m:t>
+                                </m:r>
+                              </m:e>
+                            </m:mr>
+                          </m:m>
+                        </m:e>
+                      </m:d>
+                    </m:oMath>
+                  </m:oMathPara>
+                </a14:m>
+                <a:endParaRPr lang="en-US" dirty="0"/>
+              </a:p>
+              <a:p>
+                <a:endParaRPr lang="en-US" dirty="0"/>
+              </a:p>
+              <a:p>
+                <a:pPr lvl="1"/>
+                <a:endParaRPr lang="en-US" dirty="0"/>
+              </a:p>
+            </p:txBody>
+          </p:sp>
+        </mc:Choice>
+        <mc:Fallback xmlns="">
+          <p:sp>
+            <p:nvSpPr>
+              <p:cNvPr id="3" name="Content Placeholder 2">
+                <a:extLst>
+                  <a:ext uri="{FF2B5EF4-FFF2-40B4-BE49-F238E27FC236}">
+                    <a16:creationId xmlns:a16="http://schemas.microsoft.com/office/drawing/2014/main" id="{DAA1415E-5F79-BA37-0603-090C7FDC3FC6}"/>
+                  </a:ext>
+                </a:extLst>
+              </p:cNvPr>
+              <p:cNvSpPr>
+                <a:spLocks noGrp="1" noRot="1" noChangeAspect="1" noMove="1" noResize="1" noEditPoints="1" noAdjustHandles="1" noChangeArrowheads="1" noChangeShapeType="1" noTextEdit="1"/>
+              </p:cNvSpPr>
+              <p:nvPr>
+                <p:ph idx="1"/>
+              </p:nvPr>
+            </p:nvSpPr>
+            <p:spPr>
+              <a:xfrm>
+                <a:off x="784412" y="1324927"/>
+                <a:ext cx="10515600" cy="5138767"/>
+              </a:xfrm>
+              <a:blipFill>
+                <a:blip r:embed="rId3"/>
+                <a:stretch>
+                  <a:fillRect l="-1507" t="-2491"/>
+                </a:stretch>
+              </a:blipFill>
+            </p:spPr>
+            <p:txBody>
+              <a:bodyPr/>
+              <a:lstStyle/>
+              <a:p>
+                <a:r>
+                  <a:rPr lang="en-US">
+                    <a:noFill/>
+                  </a:rPr>
+                  <a:t> </a:t>
+                </a:r>
+              </a:p>
+            </p:txBody>
+          </p:sp>
+        </mc:Fallback>
+      </mc:AlternateContent>
+      <p:sp>
+        <p:nvSpPr>
+          <p:cNvPr id="6" name="Title 1">
+            <a:extLst>
+              <a:ext uri="{FF2B5EF4-FFF2-40B4-BE49-F238E27FC236}">
+                <a16:creationId xmlns:a16="http://schemas.microsoft.com/office/drawing/2014/main" id="{48F6F3E9-01BD-D2B7-F4A7-ADF4479B635B}"/>
+              </a:ext>
+            </a:extLst>
+          </p:cNvPr>
+          <p:cNvSpPr txBox="1">
+            <a:spLocks/>
+          </p:cNvSpPr>
+          <p:nvPr/>
+        </p:nvSpPr>
+        <p:spPr>
+          <a:xfrm>
+            <a:off x="838200" y="-635"/>
+            <a:ext cx="10515600" cy="1325563"/>
+          </a:xfrm>
+          <a:prstGeom prst="rect">
+            <a:avLst/>
+          </a:prstGeom>
+        </p:spPr>
+        <p:txBody>
+          <a:bodyPr vert="horz" lIns="91440" tIns="45720" rIns="91440" bIns="45720" rtlCol="0" anchor="ctr">
+            <a:normAutofit/>
+          </a:bodyPr>
+          <a:lstStyle>
+            <a:lvl1pPr algn="l" defTabSz="914400" rtl="0" eaLnBrk="1" latinLnBrk="0" hangingPunct="1">
+              <a:lnSpc>
+                <a:spcPct val="90000"/>
+              </a:lnSpc>
+              <a:spcBef>
+                <a:spcPct val="0"/>
+              </a:spcBef>
+              <a:buNone/>
+              <a:defRPr sz="4400" kern="1200">
+                <a:solidFill>
+                  <a:schemeClr val="tx1"/>
+                </a:solidFill>
+                <a:latin typeface="+mj-lt"/>
+                <a:ea typeface="+mj-ea"/>
+                <a:cs typeface="+mj-cs"/>
+              </a:defRPr>
+            </a:lvl1pPr>
+          </a:lstStyle>
+          <a:p>
+            <a:r>
+              <a:rPr lang="en-US" dirty="0">
+                <a:latin typeface="+mn-lt"/>
+              </a:rPr>
+              <a:t>Counting Distinct Events – Cardinality </a:t>
+            </a:r>
+          </a:p>
+        </p:txBody>
+      </p:sp>
+    </p:spTree>
+    <p:extLst>
+      <p:ext uri="{BB962C8B-B14F-4D97-AF65-F5344CB8AC3E}">
+        <p14:creationId xmlns:p14="http://schemas.microsoft.com/office/powerpoint/2010/main" val="2136183658"/>
+      </p:ext>
+    </p:extLst>
+  </p:cSld>
+  <p:clrMapOvr>
+    <a:masterClrMapping/>
+  </p:clrMapOvr>
+</p:sld>
+</file>
+
+<file path=ppt/slides/slide44.xml><?xml version="1.0" encoding="utf-8"?>
+<p:sld xmlns:a="http://schemas.openxmlformats.org/drawingml/2006/main" xmlns:r="http://schemas.openxmlformats.org/officeDocument/2006/relationships" xmlns:p="http://schemas.openxmlformats.org/presentationml/2006/main">
+  <p:cSld>
+    <p:spTree>
+      <p:nvGrpSpPr>
+        <p:cNvPr id="1" name="">
+          <a:extLst>
+            <a:ext uri="{FF2B5EF4-FFF2-40B4-BE49-F238E27FC236}">
+              <a16:creationId xmlns:a16="http://schemas.microsoft.com/office/drawing/2014/main" id="{A86633B5-B869-0855-D8E6-461A18F78359}"/>
+            </a:ext>
+          </a:extLst>
+        </p:cNvPr>
+        <p:cNvGrpSpPr/>
+        <p:nvPr/>
+      </p:nvGrpSpPr>
+      <p:grpSpPr>
+        <a:xfrm>
+          <a:off x="0" y="0"/>
+          <a:ext cx="0" cy="0"/>
+          <a:chOff x="0" y="0"/>
+          <a:chExt cx="0" cy="0"/>
+        </a:xfrm>
+      </p:grpSpPr>
+      <mc:AlternateContent xmlns:mc="http://schemas.openxmlformats.org/markup-compatibility/2006">
+        <mc:Choice xmlns:a14="http://schemas.microsoft.com/office/drawing/2010/main" Requires="a14">
+          <p:sp>
+            <p:nvSpPr>
+              <p:cNvPr id="3" name="Content Placeholder 2">
+                <a:extLst>
+                  <a:ext uri="{FF2B5EF4-FFF2-40B4-BE49-F238E27FC236}">
+                    <a16:creationId xmlns:a16="http://schemas.microsoft.com/office/drawing/2014/main" id="{5FE75C6A-6263-A9C8-A730-6C4162D159DE}"/>
+                  </a:ext>
+                </a:extLst>
+              </p:cNvPr>
+              <p:cNvSpPr>
+                <a:spLocks noGrp="1"/>
+              </p:cNvSpPr>
+              <p:nvPr>
+                <p:ph idx="1"/>
+              </p:nvPr>
+            </p:nvSpPr>
+            <p:spPr>
+              <a:xfrm>
+                <a:off x="784412" y="1324927"/>
+                <a:ext cx="10515600" cy="5138767"/>
+              </a:xfrm>
+            </p:spPr>
+            <p:txBody>
+              <a:bodyPr>
+                <a:normAutofit/>
+              </a:bodyPr>
+              <a:lstStyle/>
+              <a:p>
+                <a:pPr marL="0" indent="0">
+                  <a:buNone/>
+                </a:pPr>
+                <a:r>
+                  <a:rPr lang="en-US" sz="3200" dirty="0">
+                    <a:hlinkClick r:id="rId2"/>
+                  </a:rPr>
+                  <a:t>Flajolet-Martin</a:t>
+                </a:r>
+                <a:r>
+                  <a:rPr lang="en-US" sz="3200" dirty="0"/>
+                  <a:t> algorithm for cardinality </a:t>
+                </a:r>
+                <a:endParaRPr lang="en-US" sz="3200" b="1" dirty="0"/>
+              </a:p>
+              <a:p>
+                <a:r>
+                  <a:rPr lang="en-US" dirty="0"/>
+                  <a:t>The least significant 0 bit for binary number </a:t>
+                </a:r>
+                <a14:m>
+                  <m:oMath xmlns:m="http://schemas.openxmlformats.org/officeDocument/2006/math">
+                    <m:r>
+                      <a:rPr lang="en-US" b="0" i="1" smtClean="0">
+                        <a:latin typeface="Cambria Math" panose="02040503050406030204" pitchFamily="18" charset="0"/>
+                      </a:rPr>
+                      <m:t>𝑦</m:t>
+                    </m:r>
+                  </m:oMath>
+                </a14:m>
+                <a:r>
+                  <a:rPr lang="en-US" dirty="0"/>
+                  <a:t> is expressed:   </a:t>
+                </a:r>
+              </a:p>
+              <a:p>
+                <a:pPr marL="0" indent="0">
+                  <a:buNone/>
+                </a:pPr>
+                <a:endParaRPr lang="en-US" sz="1100" dirty="0"/>
+              </a:p>
+              <a:p>
+                <a:pPr marL="0" indent="0">
+                  <a:buNone/>
+                </a:pPr>
+                <a14:m>
+                  <m:oMathPara xmlns:m="http://schemas.openxmlformats.org/officeDocument/2006/math">
+                    <m:oMathParaPr>
+                      <m:jc m:val="centerGroup"/>
+                    </m:oMathParaPr>
+                    <m:oMath xmlns:m="http://schemas.openxmlformats.org/officeDocument/2006/math">
+                      <m:r>
+                        <a:rPr lang="en-US" b="0" i="1" smtClean="0">
+                          <a:latin typeface="Cambria Math" panose="02040503050406030204" pitchFamily="18" charset="0"/>
+                        </a:rPr>
+                        <m:t>𝑝</m:t>
+                      </m:r>
+                      <m:d>
+                        <m:dPr>
+                          <m:ctrlPr>
+                            <a:rPr lang="en-US" b="0" i="1" smtClean="0">
+                              <a:latin typeface="Cambria Math" panose="02040503050406030204" pitchFamily="18" charset="0"/>
+                            </a:rPr>
+                          </m:ctrlPr>
+                        </m:dPr>
+                        <m:e>
+                          <m:r>
+                            <a:rPr lang="en-US" b="0" i="1" smtClean="0">
+                              <a:latin typeface="Cambria Math" panose="02040503050406030204" pitchFamily="18" charset="0"/>
+                            </a:rPr>
+                            <m:t>𝑦</m:t>
+                          </m:r>
+                        </m:e>
+                      </m:d>
+                      <m:r>
+                        <a:rPr lang="en-US" b="0" i="1" smtClean="0">
+                          <a:latin typeface="Cambria Math" panose="02040503050406030204" pitchFamily="18" charset="0"/>
+                        </a:rPr>
+                        <m:t>=</m:t>
+                      </m:r>
+                      <m:d>
+                        <m:dPr>
+                          <m:begChr m:val="{"/>
+                          <m:endChr m:val=""/>
+                          <m:ctrlPr>
+                            <a:rPr lang="en-US" i="1" smtClean="0">
+                              <a:latin typeface="Cambria Math" panose="02040503050406030204" pitchFamily="18" charset="0"/>
+                            </a:rPr>
+                          </m:ctrlPr>
+                        </m:dPr>
+                        <m:e>
+                          <m:m>
+                            <m:mPr>
+                              <m:mcs>
+                                <m:mc>
+                                  <m:mcPr>
+                                    <m:count m:val="2"/>
+                                    <m:mcJc m:val="center"/>
+                                  </m:mcPr>
+                                </m:mc>
+                              </m:mcs>
+                              <m:ctrlPr>
+                                <a:rPr lang="en-US" i="1" smtClean="0">
+                                  <a:latin typeface="Cambria Math" panose="02040503050406030204" pitchFamily="18" charset="0"/>
+                                </a:rPr>
+                              </m:ctrlPr>
+                            </m:mPr>
+                            <m:mr>
+                              <m:e>
+                                <m:func>
+                                  <m:funcPr>
+                                    <m:ctrlPr>
+                                      <a:rPr lang="en-US" i="1">
+                                        <a:latin typeface="Cambria Math" panose="02040503050406030204" pitchFamily="18" charset="0"/>
+                                      </a:rPr>
+                                    </m:ctrlPr>
+                                  </m:funcPr>
+                                  <m:fName>
+                                    <m:limLow>
+                                      <m:limLowPr>
+                                        <m:ctrlPr>
+                                          <a:rPr lang="en-US" i="1">
+                                            <a:latin typeface="Cambria Math" panose="02040503050406030204" pitchFamily="18" charset="0"/>
+                                          </a:rPr>
+                                        </m:ctrlPr>
+                                      </m:limLowPr>
+                                      <m:e>
+                                        <m:r>
+                                          <m:rPr>
+                                            <m:sty m:val="p"/>
+                                          </m:rPr>
+                                          <a:rPr lang="en-US">
+                                            <a:latin typeface="Cambria Math" panose="02040503050406030204" pitchFamily="18" charset="0"/>
+                                          </a:rPr>
+                                          <m:t>min</m:t>
+                                        </m:r>
+                                      </m:e>
+                                      <m:lim>
+                                        <m:r>
+                                          <a:rPr lang="en-US" i="1">
+                                            <a:latin typeface="Cambria Math" panose="02040503050406030204" pitchFamily="18" charset="0"/>
+                                          </a:rPr>
+                                          <m:t> </m:t>
+                                        </m:r>
+                                      </m:lim>
+                                    </m:limLow>
+                                  </m:fName>
+                                  <m:e>
+                                    <m:d>
+                                      <m:dPr>
+                                        <m:begChr m:val="{"/>
+                                        <m:endChr m:val="}"/>
+                                        <m:ctrlPr>
+                                          <a:rPr lang="en-US" i="1">
+                                            <a:latin typeface="Cambria Math" panose="02040503050406030204" pitchFamily="18" charset="0"/>
+                                          </a:rPr>
+                                        </m:ctrlPr>
+                                      </m:dPr>
+                                      <m:e>
+                                        <m:r>
+                                          <a:rPr lang="en-US" i="1">
+                                            <a:latin typeface="Cambria Math" panose="02040503050406030204" pitchFamily="18" charset="0"/>
+                                          </a:rPr>
+                                          <m:t>𝑘</m:t>
+                                        </m:r>
+                                        <m:r>
+                                          <a:rPr lang="en-US" i="1">
+                                            <a:latin typeface="Cambria Math" panose="02040503050406030204" pitchFamily="18" charset="0"/>
+                                            <a:ea typeface="Cambria Math" panose="02040503050406030204" pitchFamily="18" charset="0"/>
+                                          </a:rPr>
+                                          <m:t>≥0, </m:t>
+                                        </m:r>
+                                        <m:r>
+                                          <a:rPr lang="en-US" i="1">
+                                            <a:latin typeface="Cambria Math" panose="02040503050406030204" pitchFamily="18" charset="0"/>
+                                            <a:ea typeface="Cambria Math" panose="02040503050406030204" pitchFamily="18" charset="0"/>
+                                          </a:rPr>
+                                          <m:t>𝑏𝑖𝑡</m:t>
+                                        </m:r>
+                                        <m:d>
+                                          <m:dPr>
+                                            <m:ctrlPr>
+                                              <a:rPr lang="en-US" i="1">
+                                                <a:latin typeface="Cambria Math" panose="02040503050406030204" pitchFamily="18" charset="0"/>
+                                                <a:ea typeface="Cambria Math" panose="02040503050406030204" pitchFamily="18" charset="0"/>
+                                              </a:rPr>
+                                            </m:ctrlPr>
+                                          </m:dPr>
+                                          <m:e>
+                                            <m:r>
+                                              <a:rPr lang="en-US" i="1">
+                                                <a:latin typeface="Cambria Math" panose="02040503050406030204" pitchFamily="18" charset="0"/>
+                                                <a:ea typeface="Cambria Math" panose="02040503050406030204" pitchFamily="18" charset="0"/>
+                                              </a:rPr>
+                                              <m:t>𝑦</m:t>
+                                            </m:r>
+                                            <m:r>
+                                              <a:rPr lang="en-US" i="1">
+                                                <a:latin typeface="Cambria Math" panose="02040503050406030204" pitchFamily="18" charset="0"/>
+                                                <a:ea typeface="Cambria Math" panose="02040503050406030204" pitchFamily="18" charset="0"/>
+                                              </a:rPr>
+                                              <m:t>,</m:t>
+                                            </m:r>
+                                            <m:r>
+                                              <a:rPr lang="en-US" i="1">
+                                                <a:latin typeface="Cambria Math" panose="02040503050406030204" pitchFamily="18" charset="0"/>
+                                                <a:ea typeface="Cambria Math" panose="02040503050406030204" pitchFamily="18" charset="0"/>
+                                              </a:rPr>
+                                              <m:t>𝑘</m:t>
+                                            </m:r>
+                                          </m:e>
+                                        </m:d>
+                                      </m:e>
+                                    </m:d>
+                                  </m:e>
+                                </m:func>
+                              </m:e>
+                              <m:e>
+                                <m:r>
+                                  <a:rPr lang="en-US" b="0" i="1" smtClean="0">
+                                    <a:latin typeface="Cambria Math" panose="02040503050406030204" pitchFamily="18" charset="0"/>
+                                  </a:rPr>
+                                  <m:t>𝐿</m:t>
+                                </m:r>
+                                <m:r>
+                                  <a:rPr lang="en-US" b="0" i="1" smtClean="0">
+                                    <a:latin typeface="Cambria Math" panose="02040503050406030204" pitchFamily="18" charset="0"/>
+                                    <a:ea typeface="Cambria Math" panose="02040503050406030204" pitchFamily="18" charset="0"/>
+                                  </a:rPr>
+                                  <m:t>&gt;</m:t>
+                                </m:r>
+                                <m:r>
+                                  <a:rPr lang="en-US" b="0" i="1" smtClean="0">
+                                    <a:latin typeface="Cambria Math" panose="02040503050406030204" pitchFamily="18" charset="0"/>
+                                  </a:rPr>
+                                  <m:t>𝑦</m:t>
+                                </m:r>
+                                <m:r>
+                                  <a:rPr lang="en-US" b="0" i="1" smtClean="0">
+                                    <a:latin typeface="Cambria Math" panose="02040503050406030204" pitchFamily="18" charset="0"/>
+                                  </a:rPr>
+                                  <m:t>&gt;0</m:t>
+                                </m:r>
+                              </m:e>
+                            </m:mr>
+                            <m:mr>
+                              <m:e>
+                                <m:r>
+                                  <a:rPr lang="en-US" b="0" i="1" smtClean="0">
+                                    <a:latin typeface="Cambria Math" panose="02040503050406030204" pitchFamily="18" charset="0"/>
+                                  </a:rPr>
+                                  <m:t>𝐿</m:t>
+                                </m:r>
+                              </m:e>
+                              <m:e>
+                                <m:r>
+                                  <a:rPr lang="en-US" b="0" i="1" smtClean="0">
+                                    <a:latin typeface="Cambria Math" panose="02040503050406030204" pitchFamily="18" charset="0"/>
+                                  </a:rPr>
+                                  <m:t>𝑦</m:t>
+                                </m:r>
+                                <m:r>
+                                  <a:rPr lang="en-US" b="0" i="1" smtClean="0">
+                                    <a:latin typeface="Cambria Math" panose="02040503050406030204" pitchFamily="18" charset="0"/>
+                                  </a:rPr>
+                                  <m:t>=</m:t>
+                                </m:r>
+                                <m:r>
+                                  <a:rPr lang="en-US" b="0" i="1" smtClean="0">
+                                    <a:latin typeface="Cambria Math" panose="02040503050406030204" pitchFamily="18" charset="0"/>
+                                  </a:rPr>
+                                  <m:t>𝐿</m:t>
+                                </m:r>
+                              </m:e>
+                            </m:mr>
+                          </m:m>
+                          <m:m>
+                            <m:mPr>
+                              <m:mcs>
+                                <m:mc>
+                                  <m:mcPr>
+                                    <m:count m:val="1"/>
+                                    <m:mcJc m:val="center"/>
+                                  </m:mcPr>
+                                </m:mc>
+                              </m:mcs>
+                              <m:ctrlPr>
+                                <a:rPr lang="en-US" i="1" smtClean="0">
+                                  <a:latin typeface="Cambria Math" panose="02040503050406030204" pitchFamily="18" charset="0"/>
+                                </a:rPr>
+                              </m:ctrlPr>
+                            </m:mPr>
+                            <m:mr>
+                              <m:e>
+                                <m:r>
+                                  <m:rPr>
+                                    <m:brk m:alnAt="7"/>
+                                  </m:rPr>
+                                  <a:rPr lang="en-US" b="0" i="1" smtClean="0">
+                                    <a:latin typeface="Cambria Math" panose="02040503050406030204" pitchFamily="18" charset="0"/>
+                                  </a:rPr>
+                                  <m:t> </m:t>
+                                </m:r>
+                              </m:e>
+                            </m:mr>
+                            <m:mr>
+                              <m:e>
+                                <m:r>
+                                  <a:rPr lang="en-US" b="0" i="1" smtClean="0">
+                                    <a:latin typeface="Cambria Math" panose="02040503050406030204" pitchFamily="18" charset="0"/>
+                                  </a:rPr>
+                                  <m:t> </m:t>
+                                </m:r>
+                              </m:e>
+                            </m:mr>
+                          </m:m>
+                        </m:e>
+                      </m:d>
+                    </m:oMath>
+                  </m:oMathPara>
+                </a14:m>
+                <a:endParaRPr lang="en-US" dirty="0"/>
+              </a:p>
+              <a:p>
+                <a:endParaRPr lang="en-US" dirty="0"/>
+              </a:p>
+              <a:p>
+                <a:endParaRPr lang="en-US" dirty="0"/>
+              </a:p>
+              <a:p>
+                <a:pPr lvl="1"/>
+                <a:endParaRPr lang="en-US" dirty="0"/>
+              </a:p>
+            </p:txBody>
+          </p:sp>
+        </mc:Choice>
+        <mc:Fallback>
+          <p:sp>
+            <p:nvSpPr>
+              <p:cNvPr id="3" name="Content Placeholder 2">
+                <a:extLst>
+                  <a:ext uri="{FF2B5EF4-FFF2-40B4-BE49-F238E27FC236}">
+                    <a16:creationId xmlns:a16="http://schemas.microsoft.com/office/drawing/2014/main" id="{5FE75C6A-6263-A9C8-A730-6C4162D159DE}"/>
+                  </a:ext>
+                </a:extLst>
+              </p:cNvPr>
+              <p:cNvSpPr>
+                <a:spLocks noGrp="1" noRot="1" noChangeAspect="1" noMove="1" noResize="1" noEditPoints="1" noAdjustHandles="1" noChangeArrowheads="1" noChangeShapeType="1" noTextEdit="1"/>
+              </p:cNvSpPr>
+              <p:nvPr>
+                <p:ph idx="1"/>
+              </p:nvPr>
+            </p:nvSpPr>
+            <p:spPr>
+              <a:xfrm>
+                <a:off x="784412" y="1324927"/>
+                <a:ext cx="10515600" cy="5138767"/>
+              </a:xfrm>
+              <a:blipFill>
+                <a:blip r:embed="rId3"/>
+                <a:stretch>
+                  <a:fillRect l="-1507" t="-2491"/>
+                </a:stretch>
+              </a:blipFill>
+            </p:spPr>
+            <p:txBody>
+              <a:bodyPr/>
+              <a:lstStyle/>
+              <a:p>
+                <a:r>
+                  <a:rPr lang="en-US">
+                    <a:noFill/>
+                  </a:rPr>
+                  <a:t> </a:t>
+                </a:r>
+              </a:p>
+            </p:txBody>
+          </p:sp>
+        </mc:Fallback>
+      </mc:AlternateContent>
+      <p:sp>
+        <p:nvSpPr>
+          <p:cNvPr id="6" name="Title 1">
+            <a:extLst>
+              <a:ext uri="{FF2B5EF4-FFF2-40B4-BE49-F238E27FC236}">
+                <a16:creationId xmlns:a16="http://schemas.microsoft.com/office/drawing/2014/main" id="{46870A41-DB6E-516A-0641-9FC8658E57F8}"/>
+              </a:ext>
+            </a:extLst>
+          </p:cNvPr>
+          <p:cNvSpPr txBox="1">
+            <a:spLocks/>
+          </p:cNvSpPr>
+          <p:nvPr/>
+        </p:nvSpPr>
+        <p:spPr>
+          <a:xfrm>
+            <a:off x="838200" y="-635"/>
+            <a:ext cx="10515600" cy="1325563"/>
+          </a:xfrm>
+          <a:prstGeom prst="rect">
+            <a:avLst/>
+          </a:prstGeom>
+        </p:spPr>
+        <p:txBody>
+          <a:bodyPr vert="horz" lIns="91440" tIns="45720" rIns="91440" bIns="45720" rtlCol="0" anchor="ctr">
+            <a:normAutofit/>
+          </a:bodyPr>
+          <a:lstStyle>
+            <a:lvl1pPr algn="l" defTabSz="914400" rtl="0" eaLnBrk="1" latinLnBrk="0" hangingPunct="1">
+              <a:lnSpc>
+                <a:spcPct val="90000"/>
+              </a:lnSpc>
+              <a:spcBef>
+                <a:spcPct val="0"/>
+              </a:spcBef>
+              <a:buNone/>
+              <a:defRPr sz="4400" kern="1200">
+                <a:solidFill>
+                  <a:schemeClr val="tx1"/>
+                </a:solidFill>
+                <a:latin typeface="+mj-lt"/>
+                <a:ea typeface="+mj-ea"/>
+                <a:cs typeface="+mj-cs"/>
+              </a:defRPr>
+            </a:lvl1pPr>
+          </a:lstStyle>
+          <a:p>
+            <a:r>
+              <a:rPr lang="en-US" dirty="0">
+                <a:latin typeface="+mn-lt"/>
+              </a:rPr>
+              <a:t>Counting Distinct Events – Cardinality </a:t>
+            </a:r>
+          </a:p>
+        </p:txBody>
+      </p:sp>
+    </p:spTree>
+    <p:extLst>
+      <p:ext uri="{BB962C8B-B14F-4D97-AF65-F5344CB8AC3E}">
+        <p14:creationId xmlns:p14="http://schemas.microsoft.com/office/powerpoint/2010/main" val="1029616081"/>
+      </p:ext>
+    </p:extLst>
+  </p:cSld>
+  <p:clrMapOvr>
+    <a:masterClrMapping/>
+  </p:clrMapOvr>
+</p:sld>
+</file>
+
+<file path=ppt/slides/slide45.xml><?xml version="1.0" encoding="utf-8"?>
+<p:sld xmlns:a="http://schemas.openxmlformats.org/drawingml/2006/main" xmlns:r="http://schemas.openxmlformats.org/officeDocument/2006/relationships" xmlns:p="http://schemas.openxmlformats.org/presentationml/2006/main">
+  <p:cSld>
+    <p:spTree>
+      <p:nvGrpSpPr>
+        <p:cNvPr id="1" name=""/>
+        <p:cNvGrpSpPr/>
+        <p:nvPr/>
+      </p:nvGrpSpPr>
+      <p:grpSpPr>
+        <a:xfrm>
+          <a:off x="0" y="0"/>
+          <a:ext cx="0" cy="0"/>
+          <a:chOff x="0" y="0"/>
+          <a:chExt cx="0" cy="0"/>
+        </a:xfrm>
+      </p:grpSpPr>
+      <mc:AlternateContent xmlns:mc="http://schemas.openxmlformats.org/markup-compatibility/2006" xmlns:a14="http://schemas.microsoft.com/office/drawing/2010/main">
+        <mc:Choice Requires="a14">
+          <p:sp>
+            <p:nvSpPr>
+              <p:cNvPr id="3" name="Content Placeholder 2">
+                <a:extLst>
+                  <a:ext uri="{FF2B5EF4-FFF2-40B4-BE49-F238E27FC236}">
+                    <a16:creationId xmlns:a16="http://schemas.microsoft.com/office/drawing/2014/main" id="{258E6AF3-7615-4BD1-878E-A94C93E98F90}"/>
+                  </a:ext>
+                </a:extLst>
+              </p:cNvPr>
+              <p:cNvSpPr>
+                <a:spLocks noGrp="1"/>
+              </p:cNvSpPr>
+              <p:nvPr>
+                <p:ph idx="1"/>
+              </p:nvPr>
+            </p:nvSpPr>
+            <p:spPr>
+              <a:xfrm>
+                <a:off x="784412" y="1324927"/>
+                <a:ext cx="10515600" cy="5138767"/>
+              </a:xfrm>
+            </p:spPr>
+            <p:txBody>
+              <a:bodyPr>
+                <a:normAutofit lnSpcReduction="10000"/>
+              </a:bodyPr>
+              <a:lstStyle/>
+              <a:p>
+                <a:pPr marL="0" indent="0">
+                  <a:buNone/>
+                </a:pPr>
+                <a:r>
+                  <a:rPr lang="en-US" sz="3200" dirty="0">
+                    <a:hlinkClick r:id="rId2"/>
+                  </a:rPr>
+                  <a:t>Flajolet-Martin</a:t>
+                </a:r>
+                <a:r>
+                  <a:rPr lang="en-US" sz="3200" dirty="0"/>
+                  <a:t> algorithm for cardinality </a:t>
+                </a:r>
+                <a:endParaRPr lang="en-US" sz="3200" b="1" dirty="0"/>
+              </a:p>
+              <a:p>
+                <a:r>
+                  <a:rPr lang="en-US" dirty="0"/>
+                  <a:t>Use binary hash values of event identifiers</a:t>
+                </a:r>
+              </a:p>
+              <a:p>
+                <a:pPr lvl="1"/>
+                <a14:m>
+                  <m:oMath xmlns:m="http://schemas.openxmlformats.org/officeDocument/2006/math">
+                    <m:r>
+                      <a:rPr lang="en-US" b="0" i="1" smtClean="0">
+                        <a:latin typeface="Cambria Math" panose="02040503050406030204" pitchFamily="18" charset="0"/>
+                      </a:rPr>
+                      <m:t>h</m:t>
+                    </m:r>
+                    <m:d>
+                      <m:dPr>
+                        <m:ctrlPr>
+                          <a:rPr lang="en-US" b="0" i="1" smtClean="0">
+                            <a:latin typeface="Cambria Math" panose="02040503050406030204" pitchFamily="18" charset="0"/>
+                          </a:rPr>
+                        </m:ctrlPr>
+                      </m:dPr>
+                      <m:e>
+                        <m:r>
+                          <a:rPr lang="en-US" b="0" i="1" smtClean="0">
+                            <a:latin typeface="Cambria Math" panose="02040503050406030204" pitchFamily="18" charset="0"/>
+                          </a:rPr>
+                          <m:t>𝑥</m:t>
+                        </m:r>
+                      </m:e>
+                    </m:d>
+                  </m:oMath>
+                </a14:m>
+                <a:r>
+                  <a:rPr lang="en-US" dirty="0"/>
+                  <a:t>maps input </a:t>
+                </a:r>
+                <a14:m>
+                  <m:oMath xmlns:m="http://schemas.openxmlformats.org/officeDocument/2006/math">
+                    <m:r>
+                      <a:rPr lang="en-US" b="0" i="1" smtClean="0">
+                        <a:latin typeface="Cambria Math" panose="02040503050406030204" pitchFamily="18" charset="0"/>
+                      </a:rPr>
+                      <m:t>𝑥</m:t>
+                    </m:r>
+                    <m:r>
+                      <a:rPr lang="en-US" b="0" i="1" smtClean="0">
+                        <a:latin typeface="Cambria Math" panose="02040503050406030204" pitchFamily="18" charset="0"/>
+                        <a:ea typeface="Cambria Math" panose="02040503050406030204" pitchFamily="18" charset="0"/>
+                      </a:rPr>
+                      <m:t>→</m:t>
+                    </m:r>
+                  </m:oMath>
+                </a14:m>
+                <a:r>
+                  <a:rPr lang="en-US" dirty="0"/>
+                  <a:t> binary representation, </a:t>
+                </a:r>
+                <a14:m>
+                  <m:oMath xmlns:m="http://schemas.openxmlformats.org/officeDocument/2006/math">
+                    <m:r>
+                      <a:rPr lang="en-US" b="0" i="1" smtClean="0">
+                        <a:latin typeface="Cambria Math" panose="02040503050406030204" pitchFamily="18" charset="0"/>
+                      </a:rPr>
+                      <m:t>𝑦</m:t>
+                    </m:r>
+                  </m:oMath>
+                </a14:m>
+                <a:r>
+                  <a:rPr lang="en-US" dirty="0"/>
+                  <a:t>  </a:t>
+                </a:r>
+              </a:p>
+              <a:p>
+                <a:pPr lvl="1"/>
+                <a14:m>
+                  <m:oMath xmlns:m="http://schemas.openxmlformats.org/officeDocument/2006/math">
+                    <m:r>
+                      <a:rPr lang="en-US" b="0" i="1" smtClean="0">
+                        <a:latin typeface="Cambria Math" panose="02040503050406030204" pitchFamily="18" charset="0"/>
+                      </a:rPr>
+                      <m:t>h</m:t>
+                    </m:r>
+                    <m:d>
+                      <m:dPr>
+                        <m:ctrlPr>
+                          <a:rPr lang="en-US" b="0" i="1" smtClean="0">
+                            <a:latin typeface="Cambria Math" panose="02040503050406030204" pitchFamily="18" charset="0"/>
+                          </a:rPr>
+                        </m:ctrlPr>
+                      </m:dPr>
+                      <m:e>
+                        <m:r>
+                          <a:rPr lang="en-US" b="0" i="1" smtClean="0">
+                            <a:latin typeface="Cambria Math" panose="02040503050406030204" pitchFamily="18" charset="0"/>
+                          </a:rPr>
+                          <m:t>𝑥</m:t>
+                        </m:r>
+                      </m:e>
+                    </m:d>
+                  </m:oMath>
+                </a14:m>
+                <a:r>
+                  <a:rPr lang="en-US" dirty="0"/>
+                  <a:t>has range </a:t>
+                </a:r>
+                <a14:m>
+                  <m:oMath xmlns:m="http://schemas.openxmlformats.org/officeDocument/2006/math">
+                    <m:d>
+                      <m:dPr>
+                        <m:begChr m:val="{"/>
+                        <m:endChr m:val="}"/>
+                        <m:ctrlPr>
+                          <a:rPr lang="en-US" i="1" smtClean="0">
+                            <a:latin typeface="Cambria Math" panose="02040503050406030204" pitchFamily="18" charset="0"/>
+                          </a:rPr>
+                        </m:ctrlPr>
+                      </m:dPr>
+                      <m:e>
+                        <m:r>
+                          <a:rPr lang="en-US" b="0" i="1" smtClean="0">
+                            <a:latin typeface="Cambria Math" panose="02040503050406030204" pitchFamily="18" charset="0"/>
+                          </a:rPr>
+                          <m:t>0;</m:t>
+                        </m:r>
+                        <m:sSup>
+                          <m:sSupPr>
+                            <m:ctrlPr>
+                              <a:rPr lang="en-US" b="0" i="1" smtClean="0">
+                                <a:latin typeface="Cambria Math" panose="02040503050406030204" pitchFamily="18" charset="0"/>
+                              </a:rPr>
+                            </m:ctrlPr>
+                          </m:sSupPr>
+                          <m:e>
+                            <m:r>
+                              <a:rPr lang="en-US" b="0" i="1" smtClean="0">
+                                <a:latin typeface="Cambria Math" panose="02040503050406030204" pitchFamily="18" charset="0"/>
+                              </a:rPr>
+                              <m:t>2</m:t>
+                            </m:r>
+                          </m:e>
+                          <m:sup>
+                            <m:r>
+                              <a:rPr lang="en-US" b="0" i="1" smtClean="0">
+                                <a:latin typeface="Cambria Math" panose="02040503050406030204" pitchFamily="18" charset="0"/>
+                              </a:rPr>
+                              <m:t>𝐿</m:t>
+                            </m:r>
+                          </m:sup>
+                        </m:sSup>
+                        <m:r>
+                          <a:rPr lang="en-US" b="0" i="1" smtClean="0">
+                            <a:latin typeface="Cambria Math" panose="02040503050406030204" pitchFamily="18" charset="0"/>
+                          </a:rPr>
+                          <m:t>−1</m:t>
+                        </m:r>
+                      </m:e>
+                    </m:d>
+                  </m:oMath>
+                </a14:m>
+                <a:r>
+                  <a:rPr lang="en-US" dirty="0"/>
+                  <a:t>, a binary string of length </a:t>
+                </a:r>
+                <a14:m>
+                  <m:oMath xmlns:m="http://schemas.openxmlformats.org/officeDocument/2006/math">
+                    <m:r>
+                      <a:rPr lang="en-US" b="0" i="1" smtClean="0">
+                        <a:latin typeface="Cambria Math" panose="02040503050406030204" pitchFamily="18" charset="0"/>
+                      </a:rPr>
+                      <m:t>𝐿</m:t>
+                    </m:r>
+                  </m:oMath>
+                </a14:m>
+                <a:endParaRPr lang="en-US" dirty="0"/>
+              </a:p>
+              <a:p>
+                <a:r>
+                  <a:rPr lang="en-US" dirty="0"/>
+                  <a:t>The </a:t>
+                </a:r>
+                <a14:m>
+                  <m:oMath xmlns:m="http://schemas.openxmlformats.org/officeDocument/2006/math">
+                    <m:r>
+                      <a:rPr lang="en-US" b="0" i="1" smtClean="0">
+                        <a:latin typeface="Cambria Math" panose="02040503050406030204" pitchFamily="18" charset="0"/>
+                      </a:rPr>
+                      <m:t>𝐿</m:t>
+                    </m:r>
+                  </m:oMath>
+                </a14:m>
+                <a:r>
+                  <a:rPr lang="en-US" dirty="0"/>
+                  <a:t> bit hash is written: </a:t>
+                </a:r>
+              </a:p>
+              <a:p>
+                <a:pPr marL="0" indent="0">
+                  <a:buNone/>
+                </a:pPr>
+                <a14:m>
+                  <m:oMathPara xmlns:m="http://schemas.openxmlformats.org/officeDocument/2006/math">
+                    <m:oMathParaPr>
+                      <m:jc m:val="centerGroup"/>
+                    </m:oMathParaPr>
+                    <m:oMath xmlns:m="http://schemas.openxmlformats.org/officeDocument/2006/math">
                       <m:r>
                         <a:rPr lang="en-US" b="0" i="1" smtClean="0">
                           <a:latin typeface="Cambria Math" panose="02040503050406030204" pitchFamily="18" charset="0"/>
@@ -36457,7 +38890,7 @@
                         <a:rPr lang="en-US" b="0" i="1" smtClean="0">
                           <a:latin typeface="Cambria Math" panose="02040503050406030204" pitchFamily="18" charset="0"/>
                         </a:rPr>
-                        <m:t>)=</m:t>
+                        <m:t>=</m:t>
                       </m:r>
                       <m:nary>
                         <m:naryPr>
@@ -36962,7 +39395,7 @@
             </p:txBody>
           </p:sp>
         </mc:Choice>
-        <mc:Fallback>
+        <mc:Fallback xmlns="">
           <p:sp>
             <p:nvSpPr>
               <p:cNvPr id="3" name="Content Placeholder 2">
@@ -37075,7 +39508,7 @@
 </p:sld>
 </file>
 
-<file path=ppt/slides/slide42.xml><?xml version="1.0" encoding="utf-8"?>
+<file path=ppt/slides/slide46.xml><?xml version="1.0" encoding="utf-8"?>
 <p:sld xmlns:a="http://schemas.openxmlformats.org/drawingml/2006/main" xmlns:r="http://schemas.openxmlformats.org/officeDocument/2006/relationships" xmlns:p="http://schemas.openxmlformats.org/presentationml/2006/main">
   <p:cSld>
     <p:spTree>
@@ -38164,7 +40597,7 @@
 </p:sld>
 </file>
 
-<file path=ppt/slides/slide43.xml><?xml version="1.0" encoding="utf-8"?>
+<file path=ppt/slides/slide47.xml><?xml version="1.0" encoding="utf-8"?>
 <p:sld xmlns:a="http://schemas.openxmlformats.org/drawingml/2006/main" xmlns:r="http://schemas.openxmlformats.org/officeDocument/2006/relationships" xmlns:p="http://schemas.openxmlformats.org/presentationml/2006/main">
   <p:cSld>
     <p:spTree>
@@ -38662,7 +41095,7 @@
 </p:sld>
 </file>
 
-<file path=ppt/slides/slide44.xml><?xml version="1.0" encoding="utf-8"?>
+<file path=ppt/slides/slide48.xml><?xml version="1.0" encoding="utf-8"?>
 <p:sld xmlns:a="http://schemas.openxmlformats.org/drawingml/2006/main" xmlns:r="http://schemas.openxmlformats.org/officeDocument/2006/relationships" xmlns:p="http://schemas.openxmlformats.org/presentationml/2006/main">
   <p:cSld>
     <p:spTree>
@@ -39445,7 +41878,7 @@
 </p:sld>
 </file>
 
-<file path=ppt/slides/slide45.xml><?xml version="1.0" encoding="utf-8"?>
+<file path=ppt/slides/slide49.xml><?xml version="1.0" encoding="utf-8"?>
 <p:sld xmlns:a="http://schemas.openxmlformats.org/drawingml/2006/main" xmlns:r="http://schemas.openxmlformats.org/officeDocument/2006/relationships" xmlns:p="http://schemas.openxmlformats.org/presentationml/2006/main">
   <p:cSld>
     <p:spTree>
@@ -39900,7 +42333,490 @@
 </p:sld>
 </file>
 
-<file path=ppt/slides/slide46.xml><?xml version="1.0" encoding="utf-8"?>
+<file path=ppt/slides/slide5.xml><?xml version="1.0" encoding="utf-8"?>
+<p:sld xmlns:a="http://schemas.openxmlformats.org/drawingml/2006/main" xmlns:r="http://schemas.openxmlformats.org/officeDocument/2006/relationships" xmlns:p="http://schemas.openxmlformats.org/presentationml/2006/main">
+  <p:cSld>
+    <p:spTree>
+      <p:nvGrpSpPr>
+        <p:cNvPr id="1" name=""/>
+        <p:cNvGrpSpPr/>
+        <p:nvPr/>
+      </p:nvGrpSpPr>
+      <p:grpSpPr>
+        <a:xfrm>
+          <a:off x="0" y="0"/>
+          <a:ext cx="0" cy="0"/>
+          <a:chOff x="0" y="0"/>
+          <a:chExt cx="0" cy="0"/>
+        </a:xfrm>
+      </p:grpSpPr>
+      <p:sp>
+        <p:nvSpPr>
+          <p:cNvPr id="3" name="Content Placeholder 2">
+            <a:extLst>
+              <a:ext uri="{FF2B5EF4-FFF2-40B4-BE49-F238E27FC236}">
+                <a16:creationId xmlns:a16="http://schemas.microsoft.com/office/drawing/2014/main" id="{258E6AF3-7615-4BD1-878E-A94C93E98F90}"/>
+              </a:ext>
+            </a:extLst>
+          </p:cNvPr>
+          <p:cNvSpPr>
+            <a:spLocks noGrp="1"/>
+          </p:cNvSpPr>
+          <p:nvPr>
+            <p:ph idx="1"/>
+          </p:nvPr>
+        </p:nvSpPr>
+        <p:spPr>
+          <a:xfrm>
+            <a:off x="784412" y="1324928"/>
+            <a:ext cx="10515600" cy="4958516"/>
+          </a:xfrm>
+        </p:spPr>
+        <p:txBody>
+          <a:bodyPr/>
+          <a:lstStyle/>
+          <a:p>
+            <a:pPr marL="0" indent="0">
+              <a:buNone/>
+            </a:pPr>
+            <a:r>
+              <a:rPr lang="en-US" sz="3200" dirty="0"/>
+              <a:t>Difficulties with streaming analytics      </a:t>
+            </a:r>
+            <a:endParaRPr lang="en-US" sz="3200" b="1" dirty="0"/>
+          </a:p>
+          <a:p>
+            <a:r>
+              <a:rPr lang="en-US" dirty="0"/>
+              <a:t>Data volumes can be massive   </a:t>
+            </a:r>
+          </a:p>
+          <a:p>
+            <a:r>
+              <a:rPr lang="en-US" dirty="0"/>
+              <a:t>2</a:t>
+            </a:r>
+            <a:r>
+              <a:rPr lang="en-US" baseline="30000" dirty="0"/>
+              <a:t>nd</a:t>
+            </a:r>
+            <a:r>
+              <a:rPr lang="en-US" dirty="0"/>
+              <a:t> Example – Large scale    </a:t>
+            </a:r>
+          </a:p>
+          <a:p>
+            <a:pPr lvl="1"/>
+            <a:r>
+              <a:rPr lang="en-US" dirty="0"/>
+              <a:t>Power company with real-time energy monitoring of 10</a:t>
+            </a:r>
+            <a:r>
+              <a:rPr lang="en-US" baseline="30000" dirty="0"/>
+              <a:t>7</a:t>
+            </a:r>
+            <a:r>
+              <a:rPr lang="en-US" dirty="0"/>
+              <a:t> customer sites    </a:t>
+            </a:r>
+          </a:p>
+          <a:p>
+            <a:pPr lvl="1"/>
+            <a:r>
+              <a:rPr lang="en-US" dirty="0"/>
+              <a:t>4 bytes every 10 </a:t>
+            </a:r>
+            <a:r>
+              <a:rPr lang="en-US" dirty="0" err="1"/>
+              <a:t>ms</a:t>
+            </a:r>
+            <a:r>
+              <a:rPr lang="en-US" dirty="0"/>
+              <a:t> per customer  </a:t>
+            </a:r>
+          </a:p>
+          <a:p>
+            <a:pPr lvl="1"/>
+            <a:r>
+              <a:rPr lang="en-US" dirty="0"/>
+              <a:t>34,560 bytes per customer per day   </a:t>
+            </a:r>
+          </a:p>
+          <a:p>
+            <a:pPr lvl="1"/>
+            <a:r>
+              <a:rPr lang="en-US" dirty="0"/>
+              <a:t>346 M bytes total per day </a:t>
+            </a:r>
+          </a:p>
+          <a:p>
+            <a:pPr lvl="1"/>
+            <a:r>
+              <a:rPr lang="en-US" dirty="0"/>
+              <a:t>126 T bytes per year  </a:t>
+            </a:r>
+          </a:p>
+          <a:p>
+            <a:r>
+              <a:rPr lang="en-US" dirty="0"/>
+              <a:t>Network bandwidth is limited </a:t>
+            </a:r>
+          </a:p>
+        </p:txBody>
+      </p:sp>
+      <p:sp>
+        <p:nvSpPr>
+          <p:cNvPr id="6" name="Title 1">
+            <a:extLst>
+              <a:ext uri="{FF2B5EF4-FFF2-40B4-BE49-F238E27FC236}">
+                <a16:creationId xmlns:a16="http://schemas.microsoft.com/office/drawing/2014/main" id="{CD29F70F-B868-451B-A65D-8721F4C7A2D9}"/>
+              </a:ext>
+            </a:extLst>
+          </p:cNvPr>
+          <p:cNvSpPr txBox="1">
+            <a:spLocks/>
+          </p:cNvSpPr>
+          <p:nvPr/>
+        </p:nvSpPr>
+        <p:spPr>
+          <a:xfrm>
+            <a:off x="838200" y="-635"/>
+            <a:ext cx="10515600" cy="1325563"/>
+          </a:xfrm>
+          <a:prstGeom prst="rect">
+            <a:avLst/>
+          </a:prstGeom>
+        </p:spPr>
+        <p:txBody>
+          <a:bodyPr vert="horz" lIns="91440" tIns="45720" rIns="91440" bIns="45720" rtlCol="0" anchor="ctr">
+            <a:normAutofit/>
+          </a:bodyPr>
+          <a:lstStyle>
+            <a:lvl1pPr algn="l" defTabSz="914400" rtl="0" eaLnBrk="1" latinLnBrk="0" hangingPunct="1">
+              <a:lnSpc>
+                <a:spcPct val="90000"/>
+              </a:lnSpc>
+              <a:spcBef>
+                <a:spcPct val="0"/>
+              </a:spcBef>
+              <a:buNone/>
+              <a:defRPr sz="4400" kern="1200">
+                <a:solidFill>
+                  <a:schemeClr val="tx1"/>
+                </a:solidFill>
+                <a:latin typeface="+mj-lt"/>
+                <a:ea typeface="+mj-ea"/>
+                <a:cs typeface="+mj-cs"/>
+              </a:defRPr>
+            </a:lvl1pPr>
+          </a:lstStyle>
+          <a:p>
+            <a:r>
+              <a:rPr lang="en-US" dirty="0">
+                <a:latin typeface="+mn-lt"/>
+              </a:rPr>
+              <a:t>Streaming Analytics</a:t>
+            </a:r>
+          </a:p>
+        </p:txBody>
+      </p:sp>
+    </p:spTree>
+    <p:extLst>
+      <p:ext uri="{BB962C8B-B14F-4D97-AF65-F5344CB8AC3E}">
+        <p14:creationId xmlns:p14="http://schemas.microsoft.com/office/powerpoint/2010/main" val="3854372621"/>
+      </p:ext>
+    </p:extLst>
+  </p:cSld>
+  <p:clrMapOvr>
+    <a:masterClrMapping/>
+  </p:clrMapOvr>
+  <p:timing>
+    <p:tnLst>
+      <p:par>
+        <p:cTn id="1" dur="indefinite" restart="never" nodeType="tmRoot">
+          <p:childTnLst>
+            <p:seq concurrent="1" nextAc="seek">
+              <p:cTn id="2" dur="indefinite" nodeType="mainSeq">
+                <p:childTnLst>
+                  <p:par>
+                    <p:cTn id="3" fill="hold">
+                      <p:stCondLst>
+                        <p:cond delay="indefinite"/>
+                      </p:stCondLst>
+                      <p:childTnLst>
+                        <p:par>
+                          <p:cTn id="4" fill="hold">
+                            <p:stCondLst>
+                              <p:cond delay="0"/>
+                            </p:stCondLst>
+                            <p:childTnLst>
+                              <p:par>
+                                <p:cTn id="5" presetID="1" presetClass="entr" presetSubtype="0" fill="hold" nodeType="clickEffect">
+                                  <p:stCondLst>
+                                    <p:cond delay="0"/>
+                                  </p:stCondLst>
+                                  <p:childTnLst>
+                                    <p:set>
+                                      <p:cBhvr>
+                                        <p:cTn id="6" dur="1" fill="hold">
+                                          <p:stCondLst>
+                                            <p:cond delay="0"/>
+                                          </p:stCondLst>
+                                        </p:cTn>
+                                        <p:tgtEl>
+                                          <p:spTgt spid="3">
+                                            <p:txEl>
+                                              <p:pRg st="2" end="2"/>
+                                            </p:txEl>
+                                          </p:spTgt>
+                                        </p:tgtEl>
+                                        <p:attrNameLst>
+                                          <p:attrName>style.visibility</p:attrName>
+                                        </p:attrNameLst>
+                                      </p:cBhvr>
+                                      <p:to>
+                                        <p:strVal val="visible"/>
+                                      </p:to>
+                                    </p:set>
+                                  </p:childTnLst>
+                                </p:cTn>
+                              </p:par>
+                              <p:par>
+                                <p:cTn id="7" presetID="1" presetClass="entr" presetSubtype="0" fill="hold" nodeType="withEffect">
+                                  <p:stCondLst>
+                                    <p:cond delay="0"/>
+                                  </p:stCondLst>
+                                  <p:childTnLst>
+                                    <p:set>
+                                      <p:cBhvr>
+                                        <p:cTn id="8" dur="1" fill="hold">
+                                          <p:stCondLst>
+                                            <p:cond delay="0"/>
+                                          </p:stCondLst>
+                                        </p:cTn>
+                                        <p:tgtEl>
+                                          <p:spTgt spid="3">
+                                            <p:txEl>
+                                              <p:pRg st="3" end="3"/>
+                                            </p:txEl>
+                                          </p:spTgt>
+                                        </p:tgtEl>
+                                        <p:attrNameLst>
+                                          <p:attrName>style.visibility</p:attrName>
+                                        </p:attrNameLst>
+                                      </p:cBhvr>
+                                      <p:to>
+                                        <p:strVal val="visible"/>
+                                      </p:to>
+                                    </p:set>
+                                  </p:childTnLst>
+                                </p:cTn>
+                              </p:par>
+                              <p:par>
+                                <p:cTn id="9" presetID="1" presetClass="entr" presetSubtype="0" fill="hold" nodeType="withEffect">
+                                  <p:stCondLst>
+                                    <p:cond delay="0"/>
+                                  </p:stCondLst>
+                                  <p:childTnLst>
+                                    <p:set>
+                                      <p:cBhvr>
+                                        <p:cTn id="10" dur="1" fill="hold">
+                                          <p:stCondLst>
+                                            <p:cond delay="0"/>
+                                          </p:stCondLst>
+                                        </p:cTn>
+                                        <p:tgtEl>
+                                          <p:spTgt spid="3">
+                                            <p:txEl>
+                                              <p:pRg st="4" end="4"/>
+                                            </p:txEl>
+                                          </p:spTgt>
+                                        </p:tgtEl>
+                                        <p:attrNameLst>
+                                          <p:attrName>style.visibility</p:attrName>
+                                        </p:attrNameLst>
+                                      </p:cBhvr>
+                                      <p:to>
+                                        <p:strVal val="visible"/>
+                                      </p:to>
+                                    </p:set>
+                                  </p:childTnLst>
+                                </p:cTn>
+                              </p:par>
+                              <p:par>
+                                <p:cTn id="11" presetID="1" presetClass="entr" presetSubtype="0" fill="hold" nodeType="withEffect">
+                                  <p:stCondLst>
+                                    <p:cond delay="0"/>
+                                  </p:stCondLst>
+                                  <p:childTnLst>
+                                    <p:set>
+                                      <p:cBhvr>
+                                        <p:cTn id="12" dur="1" fill="hold">
+                                          <p:stCondLst>
+                                            <p:cond delay="0"/>
+                                          </p:stCondLst>
+                                        </p:cTn>
+                                        <p:tgtEl>
+                                          <p:spTgt spid="3">
+                                            <p:txEl>
+                                              <p:pRg st="5" end="5"/>
+                                            </p:txEl>
+                                          </p:spTgt>
+                                        </p:tgtEl>
+                                        <p:attrNameLst>
+                                          <p:attrName>style.visibility</p:attrName>
+                                        </p:attrNameLst>
+                                      </p:cBhvr>
+                                      <p:to>
+                                        <p:strVal val="visible"/>
+                                      </p:to>
+                                    </p:set>
+                                  </p:childTnLst>
+                                </p:cTn>
+                              </p:par>
+                              <p:par>
+                                <p:cTn id="13" presetID="1" presetClass="entr" presetSubtype="0" fill="hold" nodeType="withEffect">
+                                  <p:stCondLst>
+                                    <p:cond delay="0"/>
+                                  </p:stCondLst>
+                                  <p:childTnLst>
+                                    <p:set>
+                                      <p:cBhvr>
+                                        <p:cTn id="14" dur="1" fill="hold">
+                                          <p:stCondLst>
+                                            <p:cond delay="0"/>
+                                          </p:stCondLst>
+                                        </p:cTn>
+                                        <p:tgtEl>
+                                          <p:spTgt spid="3">
+                                            <p:txEl>
+                                              <p:pRg st="6" end="6"/>
+                                            </p:txEl>
+                                          </p:spTgt>
+                                        </p:tgtEl>
+                                        <p:attrNameLst>
+                                          <p:attrName>style.visibility</p:attrName>
+                                        </p:attrNameLst>
+                                      </p:cBhvr>
+                                      <p:to>
+                                        <p:strVal val="visible"/>
+                                      </p:to>
+                                    </p:set>
+                                  </p:childTnLst>
+                                </p:cTn>
+                              </p:par>
+                              <p:par>
+                                <p:cTn id="15" presetID="1" presetClass="entr" presetSubtype="0" fill="hold" nodeType="withEffect">
+                                  <p:stCondLst>
+                                    <p:cond delay="0"/>
+                                  </p:stCondLst>
+                                  <p:childTnLst>
+                                    <p:set>
+                                      <p:cBhvr>
+                                        <p:cTn id="16" dur="1" fill="hold">
+                                          <p:stCondLst>
+                                            <p:cond delay="0"/>
+                                          </p:stCondLst>
+                                        </p:cTn>
+                                        <p:tgtEl>
+                                          <p:spTgt spid="3">
+                                            <p:txEl>
+                                              <p:pRg st="7" end="7"/>
+                                            </p:txEl>
+                                          </p:spTgt>
+                                        </p:tgtEl>
+                                        <p:attrNameLst>
+                                          <p:attrName>style.visibility</p:attrName>
+                                        </p:attrNameLst>
+                                      </p:cBhvr>
+                                      <p:to>
+                                        <p:strVal val="visible"/>
+                                      </p:to>
+                                    </p:set>
+                                  </p:childTnLst>
+                                </p:cTn>
+                              </p:par>
+                            </p:childTnLst>
+                          </p:cTn>
+                        </p:par>
+                      </p:childTnLst>
+                    </p:cTn>
+                  </p:par>
+                  <p:par>
+                    <p:cTn id="17" fill="hold">
+                      <p:stCondLst>
+                        <p:cond delay="indefinite"/>
+                      </p:stCondLst>
+                      <p:childTnLst>
+                        <p:par>
+                          <p:cTn id="18" fill="hold">
+                            <p:stCondLst>
+                              <p:cond delay="0"/>
+                            </p:stCondLst>
+                            <p:childTnLst>
+                              <p:par>
+                                <p:cTn id="19" presetID="1" presetClass="entr" presetSubtype="0" fill="hold" nodeType="clickEffect">
+                                  <p:stCondLst>
+                                    <p:cond delay="0"/>
+                                  </p:stCondLst>
+                                  <p:childTnLst>
+                                    <p:set>
+                                      <p:cBhvr>
+                                        <p:cTn id="20" dur="1" fill="hold">
+                                          <p:stCondLst>
+                                            <p:cond delay="0"/>
+                                          </p:stCondLst>
+                                        </p:cTn>
+                                        <p:tgtEl>
+                                          <p:spTgt spid="3">
+                                            <p:txEl>
+                                              <p:pRg st="8" end="8"/>
+                                            </p:txEl>
+                                          </p:spTgt>
+                                        </p:tgtEl>
+                                        <p:attrNameLst>
+                                          <p:attrName>style.visibility</p:attrName>
+                                        </p:attrNameLst>
+                                      </p:cBhvr>
+                                      <p:to>
+                                        <p:strVal val="visible"/>
+                                      </p:to>
+                                    </p:set>
+                                  </p:childTnLst>
+                                </p:cTn>
+                              </p:par>
+                            </p:childTnLst>
+                          </p:cTn>
+                        </p:par>
+                      </p:childTnLst>
+                    </p:cTn>
+                  </p:par>
+                </p:childTnLst>
+              </p:cTn>
+              <p:prevCondLst>
+                <p:cond evt="onPrev" delay="0">
+                  <p:tgtEl>
+                    <p:sldTgt/>
+                  </p:tgtEl>
+                </p:cond>
+              </p:prevCondLst>
+              <p:nextCondLst>
+                <p:cond evt="onNext" delay="0">
+                  <p:tgtEl>
+                    <p:sldTgt/>
+                  </p:tgtEl>
+                </p:cond>
+              </p:nextCondLst>
+            </p:seq>
+          </p:childTnLst>
+        </p:cTn>
+      </p:par>
+    </p:tnLst>
+  </p:timing>
+</p:sld>
+</file>
+
+<file path=ppt/slides/slide50.xml><?xml version="1.0" encoding="utf-8"?>
 <p:sld xmlns:a="http://schemas.openxmlformats.org/drawingml/2006/main" xmlns:r="http://schemas.openxmlformats.org/officeDocument/2006/relationships" xmlns:p="http://schemas.openxmlformats.org/presentationml/2006/main">
   <p:cSld>
     <p:spTree>
@@ -40405,7 +43321,7 @@
 </p:sld>
 </file>
 
-<file path=ppt/slides/slide47.xml><?xml version="1.0" encoding="utf-8"?>
+<file path=ppt/slides/slide51.xml><?xml version="1.0" encoding="utf-8"?>
 <p:sld xmlns:a="http://schemas.openxmlformats.org/drawingml/2006/main" xmlns:r="http://schemas.openxmlformats.org/officeDocument/2006/relationships" xmlns:p="http://schemas.openxmlformats.org/presentationml/2006/main">
   <p:cSld>
     <p:spTree>
@@ -41192,7 +44108,7 @@
 </p:sld>
 </file>
 
-<file path=ppt/slides/slide48.xml><?xml version="1.0" encoding="utf-8"?>
+<file path=ppt/slides/slide52.xml><?xml version="1.0" encoding="utf-8"?>
 <p:sld xmlns:a="http://schemas.openxmlformats.org/drawingml/2006/main" xmlns:r="http://schemas.openxmlformats.org/officeDocument/2006/relationships" xmlns:p="http://schemas.openxmlformats.org/presentationml/2006/main">
   <p:cSld>
     <p:spTree>
@@ -41930,7 +44846,7 @@
 </p:sld>
 </file>
 
-<file path=ppt/slides/slide49.xml><?xml version="1.0" encoding="utf-8"?>
+<file path=ppt/slides/slide53.xml><?xml version="1.0" encoding="utf-8"?>
 <p:sld xmlns:a="http://schemas.openxmlformats.org/drawingml/2006/main" xmlns:r="http://schemas.openxmlformats.org/officeDocument/2006/relationships" xmlns:p="http://schemas.openxmlformats.org/presentationml/2006/main">
   <p:cSld>
     <p:spTree>
@@ -42727,489 +45643,6 @@
                                           <p:spTgt spid="3">
                                             <p:txEl>
                                               <p:pRg st="11" end="11"/>
-                                            </p:txEl>
-                                          </p:spTgt>
-                                        </p:tgtEl>
-                                        <p:attrNameLst>
-                                          <p:attrName>style.visibility</p:attrName>
-                                        </p:attrNameLst>
-                                      </p:cBhvr>
-                                      <p:to>
-                                        <p:strVal val="visible"/>
-                                      </p:to>
-                                    </p:set>
-                                  </p:childTnLst>
-                                </p:cTn>
-                              </p:par>
-                            </p:childTnLst>
-                          </p:cTn>
-                        </p:par>
-                      </p:childTnLst>
-                    </p:cTn>
-                  </p:par>
-                </p:childTnLst>
-              </p:cTn>
-              <p:prevCondLst>
-                <p:cond evt="onPrev" delay="0">
-                  <p:tgtEl>
-                    <p:sldTgt/>
-                  </p:tgtEl>
-                </p:cond>
-              </p:prevCondLst>
-              <p:nextCondLst>
-                <p:cond evt="onNext" delay="0">
-                  <p:tgtEl>
-                    <p:sldTgt/>
-                  </p:tgtEl>
-                </p:cond>
-              </p:nextCondLst>
-            </p:seq>
-          </p:childTnLst>
-        </p:cTn>
-      </p:par>
-    </p:tnLst>
-  </p:timing>
-</p:sld>
-</file>
-
-<file path=ppt/slides/slide5.xml><?xml version="1.0" encoding="utf-8"?>
-<p:sld xmlns:a="http://schemas.openxmlformats.org/drawingml/2006/main" xmlns:r="http://schemas.openxmlformats.org/officeDocument/2006/relationships" xmlns:p="http://schemas.openxmlformats.org/presentationml/2006/main">
-  <p:cSld>
-    <p:spTree>
-      <p:nvGrpSpPr>
-        <p:cNvPr id="1" name=""/>
-        <p:cNvGrpSpPr/>
-        <p:nvPr/>
-      </p:nvGrpSpPr>
-      <p:grpSpPr>
-        <a:xfrm>
-          <a:off x="0" y="0"/>
-          <a:ext cx="0" cy="0"/>
-          <a:chOff x="0" y="0"/>
-          <a:chExt cx="0" cy="0"/>
-        </a:xfrm>
-      </p:grpSpPr>
-      <p:sp>
-        <p:nvSpPr>
-          <p:cNvPr id="3" name="Content Placeholder 2">
-            <a:extLst>
-              <a:ext uri="{FF2B5EF4-FFF2-40B4-BE49-F238E27FC236}">
-                <a16:creationId xmlns:a16="http://schemas.microsoft.com/office/drawing/2014/main" id="{258E6AF3-7615-4BD1-878E-A94C93E98F90}"/>
-              </a:ext>
-            </a:extLst>
-          </p:cNvPr>
-          <p:cNvSpPr>
-            <a:spLocks noGrp="1"/>
-          </p:cNvSpPr>
-          <p:nvPr>
-            <p:ph idx="1"/>
-          </p:nvPr>
-        </p:nvSpPr>
-        <p:spPr>
-          <a:xfrm>
-            <a:off x="784412" y="1324928"/>
-            <a:ext cx="10515600" cy="4958516"/>
-          </a:xfrm>
-        </p:spPr>
-        <p:txBody>
-          <a:bodyPr/>
-          <a:lstStyle/>
-          <a:p>
-            <a:pPr marL="0" indent="0">
-              <a:buNone/>
-            </a:pPr>
-            <a:r>
-              <a:rPr lang="en-US" sz="3200" dirty="0"/>
-              <a:t>Difficulties with streaming analytics      </a:t>
-            </a:r>
-            <a:endParaRPr lang="en-US" sz="3200" b="1" dirty="0"/>
-          </a:p>
-          <a:p>
-            <a:r>
-              <a:rPr lang="en-US" dirty="0"/>
-              <a:t>Data volumes can be massive   </a:t>
-            </a:r>
-          </a:p>
-          <a:p>
-            <a:r>
-              <a:rPr lang="en-US" dirty="0"/>
-              <a:t>2</a:t>
-            </a:r>
-            <a:r>
-              <a:rPr lang="en-US" baseline="30000" dirty="0"/>
-              <a:t>nd</a:t>
-            </a:r>
-            <a:r>
-              <a:rPr lang="en-US" dirty="0"/>
-              <a:t> Example – Large scale    </a:t>
-            </a:r>
-          </a:p>
-          <a:p>
-            <a:pPr lvl="1"/>
-            <a:r>
-              <a:rPr lang="en-US" dirty="0"/>
-              <a:t>Power company with real-time energy monitoring of 10</a:t>
-            </a:r>
-            <a:r>
-              <a:rPr lang="en-US" baseline="30000" dirty="0"/>
-              <a:t>7</a:t>
-            </a:r>
-            <a:r>
-              <a:rPr lang="en-US" dirty="0"/>
-              <a:t> customer sites    </a:t>
-            </a:r>
-          </a:p>
-          <a:p>
-            <a:pPr lvl="1"/>
-            <a:r>
-              <a:rPr lang="en-US" dirty="0"/>
-              <a:t>4 bytes every 10 </a:t>
-            </a:r>
-            <a:r>
-              <a:rPr lang="en-US" dirty="0" err="1"/>
-              <a:t>ms</a:t>
-            </a:r>
-            <a:r>
-              <a:rPr lang="en-US" dirty="0"/>
-              <a:t> per customer  </a:t>
-            </a:r>
-          </a:p>
-          <a:p>
-            <a:pPr lvl="1"/>
-            <a:r>
-              <a:rPr lang="en-US" dirty="0"/>
-              <a:t>34,560 bytes per customer per day   </a:t>
-            </a:r>
-          </a:p>
-          <a:p>
-            <a:pPr lvl="1"/>
-            <a:r>
-              <a:rPr lang="en-US" dirty="0"/>
-              <a:t>346 M bytes total per day </a:t>
-            </a:r>
-          </a:p>
-          <a:p>
-            <a:pPr lvl="1"/>
-            <a:r>
-              <a:rPr lang="en-US" dirty="0"/>
-              <a:t>126 T bytes per year  </a:t>
-            </a:r>
-          </a:p>
-          <a:p>
-            <a:r>
-              <a:rPr lang="en-US" dirty="0"/>
-              <a:t>Network bandwidth is limited </a:t>
-            </a:r>
-          </a:p>
-        </p:txBody>
-      </p:sp>
-      <p:sp>
-        <p:nvSpPr>
-          <p:cNvPr id="6" name="Title 1">
-            <a:extLst>
-              <a:ext uri="{FF2B5EF4-FFF2-40B4-BE49-F238E27FC236}">
-                <a16:creationId xmlns:a16="http://schemas.microsoft.com/office/drawing/2014/main" id="{CD29F70F-B868-451B-A65D-8721F4C7A2D9}"/>
-              </a:ext>
-            </a:extLst>
-          </p:cNvPr>
-          <p:cNvSpPr txBox="1">
-            <a:spLocks/>
-          </p:cNvSpPr>
-          <p:nvPr/>
-        </p:nvSpPr>
-        <p:spPr>
-          <a:xfrm>
-            <a:off x="838200" y="-635"/>
-            <a:ext cx="10515600" cy="1325563"/>
-          </a:xfrm>
-          <a:prstGeom prst="rect">
-            <a:avLst/>
-          </a:prstGeom>
-        </p:spPr>
-        <p:txBody>
-          <a:bodyPr vert="horz" lIns="91440" tIns="45720" rIns="91440" bIns="45720" rtlCol="0" anchor="ctr">
-            <a:normAutofit/>
-          </a:bodyPr>
-          <a:lstStyle>
-            <a:lvl1pPr algn="l" defTabSz="914400" rtl="0" eaLnBrk="1" latinLnBrk="0" hangingPunct="1">
-              <a:lnSpc>
-                <a:spcPct val="90000"/>
-              </a:lnSpc>
-              <a:spcBef>
-                <a:spcPct val="0"/>
-              </a:spcBef>
-              <a:buNone/>
-              <a:defRPr sz="4400" kern="1200">
-                <a:solidFill>
-                  <a:schemeClr val="tx1"/>
-                </a:solidFill>
-                <a:latin typeface="+mj-lt"/>
-                <a:ea typeface="+mj-ea"/>
-                <a:cs typeface="+mj-cs"/>
-              </a:defRPr>
-            </a:lvl1pPr>
-          </a:lstStyle>
-          <a:p>
-            <a:r>
-              <a:rPr lang="en-US" dirty="0">
-                <a:latin typeface="+mn-lt"/>
-              </a:rPr>
-              <a:t>Streaming Analytics</a:t>
-            </a:r>
-          </a:p>
-        </p:txBody>
-      </p:sp>
-    </p:spTree>
-    <p:extLst>
-      <p:ext uri="{BB962C8B-B14F-4D97-AF65-F5344CB8AC3E}">
-        <p14:creationId xmlns:p14="http://schemas.microsoft.com/office/powerpoint/2010/main" val="3854372621"/>
-      </p:ext>
-    </p:extLst>
-  </p:cSld>
-  <p:clrMapOvr>
-    <a:masterClrMapping/>
-  </p:clrMapOvr>
-  <p:timing>
-    <p:tnLst>
-      <p:par>
-        <p:cTn id="1" dur="indefinite" restart="never" nodeType="tmRoot">
-          <p:childTnLst>
-            <p:seq concurrent="1" nextAc="seek">
-              <p:cTn id="2" dur="indefinite" nodeType="mainSeq">
-                <p:childTnLst>
-                  <p:par>
-                    <p:cTn id="3" fill="hold">
-                      <p:stCondLst>
-                        <p:cond delay="indefinite"/>
-                      </p:stCondLst>
-                      <p:childTnLst>
-                        <p:par>
-                          <p:cTn id="4" fill="hold">
-                            <p:stCondLst>
-                              <p:cond delay="0"/>
-                            </p:stCondLst>
-                            <p:childTnLst>
-                              <p:par>
-                                <p:cTn id="5" presetID="1" presetClass="entr" presetSubtype="0" fill="hold" nodeType="clickEffect">
-                                  <p:stCondLst>
-                                    <p:cond delay="0"/>
-                                  </p:stCondLst>
-                                  <p:childTnLst>
-                                    <p:set>
-                                      <p:cBhvr>
-                                        <p:cTn id="6" dur="1" fill="hold">
-                                          <p:stCondLst>
-                                            <p:cond delay="0"/>
-                                          </p:stCondLst>
-                                        </p:cTn>
-                                        <p:tgtEl>
-                                          <p:spTgt spid="3">
-                                            <p:txEl>
-                                              <p:pRg st="2" end="2"/>
-                                            </p:txEl>
-                                          </p:spTgt>
-                                        </p:tgtEl>
-                                        <p:attrNameLst>
-                                          <p:attrName>style.visibility</p:attrName>
-                                        </p:attrNameLst>
-                                      </p:cBhvr>
-                                      <p:to>
-                                        <p:strVal val="visible"/>
-                                      </p:to>
-                                    </p:set>
-                                  </p:childTnLst>
-                                </p:cTn>
-                              </p:par>
-                              <p:par>
-                                <p:cTn id="7" presetID="1" presetClass="entr" presetSubtype="0" fill="hold" nodeType="withEffect">
-                                  <p:stCondLst>
-                                    <p:cond delay="0"/>
-                                  </p:stCondLst>
-                                  <p:childTnLst>
-                                    <p:set>
-                                      <p:cBhvr>
-                                        <p:cTn id="8" dur="1" fill="hold">
-                                          <p:stCondLst>
-                                            <p:cond delay="0"/>
-                                          </p:stCondLst>
-                                        </p:cTn>
-                                        <p:tgtEl>
-                                          <p:spTgt spid="3">
-                                            <p:txEl>
-                                              <p:pRg st="3" end="3"/>
-                                            </p:txEl>
-                                          </p:spTgt>
-                                        </p:tgtEl>
-                                        <p:attrNameLst>
-                                          <p:attrName>style.visibility</p:attrName>
-                                        </p:attrNameLst>
-                                      </p:cBhvr>
-                                      <p:to>
-                                        <p:strVal val="visible"/>
-                                      </p:to>
-                                    </p:set>
-                                  </p:childTnLst>
-                                </p:cTn>
-                              </p:par>
-                              <p:par>
-                                <p:cTn id="9" presetID="1" presetClass="entr" presetSubtype="0" fill="hold" nodeType="withEffect">
-                                  <p:stCondLst>
-                                    <p:cond delay="0"/>
-                                  </p:stCondLst>
-                                  <p:childTnLst>
-                                    <p:set>
-                                      <p:cBhvr>
-                                        <p:cTn id="10" dur="1" fill="hold">
-                                          <p:stCondLst>
-                                            <p:cond delay="0"/>
-                                          </p:stCondLst>
-                                        </p:cTn>
-                                        <p:tgtEl>
-                                          <p:spTgt spid="3">
-                                            <p:txEl>
-                                              <p:pRg st="4" end="4"/>
-                                            </p:txEl>
-                                          </p:spTgt>
-                                        </p:tgtEl>
-                                        <p:attrNameLst>
-                                          <p:attrName>style.visibility</p:attrName>
-                                        </p:attrNameLst>
-                                      </p:cBhvr>
-                                      <p:to>
-                                        <p:strVal val="visible"/>
-                                      </p:to>
-                                    </p:set>
-                                  </p:childTnLst>
-                                </p:cTn>
-                              </p:par>
-                              <p:par>
-                                <p:cTn id="11" presetID="1" presetClass="entr" presetSubtype="0" fill="hold" nodeType="withEffect">
-                                  <p:stCondLst>
-                                    <p:cond delay="0"/>
-                                  </p:stCondLst>
-                                  <p:childTnLst>
-                                    <p:set>
-                                      <p:cBhvr>
-                                        <p:cTn id="12" dur="1" fill="hold">
-                                          <p:stCondLst>
-                                            <p:cond delay="0"/>
-                                          </p:stCondLst>
-                                        </p:cTn>
-                                        <p:tgtEl>
-                                          <p:spTgt spid="3">
-                                            <p:txEl>
-                                              <p:pRg st="5" end="5"/>
-                                            </p:txEl>
-                                          </p:spTgt>
-                                        </p:tgtEl>
-                                        <p:attrNameLst>
-                                          <p:attrName>style.visibility</p:attrName>
-                                        </p:attrNameLst>
-                                      </p:cBhvr>
-                                      <p:to>
-                                        <p:strVal val="visible"/>
-                                      </p:to>
-                                    </p:set>
-                                  </p:childTnLst>
-                                </p:cTn>
-                              </p:par>
-                              <p:par>
-                                <p:cTn id="13" presetID="1" presetClass="entr" presetSubtype="0" fill="hold" nodeType="withEffect">
-                                  <p:stCondLst>
-                                    <p:cond delay="0"/>
-                                  </p:stCondLst>
-                                  <p:childTnLst>
-                                    <p:set>
-                                      <p:cBhvr>
-                                        <p:cTn id="14" dur="1" fill="hold">
-                                          <p:stCondLst>
-                                            <p:cond delay="0"/>
-                                          </p:stCondLst>
-                                        </p:cTn>
-                                        <p:tgtEl>
-                                          <p:spTgt spid="3">
-                                            <p:txEl>
-                                              <p:pRg st="6" end="6"/>
-                                            </p:txEl>
-                                          </p:spTgt>
-                                        </p:tgtEl>
-                                        <p:attrNameLst>
-                                          <p:attrName>style.visibility</p:attrName>
-                                        </p:attrNameLst>
-                                      </p:cBhvr>
-                                      <p:to>
-                                        <p:strVal val="visible"/>
-                                      </p:to>
-                                    </p:set>
-                                  </p:childTnLst>
-                                </p:cTn>
-                              </p:par>
-                              <p:par>
-                                <p:cTn id="15" presetID="1" presetClass="entr" presetSubtype="0" fill="hold" nodeType="withEffect">
-                                  <p:stCondLst>
-                                    <p:cond delay="0"/>
-                                  </p:stCondLst>
-                                  <p:childTnLst>
-                                    <p:set>
-                                      <p:cBhvr>
-                                        <p:cTn id="16" dur="1" fill="hold">
-                                          <p:stCondLst>
-                                            <p:cond delay="0"/>
-                                          </p:stCondLst>
-                                        </p:cTn>
-                                        <p:tgtEl>
-                                          <p:spTgt spid="3">
-                                            <p:txEl>
-                                              <p:pRg st="7" end="7"/>
-                                            </p:txEl>
-                                          </p:spTgt>
-                                        </p:tgtEl>
-                                        <p:attrNameLst>
-                                          <p:attrName>style.visibility</p:attrName>
-                                        </p:attrNameLst>
-                                      </p:cBhvr>
-                                      <p:to>
-                                        <p:strVal val="visible"/>
-                                      </p:to>
-                                    </p:set>
-                                  </p:childTnLst>
-                                </p:cTn>
-                              </p:par>
-                            </p:childTnLst>
-                          </p:cTn>
-                        </p:par>
-                      </p:childTnLst>
-                    </p:cTn>
-                  </p:par>
-                  <p:par>
-                    <p:cTn id="17" fill="hold">
-                      <p:stCondLst>
-                        <p:cond delay="indefinite"/>
-                      </p:stCondLst>
-                      <p:childTnLst>
-                        <p:par>
-                          <p:cTn id="18" fill="hold">
-                            <p:stCondLst>
-                              <p:cond delay="0"/>
-                            </p:stCondLst>
-                            <p:childTnLst>
-                              <p:par>
-                                <p:cTn id="19" presetID="1" presetClass="entr" presetSubtype="0" fill="hold" nodeType="clickEffect">
-                                  <p:stCondLst>
-                                    <p:cond delay="0"/>
-                                  </p:stCondLst>
-                                  <p:childTnLst>
-                                    <p:set>
-                                      <p:cBhvr>
-                                        <p:cTn id="20" dur="1" fill="hold">
-                                          <p:stCondLst>
-                                            <p:cond delay="0"/>
-                                          </p:stCondLst>
-                                        </p:cTn>
-                                        <p:tgtEl>
-                                          <p:spTgt spid="3">
-                                            <p:txEl>
-                                              <p:pRg st="8" end="8"/>
                                             </p:txEl>
                                           </p:spTgt>
                                         </p:tgtEl>
